--- a/Microservices.pptx
+++ b/Microservices.pptx
@@ -8,13 +8,14 @@
     <p:sldId id="256" r:id="rId2"/>
     <p:sldId id="257" r:id="rId3"/>
     <p:sldId id="258" r:id="rId4"/>
-    <p:sldId id="260" r:id="rId5"/>
-    <p:sldId id="262" r:id="rId6"/>
-    <p:sldId id="263" r:id="rId7"/>
-    <p:sldId id="264" r:id="rId8"/>
-    <p:sldId id="261" r:id="rId9"/>
-    <p:sldId id="259" r:id="rId10"/>
-    <p:sldId id="265" r:id="rId11"/>
+    <p:sldId id="266" r:id="rId5"/>
+    <p:sldId id="260" r:id="rId6"/>
+    <p:sldId id="262" r:id="rId7"/>
+    <p:sldId id="263" r:id="rId8"/>
+    <p:sldId id="264" r:id="rId9"/>
+    <p:sldId id="261" r:id="rId10"/>
+    <p:sldId id="259" r:id="rId11"/>
+    <p:sldId id="265" r:id="rId12"/>
   </p:sldIdLst>
   <p:sldSz cx="9144000" cy="6858000" type="screen4x3"/>
   <p:notesSz cx="6858000" cy="9144000"/>
@@ -3189,6 +3190,135 @@
           <a:p>
             <a:r>
               <a:rPr lang="en-US" dirty="0" smtClean="0"/>
+              <a:t>Failures</a:t>
+            </a:r>
+            <a:endParaRPr lang="ru-RU" dirty="0"/>
+          </a:p>
+        </p:txBody>
+      </p:sp>
+      <p:sp>
+        <p:nvSpPr>
+          <p:cNvPr id="3" name="Объект 2"/>
+          <p:cNvSpPr>
+            <a:spLocks noGrp="1"/>
+          </p:cNvSpPr>
+          <p:nvPr>
+            <p:ph idx="1"/>
+          </p:nvPr>
+        </p:nvSpPr>
+        <p:spPr/>
+        <p:txBody>
+          <a:bodyPr/>
+          <a:lstStyle/>
+          <a:p>
+            <a:r>
+              <a:rPr lang="en-US" dirty="0" smtClean="0"/>
+              <a:t>Be ready for failures</a:t>
+            </a:r>
+          </a:p>
+          <a:p>
+            <a:r>
+              <a:rPr lang="en-US" dirty="0" smtClean="0"/>
+              <a:t>Be ready to recover</a:t>
+            </a:r>
+          </a:p>
+          <a:p>
+            <a:r>
+              <a:rPr lang="en-US" dirty="0" smtClean="0"/>
+              <a:t>Identify failure points</a:t>
+            </a:r>
+          </a:p>
+          <a:p>
+            <a:r>
+              <a:rPr lang="en-US" dirty="0" smtClean="0"/>
+              <a:t>Identify how to recover</a:t>
+            </a:r>
+          </a:p>
+          <a:p>
+            <a:pPr lvl="1"/>
+            <a:r>
+              <a:rPr lang="en-US" dirty="0" smtClean="0"/>
+              <a:t>Sync- client side recovery</a:t>
+            </a:r>
+          </a:p>
+          <a:p>
+            <a:pPr lvl="2"/>
+            <a:r>
+              <a:rPr lang="en-US" dirty="0" smtClean="0"/>
+              <a:t>Responsible: client</a:t>
+            </a:r>
+          </a:p>
+          <a:p>
+            <a:pPr lvl="1"/>
+            <a:r>
+              <a:rPr lang="en-US" dirty="0" err="1" smtClean="0"/>
+              <a:t>Async</a:t>
+            </a:r>
+            <a:r>
+              <a:rPr lang="en-US" dirty="0" smtClean="0"/>
+              <a:t>- server side recovery</a:t>
+            </a:r>
+          </a:p>
+          <a:p>
+            <a:pPr lvl="2"/>
+            <a:r>
+              <a:rPr lang="en-US" dirty="0" smtClean="0"/>
+              <a:t>Responsible: you</a:t>
+            </a:r>
+          </a:p>
+          <a:p>
+            <a:pPr lvl="2"/>
+            <a:endParaRPr lang="ru-RU" dirty="0"/>
+          </a:p>
+        </p:txBody>
+      </p:sp>
+    </p:spTree>
+    <p:extLst>
+      <p:ext uri="{BB962C8B-B14F-4D97-AF65-F5344CB8AC3E}">
+        <p14:creationId xmlns:p14="http://schemas.microsoft.com/office/powerpoint/2010/main" val="2944986697"/>
+      </p:ext>
+    </p:extLst>
+  </p:cSld>
+  <p:clrMapOvr>
+    <a:masterClrMapping/>
+  </p:clrMapOvr>
+</p:sld>
+</file>
+
+<file path=ppt/slides/slide11.xml><?xml version="1.0" encoding="utf-8"?>
+<p:sld xmlns:a="http://schemas.openxmlformats.org/drawingml/2006/main" xmlns:r="http://schemas.openxmlformats.org/officeDocument/2006/relationships" xmlns:p="http://schemas.openxmlformats.org/presentationml/2006/main">
+  <p:cSld>
+    <p:spTree>
+      <p:nvGrpSpPr>
+        <p:cNvPr id="1" name=""/>
+        <p:cNvGrpSpPr/>
+        <p:nvPr/>
+      </p:nvGrpSpPr>
+      <p:grpSpPr>
+        <a:xfrm>
+          <a:off x="0" y="0"/>
+          <a:ext cx="0" cy="0"/>
+          <a:chOff x="0" y="0"/>
+          <a:chExt cx="0" cy="0"/>
+        </a:xfrm>
+      </p:grpSpPr>
+      <p:sp>
+        <p:nvSpPr>
+          <p:cNvPr id="2" name="Заголовок 1"/>
+          <p:cNvSpPr>
+            <a:spLocks noGrp="1"/>
+          </p:cNvSpPr>
+          <p:nvPr>
+            <p:ph type="title"/>
+          </p:nvPr>
+        </p:nvSpPr>
+        <p:spPr/>
+        <p:txBody>
+          <a:bodyPr/>
+          <a:lstStyle/>
+          <a:p>
+            <a:r>
+              <a:rPr lang="en-US" dirty="0" smtClean="0"/>
               <a:t>Failures: </a:t>
             </a:r>
             <a:r>
@@ -3402,7 +3532,9 @@
         </p:nvSpPr>
         <p:spPr/>
         <p:txBody>
-          <a:bodyPr/>
+          <a:bodyPr>
+            <a:normAutofit lnSpcReduction="10000"/>
+          </a:bodyPr>
           <a:lstStyle/>
           <a:p>
             <a:r>
@@ -3451,7 +3583,16 @@
             </a:r>
           </a:p>
           <a:p>
-            <a:pPr lvl="1"/>
+            <a:r>
+              <a:rPr lang="en-US" dirty="0" smtClean="0"/>
+              <a:t>Stateless</a:t>
+            </a:r>
+          </a:p>
+          <a:p>
+            <a:r>
+              <a:rPr lang="en-US" dirty="0" smtClean="0"/>
+              <a:t>Decentralized Data</a:t>
+            </a:r>
             <a:endParaRPr lang="ru-RU" dirty="0"/>
           </a:p>
         </p:txBody>
@@ -3503,7 +3644,7 @@
           <a:p>
             <a:r>
               <a:rPr lang="en-US" dirty="0" smtClean="0"/>
-              <a:t>Client-oriented</a:t>
+              <a:t>Design</a:t>
             </a:r>
             <a:endParaRPr lang="ru-RU" dirty="0"/>
           </a:p>
@@ -3526,14 +3667,11 @@
           <a:p>
             <a:r>
               <a:rPr lang="en-US" dirty="0" smtClean="0"/>
-              <a:t>Helper client libs</a:t>
-            </a:r>
-          </a:p>
-          <a:p>
-            <a:pPr lvl="1"/>
-            <a:r>
-              <a:rPr lang="en-US" dirty="0" smtClean="0"/>
-              <a:t>Rup-rest example</a:t>
+              <a:t>No access to DB </a:t>
+            </a:r>
+            <a:r>
+              <a:rPr lang="en-US" smtClean="0"/>
+              <a:t>of 3rd application</a:t>
             </a:r>
             <a:endParaRPr lang="ru-RU" dirty="0"/>
           </a:p>
@@ -3542,7 +3680,7 @@
     </p:spTree>
     <p:extLst>
       <p:ext uri="{BB962C8B-B14F-4D97-AF65-F5344CB8AC3E}">
-        <p14:creationId xmlns:p14="http://schemas.microsoft.com/office/powerpoint/2010/main" val="1995439128"/>
+        <p14:creationId xmlns:p14="http://schemas.microsoft.com/office/powerpoint/2010/main" val="1361634447"/>
       </p:ext>
     </p:extLst>
   </p:cSld>
@@ -3586,7 +3724,7 @@
           <a:p>
             <a:r>
               <a:rPr lang="en-US" dirty="0" smtClean="0"/>
-              <a:t>Performance</a:t>
+              <a:t>Client-oriented</a:t>
             </a:r>
             <a:endParaRPr lang="ru-RU" dirty="0"/>
           </a:p>
@@ -3609,25 +3747,15 @@
           <a:p>
             <a:r>
               <a:rPr lang="en-US" dirty="0" smtClean="0"/>
-              <a:t>2 kind of services</a:t>
+              <a:t>Helper client libs</a:t>
             </a:r>
           </a:p>
           <a:p>
             <a:pPr lvl="1"/>
             <a:r>
-              <a:rPr lang="en-US" dirty="0" err="1" smtClean="0"/>
-              <a:t>Async</a:t>
-            </a:r>
-            <a:endParaRPr lang="en-US" dirty="0" smtClean="0"/>
-          </a:p>
-          <a:p>
-            <a:pPr lvl="1"/>
-            <a:r>
-              <a:rPr lang="en-US" dirty="0" smtClean="0"/>
-              <a:t>Sync</a:t>
-            </a:r>
-          </a:p>
-          <a:p>
+              <a:rPr lang="en-US" dirty="0" smtClean="0"/>
+              <a:t>Rup-rest example</a:t>
+            </a:r>
             <a:endParaRPr lang="ru-RU" dirty="0"/>
           </a:p>
         </p:txBody>
@@ -3635,7 +3763,7 @@
     </p:spTree>
     <p:extLst>
       <p:ext uri="{BB962C8B-B14F-4D97-AF65-F5344CB8AC3E}">
-        <p14:creationId xmlns:p14="http://schemas.microsoft.com/office/powerpoint/2010/main" val="365429632"/>
+        <p14:creationId xmlns:p14="http://schemas.microsoft.com/office/powerpoint/2010/main" val="1995439128"/>
       </p:ext>
     </p:extLst>
   </p:cSld>
@@ -3679,37 +3807,48 @@
           <a:p>
             <a:r>
               <a:rPr lang="en-US" dirty="0" smtClean="0"/>
+              <a:t>Performance</a:t>
+            </a:r>
+            <a:endParaRPr lang="ru-RU" dirty="0"/>
+          </a:p>
+        </p:txBody>
+      </p:sp>
+      <p:sp>
+        <p:nvSpPr>
+          <p:cNvPr id="3" name="Объект 2"/>
+          <p:cNvSpPr>
+            <a:spLocks noGrp="1"/>
+          </p:cNvSpPr>
+          <p:nvPr>
+            <p:ph idx="1"/>
+          </p:nvPr>
+        </p:nvSpPr>
+        <p:spPr/>
+        <p:txBody>
+          <a:bodyPr/>
+          <a:lstStyle/>
+          <a:p>
+            <a:r>
+              <a:rPr lang="en-US" dirty="0" smtClean="0"/>
+              <a:t>2 kind of services</a:t>
+            </a:r>
+          </a:p>
+          <a:p>
+            <a:pPr lvl="1"/>
+            <a:r>
+              <a:rPr lang="en-US" dirty="0" err="1" smtClean="0"/>
+              <a:t>Async</a:t>
+            </a:r>
+            <a:endParaRPr lang="en-US" dirty="0" smtClean="0"/>
+          </a:p>
+          <a:p>
+            <a:pPr lvl="1"/>
+            <a:r>
+              <a:rPr lang="en-US" dirty="0" smtClean="0"/>
               <a:t>Sync</a:t>
             </a:r>
-            <a:endParaRPr lang="ru-RU" dirty="0"/>
-          </a:p>
-        </p:txBody>
-      </p:sp>
-      <p:sp>
-        <p:nvSpPr>
-          <p:cNvPr id="3" name="Объект 2"/>
-          <p:cNvSpPr>
-            <a:spLocks noGrp="1"/>
-          </p:cNvSpPr>
-          <p:nvPr>
-            <p:ph idx="1"/>
-          </p:nvPr>
-        </p:nvSpPr>
-        <p:spPr/>
-        <p:txBody>
-          <a:bodyPr/>
-          <a:lstStyle/>
-          <a:p>
-            <a:r>
-              <a:rPr lang="en-US" dirty="0" smtClean="0"/>
-              <a:t>As fast as possible</a:t>
-            </a:r>
-          </a:p>
-          <a:p>
-            <a:r>
-              <a:rPr lang="en-US" dirty="0" smtClean="0"/>
-              <a:t>Cache retrieval</a:t>
-            </a:r>
+          </a:p>
+          <a:p>
             <a:endParaRPr lang="ru-RU" dirty="0"/>
           </a:p>
         </p:txBody>
@@ -3717,7 +3856,7 @@
     </p:spTree>
     <p:extLst>
       <p:ext uri="{BB962C8B-B14F-4D97-AF65-F5344CB8AC3E}">
-        <p14:creationId xmlns:p14="http://schemas.microsoft.com/office/powerpoint/2010/main" val="3413120925"/>
+        <p14:creationId xmlns:p14="http://schemas.microsoft.com/office/powerpoint/2010/main" val="365429632"/>
       </p:ext>
     </p:extLst>
   </p:cSld>
@@ -3760,8 +3899,8 @@
           <a:lstStyle/>
           <a:p>
             <a:r>
-              <a:rPr lang="en-US" dirty="0" err="1" smtClean="0"/>
-              <a:t>Async</a:t>
+              <a:rPr lang="en-US" dirty="0" smtClean="0"/>
+              <a:t>Sync</a:t>
             </a:r>
             <a:endParaRPr lang="ru-RU" dirty="0"/>
           </a:p>
@@ -3784,56 +3923,14 @@
           <a:p>
             <a:r>
               <a:rPr lang="en-US" dirty="0" smtClean="0"/>
-              <a:t>Approach with storing id, making work in background</a:t>
-            </a:r>
-          </a:p>
-          <a:p>
-            <a:pPr lvl="1"/>
-            <a:r>
-              <a:rPr lang="en-US" dirty="0" smtClean="0"/>
-              <a:t>Need a storage</a:t>
-            </a:r>
-          </a:p>
-          <a:p>
-            <a:pPr lvl="1"/>
-            <a:r>
-              <a:rPr lang="en-US" dirty="0" smtClean="0"/>
-              <a:t>Store data in, data out</a:t>
-            </a:r>
-          </a:p>
-          <a:p>
-            <a:pPr lvl="2"/>
-            <a:r>
-              <a:rPr lang="en-US" dirty="0" smtClean="0"/>
-              <a:t>Duplicates, but need for recovery</a:t>
-            </a:r>
-          </a:p>
-          <a:p>
-            <a:r>
-              <a:rPr lang="en-US" dirty="0" smtClean="0"/>
-              <a:t>Provide a way to get a state</a:t>
-            </a:r>
-          </a:p>
-          <a:p>
-            <a:pPr lvl="1"/>
-            <a:r>
-              <a:rPr lang="en-US" dirty="0" smtClean="0"/>
-              <a:t>Get Status REST</a:t>
-            </a:r>
-          </a:p>
-          <a:p>
-            <a:pPr lvl="1"/>
-            <a:r>
-              <a:rPr lang="en-US" dirty="0" err="1" smtClean="0"/>
-              <a:t>Async</a:t>
-            </a:r>
-            <a:r>
-              <a:rPr lang="en-US" dirty="0" smtClean="0"/>
-              <a:t> Result message</a:t>
-            </a:r>
-          </a:p>
-          <a:p>
-            <a:pPr lvl="1"/>
+              <a:t>As fast as possible</a:t>
+            </a:r>
+          </a:p>
+          <a:p>
+            <a:r>
+              <a:rPr lang="en-US" dirty="0" smtClean="0"/>
+              <a:t>Cache retrieval</a:t>
+            </a:r>
             <a:endParaRPr lang="ru-RU" dirty="0"/>
           </a:p>
         </p:txBody>
@@ -3841,7 +3938,7 @@
     </p:spTree>
     <p:extLst>
       <p:ext uri="{BB962C8B-B14F-4D97-AF65-F5344CB8AC3E}">
-        <p14:creationId xmlns:p14="http://schemas.microsoft.com/office/powerpoint/2010/main" val="4035124494"/>
+        <p14:creationId xmlns:p14="http://schemas.microsoft.com/office/powerpoint/2010/main" val="3413120925"/>
       </p:ext>
     </p:extLst>
   </p:cSld>
@@ -3884,8 +3981,8 @@
           <a:lstStyle/>
           <a:p>
             <a:r>
-              <a:rPr lang="en-US" dirty="0" smtClean="0"/>
-              <a:t>Performance</a:t>
+              <a:rPr lang="en-US" dirty="0" err="1" smtClean="0"/>
+              <a:t>Async</a:t>
             </a:r>
             <a:endParaRPr lang="ru-RU" dirty="0"/>
           </a:p>
@@ -3908,22 +4005,56 @@
           <a:p>
             <a:r>
               <a:rPr lang="en-US" dirty="0" smtClean="0"/>
-              <a:t>Caching</a:t>
+              <a:t>Approach with storing id, making work in background</a:t>
             </a:r>
           </a:p>
           <a:p>
             <a:pPr lvl="1"/>
             <a:r>
               <a:rPr lang="en-US" dirty="0" smtClean="0"/>
-              <a:t>Guava?</a:t>
+              <a:t>Need a storage</a:t>
+            </a:r>
+          </a:p>
+          <a:p>
+            <a:pPr lvl="1"/>
+            <a:r>
+              <a:rPr lang="en-US" dirty="0" smtClean="0"/>
+              <a:t>Store data in, data out</a:t>
             </a:r>
           </a:p>
           <a:p>
             <a:pPr lvl="2"/>
             <a:r>
               <a:rPr lang="en-US" dirty="0" smtClean="0"/>
-              <a:t>Eliminate process interaction</a:t>
-            </a:r>
+              <a:t>Duplicates, but need for recovery</a:t>
+            </a:r>
+          </a:p>
+          <a:p>
+            <a:r>
+              <a:rPr lang="en-US" dirty="0" smtClean="0"/>
+              <a:t>Provide a way to get a state</a:t>
+            </a:r>
+          </a:p>
+          <a:p>
+            <a:pPr lvl="1"/>
+            <a:r>
+              <a:rPr lang="en-US" dirty="0" smtClean="0"/>
+              <a:t>Get Status REST</a:t>
+            </a:r>
+          </a:p>
+          <a:p>
+            <a:pPr lvl="1"/>
+            <a:r>
+              <a:rPr lang="en-US" dirty="0" err="1" smtClean="0"/>
+              <a:t>Async</a:t>
+            </a:r>
+            <a:r>
+              <a:rPr lang="en-US" dirty="0" smtClean="0"/>
+              <a:t> Result message</a:t>
+            </a:r>
+          </a:p>
+          <a:p>
+            <a:pPr lvl="1"/>
             <a:endParaRPr lang="ru-RU" dirty="0"/>
           </a:p>
         </p:txBody>
@@ -3931,7 +4062,7 @@
     </p:spTree>
     <p:extLst>
       <p:ext uri="{BB962C8B-B14F-4D97-AF65-F5344CB8AC3E}">
-        <p14:creationId xmlns:p14="http://schemas.microsoft.com/office/powerpoint/2010/main" val="3902475881"/>
+        <p14:creationId xmlns:p14="http://schemas.microsoft.com/office/powerpoint/2010/main" val="4035124494"/>
       </p:ext>
     </p:extLst>
   </p:cSld>
@@ -3975,7 +4106,7 @@
           <a:p>
             <a:r>
               <a:rPr lang="en-US" dirty="0" smtClean="0"/>
-              <a:t>Failures</a:t>
+              <a:t>Performance</a:t>
             </a:r>
             <a:endParaRPr lang="ru-RU" dirty="0"/>
           </a:p>
@@ -3998,61 +4129,22 @@
           <a:p>
             <a:r>
               <a:rPr lang="en-US" dirty="0" smtClean="0"/>
-              <a:t>Be ready for failures</a:t>
-            </a:r>
-          </a:p>
-          <a:p>
-            <a:r>
-              <a:rPr lang="en-US" dirty="0" smtClean="0"/>
-              <a:t>Be ready to recover</a:t>
-            </a:r>
-          </a:p>
-          <a:p>
-            <a:r>
-              <a:rPr lang="en-US" dirty="0" smtClean="0"/>
-              <a:t>Identify failure points</a:t>
-            </a:r>
-          </a:p>
-          <a:p>
-            <a:r>
-              <a:rPr lang="en-US" dirty="0" smtClean="0"/>
-              <a:t>Identify how to recover</a:t>
+              <a:t>Caching</a:t>
             </a:r>
           </a:p>
           <a:p>
             <a:pPr lvl="1"/>
             <a:r>
               <a:rPr lang="en-US" dirty="0" smtClean="0"/>
-              <a:t>Sync- client side recovery</a:t>
+              <a:t>Guava?</a:t>
             </a:r>
           </a:p>
           <a:p>
             <a:pPr lvl="2"/>
             <a:r>
               <a:rPr lang="en-US" dirty="0" smtClean="0"/>
-              <a:t>Responsible: client</a:t>
-            </a:r>
-          </a:p>
-          <a:p>
-            <a:pPr lvl="1"/>
-            <a:r>
-              <a:rPr lang="en-US" dirty="0" err="1" smtClean="0"/>
-              <a:t>Async</a:t>
-            </a:r>
-            <a:r>
-              <a:rPr lang="en-US" dirty="0" smtClean="0"/>
-              <a:t>- server side recovery</a:t>
-            </a:r>
-          </a:p>
-          <a:p>
-            <a:pPr lvl="2"/>
-            <a:r>
-              <a:rPr lang="en-US" dirty="0" smtClean="0"/>
-              <a:t>Responsible: you</a:t>
-            </a:r>
-          </a:p>
-          <a:p>
-            <a:pPr lvl="2"/>
+              <a:t>Eliminate process interaction</a:t>
+            </a:r>
             <a:endParaRPr lang="ru-RU" dirty="0"/>
           </a:p>
         </p:txBody>
@@ -4060,7 +4152,7 @@
     </p:spTree>
     <p:extLst>
       <p:ext uri="{BB962C8B-B14F-4D97-AF65-F5344CB8AC3E}">
-        <p14:creationId xmlns:p14="http://schemas.microsoft.com/office/powerpoint/2010/main" val="2944986697"/>
+        <p14:creationId xmlns:p14="http://schemas.microsoft.com/office/powerpoint/2010/main" val="3902475881"/>
       </p:ext>
     </p:extLst>
   </p:cSld>

--- a/Microservices.pptx
+++ b/Microservices.pptx
@@ -16,6 +16,7 @@
     <p:sldId id="261" r:id="rId10"/>
     <p:sldId id="259" r:id="rId11"/>
     <p:sldId id="265" r:id="rId12"/>
+    <p:sldId id="267" r:id="rId13"/>
   </p:sldIdLst>
   <p:sldSz cx="9144000" cy="6858000" type="screen4x3"/>
   <p:notesSz cx="6858000" cy="9144000"/>
@@ -114,6 +115,22 @@
       </a:defRPr>
     </a:lvl9pPr>
   </p:defaultTextStyle>
+  <p:extLst>
+    <p:ext uri="{EFAFB233-063F-42B5-8137-9DF3F51BA10A}">
+      <p15:sldGuideLst xmlns:p15="http://schemas.microsoft.com/office/powerpoint/2012/main">
+        <p15:guide id="1" orient="horz" pos="2160">
+          <p15:clr>
+            <a:srgbClr val="A4A3A4"/>
+          </p15:clr>
+        </p15:guide>
+        <p15:guide id="2" pos="2880">
+          <p15:clr>
+            <a:srgbClr val="A4A3A4"/>
+          </p15:clr>
+        </p15:guide>
+      </p15:sldGuideLst>
+    </p:ext>
+  </p:extLst>
 </p:presentation>
 </file>
 
@@ -298,7 +315,7 @@
           <a:p>
             <a:fld id="{57E389D1-C2F8-40B4-B845-801280EA792C}" type="datetimeFigureOut">
               <a:rPr lang="ru-RU" smtClean="0"/>
-              <a:t>29.09.2015</a:t>
+              <a:t>30.09.2015</a:t>
             </a:fld>
             <a:endParaRPr lang="ru-RU"/>
           </a:p>
@@ -468,7 +485,7 @@
           <a:p>
             <a:fld id="{57E389D1-C2F8-40B4-B845-801280EA792C}" type="datetimeFigureOut">
               <a:rPr lang="ru-RU" smtClean="0"/>
-              <a:t>29.09.2015</a:t>
+              <a:t>30.09.2015</a:t>
             </a:fld>
             <a:endParaRPr lang="ru-RU"/>
           </a:p>
@@ -648,7 +665,7 @@
           <a:p>
             <a:fld id="{57E389D1-C2F8-40B4-B845-801280EA792C}" type="datetimeFigureOut">
               <a:rPr lang="ru-RU" smtClean="0"/>
-              <a:t>29.09.2015</a:t>
+              <a:t>30.09.2015</a:t>
             </a:fld>
             <a:endParaRPr lang="ru-RU"/>
           </a:p>
@@ -818,7 +835,7 @@
           <a:p>
             <a:fld id="{57E389D1-C2F8-40B4-B845-801280EA792C}" type="datetimeFigureOut">
               <a:rPr lang="ru-RU" smtClean="0"/>
-              <a:t>29.09.2015</a:t>
+              <a:t>30.09.2015</a:t>
             </a:fld>
             <a:endParaRPr lang="ru-RU"/>
           </a:p>
@@ -1064,7 +1081,7 @@
           <a:p>
             <a:fld id="{57E389D1-C2F8-40B4-B845-801280EA792C}" type="datetimeFigureOut">
               <a:rPr lang="ru-RU" smtClean="0"/>
-              <a:t>29.09.2015</a:t>
+              <a:t>30.09.2015</a:t>
             </a:fld>
             <a:endParaRPr lang="ru-RU"/>
           </a:p>
@@ -1352,7 +1369,7 @@
           <a:p>
             <a:fld id="{57E389D1-C2F8-40B4-B845-801280EA792C}" type="datetimeFigureOut">
               <a:rPr lang="ru-RU" smtClean="0"/>
-              <a:t>29.09.2015</a:t>
+              <a:t>30.09.2015</a:t>
             </a:fld>
             <a:endParaRPr lang="ru-RU"/>
           </a:p>
@@ -1774,7 +1791,7 @@
           <a:p>
             <a:fld id="{57E389D1-C2F8-40B4-B845-801280EA792C}" type="datetimeFigureOut">
               <a:rPr lang="ru-RU" smtClean="0"/>
-              <a:t>29.09.2015</a:t>
+              <a:t>30.09.2015</a:t>
             </a:fld>
             <a:endParaRPr lang="ru-RU"/>
           </a:p>
@@ -1892,7 +1909,7 @@
           <a:p>
             <a:fld id="{57E389D1-C2F8-40B4-B845-801280EA792C}" type="datetimeFigureOut">
               <a:rPr lang="ru-RU" smtClean="0"/>
-              <a:t>29.09.2015</a:t>
+              <a:t>30.09.2015</a:t>
             </a:fld>
             <a:endParaRPr lang="ru-RU"/>
           </a:p>
@@ -1987,7 +2004,7 @@
           <a:p>
             <a:fld id="{57E389D1-C2F8-40B4-B845-801280EA792C}" type="datetimeFigureOut">
               <a:rPr lang="ru-RU" smtClean="0"/>
-              <a:t>29.09.2015</a:t>
+              <a:t>30.09.2015</a:t>
             </a:fld>
             <a:endParaRPr lang="ru-RU"/>
           </a:p>
@@ -2264,7 +2281,7 @@
           <a:p>
             <a:fld id="{57E389D1-C2F8-40B4-B845-801280EA792C}" type="datetimeFigureOut">
               <a:rPr lang="ru-RU" smtClean="0"/>
-              <a:t>29.09.2015</a:t>
+              <a:t>30.09.2015</a:t>
             </a:fld>
             <a:endParaRPr lang="ru-RU"/>
           </a:p>
@@ -2517,7 +2534,7 @@
           <a:p>
             <a:fld id="{57E389D1-C2F8-40B4-B845-801280EA792C}" type="datetimeFigureOut">
               <a:rPr lang="ru-RU" smtClean="0"/>
-              <a:t>29.09.2015</a:t>
+              <a:t>30.09.2015</a:t>
             </a:fld>
             <a:endParaRPr lang="ru-RU"/>
           </a:p>
@@ -2730,7 +2747,7 @@
           <a:p>
             <a:fld id="{57E389D1-C2F8-40B4-B845-801280EA792C}" type="datetimeFigureOut">
               <a:rPr lang="ru-RU" smtClean="0"/>
-              <a:t>29.09.2015</a:t>
+              <a:t>30.09.2015</a:t>
             </a:fld>
             <a:endParaRPr lang="ru-RU"/>
           </a:p>
@@ -3153,6 +3170,13 @@
   <p:clrMapOvr>
     <a:masterClrMapping/>
   </p:clrMapOvr>
+  <p:timing>
+    <p:tnLst>
+      <p:par>
+        <p:cTn id="1" dur="indefinite" restart="never" nodeType="tmRoot"/>
+      </p:par>
+    </p:tnLst>
+  </p:timing>
 </p:sld>
 </file>
 
@@ -3208,7 +3232,9 @@
         </p:nvSpPr>
         <p:spPr/>
         <p:txBody>
-          <a:bodyPr/>
+          <a:bodyPr>
+            <a:normAutofit lnSpcReduction="10000"/>
+          </a:bodyPr>
           <a:lstStyle/>
           <a:p>
             <a:r>
@@ -3225,8 +3251,20 @@
           <a:p>
             <a:r>
               <a:rPr lang="en-US" dirty="0" smtClean="0"/>
-              <a:t>Identify failure points</a:t>
-            </a:r>
+              <a:t>Identify failure </a:t>
+            </a:r>
+            <a:r>
+              <a:rPr lang="en-US" dirty="0" smtClean="0"/>
+              <a:t>points</a:t>
+            </a:r>
+          </a:p>
+          <a:p>
+            <a:pPr lvl="1"/>
+            <a:r>
+              <a:rPr lang="en-US" dirty="0" smtClean="0"/>
+              <a:t>Show on our application</a:t>
+            </a:r>
+            <a:endParaRPr lang="en-US" dirty="0" smtClean="0"/>
           </a:p>
           <a:p>
             <a:r>
@@ -3371,6 +3409,78 @@
 </p:sld>
 </file>
 
+<file path=ppt/slides/slide12.xml><?xml version="1.0" encoding="utf-8"?>
+<p:sld xmlns:a="http://schemas.openxmlformats.org/drawingml/2006/main" xmlns:r="http://schemas.openxmlformats.org/officeDocument/2006/relationships" xmlns:p="http://schemas.openxmlformats.org/presentationml/2006/main">
+  <p:cSld>
+    <p:spTree>
+      <p:nvGrpSpPr>
+        <p:cNvPr id="1" name=""/>
+        <p:cNvGrpSpPr/>
+        <p:nvPr/>
+      </p:nvGrpSpPr>
+      <p:grpSpPr>
+        <a:xfrm>
+          <a:off x="0" y="0"/>
+          <a:ext cx="0" cy="0"/>
+          <a:chOff x="0" y="0"/>
+          <a:chExt cx="0" cy="0"/>
+        </a:xfrm>
+      </p:grpSpPr>
+      <p:sp>
+        <p:nvSpPr>
+          <p:cNvPr id="2" name="Title 1"/>
+          <p:cNvSpPr>
+            <a:spLocks noGrp="1"/>
+          </p:cNvSpPr>
+          <p:nvPr>
+            <p:ph type="title"/>
+          </p:nvPr>
+        </p:nvSpPr>
+        <p:spPr/>
+        <p:txBody>
+          <a:bodyPr/>
+          <a:lstStyle/>
+          <a:p>
+            <a:endParaRPr lang="en-US" dirty="0"/>
+          </a:p>
+        </p:txBody>
+      </p:sp>
+      <p:sp>
+        <p:nvSpPr>
+          <p:cNvPr id="3" name="Content Placeholder 2"/>
+          <p:cNvSpPr>
+            <a:spLocks noGrp="1"/>
+          </p:cNvSpPr>
+          <p:nvPr>
+            <p:ph idx="1"/>
+          </p:nvPr>
+        </p:nvSpPr>
+        <p:spPr/>
+        <p:txBody>
+          <a:bodyPr/>
+          <a:lstStyle/>
+          <a:p>
+            <a:r>
+              <a:rPr lang="en-US" smtClean="0"/>
+              <a:t>Developers perform Support </a:t>
+            </a:r>
+            <a:endParaRPr lang="en-US" dirty="0"/>
+          </a:p>
+        </p:txBody>
+      </p:sp>
+    </p:spTree>
+    <p:extLst>
+      <p:ext uri="{BB962C8B-B14F-4D97-AF65-F5344CB8AC3E}">
+        <p14:creationId xmlns:p14="http://schemas.microsoft.com/office/powerpoint/2010/main" val="3122075378"/>
+      </p:ext>
+    </p:extLst>
+  </p:cSld>
+  <p:clrMapOvr>
+    <a:masterClrMapping/>
+  </p:clrMapOvr>
+</p:sld>
+</file>
+
 <file path=ppt/slides/slide2.xml><?xml version="1.0" encoding="utf-8"?>
 <p:sld xmlns:a="http://schemas.openxmlformats.org/drawingml/2006/main" xmlns:r="http://schemas.openxmlformats.org/officeDocument/2006/relationships" xmlns:p="http://schemas.openxmlformats.org/presentationml/2006/main">
   <p:cSld>
@@ -3442,8 +3552,13 @@
             <a:pPr lvl="1"/>
             <a:r>
               <a:rPr lang="en-US" dirty="0" smtClean="0"/>
-              <a:t>Continuous Delivery</a:t>
-            </a:r>
+              <a:t>Continuous </a:t>
+            </a:r>
+            <a:r>
+              <a:rPr lang="en-US" dirty="0" smtClean="0"/>
+              <a:t>Delivery (on the road to…)</a:t>
+            </a:r>
+            <a:endParaRPr lang="en-US" dirty="0" smtClean="0"/>
           </a:p>
           <a:p>
             <a:pPr lvl="1"/>
@@ -3461,7 +3576,18 @@
           <a:p>
             <a:r>
               <a:rPr lang="en-US" dirty="0" smtClean="0"/>
-              <a:t>Align environment</a:t>
+              <a:t>Align </a:t>
+            </a:r>
+            <a:r>
+              <a:rPr lang="en-US" dirty="0" smtClean="0"/>
+              <a:t>environment</a:t>
+            </a:r>
+          </a:p>
+          <a:p>
+            <a:pPr lvl="1"/>
+            <a:r>
+              <a:rPr lang="en-US" dirty="0" smtClean="0"/>
+              <a:t>We have separate environments!</a:t>
             </a:r>
             <a:endParaRPr lang="ru-RU" dirty="0"/>
           </a:p>
@@ -3477,6 +3603,13 @@
   <p:clrMapOvr>
     <a:masterClrMapping/>
   </p:clrMapOvr>
+  <p:timing>
+    <p:tnLst>
+      <p:par>
+        <p:cTn id="1" dur="indefinite" restart="never" nodeType="tmRoot"/>
+      </p:par>
+    </p:tnLst>
+  </p:timing>
 </p:sld>
 </file>
 
@@ -3533,7 +3666,7 @@
         <p:spPr/>
         <p:txBody>
           <a:bodyPr>
-            <a:normAutofit lnSpcReduction="10000"/>
+            <a:normAutofit fontScale="85000" lnSpcReduction="20000"/>
           </a:bodyPr>
           <a:lstStyle/>
           <a:p>
@@ -3570,6 +3703,21 @@
             </a:r>
           </a:p>
           <a:p>
+            <a:pPr lvl="1"/>
+            <a:r>
+              <a:rPr lang="en-US" dirty="0" smtClean="0"/>
+              <a:t>Trying to keep</a:t>
+            </a:r>
+          </a:p>
+          <a:p>
+            <a:pPr lvl="1"/>
+            <a:r>
+              <a:rPr lang="en-US" dirty="0" smtClean="0"/>
+              <a:t>Versioning system (different)</a:t>
+            </a:r>
+            <a:endParaRPr lang="en-US" dirty="0" smtClean="0"/>
+          </a:p>
+          <a:p>
             <a:r>
               <a:rPr lang="en-US" dirty="0" smtClean="0"/>
               <a:t>Documentation</a:t>
@@ -3579,8 +3727,13 @@
             <a:pPr lvl="1"/>
             <a:r>
               <a:rPr lang="en-US" dirty="0" smtClean="0"/>
-              <a:t>Should be thorough</a:t>
-            </a:r>
+              <a:t>Should be </a:t>
+            </a:r>
+            <a:r>
+              <a:rPr lang="en-US" dirty="0" smtClean="0"/>
+              <a:t>thorough (word)</a:t>
+            </a:r>
+            <a:endParaRPr lang="en-US" dirty="0" smtClean="0"/>
           </a:p>
           <a:p>
             <a:r>
@@ -3607,6 +3760,13 @@
   <p:clrMapOvr>
     <a:masterClrMapping/>
   </p:clrMapOvr>
+  <p:timing>
+    <p:tnLst>
+      <p:par>
+        <p:cTn id="1" dur="indefinite" restart="never" nodeType="tmRoot"/>
+      </p:par>
+    </p:tnLst>
+  </p:timing>
 </p:sld>
 </file>
 
@@ -3667,11 +3827,7 @@
           <a:p>
             <a:r>
               <a:rPr lang="en-US" dirty="0" smtClean="0"/>
-              <a:t>No access to DB </a:t>
-            </a:r>
-            <a:r>
-              <a:rPr lang="en-US" smtClean="0"/>
-              <a:t>of 3rd application</a:t>
+              <a:t>No access to DB of 3rd application</a:t>
             </a:r>
             <a:endParaRPr lang="ru-RU" dirty="0"/>
           </a:p>
@@ -3754,7 +3910,17 @@
             <a:pPr lvl="1"/>
             <a:r>
               <a:rPr lang="en-US" dirty="0" smtClean="0"/>
-              <a:t>Rup-rest example</a:t>
+              <a:t>Rup-rest </a:t>
+            </a:r>
+            <a:r>
+              <a:rPr lang="en-US" dirty="0" smtClean="0"/>
+              <a:t>example</a:t>
+            </a:r>
+          </a:p>
+          <a:p>
+            <a:r>
+              <a:rPr lang="en-US" dirty="0" smtClean="0"/>
+              <a:t>Steward API</a:t>
             </a:r>
             <a:endParaRPr lang="ru-RU" dirty="0"/>
           </a:p>
@@ -3929,7 +4095,18 @@
           <a:p>
             <a:r>
               <a:rPr lang="en-US" dirty="0" smtClean="0"/>
-              <a:t>Cache retrieval</a:t>
+              <a:t>Cache </a:t>
+            </a:r>
+            <a:r>
+              <a:rPr lang="en-US" dirty="0" smtClean="0"/>
+              <a:t>retrieval</a:t>
+            </a:r>
+          </a:p>
+          <a:p>
+            <a:pPr lvl="1"/>
+            <a:r>
+              <a:rPr lang="en-US" dirty="0" smtClean="0"/>
+              <a:t>Guava for small caches</a:t>
             </a:r>
             <a:endParaRPr lang="ru-RU" dirty="0"/>
           </a:p>

--- a/Microservices.pptx
+++ b/Microservices.pptx
@@ -6,17 +6,21 @@
   </p:sldMasterIdLst>
   <p:sldIdLst>
     <p:sldId id="256" r:id="rId2"/>
-    <p:sldId id="257" r:id="rId3"/>
-    <p:sldId id="258" r:id="rId4"/>
-    <p:sldId id="266" r:id="rId5"/>
-    <p:sldId id="260" r:id="rId6"/>
-    <p:sldId id="262" r:id="rId7"/>
-    <p:sldId id="263" r:id="rId8"/>
-    <p:sldId id="264" r:id="rId9"/>
-    <p:sldId id="261" r:id="rId10"/>
-    <p:sldId id="259" r:id="rId11"/>
-    <p:sldId id="265" r:id="rId12"/>
-    <p:sldId id="267" r:id="rId13"/>
+    <p:sldId id="269" r:id="rId3"/>
+    <p:sldId id="271" r:id="rId4"/>
+    <p:sldId id="257" r:id="rId5"/>
+    <p:sldId id="258" r:id="rId6"/>
+    <p:sldId id="270" r:id="rId7"/>
+    <p:sldId id="266" r:id="rId8"/>
+    <p:sldId id="272" r:id="rId9"/>
+    <p:sldId id="260" r:id="rId10"/>
+    <p:sldId id="262" r:id="rId11"/>
+    <p:sldId id="263" r:id="rId12"/>
+    <p:sldId id="264" r:id="rId13"/>
+    <p:sldId id="259" r:id="rId14"/>
+    <p:sldId id="265" r:id="rId15"/>
+    <p:sldId id="267" r:id="rId16"/>
+    <p:sldId id="268" r:id="rId17"/>
   </p:sldIdLst>
   <p:sldSz cx="9144000" cy="6858000" type="screen4x3"/>
   <p:notesSz cx="6858000" cy="9144000"/>
@@ -117,7 +121,7 @@
   </p:defaultTextStyle>
   <p:extLst>
     <p:ext uri="{EFAFB233-063F-42B5-8137-9DF3F51BA10A}">
-      <p15:sldGuideLst xmlns:p15="http://schemas.microsoft.com/office/powerpoint/2012/main">
+      <p15:sldGuideLst xmlns:p15="http://schemas.microsoft.com/office/powerpoint/2012/main" xmlns="">
         <p15:guide id="1" orient="horz" pos="2160">
           <p15:clr>
             <a:srgbClr val="A4A3A4"/>
@@ -315,7 +319,7 @@
           <a:p>
             <a:fld id="{57E389D1-C2F8-40B4-B845-801280EA792C}" type="datetimeFigureOut">
               <a:rPr lang="ru-RU" smtClean="0"/>
-              <a:t>30.09.2015</a:t>
+              <a:t>01.10.2015</a:t>
             </a:fld>
             <a:endParaRPr lang="ru-RU"/>
           </a:p>
@@ -485,7 +489,7 @@
           <a:p>
             <a:fld id="{57E389D1-C2F8-40B4-B845-801280EA792C}" type="datetimeFigureOut">
               <a:rPr lang="ru-RU" smtClean="0"/>
-              <a:t>30.09.2015</a:t>
+              <a:t>01.10.2015</a:t>
             </a:fld>
             <a:endParaRPr lang="ru-RU"/>
           </a:p>
@@ -665,7 +669,7 @@
           <a:p>
             <a:fld id="{57E389D1-C2F8-40B4-B845-801280EA792C}" type="datetimeFigureOut">
               <a:rPr lang="ru-RU" smtClean="0"/>
-              <a:t>30.09.2015</a:t>
+              <a:t>01.10.2015</a:t>
             </a:fld>
             <a:endParaRPr lang="ru-RU"/>
           </a:p>
@@ -835,7 +839,7 @@
           <a:p>
             <a:fld id="{57E389D1-C2F8-40B4-B845-801280EA792C}" type="datetimeFigureOut">
               <a:rPr lang="ru-RU" smtClean="0"/>
-              <a:t>30.09.2015</a:t>
+              <a:t>01.10.2015</a:t>
             </a:fld>
             <a:endParaRPr lang="ru-RU"/>
           </a:p>
@@ -1081,7 +1085,7 @@
           <a:p>
             <a:fld id="{57E389D1-C2F8-40B4-B845-801280EA792C}" type="datetimeFigureOut">
               <a:rPr lang="ru-RU" smtClean="0"/>
-              <a:t>30.09.2015</a:t>
+              <a:t>01.10.2015</a:t>
             </a:fld>
             <a:endParaRPr lang="ru-RU"/>
           </a:p>
@@ -1369,7 +1373,7 @@
           <a:p>
             <a:fld id="{57E389D1-C2F8-40B4-B845-801280EA792C}" type="datetimeFigureOut">
               <a:rPr lang="ru-RU" smtClean="0"/>
-              <a:t>30.09.2015</a:t>
+              <a:t>01.10.2015</a:t>
             </a:fld>
             <a:endParaRPr lang="ru-RU"/>
           </a:p>
@@ -1791,7 +1795,7 @@
           <a:p>
             <a:fld id="{57E389D1-C2F8-40B4-B845-801280EA792C}" type="datetimeFigureOut">
               <a:rPr lang="ru-RU" smtClean="0"/>
-              <a:t>30.09.2015</a:t>
+              <a:t>01.10.2015</a:t>
             </a:fld>
             <a:endParaRPr lang="ru-RU"/>
           </a:p>
@@ -1909,7 +1913,7 @@
           <a:p>
             <a:fld id="{57E389D1-C2F8-40B4-B845-801280EA792C}" type="datetimeFigureOut">
               <a:rPr lang="ru-RU" smtClean="0"/>
-              <a:t>30.09.2015</a:t>
+              <a:t>01.10.2015</a:t>
             </a:fld>
             <a:endParaRPr lang="ru-RU"/>
           </a:p>
@@ -2004,7 +2008,7 @@
           <a:p>
             <a:fld id="{57E389D1-C2F8-40B4-B845-801280EA792C}" type="datetimeFigureOut">
               <a:rPr lang="ru-RU" smtClean="0"/>
-              <a:t>30.09.2015</a:t>
+              <a:t>01.10.2015</a:t>
             </a:fld>
             <a:endParaRPr lang="ru-RU"/>
           </a:p>
@@ -2281,7 +2285,7 @@
           <a:p>
             <a:fld id="{57E389D1-C2F8-40B4-B845-801280EA792C}" type="datetimeFigureOut">
               <a:rPr lang="ru-RU" smtClean="0"/>
-              <a:t>30.09.2015</a:t>
+              <a:t>01.10.2015</a:t>
             </a:fld>
             <a:endParaRPr lang="ru-RU"/>
           </a:p>
@@ -2534,7 +2538,7 @@
           <a:p>
             <a:fld id="{57E389D1-C2F8-40B4-B845-801280EA792C}" type="datetimeFigureOut">
               <a:rPr lang="ru-RU" smtClean="0"/>
-              <a:t>30.09.2015</a:t>
+              <a:t>01.10.2015</a:t>
             </a:fld>
             <a:endParaRPr lang="ru-RU"/>
           </a:p>
@@ -2747,7 +2751,7 @@
           <a:p>
             <a:fld id="{57E389D1-C2F8-40B4-B845-801280EA792C}" type="datetimeFigureOut">
               <a:rPr lang="ru-RU" smtClean="0"/>
-              <a:t>30.09.2015</a:t>
+              <a:t>01.10.2015</a:t>
             </a:fld>
             <a:endParaRPr lang="ru-RU"/>
           </a:p>
@@ -3214,7 +3218,7 @@
           <a:p>
             <a:r>
               <a:rPr lang="en-US" dirty="0" smtClean="0"/>
-              <a:t>Failures</a:t>
+              <a:t>Performance</a:t>
             </a:r>
             <a:endParaRPr lang="ru-RU" dirty="0"/>
           </a:p>
@@ -3232,58 +3236,12 @@
         </p:nvSpPr>
         <p:spPr/>
         <p:txBody>
-          <a:bodyPr>
-            <a:normAutofit lnSpcReduction="10000"/>
-          </a:bodyPr>
-          <a:lstStyle/>
-          <a:p>
-            <a:r>
-              <a:rPr lang="en-US" dirty="0" smtClean="0"/>
-              <a:t>Be ready for failures</a:t>
-            </a:r>
-          </a:p>
-          <a:p>
-            <a:r>
-              <a:rPr lang="en-US" dirty="0" smtClean="0"/>
-              <a:t>Be ready to recover</a:t>
-            </a:r>
-          </a:p>
-          <a:p>
-            <a:r>
-              <a:rPr lang="en-US" dirty="0" smtClean="0"/>
-              <a:t>Identify failure </a:t>
-            </a:r>
-            <a:r>
-              <a:rPr lang="en-US" dirty="0" smtClean="0"/>
-              <a:t>points</a:t>
-            </a:r>
-          </a:p>
-          <a:p>
-            <a:pPr lvl="1"/>
-            <a:r>
-              <a:rPr lang="en-US" dirty="0" smtClean="0"/>
-              <a:t>Show on our application</a:t>
-            </a:r>
-            <a:endParaRPr lang="en-US" dirty="0" smtClean="0"/>
-          </a:p>
-          <a:p>
-            <a:r>
-              <a:rPr lang="en-US" dirty="0" smtClean="0"/>
-              <a:t>Identify how to recover</a:t>
-            </a:r>
-          </a:p>
-          <a:p>
-            <a:pPr lvl="1"/>
-            <a:r>
-              <a:rPr lang="en-US" dirty="0" smtClean="0"/>
-              <a:t>Sync- client side recovery</a:t>
-            </a:r>
-          </a:p>
-          <a:p>
-            <a:pPr lvl="2"/>
-            <a:r>
-              <a:rPr lang="en-US" dirty="0" smtClean="0"/>
-              <a:t>Responsible: client</a:t>
+          <a:bodyPr/>
+          <a:lstStyle/>
+          <a:p>
+            <a:r>
+              <a:rPr lang="en-US" dirty="0" smtClean="0"/>
+              <a:t>2 kind of services</a:t>
             </a:r>
           </a:p>
           <a:p>
@@ -3292,20 +3250,16 @@
               <a:rPr lang="en-US" dirty="0" err="1" smtClean="0"/>
               <a:t>Async</a:t>
             </a:r>
-            <a:r>
-              <a:rPr lang="en-US" dirty="0" smtClean="0"/>
-              <a:t>- server side recovery</a:t>
-            </a:r>
-          </a:p>
-          <a:p>
-            <a:pPr lvl="2"/>
-            <a:r>
-              <a:rPr lang="en-US" dirty="0" smtClean="0"/>
-              <a:t>Responsible: you</a:t>
-            </a:r>
-          </a:p>
-          <a:p>
-            <a:pPr lvl="2"/>
+            <a:endParaRPr lang="en-US" dirty="0" smtClean="0"/>
+          </a:p>
+          <a:p>
+            <a:pPr lvl="1"/>
+            <a:r>
+              <a:rPr lang="en-US" dirty="0" smtClean="0"/>
+              <a:t>Sync</a:t>
+            </a:r>
+          </a:p>
+          <a:p>
             <a:endParaRPr lang="ru-RU" dirty="0"/>
           </a:p>
         </p:txBody>
@@ -3313,7 +3267,7 @@
     </p:spTree>
     <p:extLst>
       <p:ext uri="{BB962C8B-B14F-4D97-AF65-F5344CB8AC3E}">
-        <p14:creationId xmlns:p14="http://schemas.microsoft.com/office/powerpoint/2010/main" val="2944986697"/>
+        <p14:creationId xmlns:p14="http://schemas.microsoft.com/office/powerpoint/2010/main" val="365429632"/>
       </p:ext>
     </p:extLst>
   </p:cSld>
@@ -3357,11 +3311,7 @@
           <a:p>
             <a:r>
               <a:rPr lang="en-US" dirty="0" smtClean="0"/>
-              <a:t>Failures: </a:t>
-            </a:r>
-            <a:r>
-              <a:rPr lang="en-US" dirty="0" err="1" smtClean="0"/>
-              <a:t>Async</a:t>
+              <a:t>Sync</a:t>
             </a:r>
             <a:endParaRPr lang="ru-RU" dirty="0"/>
           </a:p>
@@ -3384,14 +3334,36 @@
           <a:p>
             <a:r>
               <a:rPr lang="en-US" dirty="0" smtClean="0"/>
-              <a:t>Redelivery</a:t>
-            </a:r>
-          </a:p>
-          <a:p>
-            <a:r>
-              <a:rPr lang="en-US" dirty="0" smtClean="0"/>
-              <a:t>DLQ</a:t>
-            </a:r>
+              <a:t>As fast as possible</a:t>
+            </a:r>
+          </a:p>
+          <a:p>
+            <a:r>
+              <a:rPr lang="en-US" dirty="0" smtClean="0"/>
+              <a:t>Cache retrieval</a:t>
+            </a:r>
+          </a:p>
+          <a:p>
+            <a:pPr lvl="1"/>
+            <a:r>
+              <a:rPr lang="en-US" dirty="0" smtClean="0"/>
+              <a:t>Guava for small </a:t>
+            </a:r>
+            <a:r>
+              <a:rPr lang="en-US" dirty="0" smtClean="0"/>
+              <a:t>caches</a:t>
+            </a:r>
+          </a:p>
+          <a:p>
+            <a:pPr lvl="2"/>
+            <a:r>
+              <a:rPr lang="en-US" dirty="0"/>
+              <a:t>Eliminate process interaction</a:t>
+            </a:r>
+            <a:endParaRPr lang="ru-RU" dirty="0"/>
+          </a:p>
+          <a:p>
+            <a:pPr lvl="2"/>
             <a:endParaRPr lang="ru-RU" dirty="0"/>
           </a:p>
         </p:txBody>
@@ -3399,7 +3371,7 @@
     </p:spTree>
     <p:extLst>
       <p:ext uri="{BB962C8B-B14F-4D97-AF65-F5344CB8AC3E}">
-        <p14:creationId xmlns:p14="http://schemas.microsoft.com/office/powerpoint/2010/main" val="3290812372"/>
+        <p14:creationId xmlns:p14="http://schemas.microsoft.com/office/powerpoint/2010/main" val="3413120925"/>
       </p:ext>
     </p:extLst>
   </p:cSld>
@@ -3428,6 +3400,354 @@
       </p:grpSpPr>
       <p:sp>
         <p:nvSpPr>
+          <p:cNvPr id="2" name="Заголовок 1"/>
+          <p:cNvSpPr>
+            <a:spLocks noGrp="1"/>
+          </p:cNvSpPr>
+          <p:nvPr>
+            <p:ph type="title"/>
+          </p:nvPr>
+        </p:nvSpPr>
+        <p:spPr/>
+        <p:txBody>
+          <a:bodyPr/>
+          <a:lstStyle/>
+          <a:p>
+            <a:r>
+              <a:rPr lang="en-US" dirty="0" err="1" smtClean="0"/>
+              <a:t>Async</a:t>
+            </a:r>
+            <a:endParaRPr lang="ru-RU" dirty="0"/>
+          </a:p>
+        </p:txBody>
+      </p:sp>
+      <p:sp>
+        <p:nvSpPr>
+          <p:cNvPr id="3" name="Объект 2"/>
+          <p:cNvSpPr>
+            <a:spLocks noGrp="1"/>
+          </p:cNvSpPr>
+          <p:nvPr>
+            <p:ph idx="1"/>
+          </p:nvPr>
+        </p:nvSpPr>
+        <p:spPr/>
+        <p:txBody>
+          <a:bodyPr/>
+          <a:lstStyle/>
+          <a:p>
+            <a:r>
+              <a:rPr lang="en-US" dirty="0" smtClean="0"/>
+              <a:t>Approach with storing id, making work in background</a:t>
+            </a:r>
+          </a:p>
+          <a:p>
+            <a:pPr lvl="1"/>
+            <a:r>
+              <a:rPr lang="en-US" dirty="0" smtClean="0"/>
+              <a:t>Need a storage</a:t>
+            </a:r>
+          </a:p>
+          <a:p>
+            <a:pPr lvl="1"/>
+            <a:r>
+              <a:rPr lang="en-US" dirty="0" smtClean="0"/>
+              <a:t>Store data in, data out</a:t>
+            </a:r>
+          </a:p>
+          <a:p>
+            <a:pPr lvl="2"/>
+            <a:r>
+              <a:rPr lang="en-US" dirty="0" smtClean="0"/>
+              <a:t>Duplicates, but need for recovery</a:t>
+            </a:r>
+          </a:p>
+          <a:p>
+            <a:r>
+              <a:rPr lang="en-US" dirty="0" smtClean="0"/>
+              <a:t>Provide a way to get a state</a:t>
+            </a:r>
+          </a:p>
+          <a:p>
+            <a:pPr lvl="1"/>
+            <a:r>
+              <a:rPr lang="en-US" dirty="0" smtClean="0"/>
+              <a:t>Get Status REST</a:t>
+            </a:r>
+          </a:p>
+          <a:p>
+            <a:pPr lvl="1"/>
+            <a:r>
+              <a:rPr lang="en-US" dirty="0" err="1" smtClean="0"/>
+              <a:t>Async</a:t>
+            </a:r>
+            <a:r>
+              <a:rPr lang="en-US" dirty="0" smtClean="0"/>
+              <a:t> Result message</a:t>
+            </a:r>
+          </a:p>
+          <a:p>
+            <a:pPr lvl="1"/>
+            <a:endParaRPr lang="ru-RU" dirty="0"/>
+          </a:p>
+        </p:txBody>
+      </p:sp>
+    </p:spTree>
+    <p:extLst>
+      <p:ext uri="{BB962C8B-B14F-4D97-AF65-F5344CB8AC3E}">
+        <p14:creationId xmlns:p14="http://schemas.microsoft.com/office/powerpoint/2010/main" val="4035124494"/>
+      </p:ext>
+    </p:extLst>
+  </p:cSld>
+  <p:clrMapOvr>
+    <a:masterClrMapping/>
+  </p:clrMapOvr>
+</p:sld>
+</file>
+
+<file path=ppt/slides/slide13.xml><?xml version="1.0" encoding="utf-8"?>
+<p:sld xmlns:a="http://schemas.openxmlformats.org/drawingml/2006/main" xmlns:r="http://schemas.openxmlformats.org/officeDocument/2006/relationships" xmlns:p="http://schemas.openxmlformats.org/presentationml/2006/main">
+  <p:cSld>
+    <p:spTree>
+      <p:nvGrpSpPr>
+        <p:cNvPr id="1" name=""/>
+        <p:cNvGrpSpPr/>
+        <p:nvPr/>
+      </p:nvGrpSpPr>
+      <p:grpSpPr>
+        <a:xfrm>
+          <a:off x="0" y="0"/>
+          <a:ext cx="0" cy="0"/>
+          <a:chOff x="0" y="0"/>
+          <a:chExt cx="0" cy="0"/>
+        </a:xfrm>
+      </p:grpSpPr>
+      <p:sp>
+        <p:nvSpPr>
+          <p:cNvPr id="2" name="Заголовок 1"/>
+          <p:cNvSpPr>
+            <a:spLocks noGrp="1"/>
+          </p:cNvSpPr>
+          <p:nvPr>
+            <p:ph type="title"/>
+          </p:nvPr>
+        </p:nvSpPr>
+        <p:spPr/>
+        <p:txBody>
+          <a:bodyPr/>
+          <a:lstStyle/>
+          <a:p>
+            <a:r>
+              <a:rPr lang="en-US" dirty="0" smtClean="0"/>
+              <a:t>Failures</a:t>
+            </a:r>
+            <a:endParaRPr lang="ru-RU" dirty="0"/>
+          </a:p>
+        </p:txBody>
+      </p:sp>
+      <p:sp>
+        <p:nvSpPr>
+          <p:cNvPr id="3" name="Объект 2"/>
+          <p:cNvSpPr>
+            <a:spLocks noGrp="1"/>
+          </p:cNvSpPr>
+          <p:nvPr>
+            <p:ph idx="1"/>
+          </p:nvPr>
+        </p:nvSpPr>
+        <p:spPr/>
+        <p:txBody>
+          <a:bodyPr>
+            <a:normAutofit lnSpcReduction="10000"/>
+          </a:bodyPr>
+          <a:lstStyle/>
+          <a:p>
+            <a:r>
+              <a:rPr lang="en-US" dirty="0" smtClean="0"/>
+              <a:t>Be ready for failures</a:t>
+            </a:r>
+          </a:p>
+          <a:p>
+            <a:r>
+              <a:rPr lang="en-US" dirty="0" smtClean="0"/>
+              <a:t>Be ready to recover</a:t>
+            </a:r>
+          </a:p>
+          <a:p>
+            <a:r>
+              <a:rPr lang="en-US" dirty="0" smtClean="0"/>
+              <a:t>Identify failure points</a:t>
+            </a:r>
+          </a:p>
+          <a:p>
+            <a:pPr lvl="1"/>
+            <a:r>
+              <a:rPr lang="en-US" dirty="0" smtClean="0"/>
+              <a:t>Show on our application</a:t>
+            </a:r>
+          </a:p>
+          <a:p>
+            <a:r>
+              <a:rPr lang="en-US" dirty="0" smtClean="0"/>
+              <a:t>Identify how to recover</a:t>
+            </a:r>
+          </a:p>
+          <a:p>
+            <a:pPr lvl="1"/>
+            <a:r>
+              <a:rPr lang="en-US" dirty="0" smtClean="0"/>
+              <a:t>Sync- client side recovery</a:t>
+            </a:r>
+          </a:p>
+          <a:p>
+            <a:pPr lvl="2"/>
+            <a:r>
+              <a:rPr lang="en-US" dirty="0" smtClean="0"/>
+              <a:t>Responsible: client</a:t>
+            </a:r>
+          </a:p>
+          <a:p>
+            <a:pPr lvl="1"/>
+            <a:r>
+              <a:rPr lang="en-US" dirty="0" err="1" smtClean="0"/>
+              <a:t>Async</a:t>
+            </a:r>
+            <a:r>
+              <a:rPr lang="en-US" dirty="0" smtClean="0"/>
+              <a:t>- server side recovery</a:t>
+            </a:r>
+          </a:p>
+          <a:p>
+            <a:pPr lvl="2"/>
+            <a:r>
+              <a:rPr lang="en-US" dirty="0" smtClean="0"/>
+              <a:t>Responsible: you</a:t>
+            </a:r>
+          </a:p>
+          <a:p>
+            <a:pPr lvl="2"/>
+            <a:endParaRPr lang="ru-RU" dirty="0"/>
+          </a:p>
+        </p:txBody>
+      </p:sp>
+    </p:spTree>
+    <p:extLst>
+      <p:ext uri="{BB962C8B-B14F-4D97-AF65-F5344CB8AC3E}">
+        <p14:creationId xmlns:p14="http://schemas.microsoft.com/office/powerpoint/2010/main" val="2944986697"/>
+      </p:ext>
+    </p:extLst>
+  </p:cSld>
+  <p:clrMapOvr>
+    <a:masterClrMapping/>
+  </p:clrMapOvr>
+</p:sld>
+</file>
+
+<file path=ppt/slides/slide14.xml><?xml version="1.0" encoding="utf-8"?>
+<p:sld xmlns:a="http://schemas.openxmlformats.org/drawingml/2006/main" xmlns:r="http://schemas.openxmlformats.org/officeDocument/2006/relationships" xmlns:p="http://schemas.openxmlformats.org/presentationml/2006/main">
+  <p:cSld>
+    <p:spTree>
+      <p:nvGrpSpPr>
+        <p:cNvPr id="1" name=""/>
+        <p:cNvGrpSpPr/>
+        <p:nvPr/>
+      </p:nvGrpSpPr>
+      <p:grpSpPr>
+        <a:xfrm>
+          <a:off x="0" y="0"/>
+          <a:ext cx="0" cy="0"/>
+          <a:chOff x="0" y="0"/>
+          <a:chExt cx="0" cy="0"/>
+        </a:xfrm>
+      </p:grpSpPr>
+      <p:sp>
+        <p:nvSpPr>
+          <p:cNvPr id="2" name="Заголовок 1"/>
+          <p:cNvSpPr>
+            <a:spLocks noGrp="1"/>
+          </p:cNvSpPr>
+          <p:nvPr>
+            <p:ph type="title"/>
+          </p:nvPr>
+        </p:nvSpPr>
+        <p:spPr/>
+        <p:txBody>
+          <a:bodyPr/>
+          <a:lstStyle/>
+          <a:p>
+            <a:r>
+              <a:rPr lang="en-US" dirty="0" smtClean="0"/>
+              <a:t>Failures: </a:t>
+            </a:r>
+            <a:r>
+              <a:rPr lang="en-US" dirty="0" err="1" smtClean="0"/>
+              <a:t>Async</a:t>
+            </a:r>
+            <a:endParaRPr lang="ru-RU" dirty="0"/>
+          </a:p>
+        </p:txBody>
+      </p:sp>
+      <p:sp>
+        <p:nvSpPr>
+          <p:cNvPr id="3" name="Объект 2"/>
+          <p:cNvSpPr>
+            <a:spLocks noGrp="1"/>
+          </p:cNvSpPr>
+          <p:nvPr>
+            <p:ph idx="1"/>
+          </p:nvPr>
+        </p:nvSpPr>
+        <p:spPr/>
+        <p:txBody>
+          <a:bodyPr/>
+          <a:lstStyle/>
+          <a:p>
+            <a:r>
+              <a:rPr lang="en-US" dirty="0" smtClean="0"/>
+              <a:t>Redelivery</a:t>
+            </a:r>
+          </a:p>
+          <a:p>
+            <a:r>
+              <a:rPr lang="en-US" dirty="0" smtClean="0"/>
+              <a:t>DLQ</a:t>
+            </a:r>
+            <a:endParaRPr lang="ru-RU" dirty="0"/>
+          </a:p>
+        </p:txBody>
+      </p:sp>
+    </p:spTree>
+    <p:extLst>
+      <p:ext uri="{BB962C8B-B14F-4D97-AF65-F5344CB8AC3E}">
+        <p14:creationId xmlns:p14="http://schemas.microsoft.com/office/powerpoint/2010/main" val="3290812372"/>
+      </p:ext>
+    </p:extLst>
+  </p:cSld>
+  <p:clrMapOvr>
+    <a:masterClrMapping/>
+  </p:clrMapOvr>
+</p:sld>
+</file>
+
+<file path=ppt/slides/slide15.xml><?xml version="1.0" encoding="utf-8"?>
+<p:sld xmlns:a="http://schemas.openxmlformats.org/drawingml/2006/main" xmlns:r="http://schemas.openxmlformats.org/officeDocument/2006/relationships" xmlns:p="http://schemas.openxmlformats.org/presentationml/2006/main">
+  <p:cSld>
+    <p:spTree>
+      <p:nvGrpSpPr>
+        <p:cNvPr id="1" name=""/>
+        <p:cNvGrpSpPr/>
+        <p:nvPr/>
+      </p:nvGrpSpPr>
+      <p:grpSpPr>
+        <a:xfrm>
+          <a:off x="0" y="0"/>
+          <a:ext cx="0" cy="0"/>
+          <a:chOff x="0" y="0"/>
+          <a:chExt cx="0" cy="0"/>
+        </a:xfrm>
+      </p:grpSpPr>
+      <p:sp>
+        <p:nvSpPr>
           <p:cNvPr id="2" name="Title 1"/>
           <p:cNvSpPr>
             <a:spLocks noGrp="1"/>
@@ -3472,6 +3792,74 @@
     <p:extLst>
       <p:ext uri="{BB962C8B-B14F-4D97-AF65-F5344CB8AC3E}">
         <p14:creationId xmlns:p14="http://schemas.microsoft.com/office/powerpoint/2010/main" val="3122075378"/>
+      </p:ext>
+    </p:extLst>
+  </p:cSld>
+  <p:clrMapOvr>
+    <a:masterClrMapping/>
+  </p:clrMapOvr>
+</p:sld>
+</file>
+
+<file path=ppt/slides/slide16.xml><?xml version="1.0" encoding="utf-8"?>
+<p:sld xmlns:a="http://schemas.openxmlformats.org/drawingml/2006/main" xmlns:r="http://schemas.openxmlformats.org/officeDocument/2006/relationships" xmlns:p="http://schemas.openxmlformats.org/presentationml/2006/main">
+  <p:cSld>
+    <p:spTree>
+      <p:nvGrpSpPr>
+        <p:cNvPr id="1" name=""/>
+        <p:cNvGrpSpPr/>
+        <p:nvPr/>
+      </p:nvGrpSpPr>
+      <p:grpSpPr>
+        <a:xfrm>
+          <a:off x="0" y="0"/>
+          <a:ext cx="0" cy="0"/>
+          <a:chOff x="0" y="0"/>
+          <a:chExt cx="0" cy="0"/>
+        </a:xfrm>
+      </p:grpSpPr>
+      <p:sp>
+        <p:nvSpPr>
+          <p:cNvPr id="2" name="Заголовок 1"/>
+          <p:cNvSpPr>
+            <a:spLocks noGrp="1"/>
+          </p:cNvSpPr>
+          <p:nvPr>
+            <p:ph type="title"/>
+          </p:nvPr>
+        </p:nvSpPr>
+        <p:spPr/>
+        <p:txBody>
+          <a:bodyPr/>
+          <a:lstStyle/>
+          <a:p>
+            <a:endParaRPr lang="ru-RU"/>
+          </a:p>
+        </p:txBody>
+      </p:sp>
+      <p:sp>
+        <p:nvSpPr>
+          <p:cNvPr id="3" name="Объект 2"/>
+          <p:cNvSpPr>
+            <a:spLocks noGrp="1"/>
+          </p:cNvSpPr>
+          <p:nvPr>
+            <p:ph idx="1"/>
+          </p:nvPr>
+        </p:nvSpPr>
+        <p:spPr/>
+        <p:txBody>
+          <a:bodyPr/>
+          <a:lstStyle/>
+          <a:p>
+            <a:endParaRPr lang="ru-RU"/>
+          </a:p>
+        </p:txBody>
+      </p:sp>
+    </p:spTree>
+    <p:extLst>
+      <p:ext uri="{BB962C8B-B14F-4D97-AF65-F5344CB8AC3E}">
+        <p14:creationId xmlns:p14="http://schemas.microsoft.com/office/powerpoint/2010/main" val="1486434484"/>
       </p:ext>
     </p:extLst>
   </p:cSld>
@@ -3513,6 +3901,231 @@
           <a:bodyPr/>
           <a:lstStyle/>
           <a:p>
+            <a:endParaRPr lang="ru-RU"/>
+          </a:p>
+        </p:txBody>
+      </p:sp>
+      <p:sp>
+        <p:nvSpPr>
+          <p:cNvPr id="3" name="Объект 2"/>
+          <p:cNvSpPr>
+            <a:spLocks noGrp="1"/>
+          </p:cNvSpPr>
+          <p:nvPr>
+            <p:ph idx="1"/>
+          </p:nvPr>
+        </p:nvSpPr>
+        <p:spPr/>
+        <p:txBody>
+          <a:bodyPr/>
+          <a:lstStyle/>
+          <a:p>
+            <a:endParaRPr lang="ru-RU" dirty="0"/>
+          </a:p>
+        </p:txBody>
+      </p:sp>
+    </p:spTree>
+    <p:extLst>
+      <p:ext uri="{BB962C8B-B14F-4D97-AF65-F5344CB8AC3E}">
+        <p14:creationId xmlns:p14="http://schemas.microsoft.com/office/powerpoint/2010/main" val="3638713563"/>
+      </p:ext>
+    </p:extLst>
+  </p:cSld>
+  <p:clrMapOvr>
+    <a:masterClrMapping/>
+  </p:clrMapOvr>
+</p:sld>
+</file>
+
+<file path=ppt/slides/slide3.xml><?xml version="1.0" encoding="utf-8"?>
+<p:sld xmlns:a="http://schemas.openxmlformats.org/drawingml/2006/main" xmlns:r="http://schemas.openxmlformats.org/officeDocument/2006/relationships" xmlns:p="http://schemas.openxmlformats.org/presentationml/2006/main">
+  <p:cSld>
+    <p:spTree>
+      <p:nvGrpSpPr>
+        <p:cNvPr id="1" name=""/>
+        <p:cNvGrpSpPr/>
+        <p:nvPr/>
+      </p:nvGrpSpPr>
+      <p:grpSpPr>
+        <a:xfrm>
+          <a:off x="0" y="0"/>
+          <a:ext cx="0" cy="0"/>
+          <a:chOff x="0" y="0"/>
+          <a:chExt cx="0" cy="0"/>
+        </a:xfrm>
+      </p:grpSpPr>
+      <p:sp>
+        <p:nvSpPr>
+          <p:cNvPr id="2" name="Заголовок 1"/>
+          <p:cNvSpPr>
+            <a:spLocks noGrp="1"/>
+          </p:cNvSpPr>
+          <p:nvPr>
+            <p:ph type="title"/>
+          </p:nvPr>
+        </p:nvSpPr>
+        <p:spPr/>
+        <p:txBody>
+          <a:bodyPr/>
+          <a:lstStyle/>
+          <a:p>
+            <a:endParaRPr lang="ru-RU"/>
+          </a:p>
+        </p:txBody>
+      </p:sp>
+      <p:sp>
+        <p:nvSpPr>
+          <p:cNvPr id="3" name="Объект 2"/>
+          <p:cNvSpPr>
+            <a:spLocks noGrp="1"/>
+          </p:cNvSpPr>
+          <p:nvPr>
+            <p:ph idx="1"/>
+          </p:nvPr>
+        </p:nvSpPr>
+        <p:spPr/>
+        <p:txBody>
+          <a:bodyPr/>
+          <a:lstStyle/>
+          <a:p>
+            <a:pPr marL="0" indent="0">
+              <a:buNone/>
+            </a:pPr>
+            <a:r>
+              <a:rPr lang="ru-RU" u="sng" dirty="0" err="1"/>
+              <a:t>Business</a:t>
+            </a:r>
+            <a:r>
+              <a:rPr lang="ru-RU" u="sng" dirty="0"/>
+              <a:t> </a:t>
+            </a:r>
+            <a:r>
+              <a:rPr lang="ru-RU" u="sng" dirty="0" err="1"/>
+              <a:t>Capabilities</a:t>
+            </a:r>
+            <a:r>
+              <a:rPr lang="ru-RU" u="sng" dirty="0"/>
+              <a:t> | Организация вокруг </a:t>
+            </a:r>
+            <a:r>
+              <a:rPr lang="ru-RU" u="sng" dirty="0" smtClean="0"/>
+              <a:t>потребностей бизнеса</a:t>
+            </a:r>
+            <a:endParaRPr lang="en-US" u="sng" dirty="0" smtClean="0"/>
+          </a:p>
+          <a:p>
+            <a:pPr marL="0" indent="0">
+              <a:buNone/>
+            </a:pPr>
+            <a:r>
+              <a:rPr lang="en-US" dirty="0" smtClean="0"/>
+              <a:t>- Different components implement different business needs</a:t>
+            </a:r>
+          </a:p>
+          <a:p>
+            <a:pPr marL="0" indent="0">
+              <a:buNone/>
+            </a:pPr>
+            <a:r>
+              <a:rPr lang="en-US" dirty="0"/>
+              <a:t>	</a:t>
+            </a:r>
+            <a:r>
+              <a:rPr lang="en-US" dirty="0" smtClean="0"/>
+              <a:t>- reporting</a:t>
+            </a:r>
+          </a:p>
+          <a:p>
+            <a:pPr marL="0" indent="0">
+              <a:buNone/>
+            </a:pPr>
+            <a:r>
+              <a:rPr lang="en-US" dirty="0"/>
+              <a:t>	</a:t>
+            </a:r>
+            <a:r>
+              <a:rPr lang="en-US" dirty="0" smtClean="0"/>
+              <a:t>- emailing</a:t>
+            </a:r>
+          </a:p>
+          <a:p>
+            <a:pPr marL="0" indent="0">
+              <a:buNone/>
+            </a:pPr>
+            <a:r>
+              <a:rPr lang="en-US" dirty="0"/>
+              <a:t>	</a:t>
+            </a:r>
+            <a:r>
+              <a:rPr lang="en-US" dirty="0" smtClean="0"/>
+              <a:t>- taxes</a:t>
+            </a:r>
+          </a:p>
+          <a:p>
+            <a:pPr marL="0" indent="0">
+              <a:buNone/>
+            </a:pPr>
+            <a:r>
+              <a:rPr lang="en-US" dirty="0"/>
+              <a:t>	</a:t>
+            </a:r>
+            <a:r>
+              <a:rPr lang="en-US" dirty="0" smtClean="0"/>
+              <a:t>- credit card </a:t>
+            </a:r>
+            <a:r>
+              <a:rPr lang="en-US" dirty="0" err="1" smtClean="0"/>
+              <a:t>mgmt</a:t>
+            </a:r>
+            <a:endParaRPr lang="ru-RU" dirty="0"/>
+          </a:p>
+        </p:txBody>
+      </p:sp>
+    </p:spTree>
+    <p:extLst>
+      <p:ext uri="{BB962C8B-B14F-4D97-AF65-F5344CB8AC3E}">
+        <p14:creationId xmlns:p14="http://schemas.microsoft.com/office/powerpoint/2010/main" val="2238289338"/>
+      </p:ext>
+    </p:extLst>
+  </p:cSld>
+  <p:clrMapOvr>
+    <a:masterClrMapping/>
+  </p:clrMapOvr>
+</p:sld>
+</file>
+
+<file path=ppt/slides/slide4.xml><?xml version="1.0" encoding="utf-8"?>
+<p:sld xmlns:a="http://schemas.openxmlformats.org/drawingml/2006/main" xmlns:r="http://schemas.openxmlformats.org/officeDocument/2006/relationships" xmlns:p="http://schemas.openxmlformats.org/presentationml/2006/main">
+  <p:cSld>
+    <p:spTree>
+      <p:nvGrpSpPr>
+        <p:cNvPr id="1" name=""/>
+        <p:cNvGrpSpPr/>
+        <p:nvPr/>
+      </p:nvGrpSpPr>
+      <p:grpSpPr>
+        <a:xfrm>
+          <a:off x="0" y="0"/>
+          <a:ext cx="0" cy="0"/>
+          <a:chOff x="0" y="0"/>
+          <a:chExt cx="0" cy="0"/>
+        </a:xfrm>
+      </p:grpSpPr>
+      <p:sp>
+        <p:nvSpPr>
+          <p:cNvPr id="2" name="Заголовок 1"/>
+          <p:cNvSpPr>
+            <a:spLocks noGrp="1"/>
+          </p:cNvSpPr>
+          <p:nvPr>
+            <p:ph type="title"/>
+          </p:nvPr>
+        </p:nvSpPr>
+        <p:spPr/>
+        <p:txBody>
+          <a:bodyPr/>
+          <a:lstStyle/>
+          <a:p>
             <a:r>
               <a:rPr lang="en-US" dirty="0" smtClean="0"/>
               <a:t>Deployment</a:t>
@@ -3533,13 +4146,30 @@
         </p:nvSpPr>
         <p:spPr/>
         <p:txBody>
-          <a:bodyPr/>
-          <a:lstStyle/>
+          <a:bodyPr>
+            <a:normAutofit lnSpcReduction="10000"/>
+          </a:bodyPr>
+          <a:lstStyle/>
+          <a:p>
+            <a:pPr marL="0" indent="0">
+              <a:buNone/>
+            </a:pPr>
+            <a:r>
+              <a:rPr lang="en-US" u="sng" dirty="0"/>
+              <a:t>Infrastructure Automation | </a:t>
+            </a:r>
+            <a:r>
+              <a:rPr lang="ru-RU" u="sng" dirty="0"/>
+              <a:t>Автоматизация инфраструктуры</a:t>
+            </a:r>
+            <a:endParaRPr lang="en-US" u="sng" dirty="0" smtClean="0"/>
+          </a:p>
           <a:p>
             <a:r>
               <a:rPr lang="en-US" dirty="0" smtClean="0"/>
               <a:t>Automation</a:t>
             </a:r>
+            <a:endParaRPr lang="en-US" dirty="0" smtClean="0"/>
           </a:p>
           <a:p>
             <a:pPr lvl="1"/>
@@ -3552,13 +4182,8 @@
             <a:pPr lvl="1"/>
             <a:r>
               <a:rPr lang="en-US" dirty="0" smtClean="0"/>
-              <a:t>Continuous </a:t>
-            </a:r>
-            <a:r>
-              <a:rPr lang="en-US" dirty="0" smtClean="0"/>
-              <a:t>Delivery (on the road to…)</a:t>
-            </a:r>
-            <a:endParaRPr lang="en-US" dirty="0" smtClean="0"/>
+              <a:t>Continuous Delivery (on the road to…)</a:t>
+            </a:r>
           </a:p>
           <a:p>
             <a:pPr lvl="1"/>
@@ -3576,11 +4201,7 @@
           <a:p>
             <a:r>
               <a:rPr lang="en-US" dirty="0" smtClean="0"/>
-              <a:t>Align </a:t>
-            </a:r>
-            <a:r>
-              <a:rPr lang="en-US" dirty="0" smtClean="0"/>
-              <a:t>environment</a:t>
+              <a:t>Align environment</a:t>
             </a:r>
           </a:p>
           <a:p>
@@ -3613,7 +4234,7 @@
 </p:sld>
 </file>
 
-<file path=ppt/slides/slide3.xml><?xml version="1.0" encoding="utf-8"?>
+<file path=ppt/slides/slide5.xml><?xml version="1.0" encoding="utf-8"?>
 <p:sld xmlns:a="http://schemas.openxmlformats.org/drawingml/2006/main" xmlns:r="http://schemas.openxmlformats.org/officeDocument/2006/relationships" xmlns:p="http://schemas.openxmlformats.org/presentationml/2006/main">
   <p:cSld>
     <p:spTree>
@@ -3646,8 +4267,12 @@
           <a:lstStyle/>
           <a:p>
             <a:r>
-              <a:rPr lang="en-US" dirty="0" smtClean="0"/>
-              <a:t>Design</a:t>
+              <a:rPr lang="en-US" dirty="0" err="1" smtClean="0"/>
+              <a:t>Microservices</a:t>
+            </a:r>
+            <a:r>
+              <a:rPr lang="en-US" dirty="0" smtClean="0"/>
+              <a:t> Design</a:t>
             </a:r>
             <a:endParaRPr lang="ru-RU" dirty="0"/>
           </a:p>
@@ -3715,7 +4340,6 @@
               <a:rPr lang="en-US" dirty="0" smtClean="0"/>
               <a:t>Versioning system (different)</a:t>
             </a:r>
-            <a:endParaRPr lang="en-US" dirty="0" smtClean="0"/>
           </a:p>
           <a:p>
             <a:r>
@@ -3727,13 +4351,8 @@
             <a:pPr lvl="1"/>
             <a:r>
               <a:rPr lang="en-US" dirty="0" smtClean="0"/>
-              <a:t>Should be </a:t>
-            </a:r>
-            <a:r>
-              <a:rPr lang="en-US" dirty="0" smtClean="0"/>
-              <a:t>thorough (word)</a:t>
-            </a:r>
-            <a:endParaRPr lang="en-US" dirty="0" smtClean="0"/>
+              <a:t>Should be thorough (word)</a:t>
+            </a:r>
           </a:p>
           <a:p>
             <a:r>
@@ -3770,175 +4389,6 @@
 </p:sld>
 </file>
 
-<file path=ppt/slides/slide4.xml><?xml version="1.0" encoding="utf-8"?>
-<p:sld xmlns:a="http://schemas.openxmlformats.org/drawingml/2006/main" xmlns:r="http://schemas.openxmlformats.org/officeDocument/2006/relationships" xmlns:p="http://schemas.openxmlformats.org/presentationml/2006/main">
-  <p:cSld>
-    <p:spTree>
-      <p:nvGrpSpPr>
-        <p:cNvPr id="1" name=""/>
-        <p:cNvGrpSpPr/>
-        <p:nvPr/>
-      </p:nvGrpSpPr>
-      <p:grpSpPr>
-        <a:xfrm>
-          <a:off x="0" y="0"/>
-          <a:ext cx="0" cy="0"/>
-          <a:chOff x="0" y="0"/>
-          <a:chExt cx="0" cy="0"/>
-        </a:xfrm>
-      </p:grpSpPr>
-      <p:sp>
-        <p:nvSpPr>
-          <p:cNvPr id="2" name="Заголовок 1"/>
-          <p:cNvSpPr>
-            <a:spLocks noGrp="1"/>
-          </p:cNvSpPr>
-          <p:nvPr>
-            <p:ph type="title"/>
-          </p:nvPr>
-        </p:nvSpPr>
-        <p:spPr/>
-        <p:txBody>
-          <a:bodyPr/>
-          <a:lstStyle/>
-          <a:p>
-            <a:r>
-              <a:rPr lang="en-US" dirty="0" smtClean="0"/>
-              <a:t>Design</a:t>
-            </a:r>
-            <a:endParaRPr lang="ru-RU" dirty="0"/>
-          </a:p>
-        </p:txBody>
-      </p:sp>
-      <p:sp>
-        <p:nvSpPr>
-          <p:cNvPr id="3" name="Объект 2"/>
-          <p:cNvSpPr>
-            <a:spLocks noGrp="1"/>
-          </p:cNvSpPr>
-          <p:nvPr>
-            <p:ph idx="1"/>
-          </p:nvPr>
-        </p:nvSpPr>
-        <p:spPr/>
-        <p:txBody>
-          <a:bodyPr/>
-          <a:lstStyle/>
-          <a:p>
-            <a:r>
-              <a:rPr lang="en-US" dirty="0" smtClean="0"/>
-              <a:t>No access to DB of 3rd application</a:t>
-            </a:r>
-            <a:endParaRPr lang="ru-RU" dirty="0"/>
-          </a:p>
-        </p:txBody>
-      </p:sp>
-    </p:spTree>
-    <p:extLst>
-      <p:ext uri="{BB962C8B-B14F-4D97-AF65-F5344CB8AC3E}">
-        <p14:creationId xmlns:p14="http://schemas.microsoft.com/office/powerpoint/2010/main" val="1361634447"/>
-      </p:ext>
-    </p:extLst>
-  </p:cSld>
-  <p:clrMapOvr>
-    <a:masterClrMapping/>
-  </p:clrMapOvr>
-</p:sld>
-</file>
-
-<file path=ppt/slides/slide5.xml><?xml version="1.0" encoding="utf-8"?>
-<p:sld xmlns:a="http://schemas.openxmlformats.org/drawingml/2006/main" xmlns:r="http://schemas.openxmlformats.org/officeDocument/2006/relationships" xmlns:p="http://schemas.openxmlformats.org/presentationml/2006/main">
-  <p:cSld>
-    <p:spTree>
-      <p:nvGrpSpPr>
-        <p:cNvPr id="1" name=""/>
-        <p:cNvGrpSpPr/>
-        <p:nvPr/>
-      </p:nvGrpSpPr>
-      <p:grpSpPr>
-        <a:xfrm>
-          <a:off x="0" y="0"/>
-          <a:ext cx="0" cy="0"/>
-          <a:chOff x="0" y="0"/>
-          <a:chExt cx="0" cy="0"/>
-        </a:xfrm>
-      </p:grpSpPr>
-      <p:sp>
-        <p:nvSpPr>
-          <p:cNvPr id="2" name="Заголовок 1"/>
-          <p:cNvSpPr>
-            <a:spLocks noGrp="1"/>
-          </p:cNvSpPr>
-          <p:nvPr>
-            <p:ph type="title"/>
-          </p:nvPr>
-        </p:nvSpPr>
-        <p:spPr/>
-        <p:txBody>
-          <a:bodyPr/>
-          <a:lstStyle/>
-          <a:p>
-            <a:r>
-              <a:rPr lang="en-US" dirty="0" smtClean="0"/>
-              <a:t>Client-oriented</a:t>
-            </a:r>
-            <a:endParaRPr lang="ru-RU" dirty="0"/>
-          </a:p>
-        </p:txBody>
-      </p:sp>
-      <p:sp>
-        <p:nvSpPr>
-          <p:cNvPr id="3" name="Объект 2"/>
-          <p:cNvSpPr>
-            <a:spLocks noGrp="1"/>
-          </p:cNvSpPr>
-          <p:nvPr>
-            <p:ph idx="1"/>
-          </p:nvPr>
-        </p:nvSpPr>
-        <p:spPr/>
-        <p:txBody>
-          <a:bodyPr/>
-          <a:lstStyle/>
-          <a:p>
-            <a:r>
-              <a:rPr lang="en-US" dirty="0" smtClean="0"/>
-              <a:t>Helper client libs</a:t>
-            </a:r>
-          </a:p>
-          <a:p>
-            <a:pPr lvl="1"/>
-            <a:r>
-              <a:rPr lang="en-US" dirty="0" smtClean="0"/>
-              <a:t>Rup-rest </a:t>
-            </a:r>
-            <a:r>
-              <a:rPr lang="en-US" dirty="0" smtClean="0"/>
-              <a:t>example</a:t>
-            </a:r>
-          </a:p>
-          <a:p>
-            <a:r>
-              <a:rPr lang="en-US" dirty="0" smtClean="0"/>
-              <a:t>Steward API</a:t>
-            </a:r>
-            <a:endParaRPr lang="ru-RU" dirty="0"/>
-          </a:p>
-        </p:txBody>
-      </p:sp>
-    </p:spTree>
-    <p:extLst>
-      <p:ext uri="{BB962C8B-B14F-4D97-AF65-F5344CB8AC3E}">
-        <p14:creationId xmlns:p14="http://schemas.microsoft.com/office/powerpoint/2010/main" val="1995439128"/>
-      </p:ext>
-    </p:extLst>
-  </p:cSld>
-  <p:clrMapOvr>
-    <a:masterClrMapping/>
-  </p:clrMapOvr>
-</p:sld>
-</file>
-
 <file path=ppt/slides/slide6.xml><?xml version="1.0" encoding="utf-8"?>
 <p:sld xmlns:a="http://schemas.openxmlformats.org/drawingml/2006/main" xmlns:r="http://schemas.openxmlformats.org/officeDocument/2006/relationships" xmlns:p="http://schemas.openxmlformats.org/presentationml/2006/main">
   <p:cSld>
@@ -3971,11 +4421,7 @@
           <a:bodyPr/>
           <a:lstStyle/>
           <a:p>
-            <a:r>
-              <a:rPr lang="en-US" dirty="0" smtClean="0"/>
-              <a:t>Performance</a:t>
-            </a:r>
-            <a:endParaRPr lang="ru-RU" dirty="0"/>
+            <a:endParaRPr lang="ru-RU"/>
           </a:p>
         </p:txBody>
       </p:sp>
@@ -3994,27 +4440,74 @@
           <a:bodyPr/>
           <a:lstStyle/>
           <a:p>
-            <a:r>
-              <a:rPr lang="en-US" dirty="0" smtClean="0"/>
-              <a:t>2 kind of services</a:t>
-            </a:r>
-          </a:p>
-          <a:p>
-            <a:pPr lvl="1"/>
+            <a:pPr marL="0" indent="0">
+              <a:buNone/>
+            </a:pPr>
+            <a:r>
+              <a:rPr lang="en-US" u="sng" dirty="0"/>
+              <a:t>Decentralized </a:t>
+            </a:r>
+            <a:r>
+              <a:rPr lang="en-US" u="sng" dirty="0" smtClean="0"/>
+              <a:t>Governance</a:t>
+            </a:r>
+          </a:p>
+          <a:p>
+            <a:pPr marL="0" indent="0">
+              <a:buNone/>
+            </a:pPr>
+            <a:r>
+              <a:rPr lang="en-US" dirty="0" smtClean="0"/>
+              <a:t> - Different technologies for different purposes</a:t>
+            </a:r>
+          </a:p>
+          <a:p>
+            <a:pPr marL="0" indent="0">
+              <a:buNone/>
+            </a:pPr>
+            <a:r>
+              <a:rPr lang="en-US" dirty="0"/>
+              <a:t>	</a:t>
+            </a:r>
+            <a:r>
+              <a:rPr lang="en-US" dirty="0" smtClean="0"/>
+              <a:t>- Different Frameworks/Storages</a:t>
+            </a:r>
+          </a:p>
+          <a:p>
+            <a:pPr marL="0" indent="0">
+              <a:buNone/>
+            </a:pPr>
+            <a:r>
+              <a:rPr lang="en-US" dirty="0"/>
+              <a:t>	</a:t>
+            </a:r>
+            <a:r>
+              <a:rPr lang="en-US" dirty="0" smtClean="0"/>
+              <a:t>	- Mongo/</a:t>
+            </a:r>
             <a:r>
               <a:rPr lang="en-US" dirty="0" err="1" smtClean="0"/>
-              <a:t>Async</a:t>
+              <a:t>Postgres</a:t>
+            </a:r>
+            <a:r>
+              <a:rPr lang="en-US" dirty="0" smtClean="0"/>
+              <a:t>/</a:t>
+            </a:r>
+            <a:r>
+              <a:rPr lang="en-US" dirty="0" err="1" smtClean="0"/>
+              <a:t>Lucene</a:t>
             </a:r>
             <a:endParaRPr lang="en-US" dirty="0" smtClean="0"/>
           </a:p>
           <a:p>
-            <a:pPr lvl="1"/>
-            <a:r>
-              <a:rPr lang="en-US" dirty="0" smtClean="0"/>
-              <a:t>Sync</a:t>
-            </a:r>
-          </a:p>
-          <a:p>
+            <a:pPr marL="0" indent="0">
+              <a:buNone/>
+            </a:pPr>
+            <a:r>
+              <a:rPr lang="en-US" dirty="0" smtClean="0"/>
+              <a:t>- But still have one platform/standards/libs</a:t>
+            </a:r>
             <a:endParaRPr lang="ru-RU" dirty="0"/>
           </a:p>
         </p:txBody>
@@ -4022,7 +4515,7 @@
     </p:spTree>
     <p:extLst>
       <p:ext uri="{BB962C8B-B14F-4D97-AF65-F5344CB8AC3E}">
-        <p14:creationId xmlns:p14="http://schemas.microsoft.com/office/powerpoint/2010/main" val="365429632"/>
+        <p14:creationId xmlns:p14="http://schemas.microsoft.com/office/powerpoint/2010/main" val="1910416683"/>
       </p:ext>
     </p:extLst>
   </p:cSld>
@@ -4066,7 +4559,7 @@
           <a:p>
             <a:r>
               <a:rPr lang="en-US" dirty="0" smtClean="0"/>
-              <a:t>Sync</a:t>
+              <a:t>Design</a:t>
             </a:r>
             <a:endParaRPr lang="ru-RU" dirty="0"/>
           </a:p>
@@ -4087,26 +4580,26 @@
           <a:bodyPr/>
           <a:lstStyle/>
           <a:p>
-            <a:r>
-              <a:rPr lang="en-US" dirty="0" smtClean="0"/>
-              <a:t>As fast as possible</a:t>
-            </a:r>
-          </a:p>
-          <a:p>
-            <a:r>
-              <a:rPr lang="en-US" dirty="0" smtClean="0"/>
-              <a:t>Cache </a:t>
-            </a:r>
-            <a:r>
-              <a:rPr lang="en-US" dirty="0" smtClean="0"/>
-              <a:t>retrieval</a:t>
-            </a:r>
-          </a:p>
-          <a:p>
-            <a:pPr lvl="1"/>
-            <a:r>
-              <a:rPr lang="en-US" dirty="0" smtClean="0"/>
-              <a:t>Guava for small caches</a:t>
+            <a:pPr marL="0" indent="0">
+              <a:buNone/>
+            </a:pPr>
+            <a:r>
+              <a:rPr lang="en-US" u="sng" dirty="0"/>
+              <a:t>Decentralized Data</a:t>
+            </a:r>
+            <a:endParaRPr lang="ru-RU" u="sng" dirty="0"/>
+          </a:p>
+          <a:p>
+            <a:endParaRPr lang="en-US" dirty="0" smtClean="0"/>
+          </a:p>
+          <a:p>
+            <a:r>
+              <a:rPr lang="en-US" dirty="0" smtClean="0"/>
+              <a:t>No </a:t>
+            </a:r>
+            <a:r>
+              <a:rPr lang="en-US" dirty="0" smtClean="0"/>
+              <a:t>access to DB of 3rd application</a:t>
             </a:r>
             <a:endParaRPr lang="ru-RU" dirty="0"/>
           </a:p>
@@ -4115,7 +4608,7 @@
     </p:spTree>
     <p:extLst>
       <p:ext uri="{BB962C8B-B14F-4D97-AF65-F5344CB8AC3E}">
-        <p14:creationId xmlns:p14="http://schemas.microsoft.com/office/powerpoint/2010/main" val="3413120925"/>
+        <p14:creationId xmlns:p14="http://schemas.microsoft.com/office/powerpoint/2010/main" val="1361634447"/>
       </p:ext>
     </p:extLst>
   </p:cSld>
@@ -4157,11 +4650,7 @@
           <a:bodyPr/>
           <a:lstStyle/>
           <a:p>
-            <a:r>
-              <a:rPr lang="en-US" dirty="0" err="1" smtClean="0"/>
-              <a:t>Async</a:t>
-            </a:r>
-            <a:endParaRPr lang="ru-RU" dirty="0"/>
+            <a:endParaRPr lang="ru-RU"/>
           </a:p>
         </p:txBody>
       </p:sp>
@@ -4177,69 +4666,122 @@
         </p:nvSpPr>
         <p:spPr/>
         <p:txBody>
-          <a:bodyPr/>
-          <a:lstStyle/>
-          <a:p>
-            <a:r>
-              <a:rPr lang="en-US" dirty="0" smtClean="0"/>
-              <a:t>Approach with storing id, making work in background</a:t>
-            </a:r>
+          <a:bodyPr>
+            <a:normAutofit fontScale="92500"/>
+          </a:bodyPr>
+          <a:lstStyle/>
+          <a:p>
+            <a:r>
+              <a:rPr lang="ru-RU" u="sng" dirty="0" err="1"/>
+              <a:t>Design</a:t>
+            </a:r>
+            <a:r>
+              <a:rPr lang="ru-RU" u="sng" dirty="0"/>
+              <a:t> </a:t>
+            </a:r>
+            <a:r>
+              <a:rPr lang="ru-RU" u="sng" dirty="0" err="1"/>
+              <a:t>for</a:t>
+            </a:r>
+            <a:r>
+              <a:rPr lang="ru-RU" u="sng" dirty="0"/>
+              <a:t> </a:t>
+            </a:r>
+            <a:r>
+              <a:rPr lang="ru-RU" u="sng" dirty="0" err="1"/>
+              <a:t>failure</a:t>
+            </a:r>
+            <a:r>
+              <a:rPr lang="ru-RU" u="sng" dirty="0"/>
+              <a:t> | Проектирование под </a:t>
+            </a:r>
+            <a:r>
+              <a:rPr lang="ru-RU" u="sng" dirty="0" smtClean="0"/>
+              <a:t>отказ</a:t>
+            </a:r>
+            <a:endParaRPr lang="en-US" u="sng" dirty="0" smtClean="0"/>
           </a:p>
           <a:p>
             <a:pPr lvl="1"/>
             <a:r>
-              <a:rPr lang="en-US" dirty="0" smtClean="0"/>
-              <a:t>Need a storage</a:t>
+              <a:rPr lang="en-US" u="sng" dirty="0" smtClean="0"/>
+              <a:t>Detect</a:t>
+            </a:r>
+          </a:p>
+          <a:p>
+            <a:pPr lvl="2"/>
+            <a:r>
+              <a:rPr lang="en-US" u="sng" dirty="0" smtClean="0"/>
+              <a:t>Monitoring</a:t>
+            </a:r>
+          </a:p>
+          <a:p>
+            <a:pPr lvl="3"/>
+            <a:r>
+              <a:rPr lang="en-US" u="sng" dirty="0" smtClean="0"/>
+              <a:t>Near real-time (</a:t>
+            </a:r>
+            <a:r>
+              <a:rPr lang="en-US" u="sng" dirty="0" err="1" smtClean="0"/>
+              <a:t>splunk</a:t>
+            </a:r>
+            <a:r>
+              <a:rPr lang="en-US" u="sng" dirty="0" smtClean="0"/>
+              <a:t>)</a:t>
+            </a:r>
+          </a:p>
+          <a:p>
+            <a:pPr lvl="2"/>
+            <a:r>
+              <a:rPr lang="en-US" u="sng" dirty="0" smtClean="0"/>
+              <a:t>Extensive Logging</a:t>
+            </a:r>
+          </a:p>
+          <a:p>
+            <a:pPr lvl="2"/>
+            <a:r>
+              <a:rPr lang="en-US" u="sng" dirty="0" smtClean="0"/>
+              <a:t>Defensive Programming</a:t>
             </a:r>
           </a:p>
           <a:p>
             <a:pPr lvl="1"/>
             <a:r>
-              <a:rPr lang="en-US" dirty="0" smtClean="0"/>
-              <a:t>Store data in, data out</a:t>
+              <a:rPr lang="en-US" u="sng" dirty="0" smtClean="0"/>
+              <a:t>Overcome</a:t>
             </a:r>
           </a:p>
           <a:p>
             <a:pPr lvl="2"/>
             <a:r>
-              <a:rPr lang="en-US" dirty="0" smtClean="0"/>
-              <a:t>Duplicates, but need for recovery</a:t>
-            </a:r>
-          </a:p>
-          <a:p>
-            <a:r>
-              <a:rPr lang="en-US" dirty="0" smtClean="0"/>
-              <a:t>Provide a way to get a state</a:t>
+              <a:rPr lang="en-US" u="sng" dirty="0" smtClean="0"/>
+              <a:t>Monitoring emails (manual)</a:t>
+            </a:r>
+          </a:p>
+          <a:p>
+            <a:pPr lvl="2"/>
+            <a:r>
+              <a:rPr lang="en-US" u="sng" dirty="0" smtClean="0"/>
+              <a:t>High Availability</a:t>
+            </a:r>
+          </a:p>
+          <a:p>
+            <a:pPr lvl="3"/>
+            <a:r>
+              <a:rPr lang="en-US" u="sng" smtClean="0"/>
+              <a:t>Load balancing</a:t>
             </a:r>
           </a:p>
           <a:p>
             <a:pPr lvl="1"/>
-            <a:r>
-              <a:rPr lang="en-US" dirty="0" smtClean="0"/>
-              <a:t>Get Status REST</a:t>
-            </a:r>
-          </a:p>
-          <a:p>
-            <a:pPr lvl="1"/>
-            <a:r>
-              <a:rPr lang="en-US" dirty="0" err="1" smtClean="0"/>
-              <a:t>Async</a:t>
-            </a:r>
-            <a:r>
-              <a:rPr lang="en-US" dirty="0" smtClean="0"/>
-              <a:t> Result message</a:t>
-            </a:r>
-          </a:p>
-          <a:p>
-            <a:pPr lvl="1"/>
-            <a:endParaRPr lang="ru-RU" dirty="0"/>
+            <a:endParaRPr lang="ru-RU" u="sng" dirty="0"/>
           </a:p>
         </p:txBody>
       </p:sp>
     </p:spTree>
     <p:extLst>
       <p:ext uri="{BB962C8B-B14F-4D97-AF65-F5344CB8AC3E}">
-        <p14:creationId xmlns:p14="http://schemas.microsoft.com/office/powerpoint/2010/main" val="4035124494"/>
+        <p14:creationId xmlns:p14="http://schemas.microsoft.com/office/powerpoint/2010/main" val="555567851"/>
       </p:ext>
     </p:extLst>
   </p:cSld>
@@ -4283,7 +4825,7 @@
           <a:p>
             <a:r>
               <a:rPr lang="en-US" dirty="0" smtClean="0"/>
-              <a:t>Performance</a:t>
+              <a:t>Client-oriented</a:t>
             </a:r>
             <a:endParaRPr lang="ru-RU" dirty="0"/>
           </a:p>
@@ -4306,21 +4848,20 @@
           <a:p>
             <a:r>
               <a:rPr lang="en-US" dirty="0" smtClean="0"/>
-              <a:t>Caching</a:t>
+              <a:t>Helper client libs</a:t>
             </a:r>
           </a:p>
           <a:p>
             <a:pPr lvl="1"/>
             <a:r>
               <a:rPr lang="en-US" dirty="0" smtClean="0"/>
-              <a:t>Guava?</a:t>
-            </a:r>
-          </a:p>
-          <a:p>
-            <a:pPr lvl="2"/>
-            <a:r>
-              <a:rPr lang="en-US" dirty="0" smtClean="0"/>
-              <a:t>Eliminate process interaction</a:t>
+              <a:t>Rup-rest example</a:t>
+            </a:r>
+          </a:p>
+          <a:p>
+            <a:r>
+              <a:rPr lang="en-US" dirty="0" smtClean="0"/>
+              <a:t>Steward API</a:t>
             </a:r>
             <a:endParaRPr lang="ru-RU" dirty="0"/>
           </a:p>
@@ -4329,7 +4870,7 @@
     </p:spTree>
     <p:extLst>
       <p:ext uri="{BB962C8B-B14F-4D97-AF65-F5344CB8AC3E}">
-        <p14:creationId xmlns:p14="http://schemas.microsoft.com/office/powerpoint/2010/main" val="3902475881"/>
+        <p14:creationId xmlns:p14="http://schemas.microsoft.com/office/powerpoint/2010/main" val="1995439128"/>
       </p:ext>
     </p:extLst>
   </p:cSld>

--- a/Microservices.pptx
+++ b/Microservices.pptx
@@ -7,20 +7,25 @@
   <p:sldIdLst>
     <p:sldId id="256" r:id="rId2"/>
     <p:sldId id="269" r:id="rId3"/>
-    <p:sldId id="271" r:id="rId4"/>
-    <p:sldId id="257" r:id="rId5"/>
-    <p:sldId id="258" r:id="rId6"/>
-    <p:sldId id="270" r:id="rId7"/>
-    <p:sldId id="266" r:id="rId8"/>
-    <p:sldId id="272" r:id="rId9"/>
-    <p:sldId id="260" r:id="rId10"/>
-    <p:sldId id="262" r:id="rId11"/>
-    <p:sldId id="263" r:id="rId12"/>
-    <p:sldId id="264" r:id="rId13"/>
-    <p:sldId id="259" r:id="rId14"/>
-    <p:sldId id="265" r:id="rId15"/>
-    <p:sldId id="267" r:id="rId16"/>
-    <p:sldId id="268" r:id="rId17"/>
+    <p:sldId id="277" r:id="rId4"/>
+    <p:sldId id="274" r:id="rId5"/>
+    <p:sldId id="275" r:id="rId6"/>
+    <p:sldId id="273" r:id="rId7"/>
+    <p:sldId id="271" r:id="rId8"/>
+    <p:sldId id="257" r:id="rId9"/>
+    <p:sldId id="276" r:id="rId10"/>
+    <p:sldId id="258" r:id="rId11"/>
+    <p:sldId id="270" r:id="rId12"/>
+    <p:sldId id="266" r:id="rId13"/>
+    <p:sldId id="272" r:id="rId14"/>
+    <p:sldId id="260" r:id="rId15"/>
+    <p:sldId id="262" r:id="rId16"/>
+    <p:sldId id="263" r:id="rId17"/>
+    <p:sldId id="264" r:id="rId18"/>
+    <p:sldId id="259" r:id="rId19"/>
+    <p:sldId id="265" r:id="rId20"/>
+    <p:sldId id="267" r:id="rId21"/>
+    <p:sldId id="268" r:id="rId22"/>
   </p:sldIdLst>
   <p:sldSz cx="9144000" cy="6858000" type="screen4x3"/>
   <p:notesSz cx="6858000" cy="9144000"/>
@@ -121,7 +126,7 @@
   </p:defaultTextStyle>
   <p:extLst>
     <p:ext uri="{EFAFB233-063F-42B5-8137-9DF3F51BA10A}">
-      <p15:sldGuideLst xmlns:p15="http://schemas.microsoft.com/office/powerpoint/2012/main" xmlns="">
+      <p15:sldGuideLst xmlns="" xmlns:p15="http://schemas.microsoft.com/office/powerpoint/2012/main">
         <p15:guide id="1" orient="horz" pos="2160">
           <p15:clr>
             <a:srgbClr val="A4A3A4"/>
@@ -136,6 +141,21 @@
     </p:ext>
   </p:extLst>
 </p:presentation>
+</file>
+
+<file path=ppt/commentAuthors.xml><?xml version="1.0" encoding="utf-8"?>
+<p:cmAuthorLst xmlns:a="http://schemas.openxmlformats.org/drawingml/2006/main" xmlns:r="http://schemas.openxmlformats.org/officeDocument/2006/relationships" xmlns:p="http://schemas.openxmlformats.org/presentationml/2006/main">
+  <p:cmAuthor id="0" name="kelt" initials="k" lastIdx="1" clrIdx="0"/>
+</p:cmAuthorLst>
+</file>
+
+<file path=ppt/comments/comment1.xml><?xml version="1.0" encoding="utf-8"?>
+<p:cmLst xmlns:a="http://schemas.openxmlformats.org/drawingml/2006/main" xmlns:r="http://schemas.openxmlformats.org/officeDocument/2006/relationships" xmlns:p="http://schemas.openxmlformats.org/presentationml/2006/main">
+  <p:cm authorId="0" dt="2015-10-07T22:19:58.442" idx="1">
+    <p:pos x="10" y="10"/>
+    <p:text>Пересмотреть плюсы и минусы</p:text>
+  </p:cm>
+</p:cmLst>
 </file>
 
 <file path=ppt/slideLayouts/slideLayout1.xml><?xml version="1.0" encoding="utf-8"?>
@@ -319,7 +339,7 @@
           <a:p>
             <a:fld id="{57E389D1-C2F8-40B4-B845-801280EA792C}" type="datetimeFigureOut">
               <a:rPr lang="ru-RU" smtClean="0"/>
-              <a:t>01.10.2015</a:t>
+              <a:t>07.10.2015</a:t>
             </a:fld>
             <a:endParaRPr lang="ru-RU"/>
           </a:p>
@@ -489,7 +509,7 @@
           <a:p>
             <a:fld id="{57E389D1-C2F8-40B4-B845-801280EA792C}" type="datetimeFigureOut">
               <a:rPr lang="ru-RU" smtClean="0"/>
-              <a:t>01.10.2015</a:t>
+              <a:t>07.10.2015</a:t>
             </a:fld>
             <a:endParaRPr lang="ru-RU"/>
           </a:p>
@@ -669,7 +689,7 @@
           <a:p>
             <a:fld id="{57E389D1-C2F8-40B4-B845-801280EA792C}" type="datetimeFigureOut">
               <a:rPr lang="ru-RU" smtClean="0"/>
-              <a:t>01.10.2015</a:t>
+              <a:t>07.10.2015</a:t>
             </a:fld>
             <a:endParaRPr lang="ru-RU"/>
           </a:p>
@@ -839,7 +859,7 @@
           <a:p>
             <a:fld id="{57E389D1-C2F8-40B4-B845-801280EA792C}" type="datetimeFigureOut">
               <a:rPr lang="ru-RU" smtClean="0"/>
-              <a:t>01.10.2015</a:t>
+              <a:t>07.10.2015</a:t>
             </a:fld>
             <a:endParaRPr lang="ru-RU"/>
           </a:p>
@@ -1085,7 +1105,7 @@
           <a:p>
             <a:fld id="{57E389D1-C2F8-40B4-B845-801280EA792C}" type="datetimeFigureOut">
               <a:rPr lang="ru-RU" smtClean="0"/>
-              <a:t>01.10.2015</a:t>
+              <a:t>07.10.2015</a:t>
             </a:fld>
             <a:endParaRPr lang="ru-RU"/>
           </a:p>
@@ -1373,7 +1393,7 @@
           <a:p>
             <a:fld id="{57E389D1-C2F8-40B4-B845-801280EA792C}" type="datetimeFigureOut">
               <a:rPr lang="ru-RU" smtClean="0"/>
-              <a:t>01.10.2015</a:t>
+              <a:t>07.10.2015</a:t>
             </a:fld>
             <a:endParaRPr lang="ru-RU"/>
           </a:p>
@@ -1795,7 +1815,7 @@
           <a:p>
             <a:fld id="{57E389D1-C2F8-40B4-B845-801280EA792C}" type="datetimeFigureOut">
               <a:rPr lang="ru-RU" smtClean="0"/>
-              <a:t>01.10.2015</a:t>
+              <a:t>07.10.2015</a:t>
             </a:fld>
             <a:endParaRPr lang="ru-RU"/>
           </a:p>
@@ -1913,7 +1933,7 @@
           <a:p>
             <a:fld id="{57E389D1-C2F8-40B4-B845-801280EA792C}" type="datetimeFigureOut">
               <a:rPr lang="ru-RU" smtClean="0"/>
-              <a:t>01.10.2015</a:t>
+              <a:t>07.10.2015</a:t>
             </a:fld>
             <a:endParaRPr lang="ru-RU"/>
           </a:p>
@@ -2008,7 +2028,7 @@
           <a:p>
             <a:fld id="{57E389D1-C2F8-40B4-B845-801280EA792C}" type="datetimeFigureOut">
               <a:rPr lang="ru-RU" smtClean="0"/>
-              <a:t>01.10.2015</a:t>
+              <a:t>07.10.2015</a:t>
             </a:fld>
             <a:endParaRPr lang="ru-RU"/>
           </a:p>
@@ -2285,7 +2305,7 @@
           <a:p>
             <a:fld id="{57E389D1-C2F8-40B4-B845-801280EA792C}" type="datetimeFigureOut">
               <a:rPr lang="ru-RU" smtClean="0"/>
-              <a:t>01.10.2015</a:t>
+              <a:t>07.10.2015</a:t>
             </a:fld>
             <a:endParaRPr lang="ru-RU"/>
           </a:p>
@@ -2538,7 +2558,7 @@
           <a:p>
             <a:fld id="{57E389D1-C2F8-40B4-B845-801280EA792C}" type="datetimeFigureOut">
               <a:rPr lang="ru-RU" smtClean="0"/>
-              <a:t>01.10.2015</a:t>
+              <a:t>07.10.2015</a:t>
             </a:fld>
             <a:endParaRPr lang="ru-RU"/>
           </a:p>
@@ -2751,7 +2771,7 @@
           <a:p>
             <a:fld id="{57E389D1-C2F8-40B4-B845-801280EA792C}" type="datetimeFigureOut">
               <a:rPr lang="ru-RU" smtClean="0"/>
-              <a:t>01.10.2015</a:t>
+              <a:t>07.10.2015</a:t>
             </a:fld>
             <a:endParaRPr lang="ru-RU"/>
           </a:p>
@@ -3217,8 +3237,12 @@
           <a:lstStyle/>
           <a:p>
             <a:r>
-              <a:rPr lang="en-US" dirty="0" smtClean="0"/>
-              <a:t>Performance</a:t>
+              <a:rPr lang="en-US" dirty="0" err="1" smtClean="0"/>
+              <a:t>Microservices</a:t>
+            </a:r>
+            <a:r>
+              <a:rPr lang="en-US" dirty="0" smtClean="0"/>
+              <a:t> Design</a:t>
             </a:r>
             <a:endParaRPr lang="ru-RU" dirty="0"/>
           </a:p>
@@ -3236,30 +3260,81 @@
         </p:nvSpPr>
         <p:spPr/>
         <p:txBody>
-          <a:bodyPr/>
-          <a:lstStyle/>
-          <a:p>
-            <a:r>
-              <a:rPr lang="en-US" dirty="0" smtClean="0"/>
-              <a:t>2 kind of services</a:t>
+          <a:bodyPr>
+            <a:normAutofit fontScale="85000" lnSpcReduction="20000"/>
+          </a:bodyPr>
+          <a:lstStyle/>
+          <a:p>
+            <a:r>
+              <a:rPr lang="en-US" dirty="0" smtClean="0"/>
+              <a:t>Interaction Protocol</a:t>
             </a:r>
           </a:p>
           <a:p>
             <a:pPr lvl="1"/>
             <a:r>
-              <a:rPr lang="en-US" dirty="0" err="1" smtClean="0"/>
-              <a:t>Async</a:t>
-            </a:r>
-            <a:endParaRPr lang="en-US" dirty="0" smtClean="0"/>
+              <a:rPr lang="en-US" dirty="0" smtClean="0"/>
+              <a:t>REST</a:t>
+            </a:r>
           </a:p>
           <a:p>
             <a:pPr lvl="1"/>
             <a:r>
               <a:rPr lang="en-US" dirty="0" smtClean="0"/>
-              <a:t>Sync</a:t>
-            </a:r>
-          </a:p>
-          <a:p>
+              <a:t>Messaging </a:t>
+            </a:r>
+          </a:p>
+          <a:p>
+            <a:pPr lvl="2"/>
+            <a:r>
+              <a:rPr lang="en-US" dirty="0" smtClean="0"/>
+              <a:t>JMS</a:t>
+            </a:r>
+          </a:p>
+          <a:p>
+            <a:r>
+              <a:rPr lang="en-US" dirty="0" smtClean="0"/>
+              <a:t>Compatibility</a:t>
+            </a:r>
+          </a:p>
+          <a:p>
+            <a:pPr lvl="1"/>
+            <a:r>
+              <a:rPr lang="en-US" dirty="0" smtClean="0"/>
+              <a:t>Trying to keep</a:t>
+            </a:r>
+          </a:p>
+          <a:p>
+            <a:pPr lvl="1"/>
+            <a:r>
+              <a:rPr lang="en-US" dirty="0" smtClean="0"/>
+              <a:t>Versioning system (different)</a:t>
+            </a:r>
+          </a:p>
+          <a:p>
+            <a:r>
+              <a:rPr lang="en-US" dirty="0" smtClean="0"/>
+              <a:t>Documentation</a:t>
+            </a:r>
+          </a:p>
+          <a:p>
+            <a:pPr lvl="1"/>
+            <a:r>
+              <a:rPr lang="en-US" dirty="0" smtClean="0"/>
+              <a:t>Should be thorough (word)</a:t>
+            </a:r>
+          </a:p>
+          <a:p>
+            <a:r>
+              <a:rPr lang="en-US" dirty="0" smtClean="0"/>
+              <a:t>Stateless</a:t>
+            </a:r>
+          </a:p>
+          <a:p>
+            <a:r>
+              <a:rPr lang="en-US" dirty="0" smtClean="0"/>
+              <a:t>Decentralized Data</a:t>
+            </a:r>
             <a:endParaRPr lang="ru-RU" dirty="0"/>
           </a:p>
         </p:txBody>
@@ -3267,13 +3342,20 @@
     </p:spTree>
     <p:extLst>
       <p:ext uri="{BB962C8B-B14F-4D97-AF65-F5344CB8AC3E}">
-        <p14:creationId xmlns:p14="http://schemas.microsoft.com/office/powerpoint/2010/main" val="365429632"/>
+        <p14:creationId xmlns:p14="http://schemas.microsoft.com/office/powerpoint/2010/main" val="3153769468"/>
       </p:ext>
     </p:extLst>
   </p:cSld>
   <p:clrMapOvr>
     <a:masterClrMapping/>
   </p:clrMapOvr>
+  <p:timing>
+    <p:tnLst>
+      <p:par>
+        <p:cTn id="1" dur="indefinite" restart="never" nodeType="tmRoot"/>
+      </p:par>
+    </p:tnLst>
+  </p:timing>
 </p:sld>
 </file>
 
@@ -3309,11 +3391,7 @@
           <a:bodyPr/>
           <a:lstStyle/>
           <a:p>
-            <a:r>
-              <a:rPr lang="en-US" dirty="0" smtClean="0"/>
-              <a:t>Sync</a:t>
-            </a:r>
-            <a:endParaRPr lang="ru-RU" dirty="0"/>
+            <a:endParaRPr lang="ru-RU"/>
           </a:p>
         </p:txBody>
       </p:sp>
@@ -3332,38 +3410,88 @@
           <a:bodyPr/>
           <a:lstStyle/>
           <a:p>
-            <a:r>
-              <a:rPr lang="en-US" dirty="0" smtClean="0"/>
-              <a:t>As fast as possible</a:t>
-            </a:r>
-          </a:p>
-          <a:p>
-            <a:r>
-              <a:rPr lang="en-US" dirty="0" smtClean="0"/>
-              <a:t>Cache retrieval</a:t>
-            </a:r>
-          </a:p>
-          <a:p>
-            <a:pPr lvl="1"/>
-            <a:r>
-              <a:rPr lang="en-US" dirty="0" smtClean="0"/>
-              <a:t>Guava for small </a:t>
-            </a:r>
-            <a:r>
-              <a:rPr lang="en-US" dirty="0" smtClean="0"/>
-              <a:t>caches</a:t>
-            </a:r>
-          </a:p>
-          <a:p>
-            <a:pPr lvl="2"/>
+            <a:pPr marL="0" indent="0">
+              <a:buNone/>
+            </a:pPr>
+            <a:r>
+              <a:rPr lang="en-US" u="sng" dirty="0"/>
+              <a:t>Decentralized </a:t>
+            </a:r>
+            <a:r>
+              <a:rPr lang="en-US" u="sng" dirty="0" smtClean="0"/>
+              <a:t>Governance</a:t>
+            </a:r>
+          </a:p>
+          <a:p>
+            <a:pPr marL="0" indent="0">
+              <a:buNone/>
+            </a:pPr>
+            <a:r>
+              <a:rPr lang="en-US" dirty="0" smtClean="0"/>
+              <a:t> - Different technologies for different purposes</a:t>
+            </a:r>
+          </a:p>
+          <a:p>
+            <a:pPr marL="0" indent="0">
+              <a:buNone/>
+            </a:pPr>
             <a:r>
               <a:rPr lang="en-US" dirty="0"/>
-              <a:t>Eliminate process interaction</a:t>
-            </a:r>
-            <a:endParaRPr lang="ru-RU" dirty="0"/>
-          </a:p>
-          <a:p>
-            <a:pPr lvl="2"/>
+              <a:t>	</a:t>
+            </a:r>
+            <a:r>
+              <a:rPr lang="en-US" dirty="0" smtClean="0"/>
+              <a:t>- Different </a:t>
+            </a:r>
+            <a:r>
+              <a:rPr lang="en-US" dirty="0" smtClean="0"/>
+              <a:t>Frameworks/Storages</a:t>
+            </a:r>
+          </a:p>
+          <a:p>
+            <a:pPr marL="0" indent="0">
+              <a:buNone/>
+            </a:pPr>
+            <a:r>
+              <a:rPr lang="en-US" dirty="0" smtClean="0"/>
+              <a:t>		- polyglot persistence</a:t>
+            </a:r>
+            <a:endParaRPr lang="en-US" dirty="0" smtClean="0"/>
+          </a:p>
+          <a:p>
+            <a:pPr marL="0" indent="0">
+              <a:buNone/>
+            </a:pPr>
+            <a:r>
+              <a:rPr lang="en-US" dirty="0"/>
+              <a:t>	</a:t>
+            </a:r>
+            <a:r>
+              <a:rPr lang="en-US" dirty="0" smtClean="0"/>
+              <a:t>	- Mongo/</a:t>
+            </a:r>
+            <a:r>
+              <a:rPr lang="en-US" dirty="0" err="1" smtClean="0"/>
+              <a:t>Postgres</a:t>
+            </a:r>
+            <a:r>
+              <a:rPr lang="en-US" dirty="0" smtClean="0"/>
+              <a:t>/</a:t>
+            </a:r>
+            <a:r>
+              <a:rPr lang="en-US" dirty="0" err="1" smtClean="0"/>
+              <a:t>Lucene</a:t>
+            </a:r>
+            <a:endParaRPr lang="en-US" dirty="0" smtClean="0"/>
+          </a:p>
+          <a:p>
+            <a:pPr marL="0" indent="0">
+              <a:buNone/>
+            </a:pPr>
+            <a:r>
+              <a:rPr lang="en-US" dirty="0" smtClean="0"/>
+              <a:t>- But still have one platform/standards/libs</a:t>
+            </a:r>
             <a:endParaRPr lang="ru-RU" dirty="0"/>
           </a:p>
         </p:txBody>
@@ -3371,7 +3499,7 @@
     </p:spTree>
     <p:extLst>
       <p:ext uri="{BB962C8B-B14F-4D97-AF65-F5344CB8AC3E}">
-        <p14:creationId xmlns:p14="http://schemas.microsoft.com/office/powerpoint/2010/main" val="3413120925"/>
+        <p14:creationId xmlns:p14="http://schemas.microsoft.com/office/powerpoint/2010/main" val="1910416683"/>
       </p:ext>
     </p:extLst>
   </p:cSld>
@@ -3414,8 +3542,8 @@
           <a:lstStyle/>
           <a:p>
             <a:r>
-              <a:rPr lang="en-US" dirty="0" err="1" smtClean="0"/>
-              <a:t>Async</a:t>
+              <a:rPr lang="en-US" dirty="0" smtClean="0"/>
+              <a:t>Design</a:t>
             </a:r>
             <a:endParaRPr lang="ru-RU" dirty="0"/>
           </a:p>
@@ -3436,58 +3564,23 @@
           <a:bodyPr/>
           <a:lstStyle/>
           <a:p>
-            <a:r>
-              <a:rPr lang="en-US" dirty="0" smtClean="0"/>
-              <a:t>Approach with storing id, making work in background</a:t>
-            </a:r>
-          </a:p>
-          <a:p>
-            <a:pPr lvl="1"/>
-            <a:r>
-              <a:rPr lang="en-US" dirty="0" smtClean="0"/>
-              <a:t>Need a storage</a:t>
-            </a:r>
-          </a:p>
-          <a:p>
-            <a:pPr lvl="1"/>
-            <a:r>
-              <a:rPr lang="en-US" dirty="0" smtClean="0"/>
-              <a:t>Store data in, data out</a:t>
-            </a:r>
-          </a:p>
-          <a:p>
-            <a:pPr lvl="2"/>
-            <a:r>
-              <a:rPr lang="en-US" dirty="0" smtClean="0"/>
-              <a:t>Duplicates, but need for recovery</a:t>
-            </a:r>
-          </a:p>
-          <a:p>
-            <a:r>
-              <a:rPr lang="en-US" dirty="0" smtClean="0"/>
-              <a:t>Provide a way to get a state</a:t>
-            </a:r>
-          </a:p>
-          <a:p>
-            <a:pPr lvl="1"/>
-            <a:r>
-              <a:rPr lang="en-US" dirty="0" smtClean="0"/>
-              <a:t>Get Status REST</a:t>
-            </a:r>
-          </a:p>
-          <a:p>
-            <a:pPr lvl="1"/>
-            <a:r>
-              <a:rPr lang="en-US" dirty="0" err="1" smtClean="0"/>
-              <a:t>Async</a:t>
-            </a:r>
-            <a:r>
-              <a:rPr lang="en-US" dirty="0" smtClean="0"/>
-              <a:t> Result message</a:t>
-            </a:r>
-          </a:p>
-          <a:p>
-            <a:pPr lvl="1"/>
+            <a:pPr marL="0" indent="0">
+              <a:buNone/>
+            </a:pPr>
+            <a:r>
+              <a:rPr lang="en-US" u="sng" dirty="0"/>
+              <a:t>Decentralized Data</a:t>
+            </a:r>
+            <a:endParaRPr lang="ru-RU" u="sng" dirty="0"/>
+          </a:p>
+          <a:p>
+            <a:endParaRPr lang="en-US" dirty="0" smtClean="0"/>
+          </a:p>
+          <a:p>
+            <a:r>
+              <a:rPr lang="en-US" dirty="0" smtClean="0"/>
+              <a:t>No access to DB of 3rd application</a:t>
+            </a:r>
             <a:endParaRPr lang="ru-RU" dirty="0"/>
           </a:p>
         </p:txBody>
@@ -3495,7 +3588,7 @@
     </p:spTree>
     <p:extLst>
       <p:ext uri="{BB962C8B-B14F-4D97-AF65-F5344CB8AC3E}">
-        <p14:creationId xmlns:p14="http://schemas.microsoft.com/office/powerpoint/2010/main" val="4035124494"/>
+        <p14:creationId xmlns:p14="http://schemas.microsoft.com/office/powerpoint/2010/main" val="1361634447"/>
       </p:ext>
     </p:extLst>
   </p:cSld>
@@ -3537,11 +3630,7 @@
           <a:bodyPr/>
           <a:lstStyle/>
           <a:p>
-            <a:r>
-              <a:rPr lang="en-US" dirty="0" smtClean="0"/>
-              <a:t>Failures</a:t>
-            </a:r>
-            <a:endParaRPr lang="ru-RU" dirty="0"/>
+            <a:endParaRPr lang="ru-RU"/>
           </a:p>
         </p:txBody>
       </p:sp>
@@ -3558,82 +3647,134 @@
         <p:spPr/>
         <p:txBody>
           <a:bodyPr>
-            <a:normAutofit lnSpcReduction="10000"/>
+            <a:normAutofit fontScale="92500" lnSpcReduction="10000"/>
           </a:bodyPr>
           <a:lstStyle/>
           <a:p>
             <a:r>
-              <a:rPr lang="en-US" dirty="0" smtClean="0"/>
-              <a:t>Be ready for failures</a:t>
-            </a:r>
-          </a:p>
-          <a:p>
-            <a:r>
-              <a:rPr lang="en-US" dirty="0" smtClean="0"/>
-              <a:t>Be ready to recover</a:t>
-            </a:r>
-          </a:p>
-          <a:p>
-            <a:r>
-              <a:rPr lang="en-US" dirty="0" smtClean="0"/>
-              <a:t>Identify failure points</a:t>
-            </a:r>
+              <a:rPr lang="ru-RU" u="sng" dirty="0" err="1"/>
+              <a:t>Design</a:t>
+            </a:r>
+            <a:r>
+              <a:rPr lang="ru-RU" u="sng" dirty="0"/>
+              <a:t> </a:t>
+            </a:r>
+            <a:r>
+              <a:rPr lang="ru-RU" u="sng" dirty="0" err="1"/>
+              <a:t>for</a:t>
+            </a:r>
+            <a:r>
+              <a:rPr lang="ru-RU" u="sng" dirty="0"/>
+              <a:t> </a:t>
+            </a:r>
+            <a:r>
+              <a:rPr lang="ru-RU" u="sng" dirty="0" err="1"/>
+              <a:t>failure</a:t>
+            </a:r>
+            <a:r>
+              <a:rPr lang="ru-RU" u="sng" dirty="0"/>
+              <a:t> | Проектирование под </a:t>
+            </a:r>
+            <a:r>
+              <a:rPr lang="ru-RU" u="sng" dirty="0" smtClean="0"/>
+              <a:t>отказ</a:t>
+            </a:r>
+            <a:endParaRPr lang="en-US" u="sng" dirty="0" smtClean="0"/>
           </a:p>
           <a:p>
             <a:pPr lvl="1"/>
             <a:r>
-              <a:rPr lang="en-US" dirty="0" smtClean="0"/>
-              <a:t>Show on our application</a:t>
-            </a:r>
-          </a:p>
-          <a:p>
-            <a:r>
-              <a:rPr lang="en-US" dirty="0" smtClean="0"/>
-              <a:t>Identify how to recover</a:t>
+              <a:rPr lang="en-US" u="sng" dirty="0" smtClean="0"/>
+              <a:t>Detect</a:t>
+            </a:r>
+          </a:p>
+          <a:p>
+            <a:pPr lvl="2"/>
+            <a:r>
+              <a:rPr lang="en-US" u="sng" dirty="0" smtClean="0"/>
+              <a:t>Monitoring</a:t>
+            </a:r>
+          </a:p>
+          <a:p>
+            <a:pPr lvl="3"/>
+            <a:r>
+              <a:rPr lang="en-US" u="sng" dirty="0" smtClean="0"/>
+              <a:t>Logs monitoring near </a:t>
+            </a:r>
+            <a:r>
+              <a:rPr lang="en-US" u="sng" dirty="0" smtClean="0"/>
+              <a:t>real-time (</a:t>
+            </a:r>
+            <a:r>
+              <a:rPr lang="en-US" u="sng" dirty="0" err="1" smtClean="0"/>
+              <a:t>splunk</a:t>
+            </a:r>
+            <a:r>
+              <a:rPr lang="en-US" u="sng" dirty="0" smtClean="0"/>
+              <a:t>)</a:t>
+            </a:r>
+          </a:p>
+          <a:p>
+            <a:pPr lvl="2"/>
+            <a:r>
+              <a:rPr lang="en-US" u="sng" dirty="0" smtClean="0"/>
+              <a:t>Extensive Logging</a:t>
+            </a:r>
+          </a:p>
+          <a:p>
+            <a:pPr lvl="2"/>
+            <a:r>
+              <a:rPr lang="en-US" u="sng" dirty="0" smtClean="0"/>
+              <a:t>Defensive Programming</a:t>
             </a:r>
           </a:p>
           <a:p>
             <a:pPr lvl="1"/>
             <a:r>
-              <a:rPr lang="en-US" dirty="0" smtClean="0"/>
-              <a:t>Sync- client side recovery</a:t>
+              <a:rPr lang="en-US" u="sng" dirty="0" smtClean="0"/>
+              <a:t>Overcome</a:t>
             </a:r>
           </a:p>
           <a:p>
             <a:pPr lvl="2"/>
             <a:r>
-              <a:rPr lang="en-US" dirty="0" smtClean="0"/>
-              <a:t>Responsible: client</a:t>
-            </a:r>
+              <a:rPr lang="en-US" u="sng" dirty="0" smtClean="0"/>
+              <a:t>Manual: monitoring emails</a:t>
+            </a:r>
+            <a:endParaRPr lang="en-US" u="sng" dirty="0" smtClean="0"/>
+          </a:p>
+          <a:p>
+            <a:pPr lvl="2"/>
+            <a:r>
+              <a:rPr lang="en-US" u="sng" dirty="0" smtClean="0"/>
+              <a:t>Automatic</a:t>
+            </a:r>
+          </a:p>
+          <a:p>
+            <a:pPr lvl="3"/>
+            <a:r>
+              <a:rPr lang="en-US" u="sng" dirty="0" smtClean="0"/>
+              <a:t>High Availability (Load balancing)</a:t>
+            </a:r>
+          </a:p>
+          <a:p>
+            <a:pPr lvl="3"/>
+            <a:r>
+              <a:rPr lang="en-US" u="sng" dirty="0" smtClean="0"/>
+              <a:t>Automatic retry</a:t>
+            </a:r>
+            <a:endParaRPr lang="en-US" u="sng" dirty="0" smtClean="0"/>
           </a:p>
           <a:p>
             <a:pPr lvl="1"/>
-            <a:r>
-              <a:rPr lang="en-US" dirty="0" err="1" smtClean="0"/>
-              <a:t>Async</a:t>
-            </a:r>
-            <a:r>
-              <a:rPr lang="en-US" dirty="0" smtClean="0"/>
-              <a:t>- server side recovery</a:t>
-            </a:r>
-          </a:p>
-          <a:p>
-            <a:pPr lvl="2"/>
-            <a:r>
-              <a:rPr lang="en-US" dirty="0" smtClean="0"/>
-              <a:t>Responsible: you</a:t>
-            </a:r>
-          </a:p>
-          <a:p>
-            <a:pPr lvl="2"/>
-            <a:endParaRPr lang="ru-RU" dirty="0"/>
+            <a:endParaRPr lang="ru-RU" u="sng" dirty="0"/>
           </a:p>
         </p:txBody>
       </p:sp>
     </p:spTree>
     <p:extLst>
       <p:ext uri="{BB962C8B-B14F-4D97-AF65-F5344CB8AC3E}">
-        <p14:creationId xmlns:p14="http://schemas.microsoft.com/office/powerpoint/2010/main" val="2944986697"/>
+        <p14:creationId xmlns:p14="http://schemas.microsoft.com/office/powerpoint/2010/main" val="555567851"/>
       </p:ext>
     </p:extLst>
   </p:cSld>
@@ -3677,11 +3818,7 @@
           <a:p>
             <a:r>
               <a:rPr lang="en-US" dirty="0" smtClean="0"/>
-              <a:t>Failures: </a:t>
-            </a:r>
-            <a:r>
-              <a:rPr lang="en-US" dirty="0" err="1" smtClean="0"/>
-              <a:t>Async</a:t>
+              <a:t>Design: Client-oriented</a:t>
             </a:r>
             <a:endParaRPr lang="ru-RU" dirty="0"/>
           </a:p>
@@ -3704,13 +3841,20 @@
           <a:p>
             <a:r>
               <a:rPr lang="en-US" dirty="0" smtClean="0"/>
-              <a:t>Redelivery</a:t>
-            </a:r>
-          </a:p>
-          <a:p>
-            <a:r>
-              <a:rPr lang="en-US" dirty="0" smtClean="0"/>
-              <a:t>DLQ</a:t>
+              <a:t>Helper client libs</a:t>
+            </a:r>
+          </a:p>
+          <a:p>
+            <a:pPr lvl="1"/>
+            <a:r>
+              <a:rPr lang="en-US" dirty="0" smtClean="0"/>
+              <a:t>Rup-rest example</a:t>
+            </a:r>
+          </a:p>
+          <a:p>
+            <a:r>
+              <a:rPr lang="en-US" dirty="0" smtClean="0"/>
+              <a:t>Steward API</a:t>
             </a:r>
             <a:endParaRPr lang="ru-RU" dirty="0"/>
           </a:p>
@@ -3719,7 +3863,7 @@
     </p:spTree>
     <p:extLst>
       <p:ext uri="{BB962C8B-B14F-4D97-AF65-F5344CB8AC3E}">
-        <p14:creationId xmlns:p14="http://schemas.microsoft.com/office/powerpoint/2010/main" val="3290812372"/>
+        <p14:creationId xmlns:p14="http://schemas.microsoft.com/office/powerpoint/2010/main" val="1995439128"/>
       </p:ext>
     </p:extLst>
   </p:cSld>
@@ -3748,7 +3892,7 @@
       </p:grpSpPr>
       <p:sp>
         <p:nvSpPr>
-          <p:cNvPr id="2" name="Title 1"/>
+          <p:cNvPr id="2" name="Заголовок 1"/>
           <p:cNvSpPr>
             <a:spLocks noGrp="1"/>
           </p:cNvSpPr>
@@ -3761,13 +3905,17 @@
           <a:bodyPr/>
           <a:lstStyle/>
           <a:p>
-            <a:endParaRPr lang="en-US" dirty="0"/>
-          </a:p>
-        </p:txBody>
-      </p:sp>
-      <p:sp>
-        <p:nvSpPr>
-          <p:cNvPr id="3" name="Content Placeholder 2"/>
+            <a:r>
+              <a:rPr lang="en-US" dirty="0" smtClean="0"/>
+              <a:t>Performance</a:t>
+            </a:r>
+            <a:endParaRPr lang="ru-RU" dirty="0"/>
+          </a:p>
+        </p:txBody>
+      </p:sp>
+      <p:sp>
+        <p:nvSpPr>
+          <p:cNvPr id="3" name="Объект 2"/>
           <p:cNvSpPr>
             <a:spLocks noGrp="1"/>
           </p:cNvSpPr>
@@ -3781,17 +3929,39 @@
           <a:lstStyle/>
           <a:p>
             <a:r>
-              <a:rPr lang="en-US" smtClean="0"/>
-              <a:t>Developers perform Support </a:t>
-            </a:r>
-            <a:endParaRPr lang="en-US" dirty="0"/>
+              <a:rPr lang="en-US" dirty="0" smtClean="0"/>
+              <a:t>2 kind of services</a:t>
+            </a:r>
+          </a:p>
+          <a:p>
+            <a:pPr lvl="1"/>
+            <a:r>
+              <a:rPr lang="en-US" dirty="0" err="1" smtClean="0"/>
+              <a:t>Async</a:t>
+            </a:r>
+            <a:r>
+              <a:rPr lang="en-US" dirty="0" smtClean="0"/>
+              <a:t> (usually CUD in CRUD)</a:t>
+            </a:r>
+            <a:endParaRPr lang="en-US" dirty="0" smtClean="0"/>
+          </a:p>
+          <a:p>
+            <a:pPr lvl="1"/>
+            <a:r>
+              <a:rPr lang="en-US" dirty="0" smtClean="0"/>
+              <a:t>Sync (usually R in CRUD)</a:t>
+            </a:r>
+            <a:endParaRPr lang="en-US" dirty="0" smtClean="0"/>
+          </a:p>
+          <a:p>
+            <a:endParaRPr lang="ru-RU" dirty="0"/>
           </a:p>
         </p:txBody>
       </p:sp>
     </p:spTree>
     <p:extLst>
       <p:ext uri="{BB962C8B-B14F-4D97-AF65-F5344CB8AC3E}">
-        <p14:creationId xmlns:p14="http://schemas.microsoft.com/office/powerpoint/2010/main" val="3122075378"/>
+        <p14:creationId xmlns:p14="http://schemas.microsoft.com/office/powerpoint/2010/main" val="365429632"/>
       </p:ext>
     </p:extLst>
   </p:cSld>
@@ -3833,7 +4003,11 @@
           <a:bodyPr/>
           <a:lstStyle/>
           <a:p>
-            <a:endParaRPr lang="ru-RU"/>
+            <a:r>
+              <a:rPr lang="en-US" dirty="0" smtClean="0"/>
+              <a:t>Sync</a:t>
+            </a:r>
+            <a:endParaRPr lang="ru-RU" dirty="0"/>
           </a:p>
         </p:txBody>
       </p:sp>
@@ -3852,14 +4026,430 @@
           <a:bodyPr/>
           <a:lstStyle/>
           <a:p>
-            <a:endParaRPr lang="ru-RU"/>
+            <a:r>
+              <a:rPr lang="en-US" dirty="0" smtClean="0"/>
+              <a:t>As fast as </a:t>
+            </a:r>
+            <a:r>
+              <a:rPr lang="en-US" dirty="0" smtClean="0"/>
+              <a:t>possible</a:t>
+            </a:r>
+          </a:p>
+          <a:p>
+            <a:pPr lvl="1"/>
+            <a:r>
+              <a:rPr lang="en-US" dirty="0" smtClean="0"/>
+              <a:t>Everything that do not require user attention/participation, made </a:t>
+            </a:r>
+            <a:r>
+              <a:rPr lang="en-US" dirty="0" err="1" smtClean="0"/>
+              <a:t>async</a:t>
+            </a:r>
+            <a:endParaRPr lang="en-US" dirty="0" smtClean="0"/>
+          </a:p>
+          <a:p>
+            <a:pPr marL="457200" lvl="1" indent="0">
+              <a:buNone/>
+            </a:pPr>
+            <a:r>
+              <a:rPr lang="en-US" sz="2400" i="1" dirty="0" smtClean="0"/>
+              <a:t>Store order(s) -&gt; Charge Money (s) -&gt; Create License (a)</a:t>
+            </a:r>
+            <a:endParaRPr lang="en-US" sz="2400" i="1" dirty="0" smtClean="0"/>
+          </a:p>
+          <a:p>
+            <a:r>
+              <a:rPr lang="en-US" dirty="0" smtClean="0"/>
+              <a:t>Cache retrieval</a:t>
+            </a:r>
+          </a:p>
+          <a:p>
+            <a:pPr lvl="1"/>
+            <a:r>
+              <a:rPr lang="en-US" dirty="0" smtClean="0"/>
+              <a:t>Guava for small caches</a:t>
+            </a:r>
+          </a:p>
+          <a:p>
+            <a:pPr lvl="2"/>
+            <a:r>
+              <a:rPr lang="en-US" dirty="0"/>
+              <a:t>Eliminate process interaction</a:t>
+            </a:r>
+            <a:endParaRPr lang="ru-RU" dirty="0"/>
+          </a:p>
+          <a:p>
+            <a:pPr lvl="2"/>
+            <a:endParaRPr lang="ru-RU" dirty="0"/>
           </a:p>
         </p:txBody>
       </p:sp>
     </p:spTree>
     <p:extLst>
       <p:ext uri="{BB962C8B-B14F-4D97-AF65-F5344CB8AC3E}">
-        <p14:creationId xmlns:p14="http://schemas.microsoft.com/office/powerpoint/2010/main" val="1486434484"/>
+        <p14:creationId xmlns:p14="http://schemas.microsoft.com/office/powerpoint/2010/main" val="3413120925"/>
+      </p:ext>
+    </p:extLst>
+  </p:cSld>
+  <p:clrMapOvr>
+    <a:masterClrMapping/>
+  </p:clrMapOvr>
+</p:sld>
+</file>
+
+<file path=ppt/slides/slide17.xml><?xml version="1.0" encoding="utf-8"?>
+<p:sld xmlns:a="http://schemas.openxmlformats.org/drawingml/2006/main" xmlns:r="http://schemas.openxmlformats.org/officeDocument/2006/relationships" xmlns:p="http://schemas.openxmlformats.org/presentationml/2006/main">
+  <p:cSld>
+    <p:spTree>
+      <p:nvGrpSpPr>
+        <p:cNvPr id="1" name=""/>
+        <p:cNvGrpSpPr/>
+        <p:nvPr/>
+      </p:nvGrpSpPr>
+      <p:grpSpPr>
+        <a:xfrm>
+          <a:off x="0" y="0"/>
+          <a:ext cx="0" cy="0"/>
+          <a:chOff x="0" y="0"/>
+          <a:chExt cx="0" cy="0"/>
+        </a:xfrm>
+      </p:grpSpPr>
+      <p:sp>
+        <p:nvSpPr>
+          <p:cNvPr id="2" name="Заголовок 1"/>
+          <p:cNvSpPr>
+            <a:spLocks noGrp="1"/>
+          </p:cNvSpPr>
+          <p:nvPr>
+            <p:ph type="title"/>
+          </p:nvPr>
+        </p:nvSpPr>
+        <p:spPr/>
+        <p:txBody>
+          <a:bodyPr/>
+          <a:lstStyle/>
+          <a:p>
+            <a:r>
+              <a:rPr lang="en-US" dirty="0" err="1" smtClean="0"/>
+              <a:t>Async</a:t>
+            </a:r>
+            <a:endParaRPr lang="ru-RU" dirty="0"/>
+          </a:p>
+        </p:txBody>
+      </p:sp>
+      <p:sp>
+        <p:nvSpPr>
+          <p:cNvPr id="3" name="Объект 2"/>
+          <p:cNvSpPr>
+            <a:spLocks noGrp="1"/>
+          </p:cNvSpPr>
+          <p:nvPr>
+            <p:ph idx="1"/>
+          </p:nvPr>
+        </p:nvSpPr>
+        <p:spPr/>
+        <p:txBody>
+          <a:bodyPr>
+            <a:normAutofit/>
+          </a:bodyPr>
+          <a:lstStyle/>
+          <a:p>
+            <a:r>
+              <a:rPr lang="en-US" dirty="0" smtClean="0"/>
+              <a:t>Deferred Processing</a:t>
+            </a:r>
+          </a:p>
+          <a:p>
+            <a:pPr lvl="1"/>
+            <a:r>
+              <a:rPr lang="en-US" dirty="0" smtClean="0"/>
+              <a:t>Approach </a:t>
+            </a:r>
+            <a:r>
+              <a:rPr lang="en-US" dirty="0" smtClean="0"/>
+              <a:t>with storing id, making work in background</a:t>
+            </a:r>
+          </a:p>
+          <a:p>
+            <a:pPr lvl="2"/>
+            <a:r>
+              <a:rPr lang="en-US" dirty="0" smtClean="0"/>
+              <a:t>Need a storage</a:t>
+            </a:r>
+          </a:p>
+          <a:p>
+            <a:pPr lvl="2"/>
+            <a:r>
+              <a:rPr lang="en-US" dirty="0" smtClean="0"/>
+              <a:t>Store data in, data out</a:t>
+            </a:r>
+          </a:p>
+          <a:p>
+            <a:pPr lvl="3"/>
+            <a:r>
+              <a:rPr lang="en-US" dirty="0" smtClean="0"/>
+              <a:t>Duplicates, but need for recovery</a:t>
+            </a:r>
+          </a:p>
+          <a:p>
+            <a:pPr lvl="1"/>
+            <a:r>
+              <a:rPr lang="en-US" dirty="0" smtClean="0"/>
+              <a:t>Provide a way to get a state</a:t>
+            </a:r>
+          </a:p>
+          <a:p>
+            <a:pPr lvl="2"/>
+            <a:r>
+              <a:rPr lang="en-US" dirty="0" smtClean="0"/>
+              <a:t>Get Status REST</a:t>
+            </a:r>
+          </a:p>
+          <a:p>
+            <a:pPr lvl="2"/>
+            <a:r>
+              <a:rPr lang="en-US" dirty="0" err="1" smtClean="0"/>
+              <a:t>Async</a:t>
+            </a:r>
+            <a:r>
+              <a:rPr lang="en-US" dirty="0" smtClean="0"/>
+              <a:t> Result message</a:t>
+            </a:r>
+          </a:p>
+          <a:p>
+            <a:pPr lvl="1"/>
+            <a:endParaRPr lang="ru-RU" dirty="0"/>
+          </a:p>
+        </p:txBody>
+      </p:sp>
+    </p:spTree>
+    <p:extLst>
+      <p:ext uri="{BB962C8B-B14F-4D97-AF65-F5344CB8AC3E}">
+        <p14:creationId xmlns:p14="http://schemas.microsoft.com/office/powerpoint/2010/main" val="4035124494"/>
+      </p:ext>
+    </p:extLst>
+  </p:cSld>
+  <p:clrMapOvr>
+    <a:masterClrMapping/>
+  </p:clrMapOvr>
+</p:sld>
+</file>
+
+<file path=ppt/slides/slide18.xml><?xml version="1.0" encoding="utf-8"?>
+<p:sld xmlns:a="http://schemas.openxmlformats.org/drawingml/2006/main" xmlns:r="http://schemas.openxmlformats.org/officeDocument/2006/relationships" xmlns:p="http://schemas.openxmlformats.org/presentationml/2006/main">
+  <p:cSld>
+    <p:spTree>
+      <p:nvGrpSpPr>
+        <p:cNvPr id="1" name=""/>
+        <p:cNvGrpSpPr/>
+        <p:nvPr/>
+      </p:nvGrpSpPr>
+      <p:grpSpPr>
+        <a:xfrm>
+          <a:off x="0" y="0"/>
+          <a:ext cx="0" cy="0"/>
+          <a:chOff x="0" y="0"/>
+          <a:chExt cx="0" cy="0"/>
+        </a:xfrm>
+      </p:grpSpPr>
+      <p:sp>
+        <p:nvSpPr>
+          <p:cNvPr id="2" name="Заголовок 1"/>
+          <p:cNvSpPr>
+            <a:spLocks noGrp="1"/>
+          </p:cNvSpPr>
+          <p:nvPr>
+            <p:ph type="title"/>
+          </p:nvPr>
+        </p:nvSpPr>
+        <p:spPr/>
+        <p:txBody>
+          <a:bodyPr/>
+          <a:lstStyle/>
+          <a:p>
+            <a:r>
+              <a:rPr lang="en-US" dirty="0" smtClean="0"/>
+              <a:t>Failures</a:t>
+            </a:r>
+            <a:endParaRPr lang="ru-RU" dirty="0"/>
+          </a:p>
+        </p:txBody>
+      </p:sp>
+      <p:sp>
+        <p:nvSpPr>
+          <p:cNvPr id="3" name="Объект 2"/>
+          <p:cNvSpPr>
+            <a:spLocks noGrp="1"/>
+          </p:cNvSpPr>
+          <p:nvPr>
+            <p:ph idx="1"/>
+          </p:nvPr>
+        </p:nvSpPr>
+        <p:spPr/>
+        <p:txBody>
+          <a:bodyPr>
+            <a:normAutofit lnSpcReduction="10000"/>
+          </a:bodyPr>
+          <a:lstStyle/>
+          <a:p>
+            <a:r>
+              <a:rPr lang="en-US" dirty="0" smtClean="0"/>
+              <a:t>Be ready for failures</a:t>
+            </a:r>
+          </a:p>
+          <a:p>
+            <a:r>
+              <a:rPr lang="en-US" dirty="0" smtClean="0"/>
+              <a:t>Be ready to recover</a:t>
+            </a:r>
+          </a:p>
+          <a:p>
+            <a:r>
+              <a:rPr lang="en-US" dirty="0" smtClean="0"/>
+              <a:t>Identify failure points</a:t>
+            </a:r>
+          </a:p>
+          <a:p>
+            <a:pPr lvl="1"/>
+            <a:r>
+              <a:rPr lang="en-US" dirty="0" smtClean="0"/>
+              <a:t>Show on our application</a:t>
+            </a:r>
+          </a:p>
+          <a:p>
+            <a:r>
+              <a:rPr lang="en-US" dirty="0" smtClean="0"/>
+              <a:t>Identify how to recover</a:t>
+            </a:r>
+          </a:p>
+          <a:p>
+            <a:pPr lvl="1"/>
+            <a:r>
+              <a:rPr lang="en-US" dirty="0" smtClean="0"/>
+              <a:t>Sync- client side recovery</a:t>
+            </a:r>
+          </a:p>
+          <a:p>
+            <a:pPr lvl="2"/>
+            <a:r>
+              <a:rPr lang="en-US" dirty="0" smtClean="0"/>
+              <a:t>Responsible: client</a:t>
+            </a:r>
+          </a:p>
+          <a:p>
+            <a:pPr lvl="1"/>
+            <a:r>
+              <a:rPr lang="en-US" dirty="0" err="1" smtClean="0"/>
+              <a:t>Async</a:t>
+            </a:r>
+            <a:r>
+              <a:rPr lang="en-US" dirty="0" smtClean="0"/>
+              <a:t>- server side recovery</a:t>
+            </a:r>
+          </a:p>
+          <a:p>
+            <a:pPr lvl="2"/>
+            <a:r>
+              <a:rPr lang="en-US" dirty="0" smtClean="0"/>
+              <a:t>Responsible: you</a:t>
+            </a:r>
+          </a:p>
+          <a:p>
+            <a:pPr lvl="2"/>
+            <a:endParaRPr lang="ru-RU" dirty="0"/>
+          </a:p>
+        </p:txBody>
+      </p:sp>
+    </p:spTree>
+    <p:extLst>
+      <p:ext uri="{BB962C8B-B14F-4D97-AF65-F5344CB8AC3E}">
+        <p14:creationId xmlns:p14="http://schemas.microsoft.com/office/powerpoint/2010/main" val="2944986697"/>
+      </p:ext>
+    </p:extLst>
+  </p:cSld>
+  <p:clrMapOvr>
+    <a:masterClrMapping/>
+  </p:clrMapOvr>
+</p:sld>
+</file>
+
+<file path=ppt/slides/slide19.xml><?xml version="1.0" encoding="utf-8"?>
+<p:sld xmlns:a="http://schemas.openxmlformats.org/drawingml/2006/main" xmlns:r="http://schemas.openxmlformats.org/officeDocument/2006/relationships" xmlns:p="http://schemas.openxmlformats.org/presentationml/2006/main">
+  <p:cSld>
+    <p:spTree>
+      <p:nvGrpSpPr>
+        <p:cNvPr id="1" name=""/>
+        <p:cNvGrpSpPr/>
+        <p:nvPr/>
+      </p:nvGrpSpPr>
+      <p:grpSpPr>
+        <a:xfrm>
+          <a:off x="0" y="0"/>
+          <a:ext cx="0" cy="0"/>
+          <a:chOff x="0" y="0"/>
+          <a:chExt cx="0" cy="0"/>
+        </a:xfrm>
+      </p:grpSpPr>
+      <p:sp>
+        <p:nvSpPr>
+          <p:cNvPr id="2" name="Заголовок 1"/>
+          <p:cNvSpPr>
+            <a:spLocks noGrp="1"/>
+          </p:cNvSpPr>
+          <p:nvPr>
+            <p:ph type="title"/>
+          </p:nvPr>
+        </p:nvSpPr>
+        <p:spPr/>
+        <p:txBody>
+          <a:bodyPr/>
+          <a:lstStyle/>
+          <a:p>
+            <a:r>
+              <a:rPr lang="en-US" dirty="0" smtClean="0"/>
+              <a:t>Failures: </a:t>
+            </a:r>
+            <a:r>
+              <a:rPr lang="en-US" dirty="0" err="1" smtClean="0"/>
+              <a:t>Async</a:t>
+            </a:r>
+            <a:endParaRPr lang="ru-RU" dirty="0"/>
+          </a:p>
+        </p:txBody>
+      </p:sp>
+      <p:sp>
+        <p:nvSpPr>
+          <p:cNvPr id="3" name="Объект 2"/>
+          <p:cNvSpPr>
+            <a:spLocks noGrp="1"/>
+          </p:cNvSpPr>
+          <p:nvPr>
+            <p:ph idx="1"/>
+          </p:nvPr>
+        </p:nvSpPr>
+        <p:spPr/>
+        <p:txBody>
+          <a:bodyPr/>
+          <a:lstStyle/>
+          <a:p>
+            <a:r>
+              <a:rPr lang="en-US" dirty="0" smtClean="0"/>
+              <a:t>Redelivery</a:t>
+            </a:r>
+          </a:p>
+          <a:p>
+            <a:r>
+              <a:rPr lang="en-US" dirty="0" smtClean="0"/>
+              <a:t>DLQ</a:t>
+            </a:r>
+            <a:endParaRPr lang="ru-RU" dirty="0"/>
+          </a:p>
+        </p:txBody>
+      </p:sp>
+    </p:spTree>
+    <p:extLst>
+      <p:ext uri="{BB962C8B-B14F-4D97-AF65-F5344CB8AC3E}">
+        <p14:creationId xmlns:p14="http://schemas.microsoft.com/office/powerpoint/2010/main" val="3290812372"/>
       </p:ext>
     </p:extLst>
   </p:cSld>
@@ -3901,26 +4491,340 @@
           <a:bodyPr/>
           <a:lstStyle/>
           <a:p>
-            <a:endParaRPr lang="ru-RU"/>
-          </a:p>
-        </p:txBody>
-      </p:sp>
-      <p:sp>
-        <p:nvSpPr>
-          <p:cNvPr id="3" name="Объект 2"/>
-          <p:cNvSpPr>
-            <a:spLocks noGrp="1"/>
-          </p:cNvSpPr>
-          <p:nvPr>
-            <p:ph idx="1"/>
-          </p:nvPr>
-        </p:nvSpPr>
-        <p:spPr/>
-        <p:txBody>
-          <a:bodyPr/>
-          <a:lstStyle/>
-          <a:p>
+            <a:r>
+              <a:rPr lang="ru-RU" dirty="0" smtClean="0"/>
+              <a:t>Тип Архитектуры</a:t>
+            </a:r>
             <a:endParaRPr lang="ru-RU" dirty="0"/>
+          </a:p>
+        </p:txBody>
+      </p:sp>
+      <p:pic>
+        <p:nvPicPr>
+          <p:cNvPr id="1027" name="Picture 3"/>
+          <p:cNvPicPr>
+            <a:picLocks noChangeAspect="1" noChangeArrowheads="1"/>
+          </p:cNvPicPr>
+          <p:nvPr/>
+        </p:nvPicPr>
+        <p:blipFill>
+          <a:blip r:embed="rId2">
+            <a:extLst>
+              <a:ext uri="{28A0092B-C50C-407E-A947-70E740481C1C}">
+                <a14:useLocalDpi xmlns:a14="http://schemas.microsoft.com/office/drawing/2010/main" val="0"/>
+              </a:ext>
+            </a:extLst>
+          </a:blip>
+          <a:srcRect/>
+          <a:stretch>
+            <a:fillRect/>
+          </a:stretch>
+        </p:blipFill>
+        <p:spPr bwMode="auto">
+          <a:xfrm>
+            <a:off x="1889696" y="2848863"/>
+            <a:ext cx="1440160" cy="1472164"/>
+          </a:xfrm>
+          <a:prstGeom prst="rect">
+            <a:avLst/>
+          </a:prstGeom>
+          <a:noFill/>
+          <a:ln>
+            <a:noFill/>
+          </a:ln>
+          <a:effectLst/>
+          <a:extLst>
+            <a:ext uri="{909E8E84-426E-40DD-AFC4-6F175D3DCCD1}">
+              <a14:hiddenFill xmlns:a14="http://schemas.microsoft.com/office/drawing/2010/main">
+                <a:solidFill>
+                  <a:schemeClr val="accent1"/>
+                </a:solidFill>
+              </a14:hiddenFill>
+            </a:ext>
+            <a:ext uri="{91240B29-F687-4F45-9708-019B960494DF}">
+              <a14:hiddenLine xmlns:a14="http://schemas.microsoft.com/office/drawing/2010/main" w="9525">
+                <a:solidFill>
+                  <a:schemeClr val="tx1"/>
+                </a:solidFill>
+                <a:miter lim="800000"/>
+                <a:headEnd/>
+                <a:tailEnd/>
+              </a14:hiddenLine>
+            </a:ext>
+            <a:ext uri="{AF507438-7753-43E0-B8FC-AC1667EBCBE1}">
+              <a14:hiddenEffects xmlns:a14="http://schemas.microsoft.com/office/drawing/2010/main">
+                <a:effectLst>
+                  <a:outerShdw dist="35921" dir="2700000" algn="ctr" rotWithShape="0">
+                    <a:schemeClr val="bg2"/>
+                  </a:outerShdw>
+                </a:effectLst>
+              </a14:hiddenEffects>
+            </a:ext>
+          </a:extLst>
+        </p:spPr>
+      </p:pic>
+      <p:pic>
+        <p:nvPicPr>
+          <p:cNvPr id="1028" name="Picture 4"/>
+          <p:cNvPicPr>
+            <a:picLocks noChangeAspect="1" noChangeArrowheads="1"/>
+          </p:cNvPicPr>
+          <p:nvPr/>
+        </p:nvPicPr>
+        <p:blipFill>
+          <a:blip r:embed="rId3">
+            <a:extLst>
+              <a:ext uri="{28A0092B-C50C-407E-A947-70E740481C1C}">
+                <a14:useLocalDpi xmlns:a14="http://schemas.microsoft.com/office/drawing/2010/main" val="0"/>
+              </a:ext>
+            </a:extLst>
+          </a:blip>
+          <a:srcRect/>
+          <a:stretch>
+            <a:fillRect/>
+          </a:stretch>
+        </p:blipFill>
+        <p:spPr bwMode="auto">
+          <a:xfrm>
+            <a:off x="5070296" y="2787295"/>
+            <a:ext cx="720080" cy="720080"/>
+          </a:xfrm>
+          <a:prstGeom prst="rect">
+            <a:avLst/>
+          </a:prstGeom>
+          <a:noFill/>
+          <a:ln>
+            <a:noFill/>
+          </a:ln>
+          <a:effectLst/>
+          <a:extLst>
+            <a:ext uri="{909E8E84-426E-40DD-AFC4-6F175D3DCCD1}">
+              <a14:hiddenFill xmlns:a14="http://schemas.microsoft.com/office/drawing/2010/main">
+                <a:solidFill>
+                  <a:schemeClr val="accent1"/>
+                </a:solidFill>
+              </a14:hiddenFill>
+            </a:ext>
+            <a:ext uri="{91240B29-F687-4F45-9708-019B960494DF}">
+              <a14:hiddenLine xmlns:a14="http://schemas.microsoft.com/office/drawing/2010/main" w="9525">
+                <a:solidFill>
+                  <a:schemeClr val="tx1"/>
+                </a:solidFill>
+                <a:miter lim="800000"/>
+                <a:headEnd/>
+                <a:tailEnd/>
+              </a14:hiddenLine>
+            </a:ext>
+            <a:ext uri="{AF507438-7753-43E0-B8FC-AC1667EBCBE1}">
+              <a14:hiddenEffects xmlns:a14="http://schemas.microsoft.com/office/drawing/2010/main">
+                <a:effectLst>
+                  <a:outerShdw dist="35921" dir="2700000" algn="ctr" rotWithShape="0">
+                    <a:schemeClr val="bg2"/>
+                  </a:outerShdw>
+                </a:effectLst>
+              </a14:hiddenEffects>
+            </a:ext>
+          </a:extLst>
+        </p:spPr>
+      </p:pic>
+      <p:pic>
+        <p:nvPicPr>
+          <p:cNvPr id="1029" name="Picture 5"/>
+          <p:cNvPicPr>
+            <a:picLocks noChangeAspect="1" noChangeArrowheads="1"/>
+          </p:cNvPicPr>
+          <p:nvPr/>
+        </p:nvPicPr>
+        <p:blipFill>
+          <a:blip r:embed="rId4">
+            <a:extLst>
+              <a:ext uri="{28A0092B-C50C-407E-A947-70E740481C1C}">
+                <a14:useLocalDpi xmlns:a14="http://schemas.microsoft.com/office/drawing/2010/main" val="0"/>
+              </a:ext>
+            </a:extLst>
+          </a:blip>
+          <a:srcRect/>
+          <a:stretch>
+            <a:fillRect/>
+          </a:stretch>
+        </p:blipFill>
+        <p:spPr bwMode="auto">
+          <a:xfrm>
+            <a:off x="6021620" y="2998388"/>
+            <a:ext cx="650556" cy="650556"/>
+          </a:xfrm>
+          <a:prstGeom prst="rect">
+            <a:avLst/>
+          </a:prstGeom>
+          <a:noFill/>
+          <a:ln>
+            <a:noFill/>
+          </a:ln>
+          <a:effectLst/>
+          <a:extLst>
+            <a:ext uri="{909E8E84-426E-40DD-AFC4-6F175D3DCCD1}">
+              <a14:hiddenFill xmlns:a14="http://schemas.microsoft.com/office/drawing/2010/main">
+                <a:solidFill>
+                  <a:schemeClr val="accent1"/>
+                </a:solidFill>
+              </a14:hiddenFill>
+            </a:ext>
+            <a:ext uri="{91240B29-F687-4F45-9708-019B960494DF}">
+              <a14:hiddenLine xmlns:a14="http://schemas.microsoft.com/office/drawing/2010/main" w="9525">
+                <a:solidFill>
+                  <a:schemeClr val="tx1"/>
+                </a:solidFill>
+                <a:miter lim="800000"/>
+                <a:headEnd/>
+                <a:tailEnd/>
+              </a14:hiddenLine>
+            </a:ext>
+            <a:ext uri="{AF507438-7753-43E0-B8FC-AC1667EBCBE1}">
+              <a14:hiddenEffects xmlns:a14="http://schemas.microsoft.com/office/drawing/2010/main">
+                <a:effectLst>
+                  <a:outerShdw dist="35921" dir="2700000" algn="ctr" rotWithShape="0">
+                    <a:schemeClr val="bg2"/>
+                  </a:outerShdw>
+                </a:effectLst>
+              </a14:hiddenEffects>
+            </a:ext>
+          </a:extLst>
+        </p:spPr>
+      </p:pic>
+      <p:pic>
+        <p:nvPicPr>
+          <p:cNvPr id="1030" name="Picture 6"/>
+          <p:cNvPicPr>
+            <a:picLocks noChangeAspect="1" noChangeArrowheads="1"/>
+          </p:cNvPicPr>
+          <p:nvPr/>
+        </p:nvPicPr>
+        <p:blipFill>
+          <a:blip r:embed="rId5">
+            <a:extLst>
+              <a:ext uri="{28A0092B-C50C-407E-A947-70E740481C1C}">
+                <a14:useLocalDpi xmlns:a14="http://schemas.microsoft.com/office/drawing/2010/main" val="0"/>
+              </a:ext>
+            </a:extLst>
+          </a:blip>
+          <a:srcRect/>
+          <a:stretch>
+            <a:fillRect/>
+          </a:stretch>
+        </p:blipFill>
+        <p:spPr bwMode="auto">
+          <a:xfrm>
+            <a:off x="5644861" y="3759787"/>
+            <a:ext cx="690040" cy="690040"/>
+          </a:xfrm>
+          <a:prstGeom prst="rect">
+            <a:avLst/>
+          </a:prstGeom>
+          <a:noFill/>
+          <a:ln>
+            <a:noFill/>
+          </a:ln>
+          <a:effectLst/>
+          <a:extLst>
+            <a:ext uri="{909E8E84-426E-40DD-AFC4-6F175D3DCCD1}">
+              <a14:hiddenFill xmlns:a14="http://schemas.microsoft.com/office/drawing/2010/main">
+                <a:solidFill>
+                  <a:schemeClr val="accent1"/>
+                </a:solidFill>
+              </a14:hiddenFill>
+            </a:ext>
+            <a:ext uri="{91240B29-F687-4F45-9708-019B960494DF}">
+              <a14:hiddenLine xmlns:a14="http://schemas.microsoft.com/office/drawing/2010/main" w="9525">
+                <a:solidFill>
+                  <a:schemeClr val="tx1"/>
+                </a:solidFill>
+                <a:miter lim="800000"/>
+                <a:headEnd/>
+                <a:tailEnd/>
+              </a14:hiddenLine>
+            </a:ext>
+            <a:ext uri="{AF507438-7753-43E0-B8FC-AC1667EBCBE1}">
+              <a14:hiddenEffects xmlns:a14="http://schemas.microsoft.com/office/drawing/2010/main">
+                <a:effectLst>
+                  <a:outerShdw dist="35921" dir="2700000" algn="ctr" rotWithShape="0">
+                    <a:schemeClr val="bg2"/>
+                  </a:outerShdw>
+                </a:effectLst>
+              </a14:hiddenEffects>
+            </a:ext>
+          </a:extLst>
+        </p:spPr>
+      </p:pic>
+      <p:sp>
+        <p:nvSpPr>
+          <p:cNvPr id="4" name="TextBox 3"/>
+          <p:cNvSpPr txBox="1"/>
+          <p:nvPr/>
+        </p:nvSpPr>
+        <p:spPr>
+          <a:xfrm>
+            <a:off x="1313631" y="1807623"/>
+            <a:ext cx="2592289" cy="954107"/>
+          </a:xfrm>
+          <a:prstGeom prst="rect">
+            <a:avLst/>
+          </a:prstGeom>
+          <a:noFill/>
+        </p:spPr>
+        <p:txBody>
+          <a:bodyPr wrap="square" rtlCol="0">
+            <a:spAutoFit/>
+          </a:bodyPr>
+          <a:lstStyle/>
+          <a:p>
+            <a:pPr algn="ctr"/>
+            <a:r>
+              <a:rPr lang="ru-RU" sz="2800" dirty="0" smtClean="0"/>
+              <a:t>Монолитное приложение</a:t>
+            </a:r>
+            <a:endParaRPr lang="ru-RU" sz="2800" dirty="0"/>
+          </a:p>
+        </p:txBody>
+      </p:sp>
+      <p:sp>
+        <p:nvSpPr>
+          <p:cNvPr id="10" name="TextBox 9"/>
+          <p:cNvSpPr txBox="1"/>
+          <p:nvPr/>
+        </p:nvSpPr>
+        <p:spPr>
+          <a:xfrm>
+            <a:off x="4538581" y="1807621"/>
+            <a:ext cx="2902600" cy="954107"/>
+          </a:xfrm>
+          <a:prstGeom prst="rect">
+            <a:avLst/>
+          </a:prstGeom>
+          <a:noFill/>
+        </p:spPr>
+        <p:txBody>
+          <a:bodyPr wrap="square" rtlCol="0">
+            <a:spAutoFit/>
+          </a:bodyPr>
+          <a:lstStyle/>
+          <a:p>
+            <a:pPr algn="ctr"/>
+            <a:r>
+              <a:rPr lang="ru-RU" sz="2800" dirty="0" err="1" smtClean="0"/>
+              <a:t>Микросервисное</a:t>
+            </a:r>
+            <a:r>
+              <a:rPr lang="ru-RU" sz="2800" dirty="0" smtClean="0"/>
+              <a:t> </a:t>
+            </a:r>
+          </a:p>
+          <a:p>
+            <a:pPr algn="ctr"/>
+            <a:r>
+              <a:rPr lang="ru-RU" sz="2800" dirty="0" smtClean="0"/>
+              <a:t>приложение</a:t>
+            </a:r>
+            <a:endParaRPr lang="ru-RU" sz="2800" dirty="0"/>
           </a:p>
         </p:txBody>
       </p:sp>
@@ -3928,6 +4832,161 @@
     <p:extLst>
       <p:ext uri="{BB962C8B-B14F-4D97-AF65-F5344CB8AC3E}">
         <p14:creationId xmlns:p14="http://schemas.microsoft.com/office/powerpoint/2010/main" val="3638713563"/>
+      </p:ext>
+    </p:extLst>
+  </p:cSld>
+  <p:clrMapOvr>
+    <a:masterClrMapping/>
+  </p:clrMapOvr>
+</p:sld>
+</file>
+
+<file path=ppt/slides/slide20.xml><?xml version="1.0" encoding="utf-8"?>
+<p:sld xmlns:a="http://schemas.openxmlformats.org/drawingml/2006/main" xmlns:r="http://schemas.openxmlformats.org/officeDocument/2006/relationships" xmlns:p="http://schemas.openxmlformats.org/presentationml/2006/main">
+  <p:cSld>
+    <p:spTree>
+      <p:nvGrpSpPr>
+        <p:cNvPr id="1" name=""/>
+        <p:cNvGrpSpPr/>
+        <p:nvPr/>
+      </p:nvGrpSpPr>
+      <p:grpSpPr>
+        <a:xfrm>
+          <a:off x="0" y="0"/>
+          <a:ext cx="0" cy="0"/>
+          <a:chOff x="0" y="0"/>
+          <a:chExt cx="0" cy="0"/>
+        </a:xfrm>
+      </p:grpSpPr>
+      <p:sp>
+        <p:nvSpPr>
+          <p:cNvPr id="2" name="Title 1"/>
+          <p:cNvSpPr>
+            <a:spLocks noGrp="1"/>
+          </p:cNvSpPr>
+          <p:nvPr>
+            <p:ph type="title"/>
+          </p:nvPr>
+        </p:nvSpPr>
+        <p:spPr/>
+        <p:txBody>
+          <a:bodyPr/>
+          <a:lstStyle/>
+          <a:p>
+            <a:endParaRPr lang="en-US" dirty="0"/>
+          </a:p>
+        </p:txBody>
+      </p:sp>
+      <p:sp>
+        <p:nvSpPr>
+          <p:cNvPr id="3" name="Content Placeholder 2"/>
+          <p:cNvSpPr>
+            <a:spLocks noGrp="1"/>
+          </p:cNvSpPr>
+          <p:nvPr>
+            <p:ph idx="1"/>
+          </p:nvPr>
+        </p:nvSpPr>
+        <p:spPr/>
+        <p:txBody>
+          <a:bodyPr/>
+          <a:lstStyle/>
+          <a:p>
+            <a:r>
+              <a:rPr lang="en-US" dirty="0" smtClean="0"/>
+              <a:t>Developers perform </a:t>
+            </a:r>
+            <a:r>
+              <a:rPr lang="en-US" dirty="0" smtClean="0"/>
+              <a:t>Support</a:t>
+            </a:r>
+          </a:p>
+          <a:p>
+            <a:pPr lvl="1"/>
+            <a:r>
+              <a:rPr lang="en-US" dirty="0" smtClean="0"/>
+              <a:t>Helps to build tools to simplify support</a:t>
+            </a:r>
+            <a:r>
+              <a:rPr lang="en-US" dirty="0" smtClean="0"/>
+              <a:t> </a:t>
+            </a:r>
+            <a:endParaRPr lang="en-US" dirty="0"/>
+          </a:p>
+        </p:txBody>
+      </p:sp>
+    </p:spTree>
+    <p:extLst>
+      <p:ext uri="{BB962C8B-B14F-4D97-AF65-F5344CB8AC3E}">
+        <p14:creationId xmlns:p14="http://schemas.microsoft.com/office/powerpoint/2010/main" val="3122075378"/>
+      </p:ext>
+    </p:extLst>
+  </p:cSld>
+  <p:clrMapOvr>
+    <a:masterClrMapping/>
+  </p:clrMapOvr>
+</p:sld>
+</file>
+
+<file path=ppt/slides/slide21.xml><?xml version="1.0" encoding="utf-8"?>
+<p:sld xmlns:a="http://schemas.openxmlformats.org/drawingml/2006/main" xmlns:r="http://schemas.openxmlformats.org/officeDocument/2006/relationships" xmlns:p="http://schemas.openxmlformats.org/presentationml/2006/main">
+  <p:cSld>
+    <p:spTree>
+      <p:nvGrpSpPr>
+        <p:cNvPr id="1" name=""/>
+        <p:cNvGrpSpPr/>
+        <p:nvPr/>
+      </p:nvGrpSpPr>
+      <p:grpSpPr>
+        <a:xfrm>
+          <a:off x="0" y="0"/>
+          <a:ext cx="0" cy="0"/>
+          <a:chOff x="0" y="0"/>
+          <a:chExt cx="0" cy="0"/>
+        </a:xfrm>
+      </p:grpSpPr>
+      <p:sp>
+        <p:nvSpPr>
+          <p:cNvPr id="2" name="Заголовок 1"/>
+          <p:cNvSpPr>
+            <a:spLocks noGrp="1"/>
+          </p:cNvSpPr>
+          <p:nvPr>
+            <p:ph type="title"/>
+          </p:nvPr>
+        </p:nvSpPr>
+        <p:spPr/>
+        <p:txBody>
+          <a:bodyPr/>
+          <a:lstStyle/>
+          <a:p>
+            <a:endParaRPr lang="ru-RU"/>
+          </a:p>
+        </p:txBody>
+      </p:sp>
+      <p:sp>
+        <p:nvSpPr>
+          <p:cNvPr id="3" name="Объект 2"/>
+          <p:cNvSpPr>
+            <a:spLocks noGrp="1"/>
+          </p:cNvSpPr>
+          <p:nvPr>
+            <p:ph idx="1"/>
+          </p:nvPr>
+        </p:nvSpPr>
+        <p:spPr/>
+        <p:txBody>
+          <a:bodyPr/>
+          <a:lstStyle/>
+          <a:p>
+            <a:endParaRPr lang="ru-RU"/>
+          </a:p>
+        </p:txBody>
+      </p:sp>
+    </p:spTree>
+    <p:extLst>
+      <p:ext uri="{BB962C8B-B14F-4D97-AF65-F5344CB8AC3E}">
+        <p14:creationId xmlns:p14="http://schemas.microsoft.com/office/powerpoint/2010/main" val="1486434484"/>
       </p:ext>
     </p:extLst>
   </p:cSld>
@@ -3969,113 +5028,444 @@
           <a:bodyPr/>
           <a:lstStyle/>
           <a:p>
-            <a:endParaRPr lang="ru-RU"/>
-          </a:p>
-        </p:txBody>
-      </p:sp>
-      <p:sp>
-        <p:nvSpPr>
-          <p:cNvPr id="3" name="Объект 2"/>
-          <p:cNvSpPr>
-            <a:spLocks noGrp="1"/>
-          </p:cNvSpPr>
-          <p:nvPr>
-            <p:ph idx="1"/>
-          </p:nvPr>
-        </p:nvSpPr>
-        <p:spPr/>
-        <p:txBody>
-          <a:bodyPr/>
-          <a:lstStyle/>
-          <a:p>
-            <a:pPr marL="0" indent="0">
-              <a:buNone/>
-            </a:pPr>
-            <a:r>
-              <a:rPr lang="ru-RU" u="sng" dirty="0" err="1"/>
-              <a:t>Business</a:t>
-            </a:r>
-            <a:r>
-              <a:rPr lang="ru-RU" u="sng" dirty="0"/>
+            <a:r>
+              <a:rPr lang="ru-RU" dirty="0" smtClean="0"/>
+              <a:t>Тип Архитектуры</a:t>
+            </a:r>
+            <a:endParaRPr lang="ru-RU" dirty="0"/>
+          </a:p>
+        </p:txBody>
+      </p:sp>
+      <p:pic>
+        <p:nvPicPr>
+          <p:cNvPr id="1027" name="Picture 3"/>
+          <p:cNvPicPr>
+            <a:picLocks noChangeAspect="1" noChangeArrowheads="1"/>
+          </p:cNvPicPr>
+          <p:nvPr/>
+        </p:nvPicPr>
+        <p:blipFill>
+          <a:blip r:embed="rId2">
+            <a:extLst>
+              <a:ext uri="{28A0092B-C50C-407E-A947-70E740481C1C}">
+                <a14:useLocalDpi xmlns:a14="http://schemas.microsoft.com/office/drawing/2010/main" val="0"/>
+              </a:ext>
+            </a:extLst>
+          </a:blip>
+          <a:srcRect/>
+          <a:stretch>
+            <a:fillRect/>
+          </a:stretch>
+        </p:blipFill>
+        <p:spPr bwMode="auto">
+          <a:xfrm>
+            <a:off x="1889696" y="2848863"/>
+            <a:ext cx="1440160" cy="1472164"/>
+          </a:xfrm>
+          <a:prstGeom prst="rect">
+            <a:avLst/>
+          </a:prstGeom>
+          <a:noFill/>
+          <a:ln>
+            <a:noFill/>
+          </a:ln>
+          <a:effectLst/>
+          <a:extLst>
+            <a:ext uri="{909E8E84-426E-40DD-AFC4-6F175D3DCCD1}">
+              <a14:hiddenFill xmlns:a14="http://schemas.microsoft.com/office/drawing/2010/main">
+                <a:solidFill>
+                  <a:schemeClr val="accent1"/>
+                </a:solidFill>
+              </a14:hiddenFill>
+            </a:ext>
+            <a:ext uri="{91240B29-F687-4F45-9708-019B960494DF}">
+              <a14:hiddenLine xmlns:a14="http://schemas.microsoft.com/office/drawing/2010/main" w="9525">
+                <a:solidFill>
+                  <a:schemeClr val="tx1"/>
+                </a:solidFill>
+                <a:miter lim="800000"/>
+                <a:headEnd/>
+                <a:tailEnd/>
+              </a14:hiddenLine>
+            </a:ext>
+            <a:ext uri="{AF507438-7753-43E0-B8FC-AC1667EBCBE1}">
+              <a14:hiddenEffects xmlns:a14="http://schemas.microsoft.com/office/drawing/2010/main">
+                <a:effectLst>
+                  <a:outerShdw dist="35921" dir="2700000" algn="ctr" rotWithShape="0">
+                    <a:schemeClr val="bg2"/>
+                  </a:outerShdw>
+                </a:effectLst>
+              </a14:hiddenEffects>
+            </a:ext>
+          </a:extLst>
+        </p:spPr>
+      </p:pic>
+      <p:pic>
+        <p:nvPicPr>
+          <p:cNvPr id="1028" name="Picture 4"/>
+          <p:cNvPicPr>
+            <a:picLocks noChangeAspect="1" noChangeArrowheads="1"/>
+          </p:cNvPicPr>
+          <p:nvPr/>
+        </p:nvPicPr>
+        <p:blipFill>
+          <a:blip r:embed="rId3">
+            <a:extLst>
+              <a:ext uri="{28A0092B-C50C-407E-A947-70E740481C1C}">
+                <a14:useLocalDpi xmlns:a14="http://schemas.microsoft.com/office/drawing/2010/main" val="0"/>
+              </a:ext>
+            </a:extLst>
+          </a:blip>
+          <a:srcRect/>
+          <a:stretch>
+            <a:fillRect/>
+          </a:stretch>
+        </p:blipFill>
+        <p:spPr bwMode="auto">
+          <a:xfrm>
+            <a:off x="5070296" y="2787295"/>
+            <a:ext cx="720080" cy="720080"/>
+          </a:xfrm>
+          <a:prstGeom prst="rect">
+            <a:avLst/>
+          </a:prstGeom>
+          <a:noFill/>
+          <a:ln>
+            <a:noFill/>
+          </a:ln>
+          <a:effectLst/>
+          <a:extLst>
+            <a:ext uri="{909E8E84-426E-40DD-AFC4-6F175D3DCCD1}">
+              <a14:hiddenFill xmlns:a14="http://schemas.microsoft.com/office/drawing/2010/main">
+                <a:solidFill>
+                  <a:schemeClr val="accent1"/>
+                </a:solidFill>
+              </a14:hiddenFill>
+            </a:ext>
+            <a:ext uri="{91240B29-F687-4F45-9708-019B960494DF}">
+              <a14:hiddenLine xmlns:a14="http://schemas.microsoft.com/office/drawing/2010/main" w="9525">
+                <a:solidFill>
+                  <a:schemeClr val="tx1"/>
+                </a:solidFill>
+                <a:miter lim="800000"/>
+                <a:headEnd/>
+                <a:tailEnd/>
+              </a14:hiddenLine>
+            </a:ext>
+            <a:ext uri="{AF507438-7753-43E0-B8FC-AC1667EBCBE1}">
+              <a14:hiddenEffects xmlns:a14="http://schemas.microsoft.com/office/drawing/2010/main">
+                <a:effectLst>
+                  <a:outerShdw dist="35921" dir="2700000" algn="ctr" rotWithShape="0">
+                    <a:schemeClr val="bg2"/>
+                  </a:outerShdw>
+                </a:effectLst>
+              </a14:hiddenEffects>
+            </a:ext>
+          </a:extLst>
+        </p:spPr>
+      </p:pic>
+      <p:pic>
+        <p:nvPicPr>
+          <p:cNvPr id="1029" name="Picture 5"/>
+          <p:cNvPicPr>
+            <a:picLocks noChangeAspect="1" noChangeArrowheads="1"/>
+          </p:cNvPicPr>
+          <p:nvPr/>
+        </p:nvPicPr>
+        <p:blipFill>
+          <a:blip r:embed="rId4">
+            <a:extLst>
+              <a:ext uri="{28A0092B-C50C-407E-A947-70E740481C1C}">
+                <a14:useLocalDpi xmlns:a14="http://schemas.microsoft.com/office/drawing/2010/main" val="0"/>
+              </a:ext>
+            </a:extLst>
+          </a:blip>
+          <a:srcRect/>
+          <a:stretch>
+            <a:fillRect/>
+          </a:stretch>
+        </p:blipFill>
+        <p:spPr bwMode="auto">
+          <a:xfrm>
+            <a:off x="6021620" y="2998388"/>
+            <a:ext cx="650556" cy="650556"/>
+          </a:xfrm>
+          <a:prstGeom prst="rect">
+            <a:avLst/>
+          </a:prstGeom>
+          <a:noFill/>
+          <a:ln>
+            <a:noFill/>
+          </a:ln>
+          <a:effectLst/>
+          <a:extLst>
+            <a:ext uri="{909E8E84-426E-40DD-AFC4-6F175D3DCCD1}">
+              <a14:hiddenFill xmlns:a14="http://schemas.microsoft.com/office/drawing/2010/main">
+                <a:solidFill>
+                  <a:schemeClr val="accent1"/>
+                </a:solidFill>
+              </a14:hiddenFill>
+            </a:ext>
+            <a:ext uri="{91240B29-F687-4F45-9708-019B960494DF}">
+              <a14:hiddenLine xmlns:a14="http://schemas.microsoft.com/office/drawing/2010/main" w="9525">
+                <a:solidFill>
+                  <a:schemeClr val="tx1"/>
+                </a:solidFill>
+                <a:miter lim="800000"/>
+                <a:headEnd/>
+                <a:tailEnd/>
+              </a14:hiddenLine>
+            </a:ext>
+            <a:ext uri="{AF507438-7753-43E0-B8FC-AC1667EBCBE1}">
+              <a14:hiddenEffects xmlns:a14="http://schemas.microsoft.com/office/drawing/2010/main">
+                <a:effectLst>
+                  <a:outerShdw dist="35921" dir="2700000" algn="ctr" rotWithShape="0">
+                    <a:schemeClr val="bg2"/>
+                  </a:outerShdw>
+                </a:effectLst>
+              </a14:hiddenEffects>
+            </a:ext>
+          </a:extLst>
+        </p:spPr>
+      </p:pic>
+      <p:pic>
+        <p:nvPicPr>
+          <p:cNvPr id="1030" name="Picture 6"/>
+          <p:cNvPicPr>
+            <a:picLocks noChangeAspect="1" noChangeArrowheads="1"/>
+          </p:cNvPicPr>
+          <p:nvPr/>
+        </p:nvPicPr>
+        <p:blipFill>
+          <a:blip r:embed="rId5">
+            <a:extLst>
+              <a:ext uri="{28A0092B-C50C-407E-A947-70E740481C1C}">
+                <a14:useLocalDpi xmlns:a14="http://schemas.microsoft.com/office/drawing/2010/main" val="0"/>
+              </a:ext>
+            </a:extLst>
+          </a:blip>
+          <a:srcRect/>
+          <a:stretch>
+            <a:fillRect/>
+          </a:stretch>
+        </p:blipFill>
+        <p:spPr bwMode="auto">
+          <a:xfrm>
+            <a:off x="5644861" y="3759787"/>
+            <a:ext cx="690040" cy="690040"/>
+          </a:xfrm>
+          <a:prstGeom prst="rect">
+            <a:avLst/>
+          </a:prstGeom>
+          <a:noFill/>
+          <a:ln>
+            <a:noFill/>
+          </a:ln>
+          <a:effectLst/>
+          <a:extLst>
+            <a:ext uri="{909E8E84-426E-40DD-AFC4-6F175D3DCCD1}">
+              <a14:hiddenFill xmlns:a14="http://schemas.microsoft.com/office/drawing/2010/main">
+                <a:solidFill>
+                  <a:schemeClr val="accent1"/>
+                </a:solidFill>
+              </a14:hiddenFill>
+            </a:ext>
+            <a:ext uri="{91240B29-F687-4F45-9708-019B960494DF}">
+              <a14:hiddenLine xmlns:a14="http://schemas.microsoft.com/office/drawing/2010/main" w="9525">
+                <a:solidFill>
+                  <a:schemeClr val="tx1"/>
+                </a:solidFill>
+                <a:miter lim="800000"/>
+                <a:headEnd/>
+                <a:tailEnd/>
+              </a14:hiddenLine>
+            </a:ext>
+            <a:ext uri="{AF507438-7753-43E0-B8FC-AC1667EBCBE1}">
+              <a14:hiddenEffects xmlns:a14="http://schemas.microsoft.com/office/drawing/2010/main">
+                <a:effectLst>
+                  <a:outerShdw dist="35921" dir="2700000" algn="ctr" rotWithShape="0">
+                    <a:schemeClr val="bg2"/>
+                  </a:outerShdw>
+                </a:effectLst>
+              </a14:hiddenEffects>
+            </a:ext>
+          </a:extLst>
+        </p:spPr>
+      </p:pic>
+      <p:sp>
+        <p:nvSpPr>
+          <p:cNvPr id="4" name="TextBox 3"/>
+          <p:cNvSpPr txBox="1"/>
+          <p:nvPr/>
+        </p:nvSpPr>
+        <p:spPr>
+          <a:xfrm>
+            <a:off x="1313631" y="1807623"/>
+            <a:ext cx="2592289" cy="954107"/>
+          </a:xfrm>
+          <a:prstGeom prst="rect">
+            <a:avLst/>
+          </a:prstGeom>
+          <a:noFill/>
+        </p:spPr>
+        <p:txBody>
+          <a:bodyPr wrap="square" rtlCol="0">
+            <a:spAutoFit/>
+          </a:bodyPr>
+          <a:lstStyle/>
+          <a:p>
+            <a:pPr algn="ctr"/>
+            <a:r>
+              <a:rPr lang="ru-RU" sz="2800" dirty="0" smtClean="0"/>
+              <a:t>Монолитное приложение</a:t>
+            </a:r>
+            <a:endParaRPr lang="ru-RU" sz="2800" dirty="0"/>
+          </a:p>
+        </p:txBody>
+      </p:sp>
+      <p:sp>
+        <p:nvSpPr>
+          <p:cNvPr id="10" name="TextBox 9"/>
+          <p:cNvSpPr txBox="1"/>
+          <p:nvPr/>
+        </p:nvSpPr>
+        <p:spPr>
+          <a:xfrm>
+            <a:off x="4538581" y="1807621"/>
+            <a:ext cx="2902600" cy="954107"/>
+          </a:xfrm>
+          <a:prstGeom prst="rect">
+            <a:avLst/>
+          </a:prstGeom>
+          <a:noFill/>
+        </p:spPr>
+        <p:txBody>
+          <a:bodyPr wrap="square" rtlCol="0">
+            <a:spAutoFit/>
+          </a:bodyPr>
+          <a:lstStyle/>
+          <a:p>
+            <a:pPr algn="ctr"/>
+            <a:r>
+              <a:rPr lang="ru-RU" sz="2800" dirty="0" err="1" smtClean="0"/>
+              <a:t>Микросервисное</a:t>
+            </a:r>
+            <a:r>
+              <a:rPr lang="ru-RU" sz="2800" dirty="0" smtClean="0"/>
               <a:t> </a:t>
             </a:r>
-            <a:r>
-              <a:rPr lang="ru-RU" u="sng" dirty="0" err="1"/>
-              <a:t>Capabilities</a:t>
-            </a:r>
-            <a:r>
-              <a:rPr lang="ru-RU" u="sng" dirty="0"/>
-              <a:t> | Организация вокруг </a:t>
-            </a:r>
-            <a:r>
-              <a:rPr lang="ru-RU" u="sng" dirty="0" smtClean="0"/>
-              <a:t>потребностей бизнеса</a:t>
-            </a:r>
-            <a:endParaRPr lang="en-US" u="sng" dirty="0" smtClean="0"/>
-          </a:p>
-          <a:p>
-            <a:pPr marL="0" indent="0">
-              <a:buNone/>
-            </a:pPr>
-            <a:r>
-              <a:rPr lang="en-US" dirty="0" smtClean="0"/>
-              <a:t>- Different components implement different business needs</a:t>
-            </a:r>
-          </a:p>
-          <a:p>
-            <a:pPr marL="0" indent="0">
-              <a:buNone/>
-            </a:pPr>
-            <a:r>
-              <a:rPr lang="en-US" dirty="0"/>
-              <a:t>	</a:t>
-            </a:r>
-            <a:r>
-              <a:rPr lang="en-US" dirty="0" smtClean="0"/>
-              <a:t>- reporting</a:t>
-            </a:r>
-          </a:p>
-          <a:p>
-            <a:pPr marL="0" indent="0">
-              <a:buNone/>
-            </a:pPr>
-            <a:r>
-              <a:rPr lang="en-US" dirty="0"/>
-              <a:t>	</a:t>
-            </a:r>
-            <a:r>
-              <a:rPr lang="en-US" dirty="0" smtClean="0"/>
-              <a:t>- emailing</a:t>
-            </a:r>
-          </a:p>
-          <a:p>
-            <a:pPr marL="0" indent="0">
-              <a:buNone/>
-            </a:pPr>
-            <a:r>
-              <a:rPr lang="en-US" dirty="0"/>
-              <a:t>	</a:t>
-            </a:r>
-            <a:r>
-              <a:rPr lang="en-US" dirty="0" smtClean="0"/>
-              <a:t>- taxes</a:t>
-            </a:r>
-          </a:p>
-          <a:p>
-            <a:pPr marL="0" indent="0">
-              <a:buNone/>
-            </a:pPr>
-            <a:r>
-              <a:rPr lang="en-US" dirty="0"/>
-              <a:t>	</a:t>
-            </a:r>
-            <a:r>
-              <a:rPr lang="en-US" dirty="0" smtClean="0"/>
-              <a:t>- credit card </a:t>
-            </a:r>
-            <a:r>
-              <a:rPr lang="en-US" dirty="0" err="1" smtClean="0"/>
-              <a:t>mgmt</a:t>
+          </a:p>
+          <a:p>
+            <a:pPr algn="ctr"/>
+            <a:r>
+              <a:rPr lang="ru-RU" sz="2800" dirty="0" smtClean="0"/>
+              <a:t>приложение</a:t>
+            </a:r>
+            <a:endParaRPr lang="ru-RU" sz="2800" dirty="0"/>
+          </a:p>
+        </p:txBody>
+      </p:sp>
+      <p:sp>
+        <p:nvSpPr>
+          <p:cNvPr id="3" name="TextBox 2"/>
+          <p:cNvSpPr txBox="1"/>
+          <p:nvPr/>
+        </p:nvSpPr>
+        <p:spPr>
+          <a:xfrm>
+            <a:off x="971600" y="4869160"/>
+            <a:ext cx="2423933" cy="2031325"/>
+          </a:xfrm>
+          <a:prstGeom prst="rect">
+            <a:avLst/>
+          </a:prstGeom>
+          <a:noFill/>
+        </p:spPr>
+        <p:txBody>
+          <a:bodyPr wrap="none" rtlCol="0">
+            <a:spAutoFit/>
+          </a:bodyPr>
+          <a:lstStyle/>
+          <a:p>
+            <a:r>
+              <a:rPr lang="ru-RU" dirty="0" smtClean="0"/>
+              <a:t>+ Протокол</a:t>
+            </a:r>
+          </a:p>
+          <a:p>
+            <a:r>
+              <a:rPr lang="ru-RU" dirty="0" smtClean="0"/>
+              <a:t>+ Простота модуля</a:t>
+            </a:r>
+          </a:p>
+          <a:p>
+            <a:r>
+              <a:rPr lang="ru-RU" dirty="0" smtClean="0"/>
+              <a:t>+ Скорость разработки</a:t>
+            </a:r>
+          </a:p>
+          <a:p>
+            <a:r>
+              <a:rPr lang="ru-RU" dirty="0" smtClean="0"/>
+              <a:t>+ Независимость</a:t>
+            </a:r>
+          </a:p>
+          <a:p>
+            <a:r>
+              <a:rPr lang="ru-RU" dirty="0"/>
+              <a:t> </a:t>
+            </a:r>
+            <a:r>
+              <a:rPr lang="ru-RU" dirty="0" smtClean="0"/>
+              <a:t>      команд</a:t>
+            </a:r>
+          </a:p>
+          <a:p>
+            <a:r>
+              <a:rPr lang="ru-RU" dirty="0" smtClean="0"/>
+              <a:t>       технологий</a:t>
+            </a:r>
+          </a:p>
+          <a:p>
+            <a:endParaRPr lang="ru-RU" dirty="0"/>
+          </a:p>
+        </p:txBody>
+      </p:sp>
+      <p:sp>
+        <p:nvSpPr>
+          <p:cNvPr id="11" name="TextBox 10"/>
+          <p:cNvSpPr txBox="1"/>
+          <p:nvPr/>
+        </p:nvSpPr>
+        <p:spPr>
+          <a:xfrm>
+            <a:off x="5063185" y="4853053"/>
+            <a:ext cx="2940933" cy="646331"/>
+          </a:xfrm>
+          <a:prstGeom prst="rect">
+            <a:avLst/>
+          </a:prstGeom>
+          <a:noFill/>
+        </p:spPr>
+        <p:txBody>
+          <a:bodyPr wrap="none" rtlCol="0">
+            <a:spAutoFit/>
+          </a:bodyPr>
+          <a:lstStyle/>
+          <a:p>
+            <a:r>
+              <a:rPr lang="ru-RU" dirty="0"/>
+              <a:t>-</a:t>
+            </a:r>
+            <a:r>
+              <a:rPr lang="ru-RU" dirty="0" smtClean="0"/>
+              <a:t> Сложность</a:t>
+            </a:r>
+          </a:p>
+          <a:p>
+            <a:r>
+              <a:rPr lang="ru-RU" dirty="0" smtClean="0"/>
+              <a:t>- Подверженность ошибкам</a:t>
             </a:r>
             <a:endParaRPr lang="ru-RU" dirty="0"/>
           </a:p>
@@ -4084,7 +5474,7 @@
     </p:spTree>
     <p:extLst>
       <p:ext uri="{BB962C8B-B14F-4D97-AF65-F5344CB8AC3E}">
-        <p14:creationId xmlns:p14="http://schemas.microsoft.com/office/powerpoint/2010/main" val="2238289338"/>
+        <p14:creationId xmlns:p14="http://schemas.microsoft.com/office/powerpoint/2010/main" val="1838205495"/>
       </p:ext>
     </p:extLst>
   </p:cSld>
@@ -4113,6 +5503,50 @@
       </p:grpSpPr>
       <p:sp>
         <p:nvSpPr>
+          <p:cNvPr id="7" name="Прямоугольник 6"/>
+          <p:cNvSpPr/>
+          <p:nvPr/>
+        </p:nvSpPr>
+        <p:spPr>
+          <a:xfrm>
+            <a:off x="2435341" y="2348880"/>
+            <a:ext cx="4004882" cy="2520280"/>
+          </a:xfrm>
+          <a:prstGeom prst="rect">
+            <a:avLst/>
+          </a:prstGeom>
+        </p:spPr>
+        <p:style>
+          <a:lnRef idx="2">
+            <a:schemeClr val="accent6">
+              <a:shade val="50000"/>
+            </a:schemeClr>
+          </a:lnRef>
+          <a:fillRef idx="1">
+            <a:schemeClr val="accent6"/>
+          </a:fillRef>
+          <a:effectRef idx="0">
+            <a:schemeClr val="accent6"/>
+          </a:effectRef>
+          <a:fontRef idx="minor">
+            <a:schemeClr val="lt1"/>
+          </a:fontRef>
+        </p:style>
+        <p:txBody>
+          <a:bodyPr rtlCol="0" anchor="b"/>
+          <a:lstStyle/>
+          <a:p>
+            <a:pPr algn="ctr"/>
+            <a:r>
+              <a:rPr lang="en-US" sz="4000" dirty="0" smtClean="0"/>
+              <a:t>ROA</a:t>
+            </a:r>
+            <a:endParaRPr lang="ru-RU" sz="4000" dirty="0"/>
+          </a:p>
+        </p:txBody>
+      </p:sp>
+      <p:sp>
+        <p:nvSpPr>
           <p:cNvPr id="2" name="Заголовок 1"/>
           <p:cNvSpPr>
             <a:spLocks noGrp="1"/>
@@ -4127,8 +5561,8 @@
           <a:lstStyle/>
           <a:p>
             <a:r>
-              <a:rPr lang="en-US" dirty="0" smtClean="0"/>
-              <a:t>Deployment</a:t>
+              <a:rPr lang="ru-RU" dirty="0" smtClean="0"/>
+              <a:t>Монолит</a:t>
             </a:r>
             <a:endParaRPr lang="ru-RU" dirty="0"/>
           </a:p>
@@ -4136,79 +5570,263 @@
       </p:sp>
       <p:sp>
         <p:nvSpPr>
-          <p:cNvPr id="3" name="Объект 2"/>
-          <p:cNvSpPr>
-            <a:spLocks noGrp="1"/>
-          </p:cNvSpPr>
-          <p:nvPr>
-            <p:ph idx="1"/>
-          </p:nvPr>
-        </p:nvSpPr>
-        <p:spPr/>
-        <p:txBody>
-          <a:bodyPr>
-            <a:normAutofit lnSpcReduction="10000"/>
-          </a:bodyPr>
-          <a:lstStyle/>
-          <a:p>
-            <a:pPr marL="0" indent="0">
-              <a:buNone/>
-            </a:pPr>
-            <a:r>
-              <a:rPr lang="en-US" u="sng" dirty="0"/>
-              <a:t>Infrastructure Automation | </a:t>
-            </a:r>
-            <a:r>
-              <a:rPr lang="ru-RU" u="sng" dirty="0"/>
-              <a:t>Автоматизация инфраструктуры</a:t>
-            </a:r>
-            <a:endParaRPr lang="en-US" u="sng" dirty="0" smtClean="0"/>
-          </a:p>
-          <a:p>
-            <a:r>
-              <a:rPr lang="en-US" dirty="0" smtClean="0"/>
-              <a:t>Automation</a:t>
-            </a:r>
-            <a:endParaRPr lang="en-US" dirty="0" smtClean="0"/>
-          </a:p>
-          <a:p>
-            <a:pPr lvl="1"/>
-            <a:r>
-              <a:rPr lang="en-US" dirty="0" smtClean="0"/>
-              <a:t>Continuous Integration</a:t>
-            </a:r>
-          </a:p>
-          <a:p>
-            <a:pPr lvl="1"/>
-            <a:r>
-              <a:rPr lang="en-US" dirty="0" smtClean="0"/>
-              <a:t>Continuous Delivery (on the road to…)</a:t>
-            </a:r>
-          </a:p>
-          <a:p>
-            <a:pPr lvl="1"/>
-            <a:r>
-              <a:rPr lang="en-US" dirty="0" smtClean="0"/>
-              <a:t>Chef</a:t>
-            </a:r>
-          </a:p>
-          <a:p>
-            <a:r>
-              <a:rPr lang="en-US" dirty="0" smtClean="0"/>
-              <a:t>Step Away from infrastructure</a:t>
-            </a:r>
-          </a:p>
-          <a:p>
-            <a:r>
-              <a:rPr lang="en-US" dirty="0" smtClean="0"/>
-              <a:t>Align environment</a:t>
-            </a:r>
-          </a:p>
-          <a:p>
-            <a:pPr lvl="1"/>
-            <a:r>
-              <a:rPr lang="en-US" dirty="0" smtClean="0"/>
-              <a:t>We have separate environments!</a:t>
+          <p:cNvPr id="4" name="Прямоугольник 3"/>
+          <p:cNvSpPr/>
+          <p:nvPr/>
+        </p:nvSpPr>
+        <p:spPr>
+          <a:xfrm>
+            <a:off x="2543560" y="2376500"/>
+            <a:ext cx="1080120" cy="677251"/>
+          </a:xfrm>
+          <a:prstGeom prst="rect">
+            <a:avLst/>
+          </a:prstGeom>
+        </p:spPr>
+        <p:style>
+          <a:lnRef idx="2">
+            <a:schemeClr val="accent1">
+              <a:shade val="50000"/>
+            </a:schemeClr>
+          </a:lnRef>
+          <a:fillRef idx="1">
+            <a:schemeClr val="accent1"/>
+          </a:fillRef>
+          <a:effectRef idx="0">
+            <a:schemeClr val="accent1"/>
+          </a:effectRef>
+          <a:fontRef idx="minor">
+            <a:schemeClr val="lt1"/>
+          </a:fontRef>
+        </p:style>
+        <p:txBody>
+          <a:bodyPr rtlCol="0" anchor="ctr"/>
+          <a:lstStyle/>
+          <a:p>
+            <a:pPr algn="ctr"/>
+            <a:r>
+              <a:rPr lang="ru-RU" dirty="0" smtClean="0"/>
+              <a:t>Налоги</a:t>
+            </a:r>
+            <a:endParaRPr lang="ru-RU" dirty="0"/>
+          </a:p>
+        </p:txBody>
+      </p:sp>
+      <p:sp>
+        <p:nvSpPr>
+          <p:cNvPr id="5" name="Прямоугольник 4"/>
+          <p:cNvSpPr/>
+          <p:nvPr/>
+        </p:nvSpPr>
+        <p:spPr>
+          <a:xfrm>
+            <a:off x="3775927" y="2388911"/>
+            <a:ext cx="1152128" cy="664840"/>
+          </a:xfrm>
+          <a:prstGeom prst="rect">
+            <a:avLst/>
+          </a:prstGeom>
+        </p:spPr>
+        <p:style>
+          <a:lnRef idx="2">
+            <a:schemeClr val="accent1">
+              <a:shade val="50000"/>
+            </a:schemeClr>
+          </a:lnRef>
+          <a:fillRef idx="1">
+            <a:schemeClr val="accent1"/>
+          </a:fillRef>
+          <a:effectRef idx="0">
+            <a:schemeClr val="accent1"/>
+          </a:effectRef>
+          <a:fontRef idx="minor">
+            <a:schemeClr val="lt1"/>
+          </a:fontRef>
+        </p:style>
+        <p:txBody>
+          <a:bodyPr rtlCol="0" anchor="ctr"/>
+          <a:lstStyle/>
+          <a:p>
+            <a:pPr algn="ctr"/>
+            <a:r>
+              <a:rPr lang="en-US" dirty="0" smtClean="0"/>
+              <a:t>Emailing</a:t>
+            </a:r>
+            <a:endParaRPr lang="ru-RU" dirty="0"/>
+          </a:p>
+        </p:txBody>
+      </p:sp>
+      <p:sp>
+        <p:nvSpPr>
+          <p:cNvPr id="6" name="Прямоугольник 5"/>
+          <p:cNvSpPr/>
+          <p:nvPr/>
+        </p:nvSpPr>
+        <p:spPr>
+          <a:xfrm>
+            <a:off x="5030800" y="2388911"/>
+            <a:ext cx="1008112" cy="664840"/>
+          </a:xfrm>
+          <a:prstGeom prst="rect">
+            <a:avLst/>
+          </a:prstGeom>
+        </p:spPr>
+        <p:style>
+          <a:lnRef idx="2">
+            <a:schemeClr val="accent1">
+              <a:shade val="50000"/>
+            </a:schemeClr>
+          </a:lnRef>
+          <a:fillRef idx="1">
+            <a:schemeClr val="accent1"/>
+          </a:fillRef>
+          <a:effectRef idx="0">
+            <a:schemeClr val="accent1"/>
+          </a:effectRef>
+          <a:fontRef idx="minor">
+            <a:schemeClr val="lt1"/>
+          </a:fontRef>
+        </p:style>
+        <p:txBody>
+          <a:bodyPr rtlCol="0" anchor="ctr"/>
+          <a:lstStyle/>
+          <a:p>
+            <a:pPr algn="ctr"/>
+            <a:r>
+              <a:rPr lang="ru-RU" dirty="0" smtClean="0"/>
+              <a:t>Отчеты</a:t>
+            </a:r>
+            <a:endParaRPr lang="ru-RU" dirty="0"/>
+          </a:p>
+        </p:txBody>
+      </p:sp>
+      <p:sp>
+        <p:nvSpPr>
+          <p:cNvPr id="8" name="Прямоугольник 7"/>
+          <p:cNvSpPr/>
+          <p:nvPr/>
+        </p:nvSpPr>
+        <p:spPr>
+          <a:xfrm>
+            <a:off x="2552192" y="4005064"/>
+            <a:ext cx="1188132" cy="720080"/>
+          </a:xfrm>
+          <a:prstGeom prst="rect">
+            <a:avLst/>
+          </a:prstGeom>
+        </p:spPr>
+        <p:style>
+          <a:lnRef idx="2">
+            <a:schemeClr val="accent1">
+              <a:shade val="50000"/>
+            </a:schemeClr>
+          </a:lnRef>
+          <a:fillRef idx="1">
+            <a:schemeClr val="accent1"/>
+          </a:fillRef>
+          <a:effectRef idx="0">
+            <a:schemeClr val="accent1"/>
+          </a:effectRef>
+          <a:fontRef idx="minor">
+            <a:schemeClr val="lt1"/>
+          </a:fontRef>
+        </p:style>
+        <p:txBody>
+          <a:bodyPr rtlCol="0" anchor="ctr"/>
+          <a:lstStyle/>
+          <a:p>
+            <a:pPr algn="ctr"/>
+            <a:r>
+              <a:rPr lang="ru-RU" dirty="0" smtClean="0"/>
+              <a:t>Кредитки</a:t>
+            </a:r>
+            <a:endParaRPr lang="ru-RU" dirty="0"/>
+          </a:p>
+        </p:txBody>
+      </p:sp>
+      <p:sp>
+        <p:nvSpPr>
+          <p:cNvPr id="9" name="Прямоугольник 8"/>
+          <p:cNvSpPr/>
+          <p:nvPr/>
+        </p:nvSpPr>
+        <p:spPr>
+          <a:xfrm>
+            <a:off x="4135967" y="3140968"/>
+            <a:ext cx="1080120" cy="774576"/>
+          </a:xfrm>
+          <a:prstGeom prst="rect">
+            <a:avLst/>
+          </a:prstGeom>
+        </p:spPr>
+        <p:style>
+          <a:lnRef idx="2">
+            <a:schemeClr val="accent1">
+              <a:shade val="50000"/>
+            </a:schemeClr>
+          </a:lnRef>
+          <a:fillRef idx="1">
+            <a:schemeClr val="accent1"/>
+          </a:fillRef>
+          <a:effectRef idx="0">
+            <a:schemeClr val="accent1"/>
+          </a:effectRef>
+          <a:fontRef idx="minor">
+            <a:schemeClr val="lt1"/>
+          </a:fontRef>
+        </p:style>
+        <p:txBody>
+          <a:bodyPr rtlCol="0" anchor="ctr"/>
+          <a:lstStyle/>
+          <a:p>
+            <a:pPr algn="ctr"/>
+            <a:r>
+              <a:rPr lang="ru-RU" dirty="0" smtClean="0"/>
+              <a:t>Скидки</a:t>
+            </a:r>
+            <a:endParaRPr lang="ru-RU" dirty="0"/>
+          </a:p>
+        </p:txBody>
+      </p:sp>
+      <p:sp>
+        <p:nvSpPr>
+          <p:cNvPr id="10" name="Прямоугольник 9"/>
+          <p:cNvSpPr/>
+          <p:nvPr/>
+        </p:nvSpPr>
+        <p:spPr>
+          <a:xfrm>
+            <a:off x="2543560" y="3140968"/>
+            <a:ext cx="1503784" cy="774576"/>
+          </a:xfrm>
+          <a:prstGeom prst="rect">
+            <a:avLst/>
+          </a:prstGeom>
+        </p:spPr>
+        <p:style>
+          <a:lnRef idx="2">
+            <a:schemeClr val="accent1">
+              <a:shade val="50000"/>
+            </a:schemeClr>
+          </a:lnRef>
+          <a:fillRef idx="1">
+            <a:schemeClr val="accent1"/>
+          </a:fillRef>
+          <a:effectRef idx="0">
+            <a:schemeClr val="accent1"/>
+          </a:effectRef>
+          <a:fontRef idx="minor">
+            <a:schemeClr val="lt1"/>
+          </a:fontRef>
+        </p:style>
+        <p:txBody>
+          <a:bodyPr rtlCol="0" anchor="ctr"/>
+          <a:lstStyle/>
+          <a:p>
+            <a:pPr algn="ctr"/>
+            <a:r>
+              <a:rPr lang="ru-RU" dirty="0" smtClean="0"/>
+              <a:t>Справочники Издателей</a:t>
             </a:r>
             <a:endParaRPr lang="ru-RU" dirty="0"/>
           </a:p>
@@ -4217,20 +5835,13 @@
     </p:spTree>
     <p:extLst>
       <p:ext uri="{BB962C8B-B14F-4D97-AF65-F5344CB8AC3E}">
-        <p14:creationId xmlns:p14="http://schemas.microsoft.com/office/powerpoint/2010/main" val="1221449566"/>
+        <p14:creationId xmlns:p14="http://schemas.microsoft.com/office/powerpoint/2010/main" val="2068003828"/>
       </p:ext>
     </p:extLst>
   </p:cSld>
   <p:clrMapOvr>
     <a:masterClrMapping/>
   </p:clrMapOvr>
-  <p:timing>
-    <p:tnLst>
-      <p:par>
-        <p:cTn id="1" dur="indefinite" restart="never" nodeType="tmRoot"/>
-      </p:par>
-    </p:tnLst>
-  </p:timing>
 </p:sld>
 </file>
 
@@ -4253,6 +5864,94 @@
       </p:grpSpPr>
       <p:sp>
         <p:nvSpPr>
+          <p:cNvPr id="11" name="Прямоугольник 10"/>
+          <p:cNvSpPr/>
+          <p:nvPr/>
+        </p:nvSpPr>
+        <p:spPr>
+          <a:xfrm>
+            <a:off x="727500" y="1241140"/>
+            <a:ext cx="7732931" cy="4564124"/>
+          </a:xfrm>
+          <a:prstGeom prst="rect">
+            <a:avLst/>
+          </a:prstGeom>
+        </p:spPr>
+        <p:style>
+          <a:lnRef idx="2">
+            <a:schemeClr val="accent4">
+              <a:shade val="50000"/>
+            </a:schemeClr>
+          </a:lnRef>
+          <a:fillRef idx="1">
+            <a:schemeClr val="accent4"/>
+          </a:fillRef>
+          <a:effectRef idx="0">
+            <a:schemeClr val="accent4"/>
+          </a:effectRef>
+          <a:fontRef idx="minor">
+            <a:schemeClr val="lt1"/>
+          </a:fontRef>
+        </p:style>
+        <p:txBody>
+          <a:bodyPr rtlCol="0" anchor="b"/>
+          <a:lstStyle/>
+          <a:p>
+            <a:pPr algn="ctr"/>
+            <a:r>
+              <a:rPr lang="en-US" sz="4000" dirty="0" smtClean="0"/>
+              <a:t>copyright.com</a:t>
+            </a:r>
+            <a:endParaRPr lang="ru-RU" sz="4000" dirty="0"/>
+          </a:p>
+        </p:txBody>
+      </p:sp>
+      <p:sp>
+        <p:nvSpPr>
+          <p:cNvPr id="7" name="Прямоугольник 6"/>
+          <p:cNvSpPr/>
+          <p:nvPr/>
+        </p:nvSpPr>
+        <p:spPr>
+          <a:xfrm>
+            <a:off x="2234705" y="3012161"/>
+            <a:ext cx="1188338" cy="704871"/>
+          </a:xfrm>
+          <a:prstGeom prst="rect">
+            <a:avLst/>
+          </a:prstGeom>
+        </p:spPr>
+        <p:style>
+          <a:lnRef idx="2">
+            <a:schemeClr val="accent6">
+              <a:shade val="50000"/>
+            </a:schemeClr>
+          </a:lnRef>
+          <a:fillRef idx="1">
+            <a:schemeClr val="accent6"/>
+          </a:fillRef>
+          <a:effectRef idx="0">
+            <a:schemeClr val="accent6"/>
+          </a:effectRef>
+          <a:fontRef idx="minor">
+            <a:schemeClr val="lt1"/>
+          </a:fontRef>
+        </p:style>
+        <p:txBody>
+          <a:bodyPr rtlCol="0" anchor="b"/>
+          <a:lstStyle/>
+          <a:p>
+            <a:pPr algn="ctr"/>
+            <a:r>
+              <a:rPr lang="en-US" sz="4000" dirty="0" smtClean="0"/>
+              <a:t>ROA</a:t>
+            </a:r>
+            <a:endParaRPr lang="ru-RU" sz="4000" dirty="0"/>
+          </a:p>
+        </p:txBody>
+      </p:sp>
+      <p:sp>
+        <p:nvSpPr>
           <p:cNvPr id="2" name="Заголовок 1"/>
           <p:cNvSpPr>
             <a:spLocks noGrp="1"/>
@@ -4267,12 +5966,8 @@
           <a:lstStyle/>
           <a:p>
             <a:r>
-              <a:rPr lang="en-US" dirty="0" err="1" smtClean="0"/>
-              <a:t>Microservices</a:t>
-            </a:r>
-            <a:r>
-              <a:rPr lang="en-US" dirty="0" smtClean="0"/>
-              <a:t> Design</a:t>
+              <a:rPr lang="ru-RU" dirty="0" err="1" smtClean="0"/>
+              <a:t>СуперМонолит</a:t>
             </a:r>
             <a:endParaRPr lang="ru-RU" dirty="0"/>
           </a:p>
@@ -4280,112 +5975,402 @@
       </p:sp>
       <p:sp>
         <p:nvSpPr>
-          <p:cNvPr id="3" name="Объект 2"/>
-          <p:cNvSpPr>
-            <a:spLocks noGrp="1"/>
-          </p:cNvSpPr>
-          <p:nvPr>
-            <p:ph idx="1"/>
-          </p:nvPr>
-        </p:nvSpPr>
-        <p:spPr/>
-        <p:txBody>
-          <a:bodyPr>
-            <a:normAutofit fontScale="85000" lnSpcReduction="20000"/>
-          </a:bodyPr>
-          <a:lstStyle/>
-          <a:p>
-            <a:r>
-              <a:rPr lang="en-US" dirty="0" smtClean="0"/>
-              <a:t>Interaction Protocol</a:t>
-            </a:r>
-          </a:p>
-          <a:p>
-            <a:pPr lvl="1"/>
-            <a:r>
-              <a:rPr lang="en-US" dirty="0" smtClean="0"/>
-              <a:t>REST</a:t>
-            </a:r>
-          </a:p>
-          <a:p>
-            <a:pPr lvl="1"/>
-            <a:r>
-              <a:rPr lang="en-US" dirty="0" smtClean="0"/>
-              <a:t>Messaging </a:t>
-            </a:r>
-          </a:p>
-          <a:p>
-            <a:pPr lvl="2"/>
-            <a:r>
-              <a:rPr lang="en-US" dirty="0" smtClean="0"/>
-              <a:t>JMS</a:t>
-            </a:r>
-          </a:p>
-          <a:p>
-            <a:r>
-              <a:rPr lang="en-US" dirty="0" smtClean="0"/>
-              <a:t>Compatibility</a:t>
-            </a:r>
-          </a:p>
-          <a:p>
-            <a:pPr lvl="1"/>
-            <a:r>
-              <a:rPr lang="en-US" dirty="0" smtClean="0"/>
-              <a:t>Trying to keep</a:t>
-            </a:r>
-          </a:p>
-          <a:p>
-            <a:pPr lvl="1"/>
-            <a:r>
-              <a:rPr lang="en-US" dirty="0" smtClean="0"/>
-              <a:t>Versioning system (different)</a:t>
-            </a:r>
-          </a:p>
-          <a:p>
-            <a:r>
-              <a:rPr lang="en-US" dirty="0" smtClean="0"/>
-              <a:t>Documentation</a:t>
-            </a:r>
-          </a:p>
-          <a:p>
-            <a:pPr lvl="1"/>
-            <a:r>
-              <a:rPr lang="en-US" dirty="0" smtClean="0"/>
-              <a:t>Should be thorough (word)</a:t>
-            </a:r>
-          </a:p>
-          <a:p>
-            <a:r>
-              <a:rPr lang="en-US" dirty="0" smtClean="0"/>
-              <a:t>Stateless</a:t>
-            </a:r>
-          </a:p>
-          <a:p>
-            <a:r>
-              <a:rPr lang="en-US" dirty="0" smtClean="0"/>
-              <a:t>Decentralized Data</a:t>
+          <p:cNvPr id="4" name="Прямоугольник 3"/>
+          <p:cNvSpPr/>
+          <p:nvPr/>
+        </p:nvSpPr>
+        <p:spPr>
+          <a:xfrm>
+            <a:off x="935803" y="1368388"/>
+            <a:ext cx="1080120" cy="677251"/>
+          </a:xfrm>
+          <a:prstGeom prst="rect">
+            <a:avLst/>
+          </a:prstGeom>
+        </p:spPr>
+        <p:style>
+          <a:lnRef idx="2">
+            <a:schemeClr val="accent1">
+              <a:shade val="50000"/>
+            </a:schemeClr>
+          </a:lnRef>
+          <a:fillRef idx="1">
+            <a:schemeClr val="accent1"/>
+          </a:fillRef>
+          <a:effectRef idx="0">
+            <a:schemeClr val="accent1"/>
+          </a:effectRef>
+          <a:fontRef idx="minor">
+            <a:schemeClr val="lt1"/>
+          </a:fontRef>
+        </p:style>
+        <p:txBody>
+          <a:bodyPr rtlCol="0" anchor="ctr"/>
+          <a:lstStyle/>
+          <a:p>
+            <a:pPr algn="ctr"/>
+            <a:r>
+              <a:rPr lang="ru-RU" dirty="0" smtClean="0"/>
+              <a:t>Налоги</a:t>
             </a:r>
             <a:endParaRPr lang="ru-RU" dirty="0"/>
+          </a:p>
+        </p:txBody>
+      </p:sp>
+      <p:sp>
+        <p:nvSpPr>
+          <p:cNvPr id="5" name="Прямоугольник 4"/>
+          <p:cNvSpPr/>
+          <p:nvPr/>
+        </p:nvSpPr>
+        <p:spPr>
+          <a:xfrm>
+            <a:off x="2168170" y="1380799"/>
+            <a:ext cx="1152128" cy="664840"/>
+          </a:xfrm>
+          <a:prstGeom prst="rect">
+            <a:avLst/>
+          </a:prstGeom>
+        </p:spPr>
+        <p:style>
+          <a:lnRef idx="2">
+            <a:schemeClr val="accent1">
+              <a:shade val="50000"/>
+            </a:schemeClr>
+          </a:lnRef>
+          <a:fillRef idx="1">
+            <a:schemeClr val="accent1"/>
+          </a:fillRef>
+          <a:effectRef idx="0">
+            <a:schemeClr val="accent1"/>
+          </a:effectRef>
+          <a:fontRef idx="minor">
+            <a:schemeClr val="lt1"/>
+          </a:fontRef>
+        </p:style>
+        <p:txBody>
+          <a:bodyPr rtlCol="0" anchor="ctr"/>
+          <a:lstStyle/>
+          <a:p>
+            <a:pPr algn="ctr"/>
+            <a:r>
+              <a:rPr lang="en-US" dirty="0" smtClean="0"/>
+              <a:t>Emailing</a:t>
+            </a:r>
+            <a:endParaRPr lang="ru-RU" dirty="0"/>
+          </a:p>
+        </p:txBody>
+      </p:sp>
+      <p:sp>
+        <p:nvSpPr>
+          <p:cNvPr id="6" name="Прямоугольник 5"/>
+          <p:cNvSpPr/>
+          <p:nvPr/>
+        </p:nvSpPr>
+        <p:spPr>
+          <a:xfrm>
+            <a:off x="3423043" y="1380799"/>
+            <a:ext cx="1008112" cy="664840"/>
+          </a:xfrm>
+          <a:prstGeom prst="rect">
+            <a:avLst/>
+          </a:prstGeom>
+        </p:spPr>
+        <p:style>
+          <a:lnRef idx="2">
+            <a:schemeClr val="accent1">
+              <a:shade val="50000"/>
+            </a:schemeClr>
+          </a:lnRef>
+          <a:fillRef idx="1">
+            <a:schemeClr val="accent1"/>
+          </a:fillRef>
+          <a:effectRef idx="0">
+            <a:schemeClr val="accent1"/>
+          </a:effectRef>
+          <a:fontRef idx="minor">
+            <a:schemeClr val="lt1"/>
+          </a:fontRef>
+        </p:style>
+        <p:txBody>
+          <a:bodyPr rtlCol="0" anchor="ctr"/>
+          <a:lstStyle/>
+          <a:p>
+            <a:pPr algn="ctr"/>
+            <a:r>
+              <a:rPr lang="ru-RU" dirty="0" smtClean="0"/>
+              <a:t>Отчеты</a:t>
+            </a:r>
+            <a:endParaRPr lang="ru-RU" dirty="0"/>
+          </a:p>
+        </p:txBody>
+      </p:sp>
+      <p:sp>
+        <p:nvSpPr>
+          <p:cNvPr id="8" name="Прямоугольник 7"/>
+          <p:cNvSpPr/>
+          <p:nvPr/>
+        </p:nvSpPr>
+        <p:spPr>
+          <a:xfrm>
+            <a:off x="944435" y="2996952"/>
+            <a:ext cx="1188132" cy="720080"/>
+          </a:xfrm>
+          <a:prstGeom prst="rect">
+            <a:avLst/>
+          </a:prstGeom>
+        </p:spPr>
+        <p:style>
+          <a:lnRef idx="2">
+            <a:schemeClr val="accent1">
+              <a:shade val="50000"/>
+            </a:schemeClr>
+          </a:lnRef>
+          <a:fillRef idx="1">
+            <a:schemeClr val="accent1"/>
+          </a:fillRef>
+          <a:effectRef idx="0">
+            <a:schemeClr val="accent1"/>
+          </a:effectRef>
+          <a:fontRef idx="minor">
+            <a:schemeClr val="lt1"/>
+          </a:fontRef>
+        </p:style>
+        <p:txBody>
+          <a:bodyPr rtlCol="0" anchor="ctr"/>
+          <a:lstStyle/>
+          <a:p>
+            <a:pPr algn="ctr"/>
+            <a:r>
+              <a:rPr lang="ru-RU" dirty="0" smtClean="0"/>
+              <a:t>Кредитки</a:t>
+            </a:r>
+            <a:endParaRPr lang="ru-RU" dirty="0"/>
+          </a:p>
+        </p:txBody>
+      </p:sp>
+      <p:sp>
+        <p:nvSpPr>
+          <p:cNvPr id="9" name="Прямоугольник 8"/>
+          <p:cNvSpPr/>
+          <p:nvPr/>
+        </p:nvSpPr>
+        <p:spPr>
+          <a:xfrm>
+            <a:off x="2528210" y="2132856"/>
+            <a:ext cx="1080120" cy="774576"/>
+          </a:xfrm>
+          <a:prstGeom prst="rect">
+            <a:avLst/>
+          </a:prstGeom>
+        </p:spPr>
+        <p:style>
+          <a:lnRef idx="2">
+            <a:schemeClr val="accent1">
+              <a:shade val="50000"/>
+            </a:schemeClr>
+          </a:lnRef>
+          <a:fillRef idx="1">
+            <a:schemeClr val="accent1"/>
+          </a:fillRef>
+          <a:effectRef idx="0">
+            <a:schemeClr val="accent1"/>
+          </a:effectRef>
+          <a:fontRef idx="minor">
+            <a:schemeClr val="lt1"/>
+          </a:fontRef>
+        </p:style>
+        <p:txBody>
+          <a:bodyPr rtlCol="0" anchor="ctr"/>
+          <a:lstStyle/>
+          <a:p>
+            <a:pPr algn="ctr"/>
+            <a:r>
+              <a:rPr lang="ru-RU" dirty="0" smtClean="0"/>
+              <a:t>Скидки</a:t>
+            </a:r>
+            <a:endParaRPr lang="ru-RU" dirty="0"/>
+          </a:p>
+        </p:txBody>
+      </p:sp>
+      <p:sp>
+        <p:nvSpPr>
+          <p:cNvPr id="10" name="Прямоугольник 9"/>
+          <p:cNvSpPr/>
+          <p:nvPr/>
+        </p:nvSpPr>
+        <p:spPr>
+          <a:xfrm>
+            <a:off x="935803" y="2132856"/>
+            <a:ext cx="1503784" cy="774576"/>
+          </a:xfrm>
+          <a:prstGeom prst="rect">
+            <a:avLst/>
+          </a:prstGeom>
+        </p:spPr>
+        <p:style>
+          <a:lnRef idx="2">
+            <a:schemeClr val="accent1">
+              <a:shade val="50000"/>
+            </a:schemeClr>
+          </a:lnRef>
+          <a:fillRef idx="1">
+            <a:schemeClr val="accent1"/>
+          </a:fillRef>
+          <a:effectRef idx="0">
+            <a:schemeClr val="accent1"/>
+          </a:effectRef>
+          <a:fontRef idx="minor">
+            <a:schemeClr val="lt1"/>
+          </a:fontRef>
+        </p:style>
+        <p:txBody>
+          <a:bodyPr rtlCol="0" anchor="ctr"/>
+          <a:lstStyle/>
+          <a:p>
+            <a:pPr algn="ctr"/>
+            <a:r>
+              <a:rPr lang="ru-RU" dirty="0" smtClean="0"/>
+              <a:t>Справочники Издателей</a:t>
+            </a:r>
+            <a:endParaRPr lang="ru-RU" dirty="0"/>
+          </a:p>
+        </p:txBody>
+      </p:sp>
+      <p:sp>
+        <p:nvSpPr>
+          <p:cNvPr id="12" name="Прямоугольник 11"/>
+          <p:cNvSpPr/>
+          <p:nvPr/>
+        </p:nvSpPr>
+        <p:spPr>
+          <a:xfrm>
+            <a:off x="5004048" y="1336163"/>
+            <a:ext cx="3312368" cy="2520280"/>
+          </a:xfrm>
+          <a:prstGeom prst="rect">
+            <a:avLst/>
+          </a:prstGeom>
+        </p:spPr>
+        <p:style>
+          <a:lnRef idx="2">
+            <a:schemeClr val="accent6">
+              <a:shade val="50000"/>
+            </a:schemeClr>
+          </a:lnRef>
+          <a:fillRef idx="1">
+            <a:schemeClr val="accent6"/>
+          </a:fillRef>
+          <a:effectRef idx="0">
+            <a:schemeClr val="accent6"/>
+          </a:effectRef>
+          <a:fontRef idx="minor">
+            <a:schemeClr val="lt1"/>
+          </a:fontRef>
+        </p:style>
+        <p:txBody>
+          <a:bodyPr rtlCol="0" anchor="b"/>
+          <a:lstStyle/>
+          <a:p>
+            <a:pPr algn="ctr"/>
+            <a:r>
+              <a:rPr lang="ru-RU" sz="4000" dirty="0" smtClean="0"/>
+              <a:t>Кто-то еще</a:t>
+            </a:r>
+            <a:endParaRPr lang="ru-RU" sz="4000" dirty="0"/>
+          </a:p>
+        </p:txBody>
+      </p:sp>
+      <p:sp>
+        <p:nvSpPr>
+          <p:cNvPr id="13" name="Прямоугольник 12"/>
+          <p:cNvSpPr/>
+          <p:nvPr/>
+        </p:nvSpPr>
+        <p:spPr>
+          <a:xfrm>
+            <a:off x="3491880" y="3012161"/>
+            <a:ext cx="1224136" cy="720080"/>
+          </a:xfrm>
+          <a:prstGeom prst="rect">
+            <a:avLst/>
+          </a:prstGeom>
+        </p:spPr>
+        <p:style>
+          <a:lnRef idx="2">
+            <a:schemeClr val="accent6">
+              <a:shade val="50000"/>
+            </a:schemeClr>
+          </a:lnRef>
+          <a:fillRef idx="1">
+            <a:schemeClr val="accent6"/>
+          </a:fillRef>
+          <a:effectRef idx="0">
+            <a:schemeClr val="accent6"/>
+          </a:effectRef>
+          <a:fontRef idx="minor">
+            <a:schemeClr val="lt1"/>
+          </a:fontRef>
+        </p:style>
+        <p:txBody>
+          <a:bodyPr rtlCol="0" anchor="b"/>
+          <a:lstStyle/>
+          <a:p>
+            <a:pPr algn="ctr"/>
+            <a:endParaRPr lang="ru-RU" sz="4000" dirty="0"/>
+          </a:p>
+        </p:txBody>
+      </p:sp>
+      <p:sp>
+        <p:nvSpPr>
+          <p:cNvPr id="14" name="Прямоугольник 13"/>
+          <p:cNvSpPr/>
+          <p:nvPr/>
+        </p:nvSpPr>
+        <p:spPr>
+          <a:xfrm>
+            <a:off x="3648472" y="2132856"/>
+            <a:ext cx="1224136" cy="774576"/>
+          </a:xfrm>
+          <a:prstGeom prst="rect">
+            <a:avLst/>
+          </a:prstGeom>
+        </p:spPr>
+        <p:style>
+          <a:lnRef idx="2">
+            <a:schemeClr val="accent6">
+              <a:shade val="50000"/>
+            </a:schemeClr>
+          </a:lnRef>
+          <a:fillRef idx="1">
+            <a:schemeClr val="accent6"/>
+          </a:fillRef>
+          <a:effectRef idx="0">
+            <a:schemeClr val="accent6"/>
+          </a:effectRef>
+          <a:fontRef idx="minor">
+            <a:schemeClr val="lt1"/>
+          </a:fontRef>
+        </p:style>
+        <p:txBody>
+          <a:bodyPr rtlCol="0" anchor="b"/>
+          <a:lstStyle/>
+          <a:p>
+            <a:pPr algn="ctr"/>
+            <a:endParaRPr lang="ru-RU" sz="4000" dirty="0"/>
           </a:p>
         </p:txBody>
       </p:sp>
     </p:spTree>
     <p:extLst>
       <p:ext uri="{BB962C8B-B14F-4D97-AF65-F5344CB8AC3E}">
-        <p14:creationId xmlns:p14="http://schemas.microsoft.com/office/powerpoint/2010/main" val="3153769468"/>
+        <p14:creationId xmlns:p14="http://schemas.microsoft.com/office/powerpoint/2010/main" val="1726718859"/>
       </p:ext>
     </p:extLst>
   </p:cSld>
   <p:clrMapOvr>
     <a:masterClrMapping/>
   </p:clrMapOvr>
-  <p:timing>
-    <p:tnLst>
-      <p:par>
-        <p:cTn id="1" dur="indefinite" restart="never" nodeType="tmRoot"/>
-      </p:par>
-    </p:tnLst>
-  </p:timing>
 </p:sld>
 </file>
 
@@ -4427,95 +6412,604 @@
       </p:sp>
       <p:sp>
         <p:nvSpPr>
-          <p:cNvPr id="3" name="Объект 2"/>
-          <p:cNvSpPr>
-            <a:spLocks noGrp="1"/>
-          </p:cNvSpPr>
-          <p:nvPr>
-            <p:ph idx="1"/>
-          </p:nvPr>
-        </p:nvSpPr>
-        <p:spPr/>
-        <p:txBody>
-          <a:bodyPr/>
-          <a:lstStyle/>
-          <a:p>
-            <a:pPr marL="0" indent="0">
-              <a:buNone/>
-            </a:pPr>
-            <a:r>
-              <a:rPr lang="en-US" u="sng" dirty="0"/>
-              <a:t>Decentralized </a:t>
-            </a:r>
-            <a:r>
-              <a:rPr lang="en-US" u="sng" dirty="0" smtClean="0"/>
-              <a:t>Governance</a:t>
-            </a:r>
-          </a:p>
-          <a:p>
-            <a:pPr marL="0" indent="0">
-              <a:buNone/>
-            </a:pPr>
-            <a:r>
-              <a:rPr lang="en-US" dirty="0" smtClean="0"/>
-              <a:t> - Different technologies for different purposes</a:t>
-            </a:r>
-          </a:p>
-          <a:p>
-            <a:pPr marL="0" indent="0">
-              <a:buNone/>
-            </a:pPr>
-            <a:r>
-              <a:rPr lang="en-US" dirty="0"/>
-              <a:t>	</a:t>
-            </a:r>
-            <a:r>
-              <a:rPr lang="en-US" dirty="0" smtClean="0"/>
-              <a:t>- Different Frameworks/Storages</a:t>
-            </a:r>
-          </a:p>
-          <a:p>
-            <a:pPr marL="0" indent="0">
-              <a:buNone/>
-            </a:pPr>
-            <a:r>
-              <a:rPr lang="en-US" dirty="0"/>
-              <a:t>	</a:t>
-            </a:r>
-            <a:r>
-              <a:rPr lang="en-US" dirty="0" smtClean="0"/>
-              <a:t>	- Mongo/</a:t>
-            </a:r>
-            <a:r>
-              <a:rPr lang="en-US" dirty="0" err="1" smtClean="0"/>
-              <a:t>Postgres</a:t>
-            </a:r>
-            <a:r>
-              <a:rPr lang="en-US" dirty="0" smtClean="0"/>
-              <a:t>/</a:t>
-            </a:r>
-            <a:r>
-              <a:rPr lang="en-US" dirty="0" err="1" smtClean="0"/>
-              <a:t>Lucene</a:t>
-            </a:r>
-            <a:endParaRPr lang="en-US" dirty="0" smtClean="0"/>
-          </a:p>
-          <a:p>
-            <a:pPr marL="0" indent="0">
-              <a:buNone/>
-            </a:pPr>
-            <a:r>
-              <a:rPr lang="en-US" dirty="0" smtClean="0"/>
-              <a:t>- But still have one platform/standards/libs</a:t>
+          <p:cNvPr id="4" name="Прямоугольник 3"/>
+          <p:cNvSpPr/>
+          <p:nvPr/>
+        </p:nvSpPr>
+        <p:spPr>
+          <a:xfrm>
+            <a:off x="1211867" y="1986945"/>
+            <a:ext cx="1080120" cy="720080"/>
+          </a:xfrm>
+          <a:prstGeom prst="rect">
+            <a:avLst/>
+          </a:prstGeom>
+        </p:spPr>
+        <p:style>
+          <a:lnRef idx="2">
+            <a:schemeClr val="accent1">
+              <a:shade val="50000"/>
+            </a:schemeClr>
+          </a:lnRef>
+          <a:fillRef idx="1">
+            <a:schemeClr val="accent1"/>
+          </a:fillRef>
+          <a:effectRef idx="0">
+            <a:schemeClr val="accent1"/>
+          </a:effectRef>
+          <a:fontRef idx="minor">
+            <a:schemeClr val="lt1"/>
+          </a:fontRef>
+        </p:style>
+        <p:txBody>
+          <a:bodyPr rtlCol="0" anchor="ctr"/>
+          <a:lstStyle/>
+          <a:p>
+            <a:pPr algn="ctr"/>
+            <a:r>
+              <a:rPr lang="ru-RU" dirty="0" smtClean="0"/>
+              <a:t>Налоги</a:t>
             </a:r>
             <a:endParaRPr lang="ru-RU" dirty="0"/>
           </a:p>
         </p:txBody>
       </p:sp>
+      <p:sp>
+        <p:nvSpPr>
+          <p:cNvPr id="5" name="Прямоугольник 4"/>
+          <p:cNvSpPr/>
+          <p:nvPr/>
+        </p:nvSpPr>
+        <p:spPr>
+          <a:xfrm>
+            <a:off x="6199419" y="2329550"/>
+            <a:ext cx="1152128" cy="664840"/>
+          </a:xfrm>
+          <a:prstGeom prst="rect">
+            <a:avLst/>
+          </a:prstGeom>
+        </p:spPr>
+        <p:style>
+          <a:lnRef idx="2">
+            <a:schemeClr val="accent1">
+              <a:shade val="50000"/>
+            </a:schemeClr>
+          </a:lnRef>
+          <a:fillRef idx="1">
+            <a:schemeClr val="accent1"/>
+          </a:fillRef>
+          <a:effectRef idx="0">
+            <a:schemeClr val="accent1"/>
+          </a:effectRef>
+          <a:fontRef idx="minor">
+            <a:schemeClr val="lt1"/>
+          </a:fontRef>
+        </p:style>
+        <p:txBody>
+          <a:bodyPr rtlCol="0" anchor="ctr"/>
+          <a:lstStyle/>
+          <a:p>
+            <a:pPr algn="ctr"/>
+            <a:r>
+              <a:rPr lang="en-US" dirty="0" smtClean="0"/>
+              <a:t>Emailing</a:t>
+            </a:r>
+            <a:endParaRPr lang="ru-RU" dirty="0"/>
+          </a:p>
+        </p:txBody>
+      </p:sp>
+      <p:sp>
+        <p:nvSpPr>
+          <p:cNvPr id="7" name="Прямоугольник 6"/>
+          <p:cNvSpPr/>
+          <p:nvPr/>
+        </p:nvSpPr>
+        <p:spPr>
+          <a:xfrm>
+            <a:off x="6156176" y="3717032"/>
+            <a:ext cx="1008112" cy="648072"/>
+          </a:xfrm>
+          <a:prstGeom prst="rect">
+            <a:avLst/>
+          </a:prstGeom>
+        </p:spPr>
+        <p:style>
+          <a:lnRef idx="2">
+            <a:schemeClr val="accent1">
+              <a:shade val="50000"/>
+            </a:schemeClr>
+          </a:lnRef>
+          <a:fillRef idx="1">
+            <a:schemeClr val="accent1"/>
+          </a:fillRef>
+          <a:effectRef idx="0">
+            <a:schemeClr val="accent1"/>
+          </a:effectRef>
+          <a:fontRef idx="minor">
+            <a:schemeClr val="lt1"/>
+          </a:fontRef>
+        </p:style>
+        <p:txBody>
+          <a:bodyPr rtlCol="0" anchor="ctr"/>
+          <a:lstStyle/>
+          <a:p>
+            <a:pPr algn="ctr"/>
+            <a:r>
+              <a:rPr lang="ru-RU" dirty="0" smtClean="0"/>
+              <a:t>Отчеты</a:t>
+            </a:r>
+            <a:endParaRPr lang="ru-RU" dirty="0"/>
+          </a:p>
+        </p:txBody>
+      </p:sp>
+      <p:sp>
+        <p:nvSpPr>
+          <p:cNvPr id="8" name="Прямоугольник 7"/>
+          <p:cNvSpPr/>
+          <p:nvPr/>
+        </p:nvSpPr>
+        <p:spPr>
+          <a:xfrm>
+            <a:off x="3477485" y="3109587"/>
+            <a:ext cx="1080120" cy="720080"/>
+          </a:xfrm>
+          <a:prstGeom prst="rect">
+            <a:avLst/>
+          </a:prstGeom>
+        </p:spPr>
+        <p:style>
+          <a:lnRef idx="2">
+            <a:schemeClr val="accent6">
+              <a:shade val="50000"/>
+            </a:schemeClr>
+          </a:lnRef>
+          <a:fillRef idx="1">
+            <a:schemeClr val="accent6"/>
+          </a:fillRef>
+          <a:effectRef idx="0">
+            <a:schemeClr val="accent6"/>
+          </a:effectRef>
+          <a:fontRef idx="minor">
+            <a:schemeClr val="lt1"/>
+          </a:fontRef>
+        </p:style>
+        <p:txBody>
+          <a:bodyPr rtlCol="0" anchor="ctr"/>
+          <a:lstStyle/>
+          <a:p>
+            <a:pPr algn="ctr"/>
+            <a:r>
+              <a:rPr lang="en-US" dirty="0" smtClean="0"/>
+              <a:t>ROA</a:t>
+            </a:r>
+            <a:endParaRPr lang="ru-RU" dirty="0"/>
+          </a:p>
+        </p:txBody>
+      </p:sp>
+      <p:sp>
+        <p:nvSpPr>
+          <p:cNvPr id="9" name="Прямоугольник 8"/>
+          <p:cNvSpPr/>
+          <p:nvPr/>
+        </p:nvSpPr>
+        <p:spPr>
+          <a:xfrm>
+            <a:off x="3423479" y="4715437"/>
+            <a:ext cx="1188132" cy="720080"/>
+          </a:xfrm>
+          <a:prstGeom prst="rect">
+            <a:avLst/>
+          </a:prstGeom>
+        </p:spPr>
+        <p:style>
+          <a:lnRef idx="2">
+            <a:schemeClr val="accent1">
+              <a:shade val="50000"/>
+            </a:schemeClr>
+          </a:lnRef>
+          <a:fillRef idx="1">
+            <a:schemeClr val="accent1"/>
+          </a:fillRef>
+          <a:effectRef idx="0">
+            <a:schemeClr val="accent1"/>
+          </a:effectRef>
+          <a:fontRef idx="minor">
+            <a:schemeClr val="lt1"/>
+          </a:fontRef>
+        </p:style>
+        <p:txBody>
+          <a:bodyPr rtlCol="0" anchor="ctr"/>
+          <a:lstStyle/>
+          <a:p>
+            <a:pPr algn="ctr"/>
+            <a:r>
+              <a:rPr lang="ru-RU" dirty="0" smtClean="0"/>
+              <a:t>Кредитки</a:t>
+            </a:r>
+            <a:endParaRPr lang="ru-RU" dirty="0"/>
+          </a:p>
+        </p:txBody>
+      </p:sp>
+      <p:sp>
+        <p:nvSpPr>
+          <p:cNvPr id="10" name="Прямоугольник 9"/>
+          <p:cNvSpPr/>
+          <p:nvPr/>
+        </p:nvSpPr>
+        <p:spPr>
+          <a:xfrm>
+            <a:off x="5508104" y="5057965"/>
+            <a:ext cx="1008112" cy="629580"/>
+          </a:xfrm>
+          <a:prstGeom prst="rect">
+            <a:avLst/>
+          </a:prstGeom>
+        </p:spPr>
+        <p:style>
+          <a:lnRef idx="2">
+            <a:schemeClr val="accent1">
+              <a:shade val="50000"/>
+            </a:schemeClr>
+          </a:lnRef>
+          <a:fillRef idx="1">
+            <a:schemeClr val="accent1"/>
+          </a:fillRef>
+          <a:effectRef idx="0">
+            <a:schemeClr val="accent1"/>
+          </a:effectRef>
+          <a:fontRef idx="minor">
+            <a:schemeClr val="lt1"/>
+          </a:fontRef>
+        </p:style>
+        <p:txBody>
+          <a:bodyPr rtlCol="0" anchor="ctr"/>
+          <a:lstStyle/>
+          <a:p>
+            <a:pPr algn="ctr"/>
+            <a:r>
+              <a:rPr lang="ru-RU" dirty="0" smtClean="0"/>
+              <a:t>Скидки</a:t>
+            </a:r>
+            <a:endParaRPr lang="ru-RU" dirty="0"/>
+          </a:p>
+        </p:txBody>
+      </p:sp>
+      <p:sp>
+        <p:nvSpPr>
+          <p:cNvPr id="11" name="Прямоугольник 10"/>
+          <p:cNvSpPr/>
+          <p:nvPr/>
+        </p:nvSpPr>
+        <p:spPr>
+          <a:xfrm>
+            <a:off x="3713899" y="1772816"/>
+            <a:ext cx="1503784" cy="720080"/>
+          </a:xfrm>
+          <a:prstGeom prst="rect">
+            <a:avLst/>
+          </a:prstGeom>
+        </p:spPr>
+        <p:style>
+          <a:lnRef idx="2">
+            <a:schemeClr val="accent1">
+              <a:shade val="50000"/>
+            </a:schemeClr>
+          </a:lnRef>
+          <a:fillRef idx="1">
+            <a:schemeClr val="accent1"/>
+          </a:fillRef>
+          <a:effectRef idx="0">
+            <a:schemeClr val="accent1"/>
+          </a:effectRef>
+          <a:fontRef idx="minor">
+            <a:schemeClr val="lt1"/>
+          </a:fontRef>
+        </p:style>
+        <p:txBody>
+          <a:bodyPr rtlCol="0" anchor="ctr"/>
+          <a:lstStyle/>
+          <a:p>
+            <a:pPr algn="ctr"/>
+            <a:r>
+              <a:rPr lang="ru-RU" dirty="0" smtClean="0"/>
+              <a:t>Справочники Издателей</a:t>
+            </a:r>
+            <a:endParaRPr lang="ru-RU" dirty="0"/>
+          </a:p>
+        </p:txBody>
+      </p:sp>
+      <p:cxnSp>
+        <p:nvCxnSpPr>
+          <p:cNvPr id="13" name="Прямая со стрелкой 12"/>
+          <p:cNvCxnSpPr>
+            <a:stCxn id="8" idx="0"/>
+            <a:endCxn id="11" idx="2"/>
+          </p:cNvCxnSpPr>
+          <p:nvPr/>
+        </p:nvCxnSpPr>
+        <p:spPr>
+          <a:xfrm flipV="1">
+            <a:off x="4017545" y="2492896"/>
+            <a:ext cx="448246" cy="616691"/>
+          </a:xfrm>
+          <a:prstGeom prst="straightConnector1">
+            <a:avLst/>
+          </a:prstGeom>
+          <a:ln>
+            <a:tailEnd type="arrow"/>
+          </a:ln>
+        </p:spPr>
+        <p:style>
+          <a:lnRef idx="1">
+            <a:schemeClr val="accent1"/>
+          </a:lnRef>
+          <a:fillRef idx="0">
+            <a:schemeClr val="accent1"/>
+          </a:fillRef>
+          <a:effectRef idx="0">
+            <a:schemeClr val="accent1"/>
+          </a:effectRef>
+          <a:fontRef idx="minor">
+            <a:schemeClr val="tx1"/>
+          </a:fontRef>
+        </p:style>
+      </p:cxnSp>
+      <p:cxnSp>
+        <p:nvCxnSpPr>
+          <p:cNvPr id="15" name="Прямая со стрелкой 14"/>
+          <p:cNvCxnSpPr>
+            <a:stCxn id="8" idx="3"/>
+            <a:endCxn id="7" idx="1"/>
+          </p:cNvCxnSpPr>
+          <p:nvPr/>
+        </p:nvCxnSpPr>
+        <p:spPr>
+          <a:xfrm>
+            <a:off x="4557605" y="3469627"/>
+            <a:ext cx="1598571" cy="571441"/>
+          </a:xfrm>
+          <a:prstGeom prst="straightConnector1">
+            <a:avLst/>
+          </a:prstGeom>
+          <a:ln>
+            <a:tailEnd type="arrow"/>
+          </a:ln>
+        </p:spPr>
+        <p:style>
+          <a:lnRef idx="1">
+            <a:schemeClr val="accent1"/>
+          </a:lnRef>
+          <a:fillRef idx="0">
+            <a:schemeClr val="accent1"/>
+          </a:fillRef>
+          <a:effectRef idx="0">
+            <a:schemeClr val="accent1"/>
+          </a:effectRef>
+          <a:fontRef idx="minor">
+            <a:schemeClr val="tx1"/>
+          </a:fontRef>
+        </p:style>
+      </p:cxnSp>
+      <p:cxnSp>
+        <p:nvCxnSpPr>
+          <p:cNvPr id="23" name="Прямая со стрелкой 22"/>
+          <p:cNvCxnSpPr>
+            <a:stCxn id="8" idx="2"/>
+            <a:endCxn id="9" idx="0"/>
+          </p:cNvCxnSpPr>
+          <p:nvPr/>
+        </p:nvCxnSpPr>
+        <p:spPr>
+          <a:xfrm>
+            <a:off x="4017545" y="3829667"/>
+            <a:ext cx="0" cy="885770"/>
+          </a:xfrm>
+          <a:prstGeom prst="straightConnector1">
+            <a:avLst/>
+          </a:prstGeom>
+          <a:ln>
+            <a:tailEnd type="arrow"/>
+          </a:ln>
+        </p:spPr>
+        <p:style>
+          <a:lnRef idx="1">
+            <a:schemeClr val="accent1"/>
+          </a:lnRef>
+          <a:fillRef idx="0">
+            <a:schemeClr val="accent1"/>
+          </a:fillRef>
+          <a:effectRef idx="0">
+            <a:schemeClr val="accent1"/>
+          </a:effectRef>
+          <a:fontRef idx="minor">
+            <a:schemeClr val="tx1"/>
+          </a:fontRef>
+        </p:style>
+      </p:cxnSp>
+      <p:cxnSp>
+        <p:nvCxnSpPr>
+          <p:cNvPr id="27" name="Прямая со стрелкой 26"/>
+          <p:cNvCxnSpPr>
+            <a:stCxn id="8" idx="0"/>
+            <a:endCxn id="5" idx="1"/>
+          </p:cNvCxnSpPr>
+          <p:nvPr/>
+        </p:nvCxnSpPr>
+        <p:spPr>
+          <a:xfrm flipV="1">
+            <a:off x="4017545" y="2661970"/>
+            <a:ext cx="2181874" cy="447617"/>
+          </a:xfrm>
+          <a:prstGeom prst="straightConnector1">
+            <a:avLst/>
+          </a:prstGeom>
+          <a:ln>
+            <a:tailEnd type="arrow"/>
+          </a:ln>
+        </p:spPr>
+        <p:style>
+          <a:lnRef idx="1">
+            <a:schemeClr val="accent1"/>
+          </a:lnRef>
+          <a:fillRef idx="0">
+            <a:schemeClr val="accent1"/>
+          </a:fillRef>
+          <a:effectRef idx="0">
+            <a:schemeClr val="accent1"/>
+          </a:effectRef>
+          <a:fontRef idx="minor">
+            <a:schemeClr val="tx1"/>
+          </a:fontRef>
+        </p:style>
+      </p:cxnSp>
+      <p:cxnSp>
+        <p:nvCxnSpPr>
+          <p:cNvPr id="29" name="Прямая со стрелкой 28"/>
+          <p:cNvCxnSpPr>
+            <a:stCxn id="8" idx="0"/>
+            <a:endCxn id="4" idx="3"/>
+          </p:cNvCxnSpPr>
+          <p:nvPr/>
+        </p:nvCxnSpPr>
+        <p:spPr>
+          <a:xfrm flipH="1" flipV="1">
+            <a:off x="2291987" y="2346985"/>
+            <a:ext cx="1725558" cy="762602"/>
+          </a:xfrm>
+          <a:prstGeom prst="straightConnector1">
+            <a:avLst/>
+          </a:prstGeom>
+          <a:ln>
+            <a:tailEnd type="arrow"/>
+          </a:ln>
+        </p:spPr>
+        <p:style>
+          <a:lnRef idx="1">
+            <a:schemeClr val="accent1"/>
+          </a:lnRef>
+          <a:fillRef idx="0">
+            <a:schemeClr val="accent1"/>
+          </a:fillRef>
+          <a:effectRef idx="0">
+            <a:schemeClr val="accent1"/>
+          </a:effectRef>
+          <a:fontRef idx="minor">
+            <a:schemeClr val="tx1"/>
+          </a:fontRef>
+        </p:style>
+      </p:cxnSp>
+      <p:cxnSp>
+        <p:nvCxnSpPr>
+          <p:cNvPr id="45" name="Прямая со стрелкой 44"/>
+          <p:cNvCxnSpPr>
+            <a:stCxn id="8" idx="2"/>
+            <a:endCxn id="10" idx="0"/>
+          </p:cNvCxnSpPr>
+          <p:nvPr/>
+        </p:nvCxnSpPr>
+        <p:spPr>
+          <a:xfrm>
+            <a:off x="4017545" y="3829667"/>
+            <a:ext cx="1994615" cy="1228298"/>
+          </a:xfrm>
+          <a:prstGeom prst="straightConnector1">
+            <a:avLst/>
+          </a:prstGeom>
+          <a:ln>
+            <a:tailEnd type="arrow"/>
+          </a:ln>
+        </p:spPr>
+        <p:style>
+          <a:lnRef idx="1">
+            <a:schemeClr val="accent1"/>
+          </a:lnRef>
+          <a:fillRef idx="0">
+            <a:schemeClr val="accent1"/>
+          </a:fillRef>
+          <a:effectRef idx="0">
+            <a:schemeClr val="accent1"/>
+          </a:effectRef>
+          <a:fontRef idx="minor">
+            <a:schemeClr val="tx1"/>
+          </a:fontRef>
+        </p:style>
+      </p:cxnSp>
+      <p:cxnSp>
+        <p:nvCxnSpPr>
+          <p:cNvPr id="49" name="Прямая со стрелкой 48"/>
+          <p:cNvCxnSpPr>
+            <a:stCxn id="7" idx="2"/>
+            <a:endCxn id="10" idx="0"/>
+          </p:cNvCxnSpPr>
+          <p:nvPr/>
+        </p:nvCxnSpPr>
+        <p:spPr>
+          <a:xfrm flipH="1">
+            <a:off x="6012160" y="4365104"/>
+            <a:ext cx="648072" cy="692861"/>
+          </a:xfrm>
+          <a:prstGeom prst="straightConnector1">
+            <a:avLst/>
+          </a:prstGeom>
+          <a:ln>
+            <a:tailEnd type="arrow"/>
+          </a:ln>
+        </p:spPr>
+        <p:style>
+          <a:lnRef idx="1">
+            <a:schemeClr val="accent1"/>
+          </a:lnRef>
+          <a:fillRef idx="0">
+            <a:schemeClr val="accent1"/>
+          </a:fillRef>
+          <a:effectRef idx="0">
+            <a:schemeClr val="accent1"/>
+          </a:effectRef>
+          <a:fontRef idx="minor">
+            <a:schemeClr val="tx1"/>
+          </a:fontRef>
+        </p:style>
+      </p:cxnSp>
+      <p:cxnSp>
+        <p:nvCxnSpPr>
+          <p:cNvPr id="51" name="Прямая со стрелкой 50"/>
+          <p:cNvCxnSpPr>
+            <a:stCxn id="4" idx="3"/>
+            <a:endCxn id="11" idx="1"/>
+          </p:cNvCxnSpPr>
+          <p:nvPr/>
+        </p:nvCxnSpPr>
+        <p:spPr>
+          <a:xfrm flipV="1">
+            <a:off x="2291987" y="2132856"/>
+            <a:ext cx="1421912" cy="214129"/>
+          </a:xfrm>
+          <a:prstGeom prst="straightConnector1">
+            <a:avLst/>
+          </a:prstGeom>
+          <a:ln>
+            <a:tailEnd type="arrow"/>
+          </a:ln>
+        </p:spPr>
+        <p:style>
+          <a:lnRef idx="1">
+            <a:schemeClr val="accent1"/>
+          </a:lnRef>
+          <a:fillRef idx="0">
+            <a:schemeClr val="accent1"/>
+          </a:fillRef>
+          <a:effectRef idx="0">
+            <a:schemeClr val="accent1"/>
+          </a:effectRef>
+          <a:fontRef idx="minor">
+            <a:schemeClr val="tx1"/>
+          </a:fontRef>
+        </p:style>
+      </p:cxnSp>
     </p:spTree>
     <p:extLst>
       <p:ext uri="{BB962C8B-B14F-4D97-AF65-F5344CB8AC3E}">
-        <p14:creationId xmlns:p14="http://schemas.microsoft.com/office/powerpoint/2010/main" val="1910416683"/>
+        <p14:creationId xmlns:p14="http://schemas.microsoft.com/office/powerpoint/2010/main" val="4029644176"/>
       </p:ext>
     </p:extLst>
   </p:cSld>
@@ -4557,11 +7051,7 @@
           <a:bodyPr/>
           <a:lstStyle/>
           <a:p>
-            <a:r>
-              <a:rPr lang="en-US" dirty="0" smtClean="0"/>
-              <a:t>Design</a:t>
-            </a:r>
-            <a:endParaRPr lang="ru-RU" dirty="0"/>
+            <a:endParaRPr lang="ru-RU"/>
           </a:p>
         </p:txBody>
       </p:sp>
@@ -4584,22 +7074,90 @@
               <a:buNone/>
             </a:pPr>
             <a:r>
-              <a:rPr lang="en-US" u="sng" dirty="0"/>
-              <a:t>Decentralized Data</a:t>
-            </a:r>
-            <a:endParaRPr lang="ru-RU" u="sng" dirty="0"/>
-          </a:p>
-          <a:p>
-            <a:endParaRPr lang="en-US" dirty="0" smtClean="0"/>
-          </a:p>
-          <a:p>
-            <a:r>
-              <a:rPr lang="en-US" dirty="0" smtClean="0"/>
-              <a:t>No </a:t>
-            </a:r>
-            <a:r>
-              <a:rPr lang="en-US" dirty="0" smtClean="0"/>
-              <a:t>access to DB of 3rd application</a:t>
+              <a:rPr lang="ru-RU" u="sng" dirty="0" err="1"/>
+              <a:t>Business</a:t>
+            </a:r>
+            <a:r>
+              <a:rPr lang="ru-RU" u="sng" dirty="0"/>
+              <a:t> </a:t>
+            </a:r>
+            <a:r>
+              <a:rPr lang="ru-RU" u="sng" dirty="0" err="1"/>
+              <a:t>Capabilities</a:t>
+            </a:r>
+            <a:r>
+              <a:rPr lang="ru-RU" u="sng" dirty="0"/>
+              <a:t> | Организация вокруг </a:t>
+            </a:r>
+            <a:r>
+              <a:rPr lang="ru-RU" u="sng" dirty="0" smtClean="0"/>
+              <a:t>потребностей бизнеса</a:t>
+            </a:r>
+            <a:endParaRPr lang="en-US" u="sng" dirty="0" smtClean="0"/>
+          </a:p>
+          <a:p>
+            <a:pPr marL="0" indent="0">
+              <a:buNone/>
+            </a:pPr>
+            <a:r>
+              <a:rPr lang="en-US" dirty="0" smtClean="0"/>
+              <a:t>- Different components implement different business needs</a:t>
+            </a:r>
+          </a:p>
+          <a:p>
+            <a:pPr marL="0" indent="0">
+              <a:buNone/>
+            </a:pPr>
+            <a:r>
+              <a:rPr lang="en-US" dirty="0"/>
+              <a:t>	</a:t>
+            </a:r>
+            <a:r>
+              <a:rPr lang="en-US" dirty="0" smtClean="0"/>
+              <a:t>- reporting</a:t>
+            </a:r>
+          </a:p>
+          <a:p>
+            <a:pPr marL="0" indent="0">
+              <a:buNone/>
+            </a:pPr>
+            <a:r>
+              <a:rPr lang="en-US" dirty="0"/>
+              <a:t>	</a:t>
+            </a:r>
+            <a:r>
+              <a:rPr lang="en-US" dirty="0" smtClean="0"/>
+              <a:t>- emailing</a:t>
+            </a:r>
+          </a:p>
+          <a:p>
+            <a:pPr marL="0" indent="0">
+              <a:buNone/>
+            </a:pPr>
+            <a:r>
+              <a:rPr lang="en-US" dirty="0"/>
+              <a:t>	</a:t>
+            </a:r>
+            <a:r>
+              <a:rPr lang="en-US" dirty="0" smtClean="0"/>
+              <a:t>- taxes</a:t>
+            </a:r>
+          </a:p>
+          <a:p>
+            <a:pPr marL="0" indent="0">
+              <a:buNone/>
+            </a:pPr>
+            <a:r>
+              <a:rPr lang="en-US" dirty="0"/>
+              <a:t>	</a:t>
+            </a:r>
+            <a:r>
+              <a:rPr lang="en-US" dirty="0" smtClean="0"/>
+              <a:t>- credit card </a:t>
+            </a:r>
+            <a:r>
+              <a:rPr lang="en-US" dirty="0" err="1" smtClean="0"/>
+              <a:t>mgmt</a:t>
             </a:r>
             <a:endParaRPr lang="ru-RU" dirty="0"/>
           </a:p>
@@ -4608,7 +7166,7 @@
     </p:spTree>
     <p:extLst>
       <p:ext uri="{BB962C8B-B14F-4D97-AF65-F5344CB8AC3E}">
-        <p14:creationId xmlns:p14="http://schemas.microsoft.com/office/powerpoint/2010/main" val="1361634447"/>
+        <p14:creationId xmlns:p14="http://schemas.microsoft.com/office/powerpoint/2010/main" val="2238289338"/>
       </p:ext>
     </p:extLst>
   </p:cSld>
@@ -4650,7 +7208,11 @@
           <a:bodyPr/>
           <a:lstStyle/>
           <a:p>
-            <a:endParaRPr lang="ru-RU"/>
+            <a:r>
+              <a:rPr lang="en-US" dirty="0" smtClean="0"/>
+              <a:t>Infrastructure</a:t>
+            </a:r>
+            <a:endParaRPr lang="ru-RU" dirty="0"/>
           </a:p>
         </p:txBody>
       </p:sp>
@@ -4667,127 +7229,132 @@
         <p:spPr/>
         <p:txBody>
           <a:bodyPr>
-            <a:normAutofit fontScale="92500"/>
+            <a:normAutofit fontScale="92500" lnSpcReduction="20000"/>
           </a:bodyPr>
           <a:lstStyle/>
           <a:p>
             <a:r>
-              <a:rPr lang="ru-RU" u="sng" dirty="0" err="1"/>
-              <a:t>Design</a:t>
-            </a:r>
-            <a:r>
-              <a:rPr lang="ru-RU" u="sng" dirty="0"/>
-              <a:t> </a:t>
-            </a:r>
-            <a:r>
-              <a:rPr lang="ru-RU" u="sng" dirty="0" err="1"/>
-              <a:t>for</a:t>
-            </a:r>
-            <a:r>
-              <a:rPr lang="ru-RU" u="sng" dirty="0"/>
-              <a:t> </a:t>
-            </a:r>
-            <a:r>
-              <a:rPr lang="ru-RU" u="sng" dirty="0" err="1"/>
-              <a:t>failure</a:t>
-            </a:r>
-            <a:r>
-              <a:rPr lang="ru-RU" u="sng" dirty="0"/>
-              <a:t> | Проектирование под </a:t>
-            </a:r>
-            <a:r>
-              <a:rPr lang="ru-RU" u="sng" dirty="0" smtClean="0"/>
-              <a:t>отказ</a:t>
-            </a:r>
-            <a:endParaRPr lang="en-US" u="sng" dirty="0" smtClean="0"/>
+              <a:rPr lang="en-US" dirty="0" smtClean="0"/>
+              <a:t>Step </a:t>
+            </a:r>
+            <a:r>
+              <a:rPr lang="en-US" dirty="0"/>
+              <a:t>Away from </a:t>
+            </a:r>
+            <a:r>
+              <a:rPr lang="en-US" dirty="0" smtClean="0"/>
+              <a:t>infrastructure</a:t>
+            </a:r>
+            <a:endParaRPr lang="ru-RU" dirty="0" smtClean="0"/>
+          </a:p>
+          <a:p>
+            <a:r>
+              <a:rPr lang="en-US" dirty="0"/>
+              <a:t>Align environment</a:t>
+            </a:r>
           </a:p>
           <a:p>
             <a:pPr lvl="1"/>
             <a:r>
-              <a:rPr lang="en-US" u="sng" dirty="0" smtClean="0"/>
-              <a:t>Detect</a:t>
+              <a:rPr lang="en-US" dirty="0"/>
+              <a:t>We have separate </a:t>
+            </a:r>
+            <a:r>
+              <a:rPr lang="en-US" dirty="0" smtClean="0"/>
+              <a:t>environments</a:t>
+            </a:r>
+            <a:r>
+              <a:rPr lang="ru-RU" dirty="0" smtClean="0"/>
+              <a:t> (</a:t>
+            </a:r>
+            <a:r>
+              <a:rPr lang="en-US" dirty="0" smtClean="0"/>
+              <a:t>DEV/QA/PS/PROD)</a:t>
+            </a:r>
+            <a:endParaRPr lang="ru-RU" dirty="0" smtClean="0"/>
+          </a:p>
+          <a:p>
+            <a:r>
+              <a:rPr lang="en-US" dirty="0" smtClean="0"/>
+              <a:t>Automation</a:t>
+            </a:r>
+            <a:endParaRPr lang="en-US" dirty="0" smtClean="0"/>
+          </a:p>
+          <a:p>
+            <a:pPr lvl="1"/>
+            <a:r>
+              <a:rPr lang="en-US" dirty="0" smtClean="0"/>
+              <a:t>Continuous Integration</a:t>
+            </a:r>
+          </a:p>
+          <a:p>
+            <a:pPr lvl="1"/>
+            <a:r>
+              <a:rPr lang="en-US" dirty="0" smtClean="0"/>
+              <a:t>Continuous Delivery (on the road to</a:t>
+            </a:r>
+            <a:r>
+              <a:rPr lang="en-US" dirty="0" smtClean="0"/>
+              <a:t>…)</a:t>
+            </a:r>
+          </a:p>
+          <a:p>
+            <a:pPr lvl="1"/>
+            <a:r>
+              <a:rPr lang="en-US" dirty="0" smtClean="0"/>
+              <a:t>One-button Deployment</a:t>
+            </a:r>
+          </a:p>
+          <a:p>
+            <a:pPr lvl="1"/>
+            <a:r>
+              <a:rPr lang="en-US" dirty="0" smtClean="0"/>
+              <a:t>Database Evolution</a:t>
             </a:r>
           </a:p>
           <a:p>
             <a:pPr lvl="2"/>
             <a:r>
-              <a:rPr lang="en-US" u="sng" dirty="0" smtClean="0"/>
-              <a:t>Monitoring</a:t>
-            </a:r>
-          </a:p>
-          <a:p>
-            <a:pPr lvl="3"/>
-            <a:r>
-              <a:rPr lang="en-US" u="sng" dirty="0" smtClean="0"/>
-              <a:t>Near real-time (</a:t>
-            </a:r>
-            <a:r>
-              <a:rPr lang="en-US" u="sng" dirty="0" err="1" smtClean="0"/>
-              <a:t>splunk</a:t>
-            </a:r>
-            <a:r>
-              <a:rPr lang="en-US" u="sng" dirty="0" smtClean="0"/>
-              <a:t>)</a:t>
-            </a:r>
+              <a:rPr lang="en-US" dirty="0" err="1" smtClean="0"/>
+              <a:t>Liquibase</a:t>
+            </a:r>
+            <a:endParaRPr lang="en-US" dirty="0" smtClean="0"/>
           </a:p>
           <a:p>
             <a:pPr lvl="2"/>
             <a:r>
-              <a:rPr lang="en-US" u="sng" dirty="0" smtClean="0"/>
-              <a:t>Extensive Logging</a:t>
-            </a:r>
-          </a:p>
-          <a:p>
-            <a:pPr lvl="2"/>
-            <a:r>
-              <a:rPr lang="en-US" u="sng" dirty="0" smtClean="0"/>
-              <a:t>Defensive Programming</a:t>
-            </a:r>
+              <a:rPr lang="en-US" dirty="0" smtClean="0"/>
+              <a:t>Data migration</a:t>
+            </a:r>
+            <a:endParaRPr lang="en-US" dirty="0" smtClean="0"/>
           </a:p>
           <a:p>
             <a:pPr lvl="1"/>
             <a:r>
-              <a:rPr lang="en-US" u="sng" dirty="0" smtClean="0"/>
-              <a:t>Overcome</a:t>
-            </a:r>
-          </a:p>
-          <a:p>
-            <a:pPr lvl="2"/>
-            <a:r>
-              <a:rPr lang="en-US" u="sng" dirty="0" smtClean="0"/>
-              <a:t>Monitoring emails (manual)</a:t>
-            </a:r>
-          </a:p>
-          <a:p>
-            <a:pPr lvl="2"/>
-            <a:r>
-              <a:rPr lang="en-US" u="sng" dirty="0" smtClean="0"/>
-              <a:t>High Availability</a:t>
-            </a:r>
-          </a:p>
-          <a:p>
-            <a:pPr lvl="3"/>
-            <a:r>
-              <a:rPr lang="en-US" u="sng" smtClean="0"/>
-              <a:t>Load balancing</a:t>
-            </a:r>
-          </a:p>
-          <a:p>
-            <a:pPr lvl="1"/>
-            <a:endParaRPr lang="ru-RU" u="sng" dirty="0"/>
+              <a:rPr lang="en-US" dirty="0" smtClean="0"/>
+              <a:t>Chef</a:t>
+            </a:r>
+            <a:endParaRPr lang="en-US" dirty="0" smtClean="0"/>
           </a:p>
         </p:txBody>
       </p:sp>
     </p:spTree>
     <p:extLst>
       <p:ext uri="{BB962C8B-B14F-4D97-AF65-F5344CB8AC3E}">
-        <p14:creationId xmlns:p14="http://schemas.microsoft.com/office/powerpoint/2010/main" val="555567851"/>
+        <p14:creationId xmlns:p14="http://schemas.microsoft.com/office/powerpoint/2010/main" val="1221449566"/>
       </p:ext>
     </p:extLst>
   </p:cSld>
   <p:clrMapOvr>
     <a:masterClrMapping/>
   </p:clrMapOvr>
+  <p:timing>
+    <p:tnLst>
+      <p:par>
+        <p:cTn id="1" dur="indefinite" restart="never" nodeType="tmRoot"/>
+      </p:par>
+    </p:tnLst>
+  </p:timing>
 </p:sld>
 </file>
 
@@ -4825,7 +7392,7 @@
           <a:p>
             <a:r>
               <a:rPr lang="en-US" dirty="0" smtClean="0"/>
-              <a:t>Client-oriented</a:t>
+              <a:t>Infrastructure</a:t>
             </a:r>
             <a:endParaRPr lang="ru-RU" dirty="0"/>
           </a:p>
@@ -4843,40 +7410,130 @@
         </p:nvSpPr>
         <p:spPr/>
         <p:txBody>
-          <a:bodyPr/>
-          <a:lstStyle/>
-          <a:p>
-            <a:r>
-              <a:rPr lang="en-US" dirty="0" smtClean="0"/>
-              <a:t>Helper client libs</a:t>
-            </a:r>
+          <a:bodyPr>
+            <a:normAutofit fontScale="92500" lnSpcReduction="20000"/>
+          </a:bodyPr>
+          <a:lstStyle/>
+          <a:p>
+            <a:pPr marL="0" indent="0">
+              <a:buNone/>
+            </a:pPr>
+            <a:r>
+              <a:rPr lang="en-US" u="sng" dirty="0"/>
+              <a:t>Infrastructure Automation | </a:t>
+            </a:r>
+            <a:r>
+              <a:rPr lang="ru-RU" u="sng" dirty="0"/>
+              <a:t>Автоматизация инфраструктуры</a:t>
+            </a:r>
+            <a:endParaRPr lang="en-US" u="sng" dirty="0" smtClean="0"/>
           </a:p>
           <a:p>
             <a:pPr lvl="1"/>
             <a:r>
               <a:rPr lang="en-US" dirty="0" smtClean="0"/>
-              <a:t>Rup-rest example</a:t>
-            </a:r>
-          </a:p>
-          <a:p>
-            <a:r>
-              <a:rPr lang="en-US" dirty="0" smtClean="0"/>
-              <a:t>Steward API</a:t>
-            </a:r>
-            <a:endParaRPr lang="ru-RU" dirty="0"/>
+              <a:t>Continuous Integration</a:t>
+            </a:r>
+          </a:p>
+          <a:p>
+            <a:pPr lvl="2"/>
+            <a:r>
+              <a:rPr lang="en-US" dirty="0" smtClean="0"/>
+              <a:t>Jenkins</a:t>
+            </a:r>
+          </a:p>
+          <a:p>
+            <a:pPr lvl="2"/>
+            <a:r>
+              <a:rPr lang="en-US" dirty="0" smtClean="0"/>
+              <a:t>Dedicated Shared Development Environment</a:t>
+            </a:r>
+            <a:endParaRPr lang="en-US" dirty="0" smtClean="0"/>
+          </a:p>
+          <a:p>
+            <a:pPr lvl="1"/>
+            <a:r>
+              <a:rPr lang="en-US" dirty="0" smtClean="0"/>
+              <a:t>Continuous Delivery (on the road to</a:t>
+            </a:r>
+            <a:r>
+              <a:rPr lang="en-US" dirty="0" smtClean="0"/>
+              <a:t>…)</a:t>
+            </a:r>
+          </a:p>
+          <a:p>
+            <a:pPr lvl="1"/>
+            <a:r>
+              <a:rPr lang="en-US" dirty="0" smtClean="0"/>
+              <a:t>One-button Deployment</a:t>
+            </a:r>
+            <a:r>
+              <a:rPr lang="ru-RU" dirty="0" smtClean="0"/>
+              <a:t> (</a:t>
+            </a:r>
+            <a:r>
+              <a:rPr lang="en-US" dirty="0" smtClean="0"/>
+              <a:t>TODO: unfold)</a:t>
+            </a:r>
+          </a:p>
+          <a:p>
+            <a:pPr lvl="1"/>
+            <a:r>
+              <a:rPr lang="en-US" dirty="0" smtClean="0"/>
+              <a:t>Database Evolution (TODO: unfold)</a:t>
+            </a:r>
+          </a:p>
+          <a:p>
+            <a:pPr lvl="2"/>
+            <a:r>
+              <a:rPr lang="en-US" dirty="0" err="1" smtClean="0"/>
+              <a:t>Liquibase</a:t>
+            </a:r>
+            <a:endParaRPr lang="en-US" dirty="0" smtClean="0"/>
+          </a:p>
+          <a:p>
+            <a:pPr lvl="3"/>
+            <a:r>
+              <a:rPr lang="en-US" dirty="0" smtClean="0"/>
+              <a:t>Automated run</a:t>
+            </a:r>
+            <a:endParaRPr lang="en-US" dirty="0" smtClean="0"/>
+          </a:p>
+          <a:p>
+            <a:pPr lvl="2"/>
+            <a:r>
+              <a:rPr lang="en-US" dirty="0" smtClean="0"/>
+              <a:t>Data migration</a:t>
+            </a:r>
+            <a:endParaRPr lang="en-US" dirty="0" smtClean="0"/>
+          </a:p>
+          <a:p>
+            <a:pPr lvl="1"/>
+            <a:r>
+              <a:rPr lang="en-US" smtClean="0"/>
+              <a:t>Chef</a:t>
+            </a:r>
+            <a:endParaRPr lang="en-US" dirty="0" smtClean="0"/>
           </a:p>
         </p:txBody>
       </p:sp>
     </p:spTree>
     <p:extLst>
       <p:ext uri="{BB962C8B-B14F-4D97-AF65-F5344CB8AC3E}">
-        <p14:creationId xmlns:p14="http://schemas.microsoft.com/office/powerpoint/2010/main" val="1995439128"/>
+        <p14:creationId xmlns:p14="http://schemas.microsoft.com/office/powerpoint/2010/main" val="4087347277"/>
       </p:ext>
     </p:extLst>
   </p:cSld>
   <p:clrMapOvr>
     <a:masterClrMapping/>
   </p:clrMapOvr>
+  <p:timing>
+    <p:tnLst>
+      <p:par>
+        <p:cTn id="1" dur="indefinite" restart="never" nodeType="tmRoot"/>
+      </p:par>
+    </p:tnLst>
+  </p:timing>
 </p:sld>
 </file>
 

--- a/Microservices.pptx
+++ b/Microservices.pptx
@@ -4,6 +4,9 @@
   <p:sldMasterIdLst>
     <p:sldMasterId id="2147483648" r:id="rId1"/>
   </p:sldMasterIdLst>
+  <p:notesMasterIdLst>
+    <p:notesMasterId r:id="rId23"/>
+  </p:notesMasterIdLst>
   <p:sldIdLst>
     <p:sldId id="256" r:id="rId2"/>
     <p:sldId id="269" r:id="rId3"/>
@@ -17,15 +20,15 @@
     <p:sldId id="258" r:id="rId11"/>
     <p:sldId id="270" r:id="rId12"/>
     <p:sldId id="266" r:id="rId13"/>
-    <p:sldId id="272" r:id="rId14"/>
-    <p:sldId id="260" r:id="rId15"/>
+    <p:sldId id="278" r:id="rId14"/>
+    <p:sldId id="272" r:id="rId15"/>
     <p:sldId id="262" r:id="rId16"/>
     <p:sldId id="263" r:id="rId17"/>
     <p:sldId id="264" r:id="rId18"/>
     <p:sldId id="259" r:id="rId19"/>
-    <p:sldId id="265" r:id="rId20"/>
-    <p:sldId id="267" r:id="rId21"/>
-    <p:sldId id="268" r:id="rId22"/>
+    <p:sldId id="260" r:id="rId20"/>
+    <p:sldId id="265" r:id="rId21"/>
+    <p:sldId id="267" r:id="rId22"/>
   </p:sldIdLst>
   <p:sldSz cx="9144000" cy="6858000" type="screen4x3"/>
   <p:notesSz cx="6858000" cy="9144000"/>
@@ -126,7 +129,7 @@
   </p:defaultTextStyle>
   <p:extLst>
     <p:ext uri="{EFAFB233-063F-42B5-8137-9DF3F51BA10A}">
-      <p15:sldGuideLst xmlns="" xmlns:p15="http://schemas.microsoft.com/office/powerpoint/2012/main">
+      <p15:sldGuideLst xmlns:p15="http://schemas.microsoft.com/office/powerpoint/2012/main" xmlns="">
         <p15:guide id="1" orient="horz" pos="2160">
           <p15:clr>
             <a:srgbClr val="A4A3A4"/>
@@ -156,6 +159,444 @@
     <p:text>Пересмотреть плюсы и минусы</p:text>
   </p:cm>
 </p:cmLst>
+</file>
+
+<file path=ppt/notesMasters/notesMaster1.xml><?xml version="1.0" encoding="utf-8"?>
+<p:notesMaster xmlns:a="http://schemas.openxmlformats.org/drawingml/2006/main" xmlns:r="http://schemas.openxmlformats.org/officeDocument/2006/relationships" xmlns:p="http://schemas.openxmlformats.org/presentationml/2006/main">
+  <p:cSld>
+    <p:bg>
+      <p:bgRef idx="1001">
+        <a:schemeClr val="bg1"/>
+      </p:bgRef>
+    </p:bg>
+    <p:spTree>
+      <p:nvGrpSpPr>
+        <p:cNvPr id="1" name=""/>
+        <p:cNvGrpSpPr/>
+        <p:nvPr/>
+      </p:nvGrpSpPr>
+      <p:grpSpPr>
+        <a:xfrm>
+          <a:off x="0" y="0"/>
+          <a:ext cx="0" cy="0"/>
+          <a:chOff x="0" y="0"/>
+          <a:chExt cx="0" cy="0"/>
+        </a:xfrm>
+      </p:grpSpPr>
+      <p:sp>
+        <p:nvSpPr>
+          <p:cNvPr id="2" name="Верхний колонтитул 1"/>
+          <p:cNvSpPr>
+            <a:spLocks noGrp="1"/>
+          </p:cNvSpPr>
+          <p:nvPr>
+            <p:ph type="hdr" sz="quarter"/>
+          </p:nvPr>
+        </p:nvSpPr>
+        <p:spPr>
+          <a:xfrm>
+            <a:off x="0" y="0"/>
+            <a:ext cx="2971800" cy="457200"/>
+          </a:xfrm>
+          <a:prstGeom prst="rect">
+            <a:avLst/>
+          </a:prstGeom>
+        </p:spPr>
+        <p:txBody>
+          <a:bodyPr vert="horz" lIns="91440" tIns="45720" rIns="91440" bIns="45720" rtlCol="0"/>
+          <a:lstStyle>
+            <a:lvl1pPr algn="l">
+              <a:defRPr sz="1200"/>
+            </a:lvl1pPr>
+          </a:lstStyle>
+          <a:p>
+            <a:endParaRPr lang="ru-RU"/>
+          </a:p>
+        </p:txBody>
+      </p:sp>
+      <p:sp>
+        <p:nvSpPr>
+          <p:cNvPr id="3" name="Дата 2"/>
+          <p:cNvSpPr>
+            <a:spLocks noGrp="1"/>
+          </p:cNvSpPr>
+          <p:nvPr>
+            <p:ph type="dt" idx="1"/>
+          </p:nvPr>
+        </p:nvSpPr>
+        <p:spPr>
+          <a:xfrm>
+            <a:off x="3884613" y="0"/>
+            <a:ext cx="2971800" cy="457200"/>
+          </a:xfrm>
+          <a:prstGeom prst="rect">
+            <a:avLst/>
+          </a:prstGeom>
+        </p:spPr>
+        <p:txBody>
+          <a:bodyPr vert="horz" lIns="91440" tIns="45720" rIns="91440" bIns="45720" rtlCol="0"/>
+          <a:lstStyle>
+            <a:lvl1pPr algn="r">
+              <a:defRPr sz="1200"/>
+            </a:lvl1pPr>
+          </a:lstStyle>
+          <a:p>
+            <a:fld id="{C756A4D3-FAF9-48FE-A65C-CE6AA122FD4A}" type="datetimeFigureOut">
+              <a:rPr lang="ru-RU" smtClean="0"/>
+              <a:t>11.10.2015</a:t>
+            </a:fld>
+            <a:endParaRPr lang="ru-RU"/>
+          </a:p>
+        </p:txBody>
+      </p:sp>
+      <p:sp>
+        <p:nvSpPr>
+          <p:cNvPr id="4" name="Образ слайда 3"/>
+          <p:cNvSpPr>
+            <a:spLocks noGrp="1" noRot="1" noChangeAspect="1"/>
+          </p:cNvSpPr>
+          <p:nvPr>
+            <p:ph type="sldImg" idx="2"/>
+          </p:nvPr>
+        </p:nvSpPr>
+        <p:spPr>
+          <a:xfrm>
+            <a:off x="1143000" y="685800"/>
+            <a:ext cx="4572000" cy="3429000"/>
+          </a:xfrm>
+          <a:prstGeom prst="rect">
+            <a:avLst/>
+          </a:prstGeom>
+          <a:noFill/>
+          <a:ln w="12700">
+            <a:solidFill>
+              <a:prstClr val="black"/>
+            </a:solidFill>
+          </a:ln>
+        </p:spPr>
+        <p:txBody>
+          <a:bodyPr vert="horz" lIns="91440" tIns="45720" rIns="91440" bIns="45720" rtlCol="0" anchor="ctr"/>
+          <a:lstStyle/>
+          <a:p>
+            <a:endParaRPr lang="ru-RU"/>
+          </a:p>
+        </p:txBody>
+      </p:sp>
+      <p:sp>
+        <p:nvSpPr>
+          <p:cNvPr id="5" name="Заметки 4"/>
+          <p:cNvSpPr>
+            <a:spLocks noGrp="1"/>
+          </p:cNvSpPr>
+          <p:nvPr>
+            <p:ph type="body" sz="quarter" idx="3"/>
+          </p:nvPr>
+        </p:nvSpPr>
+        <p:spPr>
+          <a:xfrm>
+            <a:off x="685800" y="4343400"/>
+            <a:ext cx="5486400" cy="4114800"/>
+          </a:xfrm>
+          <a:prstGeom prst="rect">
+            <a:avLst/>
+          </a:prstGeom>
+        </p:spPr>
+        <p:txBody>
+          <a:bodyPr vert="horz" lIns="91440" tIns="45720" rIns="91440" bIns="45720" rtlCol="0"/>
+          <a:lstStyle/>
+          <a:p>
+            <a:pPr lvl="0"/>
+            <a:r>
+              <a:rPr lang="ru-RU" smtClean="0"/>
+              <a:t>Образец текста</a:t>
+            </a:r>
+          </a:p>
+          <a:p>
+            <a:pPr lvl="1"/>
+            <a:r>
+              <a:rPr lang="ru-RU" smtClean="0"/>
+              <a:t>Второй уровень</a:t>
+            </a:r>
+          </a:p>
+          <a:p>
+            <a:pPr lvl="2"/>
+            <a:r>
+              <a:rPr lang="ru-RU" smtClean="0"/>
+              <a:t>Третий уровень</a:t>
+            </a:r>
+          </a:p>
+          <a:p>
+            <a:pPr lvl="3"/>
+            <a:r>
+              <a:rPr lang="ru-RU" smtClean="0"/>
+              <a:t>Четвертый уровень</a:t>
+            </a:r>
+          </a:p>
+          <a:p>
+            <a:pPr lvl="4"/>
+            <a:r>
+              <a:rPr lang="ru-RU" smtClean="0"/>
+              <a:t>Пятый уровень</a:t>
+            </a:r>
+            <a:endParaRPr lang="ru-RU"/>
+          </a:p>
+        </p:txBody>
+      </p:sp>
+      <p:sp>
+        <p:nvSpPr>
+          <p:cNvPr id="6" name="Нижний колонтитул 5"/>
+          <p:cNvSpPr>
+            <a:spLocks noGrp="1"/>
+          </p:cNvSpPr>
+          <p:nvPr>
+            <p:ph type="ftr" sz="quarter" idx="4"/>
+          </p:nvPr>
+        </p:nvSpPr>
+        <p:spPr>
+          <a:xfrm>
+            <a:off x="0" y="8685213"/>
+            <a:ext cx="2971800" cy="457200"/>
+          </a:xfrm>
+          <a:prstGeom prst="rect">
+            <a:avLst/>
+          </a:prstGeom>
+        </p:spPr>
+        <p:txBody>
+          <a:bodyPr vert="horz" lIns="91440" tIns="45720" rIns="91440" bIns="45720" rtlCol="0" anchor="b"/>
+          <a:lstStyle>
+            <a:lvl1pPr algn="l">
+              <a:defRPr sz="1200"/>
+            </a:lvl1pPr>
+          </a:lstStyle>
+          <a:p>
+            <a:endParaRPr lang="ru-RU"/>
+          </a:p>
+        </p:txBody>
+      </p:sp>
+      <p:sp>
+        <p:nvSpPr>
+          <p:cNvPr id="7" name="Номер слайда 6"/>
+          <p:cNvSpPr>
+            <a:spLocks noGrp="1"/>
+          </p:cNvSpPr>
+          <p:nvPr>
+            <p:ph type="sldNum" sz="quarter" idx="5"/>
+          </p:nvPr>
+        </p:nvSpPr>
+        <p:spPr>
+          <a:xfrm>
+            <a:off x="3884613" y="8685213"/>
+            <a:ext cx="2971800" cy="457200"/>
+          </a:xfrm>
+          <a:prstGeom prst="rect">
+            <a:avLst/>
+          </a:prstGeom>
+        </p:spPr>
+        <p:txBody>
+          <a:bodyPr vert="horz" lIns="91440" tIns="45720" rIns="91440" bIns="45720" rtlCol="0" anchor="b"/>
+          <a:lstStyle>
+            <a:lvl1pPr algn="r">
+              <a:defRPr sz="1200"/>
+            </a:lvl1pPr>
+          </a:lstStyle>
+          <a:p>
+            <a:fld id="{178952C0-3E1F-49A2-A869-ED810EA2C686}" type="slidenum">
+              <a:rPr lang="ru-RU" smtClean="0"/>
+              <a:t>‹#›</a:t>
+            </a:fld>
+            <a:endParaRPr lang="ru-RU"/>
+          </a:p>
+        </p:txBody>
+      </p:sp>
+    </p:spTree>
+    <p:extLst>
+      <p:ext uri="{BB962C8B-B14F-4D97-AF65-F5344CB8AC3E}">
+        <p14:creationId xmlns:p14="http://schemas.microsoft.com/office/powerpoint/2010/main" val="1328742417"/>
+      </p:ext>
+    </p:extLst>
+  </p:cSld>
+  <p:clrMap bg1="lt1" tx1="dk1" bg2="lt2" tx2="dk2" accent1="accent1" accent2="accent2" accent3="accent3" accent4="accent4" accent5="accent5" accent6="accent6" hlink="hlink" folHlink="folHlink"/>
+  <p:notesStyle>
+    <a:lvl1pPr marL="0" algn="l" defTabSz="914400" rtl="0" eaLnBrk="1" latinLnBrk="0" hangingPunct="1">
+      <a:defRPr sz="1200" kern="1200">
+        <a:solidFill>
+          <a:schemeClr val="tx1"/>
+        </a:solidFill>
+        <a:latin typeface="+mn-lt"/>
+        <a:ea typeface="+mn-ea"/>
+        <a:cs typeface="+mn-cs"/>
+      </a:defRPr>
+    </a:lvl1pPr>
+    <a:lvl2pPr marL="457200" algn="l" defTabSz="914400" rtl="0" eaLnBrk="1" latinLnBrk="0" hangingPunct="1">
+      <a:defRPr sz="1200" kern="1200">
+        <a:solidFill>
+          <a:schemeClr val="tx1"/>
+        </a:solidFill>
+        <a:latin typeface="+mn-lt"/>
+        <a:ea typeface="+mn-ea"/>
+        <a:cs typeface="+mn-cs"/>
+      </a:defRPr>
+    </a:lvl2pPr>
+    <a:lvl3pPr marL="914400" algn="l" defTabSz="914400" rtl="0" eaLnBrk="1" latinLnBrk="0" hangingPunct="1">
+      <a:defRPr sz="1200" kern="1200">
+        <a:solidFill>
+          <a:schemeClr val="tx1"/>
+        </a:solidFill>
+        <a:latin typeface="+mn-lt"/>
+        <a:ea typeface="+mn-ea"/>
+        <a:cs typeface="+mn-cs"/>
+      </a:defRPr>
+    </a:lvl3pPr>
+    <a:lvl4pPr marL="1371600" algn="l" defTabSz="914400" rtl="0" eaLnBrk="1" latinLnBrk="0" hangingPunct="1">
+      <a:defRPr sz="1200" kern="1200">
+        <a:solidFill>
+          <a:schemeClr val="tx1"/>
+        </a:solidFill>
+        <a:latin typeface="+mn-lt"/>
+        <a:ea typeface="+mn-ea"/>
+        <a:cs typeface="+mn-cs"/>
+      </a:defRPr>
+    </a:lvl4pPr>
+    <a:lvl5pPr marL="1828800" algn="l" defTabSz="914400" rtl="0" eaLnBrk="1" latinLnBrk="0" hangingPunct="1">
+      <a:defRPr sz="1200" kern="1200">
+        <a:solidFill>
+          <a:schemeClr val="tx1"/>
+        </a:solidFill>
+        <a:latin typeface="+mn-lt"/>
+        <a:ea typeface="+mn-ea"/>
+        <a:cs typeface="+mn-cs"/>
+      </a:defRPr>
+    </a:lvl5pPr>
+    <a:lvl6pPr marL="2286000" algn="l" defTabSz="914400" rtl="0" eaLnBrk="1" latinLnBrk="0" hangingPunct="1">
+      <a:defRPr sz="1200" kern="1200">
+        <a:solidFill>
+          <a:schemeClr val="tx1"/>
+        </a:solidFill>
+        <a:latin typeface="+mn-lt"/>
+        <a:ea typeface="+mn-ea"/>
+        <a:cs typeface="+mn-cs"/>
+      </a:defRPr>
+    </a:lvl6pPr>
+    <a:lvl7pPr marL="2743200" algn="l" defTabSz="914400" rtl="0" eaLnBrk="1" latinLnBrk="0" hangingPunct="1">
+      <a:defRPr sz="1200" kern="1200">
+        <a:solidFill>
+          <a:schemeClr val="tx1"/>
+        </a:solidFill>
+        <a:latin typeface="+mn-lt"/>
+        <a:ea typeface="+mn-ea"/>
+        <a:cs typeface="+mn-cs"/>
+      </a:defRPr>
+    </a:lvl7pPr>
+    <a:lvl8pPr marL="3200400" algn="l" defTabSz="914400" rtl="0" eaLnBrk="1" latinLnBrk="0" hangingPunct="1">
+      <a:defRPr sz="1200" kern="1200">
+        <a:solidFill>
+          <a:schemeClr val="tx1"/>
+        </a:solidFill>
+        <a:latin typeface="+mn-lt"/>
+        <a:ea typeface="+mn-ea"/>
+        <a:cs typeface="+mn-cs"/>
+      </a:defRPr>
+    </a:lvl8pPr>
+    <a:lvl9pPr marL="3657600" algn="l" defTabSz="914400" rtl="0" eaLnBrk="1" latinLnBrk="0" hangingPunct="1">
+      <a:defRPr sz="1200" kern="1200">
+        <a:solidFill>
+          <a:schemeClr val="tx1"/>
+        </a:solidFill>
+        <a:latin typeface="+mn-lt"/>
+        <a:ea typeface="+mn-ea"/>
+        <a:cs typeface="+mn-cs"/>
+      </a:defRPr>
+    </a:lvl9pPr>
+  </p:notesStyle>
+</p:notesMaster>
+</file>
+
+<file path=ppt/notesSlides/notesSlide1.xml><?xml version="1.0" encoding="utf-8"?>
+<p:notes xmlns:a="http://schemas.openxmlformats.org/drawingml/2006/main" xmlns:r="http://schemas.openxmlformats.org/officeDocument/2006/relationships" xmlns:p="http://schemas.openxmlformats.org/presentationml/2006/main">
+  <p:cSld>
+    <p:spTree>
+      <p:nvGrpSpPr>
+        <p:cNvPr id="1" name=""/>
+        <p:cNvGrpSpPr/>
+        <p:nvPr/>
+      </p:nvGrpSpPr>
+      <p:grpSpPr>
+        <a:xfrm>
+          <a:off x="0" y="0"/>
+          <a:ext cx="0" cy="0"/>
+          <a:chOff x="0" y="0"/>
+          <a:chExt cx="0" cy="0"/>
+        </a:xfrm>
+      </p:grpSpPr>
+      <p:sp>
+        <p:nvSpPr>
+          <p:cNvPr id="2" name="Образ слайда 1"/>
+          <p:cNvSpPr>
+            <a:spLocks noGrp="1" noRot="1" noChangeAspect="1"/>
+          </p:cNvSpPr>
+          <p:nvPr>
+            <p:ph type="sldImg"/>
+          </p:nvPr>
+        </p:nvSpPr>
+        <p:spPr/>
+      </p:sp>
+      <p:sp>
+        <p:nvSpPr>
+          <p:cNvPr id="3" name="Заметки 2"/>
+          <p:cNvSpPr>
+            <a:spLocks noGrp="1"/>
+          </p:cNvSpPr>
+          <p:nvPr>
+            <p:ph type="body" idx="1"/>
+          </p:nvPr>
+        </p:nvSpPr>
+        <p:spPr/>
+        <p:txBody>
+          <a:bodyPr/>
+          <a:lstStyle/>
+          <a:p>
+            <a:r>
+              <a:rPr lang="ru-RU" dirty="0" smtClean="0"/>
+              <a:t>Больше точек отказа, т.к. сложнее протокол взаимодействия</a:t>
+            </a:r>
+            <a:endParaRPr lang="ru-RU" dirty="0"/>
+          </a:p>
+        </p:txBody>
+      </p:sp>
+      <p:sp>
+        <p:nvSpPr>
+          <p:cNvPr id="4" name="Номер слайда 3"/>
+          <p:cNvSpPr>
+            <a:spLocks noGrp="1"/>
+          </p:cNvSpPr>
+          <p:nvPr>
+            <p:ph type="sldNum" sz="quarter" idx="10"/>
+          </p:nvPr>
+        </p:nvSpPr>
+        <p:spPr/>
+        <p:txBody>
+          <a:bodyPr/>
+          <a:lstStyle/>
+          <a:p>
+            <a:fld id="{178952C0-3E1F-49A2-A869-ED810EA2C686}" type="slidenum">
+              <a:rPr lang="ru-RU" smtClean="0"/>
+              <a:t>3</a:t>
+            </a:fld>
+            <a:endParaRPr lang="ru-RU"/>
+          </a:p>
+        </p:txBody>
+      </p:sp>
+    </p:spTree>
+    <p:extLst>
+      <p:ext uri="{BB962C8B-B14F-4D97-AF65-F5344CB8AC3E}">
+        <p14:creationId xmlns:p14="http://schemas.microsoft.com/office/powerpoint/2010/main" val="841943391"/>
+      </p:ext>
+    </p:extLst>
+  </p:cSld>
+  <p:clrMapOvr>
+    <a:masterClrMapping/>
+  </p:clrMapOvr>
+</p:notes>
 </file>
 
 <file path=ppt/slideLayouts/slideLayout1.xml><?xml version="1.0" encoding="utf-8"?>
@@ -339,7 +780,7 @@
           <a:p>
             <a:fld id="{57E389D1-C2F8-40B4-B845-801280EA792C}" type="datetimeFigureOut">
               <a:rPr lang="ru-RU" smtClean="0"/>
-              <a:t>07.10.2015</a:t>
+              <a:t>11.10.2015</a:t>
             </a:fld>
             <a:endParaRPr lang="ru-RU"/>
           </a:p>
@@ -509,7 +950,7 @@
           <a:p>
             <a:fld id="{57E389D1-C2F8-40B4-B845-801280EA792C}" type="datetimeFigureOut">
               <a:rPr lang="ru-RU" smtClean="0"/>
-              <a:t>07.10.2015</a:t>
+              <a:t>11.10.2015</a:t>
             </a:fld>
             <a:endParaRPr lang="ru-RU"/>
           </a:p>
@@ -689,7 +1130,7 @@
           <a:p>
             <a:fld id="{57E389D1-C2F8-40B4-B845-801280EA792C}" type="datetimeFigureOut">
               <a:rPr lang="ru-RU" smtClean="0"/>
-              <a:t>07.10.2015</a:t>
+              <a:t>11.10.2015</a:t>
             </a:fld>
             <a:endParaRPr lang="ru-RU"/>
           </a:p>
@@ -859,7 +1300,7 @@
           <a:p>
             <a:fld id="{57E389D1-C2F8-40B4-B845-801280EA792C}" type="datetimeFigureOut">
               <a:rPr lang="ru-RU" smtClean="0"/>
-              <a:t>07.10.2015</a:t>
+              <a:t>11.10.2015</a:t>
             </a:fld>
             <a:endParaRPr lang="ru-RU"/>
           </a:p>
@@ -1105,7 +1546,7 @@
           <a:p>
             <a:fld id="{57E389D1-C2F8-40B4-B845-801280EA792C}" type="datetimeFigureOut">
               <a:rPr lang="ru-RU" smtClean="0"/>
-              <a:t>07.10.2015</a:t>
+              <a:t>11.10.2015</a:t>
             </a:fld>
             <a:endParaRPr lang="ru-RU"/>
           </a:p>
@@ -1393,7 +1834,7 @@
           <a:p>
             <a:fld id="{57E389D1-C2F8-40B4-B845-801280EA792C}" type="datetimeFigureOut">
               <a:rPr lang="ru-RU" smtClean="0"/>
-              <a:t>07.10.2015</a:t>
+              <a:t>11.10.2015</a:t>
             </a:fld>
             <a:endParaRPr lang="ru-RU"/>
           </a:p>
@@ -1815,7 +2256,7 @@
           <a:p>
             <a:fld id="{57E389D1-C2F8-40B4-B845-801280EA792C}" type="datetimeFigureOut">
               <a:rPr lang="ru-RU" smtClean="0"/>
-              <a:t>07.10.2015</a:t>
+              <a:t>11.10.2015</a:t>
             </a:fld>
             <a:endParaRPr lang="ru-RU"/>
           </a:p>
@@ -1933,7 +2374,7 @@
           <a:p>
             <a:fld id="{57E389D1-C2F8-40B4-B845-801280EA792C}" type="datetimeFigureOut">
               <a:rPr lang="ru-RU" smtClean="0"/>
-              <a:t>07.10.2015</a:t>
+              <a:t>11.10.2015</a:t>
             </a:fld>
             <a:endParaRPr lang="ru-RU"/>
           </a:p>
@@ -2028,7 +2469,7 @@
           <a:p>
             <a:fld id="{57E389D1-C2F8-40B4-B845-801280EA792C}" type="datetimeFigureOut">
               <a:rPr lang="ru-RU" smtClean="0"/>
-              <a:t>07.10.2015</a:t>
+              <a:t>11.10.2015</a:t>
             </a:fld>
             <a:endParaRPr lang="ru-RU"/>
           </a:p>
@@ -2305,7 +2746,7 @@
           <a:p>
             <a:fld id="{57E389D1-C2F8-40B4-B845-801280EA792C}" type="datetimeFigureOut">
               <a:rPr lang="ru-RU" smtClean="0"/>
-              <a:t>07.10.2015</a:t>
+              <a:t>11.10.2015</a:t>
             </a:fld>
             <a:endParaRPr lang="ru-RU"/>
           </a:p>
@@ -2558,7 +2999,7 @@
           <a:p>
             <a:fld id="{57E389D1-C2F8-40B4-B845-801280EA792C}" type="datetimeFigureOut">
               <a:rPr lang="ru-RU" smtClean="0"/>
-              <a:t>07.10.2015</a:t>
+              <a:t>11.10.2015</a:t>
             </a:fld>
             <a:endParaRPr lang="ru-RU"/>
           </a:p>
@@ -2771,7 +3212,7 @@
           <a:p>
             <a:fld id="{57E389D1-C2F8-40B4-B845-801280EA792C}" type="datetimeFigureOut">
               <a:rPr lang="ru-RU" smtClean="0"/>
-              <a:t>07.10.2015</a:t>
+              <a:t>11.10.2015</a:t>
             </a:fld>
             <a:endParaRPr lang="ru-RU"/>
           </a:p>
@@ -3261,81 +3702,84 @@
         <p:spPr/>
         <p:txBody>
           <a:bodyPr>
-            <a:normAutofit fontScale="85000" lnSpcReduction="20000"/>
+            <a:normAutofit fontScale="92500" lnSpcReduction="10000"/>
           </a:bodyPr>
           <a:lstStyle/>
           <a:p>
-            <a:r>
-              <a:rPr lang="en-US" dirty="0" smtClean="0"/>
-              <a:t>Interaction Protocol</a:t>
-            </a:r>
-          </a:p>
-          <a:p>
-            <a:pPr lvl="1"/>
-            <a:r>
-              <a:rPr lang="en-US" dirty="0" smtClean="0"/>
-              <a:t>REST</a:t>
-            </a:r>
-          </a:p>
-          <a:p>
-            <a:pPr lvl="1"/>
-            <a:r>
-              <a:rPr lang="en-US" dirty="0" smtClean="0"/>
-              <a:t>Messaging </a:t>
-            </a:r>
-          </a:p>
-          <a:p>
-            <a:pPr lvl="2"/>
-            <a:r>
-              <a:rPr lang="en-US" dirty="0" smtClean="0"/>
-              <a:t>JMS</a:t>
-            </a:r>
-          </a:p>
-          <a:p>
-            <a:r>
-              <a:rPr lang="en-US" dirty="0" smtClean="0"/>
-              <a:t>Compatibility</a:t>
-            </a:r>
-          </a:p>
-          <a:p>
-            <a:pPr lvl="1"/>
-            <a:r>
-              <a:rPr lang="en-US" dirty="0" smtClean="0"/>
-              <a:t>Trying to keep</a:t>
-            </a:r>
-          </a:p>
-          <a:p>
-            <a:pPr lvl="1"/>
-            <a:r>
-              <a:rPr lang="en-US" dirty="0" smtClean="0"/>
-              <a:t>Versioning system (different)</a:t>
-            </a:r>
-          </a:p>
-          <a:p>
-            <a:r>
-              <a:rPr lang="en-US" dirty="0" smtClean="0"/>
-              <a:t>Documentation</a:t>
-            </a:r>
-          </a:p>
-          <a:p>
-            <a:pPr lvl="1"/>
-            <a:r>
-              <a:rPr lang="en-US" dirty="0" smtClean="0"/>
-              <a:t>Should be thorough (word)</a:t>
-            </a:r>
-          </a:p>
-          <a:p>
-            <a:r>
-              <a:rPr lang="en-US" dirty="0" smtClean="0"/>
-              <a:t>Stateless</a:t>
-            </a:r>
-          </a:p>
-          <a:p>
-            <a:r>
-              <a:rPr lang="en-US" dirty="0" smtClean="0"/>
-              <a:t>Decentralized Data</a:t>
+            <a:pPr>
+              <a:lnSpc>
+                <a:spcPct val="150000"/>
+              </a:lnSpc>
+            </a:pPr>
+            <a:r>
+              <a:rPr lang="ru-RU" dirty="0"/>
+              <a:t>Децентрализованные </a:t>
+            </a:r>
+            <a:r>
+              <a:rPr lang="ru-RU" dirty="0" smtClean="0"/>
+              <a:t>данные</a:t>
             </a:r>
             <a:endParaRPr lang="ru-RU" dirty="0"/>
+          </a:p>
+          <a:p>
+            <a:pPr>
+              <a:lnSpc>
+                <a:spcPct val="150000"/>
+              </a:lnSpc>
+            </a:pPr>
+            <a:r>
+              <a:rPr lang="ru-RU" dirty="0"/>
+              <a:t>Децентрализованное управление </a:t>
+            </a:r>
+            <a:endParaRPr lang="en-US" dirty="0" smtClean="0"/>
+          </a:p>
+          <a:p>
+            <a:pPr>
+              <a:lnSpc>
+                <a:spcPct val="150000"/>
+              </a:lnSpc>
+            </a:pPr>
+            <a:r>
+              <a:rPr lang="ru-RU" dirty="0" smtClean="0"/>
+              <a:t>Протокол взаимодействия</a:t>
+            </a:r>
+            <a:endParaRPr lang="en-US" dirty="0" smtClean="0"/>
+          </a:p>
+          <a:p>
+            <a:pPr>
+              <a:lnSpc>
+                <a:spcPct val="150000"/>
+              </a:lnSpc>
+            </a:pPr>
+            <a:r>
+              <a:rPr lang="ru-RU" dirty="0" smtClean="0"/>
+              <a:t>Совместимость</a:t>
+            </a:r>
+            <a:endParaRPr lang="en-US" dirty="0" smtClean="0"/>
+          </a:p>
+          <a:p>
+            <a:pPr>
+              <a:lnSpc>
+                <a:spcPct val="150000"/>
+              </a:lnSpc>
+            </a:pPr>
+            <a:r>
+              <a:rPr lang="ru-RU" dirty="0" smtClean="0"/>
+              <a:t>Документация</a:t>
+            </a:r>
+            <a:endParaRPr lang="en-US" dirty="0" smtClean="0"/>
+          </a:p>
+          <a:p>
+            <a:pPr>
+              <a:lnSpc>
+                <a:spcPct val="150000"/>
+              </a:lnSpc>
+            </a:pPr>
+            <a:r>
+              <a:rPr lang="ru-RU" dirty="0" smtClean="0"/>
+              <a:t>Проектирование под отказ</a:t>
+            </a:r>
+            <a:endParaRPr lang="en-US" dirty="0" smtClean="0"/>
           </a:p>
         </p:txBody>
       </p:sp>
@@ -3388,10 +3832,20 @@
         </p:nvSpPr>
         <p:spPr/>
         <p:txBody>
-          <a:bodyPr/>
-          <a:lstStyle/>
-          <a:p>
-            <a:endParaRPr lang="ru-RU"/>
+          <a:bodyPr>
+            <a:normAutofit/>
+          </a:bodyPr>
+          <a:lstStyle/>
+          <a:p>
+            <a:r>
+              <a:rPr lang="en-US" u="sng" dirty="0"/>
+              <a:t>Decentralized </a:t>
+            </a:r>
+            <a:r>
+              <a:rPr lang="en-US" u="sng" dirty="0" smtClean="0"/>
+              <a:t>Governance</a:t>
+            </a:r>
+            <a:endParaRPr lang="ru-RU" dirty="0"/>
           </a:p>
         </p:txBody>
       </p:sp>
@@ -3414,83 +3868,46 @@
               <a:buNone/>
             </a:pPr>
             <a:r>
-              <a:rPr lang="en-US" u="sng" dirty="0"/>
-              <a:t>Decentralized </a:t>
-            </a:r>
-            <a:r>
-              <a:rPr lang="en-US" u="sng" dirty="0" smtClean="0"/>
-              <a:t>Governance</a:t>
-            </a:r>
-          </a:p>
-          <a:p>
-            <a:pPr marL="0" indent="0">
-              <a:buNone/>
+              <a:rPr lang="ru-RU" u="sng" dirty="0" smtClean="0"/>
+              <a:t>Децентрализованное управление</a:t>
+            </a:r>
+            <a:endParaRPr lang="en-US" u="sng" dirty="0" smtClean="0"/>
+          </a:p>
+          <a:p>
+            <a:r>
+              <a:rPr lang="ru-RU" dirty="0" smtClean="0"/>
+              <a:t>Разные технологии для разных целей</a:t>
+            </a:r>
+          </a:p>
+          <a:p>
+            <a:pPr lvl="1"/>
+            <a:r>
+              <a:rPr lang="ru-RU" dirty="0" smtClean="0"/>
+              <a:t>Фреймворки</a:t>
+            </a:r>
+          </a:p>
+          <a:p>
+            <a:pPr lvl="1"/>
+            <a:r>
+              <a:rPr lang="ru-RU" dirty="0" smtClean="0"/>
+              <a:t>Сервера приложений</a:t>
+            </a:r>
+            <a:endParaRPr lang="en-US" dirty="0" smtClean="0"/>
+          </a:p>
+          <a:p>
+            <a:r>
+              <a:rPr lang="ru-RU" dirty="0" smtClean="0"/>
+              <a:t>Но единая платформа</a:t>
+            </a:r>
+          </a:p>
+          <a:p>
+            <a:pPr lvl="1">
+              <a:buFontTx/>
+              <a:buChar char="-"/>
             </a:pPr>
             <a:r>
-              <a:rPr lang="en-US" dirty="0" smtClean="0"/>
-              <a:t> - Different technologies for different purposes</a:t>
-            </a:r>
-          </a:p>
-          <a:p>
-            <a:pPr marL="0" indent="0">
-              <a:buNone/>
-            </a:pPr>
-            <a:r>
-              <a:rPr lang="en-US" dirty="0"/>
-              <a:t>	</a:t>
-            </a:r>
-            <a:r>
-              <a:rPr lang="en-US" dirty="0" smtClean="0"/>
-              <a:t>- Different </a:t>
-            </a:r>
-            <a:r>
-              <a:rPr lang="en-US" dirty="0" smtClean="0"/>
-              <a:t>Frameworks/Storages</a:t>
-            </a:r>
-          </a:p>
-          <a:p>
-            <a:pPr marL="0" indent="0">
-              <a:buNone/>
-            </a:pPr>
-            <a:r>
-              <a:rPr lang="en-US" dirty="0" smtClean="0"/>
-              <a:t>		- polyglot persistence</a:t>
-            </a:r>
-            <a:endParaRPr lang="en-US" dirty="0" smtClean="0"/>
-          </a:p>
-          <a:p>
-            <a:pPr marL="0" indent="0">
-              <a:buNone/>
-            </a:pPr>
-            <a:r>
-              <a:rPr lang="en-US" dirty="0"/>
-              <a:t>	</a:t>
-            </a:r>
-            <a:r>
-              <a:rPr lang="en-US" dirty="0" smtClean="0"/>
-              <a:t>	- Mongo/</a:t>
-            </a:r>
-            <a:r>
-              <a:rPr lang="en-US" dirty="0" err="1" smtClean="0"/>
-              <a:t>Postgres</a:t>
-            </a:r>
-            <a:r>
-              <a:rPr lang="en-US" dirty="0" smtClean="0"/>
-              <a:t>/</a:t>
-            </a:r>
-            <a:r>
-              <a:rPr lang="en-US" dirty="0" err="1" smtClean="0"/>
-              <a:t>Lucene</a:t>
-            </a:r>
-            <a:endParaRPr lang="en-US" dirty="0" smtClean="0"/>
-          </a:p>
-          <a:p>
-            <a:pPr marL="0" indent="0">
-              <a:buNone/>
-            </a:pPr>
-            <a:r>
-              <a:rPr lang="en-US" dirty="0" smtClean="0"/>
-              <a:t>- But still have one platform/standards/libs</a:t>
+              <a:rPr lang="ru-RU" dirty="0" smtClean="0"/>
+              <a:t>Система сборки</a:t>
             </a:r>
             <a:endParaRPr lang="ru-RU" dirty="0"/>
           </a:p>
@@ -3506,6 +3923,13 @@
   <p:clrMapOvr>
     <a:masterClrMapping/>
   </p:clrMapOvr>
+  <p:timing>
+    <p:tnLst>
+      <p:par>
+        <p:cTn id="1" dur="indefinite" restart="never" nodeType="tmRoot"/>
+      </p:par>
+    </p:tnLst>
+  </p:timing>
 </p:sld>
 </file>
 
@@ -3538,12 +3962,18 @@
         </p:nvSpPr>
         <p:spPr/>
         <p:txBody>
-          <a:bodyPr/>
-          <a:lstStyle/>
-          <a:p>
-            <a:r>
-              <a:rPr lang="en-US" dirty="0" smtClean="0"/>
-              <a:t>Design</a:t>
+          <a:bodyPr>
+            <a:normAutofit/>
+          </a:bodyPr>
+          <a:lstStyle/>
+          <a:p>
+            <a:r>
+              <a:rPr lang="en-US" u="sng" dirty="0"/>
+              <a:t>Decentralized </a:t>
+            </a:r>
+            <a:r>
+              <a:rPr lang="en-US" u="sng" dirty="0" smtClean="0"/>
+              <a:t>Data</a:t>
             </a:r>
             <a:endParaRPr lang="ru-RU" dirty="0"/>
           </a:p>
@@ -3568,18 +3998,68 @@
               <a:buNone/>
             </a:pPr>
             <a:r>
-              <a:rPr lang="en-US" u="sng" dirty="0"/>
-              <a:t>Decentralized Data</a:t>
-            </a:r>
-            <a:endParaRPr lang="ru-RU" u="sng" dirty="0"/>
-          </a:p>
-          <a:p>
-            <a:endParaRPr lang="en-US" dirty="0" smtClean="0"/>
-          </a:p>
-          <a:p>
-            <a:r>
-              <a:rPr lang="en-US" dirty="0" smtClean="0"/>
-              <a:t>No access to DB of 3rd application</a:t>
+              <a:rPr lang="ru-RU" dirty="0"/>
+              <a:t>Децентрализованные данные </a:t>
+            </a:r>
+            <a:endParaRPr lang="ru-RU" dirty="0" smtClean="0"/>
+          </a:p>
+          <a:p>
+            <a:r>
+              <a:rPr lang="ru-RU" dirty="0" smtClean="0"/>
+              <a:t>Разные </a:t>
+            </a:r>
+            <a:r>
+              <a:rPr lang="ru-RU" dirty="0"/>
+              <a:t>хранилища данных</a:t>
+            </a:r>
+            <a:endParaRPr lang="en-US" dirty="0"/>
+          </a:p>
+          <a:p>
+            <a:pPr marL="0" indent="0">
+              <a:buNone/>
+            </a:pPr>
+            <a:r>
+              <a:rPr lang="en-US" dirty="0"/>
+              <a:t>		- polyglot persistence</a:t>
+            </a:r>
+          </a:p>
+          <a:p>
+            <a:pPr marL="0" indent="0">
+              <a:buNone/>
+            </a:pPr>
+            <a:r>
+              <a:rPr lang="en-US" dirty="0"/>
+              <a:t>		- Mongo/</a:t>
+            </a:r>
+            <a:r>
+              <a:rPr lang="en-US" dirty="0" err="1"/>
+              <a:t>Postgres</a:t>
+            </a:r>
+            <a:r>
+              <a:rPr lang="en-US" dirty="0"/>
+              <a:t>/</a:t>
+            </a:r>
+            <a:r>
+              <a:rPr lang="en-US" dirty="0" err="1"/>
+              <a:t>Lucene</a:t>
+            </a:r>
+            <a:endParaRPr lang="en-US" dirty="0"/>
+          </a:p>
+          <a:p>
+            <a:r>
+              <a:rPr lang="ru-RU" dirty="0" smtClean="0"/>
+              <a:t>Нет доступа к хранилищам других сервисов</a:t>
+            </a:r>
+          </a:p>
+          <a:p>
+            <a:pPr lvl="1"/>
+            <a:endParaRPr lang="ru-RU" dirty="0"/>
+          </a:p>
+          <a:p>
+            <a:pPr lvl="3"/>
+            <a:r>
+              <a:rPr lang="ru-RU" dirty="0" smtClean="0"/>
+              <a:t>Изображение здесь</a:t>
             </a:r>
             <a:endParaRPr lang="ru-RU" dirty="0"/>
           </a:p>
@@ -3595,6 +4075,13 @@
   <p:clrMapOvr>
     <a:masterClrMapping/>
   </p:clrMapOvr>
+  <p:timing>
+    <p:tnLst>
+      <p:par>
+        <p:cTn id="1" dur="indefinite" restart="never" nodeType="tmRoot"/>
+      </p:par>
+    </p:tnLst>
+  </p:timing>
 </p:sld>
 </file>
 
@@ -3630,7 +4117,15 @@
           <a:bodyPr/>
           <a:lstStyle/>
           <a:p>
-            <a:endParaRPr lang="ru-RU"/>
+            <a:r>
+              <a:rPr lang="en-US" dirty="0" err="1" smtClean="0"/>
+              <a:t>Microservices</a:t>
+            </a:r>
+            <a:r>
+              <a:rPr lang="en-US" dirty="0" smtClean="0"/>
+              <a:t> Design</a:t>
+            </a:r>
+            <a:endParaRPr lang="ru-RU" dirty="0"/>
           </a:p>
         </p:txBody>
       </p:sp>
@@ -3647,140 +4142,131 @@
         <p:spPr/>
         <p:txBody>
           <a:bodyPr>
-            <a:normAutofit fontScale="92500" lnSpcReduction="10000"/>
+            <a:normAutofit fontScale="92500" lnSpcReduction="20000"/>
           </a:bodyPr>
           <a:lstStyle/>
           <a:p>
             <a:r>
-              <a:rPr lang="ru-RU" u="sng" dirty="0" err="1"/>
-              <a:t>Design</a:t>
-            </a:r>
-            <a:r>
-              <a:rPr lang="ru-RU" u="sng" dirty="0"/>
-              <a:t> </a:t>
-            </a:r>
-            <a:r>
-              <a:rPr lang="ru-RU" u="sng" dirty="0" err="1"/>
-              <a:t>for</a:t>
-            </a:r>
-            <a:r>
-              <a:rPr lang="ru-RU" u="sng" dirty="0"/>
-              <a:t> </a:t>
-            </a:r>
-            <a:r>
-              <a:rPr lang="ru-RU" u="sng" dirty="0" err="1"/>
-              <a:t>failure</a:t>
-            </a:r>
-            <a:r>
-              <a:rPr lang="ru-RU" u="sng" dirty="0"/>
-              <a:t> | Проектирование под </a:t>
-            </a:r>
-            <a:r>
-              <a:rPr lang="ru-RU" u="sng" dirty="0" smtClean="0"/>
-              <a:t>отказ</a:t>
-            </a:r>
-            <a:endParaRPr lang="en-US" u="sng" dirty="0" smtClean="0"/>
+              <a:rPr lang="ru-RU" dirty="0"/>
+              <a:t>Протокол взаимодействия</a:t>
+            </a:r>
+            <a:endParaRPr lang="en-US" dirty="0"/>
           </a:p>
           <a:p>
             <a:pPr lvl="1"/>
             <a:r>
-              <a:rPr lang="en-US" u="sng" dirty="0" smtClean="0"/>
-              <a:t>Detect</a:t>
+              <a:rPr lang="en-US" dirty="0"/>
+              <a:t>REST</a:t>
+            </a:r>
+          </a:p>
+          <a:p>
+            <a:pPr lvl="1"/>
+            <a:r>
+              <a:rPr lang="en-US" dirty="0"/>
+              <a:t>Messaging </a:t>
             </a:r>
           </a:p>
           <a:p>
             <a:pPr lvl="2"/>
             <a:r>
-              <a:rPr lang="en-US" u="sng" dirty="0" smtClean="0"/>
-              <a:t>Monitoring</a:t>
-            </a:r>
-          </a:p>
-          <a:p>
-            <a:pPr lvl="3"/>
-            <a:r>
-              <a:rPr lang="en-US" u="sng" dirty="0" smtClean="0"/>
-              <a:t>Logs monitoring near </a:t>
-            </a:r>
-            <a:r>
-              <a:rPr lang="en-US" u="sng" dirty="0" smtClean="0"/>
-              <a:t>real-time (</a:t>
-            </a:r>
-            <a:r>
-              <a:rPr lang="en-US" u="sng" dirty="0" err="1" smtClean="0"/>
-              <a:t>splunk</a:t>
-            </a:r>
-            <a:r>
-              <a:rPr lang="en-US" u="sng" dirty="0" smtClean="0"/>
+              <a:rPr lang="en-US" dirty="0"/>
+              <a:t>JMS</a:t>
+            </a:r>
+          </a:p>
+          <a:p>
+            <a:r>
+              <a:rPr lang="ru-RU" dirty="0"/>
+              <a:t>Совместимость (</a:t>
+            </a:r>
+            <a:r>
+              <a:rPr lang="en-US" dirty="0"/>
+              <a:t>Compatibility</a:t>
+            </a:r>
+            <a:r>
+              <a:rPr lang="ru-RU" dirty="0"/>
               <a:t>)</a:t>
             </a:r>
-          </a:p>
-          <a:p>
-            <a:pPr lvl="2"/>
-            <a:r>
-              <a:rPr lang="en-US" u="sng" dirty="0" smtClean="0"/>
-              <a:t>Extensive Logging</a:t>
-            </a:r>
-          </a:p>
-          <a:p>
-            <a:pPr lvl="2"/>
-            <a:r>
-              <a:rPr lang="en-US" u="sng" dirty="0" smtClean="0"/>
-              <a:t>Defensive Programming</a:t>
-            </a:r>
+            <a:endParaRPr lang="en-US" dirty="0"/>
           </a:p>
           <a:p>
             <a:pPr lvl="1"/>
             <a:r>
-              <a:rPr lang="en-US" u="sng" dirty="0" smtClean="0"/>
-              <a:t>Overcome</a:t>
-            </a:r>
-          </a:p>
-          <a:p>
-            <a:pPr lvl="2"/>
-            <a:r>
-              <a:rPr lang="en-US" u="sng" dirty="0" smtClean="0"/>
-              <a:t>Manual: monitoring emails</a:t>
-            </a:r>
-            <a:endParaRPr lang="en-US" u="sng" dirty="0" smtClean="0"/>
-          </a:p>
-          <a:p>
-            <a:pPr lvl="2"/>
-            <a:r>
-              <a:rPr lang="en-US" u="sng" dirty="0" smtClean="0"/>
-              <a:t>Automatic</a:t>
-            </a:r>
-          </a:p>
-          <a:p>
-            <a:pPr lvl="3"/>
-            <a:r>
-              <a:rPr lang="en-US" u="sng" dirty="0" smtClean="0"/>
-              <a:t>High Availability (Load balancing)</a:t>
-            </a:r>
-          </a:p>
-          <a:p>
-            <a:pPr lvl="3"/>
-            <a:r>
-              <a:rPr lang="en-US" u="sng" dirty="0" smtClean="0"/>
-              <a:t>Automatic retry</a:t>
-            </a:r>
-            <a:endParaRPr lang="en-US" u="sng" dirty="0" smtClean="0"/>
+              <a:rPr lang="ru-RU" dirty="0"/>
+              <a:t>Максимально возможная поддержка</a:t>
+            </a:r>
+            <a:endParaRPr lang="en-US" dirty="0"/>
           </a:p>
           <a:p>
             <a:pPr lvl="1"/>
-            <a:endParaRPr lang="ru-RU" u="sng" dirty="0"/>
+            <a:r>
+              <a:rPr lang="ru-RU" dirty="0"/>
+              <a:t>Система </a:t>
+            </a:r>
+            <a:r>
+              <a:rPr lang="ru-RU" dirty="0" err="1"/>
+              <a:t>версионирования</a:t>
+            </a:r>
+            <a:r>
+              <a:rPr lang="ru-RU" dirty="0"/>
+              <a:t> (</a:t>
+            </a:r>
+            <a:r>
+              <a:rPr lang="en-US" dirty="0"/>
+              <a:t>X.Y.Z)</a:t>
+            </a:r>
+          </a:p>
+          <a:p>
+            <a:r>
+              <a:rPr lang="ru-RU" dirty="0"/>
+              <a:t>Документация</a:t>
+            </a:r>
+            <a:endParaRPr lang="en-US" dirty="0"/>
+          </a:p>
+          <a:p>
+            <a:pPr lvl="1"/>
+            <a:r>
+              <a:rPr lang="ru-RU" dirty="0"/>
+              <a:t>Должна быть исчерпывающей</a:t>
+            </a:r>
+            <a:endParaRPr lang="en-US" dirty="0"/>
+          </a:p>
+          <a:p>
+            <a:r>
+              <a:rPr lang="ru-RU" dirty="0"/>
+              <a:t>Без состояния (</a:t>
+            </a:r>
+            <a:r>
+              <a:rPr lang="en-US" dirty="0"/>
+              <a:t>Stateless</a:t>
+            </a:r>
+            <a:r>
+              <a:rPr lang="ru-RU" dirty="0"/>
+              <a:t>)</a:t>
+            </a:r>
+            <a:endParaRPr lang="en-US" dirty="0"/>
+          </a:p>
+          <a:p>
+            <a:endParaRPr lang="ru-RU" dirty="0"/>
           </a:p>
         </p:txBody>
       </p:sp>
     </p:spTree>
     <p:extLst>
       <p:ext uri="{BB962C8B-B14F-4D97-AF65-F5344CB8AC3E}">
-        <p14:creationId xmlns:p14="http://schemas.microsoft.com/office/powerpoint/2010/main" val="555567851"/>
+        <p14:creationId xmlns:p14="http://schemas.microsoft.com/office/powerpoint/2010/main" val="596141011"/>
       </p:ext>
     </p:extLst>
   </p:cSld>
   <p:clrMapOvr>
     <a:masterClrMapping/>
   </p:clrMapOvr>
+  <p:timing>
+    <p:tnLst>
+      <p:par>
+        <p:cTn id="1" dur="indefinite" restart="never" nodeType="tmRoot"/>
+      </p:par>
+    </p:tnLst>
+  </p:timing>
 </p:sld>
 </file>
 
@@ -3817,8 +4303,24 @@
           <a:lstStyle/>
           <a:p>
             <a:r>
-              <a:rPr lang="en-US" dirty="0" smtClean="0"/>
-              <a:t>Design: Client-oriented</a:t>
+              <a:rPr lang="ru-RU" u="sng" dirty="0" err="1"/>
+              <a:t>Design</a:t>
+            </a:r>
+            <a:r>
+              <a:rPr lang="ru-RU" u="sng" dirty="0"/>
+              <a:t> </a:t>
+            </a:r>
+            <a:r>
+              <a:rPr lang="ru-RU" u="sng" dirty="0" err="1"/>
+              <a:t>for</a:t>
+            </a:r>
+            <a:r>
+              <a:rPr lang="ru-RU" u="sng" dirty="0"/>
+              <a:t> </a:t>
+            </a:r>
+            <a:r>
+              <a:rPr lang="ru-RU" u="sng" dirty="0" err="1"/>
+              <a:t>failure</a:t>
             </a:r>
             <a:endParaRPr lang="ru-RU" dirty="0"/>
           </a:p>
@@ -3836,40 +4338,161 @@
         </p:nvSpPr>
         <p:spPr/>
         <p:txBody>
-          <a:bodyPr/>
-          <a:lstStyle/>
-          <a:p>
-            <a:r>
-              <a:rPr lang="en-US" dirty="0" smtClean="0"/>
-              <a:t>Helper client libs</a:t>
-            </a:r>
+          <a:bodyPr>
+            <a:normAutofit fontScale="77500" lnSpcReduction="20000"/>
+          </a:bodyPr>
+          <a:lstStyle/>
+          <a:p>
+            <a:pPr marL="0" indent="0">
+              <a:buNone/>
+            </a:pPr>
+            <a:r>
+              <a:rPr lang="ru-RU" sz="4100" u="sng" dirty="0" smtClean="0"/>
+              <a:t>Проектирование </a:t>
+            </a:r>
+            <a:r>
+              <a:rPr lang="ru-RU" sz="4100" u="sng" dirty="0"/>
+              <a:t>под </a:t>
+            </a:r>
+            <a:r>
+              <a:rPr lang="ru-RU" sz="4100" u="sng" dirty="0" smtClean="0"/>
+              <a:t>отказ</a:t>
+            </a:r>
+            <a:endParaRPr lang="en-US" sz="4100" u="sng" dirty="0" smtClean="0"/>
+          </a:p>
+          <a:p>
+            <a:r>
+              <a:rPr lang="ru-RU" sz="3400" u="sng" dirty="0" smtClean="0"/>
+              <a:t>Найти отказ</a:t>
+            </a:r>
+            <a:endParaRPr lang="en-US" sz="3400" u="sng" dirty="0" smtClean="0"/>
           </a:p>
           <a:p>
             <a:pPr lvl="1"/>
             <a:r>
-              <a:rPr lang="en-US" dirty="0" smtClean="0"/>
-              <a:t>Rup-rest example</a:t>
-            </a:r>
-          </a:p>
-          <a:p>
-            <a:r>
-              <a:rPr lang="en-US" dirty="0" smtClean="0"/>
-              <a:t>Steward API</a:t>
-            </a:r>
-            <a:endParaRPr lang="ru-RU" dirty="0"/>
+              <a:rPr lang="ru-RU" sz="3000" dirty="0" smtClean="0"/>
+              <a:t>Мониторинг</a:t>
+            </a:r>
+            <a:endParaRPr lang="en-US" sz="3000" dirty="0" smtClean="0"/>
+          </a:p>
+          <a:p>
+            <a:pPr lvl="2"/>
+            <a:r>
+              <a:rPr lang="ru-RU" sz="2600" dirty="0" smtClean="0"/>
+              <a:t>В почти реальном времени</a:t>
+            </a:r>
+            <a:r>
+              <a:rPr lang="en-US" sz="2600" dirty="0" smtClean="0"/>
+              <a:t> </a:t>
+            </a:r>
+            <a:r>
+              <a:rPr lang="en-US" sz="2600" dirty="0" smtClean="0"/>
+              <a:t>(</a:t>
+            </a:r>
+            <a:r>
+              <a:rPr lang="en-US" sz="2600" dirty="0" err="1" smtClean="0"/>
+              <a:t>splunk</a:t>
+            </a:r>
+            <a:r>
+              <a:rPr lang="en-US" sz="2600" dirty="0" smtClean="0"/>
+              <a:t>)</a:t>
+            </a:r>
+          </a:p>
+          <a:p>
+            <a:pPr lvl="1"/>
+            <a:r>
+              <a:rPr lang="ru-RU" sz="3000" dirty="0" smtClean="0"/>
+              <a:t>Исчерпывающее </a:t>
+            </a:r>
+            <a:r>
+              <a:rPr lang="ru-RU" sz="3000" dirty="0" err="1" smtClean="0"/>
+              <a:t>логгирование</a:t>
+            </a:r>
+            <a:endParaRPr lang="en-US" sz="3000" dirty="0" smtClean="0"/>
+          </a:p>
+          <a:p>
+            <a:pPr lvl="1"/>
+            <a:r>
+              <a:rPr lang="ru-RU" sz="3000" dirty="0" smtClean="0"/>
+              <a:t>Защитное программирование</a:t>
+            </a:r>
+            <a:endParaRPr lang="en-US" sz="3000" dirty="0" smtClean="0"/>
+          </a:p>
+          <a:p>
+            <a:r>
+              <a:rPr lang="ru-RU" sz="3400" u="sng" dirty="0" smtClean="0"/>
+              <a:t>Исправление</a:t>
+            </a:r>
+            <a:endParaRPr lang="en-US" sz="3400" u="sng" dirty="0" smtClean="0"/>
+          </a:p>
+          <a:p>
+            <a:pPr lvl="1"/>
+            <a:r>
+              <a:rPr lang="ru-RU" sz="3000" dirty="0" smtClean="0"/>
+              <a:t>Ручное</a:t>
+            </a:r>
+          </a:p>
+          <a:p>
+            <a:pPr lvl="2"/>
+            <a:r>
+              <a:rPr lang="ru-RU" sz="2600" dirty="0" smtClean="0"/>
+              <a:t>Мониторинг </a:t>
+            </a:r>
+            <a:r>
+              <a:rPr lang="en-US" sz="2600" dirty="0" smtClean="0"/>
+              <a:t>email</a:t>
+            </a:r>
+            <a:endParaRPr lang="en-US" sz="2600" dirty="0" smtClean="0"/>
+          </a:p>
+          <a:p>
+            <a:pPr lvl="1"/>
+            <a:r>
+              <a:rPr lang="ru-RU" sz="3000" dirty="0" smtClean="0"/>
+              <a:t>Автоматическое</a:t>
+            </a:r>
+            <a:endParaRPr lang="en-US" sz="3000" dirty="0" smtClean="0"/>
+          </a:p>
+          <a:p>
+            <a:pPr lvl="2"/>
+            <a:r>
+              <a:rPr lang="en-US" sz="2600" dirty="0" smtClean="0"/>
+              <a:t>High Availability (Load balancing)</a:t>
+            </a:r>
+          </a:p>
+          <a:p>
+            <a:pPr lvl="2"/>
+            <a:r>
+              <a:rPr lang="ru-RU" sz="2600" dirty="0" smtClean="0"/>
+              <a:t>Автоматическая повторная попытка (</a:t>
+            </a:r>
+            <a:r>
+              <a:rPr lang="en-US" sz="2600" dirty="0" smtClean="0"/>
+              <a:t>Redelivery)</a:t>
+            </a:r>
+            <a:endParaRPr lang="en-US" sz="2600" dirty="0" smtClean="0"/>
+          </a:p>
+          <a:p>
+            <a:endParaRPr lang="ru-RU" sz="3400" u="sng" dirty="0"/>
           </a:p>
         </p:txBody>
       </p:sp>
     </p:spTree>
     <p:extLst>
       <p:ext uri="{BB962C8B-B14F-4D97-AF65-F5344CB8AC3E}">
-        <p14:creationId xmlns:p14="http://schemas.microsoft.com/office/powerpoint/2010/main" val="1995439128"/>
+        <p14:creationId xmlns:p14="http://schemas.microsoft.com/office/powerpoint/2010/main" val="555567851"/>
       </p:ext>
     </p:extLst>
   </p:cSld>
   <p:clrMapOvr>
     <a:masterClrMapping/>
   </p:clrMapOvr>
+  <p:timing>
+    <p:tnLst>
+      <p:par>
+        <p:cTn id="1" dur="indefinite" restart="never" nodeType="tmRoot"/>
+      </p:par>
+    </p:tnLst>
+  </p:timing>
 </p:sld>
 </file>
 
@@ -3907,7 +4530,7 @@
           <a:p>
             <a:r>
               <a:rPr lang="en-US" dirty="0" smtClean="0"/>
-              <a:t>Performance</a:t>
+              <a:t>Design: Performance</a:t>
             </a:r>
             <a:endParaRPr lang="ru-RU" dirty="0"/>
           </a:p>
@@ -3928,30 +4551,90 @@
           <a:bodyPr/>
           <a:lstStyle/>
           <a:p>
+            <a:pPr marL="0" indent="0">
+              <a:buNone/>
+            </a:pPr>
             <a:r>
               <a:rPr lang="en-US" dirty="0" smtClean="0"/>
-              <a:t>2 kind of services</a:t>
-            </a:r>
+              <a:t>2 </a:t>
+            </a:r>
+            <a:r>
+              <a:rPr lang="ru-RU" dirty="0" smtClean="0"/>
+              <a:t>Типа взаимодействия</a:t>
+            </a:r>
+            <a:endParaRPr lang="en-US" dirty="0" smtClean="0"/>
           </a:p>
           <a:p>
             <a:pPr lvl="1"/>
             <a:r>
-              <a:rPr lang="en-US" dirty="0" err="1" smtClean="0"/>
-              <a:t>Async</a:t>
-            </a:r>
-            <a:r>
-              <a:rPr lang="en-US" dirty="0" smtClean="0"/>
-              <a:t> (usually CUD in CRUD)</a:t>
-            </a:r>
-            <a:endParaRPr lang="en-US" dirty="0" smtClean="0"/>
+              <a:rPr lang="ru-RU" sz="4000" dirty="0" smtClean="0"/>
+              <a:t>Асинхронное</a:t>
+            </a:r>
+            <a:r>
+              <a:rPr lang="en-US" sz="4000" dirty="0" smtClean="0"/>
+              <a:t> </a:t>
+            </a:r>
+            <a:endParaRPr lang="ru-RU" sz="4000" dirty="0" smtClean="0"/>
+          </a:p>
+          <a:p>
+            <a:pPr lvl="2"/>
+            <a:r>
+              <a:rPr lang="ru-RU" sz="3600" dirty="0" smtClean="0"/>
+              <a:t>обычно</a:t>
+            </a:r>
+            <a:r>
+              <a:rPr lang="en-US" sz="3600" dirty="0" smtClean="0"/>
+              <a:t> </a:t>
+            </a:r>
+            <a:r>
+              <a:rPr lang="en-US" sz="3600" dirty="0" smtClean="0"/>
+              <a:t>CUD </a:t>
+            </a:r>
+            <a:r>
+              <a:rPr lang="ru-RU" sz="3600" dirty="0" smtClean="0"/>
+              <a:t>в</a:t>
+            </a:r>
+            <a:r>
+              <a:rPr lang="en-US" sz="3600" dirty="0" smtClean="0"/>
+              <a:t> CRUD</a:t>
+            </a:r>
+            <a:endParaRPr lang="en-US" sz="3600" dirty="0" smtClean="0"/>
           </a:p>
           <a:p>
             <a:pPr lvl="1"/>
             <a:r>
-              <a:rPr lang="en-US" dirty="0" smtClean="0"/>
-              <a:t>Sync (usually R in CRUD)</a:t>
-            </a:r>
-            <a:endParaRPr lang="en-US" dirty="0" smtClean="0"/>
+              <a:rPr lang="ru-RU" sz="4000" dirty="0" smtClean="0"/>
+              <a:t>Синхронное</a:t>
+            </a:r>
+            <a:r>
+              <a:rPr lang="en-US" sz="4000" dirty="0" smtClean="0"/>
+              <a:t> </a:t>
+            </a:r>
+            <a:endParaRPr lang="ru-RU" sz="4000" dirty="0" smtClean="0"/>
+          </a:p>
+          <a:p>
+            <a:pPr lvl="2"/>
+            <a:r>
+              <a:rPr lang="ru-RU" sz="3600" dirty="0" smtClean="0"/>
+              <a:t>обычно</a:t>
+            </a:r>
+            <a:r>
+              <a:rPr lang="en-US" sz="3600" dirty="0" smtClean="0"/>
+              <a:t> </a:t>
+            </a:r>
+            <a:r>
+              <a:rPr lang="en-US" sz="3600" dirty="0" smtClean="0"/>
+              <a:t>R </a:t>
+            </a:r>
+            <a:r>
+              <a:rPr lang="ru-RU" sz="3600" dirty="0" smtClean="0"/>
+              <a:t>в</a:t>
+            </a:r>
+            <a:r>
+              <a:rPr lang="en-US" sz="3600" dirty="0" smtClean="0"/>
+              <a:t> CRUD</a:t>
+            </a:r>
+            <a:endParaRPr lang="en-US" sz="3600" dirty="0" smtClean="0"/>
           </a:p>
           <a:p>
             <a:endParaRPr lang="ru-RU" dirty="0"/>
@@ -3968,6 +4651,13 @@
   <p:clrMapOvr>
     <a:masterClrMapping/>
   </p:clrMapOvr>
+  <p:timing>
+    <p:tnLst>
+      <p:par>
+        <p:cTn id="1" dur="indefinite" restart="never" nodeType="tmRoot"/>
+      </p:par>
+    </p:tnLst>
+  </p:timing>
 </p:sld>
 </file>
 
@@ -4004,8 +4694,8 @@
           <a:lstStyle/>
           <a:p>
             <a:r>
-              <a:rPr lang="en-US" dirty="0" smtClean="0"/>
-              <a:t>Sync</a:t>
+              <a:rPr lang="ru-RU" dirty="0" smtClean="0"/>
+              <a:t>Синхронное</a:t>
             </a:r>
             <a:endParaRPr lang="ru-RU" dirty="0"/>
           </a:p>
@@ -4023,27 +4713,29 @@
         </p:nvSpPr>
         <p:spPr/>
         <p:txBody>
-          <a:bodyPr/>
-          <a:lstStyle/>
-          <a:p>
-            <a:r>
-              <a:rPr lang="en-US" dirty="0" smtClean="0"/>
-              <a:t>As fast as </a:t>
-            </a:r>
-            <a:r>
-              <a:rPr lang="en-US" dirty="0" smtClean="0"/>
-              <a:t>possible</a:t>
-            </a:r>
+          <a:bodyPr>
+            <a:normAutofit lnSpcReduction="10000"/>
+          </a:bodyPr>
+          <a:lstStyle/>
+          <a:p>
+            <a:r>
+              <a:rPr lang="ru-RU" dirty="0" smtClean="0"/>
+              <a:t>Максимально быстро</a:t>
+            </a:r>
+            <a:endParaRPr lang="en-US" dirty="0" smtClean="0"/>
           </a:p>
           <a:p>
             <a:pPr lvl="1"/>
             <a:r>
-              <a:rPr lang="en-US" dirty="0" smtClean="0"/>
-              <a:t>Everything that do not require user attention/participation, made </a:t>
-            </a:r>
-            <a:r>
-              <a:rPr lang="en-US" dirty="0" err="1" smtClean="0"/>
-              <a:t>async</a:t>
+              <a:rPr lang="ru-RU" dirty="0" smtClean="0"/>
+              <a:t>Все что требует внимания пользователя</a:t>
+            </a:r>
+          </a:p>
+          <a:p>
+            <a:pPr lvl="2"/>
+            <a:r>
+              <a:rPr lang="ru-RU" dirty="0" smtClean="0"/>
+              <a:t>Иначе асинхронное</a:t>
             </a:r>
             <a:endParaRPr lang="en-US" dirty="0" smtClean="0"/>
           </a:p>
@@ -4052,29 +4744,132 @@
               <a:buNone/>
             </a:pPr>
             <a:r>
+              <a:rPr lang="ru-RU" sz="2400" i="1" dirty="0" smtClean="0"/>
+              <a:t>Сохранение заказа </a:t>
+            </a:r>
+            <a:r>
               <a:rPr lang="en-US" sz="2400" i="1" dirty="0" smtClean="0"/>
-              <a:t>Store order(s) -&gt; Charge Money (s) -&gt; Create License (a)</a:t>
+              <a:t>(</a:t>
+            </a:r>
+            <a:r>
+              <a:rPr lang="ru-RU" sz="2400" i="1" dirty="0" err="1" smtClean="0"/>
+              <a:t>синх</a:t>
+            </a:r>
+            <a:r>
+              <a:rPr lang="en-US" sz="2400" i="1" dirty="0" smtClean="0"/>
+              <a:t>) </a:t>
+            </a:r>
+            <a:endParaRPr lang="ru-RU" sz="2400" i="1" dirty="0" smtClean="0"/>
+          </a:p>
+          <a:p>
+            <a:pPr marL="457200" lvl="1" indent="0">
+              <a:buNone/>
+            </a:pPr>
+            <a:r>
+              <a:rPr lang="ru-RU" sz="2400" i="1" dirty="0"/>
+              <a:t>	</a:t>
+            </a:r>
+            <a:r>
+              <a:rPr lang="en-US" sz="2400" i="1" dirty="0" smtClean="0"/>
+              <a:t>-&gt; </a:t>
+            </a:r>
+            <a:r>
+              <a:rPr lang="ru-RU" sz="2400" i="1" dirty="0" smtClean="0"/>
+              <a:t>Снятие денег</a:t>
+            </a:r>
+            <a:r>
+              <a:rPr lang="en-US" sz="2400" i="1" dirty="0" smtClean="0"/>
+              <a:t> (</a:t>
+            </a:r>
+            <a:r>
+              <a:rPr lang="ru-RU" sz="2400" i="1" dirty="0" err="1" smtClean="0"/>
+              <a:t>синх</a:t>
+            </a:r>
+            <a:r>
+              <a:rPr lang="en-US" sz="2400" i="1" dirty="0" smtClean="0"/>
+              <a:t>) </a:t>
+            </a:r>
+            <a:endParaRPr lang="ru-RU" sz="2400" i="1" dirty="0" smtClean="0"/>
+          </a:p>
+          <a:p>
+            <a:pPr marL="457200" lvl="1" indent="0">
+              <a:buNone/>
+            </a:pPr>
+            <a:r>
+              <a:rPr lang="ru-RU" sz="2400" i="1" dirty="0"/>
+              <a:t>	</a:t>
+            </a:r>
+            <a:r>
+              <a:rPr lang="ru-RU" sz="2400" i="1" dirty="0" smtClean="0"/>
+              <a:t>	</a:t>
+            </a:r>
+            <a:r>
+              <a:rPr lang="en-US" sz="2400" i="1" dirty="0" smtClean="0"/>
+              <a:t>-&gt; </a:t>
+            </a:r>
+            <a:r>
+              <a:rPr lang="ru-RU" sz="2400" i="1" dirty="0" smtClean="0"/>
+              <a:t>Создание лицензии во </a:t>
+            </a:r>
+          </a:p>
+          <a:p>
+            <a:pPr marL="457200" lvl="1" indent="0">
+              <a:buNone/>
+            </a:pPr>
+            <a:r>
+              <a:rPr lang="ru-RU" sz="2400" i="1" dirty="0"/>
+              <a:t>	</a:t>
+            </a:r>
+            <a:r>
+              <a:rPr lang="ru-RU" sz="2400" i="1" dirty="0" smtClean="0"/>
+              <a:t>			</a:t>
+            </a:r>
+            <a:r>
+              <a:rPr lang="ru-RU" sz="2400" i="1" dirty="0" smtClean="0"/>
+              <a:t>внешнем приложении</a:t>
+            </a:r>
+            <a:r>
+              <a:rPr lang="en-US" sz="2400" i="1" dirty="0" smtClean="0"/>
+              <a:t> (</a:t>
+            </a:r>
+            <a:r>
+              <a:rPr lang="ru-RU" sz="2400" i="1" dirty="0" err="1" smtClean="0"/>
+              <a:t>асинх</a:t>
+            </a:r>
+            <a:r>
+              <a:rPr lang="en-US" sz="2400" i="1" dirty="0" smtClean="0"/>
+              <a:t>)</a:t>
             </a:r>
             <a:endParaRPr lang="en-US" sz="2400" i="1" dirty="0" smtClean="0"/>
           </a:p>
           <a:p>
             <a:r>
+              <a:rPr lang="ru-RU" dirty="0" smtClean="0"/>
+              <a:t>Использовать кэш</a:t>
+            </a:r>
+            <a:endParaRPr lang="en-US" dirty="0" smtClean="0"/>
+          </a:p>
+          <a:p>
+            <a:pPr lvl="1"/>
+            <a:r>
+              <a:rPr lang="ru-RU" dirty="0" err="1" smtClean="0"/>
+              <a:t>Внутрипроцессный</a:t>
+            </a:r>
+            <a:r>
+              <a:rPr lang="ru-RU" dirty="0" smtClean="0"/>
+              <a:t> кэш </a:t>
+            </a:r>
+            <a:r>
               <a:rPr lang="en-US" dirty="0" smtClean="0"/>
-              <a:t>Cache retrieval</a:t>
-            </a:r>
-          </a:p>
-          <a:p>
-            <a:pPr lvl="1"/>
-            <a:r>
-              <a:rPr lang="en-US" dirty="0" smtClean="0"/>
-              <a:t>Guava for small caches</a:t>
-            </a:r>
+              <a:t>Guava</a:t>
+            </a:r>
+            <a:endParaRPr lang="en-US" dirty="0" smtClean="0"/>
           </a:p>
           <a:p>
             <a:pPr lvl="2"/>
             <a:r>
-              <a:rPr lang="en-US" dirty="0"/>
-              <a:t>Eliminate process interaction</a:t>
+              <a:rPr lang="ru-RU" dirty="0" smtClean="0"/>
+              <a:t>Для небольших данных</a:t>
             </a:r>
             <a:endParaRPr lang="ru-RU" dirty="0"/>
           </a:p>
@@ -4094,6 +4889,13 @@
   <p:clrMapOvr>
     <a:masterClrMapping/>
   </p:clrMapOvr>
+  <p:timing>
+    <p:tnLst>
+      <p:par>
+        <p:cTn id="1" dur="indefinite" restart="never" nodeType="tmRoot"/>
+      </p:par>
+    </p:tnLst>
+  </p:timing>
 </p:sld>
 </file>
 
@@ -4130,8 +4932,8 @@
           <a:lstStyle/>
           <a:p>
             <a:r>
-              <a:rPr lang="en-US" dirty="0" err="1" smtClean="0"/>
-              <a:t>Async</a:t>
+              <a:rPr lang="ru-RU" dirty="0" smtClean="0"/>
+              <a:t>Асинхронное</a:t>
             </a:r>
             <a:endParaRPr lang="ru-RU" dirty="0"/>
           </a:p>
@@ -4155,48 +4957,61 @@
           <a:lstStyle/>
           <a:p>
             <a:r>
+              <a:rPr lang="ru-RU" dirty="0" smtClean="0"/>
+              <a:t>Отложенная обработка</a:t>
+            </a:r>
+            <a:endParaRPr lang="en-US" dirty="0" smtClean="0"/>
+          </a:p>
+          <a:p>
+            <a:pPr lvl="1"/>
+            <a:r>
+              <a:rPr lang="ru-RU" dirty="0" smtClean="0"/>
+              <a:t>Возвращаем </a:t>
+            </a:r>
+            <a:r>
               <a:rPr lang="en-US" dirty="0" smtClean="0"/>
-              <a:t>Deferred Processing</a:t>
-            </a:r>
+              <a:t>ID, </a:t>
+            </a:r>
+            <a:r>
+              <a:rPr lang="ru-RU" dirty="0" smtClean="0"/>
+              <a:t>работа в фоне</a:t>
+            </a:r>
+            <a:endParaRPr lang="en-US" dirty="0" smtClean="0"/>
+          </a:p>
+          <a:p>
+            <a:pPr lvl="2"/>
+            <a:r>
+              <a:rPr lang="ru-RU" dirty="0" smtClean="0"/>
+              <a:t>Нужно хранилище</a:t>
+            </a:r>
+            <a:endParaRPr lang="en-US" dirty="0" smtClean="0"/>
+          </a:p>
+          <a:p>
+            <a:pPr lvl="2"/>
+            <a:r>
+              <a:rPr lang="ru-RU" dirty="0" smtClean="0"/>
+              <a:t>Хранение входных и выходных данных</a:t>
+            </a:r>
+          </a:p>
+          <a:p>
+            <a:pPr lvl="3"/>
+            <a:r>
+              <a:rPr lang="ru-RU" dirty="0" err="1" smtClean="0"/>
+              <a:t>Дупликаты</a:t>
+            </a:r>
+            <a:r>
+              <a:rPr lang="ru-RU" dirty="0" smtClean="0"/>
+              <a:t>, но необходимы для диагностики</a:t>
+            </a:r>
+            <a:endParaRPr lang="en-US" dirty="0" smtClean="0"/>
           </a:p>
           <a:p>
             <a:pPr lvl="1"/>
             <a:r>
-              <a:rPr lang="en-US" dirty="0" smtClean="0"/>
-              <a:t>Approach </a:t>
-            </a:r>
-            <a:r>
-              <a:rPr lang="en-US" dirty="0" smtClean="0"/>
-              <a:t>with storing id, making work in background</a:t>
-            </a:r>
-          </a:p>
-          <a:p>
-            <a:pPr lvl="2"/>
-            <a:r>
-              <a:rPr lang="en-US" dirty="0" smtClean="0"/>
-              <a:t>Need a storage</a:t>
-            </a:r>
-          </a:p>
-          <a:p>
-            <a:pPr lvl="2"/>
-            <a:r>
-              <a:rPr lang="en-US" dirty="0" smtClean="0"/>
-              <a:t>Store data in, data out</a:t>
-            </a:r>
-          </a:p>
-          <a:p>
-            <a:pPr lvl="3"/>
-            <a:r>
-              <a:rPr lang="en-US" dirty="0" smtClean="0"/>
-              <a:t>Duplicates, but need for recovery</a:t>
-            </a:r>
-          </a:p>
-          <a:p>
-            <a:pPr lvl="1"/>
-            <a:r>
-              <a:rPr lang="en-US" dirty="0" smtClean="0"/>
-              <a:t>Provide a way to get a state</a:t>
-            </a:r>
+              <a:rPr lang="ru-RU" dirty="0" smtClean="0"/>
+              <a:t>Получение статуса</a:t>
+            </a:r>
+            <a:endParaRPr lang="en-US" dirty="0" smtClean="0"/>
           </a:p>
           <a:p>
             <a:pPr lvl="2"/>
@@ -4208,13 +5023,10 @@
           <a:p>
             <a:pPr lvl="2"/>
             <a:r>
-              <a:rPr lang="en-US" dirty="0" err="1" smtClean="0"/>
-              <a:t>Async</a:t>
-            </a:r>
-            <a:r>
-              <a:rPr lang="en-US" dirty="0" smtClean="0"/>
-              <a:t> Result message</a:t>
-            </a:r>
+              <a:rPr lang="ru-RU" dirty="0" smtClean="0"/>
+              <a:t>Асинхронное извещение по завершению обработки</a:t>
+            </a:r>
+            <a:endParaRPr lang="en-US" dirty="0" smtClean="0"/>
           </a:p>
           <a:p>
             <a:pPr lvl="1"/>
@@ -4232,6 +5044,13 @@
   <p:clrMapOvr>
     <a:masterClrMapping/>
   </p:clrMapOvr>
+  <p:timing>
+    <p:tnLst>
+      <p:par>
+        <p:cTn id="1" dur="indefinite" restart="never" nodeType="tmRoot"/>
+      </p:par>
+    </p:tnLst>
+  </p:timing>
 </p:sld>
 </file>
 
@@ -4268,8 +5087,12 @@
           <a:lstStyle/>
           <a:p>
             <a:r>
+              <a:rPr lang="ru-RU" dirty="0" smtClean="0"/>
+              <a:t>Отказы (</a:t>
+            </a:r>
+            <a:r>
               <a:rPr lang="en-US" dirty="0" smtClean="0"/>
-              <a:t>Failures</a:t>
+              <a:t>Failures)</a:t>
             </a:r>
             <a:endParaRPr lang="ru-RU" dirty="0"/>
           </a:p>
@@ -4293,66 +5116,102 @@
           <a:lstStyle/>
           <a:p>
             <a:r>
+              <a:rPr lang="ru-RU" dirty="0" smtClean="0"/>
+              <a:t>Быть готовым к отказу</a:t>
+            </a:r>
+            <a:endParaRPr lang="en-US" dirty="0" smtClean="0"/>
+          </a:p>
+          <a:p>
+            <a:r>
+              <a:rPr lang="ru-RU" dirty="0" smtClean="0"/>
+              <a:t>Быть готовым к восстановлению данных</a:t>
+            </a:r>
+            <a:endParaRPr lang="en-US" dirty="0" smtClean="0"/>
+          </a:p>
+          <a:p>
+            <a:r>
+              <a:rPr lang="ru-RU" dirty="0" smtClean="0"/>
+              <a:t>Найти точки отказа</a:t>
+            </a:r>
+            <a:endParaRPr lang="en-US" dirty="0" smtClean="0"/>
+          </a:p>
+          <a:p>
+            <a:pPr lvl="1"/>
+            <a:r>
+              <a:rPr lang="en-US" u="sng" dirty="0" smtClean="0"/>
+              <a:t>Show on our application</a:t>
+            </a:r>
+          </a:p>
+          <a:p>
+            <a:r>
+              <a:rPr lang="ru-RU" dirty="0" smtClean="0"/>
+              <a:t>Определить как восстанавливать данные</a:t>
+            </a:r>
+            <a:endParaRPr lang="en-US" dirty="0" smtClean="0"/>
+          </a:p>
+          <a:p>
+            <a:pPr lvl="1"/>
+            <a:r>
+              <a:rPr lang="ru-RU" dirty="0" smtClean="0"/>
+              <a:t>Синхронное</a:t>
+            </a:r>
+            <a:r>
               <a:rPr lang="en-US" dirty="0" smtClean="0"/>
-              <a:t>Be ready for failures</a:t>
-            </a:r>
-          </a:p>
-          <a:p>
+              <a:t>- </a:t>
+            </a:r>
+            <a:r>
+              <a:rPr lang="ru-RU" dirty="0" smtClean="0"/>
+              <a:t>на стороне клиента</a:t>
+            </a:r>
+            <a:endParaRPr lang="en-US" dirty="0" smtClean="0"/>
+          </a:p>
+          <a:p>
+            <a:pPr lvl="2"/>
+            <a:r>
+              <a:rPr lang="ru-RU" dirty="0" smtClean="0"/>
+              <a:t>ответственный</a:t>
+            </a:r>
             <a:r>
               <a:rPr lang="en-US" dirty="0" smtClean="0"/>
-              <a:t>Be ready to recover</a:t>
-            </a:r>
-          </a:p>
-          <a:p>
+              <a:t>: </a:t>
+            </a:r>
+            <a:r>
+              <a:rPr lang="ru-RU" dirty="0" smtClean="0"/>
+              <a:t>пользователь</a:t>
+            </a:r>
+            <a:endParaRPr lang="en-US" dirty="0" smtClean="0"/>
+          </a:p>
+          <a:p>
+            <a:pPr lvl="1"/>
+            <a:r>
+              <a:rPr lang="ru-RU" dirty="0" smtClean="0"/>
+              <a:t>Асинхронное</a:t>
+            </a:r>
             <a:r>
               <a:rPr lang="en-US" dirty="0" smtClean="0"/>
-              <a:t>Identify failure points</a:t>
-            </a:r>
-          </a:p>
-          <a:p>
-            <a:pPr lvl="1"/>
+              <a:t>- </a:t>
+            </a:r>
+            <a:r>
+              <a:rPr lang="ru-RU" dirty="0" smtClean="0"/>
+              <a:t>на стороне сервера</a:t>
+            </a:r>
+            <a:endParaRPr lang="en-US" dirty="0" smtClean="0"/>
+          </a:p>
+          <a:p>
+            <a:pPr lvl="2"/>
+            <a:r>
+              <a:rPr lang="ru-RU" dirty="0" smtClean="0"/>
+              <a:t>ответственный</a:t>
+            </a:r>
             <a:r>
               <a:rPr lang="en-US" dirty="0" smtClean="0"/>
-              <a:t>Show on our application</a:t>
-            </a:r>
-          </a:p>
-          <a:p>
-            <a:r>
-              <a:rPr lang="en-US" dirty="0" smtClean="0"/>
-              <a:t>Identify how to recover</a:t>
-            </a:r>
-          </a:p>
-          <a:p>
-            <a:pPr lvl="1"/>
-            <a:r>
-              <a:rPr lang="en-US" dirty="0" smtClean="0"/>
-              <a:t>Sync- client side recovery</a:t>
-            </a:r>
-          </a:p>
-          <a:p>
-            <a:pPr lvl="2"/>
-            <a:r>
-              <a:rPr lang="en-US" dirty="0" smtClean="0"/>
-              <a:t>Responsible: client</a:t>
-            </a:r>
-          </a:p>
-          <a:p>
-            <a:pPr lvl="1"/>
-            <a:r>
-              <a:rPr lang="en-US" dirty="0" err="1" smtClean="0"/>
-              <a:t>Async</a:t>
-            </a:r>
-            <a:r>
-              <a:rPr lang="en-US" dirty="0" smtClean="0"/>
-              <a:t>- server side recovery</a:t>
-            </a:r>
-          </a:p>
-          <a:p>
-            <a:pPr lvl="2"/>
-            <a:r>
-              <a:rPr lang="en-US" dirty="0" smtClean="0"/>
-              <a:t>Responsible: you</a:t>
-            </a:r>
+              <a:t>: </a:t>
+            </a:r>
+            <a:r>
+              <a:rPr lang="ru-RU" dirty="0" smtClean="0"/>
+              <a:t>разработчик</a:t>
+            </a:r>
+            <a:endParaRPr lang="en-US" dirty="0" smtClean="0"/>
           </a:p>
           <a:p>
             <a:pPr lvl="2"/>
@@ -4370,6 +5229,13 @@
   <p:clrMapOvr>
     <a:masterClrMapping/>
   </p:clrMapOvr>
+  <p:timing>
+    <p:tnLst>
+      <p:par>
+        <p:cTn id="1" dur="indefinite" restart="never" nodeType="tmRoot"/>
+      </p:par>
+    </p:tnLst>
+  </p:timing>
 </p:sld>
 </file>
 
@@ -4407,11 +5273,7 @@
           <a:p>
             <a:r>
               <a:rPr lang="en-US" dirty="0" smtClean="0"/>
-              <a:t>Failures: </a:t>
-            </a:r>
-            <a:r>
-              <a:rPr lang="en-US" dirty="0" err="1" smtClean="0"/>
-              <a:t>Async</a:t>
+              <a:t>Design: Client-oriented</a:t>
             </a:r>
             <a:endParaRPr lang="ru-RU" dirty="0"/>
           </a:p>
@@ -4434,13 +5296,20 @@
           <a:p>
             <a:r>
               <a:rPr lang="en-US" dirty="0" smtClean="0"/>
-              <a:t>Redelivery</a:t>
-            </a:r>
-          </a:p>
-          <a:p>
+              <a:t>Helper client libs</a:t>
+            </a:r>
+          </a:p>
+          <a:p>
+            <a:pPr lvl="1"/>
             <a:r>
               <a:rPr lang="en-US" dirty="0" smtClean="0"/>
-              <a:t>DLQ</a:t>
+              <a:t>Rup-rest example</a:t>
+            </a:r>
+          </a:p>
+          <a:p>
+            <a:r>
+              <a:rPr lang="en-US" dirty="0" smtClean="0"/>
+              <a:t>Steward API</a:t>
             </a:r>
             <a:endParaRPr lang="ru-RU" dirty="0"/>
           </a:p>
@@ -4449,13 +5318,20 @@
     </p:spTree>
     <p:extLst>
       <p:ext uri="{BB962C8B-B14F-4D97-AF65-F5344CB8AC3E}">
-        <p14:creationId xmlns:p14="http://schemas.microsoft.com/office/powerpoint/2010/main" val="3290812372"/>
+        <p14:creationId xmlns:p14="http://schemas.microsoft.com/office/powerpoint/2010/main" val="1995439128"/>
       </p:ext>
     </p:extLst>
   </p:cSld>
   <p:clrMapOvr>
     <a:masterClrMapping/>
   </p:clrMapOvr>
+  <p:timing>
+    <p:tnLst>
+      <p:par>
+        <p:cTn id="1" dur="indefinite" restart="never" nodeType="tmRoot"/>
+      </p:par>
+    </p:tnLst>
+  </p:timing>
 </p:sld>
 </file>
 
@@ -4838,6 +5714,13 @@
   <p:clrMapOvr>
     <a:masterClrMapping/>
   </p:clrMapOvr>
+  <p:timing>
+    <p:tnLst>
+      <p:par>
+        <p:cTn id="1" dur="indefinite" restart="never" nodeType="tmRoot"/>
+      </p:par>
+    </p:tnLst>
+  </p:timing>
 </p:sld>
 </file>
 
@@ -4860,7 +5743,7 @@
       </p:grpSpPr>
       <p:sp>
         <p:nvSpPr>
-          <p:cNvPr id="2" name="Title 1"/>
+          <p:cNvPr id="2" name="Заголовок 1"/>
           <p:cNvSpPr>
             <a:spLocks noGrp="1"/>
           </p:cNvSpPr>
@@ -4873,13 +5756,25 @@
           <a:bodyPr/>
           <a:lstStyle/>
           <a:p>
-            <a:endParaRPr lang="en-US" dirty="0"/>
-          </a:p>
-        </p:txBody>
-      </p:sp>
-      <p:sp>
-        <p:nvSpPr>
-          <p:cNvPr id="3" name="Content Placeholder 2"/>
+            <a:r>
+              <a:rPr lang="ru-RU" dirty="0" smtClean="0"/>
+              <a:t>Отказы</a:t>
+            </a:r>
+            <a:r>
+              <a:rPr lang="en-US" dirty="0" smtClean="0"/>
+              <a:t>: </a:t>
+            </a:r>
+            <a:r>
+              <a:rPr lang="ru-RU" dirty="0" smtClean="0"/>
+              <a:t>Асинхронное</a:t>
+            </a:r>
+            <a:endParaRPr lang="ru-RU" dirty="0"/>
+          </a:p>
+        </p:txBody>
+      </p:sp>
+      <p:sp>
+        <p:nvSpPr>
+          <p:cNvPr id="3" name="Объект 2"/>
           <p:cNvSpPr>
             <a:spLocks noGrp="1"/>
           </p:cNvSpPr>
@@ -4893,38 +5788,59 @@
           <a:lstStyle/>
           <a:p>
             <a:r>
+              <a:rPr lang="ru-RU" dirty="0" smtClean="0"/>
+              <a:t>Повторная доставка </a:t>
+            </a:r>
+            <a:r>
               <a:rPr lang="en-US" dirty="0" smtClean="0"/>
-              <a:t>Developers perform </a:t>
-            </a:r>
+              <a:t>(redelivery)</a:t>
+            </a:r>
+          </a:p>
+          <a:p>
+            <a:pPr lvl="1"/>
+            <a:r>
+              <a:rPr lang="ru-RU" dirty="0" smtClean="0"/>
+              <a:t>Автоматическая</a:t>
+            </a:r>
+          </a:p>
+          <a:p>
+            <a:pPr lvl="1"/>
+            <a:endParaRPr lang="en-US" dirty="0" smtClean="0"/>
+          </a:p>
+          <a:p>
             <a:r>
               <a:rPr lang="en-US" dirty="0" smtClean="0"/>
-              <a:t>Support</a:t>
-            </a:r>
-          </a:p>
-          <a:p>
-            <a:pPr lvl="1"/>
+              <a:t>DLQ</a:t>
+            </a:r>
+            <a:r>
+              <a:rPr lang="ru-RU" dirty="0" smtClean="0"/>
+              <a:t> (</a:t>
+            </a:r>
             <a:r>
               <a:rPr lang="en-US" dirty="0" smtClean="0"/>
-              <a:t>Helps to build tools to simplify support</a:t>
-            </a:r>
-            <a:r>
-              <a:rPr lang="en-US" dirty="0" smtClean="0"/>
-              <a:t> </a:t>
-            </a:r>
-            <a:endParaRPr lang="en-US" dirty="0"/>
+              <a:t>Dead Letter Queue)</a:t>
+            </a:r>
+            <a:endParaRPr lang="ru-RU" dirty="0"/>
           </a:p>
         </p:txBody>
       </p:sp>
     </p:spTree>
     <p:extLst>
       <p:ext uri="{BB962C8B-B14F-4D97-AF65-F5344CB8AC3E}">
-        <p14:creationId xmlns:p14="http://schemas.microsoft.com/office/powerpoint/2010/main" val="3122075378"/>
+        <p14:creationId xmlns:p14="http://schemas.microsoft.com/office/powerpoint/2010/main" val="3290812372"/>
       </p:ext>
     </p:extLst>
   </p:cSld>
   <p:clrMapOvr>
     <a:masterClrMapping/>
   </p:clrMapOvr>
+  <p:timing>
+    <p:tnLst>
+      <p:par>
+        <p:cTn id="1" dur="indefinite" restart="never" nodeType="tmRoot"/>
+      </p:par>
+    </p:tnLst>
+  </p:timing>
 </p:sld>
 </file>
 
@@ -4947,7 +5863,7 @@
       </p:grpSpPr>
       <p:sp>
         <p:nvSpPr>
-          <p:cNvPr id="2" name="Заголовок 1"/>
+          <p:cNvPr id="2" name="Title 1"/>
           <p:cNvSpPr>
             <a:spLocks noGrp="1"/>
           </p:cNvSpPr>
@@ -4960,13 +5876,13 @@
           <a:bodyPr/>
           <a:lstStyle/>
           <a:p>
-            <a:endParaRPr lang="ru-RU"/>
-          </a:p>
-        </p:txBody>
-      </p:sp>
-      <p:sp>
-        <p:nvSpPr>
-          <p:cNvPr id="3" name="Объект 2"/>
+            <a:endParaRPr lang="en-US" dirty="0"/>
+          </a:p>
+        </p:txBody>
+      </p:sp>
+      <p:sp>
+        <p:nvSpPr>
+          <p:cNvPr id="3" name="Content Placeholder 2"/>
           <p:cNvSpPr>
             <a:spLocks noGrp="1"/>
           </p:cNvSpPr>
@@ -4979,20 +5895,38 @@
           <a:bodyPr/>
           <a:lstStyle/>
           <a:p>
-            <a:endParaRPr lang="ru-RU"/>
+            <a:r>
+              <a:rPr lang="en-US" dirty="0" smtClean="0"/>
+              <a:t>Developers perform Support</a:t>
+            </a:r>
+          </a:p>
+          <a:p>
+            <a:pPr lvl="1"/>
+            <a:r>
+              <a:rPr lang="en-US" dirty="0" smtClean="0"/>
+              <a:t>Helps to build tools to simplify support </a:t>
+            </a:r>
+            <a:endParaRPr lang="en-US" dirty="0"/>
           </a:p>
         </p:txBody>
       </p:sp>
     </p:spTree>
     <p:extLst>
       <p:ext uri="{BB962C8B-B14F-4D97-AF65-F5344CB8AC3E}">
-        <p14:creationId xmlns:p14="http://schemas.microsoft.com/office/powerpoint/2010/main" val="1486434484"/>
+        <p14:creationId xmlns:p14="http://schemas.microsoft.com/office/powerpoint/2010/main" val="3122075378"/>
       </p:ext>
     </p:extLst>
   </p:cSld>
   <p:clrMapOvr>
     <a:masterClrMapping/>
   </p:clrMapOvr>
+  <p:timing>
+    <p:tnLst>
+      <p:par>
+        <p:cTn id="1" dur="indefinite" restart="never" nodeType="tmRoot"/>
+      </p:par>
+    </p:tnLst>
+  </p:timing>
 </p:sld>
 </file>
 
@@ -5029,279 +5963,31 @@
           <a:lstStyle/>
           <a:p>
             <a:r>
+              <a:rPr lang="en-US" dirty="0" err="1" smtClean="0"/>
+              <a:t>Microservices</a:t>
+            </a:r>
+            <a:r>
+              <a:rPr lang="en-US" dirty="0" smtClean="0"/>
+              <a:t> </a:t>
+            </a:r>
+            <a:r>
               <a:rPr lang="ru-RU" dirty="0" smtClean="0"/>
-              <a:t>Тип Архитектуры</a:t>
+              <a:t>За и Против</a:t>
             </a:r>
             <a:endParaRPr lang="ru-RU" dirty="0"/>
           </a:p>
         </p:txBody>
       </p:sp>
-      <p:pic>
-        <p:nvPicPr>
-          <p:cNvPr id="1027" name="Picture 3"/>
-          <p:cNvPicPr>
-            <a:picLocks noChangeAspect="1" noChangeArrowheads="1"/>
-          </p:cNvPicPr>
-          <p:nvPr/>
-        </p:nvPicPr>
-        <p:blipFill>
-          <a:blip r:embed="rId2">
-            <a:extLst>
-              <a:ext uri="{28A0092B-C50C-407E-A947-70E740481C1C}">
-                <a14:useLocalDpi xmlns:a14="http://schemas.microsoft.com/office/drawing/2010/main" val="0"/>
-              </a:ext>
-            </a:extLst>
-          </a:blip>
-          <a:srcRect/>
-          <a:stretch>
-            <a:fillRect/>
-          </a:stretch>
-        </p:blipFill>
-        <p:spPr bwMode="auto">
-          <a:xfrm>
-            <a:off x="1889696" y="2848863"/>
-            <a:ext cx="1440160" cy="1472164"/>
-          </a:xfrm>
-          <a:prstGeom prst="rect">
-            <a:avLst/>
-          </a:prstGeom>
-          <a:noFill/>
-          <a:ln>
-            <a:noFill/>
-          </a:ln>
-          <a:effectLst/>
-          <a:extLst>
-            <a:ext uri="{909E8E84-426E-40DD-AFC4-6F175D3DCCD1}">
-              <a14:hiddenFill xmlns:a14="http://schemas.microsoft.com/office/drawing/2010/main">
-                <a:solidFill>
-                  <a:schemeClr val="accent1"/>
-                </a:solidFill>
-              </a14:hiddenFill>
-            </a:ext>
-            <a:ext uri="{91240B29-F687-4F45-9708-019B960494DF}">
-              <a14:hiddenLine xmlns:a14="http://schemas.microsoft.com/office/drawing/2010/main" w="9525">
-                <a:solidFill>
-                  <a:schemeClr val="tx1"/>
-                </a:solidFill>
-                <a:miter lim="800000"/>
-                <a:headEnd/>
-                <a:tailEnd/>
-              </a14:hiddenLine>
-            </a:ext>
-            <a:ext uri="{AF507438-7753-43E0-B8FC-AC1667EBCBE1}">
-              <a14:hiddenEffects xmlns:a14="http://schemas.microsoft.com/office/drawing/2010/main">
-                <a:effectLst>
-                  <a:outerShdw dist="35921" dir="2700000" algn="ctr" rotWithShape="0">
-                    <a:schemeClr val="bg2"/>
-                  </a:outerShdw>
-                </a:effectLst>
-              </a14:hiddenEffects>
-            </a:ext>
-          </a:extLst>
-        </p:spPr>
-      </p:pic>
-      <p:pic>
-        <p:nvPicPr>
-          <p:cNvPr id="1028" name="Picture 4"/>
-          <p:cNvPicPr>
-            <a:picLocks noChangeAspect="1" noChangeArrowheads="1"/>
-          </p:cNvPicPr>
-          <p:nvPr/>
-        </p:nvPicPr>
-        <p:blipFill>
-          <a:blip r:embed="rId3">
-            <a:extLst>
-              <a:ext uri="{28A0092B-C50C-407E-A947-70E740481C1C}">
-                <a14:useLocalDpi xmlns:a14="http://schemas.microsoft.com/office/drawing/2010/main" val="0"/>
-              </a:ext>
-            </a:extLst>
-          </a:blip>
-          <a:srcRect/>
-          <a:stretch>
-            <a:fillRect/>
-          </a:stretch>
-        </p:blipFill>
-        <p:spPr bwMode="auto">
-          <a:xfrm>
-            <a:off x="5070296" y="2787295"/>
-            <a:ext cx="720080" cy="720080"/>
-          </a:xfrm>
-          <a:prstGeom prst="rect">
-            <a:avLst/>
-          </a:prstGeom>
-          <a:noFill/>
-          <a:ln>
-            <a:noFill/>
-          </a:ln>
-          <a:effectLst/>
-          <a:extLst>
-            <a:ext uri="{909E8E84-426E-40DD-AFC4-6F175D3DCCD1}">
-              <a14:hiddenFill xmlns:a14="http://schemas.microsoft.com/office/drawing/2010/main">
-                <a:solidFill>
-                  <a:schemeClr val="accent1"/>
-                </a:solidFill>
-              </a14:hiddenFill>
-            </a:ext>
-            <a:ext uri="{91240B29-F687-4F45-9708-019B960494DF}">
-              <a14:hiddenLine xmlns:a14="http://schemas.microsoft.com/office/drawing/2010/main" w="9525">
-                <a:solidFill>
-                  <a:schemeClr val="tx1"/>
-                </a:solidFill>
-                <a:miter lim="800000"/>
-                <a:headEnd/>
-                <a:tailEnd/>
-              </a14:hiddenLine>
-            </a:ext>
-            <a:ext uri="{AF507438-7753-43E0-B8FC-AC1667EBCBE1}">
-              <a14:hiddenEffects xmlns:a14="http://schemas.microsoft.com/office/drawing/2010/main">
-                <a:effectLst>
-                  <a:outerShdw dist="35921" dir="2700000" algn="ctr" rotWithShape="0">
-                    <a:schemeClr val="bg2"/>
-                  </a:outerShdw>
-                </a:effectLst>
-              </a14:hiddenEffects>
-            </a:ext>
-          </a:extLst>
-        </p:spPr>
-      </p:pic>
-      <p:pic>
-        <p:nvPicPr>
-          <p:cNvPr id="1029" name="Picture 5"/>
-          <p:cNvPicPr>
-            <a:picLocks noChangeAspect="1" noChangeArrowheads="1"/>
-          </p:cNvPicPr>
-          <p:nvPr/>
-        </p:nvPicPr>
-        <p:blipFill>
-          <a:blip r:embed="rId4">
-            <a:extLst>
-              <a:ext uri="{28A0092B-C50C-407E-A947-70E740481C1C}">
-                <a14:useLocalDpi xmlns:a14="http://schemas.microsoft.com/office/drawing/2010/main" val="0"/>
-              </a:ext>
-            </a:extLst>
-          </a:blip>
-          <a:srcRect/>
-          <a:stretch>
-            <a:fillRect/>
-          </a:stretch>
-        </p:blipFill>
-        <p:spPr bwMode="auto">
-          <a:xfrm>
-            <a:off x="6021620" y="2998388"/>
-            <a:ext cx="650556" cy="650556"/>
-          </a:xfrm>
-          <a:prstGeom prst="rect">
-            <a:avLst/>
-          </a:prstGeom>
-          <a:noFill/>
-          <a:ln>
-            <a:noFill/>
-          </a:ln>
-          <a:effectLst/>
-          <a:extLst>
-            <a:ext uri="{909E8E84-426E-40DD-AFC4-6F175D3DCCD1}">
-              <a14:hiddenFill xmlns:a14="http://schemas.microsoft.com/office/drawing/2010/main">
-                <a:solidFill>
-                  <a:schemeClr val="accent1"/>
-                </a:solidFill>
-              </a14:hiddenFill>
-            </a:ext>
-            <a:ext uri="{91240B29-F687-4F45-9708-019B960494DF}">
-              <a14:hiddenLine xmlns:a14="http://schemas.microsoft.com/office/drawing/2010/main" w="9525">
-                <a:solidFill>
-                  <a:schemeClr val="tx1"/>
-                </a:solidFill>
-                <a:miter lim="800000"/>
-                <a:headEnd/>
-                <a:tailEnd/>
-              </a14:hiddenLine>
-            </a:ext>
-            <a:ext uri="{AF507438-7753-43E0-B8FC-AC1667EBCBE1}">
-              <a14:hiddenEffects xmlns:a14="http://schemas.microsoft.com/office/drawing/2010/main">
-                <a:effectLst>
-                  <a:outerShdw dist="35921" dir="2700000" algn="ctr" rotWithShape="0">
-                    <a:schemeClr val="bg2"/>
-                  </a:outerShdw>
-                </a:effectLst>
-              </a14:hiddenEffects>
-            </a:ext>
-          </a:extLst>
-        </p:spPr>
-      </p:pic>
-      <p:pic>
-        <p:nvPicPr>
-          <p:cNvPr id="1030" name="Picture 6"/>
-          <p:cNvPicPr>
-            <a:picLocks noChangeAspect="1" noChangeArrowheads="1"/>
-          </p:cNvPicPr>
-          <p:nvPr/>
-        </p:nvPicPr>
-        <p:blipFill>
-          <a:blip r:embed="rId5">
-            <a:extLst>
-              <a:ext uri="{28A0092B-C50C-407E-A947-70E740481C1C}">
-                <a14:useLocalDpi xmlns:a14="http://schemas.microsoft.com/office/drawing/2010/main" val="0"/>
-              </a:ext>
-            </a:extLst>
-          </a:blip>
-          <a:srcRect/>
-          <a:stretch>
-            <a:fillRect/>
-          </a:stretch>
-        </p:blipFill>
-        <p:spPr bwMode="auto">
-          <a:xfrm>
-            <a:off x="5644861" y="3759787"/>
-            <a:ext cx="690040" cy="690040"/>
-          </a:xfrm>
-          <a:prstGeom prst="rect">
-            <a:avLst/>
-          </a:prstGeom>
-          <a:noFill/>
-          <a:ln>
-            <a:noFill/>
-          </a:ln>
-          <a:effectLst/>
-          <a:extLst>
-            <a:ext uri="{909E8E84-426E-40DD-AFC4-6F175D3DCCD1}">
-              <a14:hiddenFill xmlns:a14="http://schemas.microsoft.com/office/drawing/2010/main">
-                <a:solidFill>
-                  <a:schemeClr val="accent1"/>
-                </a:solidFill>
-              </a14:hiddenFill>
-            </a:ext>
-            <a:ext uri="{91240B29-F687-4F45-9708-019B960494DF}">
-              <a14:hiddenLine xmlns:a14="http://schemas.microsoft.com/office/drawing/2010/main" w="9525">
-                <a:solidFill>
-                  <a:schemeClr val="tx1"/>
-                </a:solidFill>
-                <a:miter lim="800000"/>
-                <a:headEnd/>
-                <a:tailEnd/>
-              </a14:hiddenLine>
-            </a:ext>
-            <a:ext uri="{AF507438-7753-43E0-B8FC-AC1667EBCBE1}">
-              <a14:hiddenEffects xmlns:a14="http://schemas.microsoft.com/office/drawing/2010/main">
-                <a:effectLst>
-                  <a:outerShdw dist="35921" dir="2700000" algn="ctr" rotWithShape="0">
-                    <a:schemeClr val="bg2"/>
-                  </a:outerShdw>
-                </a:effectLst>
-              </a14:hiddenEffects>
-            </a:ext>
-          </a:extLst>
-        </p:spPr>
-      </p:pic>
-      <p:sp>
-        <p:nvSpPr>
-          <p:cNvPr id="4" name="TextBox 3"/>
+      <p:sp>
+        <p:nvSpPr>
+          <p:cNvPr id="3" name="TextBox 2"/>
           <p:cNvSpPr txBox="1"/>
           <p:nvPr/>
         </p:nvSpPr>
         <p:spPr>
           <a:xfrm>
-            <a:off x="1313631" y="1807623"/>
-            <a:ext cx="2592289" cy="954107"/>
+            <a:off x="395536" y="1556792"/>
+            <a:ext cx="3816424" cy="4549835"/>
           </a:xfrm>
           <a:prstGeom prst="rect">
             <a:avLst/>
@@ -5314,25 +6000,95 @@
           </a:bodyPr>
           <a:lstStyle/>
           <a:p>
-            <a:pPr algn="ctr"/>
+            <a:pPr>
+              <a:lnSpc>
+                <a:spcPct val="150000"/>
+              </a:lnSpc>
+            </a:pPr>
             <a:r>
               <a:rPr lang="ru-RU" sz="2800" dirty="0" smtClean="0"/>
-              <a:t>Монолитное приложение</a:t>
-            </a:r>
+              <a:t>+ Протокол</a:t>
+            </a:r>
+          </a:p>
+          <a:p>
+            <a:pPr>
+              <a:lnSpc>
+                <a:spcPct val="150000"/>
+              </a:lnSpc>
+            </a:pPr>
+            <a:r>
+              <a:rPr lang="ru-RU" sz="2800" dirty="0" smtClean="0"/>
+              <a:t>+ Простота модуля</a:t>
+            </a:r>
+          </a:p>
+          <a:p>
+            <a:pPr>
+              <a:lnSpc>
+                <a:spcPct val="150000"/>
+              </a:lnSpc>
+            </a:pPr>
+            <a:r>
+              <a:rPr lang="ru-RU" sz="2800" dirty="0" smtClean="0"/>
+              <a:t>+ Скорость разработки</a:t>
+            </a:r>
+          </a:p>
+          <a:p>
+            <a:pPr>
+              <a:lnSpc>
+                <a:spcPct val="150000"/>
+              </a:lnSpc>
+            </a:pPr>
+            <a:r>
+              <a:rPr lang="ru-RU" sz="2800" dirty="0" smtClean="0"/>
+              <a:t>+ Независимость</a:t>
+            </a:r>
+          </a:p>
+          <a:p>
+            <a:pPr>
+              <a:lnSpc>
+                <a:spcPct val="150000"/>
+              </a:lnSpc>
+            </a:pPr>
+            <a:r>
+              <a:rPr lang="ru-RU" sz="2800" dirty="0"/>
+              <a:t> </a:t>
+            </a:r>
+            <a:r>
+              <a:rPr lang="ru-RU" sz="2800" dirty="0" smtClean="0"/>
+              <a:t>      команд</a:t>
+            </a:r>
+          </a:p>
+          <a:p>
+            <a:pPr>
+              <a:lnSpc>
+                <a:spcPct val="150000"/>
+              </a:lnSpc>
+            </a:pPr>
+            <a:r>
+              <a:rPr lang="ru-RU" sz="2800" dirty="0" smtClean="0"/>
+              <a:t>       технологий</a:t>
+            </a:r>
+          </a:p>
+          <a:p>
+            <a:pPr>
+              <a:lnSpc>
+                <a:spcPct val="150000"/>
+              </a:lnSpc>
+            </a:pPr>
             <a:endParaRPr lang="ru-RU" sz="2800" dirty="0"/>
           </a:p>
         </p:txBody>
       </p:sp>
       <p:sp>
         <p:nvSpPr>
-          <p:cNvPr id="10" name="TextBox 9"/>
+          <p:cNvPr id="11" name="TextBox 10"/>
           <p:cNvSpPr txBox="1"/>
           <p:nvPr/>
         </p:nvSpPr>
         <p:spPr>
           <a:xfrm>
-            <a:off x="4538581" y="1807621"/>
-            <a:ext cx="2902600" cy="954107"/>
+            <a:off x="4427984" y="1556792"/>
+            <a:ext cx="4464496" cy="3323987"/>
           </a:xfrm>
           <a:prstGeom prst="rect">
             <a:avLst/>
@@ -5345,129 +6101,62 @@
           </a:bodyPr>
           <a:lstStyle/>
           <a:p>
-            <a:pPr algn="ctr"/>
-            <a:r>
-              <a:rPr lang="ru-RU" sz="2800" dirty="0" err="1" smtClean="0"/>
-              <a:t>Микросервисное</a:t>
-            </a:r>
+            <a:pPr>
+              <a:lnSpc>
+                <a:spcPct val="150000"/>
+              </a:lnSpc>
+            </a:pPr>
             <a:r>
               <a:rPr lang="ru-RU" sz="2800" dirty="0" smtClean="0"/>
-              <a:t> </a:t>
-            </a:r>
-          </a:p>
-          <a:p>
-            <a:pPr algn="ctr"/>
+              <a:t>- Подверженность ошибкам</a:t>
+            </a:r>
+          </a:p>
+          <a:p>
+            <a:pPr>
+              <a:lnSpc>
+                <a:spcPct val="150000"/>
+              </a:lnSpc>
+            </a:pPr>
             <a:r>
               <a:rPr lang="ru-RU" sz="2800" dirty="0" smtClean="0"/>
-              <a:t>приложение</a:t>
+              <a:t>- </a:t>
+            </a:r>
+            <a:r>
+              <a:rPr lang="ru-RU" sz="2800" dirty="0" smtClean="0"/>
+              <a:t>Практики </a:t>
+            </a:r>
+            <a:r>
+              <a:rPr lang="en-US" sz="2800" dirty="0" err="1" smtClean="0"/>
+              <a:t>DevOps</a:t>
+            </a:r>
+            <a:endParaRPr lang="en-US" sz="2800" dirty="0" smtClean="0"/>
+          </a:p>
+          <a:p>
+            <a:pPr>
+              <a:lnSpc>
+                <a:spcPct val="150000"/>
+              </a:lnSpc>
+            </a:pPr>
+            <a:r>
+              <a:rPr lang="ru-RU" sz="2800" dirty="0" smtClean="0"/>
+              <a:t>- Сложность 	разработки</a:t>
+            </a:r>
+          </a:p>
+          <a:p>
+            <a:pPr lvl="1">
+              <a:lnSpc>
+                <a:spcPct val="150000"/>
+              </a:lnSpc>
+            </a:pPr>
+            <a:r>
+              <a:rPr lang="ru-RU" sz="2800" dirty="0"/>
+              <a:t>	</a:t>
+            </a:r>
+            <a:r>
+              <a:rPr lang="ru-RU" sz="2800" dirty="0" smtClean="0"/>
+              <a:t>системы</a:t>
             </a:r>
             <a:endParaRPr lang="ru-RU" sz="2800" dirty="0"/>
-          </a:p>
-        </p:txBody>
-      </p:sp>
-      <p:sp>
-        <p:nvSpPr>
-          <p:cNvPr id="3" name="TextBox 2"/>
-          <p:cNvSpPr txBox="1"/>
-          <p:nvPr/>
-        </p:nvSpPr>
-        <p:spPr>
-          <a:xfrm>
-            <a:off x="971600" y="4869160"/>
-            <a:ext cx="2423933" cy="2031325"/>
-          </a:xfrm>
-          <a:prstGeom prst="rect">
-            <a:avLst/>
-          </a:prstGeom>
-          <a:noFill/>
-        </p:spPr>
-        <p:txBody>
-          <a:bodyPr wrap="none" rtlCol="0">
-            <a:spAutoFit/>
-          </a:bodyPr>
-          <a:lstStyle/>
-          <a:p>
-            <a:r>
-              <a:rPr lang="ru-RU" dirty="0" smtClean="0"/>
-              <a:t>+ Протокол</a:t>
-            </a:r>
-          </a:p>
-          <a:p>
-            <a:r>
-              <a:rPr lang="ru-RU" dirty="0" smtClean="0"/>
-              <a:t>+ Простота модуля</a:t>
-            </a:r>
-          </a:p>
-          <a:p>
-            <a:r>
-              <a:rPr lang="ru-RU" dirty="0" smtClean="0"/>
-              <a:t>+ Скорость разработки</a:t>
-            </a:r>
-          </a:p>
-          <a:p>
-            <a:r>
-              <a:rPr lang="ru-RU" dirty="0" smtClean="0"/>
-              <a:t>+ Независимость</a:t>
-            </a:r>
-          </a:p>
-          <a:p>
-            <a:r>
-              <a:rPr lang="ru-RU" dirty="0"/>
-              <a:t> </a:t>
-            </a:r>
-            <a:r>
-              <a:rPr lang="ru-RU" dirty="0" smtClean="0"/>
-              <a:t>      команд</a:t>
-            </a:r>
-          </a:p>
-          <a:p>
-            <a:r>
-              <a:rPr lang="ru-RU" dirty="0" smtClean="0"/>
-              <a:t>       технологий</a:t>
-            </a:r>
-          </a:p>
-          <a:p>
-            <a:endParaRPr lang="ru-RU" dirty="0"/>
-          </a:p>
-        </p:txBody>
-      </p:sp>
-      <p:sp>
-        <p:nvSpPr>
-          <p:cNvPr id="11" name="TextBox 10"/>
-          <p:cNvSpPr txBox="1"/>
-          <p:nvPr/>
-        </p:nvSpPr>
-        <p:spPr>
-          <a:xfrm>
-            <a:off x="5063185" y="4853053"/>
-            <a:ext cx="2940933" cy="646331"/>
-          </a:xfrm>
-          <a:prstGeom prst="rect">
-            <a:avLst/>
-          </a:prstGeom>
-          <a:noFill/>
-        </p:spPr>
-        <p:txBody>
-          <a:bodyPr wrap="none" rtlCol="0">
-            <a:spAutoFit/>
-          </a:bodyPr>
-          <a:lstStyle/>
-          <a:p>
-            <a:r>
-              <a:rPr lang="ru-RU" dirty="0"/>
-              <a:t>-</a:t>
-            </a:r>
-            <a:r>
-              <a:rPr lang="ru-RU" dirty="0" smtClean="0"/>
-              <a:t> Сложность</a:t>
-            </a:r>
-          </a:p>
-          <a:p>
-            <a:r>
-              <a:rPr lang="ru-RU" dirty="0" smtClean="0"/>
-              <a:t>- Подверженность ошибкам</a:t>
-            </a:r>
-            <a:endParaRPr lang="ru-RU" dirty="0"/>
           </a:p>
         </p:txBody>
       </p:sp>
@@ -5481,6 +6170,13 @@
   <p:clrMapOvr>
     <a:masterClrMapping/>
   </p:clrMapOvr>
+  <p:timing>
+    <p:tnLst>
+      <p:par>
+        <p:cTn id="1" dur="indefinite" restart="never" nodeType="tmRoot"/>
+      </p:par>
+    </p:tnLst>
+  </p:timing>
 </p:sld>
 </file>
 
@@ -7006,6 +7702,166 @@
           </a:fontRef>
         </p:style>
       </p:cxnSp>
+      <p:sp>
+        <p:nvSpPr>
+          <p:cNvPr id="3" name="Блок-схема: магнитный диск 2"/>
+          <p:cNvSpPr/>
+          <p:nvPr/>
+        </p:nvSpPr>
+        <p:spPr>
+          <a:xfrm>
+            <a:off x="1211867" y="3080977"/>
+            <a:ext cx="914400" cy="960091"/>
+          </a:xfrm>
+          <a:prstGeom prst="flowChartMagneticDisk">
+            <a:avLst/>
+          </a:prstGeom>
+        </p:spPr>
+        <p:style>
+          <a:lnRef idx="2">
+            <a:schemeClr val="accent2">
+              <a:shade val="50000"/>
+            </a:schemeClr>
+          </a:lnRef>
+          <a:fillRef idx="1">
+            <a:schemeClr val="accent2"/>
+          </a:fillRef>
+          <a:effectRef idx="0">
+            <a:schemeClr val="accent2"/>
+          </a:effectRef>
+          <a:fontRef idx="minor">
+            <a:schemeClr val="lt1"/>
+          </a:fontRef>
+        </p:style>
+        <p:txBody>
+          <a:bodyPr rtlCol="0" anchor="ctr"/>
+          <a:lstStyle/>
+          <a:p>
+            <a:pPr algn="ctr"/>
+            <a:r>
+              <a:rPr lang="en-US" dirty="0" err="1" smtClean="0"/>
+              <a:t>PostgreSQL</a:t>
+            </a:r>
+            <a:endParaRPr lang="ru-RU" dirty="0"/>
+          </a:p>
+        </p:txBody>
+      </p:sp>
+      <p:sp>
+        <p:nvSpPr>
+          <p:cNvPr id="19" name="Блок-схема: магнитный диск 18"/>
+          <p:cNvSpPr/>
+          <p:nvPr/>
+        </p:nvSpPr>
+        <p:spPr>
+          <a:xfrm>
+            <a:off x="1211867" y="4231488"/>
+            <a:ext cx="914400" cy="960091"/>
+          </a:xfrm>
+          <a:prstGeom prst="flowChartMagneticDisk">
+            <a:avLst/>
+          </a:prstGeom>
+        </p:spPr>
+        <p:style>
+          <a:lnRef idx="2">
+            <a:schemeClr val="accent2">
+              <a:shade val="50000"/>
+            </a:schemeClr>
+          </a:lnRef>
+          <a:fillRef idx="1">
+            <a:schemeClr val="accent2"/>
+          </a:fillRef>
+          <a:effectRef idx="0">
+            <a:schemeClr val="accent2"/>
+          </a:effectRef>
+          <a:fontRef idx="minor">
+            <a:schemeClr val="lt1"/>
+          </a:fontRef>
+        </p:style>
+        <p:txBody>
+          <a:bodyPr rtlCol="0" anchor="ctr"/>
+          <a:lstStyle/>
+          <a:p>
+            <a:pPr algn="ctr"/>
+            <a:r>
+              <a:rPr lang="en-US" dirty="0" smtClean="0"/>
+              <a:t>Mongo</a:t>
+            </a:r>
+            <a:endParaRPr lang="ru-RU" dirty="0"/>
+          </a:p>
+        </p:txBody>
+      </p:sp>
+      <p:cxnSp>
+        <p:nvCxnSpPr>
+          <p:cNvPr id="12" name="Прямая со стрелкой 11"/>
+          <p:cNvCxnSpPr>
+            <a:stCxn id="8" idx="1"/>
+            <a:endCxn id="3" idx="4"/>
+          </p:cNvCxnSpPr>
+          <p:nvPr/>
+        </p:nvCxnSpPr>
+        <p:spPr>
+          <a:xfrm flipH="1">
+            <a:off x="2126267" y="3469627"/>
+            <a:ext cx="1351218" cy="91396"/>
+          </a:xfrm>
+          <a:prstGeom prst="straightConnector1">
+            <a:avLst/>
+          </a:prstGeom>
+          <a:ln>
+            <a:tailEnd type="arrow"/>
+          </a:ln>
+        </p:spPr>
+        <p:style>
+          <a:lnRef idx="1">
+            <a:schemeClr val="accent1"/>
+          </a:lnRef>
+          <a:fillRef idx="0">
+            <a:schemeClr val="accent1"/>
+          </a:fillRef>
+          <a:effectRef idx="0">
+            <a:schemeClr val="accent1"/>
+          </a:effectRef>
+          <a:fontRef idx="minor">
+            <a:schemeClr val="tx1"/>
+          </a:fontRef>
+        </p:style>
+      </p:cxnSp>
+      <p:cxnSp>
+        <p:nvCxnSpPr>
+          <p:cNvPr id="16" name="Прямая со стрелкой 15"/>
+          <p:cNvCxnSpPr>
+            <a:stCxn id="8" idx="1"/>
+            <a:endCxn id="19" idx="4"/>
+          </p:cNvCxnSpPr>
+          <p:nvPr/>
+        </p:nvCxnSpPr>
+        <p:spPr>
+          <a:xfrm flipH="1">
+            <a:off x="2126267" y="3469627"/>
+            <a:ext cx="1351218" cy="1241907"/>
+          </a:xfrm>
+          <a:prstGeom prst="straightConnector1">
+            <a:avLst/>
+          </a:prstGeom>
+          <a:ln>
+            <a:tailEnd type="arrow"/>
+          </a:ln>
+        </p:spPr>
+        <p:style>
+          <a:lnRef idx="1">
+            <a:schemeClr val="accent1"/>
+          </a:lnRef>
+          <a:fillRef idx="0">
+            <a:schemeClr val="accent1"/>
+          </a:fillRef>
+          <a:effectRef idx="0">
+            <a:schemeClr val="accent1"/>
+          </a:effectRef>
+          <a:fontRef idx="minor">
+            <a:schemeClr val="tx1"/>
+          </a:fontRef>
+        </p:style>
+      </p:cxnSp>
     </p:spTree>
     <p:extLst>
       <p:ext uri="{BB962C8B-B14F-4D97-AF65-F5344CB8AC3E}">
@@ -7016,6 +7872,13 @@
   <p:clrMapOvr>
     <a:masterClrMapping/>
   </p:clrMapOvr>
+  <p:timing>
+    <p:tnLst>
+      <p:par>
+        <p:cTn id="1" dur="indefinite" restart="never" nodeType="tmRoot"/>
+      </p:par>
+    </p:tnLst>
+  </p:timing>
 </p:sld>
 </file>
 
@@ -7051,7 +7914,19 @@
           <a:bodyPr/>
           <a:lstStyle/>
           <a:p>
-            <a:endParaRPr lang="ru-RU"/>
+            <a:r>
+              <a:rPr lang="ru-RU" u="sng" dirty="0" err="1"/>
+              <a:t>Business</a:t>
+            </a:r>
+            <a:r>
+              <a:rPr lang="ru-RU" u="sng" dirty="0"/>
+              <a:t> </a:t>
+            </a:r>
+            <a:r>
+              <a:rPr lang="ru-RU" u="sng" dirty="0" err="1"/>
+              <a:t>Capabilities</a:t>
+            </a:r>
+            <a:endParaRPr lang="ru-RU" dirty="0"/>
           </a:p>
         </p:txBody>
       </p:sp>
@@ -7074,20 +7949,12 @@
               <a:buNone/>
             </a:pPr>
             <a:r>
-              <a:rPr lang="ru-RU" u="sng" dirty="0" err="1"/>
-              <a:t>Business</a:t>
+              <a:rPr lang="ru-RU" u="sng" dirty="0" smtClean="0"/>
+              <a:t>Организация </a:t>
             </a:r>
             <a:r>
               <a:rPr lang="ru-RU" u="sng" dirty="0"/>
-              <a:t> </a:t>
-            </a:r>
-            <a:r>
-              <a:rPr lang="ru-RU" u="sng" dirty="0" err="1"/>
-              <a:t>Capabilities</a:t>
-            </a:r>
-            <a:r>
-              <a:rPr lang="ru-RU" u="sng" dirty="0"/>
-              <a:t> | Организация вокруг </a:t>
+              <a:t>вокруг </a:t>
             </a:r>
             <a:r>
               <a:rPr lang="ru-RU" u="sng" dirty="0" smtClean="0"/>
@@ -7173,6 +8040,13 @@
   <p:clrMapOvr>
     <a:masterClrMapping/>
   </p:clrMapOvr>
+  <p:timing>
+    <p:tnLst>
+      <p:par>
+        <p:cTn id="1" dur="indefinite" restart="never" nodeType="tmRoot"/>
+      </p:par>
+    </p:tnLst>
+  </p:timing>
 </p:sld>
 </file>
 
@@ -7229,43 +8103,32 @@
         <p:spPr/>
         <p:txBody>
           <a:bodyPr>
-            <a:normAutofit fontScale="92500" lnSpcReduction="20000"/>
+            <a:normAutofit/>
           </a:bodyPr>
           <a:lstStyle/>
           <a:p>
             <a:r>
-              <a:rPr lang="en-US" dirty="0" smtClean="0"/>
-              <a:t>Step </a:t>
-            </a:r>
-            <a:r>
-              <a:rPr lang="en-US" dirty="0"/>
-              <a:t>Away from </a:t>
-            </a:r>
-            <a:r>
-              <a:rPr lang="en-US" dirty="0" smtClean="0"/>
-              <a:t>infrastructure</a:t>
+              <a:rPr lang="ru-RU" dirty="0" smtClean="0"/>
+              <a:t>Абстрагироваться от инфраструктуры</a:t>
             </a:r>
             <a:endParaRPr lang="ru-RU" dirty="0" smtClean="0"/>
           </a:p>
           <a:p>
             <a:r>
-              <a:rPr lang="en-US" dirty="0"/>
-              <a:t>Align environment</a:t>
-            </a:r>
+              <a:rPr lang="ru-RU" dirty="0" smtClean="0"/>
+              <a:t>Выровнять инфраструктуру окружений</a:t>
+            </a:r>
+            <a:endParaRPr lang="en-US" dirty="0"/>
           </a:p>
           <a:p>
             <a:pPr lvl="1"/>
             <a:r>
-              <a:rPr lang="en-US" dirty="0"/>
-              <a:t>We have separate </a:t>
-            </a:r>
-            <a:r>
-              <a:rPr lang="en-US" dirty="0" smtClean="0"/>
-              <a:t>environments</a:t>
-            </a:r>
-            <a:r>
               <a:rPr lang="ru-RU" dirty="0" smtClean="0"/>
-              <a:t> (</a:t>
+              <a:t>Отдельные окружения </a:t>
+            </a:r>
+            <a:r>
+              <a:rPr lang="ru-RU" dirty="0" smtClean="0"/>
+              <a:t>(</a:t>
             </a:r>
             <a:r>
               <a:rPr lang="en-US" dirty="0" smtClean="0"/>
@@ -7275,8 +8138,8 @@
           </a:p>
           <a:p>
             <a:r>
-              <a:rPr lang="en-US" dirty="0" smtClean="0"/>
-              <a:t>Automation</a:t>
+              <a:rPr lang="ru-RU" dirty="0" smtClean="0"/>
+              <a:t>Автоматизация</a:t>
             </a:r>
             <a:endParaRPr lang="en-US" dirty="0" smtClean="0"/>
           </a:p>
@@ -7291,18 +8154,11 @@
             <a:pPr lvl="1"/>
             <a:r>
               <a:rPr lang="en-US" dirty="0" smtClean="0"/>
-              <a:t>Continuous Delivery (on the road to</a:t>
+              <a:t>One-button </a:t>
             </a:r>
             <a:r>
               <a:rPr lang="en-US" dirty="0" smtClean="0"/>
-              <a:t>…)</a:t>
-            </a:r>
-          </a:p>
-          <a:p>
-            <a:pPr lvl="1"/>
-            <a:r>
-              <a:rPr lang="en-US" dirty="0" smtClean="0"/>
-              <a:t>One-button Deployment</a:t>
+              <a:t>Deployment</a:t>
             </a:r>
           </a:p>
           <a:p>
@@ -7311,22 +8167,6 @@
               <a:rPr lang="en-US" dirty="0" smtClean="0"/>
               <a:t>Database Evolution</a:t>
             </a:r>
-          </a:p>
-          <a:p>
-            <a:pPr lvl="2"/>
-            <a:r>
-              <a:rPr lang="en-US" dirty="0" err="1" smtClean="0"/>
-              <a:t>Liquibase</a:t>
-            </a:r>
-            <a:endParaRPr lang="en-US" dirty="0" smtClean="0"/>
-          </a:p>
-          <a:p>
-            <a:pPr lvl="2"/>
-            <a:r>
-              <a:rPr lang="en-US" dirty="0" smtClean="0"/>
-              <a:t>Data migration</a:t>
-            </a:r>
-            <a:endParaRPr lang="en-US" dirty="0" smtClean="0"/>
           </a:p>
           <a:p>
             <a:pPr lvl="1"/>
@@ -7391,8 +8231,8 @@
           <a:lstStyle/>
           <a:p>
             <a:r>
-              <a:rPr lang="en-US" dirty="0" smtClean="0"/>
-              <a:t>Infrastructure</a:t>
+              <a:rPr lang="en-US" u="sng" dirty="0"/>
+              <a:t>Infrastructure Automation</a:t>
             </a:r>
             <a:endParaRPr lang="ru-RU" dirty="0"/>
           </a:p>
@@ -7411,7 +8251,7 @@
         <p:spPr/>
         <p:txBody>
           <a:bodyPr>
-            <a:normAutofit fontScale="92500" lnSpcReduction="20000"/>
+            <a:normAutofit fontScale="92500" lnSpcReduction="10000"/>
           </a:bodyPr>
           <a:lstStyle/>
           <a:p>
@@ -7419,12 +8259,12 @@
               <a:buNone/>
             </a:pPr>
             <a:r>
-              <a:rPr lang="en-US" u="sng" dirty="0"/>
-              <a:t>Infrastructure Automation | </a:t>
+              <a:rPr lang="ru-RU" u="sng" dirty="0" smtClean="0"/>
+              <a:t>Автоматизация </a:t>
             </a:r>
             <a:r>
               <a:rPr lang="ru-RU" u="sng" dirty="0"/>
-              <a:t>Автоматизация инфраструктуры</a:t>
+              <a:t>инфраструктуры</a:t>
             </a:r>
             <a:endParaRPr lang="en-US" u="sng" dirty="0" smtClean="0"/>
           </a:p>
@@ -7445,20 +8285,16 @@
           <a:p>
             <a:pPr lvl="2"/>
             <a:r>
+              <a:rPr lang="ru-RU" dirty="0" smtClean="0"/>
+              <a:t>Выделенное окружение разработчика</a:t>
+            </a:r>
+            <a:endParaRPr lang="en-US" dirty="0" smtClean="0"/>
+          </a:p>
+          <a:p>
+            <a:pPr lvl="1"/>
+            <a:r>
               <a:rPr lang="en-US" dirty="0" smtClean="0"/>
-              <a:t>Dedicated Shared Development Environment</a:t>
-            </a:r>
-            <a:endParaRPr lang="en-US" dirty="0" smtClean="0"/>
-          </a:p>
-          <a:p>
-            <a:pPr lvl="1"/>
-            <a:r>
-              <a:rPr lang="en-US" dirty="0" smtClean="0"/>
-              <a:t>Continuous Delivery (on the road to</a:t>
-            </a:r>
-            <a:r>
-              <a:rPr lang="en-US" dirty="0" smtClean="0"/>
-              <a:t>…)</a:t>
+              <a:t>Continuous Delivery (on the road to…)</a:t>
             </a:r>
           </a:p>
           <a:p>
@@ -7497,7 +8333,6 @@
               <a:rPr lang="en-US" dirty="0" smtClean="0"/>
               <a:t>Automated run</a:t>
             </a:r>
-            <a:endParaRPr lang="en-US" dirty="0" smtClean="0"/>
           </a:p>
           <a:p>
             <a:pPr lvl="2"/>
@@ -7505,15 +8340,13 @@
               <a:rPr lang="en-US" dirty="0" smtClean="0"/>
               <a:t>Data migration</a:t>
             </a:r>
-            <a:endParaRPr lang="en-US" dirty="0" smtClean="0"/>
           </a:p>
           <a:p>
             <a:pPr lvl="1"/>
             <a:r>
-              <a:rPr lang="en-US" smtClean="0"/>
+              <a:rPr lang="en-US" dirty="0" smtClean="0"/>
               <a:t>Chef</a:t>
             </a:r>
-            <a:endParaRPr lang="en-US" dirty="0" smtClean="0"/>
           </a:p>
         </p:txBody>
       </p:sp>
@@ -7820,4 +8653,289 @@
   <a:objectDefaults/>
   <a:extraClrSchemeLst/>
 </a:theme>
+</file>
+
+<file path=ppt/theme/theme2.xml><?xml version="1.0" encoding="utf-8"?>
+<a:theme xmlns:a="http://schemas.openxmlformats.org/drawingml/2006/main" name="Тема Office">
+  <a:themeElements>
+    <a:clrScheme name="Стандартная">
+      <a:dk1>
+        <a:sysClr val="windowText" lastClr="000000"/>
+      </a:dk1>
+      <a:lt1>
+        <a:sysClr val="window" lastClr="FFFFFF"/>
+      </a:lt1>
+      <a:dk2>
+        <a:srgbClr val="1F497D"/>
+      </a:dk2>
+      <a:lt2>
+        <a:srgbClr val="EEECE1"/>
+      </a:lt2>
+      <a:accent1>
+        <a:srgbClr val="4F81BD"/>
+      </a:accent1>
+      <a:accent2>
+        <a:srgbClr val="C0504D"/>
+      </a:accent2>
+      <a:accent3>
+        <a:srgbClr val="9BBB59"/>
+      </a:accent3>
+      <a:accent4>
+        <a:srgbClr val="8064A2"/>
+      </a:accent4>
+      <a:accent5>
+        <a:srgbClr val="4BACC6"/>
+      </a:accent5>
+      <a:accent6>
+        <a:srgbClr val="F79646"/>
+      </a:accent6>
+      <a:hlink>
+        <a:srgbClr val="0000FF"/>
+      </a:hlink>
+      <a:folHlink>
+        <a:srgbClr val="800080"/>
+      </a:folHlink>
+    </a:clrScheme>
+    <a:fontScheme name="Стандартная">
+      <a:majorFont>
+        <a:latin typeface="Calibri"/>
+        <a:ea typeface=""/>
+        <a:cs typeface=""/>
+        <a:font script="Jpan" typeface="ＭＳ Ｐゴシック"/>
+        <a:font script="Hang" typeface="맑은 고딕"/>
+        <a:font script="Hans" typeface="宋体"/>
+        <a:font script="Hant" typeface="新細明體"/>
+        <a:font script="Arab" typeface="Times New Roman"/>
+        <a:font script="Hebr" typeface="Times New Roman"/>
+        <a:font script="Thai" typeface="Angsana New"/>
+        <a:font script="Ethi" typeface="Nyala"/>
+        <a:font script="Beng" typeface="Vrinda"/>
+        <a:font script="Gujr" typeface="Shruti"/>
+        <a:font script="Khmr" typeface="MoolBoran"/>
+        <a:font script="Knda" typeface="Tunga"/>
+        <a:font script="Guru" typeface="Raavi"/>
+        <a:font script="Cans" typeface="Euphemia"/>
+        <a:font script="Cher" typeface="Plantagenet Cherokee"/>
+        <a:font script="Yiii" typeface="Microsoft Yi Baiti"/>
+        <a:font script="Tibt" typeface="Microsoft Himalaya"/>
+        <a:font script="Thaa" typeface="MV Boli"/>
+        <a:font script="Deva" typeface="Mangal"/>
+        <a:font script="Telu" typeface="Gautami"/>
+        <a:font script="Taml" typeface="Latha"/>
+        <a:font script="Syrc" typeface="Estrangelo Edessa"/>
+        <a:font script="Orya" typeface="Kalinga"/>
+        <a:font script="Mlym" typeface="Kartika"/>
+        <a:font script="Laoo" typeface="DokChampa"/>
+        <a:font script="Sinh" typeface="Iskoola Pota"/>
+        <a:font script="Mong" typeface="Mongolian Baiti"/>
+        <a:font script="Viet" typeface="Times New Roman"/>
+        <a:font script="Uigh" typeface="Microsoft Uighur"/>
+        <a:font script="Geor" typeface="Sylfaen"/>
+      </a:majorFont>
+      <a:minorFont>
+        <a:latin typeface="Calibri"/>
+        <a:ea typeface=""/>
+        <a:cs typeface=""/>
+        <a:font script="Jpan" typeface="ＭＳ Ｐゴシック"/>
+        <a:font script="Hang" typeface="맑은 고딕"/>
+        <a:font script="Hans" typeface="宋体"/>
+        <a:font script="Hant" typeface="新細明體"/>
+        <a:font script="Arab" typeface="Arial"/>
+        <a:font script="Hebr" typeface="Arial"/>
+        <a:font script="Thai" typeface="Cordia New"/>
+        <a:font script="Ethi" typeface="Nyala"/>
+        <a:font script="Beng" typeface="Vrinda"/>
+        <a:font script="Gujr" typeface="Shruti"/>
+        <a:font script="Khmr" typeface="DaunPenh"/>
+        <a:font script="Knda" typeface="Tunga"/>
+        <a:font script="Guru" typeface="Raavi"/>
+        <a:font script="Cans" typeface="Euphemia"/>
+        <a:font script="Cher" typeface="Plantagenet Cherokee"/>
+        <a:font script="Yiii" typeface="Microsoft Yi Baiti"/>
+        <a:font script="Tibt" typeface="Microsoft Himalaya"/>
+        <a:font script="Thaa" typeface="MV Boli"/>
+        <a:font script="Deva" typeface="Mangal"/>
+        <a:font script="Telu" typeface="Gautami"/>
+        <a:font script="Taml" typeface="Latha"/>
+        <a:font script="Syrc" typeface="Estrangelo Edessa"/>
+        <a:font script="Orya" typeface="Kalinga"/>
+        <a:font script="Mlym" typeface="Kartika"/>
+        <a:font script="Laoo" typeface="DokChampa"/>
+        <a:font script="Sinh" typeface="Iskoola Pota"/>
+        <a:font script="Mong" typeface="Mongolian Baiti"/>
+        <a:font script="Viet" typeface="Arial"/>
+        <a:font script="Uigh" typeface="Microsoft Uighur"/>
+        <a:font script="Geor" typeface="Sylfaen"/>
+      </a:minorFont>
+    </a:fontScheme>
+    <a:fmtScheme name="Стандартная">
+      <a:fillStyleLst>
+        <a:solidFill>
+          <a:schemeClr val="phClr"/>
+        </a:solidFill>
+        <a:gradFill rotWithShape="1">
+          <a:gsLst>
+            <a:gs pos="0">
+              <a:schemeClr val="phClr">
+                <a:tint val="50000"/>
+                <a:satMod val="300000"/>
+              </a:schemeClr>
+            </a:gs>
+            <a:gs pos="35000">
+              <a:schemeClr val="phClr">
+                <a:tint val="37000"/>
+                <a:satMod val="300000"/>
+              </a:schemeClr>
+            </a:gs>
+            <a:gs pos="100000">
+              <a:schemeClr val="phClr">
+                <a:tint val="15000"/>
+                <a:satMod val="350000"/>
+              </a:schemeClr>
+            </a:gs>
+          </a:gsLst>
+          <a:lin ang="16200000" scaled="1"/>
+        </a:gradFill>
+        <a:gradFill rotWithShape="1">
+          <a:gsLst>
+            <a:gs pos="0">
+              <a:schemeClr val="phClr">
+                <a:shade val="51000"/>
+                <a:satMod val="130000"/>
+              </a:schemeClr>
+            </a:gs>
+            <a:gs pos="80000">
+              <a:schemeClr val="phClr">
+                <a:shade val="93000"/>
+                <a:satMod val="130000"/>
+              </a:schemeClr>
+            </a:gs>
+            <a:gs pos="100000">
+              <a:schemeClr val="phClr">
+                <a:shade val="94000"/>
+                <a:satMod val="135000"/>
+              </a:schemeClr>
+            </a:gs>
+          </a:gsLst>
+          <a:lin ang="16200000" scaled="0"/>
+        </a:gradFill>
+      </a:fillStyleLst>
+      <a:lnStyleLst>
+        <a:ln w="9525" cap="flat" cmpd="sng" algn="ctr">
+          <a:solidFill>
+            <a:schemeClr val="phClr">
+              <a:shade val="95000"/>
+              <a:satMod val="105000"/>
+            </a:schemeClr>
+          </a:solidFill>
+          <a:prstDash val="solid"/>
+        </a:ln>
+        <a:ln w="25400" cap="flat" cmpd="sng" algn="ctr">
+          <a:solidFill>
+            <a:schemeClr val="phClr"/>
+          </a:solidFill>
+          <a:prstDash val="solid"/>
+        </a:ln>
+        <a:ln w="38100" cap="flat" cmpd="sng" algn="ctr">
+          <a:solidFill>
+            <a:schemeClr val="phClr"/>
+          </a:solidFill>
+          <a:prstDash val="solid"/>
+        </a:ln>
+      </a:lnStyleLst>
+      <a:effectStyleLst>
+        <a:effectStyle>
+          <a:effectLst>
+            <a:outerShdw blurRad="40000" dist="20000" dir="5400000" rotWithShape="0">
+              <a:srgbClr val="000000">
+                <a:alpha val="38000"/>
+              </a:srgbClr>
+            </a:outerShdw>
+          </a:effectLst>
+        </a:effectStyle>
+        <a:effectStyle>
+          <a:effectLst>
+            <a:outerShdw blurRad="40000" dist="23000" dir="5400000" rotWithShape="0">
+              <a:srgbClr val="000000">
+                <a:alpha val="35000"/>
+              </a:srgbClr>
+            </a:outerShdw>
+          </a:effectLst>
+        </a:effectStyle>
+        <a:effectStyle>
+          <a:effectLst>
+            <a:outerShdw blurRad="40000" dist="23000" dir="5400000" rotWithShape="0">
+              <a:srgbClr val="000000">
+                <a:alpha val="35000"/>
+              </a:srgbClr>
+            </a:outerShdw>
+          </a:effectLst>
+          <a:scene3d>
+            <a:camera prst="orthographicFront">
+              <a:rot lat="0" lon="0" rev="0"/>
+            </a:camera>
+            <a:lightRig rig="threePt" dir="t">
+              <a:rot lat="0" lon="0" rev="1200000"/>
+            </a:lightRig>
+          </a:scene3d>
+          <a:sp3d>
+            <a:bevelT w="63500" h="25400"/>
+          </a:sp3d>
+        </a:effectStyle>
+      </a:effectStyleLst>
+      <a:bgFillStyleLst>
+        <a:solidFill>
+          <a:schemeClr val="phClr"/>
+        </a:solidFill>
+        <a:gradFill rotWithShape="1">
+          <a:gsLst>
+            <a:gs pos="0">
+              <a:schemeClr val="phClr">
+                <a:tint val="40000"/>
+                <a:satMod val="350000"/>
+              </a:schemeClr>
+            </a:gs>
+            <a:gs pos="40000">
+              <a:schemeClr val="phClr">
+                <a:tint val="45000"/>
+                <a:shade val="99000"/>
+                <a:satMod val="350000"/>
+              </a:schemeClr>
+            </a:gs>
+            <a:gs pos="100000">
+              <a:schemeClr val="phClr">
+                <a:shade val="20000"/>
+                <a:satMod val="255000"/>
+              </a:schemeClr>
+            </a:gs>
+          </a:gsLst>
+          <a:path path="circle">
+            <a:fillToRect l="50000" t="-80000" r="50000" b="180000"/>
+          </a:path>
+        </a:gradFill>
+        <a:gradFill rotWithShape="1">
+          <a:gsLst>
+            <a:gs pos="0">
+              <a:schemeClr val="phClr">
+                <a:tint val="80000"/>
+                <a:satMod val="300000"/>
+              </a:schemeClr>
+            </a:gs>
+            <a:gs pos="100000">
+              <a:schemeClr val="phClr">
+                <a:shade val="30000"/>
+                <a:satMod val="200000"/>
+              </a:schemeClr>
+            </a:gs>
+          </a:gsLst>
+          <a:path path="circle">
+            <a:fillToRect l="50000" t="50000" r="50000" b="50000"/>
+          </a:path>
+        </a:gradFill>
+      </a:bgFillStyleLst>
+    </a:fmtScheme>
+  </a:themeElements>
+  <a:objectDefaults/>
+  <a:extraClrSchemeLst/>
+</a:theme>
 </file>
--- a/Microservices.pptx
+++ b/Microservices.pptx
@@ -9,26 +9,26 @@
   </p:notesMasterIdLst>
   <p:sldIdLst>
     <p:sldId id="256" r:id="rId2"/>
-    <p:sldId id="269" r:id="rId3"/>
-    <p:sldId id="277" r:id="rId4"/>
-    <p:sldId id="274" r:id="rId5"/>
-    <p:sldId id="275" r:id="rId6"/>
-    <p:sldId id="273" r:id="rId7"/>
-    <p:sldId id="271" r:id="rId8"/>
-    <p:sldId id="257" r:id="rId9"/>
-    <p:sldId id="276" r:id="rId10"/>
-    <p:sldId id="258" r:id="rId11"/>
-    <p:sldId id="270" r:id="rId12"/>
-    <p:sldId id="266" r:id="rId13"/>
-    <p:sldId id="278" r:id="rId14"/>
-    <p:sldId id="272" r:id="rId15"/>
-    <p:sldId id="262" r:id="rId16"/>
-    <p:sldId id="263" r:id="rId17"/>
-    <p:sldId id="264" r:id="rId18"/>
-    <p:sldId id="259" r:id="rId19"/>
-    <p:sldId id="260" r:id="rId20"/>
+    <p:sldId id="279" r:id="rId3"/>
+    <p:sldId id="269" r:id="rId4"/>
+    <p:sldId id="277" r:id="rId5"/>
+    <p:sldId id="274" r:id="rId6"/>
+    <p:sldId id="275" r:id="rId7"/>
+    <p:sldId id="273" r:id="rId8"/>
+    <p:sldId id="271" r:id="rId9"/>
+    <p:sldId id="257" r:id="rId10"/>
+    <p:sldId id="276" r:id="rId11"/>
+    <p:sldId id="258" r:id="rId12"/>
+    <p:sldId id="270" r:id="rId13"/>
+    <p:sldId id="266" r:id="rId14"/>
+    <p:sldId id="278" r:id="rId15"/>
+    <p:sldId id="272" r:id="rId16"/>
+    <p:sldId id="262" r:id="rId17"/>
+    <p:sldId id="263" r:id="rId18"/>
+    <p:sldId id="264" r:id="rId19"/>
+    <p:sldId id="259" r:id="rId20"/>
     <p:sldId id="265" r:id="rId21"/>
-    <p:sldId id="267" r:id="rId22"/>
+    <p:sldId id="280" r:id="rId22"/>
   </p:sldIdLst>
   <p:sldSz cx="9144000" cy="6858000" type="screen4x3"/>
   <p:notesSz cx="6858000" cy="9144000"/>
@@ -129,7 +129,7 @@
   </p:defaultTextStyle>
   <p:extLst>
     <p:ext uri="{EFAFB233-063F-42B5-8137-9DF3F51BA10A}">
-      <p15:sldGuideLst xmlns:p15="http://schemas.microsoft.com/office/powerpoint/2012/main" xmlns="">
+      <p15:sldGuideLst xmlns="" xmlns:p15="http://schemas.microsoft.com/office/powerpoint/2012/main">
         <p15:guide id="1" orient="horz" pos="2160">
           <p15:clr>
             <a:srgbClr val="A4A3A4"/>
@@ -243,7 +243,7 @@
           <a:p>
             <a:fld id="{C756A4D3-FAF9-48FE-A65C-CE6AA122FD4A}" type="datetimeFigureOut">
               <a:rPr lang="ru-RU" smtClean="0"/>
-              <a:t>11.10.2015</a:t>
+              <a:t>16.10.2015</a:t>
             </a:fld>
             <a:endParaRPr lang="ru-RU"/>
           </a:p>
@@ -580,7 +580,7 @@
           <a:p>
             <a:fld id="{178952C0-3E1F-49A2-A869-ED810EA2C686}" type="slidenum">
               <a:rPr lang="ru-RU" smtClean="0"/>
-              <a:t>3</a:t>
+              <a:t>4</a:t>
             </a:fld>
             <a:endParaRPr lang="ru-RU"/>
           </a:p>
@@ -590,6 +590,130 @@
     <p:extLst>
       <p:ext uri="{BB962C8B-B14F-4D97-AF65-F5344CB8AC3E}">
         <p14:creationId xmlns:p14="http://schemas.microsoft.com/office/powerpoint/2010/main" val="841943391"/>
+      </p:ext>
+    </p:extLst>
+  </p:cSld>
+  <p:clrMapOvr>
+    <a:masterClrMapping/>
+  </p:clrMapOvr>
+</p:notes>
+</file>
+
+<file path=ppt/notesSlides/notesSlide2.xml><?xml version="1.0" encoding="utf-8"?>
+<p:notes xmlns:a="http://schemas.openxmlformats.org/drawingml/2006/main" xmlns:r="http://schemas.openxmlformats.org/officeDocument/2006/relationships" xmlns:p="http://schemas.openxmlformats.org/presentationml/2006/main">
+  <p:cSld>
+    <p:spTree>
+      <p:nvGrpSpPr>
+        <p:cNvPr id="1" name=""/>
+        <p:cNvGrpSpPr/>
+        <p:nvPr/>
+      </p:nvGrpSpPr>
+      <p:grpSpPr>
+        <a:xfrm>
+          <a:off x="0" y="0"/>
+          <a:ext cx="0" cy="0"/>
+          <a:chOff x="0" y="0"/>
+          <a:chExt cx="0" cy="0"/>
+        </a:xfrm>
+      </p:grpSpPr>
+      <p:sp>
+        <p:nvSpPr>
+          <p:cNvPr id="2" name="Образ слайда 1"/>
+          <p:cNvSpPr>
+            <a:spLocks noGrp="1" noRot="1" noChangeAspect="1"/>
+          </p:cNvSpPr>
+          <p:nvPr>
+            <p:ph type="sldImg"/>
+          </p:nvPr>
+        </p:nvSpPr>
+        <p:spPr/>
+      </p:sp>
+      <p:sp>
+        <p:nvSpPr>
+          <p:cNvPr id="3" name="Заметки 2"/>
+          <p:cNvSpPr>
+            <a:spLocks noGrp="1"/>
+          </p:cNvSpPr>
+          <p:nvPr>
+            <p:ph type="body" idx="1"/>
+          </p:nvPr>
+        </p:nvSpPr>
+        <p:spPr/>
+        <p:txBody>
+          <a:bodyPr/>
+          <a:lstStyle/>
+          <a:p>
+            <a:pPr marL="0" marR="0" indent="0" algn="l" defTabSz="914400" rtl="0" eaLnBrk="1" fontAlgn="auto" latinLnBrk="0" hangingPunct="1">
+              <a:lnSpc>
+                <a:spcPct val="100000"/>
+              </a:lnSpc>
+              <a:spcBef>
+                <a:spcPts val="0"/>
+              </a:spcBef>
+              <a:spcAft>
+                <a:spcPts val="0"/>
+              </a:spcAft>
+              <a:buClrTx/>
+              <a:buSzTx/>
+              <a:buFontTx/>
+              <a:buNone/>
+              <a:tabLst/>
+              <a:defRPr/>
+            </a:pPr>
+            <a:r>
+              <a:rPr lang="ru-RU" dirty="0" smtClean="0"/>
+              <a:t>Быть готовым к восстановлению данных</a:t>
+            </a:r>
+            <a:endParaRPr lang="en-US" dirty="0" smtClean="0"/>
+          </a:p>
+          <a:p>
+            <a:r>
+              <a:rPr lang="ru-RU" dirty="0" smtClean="0"/>
+              <a:t>- Позволяет определить,</a:t>
+            </a:r>
+            <a:r>
+              <a:rPr lang="ru-RU" baseline="0" dirty="0" smtClean="0"/>
+              <a:t> что </a:t>
+            </a:r>
+            <a:r>
+              <a:rPr lang="ru-RU" baseline="0" dirty="0" err="1" smtClean="0"/>
+              <a:t>логировать</a:t>
+            </a:r>
+            <a:r>
+              <a:rPr lang="ru-RU" baseline="0" dirty="0" smtClean="0"/>
+              <a:t>, что сохранять (иногда избыточно), где искать</a:t>
+            </a:r>
+            <a:endParaRPr lang="ru-RU" dirty="0"/>
+          </a:p>
+        </p:txBody>
+      </p:sp>
+      <p:sp>
+        <p:nvSpPr>
+          <p:cNvPr id="4" name="Номер слайда 3"/>
+          <p:cNvSpPr>
+            <a:spLocks noGrp="1"/>
+          </p:cNvSpPr>
+          <p:nvPr>
+            <p:ph type="sldNum" sz="quarter" idx="10"/>
+          </p:nvPr>
+        </p:nvSpPr>
+        <p:spPr/>
+        <p:txBody>
+          <a:bodyPr/>
+          <a:lstStyle/>
+          <a:p>
+            <a:fld id="{178952C0-3E1F-49A2-A869-ED810EA2C686}" type="slidenum">
+              <a:rPr lang="ru-RU" smtClean="0"/>
+              <a:t>19</a:t>
+            </a:fld>
+            <a:endParaRPr lang="ru-RU"/>
+          </a:p>
+        </p:txBody>
+      </p:sp>
+    </p:spTree>
+    <p:extLst>
+      <p:ext uri="{BB962C8B-B14F-4D97-AF65-F5344CB8AC3E}">
+        <p14:creationId xmlns:p14="http://schemas.microsoft.com/office/powerpoint/2010/main" val="1248534710"/>
       </p:ext>
     </p:extLst>
   </p:cSld>
@@ -780,7 +904,7 @@
           <a:p>
             <a:fld id="{57E389D1-C2F8-40B4-B845-801280EA792C}" type="datetimeFigureOut">
               <a:rPr lang="ru-RU" smtClean="0"/>
-              <a:t>11.10.2015</a:t>
+              <a:t>16.10.2015</a:t>
             </a:fld>
             <a:endParaRPr lang="ru-RU"/>
           </a:p>
@@ -950,7 +1074,7 @@
           <a:p>
             <a:fld id="{57E389D1-C2F8-40B4-B845-801280EA792C}" type="datetimeFigureOut">
               <a:rPr lang="ru-RU" smtClean="0"/>
-              <a:t>11.10.2015</a:t>
+              <a:t>16.10.2015</a:t>
             </a:fld>
             <a:endParaRPr lang="ru-RU"/>
           </a:p>
@@ -1130,7 +1254,7 @@
           <a:p>
             <a:fld id="{57E389D1-C2F8-40B4-B845-801280EA792C}" type="datetimeFigureOut">
               <a:rPr lang="ru-RU" smtClean="0"/>
-              <a:t>11.10.2015</a:t>
+              <a:t>16.10.2015</a:t>
             </a:fld>
             <a:endParaRPr lang="ru-RU"/>
           </a:p>
@@ -1300,7 +1424,7 @@
           <a:p>
             <a:fld id="{57E389D1-C2F8-40B4-B845-801280EA792C}" type="datetimeFigureOut">
               <a:rPr lang="ru-RU" smtClean="0"/>
-              <a:t>11.10.2015</a:t>
+              <a:t>16.10.2015</a:t>
             </a:fld>
             <a:endParaRPr lang="ru-RU"/>
           </a:p>
@@ -1546,7 +1670,7 @@
           <a:p>
             <a:fld id="{57E389D1-C2F8-40B4-B845-801280EA792C}" type="datetimeFigureOut">
               <a:rPr lang="ru-RU" smtClean="0"/>
-              <a:t>11.10.2015</a:t>
+              <a:t>16.10.2015</a:t>
             </a:fld>
             <a:endParaRPr lang="ru-RU"/>
           </a:p>
@@ -1834,7 +1958,7 @@
           <a:p>
             <a:fld id="{57E389D1-C2F8-40B4-B845-801280EA792C}" type="datetimeFigureOut">
               <a:rPr lang="ru-RU" smtClean="0"/>
-              <a:t>11.10.2015</a:t>
+              <a:t>16.10.2015</a:t>
             </a:fld>
             <a:endParaRPr lang="ru-RU"/>
           </a:p>
@@ -2256,7 +2380,7 @@
           <a:p>
             <a:fld id="{57E389D1-C2F8-40B4-B845-801280EA792C}" type="datetimeFigureOut">
               <a:rPr lang="ru-RU" smtClean="0"/>
-              <a:t>11.10.2015</a:t>
+              <a:t>16.10.2015</a:t>
             </a:fld>
             <a:endParaRPr lang="ru-RU"/>
           </a:p>
@@ -2374,7 +2498,7 @@
           <a:p>
             <a:fld id="{57E389D1-C2F8-40B4-B845-801280EA792C}" type="datetimeFigureOut">
               <a:rPr lang="ru-RU" smtClean="0"/>
-              <a:t>11.10.2015</a:t>
+              <a:t>16.10.2015</a:t>
             </a:fld>
             <a:endParaRPr lang="ru-RU"/>
           </a:p>
@@ -2469,7 +2593,7 @@
           <a:p>
             <a:fld id="{57E389D1-C2F8-40B4-B845-801280EA792C}" type="datetimeFigureOut">
               <a:rPr lang="ru-RU" smtClean="0"/>
-              <a:t>11.10.2015</a:t>
+              <a:t>16.10.2015</a:t>
             </a:fld>
             <a:endParaRPr lang="ru-RU"/>
           </a:p>
@@ -2746,7 +2870,7 @@
           <a:p>
             <a:fld id="{57E389D1-C2F8-40B4-B845-801280EA792C}" type="datetimeFigureOut">
               <a:rPr lang="ru-RU" smtClean="0"/>
-              <a:t>11.10.2015</a:t>
+              <a:t>16.10.2015</a:t>
             </a:fld>
             <a:endParaRPr lang="ru-RU"/>
           </a:p>
@@ -2999,7 +3123,7 @@
           <a:p>
             <a:fld id="{57E389D1-C2F8-40B4-B845-801280EA792C}" type="datetimeFigureOut">
               <a:rPr lang="ru-RU" smtClean="0"/>
-              <a:t>11.10.2015</a:t>
+              <a:t>16.10.2015</a:t>
             </a:fld>
             <a:endParaRPr lang="ru-RU"/>
           </a:p>
@@ -3212,7 +3336,7 @@
           <a:p>
             <a:fld id="{57E389D1-C2F8-40B4-B845-801280EA792C}" type="datetimeFigureOut">
               <a:rPr lang="ru-RU" smtClean="0"/>
-              <a:t>11.10.2015</a:t>
+              <a:t>16.10.2015</a:t>
             </a:fld>
             <a:endParaRPr lang="ru-RU"/>
           </a:p>
@@ -3678,115 +3802,120 @@
           <a:lstStyle/>
           <a:p>
             <a:r>
+              <a:rPr lang="en-US" u="sng" dirty="0"/>
+              <a:t>Infrastructure Automation</a:t>
+            </a:r>
+            <a:endParaRPr lang="ru-RU" dirty="0"/>
+          </a:p>
+        </p:txBody>
+      </p:sp>
+      <p:sp>
+        <p:nvSpPr>
+          <p:cNvPr id="3" name="Объект 2"/>
+          <p:cNvSpPr>
+            <a:spLocks noGrp="1"/>
+          </p:cNvSpPr>
+          <p:nvPr>
+            <p:ph idx="1"/>
+          </p:nvPr>
+        </p:nvSpPr>
+        <p:spPr/>
+        <p:txBody>
+          <a:bodyPr>
+            <a:normAutofit lnSpcReduction="10000"/>
+          </a:bodyPr>
+          <a:lstStyle/>
+          <a:p>
+            <a:pPr marL="0" indent="0">
+              <a:buNone/>
+            </a:pPr>
+            <a:r>
+              <a:rPr lang="ru-RU" u="sng" dirty="0" smtClean="0"/>
+              <a:t>Автоматизация </a:t>
+            </a:r>
+            <a:r>
+              <a:rPr lang="ru-RU" u="sng" dirty="0"/>
+              <a:t>инфраструктуры</a:t>
+            </a:r>
+            <a:endParaRPr lang="en-US" u="sng" dirty="0" smtClean="0"/>
+          </a:p>
+          <a:p>
+            <a:pPr lvl="1"/>
+            <a:r>
+              <a:rPr lang="en-US" dirty="0" smtClean="0"/>
+              <a:t>Continuous Integration</a:t>
+            </a:r>
+          </a:p>
+          <a:p>
+            <a:pPr lvl="2"/>
+            <a:r>
+              <a:rPr lang="en-US" dirty="0" smtClean="0"/>
+              <a:t>Jenkins</a:t>
+            </a:r>
+          </a:p>
+          <a:p>
+            <a:pPr lvl="2"/>
+            <a:r>
+              <a:rPr lang="ru-RU" dirty="0" smtClean="0"/>
+              <a:t>Выделенное окружение разработчика</a:t>
+            </a:r>
+            <a:endParaRPr lang="en-US" dirty="0" smtClean="0"/>
+          </a:p>
+          <a:p>
+            <a:pPr lvl="1"/>
+            <a:r>
+              <a:rPr lang="en-US" dirty="0" smtClean="0"/>
+              <a:t>One-button Deployment</a:t>
+            </a:r>
+            <a:endParaRPr lang="en-US" dirty="0" smtClean="0"/>
+          </a:p>
+          <a:p>
+            <a:pPr lvl="1"/>
+            <a:r>
+              <a:rPr lang="en-US" dirty="0" smtClean="0"/>
+              <a:t>Database </a:t>
+            </a:r>
+            <a:r>
+              <a:rPr lang="en-US" dirty="0" smtClean="0"/>
+              <a:t>Evolution</a:t>
+            </a:r>
+            <a:endParaRPr lang="ru-RU" dirty="0" smtClean="0"/>
+          </a:p>
+          <a:p>
+            <a:pPr lvl="2"/>
+            <a:r>
               <a:rPr lang="en-US" dirty="0" err="1" smtClean="0"/>
-              <a:t>Microservices</a:t>
-            </a:r>
+              <a:t>Liquibase</a:t>
+            </a:r>
+            <a:endParaRPr lang="en-US" dirty="0" smtClean="0"/>
+          </a:p>
+          <a:p>
+            <a:pPr lvl="3"/>
             <a:r>
               <a:rPr lang="en-US" dirty="0" smtClean="0"/>
-              <a:t> Design</a:t>
-            </a:r>
-            <a:endParaRPr lang="ru-RU" dirty="0"/>
-          </a:p>
-        </p:txBody>
-      </p:sp>
-      <p:sp>
-        <p:nvSpPr>
-          <p:cNvPr id="3" name="Объект 2"/>
-          <p:cNvSpPr>
-            <a:spLocks noGrp="1"/>
-          </p:cNvSpPr>
-          <p:nvPr>
-            <p:ph idx="1"/>
-          </p:nvPr>
-        </p:nvSpPr>
-        <p:spPr/>
-        <p:txBody>
-          <a:bodyPr>
-            <a:normAutofit fontScale="92500" lnSpcReduction="10000"/>
-          </a:bodyPr>
-          <a:lstStyle/>
-          <a:p>
-            <a:pPr>
-              <a:lnSpc>
-                <a:spcPct val="150000"/>
-              </a:lnSpc>
-            </a:pPr>
-            <a:r>
-              <a:rPr lang="ru-RU" dirty="0"/>
-              <a:t>Децентрализованные </a:t>
-            </a:r>
-            <a:r>
-              <a:rPr lang="ru-RU" dirty="0" smtClean="0"/>
-              <a:t>данные</a:t>
-            </a:r>
-            <a:endParaRPr lang="ru-RU" dirty="0"/>
-          </a:p>
-          <a:p>
-            <a:pPr>
-              <a:lnSpc>
-                <a:spcPct val="150000"/>
-              </a:lnSpc>
-            </a:pPr>
-            <a:r>
-              <a:rPr lang="ru-RU" dirty="0"/>
-              <a:t>Децентрализованное управление </a:t>
-            </a:r>
-            <a:endParaRPr lang="en-US" dirty="0" smtClean="0"/>
-          </a:p>
-          <a:p>
-            <a:pPr>
-              <a:lnSpc>
-                <a:spcPct val="150000"/>
-              </a:lnSpc>
-            </a:pPr>
-            <a:r>
-              <a:rPr lang="ru-RU" dirty="0" smtClean="0"/>
-              <a:t>Протокол взаимодействия</a:t>
-            </a:r>
-            <a:endParaRPr lang="en-US" dirty="0" smtClean="0"/>
-          </a:p>
-          <a:p>
-            <a:pPr>
-              <a:lnSpc>
-                <a:spcPct val="150000"/>
-              </a:lnSpc>
-            </a:pPr>
-            <a:r>
-              <a:rPr lang="ru-RU" dirty="0" smtClean="0"/>
-              <a:t>Совместимость</a:t>
-            </a:r>
-            <a:endParaRPr lang="en-US" dirty="0" smtClean="0"/>
-          </a:p>
-          <a:p>
-            <a:pPr>
-              <a:lnSpc>
-                <a:spcPct val="150000"/>
-              </a:lnSpc>
-            </a:pPr>
-            <a:r>
-              <a:rPr lang="ru-RU" dirty="0" smtClean="0"/>
-              <a:t>Документация</a:t>
-            </a:r>
-            <a:endParaRPr lang="en-US" dirty="0" smtClean="0"/>
-          </a:p>
-          <a:p>
-            <a:pPr>
-              <a:lnSpc>
-                <a:spcPct val="150000"/>
-              </a:lnSpc>
-            </a:pPr>
-            <a:r>
-              <a:rPr lang="ru-RU" dirty="0" smtClean="0"/>
-              <a:t>Проектирование под отказ</a:t>
-            </a:r>
-            <a:endParaRPr lang="en-US" dirty="0" smtClean="0"/>
+              <a:t>Automated run</a:t>
+            </a:r>
+          </a:p>
+          <a:p>
+            <a:pPr lvl="2"/>
+            <a:r>
+              <a:rPr lang="en-US" dirty="0" smtClean="0"/>
+              <a:t>Data migration</a:t>
+            </a:r>
+          </a:p>
+          <a:p>
+            <a:pPr lvl="1"/>
+            <a:r>
+              <a:rPr lang="en-US" dirty="0" smtClean="0"/>
+              <a:t>Chef</a:t>
+            </a:r>
           </a:p>
         </p:txBody>
       </p:sp>
     </p:spTree>
     <p:extLst>
       <p:ext uri="{BB962C8B-B14F-4D97-AF65-F5344CB8AC3E}">
-        <p14:creationId xmlns:p14="http://schemas.microsoft.com/office/powerpoint/2010/main" val="3153769468"/>
+        <p14:creationId xmlns:p14="http://schemas.microsoft.com/office/powerpoint/2010/main" val="4087347277"/>
       </p:ext>
     </p:extLst>
   </p:cSld>
@@ -3832,91 +3961,123 @@
         </p:nvSpPr>
         <p:spPr/>
         <p:txBody>
+          <a:bodyPr/>
+          <a:lstStyle/>
+          <a:p>
+            <a:r>
+              <a:rPr lang="en-US" dirty="0" err="1" smtClean="0"/>
+              <a:t>Microservices</a:t>
+            </a:r>
+            <a:r>
+              <a:rPr lang="en-US" dirty="0" smtClean="0"/>
+              <a:t> Design</a:t>
+            </a:r>
+            <a:endParaRPr lang="ru-RU" dirty="0"/>
+          </a:p>
+        </p:txBody>
+      </p:sp>
+      <p:sp>
+        <p:nvSpPr>
+          <p:cNvPr id="3" name="Объект 2"/>
+          <p:cNvSpPr>
+            <a:spLocks noGrp="1"/>
+          </p:cNvSpPr>
+          <p:nvPr>
+            <p:ph idx="1"/>
+          </p:nvPr>
+        </p:nvSpPr>
+        <p:spPr/>
+        <p:txBody>
           <a:bodyPr>
-            <a:normAutofit/>
+            <a:normAutofit fontScale="92500" lnSpcReduction="10000"/>
           </a:bodyPr>
           <a:lstStyle/>
           <a:p>
-            <a:r>
-              <a:rPr lang="en-US" u="sng" dirty="0"/>
-              <a:t>Decentralized </a:t>
-            </a:r>
-            <a:r>
-              <a:rPr lang="en-US" u="sng" dirty="0" smtClean="0"/>
-              <a:t>Governance</a:t>
+            <a:pPr>
+              <a:lnSpc>
+                <a:spcPct val="150000"/>
+              </a:lnSpc>
+            </a:pPr>
+            <a:r>
+              <a:rPr lang="ru-RU" dirty="0"/>
+              <a:t>Децентрализованное управление </a:t>
+            </a:r>
+            <a:endParaRPr lang="en-US" dirty="0"/>
+          </a:p>
+          <a:p>
+            <a:pPr>
+              <a:lnSpc>
+                <a:spcPct val="150000"/>
+              </a:lnSpc>
+            </a:pPr>
+            <a:r>
+              <a:rPr lang="ru-RU" dirty="0" smtClean="0"/>
+              <a:t>Децентрализованные </a:t>
+            </a:r>
+            <a:r>
+              <a:rPr lang="ru-RU" dirty="0" smtClean="0"/>
+              <a:t>данные</a:t>
             </a:r>
             <a:endParaRPr lang="ru-RU" dirty="0"/>
           </a:p>
-        </p:txBody>
-      </p:sp>
-      <p:sp>
-        <p:nvSpPr>
-          <p:cNvPr id="3" name="Объект 2"/>
-          <p:cNvSpPr>
-            <a:spLocks noGrp="1"/>
-          </p:cNvSpPr>
-          <p:nvPr>
-            <p:ph idx="1"/>
-          </p:nvPr>
-        </p:nvSpPr>
-        <p:spPr/>
-        <p:txBody>
-          <a:bodyPr/>
-          <a:lstStyle/>
-          <a:p>
-            <a:pPr marL="0" indent="0">
-              <a:buNone/>
+          <a:p>
+            <a:pPr>
+              <a:lnSpc>
+                <a:spcPct val="150000"/>
+              </a:lnSpc>
             </a:pPr>
             <a:r>
-              <a:rPr lang="ru-RU" u="sng" dirty="0" smtClean="0"/>
-              <a:t>Децентрализованное управление</a:t>
-            </a:r>
-            <a:endParaRPr lang="en-US" u="sng" dirty="0" smtClean="0"/>
-          </a:p>
-          <a:p>
-            <a:r>
               <a:rPr lang="ru-RU" dirty="0" smtClean="0"/>
-              <a:t>Разные технологии для разных целей</a:t>
-            </a:r>
-          </a:p>
-          <a:p>
-            <a:pPr lvl="1"/>
+              <a:t>Протокол </a:t>
+            </a:r>
             <a:r>
               <a:rPr lang="ru-RU" dirty="0" smtClean="0"/>
-              <a:t>Фреймворки</a:t>
-            </a:r>
-          </a:p>
-          <a:p>
-            <a:pPr lvl="1"/>
+              <a:t>взаимодействия</a:t>
+            </a:r>
+            <a:endParaRPr lang="en-US" dirty="0" smtClean="0"/>
+          </a:p>
+          <a:p>
+            <a:pPr>
+              <a:lnSpc>
+                <a:spcPct val="150000"/>
+              </a:lnSpc>
+            </a:pPr>
             <a:r>
               <a:rPr lang="ru-RU" dirty="0" smtClean="0"/>
-              <a:t>Сервера приложений</a:t>
+              <a:t>Совместимость</a:t>
             </a:r>
             <a:endParaRPr lang="en-US" dirty="0" smtClean="0"/>
           </a:p>
           <a:p>
+            <a:pPr>
+              <a:lnSpc>
+                <a:spcPct val="150000"/>
+              </a:lnSpc>
+            </a:pPr>
             <a:r>
               <a:rPr lang="ru-RU" dirty="0" smtClean="0"/>
-              <a:t>Но единая платформа</a:t>
-            </a:r>
-          </a:p>
-          <a:p>
-            <a:pPr lvl="1">
-              <a:buFontTx/>
-              <a:buChar char="-"/>
+              <a:t>Документация</a:t>
+            </a:r>
+            <a:endParaRPr lang="en-US" dirty="0" smtClean="0"/>
+          </a:p>
+          <a:p>
+            <a:pPr>
+              <a:lnSpc>
+                <a:spcPct val="150000"/>
+              </a:lnSpc>
             </a:pPr>
             <a:r>
               <a:rPr lang="ru-RU" dirty="0" smtClean="0"/>
-              <a:t>Система сборки</a:t>
-            </a:r>
-            <a:endParaRPr lang="ru-RU" dirty="0"/>
+              <a:t>Проектирование под отказ</a:t>
+            </a:r>
+            <a:endParaRPr lang="en-US" dirty="0" smtClean="0"/>
           </a:p>
         </p:txBody>
       </p:sp>
     </p:spTree>
     <p:extLst>
       <p:ext uri="{BB962C8B-B14F-4D97-AF65-F5344CB8AC3E}">
-        <p14:creationId xmlns:p14="http://schemas.microsoft.com/office/powerpoint/2010/main" val="1910416683"/>
+        <p14:creationId xmlns:p14="http://schemas.microsoft.com/office/powerpoint/2010/main" val="3153769468"/>
       </p:ext>
     </p:extLst>
   </p:cSld>
@@ -3973,7 +4134,7 @@
             </a:r>
             <a:r>
               <a:rPr lang="en-US" u="sng" dirty="0" smtClean="0"/>
-              <a:t>Data</a:t>
+              <a:t>Governance</a:t>
             </a:r>
             <a:endParaRPr lang="ru-RU" dirty="0"/>
           </a:p>
@@ -3998,68 +4159,50 @@
               <a:buNone/>
             </a:pPr>
             <a:r>
-              <a:rPr lang="ru-RU" dirty="0"/>
-              <a:t>Децентрализованные данные </a:t>
-            </a:r>
-            <a:endParaRPr lang="ru-RU" dirty="0" smtClean="0"/>
+              <a:rPr lang="ru-RU" u="sng" dirty="0" smtClean="0"/>
+              <a:t>Децентрализованное управление</a:t>
+            </a:r>
+            <a:endParaRPr lang="en-US" u="sng" dirty="0" smtClean="0"/>
           </a:p>
           <a:p>
             <a:r>
               <a:rPr lang="ru-RU" dirty="0" smtClean="0"/>
-              <a:t>Разные </a:t>
-            </a:r>
-            <a:r>
-              <a:rPr lang="ru-RU" dirty="0"/>
-              <a:t>хранилища данных</a:t>
-            </a:r>
-            <a:endParaRPr lang="en-US" dirty="0"/>
-          </a:p>
-          <a:p>
-            <a:pPr marL="0" indent="0">
-              <a:buNone/>
+              <a:t>Разные технологии для разных целей</a:t>
+            </a:r>
+          </a:p>
+          <a:p>
+            <a:pPr lvl="1"/>
+            <a:r>
+              <a:rPr lang="ru-RU" dirty="0" smtClean="0"/>
+              <a:t>Фреймворки</a:t>
+            </a:r>
+          </a:p>
+          <a:p>
+            <a:pPr lvl="1"/>
+            <a:r>
+              <a:rPr lang="ru-RU" dirty="0" smtClean="0"/>
+              <a:t>Сервера приложений</a:t>
+            </a:r>
+            <a:endParaRPr lang="en-US" dirty="0" smtClean="0"/>
+          </a:p>
+          <a:p>
+            <a:r>
+              <a:rPr lang="ru-RU" dirty="0" smtClean="0"/>
+              <a:t>Но единая платформа</a:t>
+            </a:r>
+          </a:p>
+          <a:p>
+            <a:pPr lvl="1">
+              <a:buFontTx/>
+              <a:buChar char="-"/>
             </a:pPr>
             <a:r>
-              <a:rPr lang="en-US" dirty="0"/>
-              <a:t>		- polyglot persistence</a:t>
-            </a:r>
-          </a:p>
-          <a:p>
-            <a:pPr marL="0" indent="0">
-              <a:buNone/>
-            </a:pPr>
-            <a:r>
-              <a:rPr lang="en-US" dirty="0"/>
-              <a:t>		- Mongo/</a:t>
-            </a:r>
-            <a:r>
-              <a:rPr lang="en-US" dirty="0" err="1"/>
-              <a:t>Postgres</a:t>
-            </a:r>
-            <a:r>
-              <a:rPr lang="en-US" dirty="0"/>
-              <a:t>/</a:t>
-            </a:r>
-            <a:r>
-              <a:rPr lang="en-US" dirty="0" err="1"/>
-              <a:t>Lucene</a:t>
-            </a:r>
-            <a:endParaRPr lang="en-US" dirty="0"/>
-          </a:p>
-          <a:p>
-            <a:r>
               <a:rPr lang="ru-RU" dirty="0" smtClean="0"/>
-              <a:t>Нет доступа к хранилищам других сервисов</a:t>
-            </a:r>
-          </a:p>
-          <a:p>
-            <a:pPr lvl="1"/>
-            <a:endParaRPr lang="ru-RU" dirty="0"/>
-          </a:p>
-          <a:p>
-            <a:pPr lvl="3"/>
+              <a:t>Система </a:t>
+            </a:r>
             <a:r>
               <a:rPr lang="ru-RU" dirty="0" smtClean="0"/>
-              <a:t>Изображение здесь</a:t>
+              <a:t>сборки</a:t>
             </a:r>
             <a:endParaRPr lang="ru-RU" dirty="0"/>
           </a:p>
@@ -4068,7 +4211,7 @@
     </p:spTree>
     <p:extLst>
       <p:ext uri="{BB962C8B-B14F-4D97-AF65-F5344CB8AC3E}">
-        <p14:creationId xmlns:p14="http://schemas.microsoft.com/office/powerpoint/2010/main" val="1361634447"/>
+        <p14:creationId xmlns:p14="http://schemas.microsoft.com/office/powerpoint/2010/main" val="1910416683"/>
       </p:ext>
     </p:extLst>
   </p:cSld>
@@ -4114,138 +4257,105 @@
         </p:nvSpPr>
         <p:spPr/>
         <p:txBody>
+          <a:bodyPr>
+            <a:normAutofit/>
+          </a:bodyPr>
+          <a:lstStyle/>
+          <a:p>
+            <a:r>
+              <a:rPr lang="en-US" u="sng" dirty="0"/>
+              <a:t>Decentralized </a:t>
+            </a:r>
+            <a:r>
+              <a:rPr lang="en-US" u="sng" dirty="0" smtClean="0"/>
+              <a:t>Data</a:t>
+            </a:r>
+            <a:endParaRPr lang="ru-RU" dirty="0"/>
+          </a:p>
+        </p:txBody>
+      </p:sp>
+      <p:sp>
+        <p:nvSpPr>
+          <p:cNvPr id="3" name="Объект 2"/>
+          <p:cNvSpPr>
+            <a:spLocks noGrp="1"/>
+          </p:cNvSpPr>
+          <p:nvPr>
+            <p:ph idx="1"/>
+          </p:nvPr>
+        </p:nvSpPr>
+        <p:spPr/>
+        <p:txBody>
           <a:bodyPr/>
           <a:lstStyle/>
           <a:p>
-            <a:r>
-              <a:rPr lang="en-US" dirty="0" err="1" smtClean="0"/>
-              <a:t>Microservices</a:t>
-            </a:r>
-            <a:r>
-              <a:rPr lang="en-US" dirty="0" smtClean="0"/>
-              <a:t> Design</a:t>
-            </a:r>
+            <a:pPr marL="0" indent="0">
+              <a:buNone/>
+            </a:pPr>
+            <a:r>
+              <a:rPr lang="ru-RU" u="sng" dirty="0"/>
+              <a:t>Децентрализованные данные </a:t>
+            </a:r>
+            <a:endParaRPr lang="ru-RU" u="sng" dirty="0" smtClean="0"/>
+          </a:p>
+          <a:p>
+            <a:r>
+              <a:rPr lang="ru-RU" dirty="0" smtClean="0"/>
+              <a:t>Разные </a:t>
+            </a:r>
+            <a:r>
+              <a:rPr lang="ru-RU" dirty="0"/>
+              <a:t>хранилища данных</a:t>
+            </a:r>
+            <a:endParaRPr lang="en-US" dirty="0"/>
+          </a:p>
+          <a:p>
+            <a:pPr marL="0" indent="0">
+              <a:buNone/>
+            </a:pPr>
+            <a:r>
+              <a:rPr lang="en-US" dirty="0"/>
+              <a:t>		- polyglot persistence</a:t>
+            </a:r>
+          </a:p>
+          <a:p>
+            <a:pPr marL="0" indent="0">
+              <a:buNone/>
+            </a:pPr>
+            <a:r>
+              <a:rPr lang="en-US" dirty="0"/>
+              <a:t>		- Mongo/</a:t>
+            </a:r>
+            <a:r>
+              <a:rPr lang="en-US" dirty="0" err="1"/>
+              <a:t>Postgres</a:t>
+            </a:r>
+            <a:r>
+              <a:rPr lang="en-US" dirty="0"/>
+              <a:t>/</a:t>
+            </a:r>
+            <a:r>
+              <a:rPr lang="en-US" dirty="0" err="1"/>
+              <a:t>Lucene</a:t>
+            </a:r>
+            <a:endParaRPr lang="en-US" dirty="0"/>
+          </a:p>
+          <a:p>
+            <a:r>
+              <a:rPr lang="ru-RU" dirty="0" smtClean="0"/>
+              <a:t>Нет доступа к хранилищам других сервисов</a:t>
+            </a:r>
+          </a:p>
+          <a:p>
+            <a:pPr lvl="1"/>
             <a:endParaRPr lang="ru-RU" dirty="0"/>
           </a:p>
-        </p:txBody>
-      </p:sp>
-      <p:sp>
-        <p:nvSpPr>
-          <p:cNvPr id="3" name="Объект 2"/>
-          <p:cNvSpPr>
-            <a:spLocks noGrp="1"/>
-          </p:cNvSpPr>
-          <p:nvPr>
-            <p:ph idx="1"/>
-          </p:nvPr>
-        </p:nvSpPr>
-        <p:spPr/>
-        <p:txBody>
-          <a:bodyPr>
-            <a:normAutofit fontScale="92500" lnSpcReduction="20000"/>
-          </a:bodyPr>
-          <a:lstStyle/>
-          <a:p>
-            <a:r>
-              <a:rPr lang="ru-RU" dirty="0"/>
-              <a:t>Протокол взаимодействия</a:t>
-            </a:r>
-            <a:endParaRPr lang="en-US" dirty="0"/>
-          </a:p>
-          <a:p>
-            <a:pPr lvl="1"/>
-            <a:r>
-              <a:rPr lang="en-US" dirty="0"/>
-              <a:t>REST</a:t>
-            </a:r>
-          </a:p>
-          <a:p>
-            <a:pPr lvl="1"/>
-            <a:r>
-              <a:rPr lang="en-US" dirty="0"/>
-              <a:t>Messaging </a:t>
-            </a:r>
-          </a:p>
-          <a:p>
-            <a:pPr lvl="2"/>
-            <a:r>
-              <a:rPr lang="en-US" dirty="0"/>
-              <a:t>JMS</a:t>
-            </a:r>
-          </a:p>
-          <a:p>
-            <a:r>
-              <a:rPr lang="ru-RU" dirty="0"/>
-              <a:t>Совместимость (</a:t>
-            </a:r>
-            <a:r>
-              <a:rPr lang="en-US" dirty="0"/>
-              <a:t>Compatibility</a:t>
-            </a:r>
-            <a:r>
-              <a:rPr lang="ru-RU" dirty="0"/>
-              <a:t>)</a:t>
-            </a:r>
-            <a:endParaRPr lang="en-US" dirty="0"/>
-          </a:p>
-          <a:p>
-            <a:pPr lvl="1"/>
-            <a:r>
-              <a:rPr lang="ru-RU" dirty="0"/>
-              <a:t>Максимально возможная поддержка</a:t>
-            </a:r>
-            <a:endParaRPr lang="en-US" dirty="0"/>
-          </a:p>
-          <a:p>
-            <a:pPr lvl="1"/>
-            <a:r>
-              <a:rPr lang="ru-RU" dirty="0"/>
-              <a:t>Система </a:t>
-            </a:r>
-            <a:r>
-              <a:rPr lang="ru-RU" dirty="0" err="1"/>
-              <a:t>версионирования</a:t>
-            </a:r>
-            <a:r>
-              <a:rPr lang="ru-RU" dirty="0"/>
-              <a:t> (</a:t>
-            </a:r>
-            <a:r>
-              <a:rPr lang="en-US" dirty="0"/>
-              <a:t>X.Y.Z)</a:t>
-            </a:r>
-          </a:p>
-          <a:p>
-            <a:r>
-              <a:rPr lang="ru-RU" dirty="0"/>
-              <a:t>Документация</a:t>
-            </a:r>
-            <a:endParaRPr lang="en-US" dirty="0"/>
-          </a:p>
-          <a:p>
-            <a:pPr lvl="1"/>
-            <a:r>
-              <a:rPr lang="ru-RU" dirty="0"/>
-              <a:t>Должна быть исчерпывающей</a:t>
-            </a:r>
-            <a:endParaRPr lang="en-US" dirty="0"/>
-          </a:p>
-          <a:p>
-            <a:r>
-              <a:rPr lang="ru-RU" dirty="0"/>
-              <a:t>Без состояния (</a:t>
-            </a:r>
-            <a:r>
-              <a:rPr lang="en-US" dirty="0"/>
-              <a:t>Stateless</a:t>
-            </a:r>
-            <a:r>
-              <a:rPr lang="ru-RU" dirty="0"/>
-              <a:t>)</a:t>
-            </a:r>
-            <a:endParaRPr lang="en-US" dirty="0"/>
-          </a:p>
-          <a:p>
+          <a:p>
+            <a:pPr lvl="3"/>
+            <a:r>
+              <a:rPr lang="ru-RU" dirty="0" smtClean="0"/>
+              <a:t>Изображение здесь</a:t>
+            </a:r>
             <a:endParaRPr lang="ru-RU" dirty="0"/>
           </a:p>
         </p:txBody>
@@ -4253,7 +4363,7 @@
     </p:spTree>
     <p:extLst>
       <p:ext uri="{BB962C8B-B14F-4D97-AF65-F5344CB8AC3E}">
-        <p14:creationId xmlns:p14="http://schemas.microsoft.com/office/powerpoint/2010/main" val="596141011"/>
+        <p14:creationId xmlns:p14="http://schemas.microsoft.com/office/powerpoint/2010/main" val="1361634447"/>
       </p:ext>
     </p:extLst>
   </p:cSld>
@@ -4303,24 +4413,12 @@
           <a:lstStyle/>
           <a:p>
             <a:r>
-              <a:rPr lang="ru-RU" u="sng" dirty="0" err="1"/>
-              <a:t>Design</a:t>
-            </a:r>
-            <a:r>
-              <a:rPr lang="ru-RU" u="sng" dirty="0"/>
-              <a:t> </a:t>
-            </a:r>
-            <a:r>
-              <a:rPr lang="ru-RU" u="sng" dirty="0" err="1"/>
-              <a:t>for</a:t>
-            </a:r>
-            <a:r>
-              <a:rPr lang="ru-RU" u="sng" dirty="0"/>
-              <a:t> </a:t>
-            </a:r>
-            <a:r>
-              <a:rPr lang="ru-RU" u="sng" dirty="0" err="1"/>
-              <a:t>failure</a:t>
+              <a:rPr lang="en-US" dirty="0" err="1" smtClean="0"/>
+              <a:t>Microservices</a:t>
+            </a:r>
+            <a:r>
+              <a:rPr lang="en-US" dirty="0" smtClean="0"/>
+              <a:t> Design</a:t>
             </a:r>
             <a:endParaRPr lang="ru-RU" dirty="0"/>
           </a:p>
@@ -4339,147 +4437,56 @@
         <p:spPr/>
         <p:txBody>
           <a:bodyPr>
-            <a:normAutofit fontScale="77500" lnSpcReduction="20000"/>
+            <a:normAutofit/>
           </a:bodyPr>
           <a:lstStyle/>
           <a:p>
-            <a:pPr marL="0" indent="0">
-              <a:buNone/>
-            </a:pPr>
-            <a:r>
-              <a:rPr lang="ru-RU" sz="4100" u="sng" dirty="0" smtClean="0"/>
-              <a:t>Проектирование </a:t>
-            </a:r>
-            <a:r>
-              <a:rPr lang="ru-RU" sz="4100" u="sng" dirty="0"/>
-              <a:t>под </a:t>
-            </a:r>
-            <a:r>
-              <a:rPr lang="ru-RU" sz="4100" u="sng" dirty="0" smtClean="0"/>
-              <a:t>отказ</a:t>
-            </a:r>
-            <a:endParaRPr lang="en-US" sz="4100" u="sng" dirty="0" smtClean="0"/>
-          </a:p>
-          <a:p>
-            <a:r>
-              <a:rPr lang="ru-RU" sz="3400" u="sng" dirty="0" smtClean="0"/>
-              <a:t>Найти отказ</a:t>
-            </a:r>
-            <a:endParaRPr lang="en-US" sz="3400" u="sng" dirty="0" smtClean="0"/>
+            <a:r>
+              <a:rPr lang="ru-RU" dirty="0"/>
+              <a:t>Протокол взаимодействия</a:t>
+            </a:r>
+            <a:endParaRPr lang="en-US" dirty="0"/>
           </a:p>
           <a:p>
             <a:pPr lvl="1"/>
             <a:r>
-              <a:rPr lang="ru-RU" sz="3000" dirty="0" smtClean="0"/>
-              <a:t>Мониторинг</a:t>
-            </a:r>
-            <a:endParaRPr lang="en-US" sz="3000" dirty="0" smtClean="0"/>
+              <a:rPr lang="en-US" dirty="0"/>
+              <a:t>REST</a:t>
+            </a:r>
+          </a:p>
+          <a:p>
+            <a:pPr lvl="1"/>
+            <a:r>
+              <a:rPr lang="en-US" dirty="0"/>
+              <a:t>Messaging </a:t>
+            </a:r>
           </a:p>
           <a:p>
             <a:pPr lvl="2"/>
             <a:r>
-              <a:rPr lang="ru-RU" sz="2600" dirty="0" smtClean="0"/>
-              <a:t>В почти реальном времени</a:t>
-            </a:r>
-            <a:r>
-              <a:rPr lang="en-US" sz="2600" dirty="0" smtClean="0"/>
-              <a:t> </a:t>
-            </a:r>
-            <a:r>
-              <a:rPr lang="en-US" sz="2600" dirty="0" smtClean="0"/>
-              <a:t>(</a:t>
-            </a:r>
-            <a:r>
-              <a:rPr lang="en-US" sz="2600" dirty="0" err="1" smtClean="0"/>
-              <a:t>splunk</a:t>
-            </a:r>
-            <a:r>
-              <a:rPr lang="en-US" sz="2600" dirty="0" smtClean="0"/>
-              <a:t>)</a:t>
-            </a:r>
-          </a:p>
-          <a:p>
-            <a:pPr lvl="1"/>
-            <a:r>
-              <a:rPr lang="ru-RU" sz="3000" dirty="0" smtClean="0"/>
-              <a:t>Исчерпывающее </a:t>
-            </a:r>
-            <a:r>
-              <a:rPr lang="ru-RU" sz="3000" dirty="0" err="1" smtClean="0"/>
-              <a:t>логгирование</a:t>
-            </a:r>
-            <a:endParaRPr lang="en-US" sz="3000" dirty="0" smtClean="0"/>
-          </a:p>
-          <a:p>
-            <a:pPr lvl="1"/>
-            <a:r>
-              <a:rPr lang="ru-RU" sz="3000" dirty="0" smtClean="0"/>
-              <a:t>Защитное программирование</a:t>
-            </a:r>
-            <a:endParaRPr lang="en-US" sz="3000" dirty="0" smtClean="0"/>
-          </a:p>
-          <a:p>
-            <a:r>
-              <a:rPr lang="ru-RU" sz="3400" u="sng" dirty="0" smtClean="0"/>
-              <a:t>Исправление</a:t>
-            </a:r>
-            <a:endParaRPr lang="en-US" sz="3400" u="sng" dirty="0" smtClean="0"/>
-          </a:p>
-          <a:p>
-            <a:pPr lvl="1"/>
-            <a:r>
-              <a:rPr lang="ru-RU" sz="3000" dirty="0" smtClean="0"/>
-              <a:t>Ручное</a:t>
-            </a:r>
-          </a:p>
-          <a:p>
-            <a:pPr lvl="2"/>
-            <a:r>
-              <a:rPr lang="ru-RU" sz="2600" dirty="0" smtClean="0"/>
-              <a:t>Мониторинг </a:t>
-            </a:r>
-            <a:r>
-              <a:rPr lang="en-US" sz="2600" dirty="0" smtClean="0"/>
-              <a:t>email</a:t>
-            </a:r>
-            <a:endParaRPr lang="en-US" sz="2600" dirty="0" smtClean="0"/>
-          </a:p>
-          <a:p>
-            <a:pPr lvl="1"/>
-            <a:r>
-              <a:rPr lang="ru-RU" sz="3000" dirty="0" smtClean="0"/>
-              <a:t>Автоматическое</a:t>
-            </a:r>
-            <a:endParaRPr lang="en-US" sz="3000" dirty="0" smtClean="0"/>
-          </a:p>
-          <a:p>
-            <a:pPr lvl="2"/>
-            <a:r>
-              <a:rPr lang="en-US" sz="2600" dirty="0" smtClean="0"/>
-              <a:t>High Availability (Load balancing)</a:t>
-            </a:r>
-          </a:p>
-          <a:p>
-            <a:pPr lvl="2"/>
-            <a:r>
-              <a:rPr lang="ru-RU" sz="2600" dirty="0" smtClean="0"/>
-              <a:t>Автоматическая повторная попытка (</a:t>
-            </a:r>
-            <a:r>
-              <a:rPr lang="en-US" sz="2600" dirty="0" smtClean="0"/>
-              <a:t>Redelivery)</a:t>
-            </a:r>
-            <a:endParaRPr lang="en-US" sz="2600" dirty="0" smtClean="0"/>
-          </a:p>
-          <a:p>
-            <a:endParaRPr lang="ru-RU" sz="3400" u="sng" dirty="0"/>
+              <a:rPr lang="en-US" dirty="0"/>
+              <a:t>JMS</a:t>
+            </a:r>
+          </a:p>
+          <a:p>
+            <a:r>
+              <a:rPr lang="ru-RU" dirty="0" smtClean="0"/>
+              <a:t>Проектирование под отказ</a:t>
+            </a:r>
+          </a:p>
+          <a:p>
+            <a:r>
+              <a:rPr lang="ru-RU" dirty="0" smtClean="0"/>
+              <a:t>Типы взаимодействия</a:t>
+            </a:r>
+            <a:endParaRPr lang="ru-RU" dirty="0"/>
           </a:p>
         </p:txBody>
       </p:sp>
     </p:spTree>
     <p:extLst>
       <p:ext uri="{BB962C8B-B14F-4D97-AF65-F5344CB8AC3E}">
-        <p14:creationId xmlns:p14="http://schemas.microsoft.com/office/powerpoint/2010/main" val="555567851"/>
+        <p14:creationId xmlns:p14="http://schemas.microsoft.com/office/powerpoint/2010/main" val="596141011"/>
       </p:ext>
     </p:extLst>
   </p:cSld>
@@ -4529,8 +4536,24 @@
           <a:lstStyle/>
           <a:p>
             <a:r>
-              <a:rPr lang="en-US" dirty="0" smtClean="0"/>
-              <a:t>Design: Performance</a:t>
+              <a:rPr lang="ru-RU" u="sng" dirty="0" err="1"/>
+              <a:t>Design</a:t>
+            </a:r>
+            <a:r>
+              <a:rPr lang="ru-RU" u="sng" dirty="0"/>
+              <a:t> </a:t>
+            </a:r>
+            <a:r>
+              <a:rPr lang="ru-RU" u="sng" dirty="0" err="1"/>
+              <a:t>for</a:t>
+            </a:r>
+            <a:r>
+              <a:rPr lang="ru-RU" u="sng" dirty="0"/>
+              <a:t> </a:t>
+            </a:r>
+            <a:r>
+              <a:rPr lang="ru-RU" u="sng" dirty="0" err="1"/>
+              <a:t>failure</a:t>
             </a:r>
             <a:endParaRPr lang="ru-RU" dirty="0"/>
           </a:p>
@@ -4548,103 +4571,142 @@
         </p:nvSpPr>
         <p:spPr/>
         <p:txBody>
-          <a:bodyPr/>
+          <a:bodyPr>
+            <a:normAutofit fontScale="77500" lnSpcReduction="20000"/>
+          </a:bodyPr>
           <a:lstStyle/>
           <a:p>
             <a:pPr marL="0" indent="0">
               <a:buNone/>
             </a:pPr>
             <a:r>
-              <a:rPr lang="en-US" dirty="0" smtClean="0"/>
-              <a:t>2 </a:t>
-            </a:r>
-            <a:r>
-              <a:rPr lang="ru-RU" dirty="0" smtClean="0"/>
-              <a:t>Типа взаимодействия</a:t>
-            </a:r>
-            <a:endParaRPr lang="en-US" dirty="0" smtClean="0"/>
+              <a:rPr lang="ru-RU" sz="4100" u="sng" dirty="0" smtClean="0"/>
+              <a:t>Проектирование </a:t>
+            </a:r>
+            <a:r>
+              <a:rPr lang="ru-RU" sz="4100" u="sng" dirty="0"/>
+              <a:t>под </a:t>
+            </a:r>
+            <a:r>
+              <a:rPr lang="ru-RU" sz="4100" u="sng" dirty="0" smtClean="0"/>
+              <a:t>отказ</a:t>
+            </a:r>
+            <a:endParaRPr lang="en-US" sz="4100" u="sng" dirty="0" smtClean="0"/>
+          </a:p>
+          <a:p>
+            <a:r>
+              <a:rPr lang="ru-RU" sz="3400" u="sng" dirty="0" smtClean="0"/>
+              <a:t>Найти отказ</a:t>
+            </a:r>
+            <a:endParaRPr lang="en-US" sz="3400" u="sng" dirty="0" smtClean="0"/>
           </a:p>
           <a:p>
             <a:pPr lvl="1"/>
             <a:r>
-              <a:rPr lang="ru-RU" sz="4000" dirty="0" smtClean="0"/>
-              <a:t>Асинхронное</a:t>
-            </a:r>
-            <a:r>
-              <a:rPr lang="en-US" sz="4000" dirty="0" smtClean="0"/>
-              <a:t> </a:t>
-            </a:r>
-            <a:endParaRPr lang="ru-RU" sz="4000" dirty="0" smtClean="0"/>
+              <a:rPr lang="ru-RU" sz="3000" dirty="0" smtClean="0"/>
+              <a:t>Мониторинг</a:t>
+            </a:r>
+            <a:endParaRPr lang="en-US" sz="3000" dirty="0" smtClean="0"/>
           </a:p>
           <a:p>
             <a:pPr lvl="2"/>
             <a:r>
-              <a:rPr lang="ru-RU" sz="3600" dirty="0" smtClean="0"/>
-              <a:t>обычно</a:t>
-            </a:r>
-            <a:r>
-              <a:rPr lang="en-US" sz="3600" dirty="0" smtClean="0"/>
-              <a:t> </a:t>
-            </a:r>
-            <a:r>
-              <a:rPr lang="en-US" sz="3600" dirty="0" smtClean="0"/>
-              <a:t>CUD </a:t>
-            </a:r>
-            <a:r>
-              <a:rPr lang="ru-RU" sz="3600" dirty="0" smtClean="0"/>
-              <a:t>в</a:t>
-            </a:r>
-            <a:r>
-              <a:rPr lang="en-US" sz="3600" dirty="0" smtClean="0"/>
-              <a:t> CRUD</a:t>
-            </a:r>
-            <a:endParaRPr lang="en-US" sz="3600" dirty="0" smtClean="0"/>
+              <a:rPr lang="ru-RU" sz="2600" dirty="0" smtClean="0"/>
+              <a:t>В почти реальном времени</a:t>
+            </a:r>
+            <a:r>
+              <a:rPr lang="en-US" sz="2600" dirty="0" smtClean="0"/>
+              <a:t> (</a:t>
+            </a:r>
+            <a:r>
+              <a:rPr lang="en-US" sz="2600" dirty="0" err="1" smtClean="0"/>
+              <a:t>splunk</a:t>
+            </a:r>
+            <a:r>
+              <a:rPr lang="en-US" sz="2600" dirty="0" smtClean="0"/>
+              <a:t>)</a:t>
+            </a:r>
           </a:p>
           <a:p>
             <a:pPr lvl="1"/>
             <a:r>
-              <a:rPr lang="ru-RU" sz="4000" dirty="0" smtClean="0"/>
-              <a:t>Синхронное</a:t>
-            </a:r>
-            <a:r>
-              <a:rPr lang="en-US" sz="4000" dirty="0" smtClean="0"/>
-              <a:t> </a:t>
-            </a:r>
-            <a:endParaRPr lang="ru-RU" sz="4000" dirty="0" smtClean="0"/>
+              <a:rPr lang="ru-RU" sz="3000" dirty="0" smtClean="0"/>
+              <a:t>Исчерпывающее </a:t>
+            </a:r>
+            <a:r>
+              <a:rPr lang="ru-RU" sz="3000" dirty="0" err="1" smtClean="0"/>
+              <a:t>логирование</a:t>
+            </a:r>
+            <a:endParaRPr lang="en-US" sz="3000" dirty="0" smtClean="0"/>
+          </a:p>
+          <a:p>
+            <a:pPr lvl="1"/>
+            <a:r>
+              <a:rPr lang="ru-RU" sz="3000" dirty="0" smtClean="0"/>
+              <a:t>Защитное программирование</a:t>
+            </a:r>
+            <a:endParaRPr lang="en-US" sz="3000" dirty="0" smtClean="0"/>
+          </a:p>
+          <a:p>
+            <a:r>
+              <a:rPr lang="ru-RU" sz="3400" u="sng" dirty="0" smtClean="0"/>
+              <a:t>Исправление</a:t>
+            </a:r>
+            <a:endParaRPr lang="en-US" sz="3400" u="sng" dirty="0" smtClean="0"/>
+          </a:p>
+          <a:p>
+            <a:pPr lvl="1"/>
+            <a:r>
+              <a:rPr lang="ru-RU" sz="3000" dirty="0" smtClean="0"/>
+              <a:t>Ручное</a:t>
+            </a:r>
           </a:p>
           <a:p>
             <a:pPr lvl="2"/>
             <a:r>
-              <a:rPr lang="ru-RU" sz="3600" dirty="0" smtClean="0"/>
-              <a:t>обычно</a:t>
-            </a:r>
-            <a:r>
-              <a:rPr lang="en-US" sz="3600" dirty="0" smtClean="0"/>
-              <a:t> </a:t>
-            </a:r>
-            <a:r>
-              <a:rPr lang="en-US" sz="3600" dirty="0" smtClean="0"/>
-              <a:t>R </a:t>
-            </a:r>
-            <a:r>
-              <a:rPr lang="ru-RU" sz="3600" dirty="0" smtClean="0"/>
-              <a:t>в</a:t>
-            </a:r>
-            <a:r>
-              <a:rPr lang="en-US" sz="3600" dirty="0" smtClean="0"/>
-              <a:t> CRUD</a:t>
-            </a:r>
-            <a:endParaRPr lang="en-US" sz="3600" dirty="0" smtClean="0"/>
-          </a:p>
-          <a:p>
-            <a:endParaRPr lang="ru-RU" dirty="0"/>
+              <a:rPr lang="ru-RU" sz="2600" dirty="0" smtClean="0"/>
+              <a:t>Проверка </a:t>
+            </a:r>
+            <a:r>
+              <a:rPr lang="en-US" sz="2600" dirty="0" smtClean="0"/>
+              <a:t>email</a:t>
+            </a:r>
+          </a:p>
+          <a:p>
+            <a:pPr lvl="1"/>
+            <a:r>
+              <a:rPr lang="ru-RU" sz="3000" dirty="0" smtClean="0"/>
+              <a:t>Автоматическое</a:t>
+            </a:r>
+            <a:endParaRPr lang="en-US" sz="3000" dirty="0" smtClean="0"/>
+          </a:p>
+          <a:p>
+            <a:pPr lvl="2"/>
+            <a:r>
+              <a:rPr lang="en-US" sz="2600" dirty="0" smtClean="0"/>
+              <a:t>High Availability (Load balancing)</a:t>
+            </a:r>
+          </a:p>
+          <a:p>
+            <a:pPr lvl="2"/>
+            <a:r>
+              <a:rPr lang="ru-RU" sz="2600" dirty="0" smtClean="0"/>
+              <a:t>Автоматическая повторная попытка (</a:t>
+            </a:r>
+            <a:r>
+              <a:rPr lang="en-US" sz="2600" dirty="0" smtClean="0"/>
+              <a:t>Redelivery)</a:t>
+            </a:r>
+          </a:p>
+          <a:p>
+            <a:endParaRPr lang="ru-RU" sz="3400" u="sng" dirty="0"/>
           </a:p>
         </p:txBody>
       </p:sp>
     </p:spTree>
     <p:extLst>
       <p:ext uri="{BB962C8B-B14F-4D97-AF65-F5344CB8AC3E}">
-        <p14:creationId xmlns:p14="http://schemas.microsoft.com/office/powerpoint/2010/main" val="365429632"/>
+        <p14:creationId xmlns:p14="http://schemas.microsoft.com/office/powerpoint/2010/main" val="555567851"/>
       </p:ext>
     </p:extLst>
   </p:cSld>
@@ -4695,7 +4757,7 @@
           <a:p>
             <a:r>
               <a:rPr lang="ru-RU" dirty="0" smtClean="0"/>
-              <a:t>Синхронное</a:t>
+              <a:t>Типы взаимодействия</a:t>
             </a:r>
             <a:endParaRPr lang="ru-RU" dirty="0"/>
           </a:p>
@@ -4714,167 +4776,438 @@
         <p:spPr/>
         <p:txBody>
           <a:bodyPr>
-            <a:normAutofit lnSpcReduction="10000"/>
+            <a:normAutofit fontScale="92500" lnSpcReduction="10000"/>
           </a:bodyPr>
           <a:lstStyle/>
           <a:p>
-            <a:r>
-              <a:rPr lang="ru-RU" dirty="0" smtClean="0"/>
-              <a:t>Максимально быстро</a:t>
-            </a:r>
-            <a:endParaRPr lang="en-US" dirty="0" smtClean="0"/>
-          </a:p>
-          <a:p>
-            <a:pPr lvl="1"/>
-            <a:r>
-              <a:rPr lang="ru-RU" dirty="0" smtClean="0"/>
-              <a:t>Все что требует внимания пользователя</a:t>
-            </a:r>
-          </a:p>
-          <a:p>
-            <a:pPr lvl="2"/>
-            <a:r>
-              <a:rPr lang="ru-RU" dirty="0" smtClean="0"/>
-              <a:t>Иначе асинхронное</a:t>
-            </a:r>
-            <a:endParaRPr lang="en-US" dirty="0" smtClean="0"/>
-          </a:p>
-          <a:p>
-            <a:pPr marL="457200" lvl="1" indent="0">
+            <a:pPr marL="0" indent="0">
+              <a:lnSpc>
+                <a:spcPct val="150000"/>
+              </a:lnSpc>
               <a:buNone/>
             </a:pPr>
             <a:r>
-              <a:rPr lang="ru-RU" sz="2400" i="1" dirty="0" smtClean="0"/>
-              <a:t>Сохранение заказа </a:t>
-            </a:r>
-            <a:r>
-              <a:rPr lang="en-US" sz="2400" i="1" dirty="0" smtClean="0"/>
-              <a:t>(</a:t>
-            </a:r>
-            <a:r>
-              <a:rPr lang="ru-RU" sz="2400" i="1" dirty="0" err="1" smtClean="0"/>
+              <a:rPr lang="ru-RU" sz="3900" dirty="0" smtClean="0"/>
+              <a:t>Взаимодействие между сервисами</a:t>
+            </a:r>
+            <a:endParaRPr lang="en-US" sz="3900" dirty="0" smtClean="0"/>
+          </a:p>
+          <a:p>
+            <a:pPr lvl="1">
+              <a:lnSpc>
+                <a:spcPct val="150000"/>
+              </a:lnSpc>
+            </a:pPr>
+            <a:r>
+              <a:rPr lang="ru-RU" sz="4000" dirty="0" smtClean="0"/>
+              <a:t>Асинхронное</a:t>
+            </a:r>
+            <a:r>
+              <a:rPr lang="en-US" sz="4000" dirty="0" smtClean="0"/>
+              <a:t> </a:t>
+            </a:r>
+            <a:endParaRPr lang="ru-RU" sz="4000" dirty="0" smtClean="0"/>
+          </a:p>
+          <a:p>
+            <a:pPr lvl="2">
+              <a:lnSpc>
+                <a:spcPct val="150000"/>
+              </a:lnSpc>
+            </a:pPr>
+            <a:r>
+              <a:rPr lang="ru-RU" sz="3600" dirty="0" smtClean="0"/>
+              <a:t>обычно</a:t>
+            </a:r>
+            <a:r>
+              <a:rPr lang="en-US" sz="3600" dirty="0" smtClean="0"/>
+              <a:t> CUD </a:t>
+            </a:r>
+            <a:r>
+              <a:rPr lang="ru-RU" sz="3600" dirty="0" smtClean="0"/>
+              <a:t>в</a:t>
+            </a:r>
+            <a:r>
+              <a:rPr lang="en-US" sz="3600" dirty="0" smtClean="0"/>
+              <a:t> CRUD</a:t>
+            </a:r>
+          </a:p>
+          <a:p>
+            <a:pPr lvl="1">
+              <a:lnSpc>
+                <a:spcPct val="150000"/>
+              </a:lnSpc>
+            </a:pPr>
+            <a:r>
+              <a:rPr lang="ru-RU" sz="4000" dirty="0" smtClean="0"/>
+              <a:t>Синхронное</a:t>
+            </a:r>
+            <a:r>
+              <a:rPr lang="en-US" sz="4000" dirty="0" smtClean="0"/>
+              <a:t> </a:t>
+            </a:r>
+            <a:endParaRPr lang="ru-RU" sz="4000" dirty="0" smtClean="0"/>
+          </a:p>
+          <a:p>
+            <a:pPr lvl="2">
+              <a:lnSpc>
+                <a:spcPct val="150000"/>
+              </a:lnSpc>
+            </a:pPr>
+            <a:r>
+              <a:rPr lang="ru-RU" sz="3600" dirty="0" smtClean="0"/>
+              <a:t>обычно</a:t>
+            </a:r>
+            <a:r>
+              <a:rPr lang="en-US" sz="3600" dirty="0" smtClean="0"/>
+              <a:t> R </a:t>
+            </a:r>
+            <a:r>
+              <a:rPr lang="ru-RU" sz="3600" dirty="0" smtClean="0"/>
+              <a:t>в</a:t>
+            </a:r>
+            <a:r>
+              <a:rPr lang="en-US" sz="3600" dirty="0" smtClean="0"/>
+              <a:t> CRUD</a:t>
+            </a:r>
+          </a:p>
+          <a:p>
+            <a:endParaRPr lang="ru-RU" dirty="0"/>
+          </a:p>
+        </p:txBody>
+      </p:sp>
+      <p:sp>
+        <p:nvSpPr>
+          <p:cNvPr id="4" name="Скругленный прямоугольник 3"/>
+          <p:cNvSpPr/>
+          <p:nvPr/>
+        </p:nvSpPr>
+        <p:spPr>
+          <a:xfrm>
+            <a:off x="6876256" y="2790126"/>
+            <a:ext cx="1440160" cy="679477"/>
+          </a:xfrm>
+          <a:prstGeom prst="roundRect">
+            <a:avLst/>
+          </a:prstGeom>
+        </p:spPr>
+        <p:style>
+          <a:lnRef idx="2">
+            <a:schemeClr val="accent1">
+              <a:shade val="50000"/>
+            </a:schemeClr>
+          </a:lnRef>
+          <a:fillRef idx="1">
+            <a:schemeClr val="accent1"/>
+          </a:fillRef>
+          <a:effectRef idx="0">
+            <a:schemeClr val="accent1"/>
+          </a:effectRef>
+          <a:fontRef idx="minor">
+            <a:schemeClr val="lt1"/>
+          </a:fontRef>
+        </p:style>
+        <p:txBody>
+          <a:bodyPr rtlCol="0" anchor="ctr"/>
+          <a:lstStyle/>
+          <a:p>
+            <a:pPr algn="ctr"/>
+            <a:r>
+              <a:rPr lang="ru-RU" dirty="0" smtClean="0"/>
+              <a:t>????</a:t>
+            </a:r>
+            <a:endParaRPr lang="ru-RU" dirty="0"/>
+          </a:p>
+        </p:txBody>
+      </p:sp>
+      <p:cxnSp>
+        <p:nvCxnSpPr>
+          <p:cNvPr id="5" name="Прямая со стрелкой 4"/>
+          <p:cNvCxnSpPr/>
+          <p:nvPr/>
+        </p:nvCxnSpPr>
+        <p:spPr>
+          <a:xfrm>
+            <a:off x="5796136" y="3140968"/>
+            <a:ext cx="1080120" cy="0"/>
+          </a:xfrm>
+          <a:prstGeom prst="straightConnector1">
+            <a:avLst/>
+          </a:prstGeom>
+          <a:ln>
+            <a:prstDash val="dash"/>
+            <a:tailEnd type="arrow"/>
+          </a:ln>
+        </p:spPr>
+        <p:style>
+          <a:lnRef idx="1">
+            <a:schemeClr val="accent1"/>
+          </a:lnRef>
+          <a:fillRef idx="0">
+            <a:schemeClr val="accent1"/>
+          </a:fillRef>
+          <a:effectRef idx="0">
+            <a:schemeClr val="accent1"/>
+          </a:effectRef>
+          <a:fontRef idx="minor">
+            <a:schemeClr val="tx1"/>
+          </a:fontRef>
+        </p:style>
+      </p:cxnSp>
+      <p:sp>
+        <p:nvSpPr>
+          <p:cNvPr id="7" name="TextBox 6"/>
+          <p:cNvSpPr txBox="1"/>
+          <p:nvPr/>
+        </p:nvSpPr>
+        <p:spPr>
+          <a:xfrm>
+            <a:off x="6021045" y="2608443"/>
+            <a:ext cx="740908" cy="369332"/>
+          </a:xfrm>
+          <a:prstGeom prst="rect">
+            <a:avLst/>
+          </a:prstGeom>
+          <a:noFill/>
+        </p:spPr>
+        <p:txBody>
+          <a:bodyPr wrap="none" rtlCol="0">
+            <a:spAutoFit/>
+          </a:bodyPr>
+          <a:lstStyle/>
+          <a:p>
+            <a:r>
+              <a:rPr lang="ru-RU" dirty="0" err="1" smtClean="0"/>
+              <a:t>асинх</a:t>
+            </a:r>
+            <a:endParaRPr lang="ru-RU" dirty="0"/>
+          </a:p>
+        </p:txBody>
+      </p:sp>
+      <p:sp>
+        <p:nvSpPr>
+          <p:cNvPr id="8" name="Скругленный прямоугольник 7"/>
+          <p:cNvSpPr/>
+          <p:nvPr/>
+        </p:nvSpPr>
+        <p:spPr>
+          <a:xfrm>
+            <a:off x="4355976" y="2790125"/>
+            <a:ext cx="1440160" cy="679477"/>
+          </a:xfrm>
+          <a:prstGeom prst="roundRect">
+            <a:avLst/>
+          </a:prstGeom>
+        </p:spPr>
+        <p:style>
+          <a:lnRef idx="2">
+            <a:schemeClr val="accent1">
+              <a:shade val="50000"/>
+            </a:schemeClr>
+          </a:lnRef>
+          <a:fillRef idx="1">
+            <a:schemeClr val="accent1"/>
+          </a:fillRef>
+          <a:effectRef idx="0">
+            <a:schemeClr val="accent1"/>
+          </a:effectRef>
+          <a:fontRef idx="minor">
+            <a:schemeClr val="lt1"/>
+          </a:fontRef>
+        </p:style>
+        <p:txBody>
+          <a:bodyPr rtlCol="0" anchor="ctr"/>
+          <a:lstStyle/>
+          <a:p>
+            <a:pPr algn="ctr"/>
+            <a:r>
+              <a:rPr lang="ru-RU" dirty="0" smtClean="0"/>
+              <a:t>????</a:t>
+            </a:r>
+            <a:endParaRPr lang="ru-RU" dirty="0"/>
+          </a:p>
+        </p:txBody>
+      </p:sp>
+      <p:sp>
+        <p:nvSpPr>
+          <p:cNvPr id="9" name="Скругленный прямоугольник 8"/>
+          <p:cNvSpPr/>
+          <p:nvPr/>
+        </p:nvSpPr>
+        <p:spPr>
+          <a:xfrm>
+            <a:off x="6876256" y="4365104"/>
+            <a:ext cx="1440160" cy="679477"/>
+          </a:xfrm>
+          <a:prstGeom prst="roundRect">
+            <a:avLst/>
+          </a:prstGeom>
+        </p:spPr>
+        <p:style>
+          <a:lnRef idx="2">
+            <a:schemeClr val="accent1">
+              <a:shade val="50000"/>
+            </a:schemeClr>
+          </a:lnRef>
+          <a:fillRef idx="1">
+            <a:schemeClr val="accent1"/>
+          </a:fillRef>
+          <a:effectRef idx="0">
+            <a:schemeClr val="accent1"/>
+          </a:effectRef>
+          <a:fontRef idx="minor">
+            <a:schemeClr val="lt1"/>
+          </a:fontRef>
+        </p:style>
+        <p:txBody>
+          <a:bodyPr rtlCol="0" anchor="ctr"/>
+          <a:lstStyle/>
+          <a:p>
+            <a:pPr algn="ctr"/>
+            <a:r>
+              <a:rPr lang="ru-RU" dirty="0" smtClean="0"/>
+              <a:t>Чтение из БД</a:t>
+            </a:r>
+            <a:endParaRPr lang="ru-RU" dirty="0"/>
+          </a:p>
+        </p:txBody>
+      </p:sp>
+      <p:cxnSp>
+        <p:nvCxnSpPr>
+          <p:cNvPr id="10" name="Прямая со стрелкой 9"/>
+          <p:cNvCxnSpPr/>
+          <p:nvPr/>
+        </p:nvCxnSpPr>
+        <p:spPr>
+          <a:xfrm>
+            <a:off x="5796136" y="4543508"/>
+            <a:ext cx="1080120" cy="0"/>
+          </a:xfrm>
+          <a:prstGeom prst="straightConnector1">
+            <a:avLst/>
+          </a:prstGeom>
+          <a:ln>
+            <a:tailEnd type="triangle"/>
+          </a:ln>
+        </p:spPr>
+        <p:style>
+          <a:lnRef idx="1">
+            <a:schemeClr val="accent1"/>
+          </a:lnRef>
+          <a:fillRef idx="0">
+            <a:schemeClr val="accent1"/>
+          </a:fillRef>
+          <a:effectRef idx="0">
+            <a:schemeClr val="accent1"/>
+          </a:effectRef>
+          <a:fontRef idx="minor">
+            <a:schemeClr val="tx1"/>
+          </a:fontRef>
+        </p:style>
+      </p:cxnSp>
+      <p:cxnSp>
+        <p:nvCxnSpPr>
+          <p:cNvPr id="11" name="Прямая со стрелкой 10"/>
+          <p:cNvCxnSpPr/>
+          <p:nvPr/>
+        </p:nvCxnSpPr>
+        <p:spPr>
+          <a:xfrm>
+            <a:off x="5796136" y="4831540"/>
+            <a:ext cx="1080120" cy="0"/>
+          </a:xfrm>
+          <a:prstGeom prst="straightConnector1">
+            <a:avLst/>
+          </a:prstGeom>
+          <a:ln>
+            <a:headEnd type="triangle"/>
+            <a:tailEnd type="none"/>
+          </a:ln>
+        </p:spPr>
+        <p:style>
+          <a:lnRef idx="1">
+            <a:schemeClr val="accent1"/>
+          </a:lnRef>
+          <a:fillRef idx="0">
+            <a:schemeClr val="accent1"/>
+          </a:fillRef>
+          <a:effectRef idx="0">
+            <a:schemeClr val="accent1"/>
+          </a:effectRef>
+          <a:fontRef idx="minor">
+            <a:schemeClr val="tx1"/>
+          </a:fontRef>
+        </p:style>
+      </p:cxnSp>
+      <p:sp>
+        <p:nvSpPr>
+          <p:cNvPr id="12" name="TextBox 11"/>
+          <p:cNvSpPr txBox="1"/>
+          <p:nvPr/>
+        </p:nvSpPr>
+        <p:spPr>
+          <a:xfrm>
+            <a:off x="6021045" y="4183421"/>
+            <a:ext cx="630301" cy="369332"/>
+          </a:xfrm>
+          <a:prstGeom prst="rect">
+            <a:avLst/>
+          </a:prstGeom>
+          <a:noFill/>
+        </p:spPr>
+        <p:txBody>
+          <a:bodyPr wrap="none" rtlCol="0">
+            <a:spAutoFit/>
+          </a:bodyPr>
+          <a:lstStyle/>
+          <a:p>
+            <a:r>
+              <a:rPr lang="ru-RU" dirty="0" err="1" smtClean="0"/>
               <a:t>синх</a:t>
             </a:r>
-            <a:r>
-              <a:rPr lang="en-US" sz="2400" i="1" dirty="0" smtClean="0"/>
-              <a:t>) </a:t>
-            </a:r>
-            <a:endParaRPr lang="ru-RU" sz="2400" i="1" dirty="0" smtClean="0"/>
-          </a:p>
-          <a:p>
-            <a:pPr marL="457200" lvl="1" indent="0">
-              <a:buNone/>
-            </a:pPr>
-            <a:r>
-              <a:rPr lang="ru-RU" sz="2400" i="1" dirty="0"/>
-              <a:t>	</a:t>
-            </a:r>
-            <a:r>
-              <a:rPr lang="en-US" sz="2400" i="1" dirty="0" smtClean="0"/>
-              <a:t>-&gt; </a:t>
-            </a:r>
-            <a:r>
-              <a:rPr lang="ru-RU" sz="2400" i="1" dirty="0" smtClean="0"/>
-              <a:t>Снятие денег</a:t>
-            </a:r>
-            <a:r>
-              <a:rPr lang="en-US" sz="2400" i="1" dirty="0" smtClean="0"/>
-              <a:t> (</a:t>
-            </a:r>
-            <a:r>
-              <a:rPr lang="ru-RU" sz="2400" i="1" dirty="0" err="1" smtClean="0"/>
-              <a:t>синх</a:t>
-            </a:r>
-            <a:r>
-              <a:rPr lang="en-US" sz="2400" i="1" dirty="0" smtClean="0"/>
-              <a:t>) </a:t>
-            </a:r>
-            <a:endParaRPr lang="ru-RU" sz="2400" i="1" dirty="0" smtClean="0"/>
-          </a:p>
-          <a:p>
-            <a:pPr marL="457200" lvl="1" indent="0">
-              <a:buNone/>
-            </a:pPr>
-            <a:r>
-              <a:rPr lang="ru-RU" sz="2400" i="1" dirty="0"/>
-              <a:t>	</a:t>
-            </a:r>
-            <a:r>
-              <a:rPr lang="ru-RU" sz="2400" i="1" dirty="0" smtClean="0"/>
-              <a:t>	</a:t>
-            </a:r>
-            <a:r>
-              <a:rPr lang="en-US" sz="2400" i="1" dirty="0" smtClean="0"/>
-              <a:t>-&gt; </a:t>
-            </a:r>
-            <a:r>
-              <a:rPr lang="ru-RU" sz="2400" i="1" dirty="0" smtClean="0"/>
-              <a:t>Создание лицензии во </a:t>
-            </a:r>
-          </a:p>
-          <a:p>
-            <a:pPr marL="457200" lvl="1" indent="0">
-              <a:buNone/>
-            </a:pPr>
-            <a:r>
-              <a:rPr lang="ru-RU" sz="2400" i="1" dirty="0"/>
-              <a:t>	</a:t>
-            </a:r>
-            <a:r>
-              <a:rPr lang="ru-RU" sz="2400" i="1" dirty="0" smtClean="0"/>
-              <a:t>			</a:t>
-            </a:r>
-            <a:r>
-              <a:rPr lang="ru-RU" sz="2400" i="1" dirty="0" smtClean="0"/>
-              <a:t>внешнем приложении</a:t>
-            </a:r>
-            <a:r>
-              <a:rPr lang="en-US" sz="2400" i="1" dirty="0" smtClean="0"/>
-              <a:t> (</a:t>
-            </a:r>
-            <a:r>
-              <a:rPr lang="ru-RU" sz="2400" i="1" dirty="0" err="1" smtClean="0"/>
-              <a:t>асинх</a:t>
-            </a:r>
-            <a:r>
-              <a:rPr lang="en-US" sz="2400" i="1" dirty="0" smtClean="0"/>
-              <a:t>)</a:t>
-            </a:r>
-            <a:endParaRPr lang="en-US" sz="2400" i="1" dirty="0" smtClean="0"/>
-          </a:p>
-          <a:p>
+            <a:endParaRPr lang="ru-RU" dirty="0"/>
+          </a:p>
+        </p:txBody>
+      </p:sp>
+      <p:sp>
+        <p:nvSpPr>
+          <p:cNvPr id="13" name="Скругленный прямоугольник 12"/>
+          <p:cNvSpPr/>
+          <p:nvPr/>
+        </p:nvSpPr>
+        <p:spPr>
+          <a:xfrm>
+            <a:off x="4355976" y="4365103"/>
+            <a:ext cx="1440160" cy="679477"/>
+          </a:xfrm>
+          <a:prstGeom prst="roundRect">
+            <a:avLst/>
+          </a:prstGeom>
+        </p:spPr>
+        <p:style>
+          <a:lnRef idx="2">
+            <a:schemeClr val="accent1">
+              <a:shade val="50000"/>
+            </a:schemeClr>
+          </a:lnRef>
+          <a:fillRef idx="1">
+            <a:schemeClr val="accent1"/>
+          </a:fillRef>
+          <a:effectRef idx="0">
+            <a:schemeClr val="accent1"/>
+          </a:effectRef>
+          <a:fontRef idx="minor">
+            <a:schemeClr val="lt1"/>
+          </a:fontRef>
+        </p:style>
+        <p:txBody>
+          <a:bodyPr rtlCol="0" anchor="ctr"/>
+          <a:lstStyle/>
+          <a:p>
+            <a:pPr algn="ctr"/>
             <a:r>
               <a:rPr lang="ru-RU" dirty="0" smtClean="0"/>
-              <a:t>Использовать кэш</a:t>
-            </a:r>
-            <a:endParaRPr lang="en-US" dirty="0" smtClean="0"/>
-          </a:p>
-          <a:p>
-            <a:pPr lvl="1"/>
-            <a:r>
-              <a:rPr lang="ru-RU" dirty="0" err="1" smtClean="0"/>
-              <a:t>Внутрипроцессный</a:t>
-            </a:r>
-            <a:r>
-              <a:rPr lang="ru-RU" dirty="0" smtClean="0"/>
-              <a:t> кэш </a:t>
-            </a:r>
-            <a:r>
-              <a:rPr lang="en-US" dirty="0" smtClean="0"/>
-              <a:t>Guava</a:t>
-            </a:r>
-            <a:endParaRPr lang="en-US" dirty="0" smtClean="0"/>
-          </a:p>
-          <a:p>
-            <a:pPr lvl="2"/>
-            <a:r>
-              <a:rPr lang="ru-RU" dirty="0" smtClean="0"/>
-              <a:t>Для небольших данных</a:t>
-            </a:r>
-            <a:endParaRPr lang="ru-RU" dirty="0"/>
-          </a:p>
-          <a:p>
-            <a:pPr lvl="2"/>
+              <a:t>Просмотр заказа</a:t>
+            </a:r>
             <a:endParaRPr lang="ru-RU" dirty="0"/>
           </a:p>
         </p:txBody>
@@ -4882,7 +5215,7 @@
     </p:spTree>
     <p:extLst>
       <p:ext uri="{BB962C8B-B14F-4D97-AF65-F5344CB8AC3E}">
-        <p14:creationId xmlns:p14="http://schemas.microsoft.com/office/powerpoint/2010/main" val="3413120925"/>
+        <p14:creationId xmlns:p14="http://schemas.microsoft.com/office/powerpoint/2010/main" val="365429632"/>
       </p:ext>
     </p:extLst>
   </p:cSld>
@@ -4933,7 +5266,7 @@
           <a:p>
             <a:r>
               <a:rPr lang="ru-RU" dirty="0" smtClean="0"/>
-              <a:t>Асинхронное</a:t>
+              <a:t>Синхронное</a:t>
             </a:r>
             <a:endParaRPr lang="ru-RU" dirty="0"/>
           </a:p>
@@ -4958,7 +5291,7 @@
           <a:p>
             <a:r>
               <a:rPr lang="ru-RU" dirty="0" smtClean="0"/>
-              <a:t>Отложенная обработка</a:t>
+              <a:t>Максимально быстро</a:t>
             </a:r>
             <a:endParaRPr lang="en-US" dirty="0" smtClean="0"/>
           </a:p>
@@ -4966,70 +5299,453 @@
             <a:pPr lvl="1"/>
             <a:r>
               <a:rPr lang="ru-RU" dirty="0" smtClean="0"/>
-              <a:t>Возвращаем </a:t>
+              <a:t>Все что требует внимания пользователя</a:t>
+            </a:r>
+          </a:p>
+          <a:p>
+            <a:pPr lvl="2"/>
+            <a:r>
+              <a:rPr lang="ru-RU" dirty="0" smtClean="0"/>
+              <a:t>Иначе асинхронное</a:t>
+            </a:r>
+            <a:endParaRPr lang="en-US" dirty="0" smtClean="0"/>
+          </a:p>
+          <a:p>
+            <a:endParaRPr lang="ru-RU" dirty="0" smtClean="0"/>
+          </a:p>
+          <a:p>
+            <a:endParaRPr lang="ru-RU" dirty="0"/>
+          </a:p>
+          <a:p>
+            <a:r>
+              <a:rPr lang="ru-RU" dirty="0" smtClean="0"/>
+              <a:t>Использовать </a:t>
+            </a:r>
+            <a:r>
+              <a:rPr lang="ru-RU" dirty="0" smtClean="0"/>
+              <a:t>кэш</a:t>
+            </a:r>
+            <a:endParaRPr lang="en-US" dirty="0" smtClean="0"/>
+          </a:p>
+          <a:p>
+            <a:pPr lvl="1"/>
+            <a:r>
+              <a:rPr lang="ru-RU" dirty="0" err="1" smtClean="0"/>
+              <a:t>Внутрипроцессный</a:t>
+            </a:r>
+            <a:r>
+              <a:rPr lang="ru-RU" dirty="0" smtClean="0"/>
+              <a:t> кэш </a:t>
             </a:r>
             <a:r>
               <a:rPr lang="en-US" dirty="0" smtClean="0"/>
-              <a:t>ID, </a:t>
-            </a:r>
+              <a:t>Guava</a:t>
+            </a:r>
+          </a:p>
+          <a:p>
+            <a:pPr lvl="2"/>
             <a:r>
               <a:rPr lang="ru-RU" dirty="0" smtClean="0"/>
-              <a:t>работа в фоне</a:t>
-            </a:r>
-            <a:endParaRPr lang="en-US" dirty="0" smtClean="0"/>
+              <a:t>Для небольших данных</a:t>
+            </a:r>
+            <a:endParaRPr lang="ru-RU" dirty="0"/>
           </a:p>
           <a:p>
             <a:pPr lvl="2"/>
+            <a:endParaRPr lang="ru-RU" dirty="0"/>
+          </a:p>
+        </p:txBody>
+      </p:sp>
+      <p:sp>
+        <p:nvSpPr>
+          <p:cNvPr id="4" name="Скругленный прямоугольник 3"/>
+          <p:cNvSpPr/>
+          <p:nvPr/>
+        </p:nvSpPr>
+        <p:spPr>
+          <a:xfrm>
+            <a:off x="1475656" y="3469603"/>
+            <a:ext cx="1440160" cy="679477"/>
+          </a:xfrm>
+          <a:prstGeom prst="roundRect">
+            <a:avLst/>
+          </a:prstGeom>
+        </p:spPr>
+        <p:style>
+          <a:lnRef idx="2">
+            <a:schemeClr val="accent1">
+              <a:shade val="50000"/>
+            </a:schemeClr>
+          </a:lnRef>
+          <a:fillRef idx="1">
+            <a:schemeClr val="accent1"/>
+          </a:fillRef>
+          <a:effectRef idx="0">
+            <a:schemeClr val="accent1"/>
+          </a:effectRef>
+          <a:fontRef idx="minor">
+            <a:schemeClr val="lt1"/>
+          </a:fontRef>
+        </p:style>
+        <p:txBody>
+          <a:bodyPr rtlCol="0" anchor="ctr"/>
+          <a:lstStyle/>
+          <a:p>
+            <a:pPr algn="ctr"/>
             <a:r>
               <a:rPr lang="ru-RU" dirty="0" smtClean="0"/>
-              <a:t>Нужно хранилище</a:t>
-            </a:r>
-            <a:endParaRPr lang="en-US" dirty="0" smtClean="0"/>
-          </a:p>
-          <a:p>
-            <a:pPr lvl="2"/>
+              <a:t>Сохранение заказа</a:t>
+            </a:r>
+            <a:endParaRPr lang="ru-RU" dirty="0"/>
+          </a:p>
+        </p:txBody>
+      </p:sp>
+      <p:sp>
+        <p:nvSpPr>
+          <p:cNvPr id="5" name="Скругленный прямоугольник 4"/>
+          <p:cNvSpPr/>
+          <p:nvPr/>
+        </p:nvSpPr>
+        <p:spPr>
+          <a:xfrm>
+            <a:off x="3995936" y="3469603"/>
+            <a:ext cx="1584176" cy="679477"/>
+          </a:xfrm>
+          <a:prstGeom prst="roundRect">
+            <a:avLst/>
+          </a:prstGeom>
+        </p:spPr>
+        <p:style>
+          <a:lnRef idx="2">
+            <a:schemeClr val="accent1">
+              <a:shade val="50000"/>
+            </a:schemeClr>
+          </a:lnRef>
+          <a:fillRef idx="1">
+            <a:schemeClr val="accent1"/>
+          </a:fillRef>
+          <a:effectRef idx="0">
+            <a:schemeClr val="accent1"/>
+          </a:effectRef>
+          <a:fontRef idx="minor">
+            <a:schemeClr val="lt1"/>
+          </a:fontRef>
+        </p:style>
+        <p:txBody>
+          <a:bodyPr rtlCol="0" anchor="ctr"/>
+          <a:lstStyle/>
+          <a:p>
+            <a:pPr algn="ctr"/>
             <a:r>
               <a:rPr lang="ru-RU" dirty="0" smtClean="0"/>
-              <a:t>Хранение входных и выходных данных</a:t>
-            </a:r>
-          </a:p>
-          <a:p>
-            <a:pPr lvl="3"/>
+              <a:t>Снятие денег</a:t>
+            </a:r>
+            <a:endParaRPr lang="ru-RU" dirty="0"/>
+          </a:p>
+        </p:txBody>
+      </p:sp>
+      <p:sp>
+        <p:nvSpPr>
+          <p:cNvPr id="6" name="Скругленный прямоугольник 5"/>
+          <p:cNvSpPr/>
+          <p:nvPr/>
+        </p:nvSpPr>
+        <p:spPr>
+          <a:xfrm>
+            <a:off x="6660232" y="3452479"/>
+            <a:ext cx="1368152" cy="696601"/>
+          </a:xfrm>
+          <a:prstGeom prst="roundRect">
+            <a:avLst/>
+          </a:prstGeom>
+        </p:spPr>
+        <p:style>
+          <a:lnRef idx="2">
+            <a:schemeClr val="accent1">
+              <a:shade val="50000"/>
+            </a:schemeClr>
+          </a:lnRef>
+          <a:fillRef idx="1">
+            <a:schemeClr val="accent1"/>
+          </a:fillRef>
+          <a:effectRef idx="0">
+            <a:schemeClr val="accent1"/>
+          </a:effectRef>
+          <a:fontRef idx="minor">
+            <a:schemeClr val="lt1"/>
+          </a:fontRef>
+        </p:style>
+        <p:txBody>
+          <a:bodyPr rtlCol="0" anchor="ctr"/>
+          <a:lstStyle/>
+          <a:p>
+            <a:pPr algn="ctr"/>
+            <a:r>
+              <a:rPr lang="ru-RU" dirty="0" smtClean="0"/>
+              <a:t>Создание лицензии</a:t>
+            </a:r>
+            <a:endParaRPr lang="ru-RU" dirty="0"/>
+          </a:p>
+        </p:txBody>
+      </p:sp>
+      <p:cxnSp>
+        <p:nvCxnSpPr>
+          <p:cNvPr id="8" name="Прямая со стрелкой 7"/>
+          <p:cNvCxnSpPr/>
+          <p:nvPr/>
+        </p:nvCxnSpPr>
+        <p:spPr>
+          <a:xfrm>
+            <a:off x="2915816" y="3645024"/>
+            <a:ext cx="1080120" cy="0"/>
+          </a:xfrm>
+          <a:prstGeom prst="straightConnector1">
+            <a:avLst/>
+          </a:prstGeom>
+          <a:ln>
+            <a:tailEnd type="triangle"/>
+          </a:ln>
+        </p:spPr>
+        <p:style>
+          <a:lnRef idx="1">
+            <a:schemeClr val="accent1"/>
+          </a:lnRef>
+          <a:fillRef idx="0">
+            <a:schemeClr val="accent1"/>
+          </a:fillRef>
+          <a:effectRef idx="0">
+            <a:schemeClr val="accent1"/>
+          </a:effectRef>
+          <a:fontRef idx="minor">
+            <a:schemeClr val="tx1"/>
+          </a:fontRef>
+        </p:style>
+      </p:cxnSp>
+      <p:cxnSp>
+        <p:nvCxnSpPr>
+          <p:cNvPr id="10" name="Прямая со стрелкой 9"/>
+          <p:cNvCxnSpPr/>
+          <p:nvPr/>
+        </p:nvCxnSpPr>
+        <p:spPr>
+          <a:xfrm>
+            <a:off x="2915816" y="3933056"/>
+            <a:ext cx="1080120" cy="0"/>
+          </a:xfrm>
+          <a:prstGeom prst="straightConnector1">
+            <a:avLst/>
+          </a:prstGeom>
+          <a:ln>
+            <a:headEnd type="triangle"/>
+            <a:tailEnd type="none"/>
+          </a:ln>
+        </p:spPr>
+        <p:style>
+          <a:lnRef idx="1">
+            <a:schemeClr val="accent1"/>
+          </a:lnRef>
+          <a:fillRef idx="0">
+            <a:schemeClr val="accent1"/>
+          </a:fillRef>
+          <a:effectRef idx="0">
+            <a:schemeClr val="accent1"/>
+          </a:effectRef>
+          <a:fontRef idx="minor">
+            <a:schemeClr val="tx1"/>
+          </a:fontRef>
+        </p:style>
+      </p:cxnSp>
+      <p:sp>
+        <p:nvSpPr>
+          <p:cNvPr id="11" name="TextBox 10"/>
+          <p:cNvSpPr txBox="1"/>
+          <p:nvPr/>
+        </p:nvSpPr>
+        <p:spPr>
+          <a:xfrm>
+            <a:off x="3140725" y="3284937"/>
+            <a:ext cx="630301" cy="369332"/>
+          </a:xfrm>
+          <a:prstGeom prst="rect">
+            <a:avLst/>
+          </a:prstGeom>
+          <a:noFill/>
+        </p:spPr>
+        <p:txBody>
+          <a:bodyPr wrap="none" rtlCol="0">
+            <a:spAutoFit/>
+          </a:bodyPr>
+          <a:lstStyle/>
+          <a:p>
             <a:r>
               <a:rPr lang="ru-RU" dirty="0" err="1" smtClean="0"/>
-              <a:t>Дупликаты</a:t>
-            </a:r>
-            <a:r>
-              <a:rPr lang="ru-RU" dirty="0" smtClean="0"/>
-              <a:t>, но необходимы для диагностики</a:t>
-            </a:r>
-            <a:endParaRPr lang="en-US" dirty="0" smtClean="0"/>
-          </a:p>
-          <a:p>
-            <a:pPr lvl="1"/>
-            <a:r>
-              <a:rPr lang="ru-RU" dirty="0" smtClean="0"/>
-              <a:t>Получение статуса</a:t>
-            </a:r>
-            <a:endParaRPr lang="en-US" dirty="0" smtClean="0"/>
-          </a:p>
-          <a:p>
-            <a:pPr lvl="2"/>
-            <a:r>
-              <a:rPr lang="en-US" dirty="0" smtClean="0"/>
-              <a:t>Get Status REST</a:t>
-            </a:r>
-          </a:p>
-          <a:p>
-            <a:pPr lvl="2"/>
-            <a:r>
-              <a:rPr lang="ru-RU" dirty="0" smtClean="0"/>
-              <a:t>Асинхронное извещение по завершению обработки</a:t>
-            </a:r>
-            <a:endParaRPr lang="en-US" dirty="0" smtClean="0"/>
-          </a:p>
-          <a:p>
-            <a:pPr lvl="1"/>
+              <a:t>синх</a:t>
+            </a:r>
+            <a:endParaRPr lang="ru-RU" dirty="0"/>
+          </a:p>
+        </p:txBody>
+      </p:sp>
+      <p:cxnSp>
+        <p:nvCxnSpPr>
+          <p:cNvPr id="12" name="Прямая со стрелкой 11"/>
+          <p:cNvCxnSpPr/>
+          <p:nvPr/>
+        </p:nvCxnSpPr>
+        <p:spPr>
+          <a:xfrm>
+            <a:off x="395536" y="3648007"/>
+            <a:ext cx="1080120" cy="0"/>
+          </a:xfrm>
+          <a:prstGeom prst="straightConnector1">
+            <a:avLst/>
+          </a:prstGeom>
+          <a:ln>
+            <a:tailEnd type="triangle"/>
+          </a:ln>
+        </p:spPr>
+        <p:style>
+          <a:lnRef idx="1">
+            <a:schemeClr val="accent1"/>
+          </a:lnRef>
+          <a:fillRef idx="0">
+            <a:schemeClr val="accent1"/>
+          </a:fillRef>
+          <a:effectRef idx="0">
+            <a:schemeClr val="accent1"/>
+          </a:effectRef>
+          <a:fontRef idx="minor">
+            <a:schemeClr val="tx1"/>
+          </a:fontRef>
+        </p:style>
+      </p:cxnSp>
+      <p:cxnSp>
+        <p:nvCxnSpPr>
+          <p:cNvPr id="13" name="Прямая со стрелкой 12"/>
+          <p:cNvCxnSpPr/>
+          <p:nvPr/>
+        </p:nvCxnSpPr>
+        <p:spPr>
+          <a:xfrm>
+            <a:off x="395536" y="3936039"/>
+            <a:ext cx="1080120" cy="0"/>
+          </a:xfrm>
+          <a:prstGeom prst="straightConnector1">
+            <a:avLst/>
+          </a:prstGeom>
+          <a:ln>
+            <a:headEnd type="triangle"/>
+            <a:tailEnd type="none"/>
+          </a:ln>
+        </p:spPr>
+        <p:style>
+          <a:lnRef idx="1">
+            <a:schemeClr val="accent1"/>
+          </a:lnRef>
+          <a:fillRef idx="0">
+            <a:schemeClr val="accent1"/>
+          </a:fillRef>
+          <a:effectRef idx="0">
+            <a:schemeClr val="accent1"/>
+          </a:effectRef>
+          <a:fontRef idx="minor">
+            <a:schemeClr val="tx1"/>
+          </a:fontRef>
+        </p:style>
+      </p:cxnSp>
+      <p:sp>
+        <p:nvSpPr>
+          <p:cNvPr id="14" name="TextBox 13"/>
+          <p:cNvSpPr txBox="1"/>
+          <p:nvPr/>
+        </p:nvSpPr>
+        <p:spPr>
+          <a:xfrm>
+            <a:off x="620445" y="3287920"/>
+            <a:ext cx="630301" cy="369332"/>
+          </a:xfrm>
+          <a:prstGeom prst="rect">
+            <a:avLst/>
+          </a:prstGeom>
+          <a:noFill/>
+        </p:spPr>
+        <p:txBody>
+          <a:bodyPr wrap="none" rtlCol="0">
+            <a:spAutoFit/>
+          </a:bodyPr>
+          <a:lstStyle/>
+          <a:p>
+            <a:r>
+              <a:rPr lang="ru-RU" dirty="0" err="1" smtClean="0"/>
+              <a:t>синх</a:t>
+            </a:r>
+            <a:endParaRPr lang="ru-RU" dirty="0"/>
+          </a:p>
+        </p:txBody>
+      </p:sp>
+      <p:cxnSp>
+        <p:nvCxnSpPr>
+          <p:cNvPr id="15" name="Прямая со стрелкой 14"/>
+          <p:cNvCxnSpPr/>
+          <p:nvPr/>
+        </p:nvCxnSpPr>
+        <p:spPr>
+          <a:xfrm>
+            <a:off x="5580112" y="3789040"/>
+            <a:ext cx="1080120" cy="0"/>
+          </a:xfrm>
+          <a:prstGeom prst="straightConnector1">
+            <a:avLst/>
+          </a:prstGeom>
+          <a:ln>
+            <a:prstDash val="dash"/>
+            <a:tailEnd type="arrow"/>
+          </a:ln>
+        </p:spPr>
+        <p:style>
+          <a:lnRef idx="1">
+            <a:schemeClr val="accent1"/>
+          </a:lnRef>
+          <a:fillRef idx="0">
+            <a:schemeClr val="accent1"/>
+          </a:fillRef>
+          <a:effectRef idx="0">
+            <a:schemeClr val="accent1"/>
+          </a:effectRef>
+          <a:fontRef idx="minor">
+            <a:schemeClr val="tx1"/>
+          </a:fontRef>
+        </p:style>
+      </p:cxnSp>
+      <p:sp>
+        <p:nvSpPr>
+          <p:cNvPr id="17" name="TextBox 16"/>
+          <p:cNvSpPr txBox="1"/>
+          <p:nvPr/>
+        </p:nvSpPr>
+        <p:spPr>
+          <a:xfrm>
+            <a:off x="5805021" y="3266177"/>
+            <a:ext cx="740908" cy="369332"/>
+          </a:xfrm>
+          <a:prstGeom prst="rect">
+            <a:avLst/>
+          </a:prstGeom>
+          <a:noFill/>
+        </p:spPr>
+        <p:txBody>
+          <a:bodyPr wrap="none" rtlCol="0">
+            <a:spAutoFit/>
+          </a:bodyPr>
+          <a:lstStyle/>
+          <a:p>
+            <a:r>
+              <a:rPr lang="ru-RU" dirty="0" err="1"/>
+              <a:t>а</a:t>
+            </a:r>
+            <a:r>
+              <a:rPr lang="ru-RU" dirty="0" err="1" smtClean="0"/>
+              <a:t>синх</a:t>
+            </a:r>
             <a:endParaRPr lang="ru-RU" dirty="0"/>
           </a:p>
         </p:txBody>
@@ -5037,7 +5753,7 @@
     </p:spTree>
     <p:extLst>
       <p:ext uri="{BB962C8B-B14F-4D97-AF65-F5344CB8AC3E}">
-        <p14:creationId xmlns:p14="http://schemas.microsoft.com/office/powerpoint/2010/main" val="4035124494"/>
+        <p14:creationId xmlns:p14="http://schemas.microsoft.com/office/powerpoint/2010/main" val="3413120925"/>
       </p:ext>
     </p:extLst>
   </p:cSld>
@@ -5088,133 +5804,103 @@
           <a:p>
             <a:r>
               <a:rPr lang="ru-RU" dirty="0" smtClean="0"/>
-              <a:t>Отказы (</a:t>
+              <a:t>Асинхронное</a:t>
+            </a:r>
+            <a:endParaRPr lang="ru-RU" dirty="0"/>
+          </a:p>
+        </p:txBody>
+      </p:sp>
+      <p:sp>
+        <p:nvSpPr>
+          <p:cNvPr id="3" name="Объект 2"/>
+          <p:cNvSpPr>
+            <a:spLocks noGrp="1"/>
+          </p:cNvSpPr>
+          <p:nvPr>
+            <p:ph idx="1"/>
+          </p:nvPr>
+        </p:nvSpPr>
+        <p:spPr/>
+        <p:txBody>
+          <a:bodyPr>
+            <a:normAutofit/>
+          </a:bodyPr>
+          <a:lstStyle/>
+          <a:p>
+            <a:r>
+              <a:rPr lang="ru-RU" dirty="0" smtClean="0"/>
+              <a:t>Отложенная обработка</a:t>
+            </a:r>
+            <a:endParaRPr lang="en-US" dirty="0" smtClean="0"/>
+          </a:p>
+          <a:p>
+            <a:pPr lvl="1"/>
+            <a:r>
+              <a:rPr lang="ru-RU" dirty="0" smtClean="0"/>
+              <a:t>Возвращаем </a:t>
             </a:r>
             <a:r>
               <a:rPr lang="en-US" dirty="0" smtClean="0"/>
-              <a:t>Failures)</a:t>
-            </a:r>
-            <a:endParaRPr lang="ru-RU" dirty="0"/>
-          </a:p>
-        </p:txBody>
-      </p:sp>
-      <p:sp>
-        <p:nvSpPr>
-          <p:cNvPr id="3" name="Объект 2"/>
-          <p:cNvSpPr>
-            <a:spLocks noGrp="1"/>
-          </p:cNvSpPr>
-          <p:nvPr>
-            <p:ph idx="1"/>
-          </p:nvPr>
-        </p:nvSpPr>
-        <p:spPr/>
-        <p:txBody>
-          <a:bodyPr>
-            <a:normAutofit lnSpcReduction="10000"/>
-          </a:bodyPr>
-          <a:lstStyle/>
-          <a:p>
+              <a:t>ID, </a:t>
+            </a:r>
             <a:r>
               <a:rPr lang="ru-RU" dirty="0" smtClean="0"/>
-              <a:t>Быть готовым к отказу</a:t>
+              <a:t>работа в фоне</a:t>
             </a:r>
             <a:endParaRPr lang="en-US" dirty="0" smtClean="0"/>
           </a:p>
           <a:p>
+            <a:pPr lvl="2"/>
             <a:r>
               <a:rPr lang="ru-RU" dirty="0" smtClean="0"/>
-              <a:t>Быть готовым к восстановлению данных</a:t>
+              <a:t>Нужно хранилище</a:t>
             </a:r>
             <a:endParaRPr lang="en-US" dirty="0" smtClean="0"/>
           </a:p>
           <a:p>
+            <a:pPr lvl="2"/>
             <a:r>
               <a:rPr lang="ru-RU" dirty="0" smtClean="0"/>
-              <a:t>Найти точки отказа</a:t>
+              <a:t>Хранение входных и выходных данных</a:t>
+            </a:r>
+          </a:p>
+          <a:p>
+            <a:pPr lvl="3"/>
+            <a:r>
+              <a:rPr lang="ru-RU" dirty="0" err="1" smtClean="0"/>
+              <a:t>Дупликаты</a:t>
+            </a:r>
+            <a:r>
+              <a:rPr lang="ru-RU" dirty="0" smtClean="0"/>
+              <a:t>, но необходимы для диагностики</a:t>
             </a:r>
             <a:endParaRPr lang="en-US" dirty="0" smtClean="0"/>
           </a:p>
           <a:p>
             <a:pPr lvl="1"/>
             <a:r>
-              <a:rPr lang="en-US" u="sng" dirty="0" smtClean="0"/>
-              <a:t>Show on our application</a:t>
-            </a:r>
-          </a:p>
-          <a:p>
-            <a:r>
               <a:rPr lang="ru-RU" dirty="0" smtClean="0"/>
-              <a:t>Определить как восстанавливать данные</a:t>
+              <a:t>Получение статуса</a:t>
             </a:r>
             <a:endParaRPr lang="en-US" dirty="0" smtClean="0"/>
           </a:p>
           <a:p>
+            <a:pPr lvl="2"/>
+            <a:r>
+              <a:rPr lang="en-US" dirty="0" smtClean="0"/>
+              <a:t>Get Status REST</a:t>
+            </a:r>
+          </a:p>
+          <a:p>
+            <a:pPr lvl="2"/>
+            <a:r>
+              <a:rPr lang="ru-RU" dirty="0" smtClean="0"/>
+              <a:t>Асинхронное извещение по завершению обработки</a:t>
+            </a:r>
+            <a:endParaRPr lang="en-US" dirty="0" smtClean="0"/>
+          </a:p>
+          <a:p>
             <a:pPr lvl="1"/>
-            <a:r>
-              <a:rPr lang="ru-RU" dirty="0" smtClean="0"/>
-              <a:t>Синхронное</a:t>
-            </a:r>
-            <a:r>
-              <a:rPr lang="en-US" dirty="0" smtClean="0"/>
-              <a:t>- </a:t>
-            </a:r>
-            <a:r>
-              <a:rPr lang="ru-RU" dirty="0" smtClean="0"/>
-              <a:t>на стороне клиента</a:t>
-            </a:r>
-            <a:endParaRPr lang="en-US" dirty="0" smtClean="0"/>
-          </a:p>
-          <a:p>
-            <a:pPr lvl="2"/>
-            <a:r>
-              <a:rPr lang="ru-RU" dirty="0" smtClean="0"/>
-              <a:t>ответственный</a:t>
-            </a:r>
-            <a:r>
-              <a:rPr lang="en-US" dirty="0" smtClean="0"/>
-              <a:t>: </a:t>
-            </a:r>
-            <a:r>
-              <a:rPr lang="ru-RU" dirty="0" smtClean="0"/>
-              <a:t>пользователь</a:t>
-            </a:r>
-            <a:endParaRPr lang="en-US" dirty="0" smtClean="0"/>
-          </a:p>
-          <a:p>
-            <a:pPr lvl="1"/>
-            <a:r>
-              <a:rPr lang="ru-RU" dirty="0" smtClean="0"/>
-              <a:t>Асинхронное</a:t>
-            </a:r>
-            <a:r>
-              <a:rPr lang="en-US" dirty="0" smtClean="0"/>
-              <a:t>- </a:t>
-            </a:r>
-            <a:r>
-              <a:rPr lang="ru-RU" dirty="0" smtClean="0"/>
-              <a:t>на стороне сервера</a:t>
-            </a:r>
-            <a:endParaRPr lang="en-US" dirty="0" smtClean="0"/>
-          </a:p>
-          <a:p>
-            <a:pPr lvl="2"/>
-            <a:r>
-              <a:rPr lang="ru-RU" dirty="0" smtClean="0"/>
-              <a:t>ответственный</a:t>
-            </a:r>
-            <a:r>
-              <a:rPr lang="en-US" dirty="0" smtClean="0"/>
-              <a:t>: </a:t>
-            </a:r>
-            <a:r>
-              <a:rPr lang="ru-RU" dirty="0" smtClean="0"/>
-              <a:t>разработчик</a:t>
-            </a:r>
-            <a:endParaRPr lang="en-US" dirty="0" smtClean="0"/>
-          </a:p>
-          <a:p>
-            <a:pPr lvl="2"/>
             <a:endParaRPr lang="ru-RU" dirty="0"/>
           </a:p>
         </p:txBody>
@@ -5222,7 +5908,7 @@
     </p:spTree>
     <p:extLst>
       <p:ext uri="{BB962C8B-B14F-4D97-AF65-F5344CB8AC3E}">
-        <p14:creationId xmlns:p14="http://schemas.microsoft.com/office/powerpoint/2010/main" val="2944986697"/>
+        <p14:creationId xmlns:p14="http://schemas.microsoft.com/office/powerpoint/2010/main" val="4035124494"/>
       </p:ext>
     </p:extLst>
   </p:cSld>
@@ -5272,8 +5958,12 @@
           <a:lstStyle/>
           <a:p>
             <a:r>
+              <a:rPr lang="ru-RU" dirty="0" smtClean="0"/>
+              <a:t>Отказы (</a:t>
+            </a:r>
+            <a:r>
               <a:rPr lang="en-US" dirty="0" smtClean="0"/>
-              <a:t>Design: Client-oriented</a:t>
+              <a:t>Failures)</a:t>
             </a:r>
             <a:endParaRPr lang="ru-RU" dirty="0"/>
           </a:p>
@@ -5291,26 +5981,111 @@
         </p:nvSpPr>
         <p:spPr/>
         <p:txBody>
-          <a:bodyPr/>
-          <a:lstStyle/>
-          <a:p>
+          <a:bodyPr>
+            <a:normAutofit lnSpcReduction="10000"/>
+          </a:bodyPr>
+          <a:lstStyle/>
+          <a:p>
+            <a:r>
+              <a:rPr lang="ru-RU" dirty="0" smtClean="0"/>
+              <a:t>Быть готовым к отказу</a:t>
+            </a:r>
+            <a:endParaRPr lang="en-US" dirty="0" smtClean="0"/>
+          </a:p>
+          <a:p>
+            <a:r>
+              <a:rPr lang="ru-RU" dirty="0" smtClean="0"/>
+              <a:t>Быть готовым к восстановлению данных</a:t>
+            </a:r>
+            <a:endParaRPr lang="en-US" dirty="0" smtClean="0"/>
+          </a:p>
+          <a:p>
+            <a:r>
+              <a:rPr lang="ru-RU" dirty="0" smtClean="0"/>
+              <a:t>Найти точки отказа</a:t>
+            </a:r>
+            <a:endParaRPr lang="en-US" dirty="0" smtClean="0"/>
+          </a:p>
+          <a:p>
+            <a:pPr lvl="1"/>
+            <a:r>
+              <a:rPr lang="en-US" u="sng" dirty="0" smtClean="0"/>
+              <a:t>Show on our application</a:t>
+            </a:r>
+          </a:p>
+          <a:p>
+            <a:r>
+              <a:rPr lang="ru-RU" dirty="0" smtClean="0"/>
+              <a:t>Определить как восстанавливать данные</a:t>
+            </a:r>
+            <a:endParaRPr lang="en-US" dirty="0" smtClean="0"/>
+          </a:p>
+          <a:p>
+            <a:pPr lvl="1"/>
+            <a:r>
+              <a:rPr lang="ru-RU" dirty="0" smtClean="0"/>
+              <a:t>Синхронное</a:t>
+            </a:r>
             <a:r>
               <a:rPr lang="en-US" dirty="0" smtClean="0"/>
-              <a:t>Helper client libs</a:t>
-            </a:r>
+              <a:t>- </a:t>
+            </a:r>
+            <a:r>
+              <a:rPr lang="ru-RU" dirty="0" smtClean="0"/>
+              <a:t>на стороне клиента</a:t>
+            </a:r>
+            <a:endParaRPr lang="en-US" dirty="0" smtClean="0"/>
+          </a:p>
+          <a:p>
+            <a:pPr lvl="2"/>
+            <a:r>
+              <a:rPr lang="ru-RU" dirty="0" smtClean="0"/>
+              <a:t>ответственный</a:t>
+            </a:r>
+            <a:r>
+              <a:rPr lang="en-US" dirty="0" smtClean="0"/>
+              <a:t>: </a:t>
+            </a:r>
+            <a:r>
+              <a:rPr lang="ru-RU" dirty="0" smtClean="0"/>
+              <a:t>пользователь</a:t>
+            </a:r>
+            <a:endParaRPr lang="en-US" dirty="0" smtClean="0"/>
           </a:p>
           <a:p>
             <a:pPr lvl="1"/>
             <a:r>
+              <a:rPr lang="ru-RU" dirty="0" smtClean="0"/>
+              <a:t>Асинхронное</a:t>
+            </a:r>
+            <a:r>
               <a:rPr lang="en-US" dirty="0" smtClean="0"/>
-              <a:t>Rup-rest example</a:t>
-            </a:r>
-          </a:p>
-          <a:p>
+              <a:t>- </a:t>
+            </a:r>
+            <a:r>
+              <a:rPr lang="ru-RU" dirty="0" smtClean="0"/>
+              <a:t>на стороне сервера</a:t>
+            </a:r>
+            <a:endParaRPr lang="en-US" dirty="0" smtClean="0"/>
+          </a:p>
+          <a:p>
+            <a:pPr lvl="2"/>
+            <a:r>
+              <a:rPr lang="ru-RU" dirty="0" smtClean="0"/>
+              <a:t>ответственный</a:t>
+            </a:r>
             <a:r>
               <a:rPr lang="en-US" dirty="0" smtClean="0"/>
-              <a:t>Steward API</a:t>
-            </a:r>
+              <a:t>: </a:t>
+            </a:r>
+            <a:r>
+              <a:rPr lang="ru-RU" dirty="0" smtClean="0"/>
+              <a:t>разработчик</a:t>
+            </a:r>
+            <a:endParaRPr lang="en-US" dirty="0" smtClean="0"/>
+          </a:p>
+          <a:p>
+            <a:pPr lvl="2"/>
             <a:endParaRPr lang="ru-RU" dirty="0"/>
           </a:p>
         </p:txBody>
@@ -5318,7 +6093,7 @@
     </p:spTree>
     <p:extLst>
       <p:ext uri="{BB962C8B-B14F-4D97-AF65-F5344CB8AC3E}">
-        <p14:creationId xmlns:p14="http://schemas.microsoft.com/office/powerpoint/2010/main" val="1995439128"/>
+        <p14:creationId xmlns:p14="http://schemas.microsoft.com/office/powerpoint/2010/main" val="2944986697"/>
       </p:ext>
     </p:extLst>
   </p:cSld>
@@ -5368,346 +6143,46 @@
           <a:lstStyle/>
           <a:p>
             <a:r>
+              <a:rPr lang="en-US" dirty="0" smtClean="0"/>
+              <a:t>Agenda</a:t>
+            </a:r>
+            <a:endParaRPr lang="ru-RU" dirty="0"/>
+          </a:p>
+        </p:txBody>
+      </p:sp>
+      <p:sp>
+        <p:nvSpPr>
+          <p:cNvPr id="3" name="Объект 2"/>
+          <p:cNvSpPr>
+            <a:spLocks noGrp="1"/>
+          </p:cNvSpPr>
+          <p:nvPr>
+            <p:ph idx="1"/>
+          </p:nvPr>
+        </p:nvSpPr>
+        <p:spPr/>
+        <p:txBody>
+          <a:bodyPr/>
+          <a:lstStyle/>
+          <a:p>
+            <a:r>
+              <a:rPr lang="ru-RU" dirty="0" err="1" smtClean="0"/>
+              <a:t>Микросервисы</a:t>
+            </a:r>
+            <a:r>
               <a:rPr lang="ru-RU" dirty="0" smtClean="0"/>
-              <a:t>Тип Архитектуры</a:t>
-            </a:r>
+              <a:t>, основные принципы</a:t>
+            </a:r>
+          </a:p>
+          <a:p>
             <a:endParaRPr lang="ru-RU" dirty="0"/>
-          </a:p>
-        </p:txBody>
-      </p:sp>
-      <p:pic>
-        <p:nvPicPr>
-          <p:cNvPr id="1027" name="Picture 3"/>
-          <p:cNvPicPr>
-            <a:picLocks noChangeAspect="1" noChangeArrowheads="1"/>
-          </p:cNvPicPr>
-          <p:nvPr/>
-        </p:nvPicPr>
-        <p:blipFill>
-          <a:blip r:embed="rId2">
-            <a:extLst>
-              <a:ext uri="{28A0092B-C50C-407E-A947-70E740481C1C}">
-                <a14:useLocalDpi xmlns:a14="http://schemas.microsoft.com/office/drawing/2010/main" val="0"/>
-              </a:ext>
-            </a:extLst>
-          </a:blip>
-          <a:srcRect/>
-          <a:stretch>
-            <a:fillRect/>
-          </a:stretch>
-        </p:blipFill>
-        <p:spPr bwMode="auto">
-          <a:xfrm>
-            <a:off x="1889696" y="2848863"/>
-            <a:ext cx="1440160" cy="1472164"/>
-          </a:xfrm>
-          <a:prstGeom prst="rect">
-            <a:avLst/>
-          </a:prstGeom>
-          <a:noFill/>
-          <a:ln>
-            <a:noFill/>
-          </a:ln>
-          <a:effectLst/>
-          <a:extLst>
-            <a:ext uri="{909E8E84-426E-40DD-AFC4-6F175D3DCCD1}">
-              <a14:hiddenFill xmlns:a14="http://schemas.microsoft.com/office/drawing/2010/main">
-                <a:solidFill>
-                  <a:schemeClr val="accent1"/>
-                </a:solidFill>
-              </a14:hiddenFill>
-            </a:ext>
-            <a:ext uri="{91240B29-F687-4F45-9708-019B960494DF}">
-              <a14:hiddenLine xmlns:a14="http://schemas.microsoft.com/office/drawing/2010/main" w="9525">
-                <a:solidFill>
-                  <a:schemeClr val="tx1"/>
-                </a:solidFill>
-                <a:miter lim="800000"/>
-                <a:headEnd/>
-                <a:tailEnd/>
-              </a14:hiddenLine>
-            </a:ext>
-            <a:ext uri="{AF507438-7753-43E0-B8FC-AC1667EBCBE1}">
-              <a14:hiddenEffects xmlns:a14="http://schemas.microsoft.com/office/drawing/2010/main">
-                <a:effectLst>
-                  <a:outerShdw dist="35921" dir="2700000" algn="ctr" rotWithShape="0">
-                    <a:schemeClr val="bg2"/>
-                  </a:outerShdw>
-                </a:effectLst>
-              </a14:hiddenEffects>
-            </a:ext>
-          </a:extLst>
-        </p:spPr>
-      </p:pic>
-      <p:pic>
-        <p:nvPicPr>
-          <p:cNvPr id="1028" name="Picture 4"/>
-          <p:cNvPicPr>
-            <a:picLocks noChangeAspect="1" noChangeArrowheads="1"/>
-          </p:cNvPicPr>
-          <p:nvPr/>
-        </p:nvPicPr>
-        <p:blipFill>
-          <a:blip r:embed="rId3">
-            <a:extLst>
-              <a:ext uri="{28A0092B-C50C-407E-A947-70E740481C1C}">
-                <a14:useLocalDpi xmlns:a14="http://schemas.microsoft.com/office/drawing/2010/main" val="0"/>
-              </a:ext>
-            </a:extLst>
-          </a:blip>
-          <a:srcRect/>
-          <a:stretch>
-            <a:fillRect/>
-          </a:stretch>
-        </p:blipFill>
-        <p:spPr bwMode="auto">
-          <a:xfrm>
-            <a:off x="5070296" y="2787295"/>
-            <a:ext cx="720080" cy="720080"/>
-          </a:xfrm>
-          <a:prstGeom prst="rect">
-            <a:avLst/>
-          </a:prstGeom>
-          <a:noFill/>
-          <a:ln>
-            <a:noFill/>
-          </a:ln>
-          <a:effectLst/>
-          <a:extLst>
-            <a:ext uri="{909E8E84-426E-40DD-AFC4-6F175D3DCCD1}">
-              <a14:hiddenFill xmlns:a14="http://schemas.microsoft.com/office/drawing/2010/main">
-                <a:solidFill>
-                  <a:schemeClr val="accent1"/>
-                </a:solidFill>
-              </a14:hiddenFill>
-            </a:ext>
-            <a:ext uri="{91240B29-F687-4F45-9708-019B960494DF}">
-              <a14:hiddenLine xmlns:a14="http://schemas.microsoft.com/office/drawing/2010/main" w="9525">
-                <a:solidFill>
-                  <a:schemeClr val="tx1"/>
-                </a:solidFill>
-                <a:miter lim="800000"/>
-                <a:headEnd/>
-                <a:tailEnd/>
-              </a14:hiddenLine>
-            </a:ext>
-            <a:ext uri="{AF507438-7753-43E0-B8FC-AC1667EBCBE1}">
-              <a14:hiddenEffects xmlns:a14="http://schemas.microsoft.com/office/drawing/2010/main">
-                <a:effectLst>
-                  <a:outerShdw dist="35921" dir="2700000" algn="ctr" rotWithShape="0">
-                    <a:schemeClr val="bg2"/>
-                  </a:outerShdw>
-                </a:effectLst>
-              </a14:hiddenEffects>
-            </a:ext>
-          </a:extLst>
-        </p:spPr>
-      </p:pic>
-      <p:pic>
-        <p:nvPicPr>
-          <p:cNvPr id="1029" name="Picture 5"/>
-          <p:cNvPicPr>
-            <a:picLocks noChangeAspect="1" noChangeArrowheads="1"/>
-          </p:cNvPicPr>
-          <p:nvPr/>
-        </p:nvPicPr>
-        <p:blipFill>
-          <a:blip r:embed="rId4">
-            <a:extLst>
-              <a:ext uri="{28A0092B-C50C-407E-A947-70E740481C1C}">
-                <a14:useLocalDpi xmlns:a14="http://schemas.microsoft.com/office/drawing/2010/main" val="0"/>
-              </a:ext>
-            </a:extLst>
-          </a:blip>
-          <a:srcRect/>
-          <a:stretch>
-            <a:fillRect/>
-          </a:stretch>
-        </p:blipFill>
-        <p:spPr bwMode="auto">
-          <a:xfrm>
-            <a:off x="6021620" y="2998388"/>
-            <a:ext cx="650556" cy="650556"/>
-          </a:xfrm>
-          <a:prstGeom prst="rect">
-            <a:avLst/>
-          </a:prstGeom>
-          <a:noFill/>
-          <a:ln>
-            <a:noFill/>
-          </a:ln>
-          <a:effectLst/>
-          <a:extLst>
-            <a:ext uri="{909E8E84-426E-40DD-AFC4-6F175D3DCCD1}">
-              <a14:hiddenFill xmlns:a14="http://schemas.microsoft.com/office/drawing/2010/main">
-                <a:solidFill>
-                  <a:schemeClr val="accent1"/>
-                </a:solidFill>
-              </a14:hiddenFill>
-            </a:ext>
-            <a:ext uri="{91240B29-F687-4F45-9708-019B960494DF}">
-              <a14:hiddenLine xmlns:a14="http://schemas.microsoft.com/office/drawing/2010/main" w="9525">
-                <a:solidFill>
-                  <a:schemeClr val="tx1"/>
-                </a:solidFill>
-                <a:miter lim="800000"/>
-                <a:headEnd/>
-                <a:tailEnd/>
-              </a14:hiddenLine>
-            </a:ext>
-            <a:ext uri="{AF507438-7753-43E0-B8FC-AC1667EBCBE1}">
-              <a14:hiddenEffects xmlns:a14="http://schemas.microsoft.com/office/drawing/2010/main">
-                <a:effectLst>
-                  <a:outerShdw dist="35921" dir="2700000" algn="ctr" rotWithShape="0">
-                    <a:schemeClr val="bg2"/>
-                  </a:outerShdw>
-                </a:effectLst>
-              </a14:hiddenEffects>
-            </a:ext>
-          </a:extLst>
-        </p:spPr>
-      </p:pic>
-      <p:pic>
-        <p:nvPicPr>
-          <p:cNvPr id="1030" name="Picture 6"/>
-          <p:cNvPicPr>
-            <a:picLocks noChangeAspect="1" noChangeArrowheads="1"/>
-          </p:cNvPicPr>
-          <p:nvPr/>
-        </p:nvPicPr>
-        <p:blipFill>
-          <a:blip r:embed="rId5">
-            <a:extLst>
-              <a:ext uri="{28A0092B-C50C-407E-A947-70E740481C1C}">
-                <a14:useLocalDpi xmlns:a14="http://schemas.microsoft.com/office/drawing/2010/main" val="0"/>
-              </a:ext>
-            </a:extLst>
-          </a:blip>
-          <a:srcRect/>
-          <a:stretch>
-            <a:fillRect/>
-          </a:stretch>
-        </p:blipFill>
-        <p:spPr bwMode="auto">
-          <a:xfrm>
-            <a:off x="5644861" y="3759787"/>
-            <a:ext cx="690040" cy="690040"/>
-          </a:xfrm>
-          <a:prstGeom prst="rect">
-            <a:avLst/>
-          </a:prstGeom>
-          <a:noFill/>
-          <a:ln>
-            <a:noFill/>
-          </a:ln>
-          <a:effectLst/>
-          <a:extLst>
-            <a:ext uri="{909E8E84-426E-40DD-AFC4-6F175D3DCCD1}">
-              <a14:hiddenFill xmlns:a14="http://schemas.microsoft.com/office/drawing/2010/main">
-                <a:solidFill>
-                  <a:schemeClr val="accent1"/>
-                </a:solidFill>
-              </a14:hiddenFill>
-            </a:ext>
-            <a:ext uri="{91240B29-F687-4F45-9708-019B960494DF}">
-              <a14:hiddenLine xmlns:a14="http://schemas.microsoft.com/office/drawing/2010/main" w="9525">
-                <a:solidFill>
-                  <a:schemeClr val="tx1"/>
-                </a:solidFill>
-                <a:miter lim="800000"/>
-                <a:headEnd/>
-                <a:tailEnd/>
-              </a14:hiddenLine>
-            </a:ext>
-            <a:ext uri="{AF507438-7753-43E0-B8FC-AC1667EBCBE1}">
-              <a14:hiddenEffects xmlns:a14="http://schemas.microsoft.com/office/drawing/2010/main">
-                <a:effectLst>
-                  <a:outerShdw dist="35921" dir="2700000" algn="ctr" rotWithShape="0">
-                    <a:schemeClr val="bg2"/>
-                  </a:outerShdw>
-                </a:effectLst>
-              </a14:hiddenEffects>
-            </a:ext>
-          </a:extLst>
-        </p:spPr>
-      </p:pic>
-      <p:sp>
-        <p:nvSpPr>
-          <p:cNvPr id="4" name="TextBox 3"/>
-          <p:cNvSpPr txBox="1"/>
-          <p:nvPr/>
-        </p:nvSpPr>
-        <p:spPr>
-          <a:xfrm>
-            <a:off x="1313631" y="1807623"/>
-            <a:ext cx="2592289" cy="954107"/>
-          </a:xfrm>
-          <a:prstGeom prst="rect">
-            <a:avLst/>
-          </a:prstGeom>
-          <a:noFill/>
-        </p:spPr>
-        <p:txBody>
-          <a:bodyPr wrap="square" rtlCol="0">
-            <a:spAutoFit/>
-          </a:bodyPr>
-          <a:lstStyle/>
-          <a:p>
-            <a:pPr algn="ctr"/>
-            <a:r>
-              <a:rPr lang="ru-RU" sz="2800" dirty="0" smtClean="0"/>
-              <a:t>Монолитное приложение</a:t>
-            </a:r>
-            <a:endParaRPr lang="ru-RU" sz="2800" dirty="0"/>
-          </a:p>
-        </p:txBody>
-      </p:sp>
-      <p:sp>
-        <p:nvSpPr>
-          <p:cNvPr id="10" name="TextBox 9"/>
-          <p:cNvSpPr txBox="1"/>
-          <p:nvPr/>
-        </p:nvSpPr>
-        <p:spPr>
-          <a:xfrm>
-            <a:off x="4538581" y="1807621"/>
-            <a:ext cx="2902600" cy="954107"/>
-          </a:xfrm>
-          <a:prstGeom prst="rect">
-            <a:avLst/>
-          </a:prstGeom>
-          <a:noFill/>
-        </p:spPr>
-        <p:txBody>
-          <a:bodyPr wrap="square" rtlCol="0">
-            <a:spAutoFit/>
-          </a:bodyPr>
-          <a:lstStyle/>
-          <a:p>
-            <a:pPr algn="ctr"/>
-            <a:r>
-              <a:rPr lang="ru-RU" sz="2800" dirty="0" err="1" smtClean="0"/>
-              <a:t>Микросервисное</a:t>
-            </a:r>
-            <a:r>
-              <a:rPr lang="ru-RU" sz="2800" dirty="0" smtClean="0"/>
-              <a:t> </a:t>
-            </a:r>
-          </a:p>
-          <a:p>
-            <a:pPr algn="ctr"/>
-            <a:r>
-              <a:rPr lang="ru-RU" sz="2800" dirty="0" smtClean="0"/>
-              <a:t>приложение</a:t>
-            </a:r>
-            <a:endParaRPr lang="ru-RU" sz="2800" dirty="0"/>
           </a:p>
         </p:txBody>
       </p:sp>
     </p:spTree>
     <p:extLst>
       <p:ext uri="{BB962C8B-B14F-4D97-AF65-F5344CB8AC3E}">
-        <p14:creationId xmlns:p14="http://schemas.microsoft.com/office/powerpoint/2010/main" val="3638713563"/>
+        <p14:creationId xmlns:p14="http://schemas.microsoft.com/office/powerpoint/2010/main" val="1819800713"/>
       </p:ext>
     </p:extLst>
   </p:cSld>
@@ -5784,7 +6259,9 @@
         </p:nvSpPr>
         <p:spPr/>
         <p:txBody>
-          <a:bodyPr/>
+          <a:bodyPr>
+            <a:normAutofit/>
+          </a:bodyPr>
           <a:lstStyle/>
           <a:p>
             <a:r>
@@ -5793,7 +6270,33 @@
             </a:r>
             <a:r>
               <a:rPr lang="en-US" dirty="0" smtClean="0"/>
-              <a:t>(redelivery)</a:t>
+              <a:t>(redelivery</a:t>
+            </a:r>
+            <a:r>
+              <a:rPr lang="en-US" dirty="0" smtClean="0"/>
+              <a:t>)</a:t>
+            </a:r>
+            <a:endParaRPr lang="ru-RU" dirty="0" smtClean="0"/>
+          </a:p>
+          <a:p>
+            <a:pPr lvl="1"/>
+            <a:r>
+              <a:rPr lang="ru-RU" dirty="0" smtClean="0"/>
+              <a:t>Исправляет единовременные отказы</a:t>
+            </a:r>
+          </a:p>
+          <a:p>
+            <a:pPr lvl="2"/>
+            <a:r>
+              <a:rPr lang="ru-RU" dirty="0" smtClean="0"/>
+              <a:t>Сети</a:t>
+            </a:r>
+          </a:p>
+          <a:p>
+            <a:pPr lvl="2"/>
+            <a:r>
+              <a:rPr lang="ru-RU" dirty="0" smtClean="0"/>
+              <a:t>БД</a:t>
             </a:r>
           </a:p>
           <a:p>
@@ -5802,25 +6305,41 @@
               <a:rPr lang="ru-RU" dirty="0" smtClean="0"/>
               <a:t>Автоматическая</a:t>
             </a:r>
+            <a:endParaRPr lang="en-US" dirty="0" smtClean="0"/>
+          </a:p>
+          <a:p>
+            <a:r>
+              <a:rPr lang="ru-RU" dirty="0" smtClean="0"/>
+              <a:t>Сохранение состояния</a:t>
+            </a:r>
           </a:p>
           <a:p>
             <a:pPr lvl="1"/>
-            <a:endParaRPr lang="en-US" dirty="0" smtClean="0"/>
-          </a:p>
-          <a:p>
+            <a:r>
+              <a:rPr lang="en-US" dirty="0"/>
+              <a:t>DLQ</a:t>
+            </a:r>
+            <a:r>
+              <a:rPr lang="ru-RU" dirty="0"/>
+              <a:t> (</a:t>
+            </a:r>
+            <a:r>
+              <a:rPr lang="en-US" dirty="0"/>
+              <a:t>Dead Letter Queue</a:t>
+            </a:r>
             <a:r>
               <a:rPr lang="en-US" dirty="0" smtClean="0"/>
-              <a:t>DLQ</a:t>
-            </a:r>
+              <a:t>)</a:t>
+            </a:r>
+            <a:endParaRPr lang="ru-RU" dirty="0" smtClean="0"/>
+          </a:p>
+          <a:p>
+            <a:pPr lvl="1"/>
             <a:r>
               <a:rPr lang="ru-RU" dirty="0" smtClean="0"/>
-              <a:t> (</a:t>
-            </a:r>
-            <a:r>
-              <a:rPr lang="en-US" dirty="0" smtClean="0"/>
-              <a:t>Dead Letter Queue)</a:t>
-            </a:r>
-            <a:endParaRPr lang="ru-RU" dirty="0"/>
+              <a:t>Ручное исправление</a:t>
+            </a:r>
+            <a:endParaRPr lang="ru-RU" dirty="0" smtClean="0"/>
           </a:p>
         </p:txBody>
       </p:sp>
@@ -5863,7 +6382,7 @@
       </p:grpSpPr>
       <p:sp>
         <p:nvSpPr>
-          <p:cNvPr id="2" name="Title 1"/>
+          <p:cNvPr id="2" name="Заголовок 1"/>
           <p:cNvSpPr>
             <a:spLocks noGrp="1"/>
           </p:cNvSpPr>
@@ -5876,44 +6395,114 @@
           <a:bodyPr/>
           <a:lstStyle/>
           <a:p>
+            <a:r>
+              <a:rPr lang="ru-RU" dirty="0" smtClean="0"/>
+              <a:t>?????</a:t>
+            </a:r>
+            <a:endParaRPr lang="ru-RU" dirty="0"/>
+          </a:p>
+        </p:txBody>
+      </p:sp>
+      <p:sp>
+        <p:nvSpPr>
+          <p:cNvPr id="3" name="Объект 2"/>
+          <p:cNvSpPr>
+            <a:spLocks noGrp="1"/>
+          </p:cNvSpPr>
+          <p:nvPr>
+            <p:ph idx="1"/>
+          </p:nvPr>
+        </p:nvSpPr>
+        <p:spPr/>
+        <p:txBody>
+          <a:bodyPr/>
+          <a:lstStyle/>
+          <a:p>
+            <a:r>
+              <a:rPr lang="ru-RU" dirty="0"/>
+              <a:t>Совместимость (</a:t>
+            </a:r>
+            <a:r>
+              <a:rPr lang="en-US" dirty="0"/>
+              <a:t>Compatibility</a:t>
+            </a:r>
+            <a:r>
+              <a:rPr lang="ru-RU" dirty="0"/>
+              <a:t>)</a:t>
+            </a:r>
             <a:endParaRPr lang="en-US" dirty="0"/>
           </a:p>
-        </p:txBody>
-      </p:sp>
-      <p:sp>
-        <p:nvSpPr>
-          <p:cNvPr id="3" name="Content Placeholder 2"/>
-          <p:cNvSpPr>
-            <a:spLocks noGrp="1"/>
-          </p:cNvSpPr>
-          <p:nvPr>
-            <p:ph idx="1"/>
-          </p:nvPr>
-        </p:nvSpPr>
-        <p:spPr/>
-        <p:txBody>
-          <a:bodyPr/>
-          <a:lstStyle/>
-          <a:p>
+          <a:p>
+            <a:pPr lvl="1"/>
+            <a:r>
+              <a:rPr lang="ru-RU" dirty="0"/>
+              <a:t>Максимально возможная поддержка</a:t>
+            </a:r>
+            <a:endParaRPr lang="en-US" dirty="0"/>
+          </a:p>
+          <a:p>
+            <a:pPr lvl="1"/>
+            <a:r>
+              <a:rPr lang="ru-RU" dirty="0"/>
+              <a:t>Система </a:t>
+            </a:r>
+            <a:r>
+              <a:rPr lang="ru-RU" dirty="0" err="1"/>
+              <a:t>версионирования</a:t>
+            </a:r>
+            <a:r>
+              <a:rPr lang="ru-RU" dirty="0"/>
+              <a:t> (</a:t>
+            </a:r>
+            <a:r>
+              <a:rPr lang="en-US" dirty="0"/>
+              <a:t>X.Y.Z</a:t>
+            </a:r>
             <a:r>
               <a:rPr lang="en-US" dirty="0" smtClean="0"/>
-              <a:t>Developers perform Support</a:t>
-            </a:r>
+              <a:t>)</a:t>
+            </a:r>
+            <a:endParaRPr lang="ru-RU" dirty="0" smtClean="0"/>
+          </a:p>
+          <a:p>
+            <a:r>
+              <a:rPr lang="ru-RU" dirty="0" smtClean="0"/>
+              <a:t>Документация</a:t>
+            </a:r>
+            <a:endParaRPr lang="en-US" dirty="0"/>
           </a:p>
           <a:p>
             <a:pPr lvl="1"/>
             <a:r>
-              <a:rPr lang="en-US" dirty="0" smtClean="0"/>
-              <a:t>Helps to build tools to simplify support </a:t>
+              <a:rPr lang="ru-RU" dirty="0"/>
+              <a:t>Должна быть исчерпывающей</a:t>
             </a:r>
             <a:endParaRPr lang="en-US" dirty="0"/>
+          </a:p>
+          <a:p>
+            <a:r>
+              <a:rPr lang="ru-RU" dirty="0"/>
+              <a:t>Без состояния (</a:t>
+            </a:r>
+            <a:r>
+              <a:rPr lang="en-US" dirty="0"/>
+              <a:t>Stateless</a:t>
+            </a:r>
+            <a:r>
+              <a:rPr lang="ru-RU" dirty="0"/>
+              <a:t>)</a:t>
+            </a:r>
+            <a:endParaRPr lang="en-US" dirty="0"/>
+          </a:p>
+          <a:p>
+            <a:endParaRPr lang="ru-RU" dirty="0"/>
           </a:p>
         </p:txBody>
       </p:sp>
     </p:spTree>
     <p:extLst>
       <p:ext uri="{BB962C8B-B14F-4D97-AF65-F5344CB8AC3E}">
-        <p14:creationId xmlns:p14="http://schemas.microsoft.com/office/powerpoint/2010/main" val="3122075378"/>
+        <p14:creationId xmlns:p14="http://schemas.microsoft.com/office/powerpoint/2010/main" val="1340478396"/>
       </p:ext>
     </p:extLst>
   </p:cSld>
@@ -5963,137 +6552,284 @@
           <a:lstStyle/>
           <a:p>
             <a:r>
-              <a:rPr lang="en-US" dirty="0" err="1" smtClean="0"/>
-              <a:t>Microservices</a:t>
-            </a:r>
-            <a:r>
-              <a:rPr lang="en-US" dirty="0" smtClean="0"/>
-              <a:t> </a:t>
-            </a:r>
-            <a:r>
               <a:rPr lang="ru-RU" dirty="0" smtClean="0"/>
-              <a:t>За и Против</a:t>
+              <a:t>Тип Архитектуры</a:t>
             </a:r>
             <a:endParaRPr lang="ru-RU" dirty="0"/>
           </a:p>
         </p:txBody>
       </p:sp>
-      <p:sp>
-        <p:nvSpPr>
-          <p:cNvPr id="3" name="TextBox 2"/>
-          <p:cNvSpPr txBox="1"/>
+      <p:pic>
+        <p:nvPicPr>
+          <p:cNvPr id="1027" name="Picture 3"/>
+          <p:cNvPicPr>
+            <a:picLocks noChangeAspect="1" noChangeArrowheads="1"/>
+          </p:cNvPicPr>
           <p:nvPr/>
-        </p:nvSpPr>
-        <p:spPr>
+        </p:nvPicPr>
+        <p:blipFill>
+          <a:blip r:embed="rId2">
+            <a:extLst>
+              <a:ext uri="{28A0092B-C50C-407E-A947-70E740481C1C}">
+                <a14:useLocalDpi xmlns:a14="http://schemas.microsoft.com/office/drawing/2010/main" val="0"/>
+              </a:ext>
+            </a:extLst>
+          </a:blip>
+          <a:srcRect/>
+          <a:stretch>
+            <a:fillRect/>
+          </a:stretch>
+        </p:blipFill>
+        <p:spPr bwMode="auto">
           <a:xfrm>
-            <a:off x="395536" y="1556792"/>
-            <a:ext cx="3816424" cy="4549835"/>
+            <a:off x="1889696" y="2848863"/>
+            <a:ext cx="1440160" cy="1472164"/>
           </a:xfrm>
           <a:prstGeom prst="rect">
             <a:avLst/>
           </a:prstGeom>
           <a:noFill/>
-        </p:spPr>
-        <p:txBody>
-          <a:bodyPr wrap="square" rtlCol="0">
-            <a:spAutoFit/>
-          </a:bodyPr>
-          <a:lstStyle/>
-          <a:p>
-            <a:pPr>
-              <a:lnSpc>
-                <a:spcPct val="150000"/>
-              </a:lnSpc>
-            </a:pPr>
-            <a:r>
-              <a:rPr lang="ru-RU" sz="2800" dirty="0" smtClean="0"/>
-              <a:t>+ Протокол</a:t>
-            </a:r>
-          </a:p>
-          <a:p>
-            <a:pPr>
-              <a:lnSpc>
-                <a:spcPct val="150000"/>
-              </a:lnSpc>
-            </a:pPr>
-            <a:r>
-              <a:rPr lang="ru-RU" sz="2800" dirty="0" smtClean="0"/>
-              <a:t>+ Простота модуля</a:t>
-            </a:r>
-          </a:p>
-          <a:p>
-            <a:pPr>
-              <a:lnSpc>
-                <a:spcPct val="150000"/>
-              </a:lnSpc>
-            </a:pPr>
-            <a:r>
-              <a:rPr lang="ru-RU" sz="2800" dirty="0" smtClean="0"/>
-              <a:t>+ Скорость разработки</a:t>
-            </a:r>
-          </a:p>
-          <a:p>
-            <a:pPr>
-              <a:lnSpc>
-                <a:spcPct val="150000"/>
-              </a:lnSpc>
-            </a:pPr>
-            <a:r>
-              <a:rPr lang="ru-RU" sz="2800" dirty="0" smtClean="0"/>
-              <a:t>+ Независимость</a:t>
-            </a:r>
-          </a:p>
-          <a:p>
-            <a:pPr>
-              <a:lnSpc>
-                <a:spcPct val="150000"/>
-              </a:lnSpc>
-            </a:pPr>
-            <a:r>
-              <a:rPr lang="ru-RU" sz="2800" dirty="0"/>
-              <a:t> </a:t>
-            </a:r>
-            <a:r>
-              <a:rPr lang="ru-RU" sz="2800" dirty="0" smtClean="0"/>
-              <a:t>      команд</a:t>
-            </a:r>
-          </a:p>
-          <a:p>
-            <a:pPr>
-              <a:lnSpc>
-                <a:spcPct val="150000"/>
-              </a:lnSpc>
-            </a:pPr>
-            <a:r>
-              <a:rPr lang="ru-RU" sz="2800" dirty="0" smtClean="0"/>
-              <a:t>       технологий</a:t>
-            </a:r>
-          </a:p>
-          <a:p>
-            <a:pPr>
-              <a:lnSpc>
-                <a:spcPct val="150000"/>
-              </a:lnSpc>
-            </a:pPr>
-            <a:endParaRPr lang="ru-RU" sz="2800" dirty="0"/>
-          </a:p>
-        </p:txBody>
-      </p:sp>
-      <p:sp>
-        <p:nvSpPr>
-          <p:cNvPr id="11" name="TextBox 10"/>
-          <p:cNvSpPr txBox="1"/>
+          <a:ln>
+            <a:noFill/>
+          </a:ln>
+          <a:effectLst/>
+          <a:extLst>
+            <a:ext uri="{909E8E84-426E-40DD-AFC4-6F175D3DCCD1}">
+              <a14:hiddenFill xmlns:a14="http://schemas.microsoft.com/office/drawing/2010/main">
+                <a:solidFill>
+                  <a:schemeClr val="accent1"/>
+                </a:solidFill>
+              </a14:hiddenFill>
+            </a:ext>
+            <a:ext uri="{91240B29-F687-4F45-9708-019B960494DF}">
+              <a14:hiddenLine xmlns:a14="http://schemas.microsoft.com/office/drawing/2010/main" w="9525">
+                <a:solidFill>
+                  <a:schemeClr val="tx1"/>
+                </a:solidFill>
+                <a:miter lim="800000"/>
+                <a:headEnd/>
+                <a:tailEnd/>
+              </a14:hiddenLine>
+            </a:ext>
+            <a:ext uri="{AF507438-7753-43E0-B8FC-AC1667EBCBE1}">
+              <a14:hiddenEffects xmlns:a14="http://schemas.microsoft.com/office/drawing/2010/main">
+                <a:effectLst>
+                  <a:outerShdw dist="35921" dir="2700000" algn="ctr" rotWithShape="0">
+                    <a:schemeClr val="bg2"/>
+                  </a:outerShdw>
+                </a:effectLst>
+              </a14:hiddenEffects>
+            </a:ext>
+          </a:extLst>
+        </p:spPr>
+      </p:pic>
+      <p:pic>
+        <p:nvPicPr>
+          <p:cNvPr id="1028" name="Picture 4"/>
+          <p:cNvPicPr>
+            <a:picLocks noChangeAspect="1" noChangeArrowheads="1"/>
+          </p:cNvPicPr>
           <p:nvPr/>
-        </p:nvSpPr>
-        <p:spPr>
+        </p:nvPicPr>
+        <p:blipFill>
+          <a:blip r:embed="rId3">
+            <a:extLst>
+              <a:ext uri="{28A0092B-C50C-407E-A947-70E740481C1C}">
+                <a14:useLocalDpi xmlns:a14="http://schemas.microsoft.com/office/drawing/2010/main" val="0"/>
+              </a:ext>
+            </a:extLst>
+          </a:blip>
+          <a:srcRect/>
+          <a:stretch>
+            <a:fillRect/>
+          </a:stretch>
+        </p:blipFill>
+        <p:spPr bwMode="auto">
           <a:xfrm>
-            <a:off x="4427984" y="1556792"/>
-            <a:ext cx="4464496" cy="3323987"/>
+            <a:off x="5070296" y="2787295"/>
+            <a:ext cx="720080" cy="720080"/>
           </a:xfrm>
           <a:prstGeom prst="rect">
             <a:avLst/>
           </a:prstGeom>
           <a:noFill/>
+          <a:ln>
+            <a:noFill/>
+          </a:ln>
+          <a:effectLst/>
+          <a:extLst>
+            <a:ext uri="{909E8E84-426E-40DD-AFC4-6F175D3DCCD1}">
+              <a14:hiddenFill xmlns:a14="http://schemas.microsoft.com/office/drawing/2010/main">
+                <a:solidFill>
+                  <a:schemeClr val="accent1"/>
+                </a:solidFill>
+              </a14:hiddenFill>
+            </a:ext>
+            <a:ext uri="{91240B29-F687-4F45-9708-019B960494DF}">
+              <a14:hiddenLine xmlns:a14="http://schemas.microsoft.com/office/drawing/2010/main" w="9525">
+                <a:solidFill>
+                  <a:schemeClr val="tx1"/>
+                </a:solidFill>
+                <a:miter lim="800000"/>
+                <a:headEnd/>
+                <a:tailEnd/>
+              </a14:hiddenLine>
+            </a:ext>
+            <a:ext uri="{AF507438-7753-43E0-B8FC-AC1667EBCBE1}">
+              <a14:hiddenEffects xmlns:a14="http://schemas.microsoft.com/office/drawing/2010/main">
+                <a:effectLst>
+                  <a:outerShdw dist="35921" dir="2700000" algn="ctr" rotWithShape="0">
+                    <a:schemeClr val="bg2"/>
+                  </a:outerShdw>
+                </a:effectLst>
+              </a14:hiddenEffects>
+            </a:ext>
+          </a:extLst>
+        </p:spPr>
+      </p:pic>
+      <p:pic>
+        <p:nvPicPr>
+          <p:cNvPr id="1029" name="Picture 5"/>
+          <p:cNvPicPr>
+            <a:picLocks noChangeAspect="1" noChangeArrowheads="1"/>
+          </p:cNvPicPr>
+          <p:nvPr/>
+        </p:nvPicPr>
+        <p:blipFill>
+          <a:blip r:embed="rId4">
+            <a:extLst>
+              <a:ext uri="{28A0092B-C50C-407E-A947-70E740481C1C}">
+                <a14:useLocalDpi xmlns:a14="http://schemas.microsoft.com/office/drawing/2010/main" val="0"/>
+              </a:ext>
+            </a:extLst>
+          </a:blip>
+          <a:srcRect/>
+          <a:stretch>
+            <a:fillRect/>
+          </a:stretch>
+        </p:blipFill>
+        <p:spPr bwMode="auto">
+          <a:xfrm>
+            <a:off x="6021620" y="2998388"/>
+            <a:ext cx="650556" cy="650556"/>
+          </a:xfrm>
+          <a:prstGeom prst="rect">
+            <a:avLst/>
+          </a:prstGeom>
+          <a:noFill/>
+          <a:ln>
+            <a:noFill/>
+          </a:ln>
+          <a:effectLst/>
+          <a:extLst>
+            <a:ext uri="{909E8E84-426E-40DD-AFC4-6F175D3DCCD1}">
+              <a14:hiddenFill xmlns:a14="http://schemas.microsoft.com/office/drawing/2010/main">
+                <a:solidFill>
+                  <a:schemeClr val="accent1"/>
+                </a:solidFill>
+              </a14:hiddenFill>
+            </a:ext>
+            <a:ext uri="{91240B29-F687-4F45-9708-019B960494DF}">
+              <a14:hiddenLine xmlns:a14="http://schemas.microsoft.com/office/drawing/2010/main" w="9525">
+                <a:solidFill>
+                  <a:schemeClr val="tx1"/>
+                </a:solidFill>
+                <a:miter lim="800000"/>
+                <a:headEnd/>
+                <a:tailEnd/>
+              </a14:hiddenLine>
+            </a:ext>
+            <a:ext uri="{AF507438-7753-43E0-B8FC-AC1667EBCBE1}">
+              <a14:hiddenEffects xmlns:a14="http://schemas.microsoft.com/office/drawing/2010/main">
+                <a:effectLst>
+                  <a:outerShdw dist="35921" dir="2700000" algn="ctr" rotWithShape="0">
+                    <a:schemeClr val="bg2"/>
+                  </a:outerShdw>
+                </a:effectLst>
+              </a14:hiddenEffects>
+            </a:ext>
+          </a:extLst>
+        </p:spPr>
+      </p:pic>
+      <p:pic>
+        <p:nvPicPr>
+          <p:cNvPr id="1030" name="Picture 6"/>
+          <p:cNvPicPr>
+            <a:picLocks noChangeAspect="1" noChangeArrowheads="1"/>
+          </p:cNvPicPr>
+          <p:nvPr/>
+        </p:nvPicPr>
+        <p:blipFill>
+          <a:blip r:embed="rId5">
+            <a:extLst>
+              <a:ext uri="{28A0092B-C50C-407E-A947-70E740481C1C}">
+                <a14:useLocalDpi xmlns:a14="http://schemas.microsoft.com/office/drawing/2010/main" val="0"/>
+              </a:ext>
+            </a:extLst>
+          </a:blip>
+          <a:srcRect/>
+          <a:stretch>
+            <a:fillRect/>
+          </a:stretch>
+        </p:blipFill>
+        <p:spPr bwMode="auto">
+          <a:xfrm>
+            <a:off x="5644861" y="3759787"/>
+            <a:ext cx="690040" cy="690040"/>
+          </a:xfrm>
+          <a:prstGeom prst="rect">
+            <a:avLst/>
+          </a:prstGeom>
+          <a:noFill/>
+          <a:ln>
+            <a:noFill/>
+          </a:ln>
+          <a:effectLst/>
+          <a:extLst>
+            <a:ext uri="{909E8E84-426E-40DD-AFC4-6F175D3DCCD1}">
+              <a14:hiddenFill xmlns:a14="http://schemas.microsoft.com/office/drawing/2010/main">
+                <a:solidFill>
+                  <a:schemeClr val="accent1"/>
+                </a:solidFill>
+              </a14:hiddenFill>
+            </a:ext>
+            <a:ext uri="{91240B29-F687-4F45-9708-019B960494DF}">
+              <a14:hiddenLine xmlns:a14="http://schemas.microsoft.com/office/drawing/2010/main" w="9525">
+                <a:solidFill>
+                  <a:schemeClr val="tx1"/>
+                </a:solidFill>
+                <a:miter lim="800000"/>
+                <a:headEnd/>
+                <a:tailEnd/>
+              </a14:hiddenLine>
+            </a:ext>
+            <a:ext uri="{AF507438-7753-43E0-B8FC-AC1667EBCBE1}">
+              <a14:hiddenEffects xmlns:a14="http://schemas.microsoft.com/office/drawing/2010/main">
+                <a:effectLst>
+                  <a:outerShdw dist="35921" dir="2700000" algn="ctr" rotWithShape="0">
+                    <a:schemeClr val="bg2"/>
+                  </a:outerShdw>
+                </a:effectLst>
+              </a14:hiddenEffects>
+            </a:ext>
+          </a:extLst>
+        </p:spPr>
+      </p:pic>
+      <p:sp>
+        <p:nvSpPr>
+          <p:cNvPr id="4" name="TextBox 3"/>
+          <p:cNvSpPr txBox="1"/>
+          <p:nvPr/>
+        </p:nvSpPr>
+        <p:spPr>
+          <a:xfrm>
+            <a:off x="1313631" y="1807623"/>
+            <a:ext cx="2592289" cy="954107"/>
+          </a:xfrm>
+          <a:prstGeom prst="rect">
+            <a:avLst/>
+          </a:prstGeom>
+          <a:noFill/>
         </p:spPr>
         <p:txBody>
           <a:bodyPr wrap="square" rtlCol="0">
@@ -6101,60 +6837,52 @@
           </a:bodyPr>
           <a:lstStyle/>
           <a:p>
-            <a:pPr>
-              <a:lnSpc>
-                <a:spcPct val="150000"/>
-              </a:lnSpc>
-            </a:pPr>
+            <a:pPr algn="ctr"/>
             <a:r>
               <a:rPr lang="ru-RU" sz="2800" dirty="0" smtClean="0"/>
-              <a:t>- Подверженность ошибкам</a:t>
-            </a:r>
-          </a:p>
-          <a:p>
-            <a:pPr>
-              <a:lnSpc>
-                <a:spcPct val="150000"/>
-              </a:lnSpc>
-            </a:pPr>
+              <a:t>Монолитное приложение</a:t>
+            </a:r>
+            <a:endParaRPr lang="ru-RU" sz="2800" dirty="0"/>
+          </a:p>
+        </p:txBody>
+      </p:sp>
+      <p:sp>
+        <p:nvSpPr>
+          <p:cNvPr id="10" name="TextBox 9"/>
+          <p:cNvSpPr txBox="1"/>
+          <p:nvPr/>
+        </p:nvSpPr>
+        <p:spPr>
+          <a:xfrm>
+            <a:off x="4538581" y="1807621"/>
+            <a:ext cx="2902600" cy="954107"/>
+          </a:xfrm>
+          <a:prstGeom prst="rect">
+            <a:avLst/>
+          </a:prstGeom>
+          <a:noFill/>
+        </p:spPr>
+        <p:txBody>
+          <a:bodyPr wrap="square" rtlCol="0">
+            <a:spAutoFit/>
+          </a:bodyPr>
+          <a:lstStyle/>
+          <a:p>
+            <a:pPr algn="ctr"/>
+            <a:r>
+              <a:rPr lang="ru-RU" sz="2800" dirty="0" err="1" smtClean="0"/>
+              <a:t>Микросервисное</a:t>
+            </a:r>
             <a:r>
               <a:rPr lang="ru-RU" sz="2800" dirty="0" smtClean="0"/>
-              <a:t>- </a:t>
-            </a:r>
+              <a:t> </a:t>
+            </a:r>
+          </a:p>
+          <a:p>
+            <a:pPr algn="ctr"/>
             <a:r>
               <a:rPr lang="ru-RU" sz="2800" dirty="0" smtClean="0"/>
-              <a:t>Практики </a:t>
-            </a:r>
-            <a:r>
-              <a:rPr lang="en-US" sz="2800" dirty="0" err="1" smtClean="0"/>
-              <a:t>DevOps</a:t>
-            </a:r>
-            <a:endParaRPr lang="en-US" sz="2800" dirty="0" smtClean="0"/>
-          </a:p>
-          <a:p>
-            <a:pPr>
-              <a:lnSpc>
-                <a:spcPct val="150000"/>
-              </a:lnSpc>
-            </a:pPr>
-            <a:r>
-              <a:rPr lang="ru-RU" sz="2800" dirty="0" smtClean="0"/>
-              <a:t>- Сложность 	разработки</a:t>
-            </a:r>
-          </a:p>
-          <a:p>
-            <a:pPr lvl="1">
-              <a:lnSpc>
-                <a:spcPct val="150000"/>
-              </a:lnSpc>
-            </a:pPr>
-            <a:r>
-              <a:rPr lang="ru-RU" sz="2800" dirty="0"/>
-              <a:t>	</a:t>
-            </a:r>
-            <a:r>
-              <a:rPr lang="ru-RU" sz="2800" dirty="0" smtClean="0"/>
-              <a:t>системы</a:t>
+              <a:t>приложение</a:t>
             </a:r>
             <a:endParaRPr lang="ru-RU" sz="2800" dirty="0"/>
           </a:p>
@@ -6163,7 +6891,7 @@
     </p:spTree>
     <p:extLst>
       <p:ext uri="{BB962C8B-B14F-4D97-AF65-F5344CB8AC3E}">
-        <p14:creationId xmlns:p14="http://schemas.microsoft.com/office/powerpoint/2010/main" val="1838205495"/>
+        <p14:creationId xmlns:p14="http://schemas.microsoft.com/office/powerpoint/2010/main" val="3638713563"/>
       </p:ext>
     </p:extLst>
   </p:cSld>
@@ -6199,345 +6927,226 @@
       </p:grpSpPr>
       <p:sp>
         <p:nvSpPr>
-          <p:cNvPr id="7" name="Прямоугольник 6"/>
-          <p:cNvSpPr/>
+          <p:cNvPr id="2" name="Заголовок 1"/>
+          <p:cNvSpPr>
+            <a:spLocks noGrp="1"/>
+          </p:cNvSpPr>
+          <p:nvPr>
+            <p:ph type="title"/>
+          </p:nvPr>
+        </p:nvSpPr>
+        <p:spPr/>
+        <p:txBody>
+          <a:bodyPr/>
+          <a:lstStyle/>
+          <a:p>
+            <a:r>
+              <a:rPr lang="ru-RU" dirty="0" smtClean="0"/>
+              <a:t>За </a:t>
+            </a:r>
+            <a:r>
+              <a:rPr lang="ru-RU" dirty="0" smtClean="0"/>
+              <a:t>и Против</a:t>
+            </a:r>
+            <a:endParaRPr lang="ru-RU" dirty="0"/>
+          </a:p>
+        </p:txBody>
+      </p:sp>
+      <p:sp>
+        <p:nvSpPr>
+          <p:cNvPr id="3" name="TextBox 2"/>
+          <p:cNvSpPr txBox="1"/>
           <p:nvPr/>
         </p:nvSpPr>
         <p:spPr>
           <a:xfrm>
-            <a:off x="2435341" y="2348880"/>
-            <a:ext cx="4004882" cy="2520280"/>
+            <a:off x="395536" y="1556792"/>
+            <a:ext cx="3816424" cy="4549835"/>
           </a:xfrm>
           <a:prstGeom prst="rect">
             <a:avLst/>
           </a:prstGeom>
-        </p:spPr>
-        <p:style>
-          <a:lnRef idx="2">
-            <a:schemeClr val="accent6">
-              <a:shade val="50000"/>
-            </a:schemeClr>
-          </a:lnRef>
-          <a:fillRef idx="1">
-            <a:schemeClr val="accent6"/>
-          </a:fillRef>
-          <a:effectRef idx="0">
-            <a:schemeClr val="accent6"/>
-          </a:effectRef>
-          <a:fontRef idx="minor">
-            <a:schemeClr val="lt1"/>
-          </a:fontRef>
-        </p:style>
-        <p:txBody>
-          <a:bodyPr rtlCol="0" anchor="b"/>
-          <a:lstStyle/>
-          <a:p>
-            <a:pPr algn="ctr"/>
-            <a:r>
-              <a:rPr lang="en-US" sz="4000" dirty="0" smtClean="0"/>
-              <a:t>ROA</a:t>
-            </a:r>
-            <a:endParaRPr lang="ru-RU" sz="4000" dirty="0"/>
-          </a:p>
-        </p:txBody>
-      </p:sp>
-      <p:sp>
-        <p:nvSpPr>
-          <p:cNvPr id="2" name="Заголовок 1"/>
-          <p:cNvSpPr>
-            <a:spLocks noGrp="1"/>
-          </p:cNvSpPr>
-          <p:nvPr>
-            <p:ph type="title"/>
-          </p:nvPr>
-        </p:nvSpPr>
-        <p:spPr/>
-        <p:txBody>
-          <a:bodyPr/>
-          <a:lstStyle/>
-          <a:p>
-            <a:r>
-              <a:rPr lang="ru-RU" dirty="0" smtClean="0"/>
-              <a:t>Монолит</a:t>
-            </a:r>
-            <a:endParaRPr lang="ru-RU" dirty="0"/>
-          </a:p>
-        </p:txBody>
-      </p:sp>
-      <p:sp>
-        <p:nvSpPr>
-          <p:cNvPr id="4" name="Прямоугольник 3"/>
-          <p:cNvSpPr/>
+          <a:noFill/>
+        </p:spPr>
+        <p:txBody>
+          <a:bodyPr wrap="square" rtlCol="0">
+            <a:spAutoFit/>
+          </a:bodyPr>
+          <a:lstStyle/>
+          <a:p>
+            <a:pPr>
+              <a:lnSpc>
+                <a:spcPct val="150000"/>
+              </a:lnSpc>
+            </a:pPr>
+            <a:r>
+              <a:rPr lang="ru-RU" sz="2800" dirty="0" smtClean="0"/>
+              <a:t>+ Протокол</a:t>
+            </a:r>
+          </a:p>
+          <a:p>
+            <a:pPr>
+              <a:lnSpc>
+                <a:spcPct val="150000"/>
+              </a:lnSpc>
+            </a:pPr>
+            <a:r>
+              <a:rPr lang="ru-RU" sz="2800" dirty="0" smtClean="0"/>
+              <a:t>+ Простота модуля</a:t>
+            </a:r>
+          </a:p>
+          <a:p>
+            <a:pPr>
+              <a:lnSpc>
+                <a:spcPct val="150000"/>
+              </a:lnSpc>
+            </a:pPr>
+            <a:r>
+              <a:rPr lang="ru-RU" sz="2800" dirty="0" smtClean="0"/>
+              <a:t>+ Скорость разработки</a:t>
+            </a:r>
+          </a:p>
+          <a:p>
+            <a:pPr>
+              <a:lnSpc>
+                <a:spcPct val="150000"/>
+              </a:lnSpc>
+            </a:pPr>
+            <a:r>
+              <a:rPr lang="ru-RU" sz="2800" dirty="0" smtClean="0"/>
+              <a:t>+ Независимость</a:t>
+            </a:r>
+          </a:p>
+          <a:p>
+            <a:pPr>
+              <a:lnSpc>
+                <a:spcPct val="150000"/>
+              </a:lnSpc>
+            </a:pPr>
+            <a:r>
+              <a:rPr lang="ru-RU" sz="2800" dirty="0"/>
+              <a:t> </a:t>
+            </a:r>
+            <a:r>
+              <a:rPr lang="ru-RU" sz="2800" dirty="0" smtClean="0"/>
+              <a:t>      команд</a:t>
+            </a:r>
+          </a:p>
+          <a:p>
+            <a:pPr>
+              <a:lnSpc>
+                <a:spcPct val="150000"/>
+              </a:lnSpc>
+            </a:pPr>
+            <a:r>
+              <a:rPr lang="ru-RU" sz="2800" dirty="0" smtClean="0"/>
+              <a:t>       технологий</a:t>
+            </a:r>
+          </a:p>
+          <a:p>
+            <a:pPr>
+              <a:lnSpc>
+                <a:spcPct val="150000"/>
+              </a:lnSpc>
+            </a:pPr>
+            <a:endParaRPr lang="ru-RU" sz="2800" dirty="0"/>
+          </a:p>
+        </p:txBody>
+      </p:sp>
+      <p:sp>
+        <p:nvSpPr>
+          <p:cNvPr id="11" name="TextBox 10"/>
+          <p:cNvSpPr txBox="1"/>
           <p:nvPr/>
         </p:nvSpPr>
         <p:spPr>
           <a:xfrm>
-            <a:off x="2543560" y="2376500"/>
-            <a:ext cx="1080120" cy="677251"/>
+            <a:off x="4427984" y="1556792"/>
+            <a:ext cx="4464496" cy="3323987"/>
           </a:xfrm>
           <a:prstGeom prst="rect">
             <a:avLst/>
           </a:prstGeom>
-        </p:spPr>
-        <p:style>
-          <a:lnRef idx="2">
-            <a:schemeClr val="accent1">
-              <a:shade val="50000"/>
-            </a:schemeClr>
-          </a:lnRef>
-          <a:fillRef idx="1">
-            <a:schemeClr val="accent1"/>
-          </a:fillRef>
-          <a:effectRef idx="0">
-            <a:schemeClr val="accent1"/>
-          </a:effectRef>
-          <a:fontRef idx="minor">
-            <a:schemeClr val="lt1"/>
-          </a:fontRef>
-        </p:style>
-        <p:txBody>
-          <a:bodyPr rtlCol="0" anchor="ctr"/>
-          <a:lstStyle/>
-          <a:p>
-            <a:pPr algn="ctr"/>
-            <a:r>
-              <a:rPr lang="ru-RU" dirty="0" smtClean="0"/>
-              <a:t>Налоги</a:t>
-            </a:r>
-            <a:endParaRPr lang="ru-RU" dirty="0"/>
-          </a:p>
-        </p:txBody>
-      </p:sp>
-      <p:sp>
-        <p:nvSpPr>
-          <p:cNvPr id="5" name="Прямоугольник 4"/>
-          <p:cNvSpPr/>
-          <p:nvPr/>
-        </p:nvSpPr>
-        <p:spPr>
-          <a:xfrm>
-            <a:off x="3775927" y="2388911"/>
-            <a:ext cx="1152128" cy="664840"/>
-          </a:xfrm>
-          <a:prstGeom prst="rect">
-            <a:avLst/>
-          </a:prstGeom>
-        </p:spPr>
-        <p:style>
-          <a:lnRef idx="2">
-            <a:schemeClr val="accent1">
-              <a:shade val="50000"/>
-            </a:schemeClr>
-          </a:lnRef>
-          <a:fillRef idx="1">
-            <a:schemeClr val="accent1"/>
-          </a:fillRef>
-          <a:effectRef idx="0">
-            <a:schemeClr val="accent1"/>
-          </a:effectRef>
-          <a:fontRef idx="minor">
-            <a:schemeClr val="lt1"/>
-          </a:fontRef>
-        </p:style>
-        <p:txBody>
-          <a:bodyPr rtlCol="0" anchor="ctr"/>
-          <a:lstStyle/>
-          <a:p>
-            <a:pPr algn="ctr"/>
-            <a:r>
-              <a:rPr lang="en-US" dirty="0" smtClean="0"/>
-              <a:t>Emailing</a:t>
-            </a:r>
-            <a:endParaRPr lang="ru-RU" dirty="0"/>
-          </a:p>
-        </p:txBody>
-      </p:sp>
-      <p:sp>
-        <p:nvSpPr>
-          <p:cNvPr id="6" name="Прямоугольник 5"/>
-          <p:cNvSpPr/>
-          <p:nvPr/>
-        </p:nvSpPr>
-        <p:spPr>
-          <a:xfrm>
-            <a:off x="5030800" y="2388911"/>
-            <a:ext cx="1008112" cy="664840"/>
-          </a:xfrm>
-          <a:prstGeom prst="rect">
-            <a:avLst/>
-          </a:prstGeom>
-        </p:spPr>
-        <p:style>
-          <a:lnRef idx="2">
-            <a:schemeClr val="accent1">
-              <a:shade val="50000"/>
-            </a:schemeClr>
-          </a:lnRef>
-          <a:fillRef idx="1">
-            <a:schemeClr val="accent1"/>
-          </a:fillRef>
-          <a:effectRef idx="0">
-            <a:schemeClr val="accent1"/>
-          </a:effectRef>
-          <a:fontRef idx="minor">
-            <a:schemeClr val="lt1"/>
-          </a:fontRef>
-        </p:style>
-        <p:txBody>
-          <a:bodyPr rtlCol="0" anchor="ctr"/>
-          <a:lstStyle/>
-          <a:p>
-            <a:pPr algn="ctr"/>
-            <a:r>
-              <a:rPr lang="ru-RU" dirty="0" smtClean="0"/>
-              <a:t>Отчеты</a:t>
-            </a:r>
-            <a:endParaRPr lang="ru-RU" dirty="0"/>
-          </a:p>
-        </p:txBody>
-      </p:sp>
-      <p:sp>
-        <p:nvSpPr>
-          <p:cNvPr id="8" name="Прямоугольник 7"/>
-          <p:cNvSpPr/>
-          <p:nvPr/>
-        </p:nvSpPr>
-        <p:spPr>
-          <a:xfrm>
-            <a:off x="2552192" y="4005064"/>
-            <a:ext cx="1188132" cy="720080"/>
-          </a:xfrm>
-          <a:prstGeom prst="rect">
-            <a:avLst/>
-          </a:prstGeom>
-        </p:spPr>
-        <p:style>
-          <a:lnRef idx="2">
-            <a:schemeClr val="accent1">
-              <a:shade val="50000"/>
-            </a:schemeClr>
-          </a:lnRef>
-          <a:fillRef idx="1">
-            <a:schemeClr val="accent1"/>
-          </a:fillRef>
-          <a:effectRef idx="0">
-            <a:schemeClr val="accent1"/>
-          </a:effectRef>
-          <a:fontRef idx="minor">
-            <a:schemeClr val="lt1"/>
-          </a:fontRef>
-        </p:style>
-        <p:txBody>
-          <a:bodyPr rtlCol="0" anchor="ctr"/>
-          <a:lstStyle/>
-          <a:p>
-            <a:pPr algn="ctr"/>
-            <a:r>
-              <a:rPr lang="ru-RU" dirty="0" smtClean="0"/>
-              <a:t>Кредитки</a:t>
-            </a:r>
-            <a:endParaRPr lang="ru-RU" dirty="0"/>
-          </a:p>
-        </p:txBody>
-      </p:sp>
-      <p:sp>
-        <p:nvSpPr>
-          <p:cNvPr id="9" name="Прямоугольник 8"/>
-          <p:cNvSpPr/>
-          <p:nvPr/>
-        </p:nvSpPr>
-        <p:spPr>
-          <a:xfrm>
-            <a:off x="4135967" y="3140968"/>
-            <a:ext cx="1080120" cy="774576"/>
-          </a:xfrm>
-          <a:prstGeom prst="rect">
-            <a:avLst/>
-          </a:prstGeom>
-        </p:spPr>
-        <p:style>
-          <a:lnRef idx="2">
-            <a:schemeClr val="accent1">
-              <a:shade val="50000"/>
-            </a:schemeClr>
-          </a:lnRef>
-          <a:fillRef idx="1">
-            <a:schemeClr val="accent1"/>
-          </a:fillRef>
-          <a:effectRef idx="0">
-            <a:schemeClr val="accent1"/>
-          </a:effectRef>
-          <a:fontRef idx="minor">
-            <a:schemeClr val="lt1"/>
-          </a:fontRef>
-        </p:style>
-        <p:txBody>
-          <a:bodyPr rtlCol="0" anchor="ctr"/>
-          <a:lstStyle/>
-          <a:p>
-            <a:pPr algn="ctr"/>
-            <a:r>
-              <a:rPr lang="ru-RU" dirty="0" smtClean="0"/>
-              <a:t>Скидки</a:t>
-            </a:r>
-            <a:endParaRPr lang="ru-RU" dirty="0"/>
-          </a:p>
-        </p:txBody>
-      </p:sp>
-      <p:sp>
-        <p:nvSpPr>
-          <p:cNvPr id="10" name="Прямоугольник 9"/>
-          <p:cNvSpPr/>
-          <p:nvPr/>
-        </p:nvSpPr>
-        <p:spPr>
-          <a:xfrm>
-            <a:off x="2543560" y="3140968"/>
-            <a:ext cx="1503784" cy="774576"/>
-          </a:xfrm>
-          <a:prstGeom prst="rect">
-            <a:avLst/>
-          </a:prstGeom>
-        </p:spPr>
-        <p:style>
-          <a:lnRef idx="2">
-            <a:schemeClr val="accent1">
-              <a:shade val="50000"/>
-            </a:schemeClr>
-          </a:lnRef>
-          <a:fillRef idx="1">
-            <a:schemeClr val="accent1"/>
-          </a:fillRef>
-          <a:effectRef idx="0">
-            <a:schemeClr val="accent1"/>
-          </a:effectRef>
-          <a:fontRef idx="minor">
-            <a:schemeClr val="lt1"/>
-          </a:fontRef>
-        </p:style>
-        <p:txBody>
-          <a:bodyPr rtlCol="0" anchor="ctr"/>
-          <a:lstStyle/>
-          <a:p>
-            <a:pPr algn="ctr"/>
-            <a:r>
-              <a:rPr lang="ru-RU" dirty="0" smtClean="0"/>
-              <a:t>Справочники Издателей</a:t>
-            </a:r>
-            <a:endParaRPr lang="ru-RU" dirty="0"/>
+          <a:noFill/>
+        </p:spPr>
+        <p:txBody>
+          <a:bodyPr wrap="square" rtlCol="0">
+            <a:spAutoFit/>
+          </a:bodyPr>
+          <a:lstStyle/>
+          <a:p>
+            <a:pPr>
+              <a:lnSpc>
+                <a:spcPct val="150000"/>
+              </a:lnSpc>
+            </a:pPr>
+            <a:r>
+              <a:rPr lang="ru-RU" sz="2800" dirty="0" smtClean="0"/>
+              <a:t>- Подверженность ошибкам</a:t>
+            </a:r>
+          </a:p>
+          <a:p>
+            <a:pPr>
+              <a:lnSpc>
+                <a:spcPct val="150000"/>
+              </a:lnSpc>
+            </a:pPr>
+            <a:r>
+              <a:rPr lang="ru-RU" sz="2800" dirty="0" smtClean="0"/>
+              <a:t>- Практики </a:t>
+            </a:r>
+            <a:r>
+              <a:rPr lang="en-US" sz="2800" dirty="0" err="1" smtClean="0"/>
+              <a:t>DevOps</a:t>
+            </a:r>
+            <a:endParaRPr lang="en-US" sz="2800" dirty="0" smtClean="0"/>
+          </a:p>
+          <a:p>
+            <a:pPr>
+              <a:lnSpc>
+                <a:spcPct val="150000"/>
+              </a:lnSpc>
+            </a:pPr>
+            <a:r>
+              <a:rPr lang="ru-RU" sz="2800" dirty="0" smtClean="0"/>
+              <a:t>- Сложность 	разработки</a:t>
+            </a:r>
+          </a:p>
+          <a:p>
+            <a:pPr lvl="1">
+              <a:lnSpc>
+                <a:spcPct val="150000"/>
+              </a:lnSpc>
+            </a:pPr>
+            <a:r>
+              <a:rPr lang="ru-RU" sz="2800" dirty="0"/>
+              <a:t>	</a:t>
+            </a:r>
+            <a:r>
+              <a:rPr lang="ru-RU" sz="2800" dirty="0" smtClean="0"/>
+              <a:t>системы</a:t>
+            </a:r>
+            <a:endParaRPr lang="ru-RU" sz="2800" dirty="0"/>
           </a:p>
         </p:txBody>
       </p:sp>
     </p:spTree>
     <p:extLst>
       <p:ext uri="{BB962C8B-B14F-4D97-AF65-F5344CB8AC3E}">
-        <p14:creationId xmlns:p14="http://schemas.microsoft.com/office/powerpoint/2010/main" val="2068003828"/>
+        <p14:creationId xmlns:p14="http://schemas.microsoft.com/office/powerpoint/2010/main" val="1838205495"/>
       </p:ext>
     </p:extLst>
   </p:cSld>
   <p:clrMapOvr>
     <a:masterClrMapping/>
   </p:clrMapOvr>
+  <p:timing>
+    <p:tnLst>
+      <p:par>
+        <p:cTn id="1" dur="indefinite" restart="never" nodeType="tmRoot"/>
+      </p:par>
+    </p:tnLst>
+  </p:timing>
 </p:sld>
 </file>
 
@@ -6560,58 +7169,14 @@
       </p:grpSpPr>
       <p:sp>
         <p:nvSpPr>
-          <p:cNvPr id="11" name="Прямоугольник 10"/>
-          <p:cNvSpPr/>
-          <p:nvPr/>
-        </p:nvSpPr>
-        <p:spPr>
-          <a:xfrm>
-            <a:off x="727500" y="1241140"/>
-            <a:ext cx="7732931" cy="4564124"/>
-          </a:xfrm>
-          <a:prstGeom prst="rect">
-            <a:avLst/>
-          </a:prstGeom>
-        </p:spPr>
-        <p:style>
-          <a:lnRef idx="2">
-            <a:schemeClr val="accent4">
-              <a:shade val="50000"/>
-            </a:schemeClr>
-          </a:lnRef>
-          <a:fillRef idx="1">
-            <a:schemeClr val="accent4"/>
-          </a:fillRef>
-          <a:effectRef idx="0">
-            <a:schemeClr val="accent4"/>
-          </a:effectRef>
-          <a:fontRef idx="minor">
-            <a:schemeClr val="lt1"/>
-          </a:fontRef>
-        </p:style>
-        <p:txBody>
-          <a:bodyPr rtlCol="0" anchor="b"/>
-          <a:lstStyle/>
-          <a:p>
-            <a:pPr algn="ctr"/>
-            <a:r>
-              <a:rPr lang="en-US" sz="4000" dirty="0" smtClean="0"/>
-              <a:t>copyright.com</a:t>
-            </a:r>
-            <a:endParaRPr lang="ru-RU" sz="4000" dirty="0"/>
-          </a:p>
-        </p:txBody>
-      </p:sp>
-      <p:sp>
-        <p:nvSpPr>
           <p:cNvPr id="7" name="Прямоугольник 6"/>
           <p:cNvSpPr/>
           <p:nvPr/>
         </p:nvSpPr>
         <p:spPr>
           <a:xfrm>
-            <a:off x="2234705" y="3012161"/>
-            <a:ext cx="1188338" cy="704871"/>
+            <a:off x="2555776" y="1844824"/>
+            <a:ext cx="3960440" cy="3240360"/>
           </a:xfrm>
           <a:prstGeom prst="rect">
             <a:avLst/>
@@ -6656,14 +7221,19 @@
             <p:ph type="title"/>
           </p:nvPr>
         </p:nvSpPr>
-        <p:spPr/>
+        <p:spPr>
+          <a:xfrm>
+            <a:off x="421196" y="260648"/>
+            <a:ext cx="8229600" cy="1143000"/>
+          </a:xfrm>
+        </p:spPr>
         <p:txBody>
           <a:bodyPr/>
           <a:lstStyle/>
           <a:p>
             <a:r>
-              <a:rPr lang="ru-RU" dirty="0" err="1" smtClean="0"/>
-              <a:t>СуперМонолит</a:t>
+              <a:rPr lang="ru-RU" dirty="0" smtClean="0"/>
+              <a:t>Монолит</a:t>
             </a:r>
             <a:endParaRPr lang="ru-RU" dirty="0"/>
           </a:p>
@@ -6677,8 +7247,8 @@
         </p:nvSpPr>
         <p:spPr>
           <a:xfrm>
-            <a:off x="935803" y="1368388"/>
-            <a:ext cx="1080120" cy="677251"/>
+            <a:off x="2987824" y="2127349"/>
+            <a:ext cx="1503784" cy="677251"/>
           </a:xfrm>
           <a:prstGeom prst="rect">
             <a:avLst/>
@@ -6721,8 +7291,8 @@
         </p:nvSpPr>
         <p:spPr>
           <a:xfrm>
-            <a:off x="2168170" y="1380799"/>
-            <a:ext cx="1152128" cy="664840"/>
+            <a:off x="4572000" y="2127348"/>
+            <a:ext cx="1440160" cy="677251"/>
           </a:xfrm>
           <a:prstGeom prst="rect">
             <a:avLst/>
@@ -6765,8 +7335,8 @@
         </p:nvSpPr>
         <p:spPr>
           <a:xfrm>
-            <a:off x="3423043" y="1380799"/>
-            <a:ext cx="1008112" cy="664840"/>
+            <a:off x="4571999" y="3755913"/>
+            <a:ext cx="1440161" cy="664840"/>
           </a:xfrm>
           <a:prstGeom prst="rect">
             <a:avLst/>
@@ -6809,8 +7379,8 @@
         </p:nvSpPr>
         <p:spPr>
           <a:xfrm>
-            <a:off x="944435" y="2996952"/>
-            <a:ext cx="1188132" cy="720080"/>
+            <a:off x="2987824" y="3768097"/>
+            <a:ext cx="1503784" cy="652656"/>
           </a:xfrm>
           <a:prstGeom prst="rect">
             <a:avLst/>
@@ -6853,8 +7423,8 @@
         </p:nvSpPr>
         <p:spPr>
           <a:xfrm>
-            <a:off x="2528210" y="2132856"/>
-            <a:ext cx="1080120" cy="774576"/>
+            <a:off x="4571998" y="2891817"/>
+            <a:ext cx="1440162" cy="774576"/>
           </a:xfrm>
           <a:prstGeom prst="rect">
             <a:avLst/>
@@ -6897,7 +7467,7 @@
         </p:nvSpPr>
         <p:spPr>
           <a:xfrm>
-            <a:off x="935803" y="2132856"/>
+            <a:off x="2987824" y="2891817"/>
             <a:ext cx="1503784" cy="774576"/>
           </a:xfrm>
           <a:prstGeom prst="rect">
@@ -6935,138 +7505,75 @@
       </p:sp>
       <p:sp>
         <p:nvSpPr>
-          <p:cNvPr id="12" name="Прямоугольник 11"/>
-          <p:cNvSpPr/>
+          <p:cNvPr id="3" name="TextBox 2"/>
+          <p:cNvSpPr txBox="1"/>
           <p:nvPr/>
         </p:nvSpPr>
         <p:spPr>
           <a:xfrm>
-            <a:off x="5004048" y="1336163"/>
-            <a:ext cx="3312368" cy="2520280"/>
+            <a:off x="2206773" y="5847950"/>
+            <a:ext cx="4669483" cy="584775"/>
           </a:xfrm>
           <a:prstGeom prst="rect">
             <a:avLst/>
           </a:prstGeom>
-        </p:spPr>
-        <p:style>
-          <a:lnRef idx="2">
-            <a:schemeClr val="accent6">
-              <a:shade val="50000"/>
-            </a:schemeClr>
-          </a:lnRef>
-          <a:fillRef idx="1">
-            <a:schemeClr val="accent6"/>
-          </a:fillRef>
-          <a:effectRef idx="0">
-            <a:schemeClr val="accent6"/>
-          </a:effectRef>
-          <a:fontRef idx="minor">
-            <a:schemeClr val="lt1"/>
-          </a:fontRef>
-        </p:style>
-        <p:txBody>
-          <a:bodyPr rtlCol="0" anchor="b"/>
-          <a:lstStyle/>
-          <a:p>
-            <a:pPr algn="ctr"/>
-            <a:r>
-              <a:rPr lang="ru-RU" sz="4000" dirty="0" smtClean="0"/>
-              <a:t>Кто-то еще</a:t>
-            </a:r>
-            <a:endParaRPr lang="ru-RU" sz="4000" dirty="0"/>
-          </a:p>
-        </p:txBody>
-      </p:sp>
-      <p:sp>
-        <p:nvSpPr>
-          <p:cNvPr id="13" name="Прямоугольник 12"/>
-          <p:cNvSpPr/>
-          <p:nvPr/>
-        </p:nvSpPr>
-        <p:spPr>
-          <a:xfrm>
-            <a:off x="3491880" y="3012161"/>
-            <a:ext cx="1224136" cy="720080"/>
-          </a:xfrm>
-          <a:prstGeom prst="rect">
-            <a:avLst/>
-          </a:prstGeom>
-        </p:spPr>
-        <p:style>
-          <a:lnRef idx="2">
-            <a:schemeClr val="accent6">
-              <a:shade val="50000"/>
-            </a:schemeClr>
-          </a:lnRef>
-          <a:fillRef idx="1">
-            <a:schemeClr val="accent6"/>
-          </a:fillRef>
-          <a:effectRef idx="0">
-            <a:schemeClr val="accent6"/>
-          </a:effectRef>
-          <a:fontRef idx="minor">
-            <a:schemeClr val="lt1"/>
-          </a:fontRef>
-        </p:style>
-        <p:txBody>
-          <a:bodyPr rtlCol="0" anchor="b"/>
-          <a:lstStyle/>
-          <a:p>
-            <a:pPr algn="ctr"/>
-            <a:endParaRPr lang="ru-RU" sz="4000" dirty="0"/>
-          </a:p>
-        </p:txBody>
-      </p:sp>
-      <p:sp>
-        <p:nvSpPr>
-          <p:cNvPr id="14" name="Прямоугольник 13"/>
-          <p:cNvSpPr/>
-          <p:nvPr/>
-        </p:nvSpPr>
-        <p:spPr>
-          <a:xfrm>
-            <a:off x="3648472" y="2132856"/>
-            <a:ext cx="1224136" cy="774576"/>
-          </a:xfrm>
-          <a:prstGeom prst="rect">
-            <a:avLst/>
-          </a:prstGeom>
-        </p:spPr>
-        <p:style>
-          <a:lnRef idx="2">
-            <a:schemeClr val="accent6">
-              <a:shade val="50000"/>
-            </a:schemeClr>
-          </a:lnRef>
-          <a:fillRef idx="1">
-            <a:schemeClr val="accent6"/>
-          </a:fillRef>
-          <a:effectRef idx="0">
-            <a:schemeClr val="accent6"/>
-          </a:effectRef>
-          <a:fontRef idx="minor">
-            <a:schemeClr val="lt1"/>
-          </a:fontRef>
-        </p:style>
-        <p:txBody>
-          <a:bodyPr rtlCol="0" anchor="b"/>
-          <a:lstStyle/>
-          <a:p>
-            <a:pPr algn="ctr"/>
-            <a:endParaRPr lang="ru-RU" sz="4000" dirty="0"/>
+          <a:noFill/>
+        </p:spPr>
+        <p:txBody>
+          <a:bodyPr wrap="none" rtlCol="0">
+            <a:spAutoFit/>
+          </a:bodyPr>
+          <a:lstStyle/>
+          <a:p>
+            <a:r>
+              <a:rPr lang="en-US" sz="3200" b="1" i="1" u="sng" dirty="0" err="1" smtClean="0"/>
+              <a:t>R</a:t>
+            </a:r>
+            <a:r>
+              <a:rPr lang="en-US" sz="3200" b="1" dirty="0" err="1" smtClean="0"/>
+              <a:t>ightslink</a:t>
+            </a:r>
+            <a:r>
+              <a:rPr lang="en-US" sz="3200" b="1" dirty="0" smtClean="0"/>
+              <a:t> for </a:t>
+            </a:r>
+            <a:r>
+              <a:rPr lang="en-US" sz="3200" b="1" i="1" u="sng" dirty="0" smtClean="0"/>
+              <a:t>O</a:t>
+            </a:r>
+            <a:r>
+              <a:rPr lang="en-US" sz="3200" b="1" dirty="0" smtClean="0"/>
+              <a:t>pen </a:t>
+            </a:r>
+            <a:r>
+              <a:rPr lang="en-US" sz="3200" b="1" i="1" u="sng" dirty="0" smtClean="0"/>
+              <a:t>A</a:t>
+            </a:r>
+            <a:r>
+              <a:rPr lang="en-US" sz="3200" b="1" dirty="0" smtClean="0"/>
+              <a:t>ccess</a:t>
+            </a:r>
+            <a:endParaRPr lang="ru-RU" sz="3200" b="1" dirty="0"/>
           </a:p>
         </p:txBody>
       </p:sp>
     </p:spTree>
     <p:extLst>
       <p:ext uri="{BB962C8B-B14F-4D97-AF65-F5344CB8AC3E}">
-        <p14:creationId xmlns:p14="http://schemas.microsoft.com/office/powerpoint/2010/main" val="1726718859"/>
+        <p14:creationId xmlns:p14="http://schemas.microsoft.com/office/powerpoint/2010/main" val="2068003828"/>
       </p:ext>
     </p:extLst>
   </p:cSld>
   <p:clrMapOvr>
     <a:masterClrMapping/>
   </p:clrMapOvr>
+  <p:timing>
+    <p:tnLst>
+      <p:par>
+        <p:cTn id="1" dur="indefinite" restart="never" nodeType="tmRoot"/>
+      </p:par>
+    </p:tnLst>
+  </p:timing>
 </p:sld>
 </file>
 
@@ -7089,33 +7596,14 @@
       </p:grpSpPr>
       <p:sp>
         <p:nvSpPr>
-          <p:cNvPr id="2" name="Заголовок 1"/>
-          <p:cNvSpPr>
-            <a:spLocks noGrp="1"/>
-          </p:cNvSpPr>
-          <p:nvPr>
-            <p:ph type="title"/>
-          </p:nvPr>
-        </p:nvSpPr>
-        <p:spPr/>
-        <p:txBody>
-          <a:bodyPr/>
-          <a:lstStyle/>
-          <a:p>
-            <a:endParaRPr lang="ru-RU"/>
-          </a:p>
-        </p:txBody>
-      </p:sp>
-      <p:sp>
-        <p:nvSpPr>
-          <p:cNvPr id="4" name="Прямоугольник 3"/>
+          <p:cNvPr id="11" name="Прямоугольник 10"/>
           <p:cNvSpPr/>
           <p:nvPr/>
         </p:nvSpPr>
         <p:spPr>
           <a:xfrm>
-            <a:off x="1211867" y="1986945"/>
-            <a:ext cx="1080120" cy="720080"/>
+            <a:off x="727500" y="1241140"/>
+            <a:ext cx="7732931" cy="4564124"/>
           </a:xfrm>
           <a:prstGeom prst="rect">
             <a:avLst/>
@@ -7123,28 +7611,51 @@
         </p:spPr>
         <p:style>
           <a:lnRef idx="2">
-            <a:schemeClr val="accent1">
+            <a:schemeClr val="accent4">
               <a:shade val="50000"/>
             </a:schemeClr>
           </a:lnRef>
           <a:fillRef idx="1">
-            <a:schemeClr val="accent1"/>
+            <a:schemeClr val="accent4"/>
           </a:fillRef>
           <a:effectRef idx="0">
-            <a:schemeClr val="accent1"/>
+            <a:schemeClr val="accent4"/>
           </a:effectRef>
           <a:fontRef idx="minor">
             <a:schemeClr val="lt1"/>
           </a:fontRef>
         </p:style>
         <p:txBody>
-          <a:bodyPr rtlCol="0" anchor="ctr"/>
+          <a:bodyPr rtlCol="0" anchor="b"/>
           <a:lstStyle/>
           <a:p>
             <a:pPr algn="ctr"/>
             <a:r>
-              <a:rPr lang="ru-RU" dirty="0" smtClean="0"/>
-              <a:t>Налоги</a:t>
+              <a:rPr lang="en-US" sz="4000" dirty="0" smtClean="0"/>
+              <a:t>copyright.com</a:t>
+            </a:r>
+            <a:endParaRPr lang="ru-RU" sz="4000" dirty="0"/>
+          </a:p>
+        </p:txBody>
+      </p:sp>
+      <p:sp>
+        <p:nvSpPr>
+          <p:cNvPr id="2" name="Заголовок 1"/>
+          <p:cNvSpPr>
+            <a:spLocks noGrp="1"/>
+          </p:cNvSpPr>
+          <p:nvPr>
+            <p:ph type="title"/>
+          </p:nvPr>
+        </p:nvSpPr>
+        <p:spPr/>
+        <p:txBody>
+          <a:bodyPr/>
+          <a:lstStyle/>
+          <a:p>
+            <a:r>
+              <a:rPr lang="ru-RU" dirty="0" err="1" smtClean="0"/>
+              <a:t>СуперМонолит</a:t>
             </a:r>
             <a:endParaRPr lang="ru-RU" dirty="0"/>
           </a:p>
@@ -7152,102 +7663,14 @@
       </p:sp>
       <p:sp>
         <p:nvSpPr>
-          <p:cNvPr id="5" name="Прямоугольник 4"/>
+          <p:cNvPr id="12" name="Прямоугольник 11"/>
           <p:cNvSpPr/>
           <p:nvPr/>
         </p:nvSpPr>
         <p:spPr>
           <a:xfrm>
-            <a:off x="6199419" y="2329550"/>
-            <a:ext cx="1152128" cy="664840"/>
-          </a:xfrm>
-          <a:prstGeom prst="rect">
-            <a:avLst/>
-          </a:prstGeom>
-        </p:spPr>
-        <p:style>
-          <a:lnRef idx="2">
-            <a:schemeClr val="accent1">
-              <a:shade val="50000"/>
-            </a:schemeClr>
-          </a:lnRef>
-          <a:fillRef idx="1">
-            <a:schemeClr val="accent1"/>
-          </a:fillRef>
-          <a:effectRef idx="0">
-            <a:schemeClr val="accent1"/>
-          </a:effectRef>
-          <a:fontRef idx="minor">
-            <a:schemeClr val="lt1"/>
-          </a:fontRef>
-        </p:style>
-        <p:txBody>
-          <a:bodyPr rtlCol="0" anchor="ctr"/>
-          <a:lstStyle/>
-          <a:p>
-            <a:pPr algn="ctr"/>
-            <a:r>
-              <a:rPr lang="en-US" dirty="0" smtClean="0"/>
-              <a:t>Emailing</a:t>
-            </a:r>
-            <a:endParaRPr lang="ru-RU" dirty="0"/>
-          </a:p>
-        </p:txBody>
-      </p:sp>
-      <p:sp>
-        <p:nvSpPr>
-          <p:cNvPr id="7" name="Прямоугольник 6"/>
-          <p:cNvSpPr/>
-          <p:nvPr/>
-        </p:nvSpPr>
-        <p:spPr>
-          <a:xfrm>
-            <a:off x="6156176" y="3717032"/>
-            <a:ext cx="1008112" cy="648072"/>
-          </a:xfrm>
-          <a:prstGeom prst="rect">
-            <a:avLst/>
-          </a:prstGeom>
-        </p:spPr>
-        <p:style>
-          <a:lnRef idx="2">
-            <a:schemeClr val="accent1">
-              <a:shade val="50000"/>
-            </a:schemeClr>
-          </a:lnRef>
-          <a:fillRef idx="1">
-            <a:schemeClr val="accent1"/>
-          </a:fillRef>
-          <a:effectRef idx="0">
-            <a:schemeClr val="accent1"/>
-          </a:effectRef>
-          <a:fontRef idx="minor">
-            <a:schemeClr val="lt1"/>
-          </a:fontRef>
-        </p:style>
-        <p:txBody>
-          <a:bodyPr rtlCol="0" anchor="ctr"/>
-          <a:lstStyle/>
-          <a:p>
-            <a:pPr algn="ctr"/>
-            <a:r>
-              <a:rPr lang="ru-RU" dirty="0" smtClean="0"/>
-              <a:t>Отчеты</a:t>
-            </a:r>
-            <a:endParaRPr lang="ru-RU" dirty="0"/>
-          </a:p>
-        </p:txBody>
-      </p:sp>
-      <p:sp>
-        <p:nvSpPr>
-          <p:cNvPr id="8" name="Прямоугольник 7"/>
-          <p:cNvSpPr/>
-          <p:nvPr/>
-        </p:nvSpPr>
-        <p:spPr>
-          <a:xfrm>
-            <a:off x="3477485" y="3109587"/>
-            <a:ext cx="1080120" cy="720080"/>
+            <a:off x="4932040" y="1336163"/>
+            <a:ext cx="3312368" cy="1443645"/>
           </a:xfrm>
           <a:prstGeom prst="rect">
             <a:avLst/>
@@ -7270,28 +7693,72 @@
           </a:fontRef>
         </p:style>
         <p:txBody>
-          <a:bodyPr rtlCol="0" anchor="ctr"/>
+          <a:bodyPr rtlCol="0" anchor="b"/>
           <a:lstStyle/>
           <a:p>
             <a:pPr algn="ctr"/>
             <a:r>
-              <a:rPr lang="en-US" dirty="0" smtClean="0"/>
-              <a:t>ROA</a:t>
-            </a:r>
-            <a:endParaRPr lang="ru-RU" dirty="0"/>
-          </a:p>
-        </p:txBody>
-      </p:sp>
-      <p:sp>
-        <p:nvSpPr>
-          <p:cNvPr id="9" name="Прямоугольник 8"/>
+              <a:rPr lang="ru-RU" sz="4000" dirty="0" smtClean="0"/>
+              <a:t>Приложение 1</a:t>
+            </a:r>
+            <a:endParaRPr lang="ru-RU" sz="4000" dirty="0"/>
+          </a:p>
+        </p:txBody>
+      </p:sp>
+      <p:sp>
+        <p:nvSpPr>
+          <p:cNvPr id="15" name="Прямоугольник 14"/>
           <p:cNvSpPr/>
           <p:nvPr/>
         </p:nvSpPr>
         <p:spPr>
           <a:xfrm>
-            <a:off x="3423479" y="4715437"/>
-            <a:ext cx="1188132" cy="720080"/>
+            <a:off x="827584" y="1345527"/>
+            <a:ext cx="3960440" cy="3240360"/>
+          </a:xfrm>
+          <a:prstGeom prst="rect">
+            <a:avLst/>
+          </a:prstGeom>
+        </p:spPr>
+        <p:style>
+          <a:lnRef idx="2">
+            <a:schemeClr val="accent6">
+              <a:shade val="50000"/>
+            </a:schemeClr>
+          </a:lnRef>
+          <a:fillRef idx="1">
+            <a:schemeClr val="accent6"/>
+          </a:fillRef>
+          <a:effectRef idx="0">
+            <a:schemeClr val="accent6"/>
+          </a:effectRef>
+          <a:fontRef idx="minor">
+            <a:schemeClr val="lt1"/>
+          </a:fontRef>
+        </p:style>
+        <p:txBody>
+          <a:bodyPr rtlCol="0" anchor="b"/>
+          <a:lstStyle/>
+          <a:p>
+            <a:pPr algn="ctr"/>
+            <a:r>
+              <a:rPr lang="en-US" sz="4000" dirty="0" smtClean="0"/>
+              <a:t>ROA</a:t>
+            </a:r>
+            <a:endParaRPr lang="ru-RU" sz="4000" dirty="0"/>
+          </a:p>
+        </p:txBody>
+      </p:sp>
+      <p:sp>
+        <p:nvSpPr>
+          <p:cNvPr id="16" name="Прямоугольник 15"/>
+          <p:cNvSpPr/>
+          <p:nvPr/>
+        </p:nvSpPr>
+        <p:spPr>
+          <a:xfrm>
+            <a:off x="1259632" y="1628052"/>
+            <a:ext cx="1503784" cy="677251"/>
           </a:xfrm>
           <a:prstGeom prst="rect">
             <a:avLst/>
@@ -7320,7 +7787,7 @@
             <a:pPr algn="ctr"/>
             <a:r>
               <a:rPr lang="ru-RU" dirty="0" smtClean="0"/>
-              <a:t>Кредитки</a:t>
+              <a:t>Налоги</a:t>
             </a:r>
             <a:endParaRPr lang="ru-RU" dirty="0"/>
           </a:p>
@@ -7328,14 +7795,14 @@
       </p:sp>
       <p:sp>
         <p:nvSpPr>
-          <p:cNvPr id="10" name="Прямоугольник 9"/>
+          <p:cNvPr id="17" name="Прямоугольник 16"/>
           <p:cNvSpPr/>
           <p:nvPr/>
         </p:nvSpPr>
         <p:spPr>
           <a:xfrm>
-            <a:off x="5508104" y="5057965"/>
-            <a:ext cx="1008112" cy="629580"/>
+            <a:off x="2843808" y="1628051"/>
+            <a:ext cx="1440160" cy="677251"/>
           </a:xfrm>
           <a:prstGeom prst="rect">
             <a:avLst/>
@@ -7363,8 +7830,8 @@
           <a:p>
             <a:pPr algn="ctr"/>
             <a:r>
-              <a:rPr lang="ru-RU" dirty="0" smtClean="0"/>
-              <a:t>Скидки</a:t>
+              <a:rPr lang="en-US" dirty="0" smtClean="0"/>
+              <a:t>Emailing</a:t>
             </a:r>
             <a:endParaRPr lang="ru-RU" dirty="0"/>
           </a:p>
@@ -7372,14 +7839,14 @@
       </p:sp>
       <p:sp>
         <p:nvSpPr>
-          <p:cNvPr id="11" name="Прямоугольник 10"/>
+          <p:cNvPr id="18" name="Прямоугольник 17"/>
           <p:cNvSpPr/>
           <p:nvPr/>
         </p:nvSpPr>
         <p:spPr>
           <a:xfrm>
-            <a:off x="3713899" y="1772816"/>
-            <a:ext cx="1503784" cy="720080"/>
+            <a:off x="2843807" y="3256616"/>
+            <a:ext cx="1440161" cy="664840"/>
           </a:xfrm>
           <a:prstGeom prst="rect">
             <a:avLst/>
@@ -7408,326 +7875,38 @@
             <a:pPr algn="ctr"/>
             <a:r>
               <a:rPr lang="ru-RU" dirty="0" smtClean="0"/>
-              <a:t>Справочники Издателей</a:t>
+              <a:t>Отчеты</a:t>
             </a:r>
             <a:endParaRPr lang="ru-RU" dirty="0"/>
           </a:p>
         </p:txBody>
       </p:sp>
-      <p:cxnSp>
-        <p:nvCxnSpPr>
-          <p:cNvPr id="13" name="Прямая со стрелкой 12"/>
-          <p:cNvCxnSpPr>
-            <a:stCxn id="8" idx="0"/>
-            <a:endCxn id="11" idx="2"/>
-          </p:cNvCxnSpPr>
+      <p:sp>
+        <p:nvSpPr>
+          <p:cNvPr id="19" name="Прямоугольник 18"/>
+          <p:cNvSpPr/>
           <p:nvPr/>
-        </p:nvCxnSpPr>
+        </p:nvSpPr>
         <p:spPr>
-          <a:xfrm flipV="1">
-            <a:off x="4017545" y="2492896"/>
-            <a:ext cx="448246" cy="616691"/>
-          </a:xfrm>
-          <a:prstGeom prst="straightConnector1">
+          <a:xfrm>
+            <a:off x="1259632" y="3268800"/>
+            <a:ext cx="1503784" cy="652656"/>
+          </a:xfrm>
+          <a:prstGeom prst="rect">
             <a:avLst/>
           </a:prstGeom>
-          <a:ln>
-            <a:tailEnd type="arrow"/>
-          </a:ln>
-        </p:spPr>
-        <p:style>
-          <a:lnRef idx="1">
-            <a:schemeClr val="accent1"/>
-          </a:lnRef>
-          <a:fillRef idx="0">
-            <a:schemeClr val="accent1"/>
-          </a:fillRef>
-          <a:effectRef idx="0">
-            <a:schemeClr val="accent1"/>
-          </a:effectRef>
-          <a:fontRef idx="minor">
-            <a:schemeClr val="tx1"/>
-          </a:fontRef>
-        </p:style>
-      </p:cxnSp>
-      <p:cxnSp>
-        <p:nvCxnSpPr>
-          <p:cNvPr id="15" name="Прямая со стрелкой 14"/>
-          <p:cNvCxnSpPr>
-            <a:stCxn id="8" idx="3"/>
-            <a:endCxn id="7" idx="1"/>
-          </p:cNvCxnSpPr>
-          <p:nvPr/>
-        </p:nvCxnSpPr>
-        <p:spPr>
-          <a:xfrm>
-            <a:off x="4557605" y="3469627"/>
-            <a:ext cx="1598571" cy="571441"/>
-          </a:xfrm>
-          <a:prstGeom prst="straightConnector1">
-            <a:avLst/>
-          </a:prstGeom>
-          <a:ln>
-            <a:tailEnd type="arrow"/>
-          </a:ln>
-        </p:spPr>
-        <p:style>
-          <a:lnRef idx="1">
-            <a:schemeClr val="accent1"/>
-          </a:lnRef>
-          <a:fillRef idx="0">
-            <a:schemeClr val="accent1"/>
-          </a:fillRef>
-          <a:effectRef idx="0">
-            <a:schemeClr val="accent1"/>
-          </a:effectRef>
-          <a:fontRef idx="minor">
-            <a:schemeClr val="tx1"/>
-          </a:fontRef>
-        </p:style>
-      </p:cxnSp>
-      <p:cxnSp>
-        <p:nvCxnSpPr>
-          <p:cNvPr id="23" name="Прямая со стрелкой 22"/>
-          <p:cNvCxnSpPr>
-            <a:stCxn id="8" idx="2"/>
-            <a:endCxn id="9" idx="0"/>
-          </p:cNvCxnSpPr>
-          <p:nvPr/>
-        </p:nvCxnSpPr>
-        <p:spPr>
-          <a:xfrm>
-            <a:off x="4017545" y="3829667"/>
-            <a:ext cx="0" cy="885770"/>
-          </a:xfrm>
-          <a:prstGeom prst="straightConnector1">
-            <a:avLst/>
-          </a:prstGeom>
-          <a:ln>
-            <a:tailEnd type="arrow"/>
-          </a:ln>
-        </p:spPr>
-        <p:style>
-          <a:lnRef idx="1">
-            <a:schemeClr val="accent1"/>
-          </a:lnRef>
-          <a:fillRef idx="0">
-            <a:schemeClr val="accent1"/>
-          </a:fillRef>
-          <a:effectRef idx="0">
-            <a:schemeClr val="accent1"/>
-          </a:effectRef>
-          <a:fontRef idx="minor">
-            <a:schemeClr val="tx1"/>
-          </a:fontRef>
-        </p:style>
-      </p:cxnSp>
-      <p:cxnSp>
-        <p:nvCxnSpPr>
-          <p:cNvPr id="27" name="Прямая со стрелкой 26"/>
-          <p:cNvCxnSpPr>
-            <a:stCxn id="8" idx="0"/>
-            <a:endCxn id="5" idx="1"/>
-          </p:cNvCxnSpPr>
-          <p:nvPr/>
-        </p:nvCxnSpPr>
-        <p:spPr>
-          <a:xfrm flipV="1">
-            <a:off x="4017545" y="2661970"/>
-            <a:ext cx="2181874" cy="447617"/>
-          </a:xfrm>
-          <a:prstGeom prst="straightConnector1">
-            <a:avLst/>
-          </a:prstGeom>
-          <a:ln>
-            <a:tailEnd type="arrow"/>
-          </a:ln>
-        </p:spPr>
-        <p:style>
-          <a:lnRef idx="1">
-            <a:schemeClr val="accent1"/>
-          </a:lnRef>
-          <a:fillRef idx="0">
-            <a:schemeClr val="accent1"/>
-          </a:fillRef>
-          <a:effectRef idx="0">
-            <a:schemeClr val="accent1"/>
-          </a:effectRef>
-          <a:fontRef idx="minor">
-            <a:schemeClr val="tx1"/>
-          </a:fontRef>
-        </p:style>
-      </p:cxnSp>
-      <p:cxnSp>
-        <p:nvCxnSpPr>
-          <p:cNvPr id="29" name="Прямая со стрелкой 28"/>
-          <p:cNvCxnSpPr>
-            <a:stCxn id="8" idx="0"/>
-            <a:endCxn id="4" idx="3"/>
-          </p:cNvCxnSpPr>
-          <p:nvPr/>
-        </p:nvCxnSpPr>
-        <p:spPr>
-          <a:xfrm flipH="1" flipV="1">
-            <a:off x="2291987" y="2346985"/>
-            <a:ext cx="1725558" cy="762602"/>
-          </a:xfrm>
-          <a:prstGeom prst="straightConnector1">
-            <a:avLst/>
-          </a:prstGeom>
-          <a:ln>
-            <a:tailEnd type="arrow"/>
-          </a:ln>
-        </p:spPr>
-        <p:style>
-          <a:lnRef idx="1">
-            <a:schemeClr val="accent1"/>
-          </a:lnRef>
-          <a:fillRef idx="0">
-            <a:schemeClr val="accent1"/>
-          </a:fillRef>
-          <a:effectRef idx="0">
-            <a:schemeClr val="accent1"/>
-          </a:effectRef>
-          <a:fontRef idx="minor">
-            <a:schemeClr val="tx1"/>
-          </a:fontRef>
-        </p:style>
-      </p:cxnSp>
-      <p:cxnSp>
-        <p:nvCxnSpPr>
-          <p:cNvPr id="45" name="Прямая со стрелкой 44"/>
-          <p:cNvCxnSpPr>
-            <a:stCxn id="8" idx="2"/>
-            <a:endCxn id="10" idx="0"/>
-          </p:cNvCxnSpPr>
-          <p:nvPr/>
-        </p:nvCxnSpPr>
-        <p:spPr>
-          <a:xfrm>
-            <a:off x="4017545" y="3829667"/>
-            <a:ext cx="1994615" cy="1228298"/>
-          </a:xfrm>
-          <a:prstGeom prst="straightConnector1">
-            <a:avLst/>
-          </a:prstGeom>
-          <a:ln>
-            <a:tailEnd type="arrow"/>
-          </a:ln>
-        </p:spPr>
-        <p:style>
-          <a:lnRef idx="1">
-            <a:schemeClr val="accent1"/>
-          </a:lnRef>
-          <a:fillRef idx="0">
-            <a:schemeClr val="accent1"/>
-          </a:fillRef>
-          <a:effectRef idx="0">
-            <a:schemeClr val="accent1"/>
-          </a:effectRef>
-          <a:fontRef idx="minor">
-            <a:schemeClr val="tx1"/>
-          </a:fontRef>
-        </p:style>
-      </p:cxnSp>
-      <p:cxnSp>
-        <p:nvCxnSpPr>
-          <p:cNvPr id="49" name="Прямая со стрелкой 48"/>
-          <p:cNvCxnSpPr>
-            <a:stCxn id="7" idx="2"/>
-            <a:endCxn id="10" idx="0"/>
-          </p:cNvCxnSpPr>
-          <p:nvPr/>
-        </p:nvCxnSpPr>
-        <p:spPr>
-          <a:xfrm flipH="1">
-            <a:off x="6012160" y="4365104"/>
-            <a:ext cx="648072" cy="692861"/>
-          </a:xfrm>
-          <a:prstGeom prst="straightConnector1">
-            <a:avLst/>
-          </a:prstGeom>
-          <a:ln>
-            <a:tailEnd type="arrow"/>
-          </a:ln>
-        </p:spPr>
-        <p:style>
-          <a:lnRef idx="1">
-            <a:schemeClr val="accent1"/>
-          </a:lnRef>
-          <a:fillRef idx="0">
-            <a:schemeClr val="accent1"/>
-          </a:fillRef>
-          <a:effectRef idx="0">
-            <a:schemeClr val="accent1"/>
-          </a:effectRef>
-          <a:fontRef idx="minor">
-            <a:schemeClr val="tx1"/>
-          </a:fontRef>
-        </p:style>
-      </p:cxnSp>
-      <p:cxnSp>
-        <p:nvCxnSpPr>
-          <p:cNvPr id="51" name="Прямая со стрелкой 50"/>
-          <p:cNvCxnSpPr>
-            <a:stCxn id="4" idx="3"/>
-            <a:endCxn id="11" idx="1"/>
-          </p:cNvCxnSpPr>
-          <p:nvPr/>
-        </p:nvCxnSpPr>
-        <p:spPr>
-          <a:xfrm flipV="1">
-            <a:off x="2291987" y="2132856"/>
-            <a:ext cx="1421912" cy="214129"/>
-          </a:xfrm>
-          <a:prstGeom prst="straightConnector1">
-            <a:avLst/>
-          </a:prstGeom>
-          <a:ln>
-            <a:tailEnd type="arrow"/>
-          </a:ln>
-        </p:spPr>
-        <p:style>
-          <a:lnRef idx="1">
-            <a:schemeClr val="accent1"/>
-          </a:lnRef>
-          <a:fillRef idx="0">
-            <a:schemeClr val="accent1"/>
-          </a:fillRef>
-          <a:effectRef idx="0">
-            <a:schemeClr val="accent1"/>
-          </a:effectRef>
-          <a:fontRef idx="minor">
-            <a:schemeClr val="tx1"/>
-          </a:fontRef>
-        </p:style>
-      </p:cxnSp>
-      <p:sp>
-        <p:nvSpPr>
-          <p:cNvPr id="3" name="Блок-схема: магнитный диск 2"/>
-          <p:cNvSpPr/>
-          <p:nvPr/>
-        </p:nvSpPr>
-        <p:spPr>
-          <a:xfrm>
-            <a:off x="1211867" y="3080977"/>
-            <a:ext cx="914400" cy="960091"/>
-          </a:xfrm>
-          <a:prstGeom prst="flowChartMagneticDisk">
-            <a:avLst/>
-          </a:prstGeom>
         </p:spPr>
         <p:style>
           <a:lnRef idx="2">
-            <a:schemeClr val="accent2">
+            <a:schemeClr val="accent1">
               <a:shade val="50000"/>
             </a:schemeClr>
           </a:lnRef>
           <a:fillRef idx="1">
-            <a:schemeClr val="accent2"/>
+            <a:schemeClr val="accent1"/>
           </a:fillRef>
           <a:effectRef idx="0">
-            <a:schemeClr val="accent2"/>
+            <a:schemeClr val="accent1"/>
           </a:effectRef>
           <a:fontRef idx="minor">
             <a:schemeClr val="lt1"/>
@@ -7739,8 +7918,8 @@
           <a:p>
             <a:pPr algn="ctr"/>
             <a:r>
-              <a:rPr lang="en-US" dirty="0" err="1" smtClean="0"/>
-              <a:t>PostgreSQL</a:t>
+              <a:rPr lang="ru-RU" dirty="0" smtClean="0"/>
+              <a:t>Кредитки</a:t>
             </a:r>
             <a:endParaRPr lang="ru-RU" dirty="0"/>
           </a:p>
@@ -7748,30 +7927,30 @@
       </p:sp>
       <p:sp>
         <p:nvSpPr>
-          <p:cNvPr id="19" name="Блок-схема: магнитный диск 18"/>
+          <p:cNvPr id="20" name="Прямоугольник 19"/>
           <p:cNvSpPr/>
           <p:nvPr/>
         </p:nvSpPr>
         <p:spPr>
           <a:xfrm>
-            <a:off x="1211867" y="4231488"/>
-            <a:ext cx="914400" cy="960091"/>
-          </a:xfrm>
-          <a:prstGeom prst="flowChartMagneticDisk">
+            <a:off x="2843806" y="2392520"/>
+            <a:ext cx="1440162" cy="774576"/>
+          </a:xfrm>
+          <a:prstGeom prst="rect">
             <a:avLst/>
           </a:prstGeom>
         </p:spPr>
         <p:style>
           <a:lnRef idx="2">
-            <a:schemeClr val="accent2">
+            <a:schemeClr val="accent1">
               <a:shade val="50000"/>
             </a:schemeClr>
           </a:lnRef>
           <a:fillRef idx="1">
-            <a:schemeClr val="accent2"/>
+            <a:schemeClr val="accent1"/>
           </a:fillRef>
           <a:effectRef idx="0">
-            <a:schemeClr val="accent2"/>
+            <a:schemeClr val="accent1"/>
           </a:effectRef>
           <a:fontRef idx="minor">
             <a:schemeClr val="lt1"/>
@@ -7783,89 +7962,112 @@
           <a:p>
             <a:pPr algn="ctr"/>
             <a:r>
-              <a:rPr lang="en-US" dirty="0" smtClean="0"/>
-              <a:t>Mongo</a:t>
+              <a:rPr lang="ru-RU" dirty="0" smtClean="0"/>
+              <a:t>Скидки</a:t>
             </a:r>
             <a:endParaRPr lang="ru-RU" dirty="0"/>
           </a:p>
         </p:txBody>
       </p:sp>
-      <p:cxnSp>
-        <p:nvCxnSpPr>
-          <p:cNvPr id="12" name="Прямая со стрелкой 11"/>
-          <p:cNvCxnSpPr>
-            <a:stCxn id="8" idx="1"/>
-            <a:endCxn id="3" idx="4"/>
-          </p:cNvCxnSpPr>
+      <p:sp>
+        <p:nvSpPr>
+          <p:cNvPr id="21" name="Прямоугольник 20"/>
+          <p:cNvSpPr/>
           <p:nvPr/>
-        </p:nvCxnSpPr>
+        </p:nvSpPr>
         <p:spPr>
-          <a:xfrm flipH="1">
-            <a:off x="2126267" y="3469627"/>
-            <a:ext cx="1351218" cy="91396"/>
-          </a:xfrm>
-          <a:prstGeom prst="straightConnector1">
+          <a:xfrm>
+            <a:off x="1259632" y="2392520"/>
+            <a:ext cx="1503784" cy="774576"/>
+          </a:xfrm>
+          <a:prstGeom prst="rect">
             <a:avLst/>
           </a:prstGeom>
-          <a:ln>
-            <a:tailEnd type="arrow"/>
-          </a:ln>
         </p:spPr>
         <p:style>
-          <a:lnRef idx="1">
-            <a:schemeClr val="accent1"/>
+          <a:lnRef idx="2">
+            <a:schemeClr val="accent1">
+              <a:shade val="50000"/>
+            </a:schemeClr>
           </a:lnRef>
-          <a:fillRef idx="0">
+          <a:fillRef idx="1">
             <a:schemeClr val="accent1"/>
           </a:fillRef>
           <a:effectRef idx="0">
             <a:schemeClr val="accent1"/>
           </a:effectRef>
           <a:fontRef idx="minor">
-            <a:schemeClr val="tx1"/>
+            <a:schemeClr val="lt1"/>
           </a:fontRef>
         </p:style>
-      </p:cxnSp>
-      <p:cxnSp>
-        <p:nvCxnSpPr>
-          <p:cNvPr id="16" name="Прямая со стрелкой 15"/>
-          <p:cNvCxnSpPr>
-            <a:stCxn id="8" idx="1"/>
-            <a:endCxn id="19" idx="4"/>
-          </p:cNvCxnSpPr>
+        <p:txBody>
+          <a:bodyPr rtlCol="0" anchor="ctr"/>
+          <a:lstStyle/>
+          <a:p>
+            <a:pPr algn="ctr"/>
+            <a:r>
+              <a:rPr lang="ru-RU" dirty="0" smtClean="0"/>
+              <a:t>Справочники Издателей</a:t>
+            </a:r>
+            <a:endParaRPr lang="ru-RU" dirty="0"/>
+          </a:p>
+        </p:txBody>
+      </p:sp>
+      <p:sp>
+        <p:nvSpPr>
+          <p:cNvPr id="22" name="Прямоугольник 21"/>
+          <p:cNvSpPr/>
           <p:nvPr/>
-        </p:nvCxnSpPr>
+        </p:nvSpPr>
         <p:spPr>
-          <a:xfrm flipH="1">
-            <a:off x="2126267" y="3469627"/>
-            <a:ext cx="1351218" cy="1241907"/>
-          </a:xfrm>
-          <a:prstGeom prst="straightConnector1">
+          <a:xfrm>
+            <a:off x="4932040" y="3137483"/>
+            <a:ext cx="3312368" cy="1443645"/>
+          </a:xfrm>
+          <a:prstGeom prst="rect">
             <a:avLst/>
           </a:prstGeom>
-          <a:ln>
-            <a:tailEnd type="arrow"/>
-          </a:ln>
         </p:spPr>
         <p:style>
-          <a:lnRef idx="1">
-            <a:schemeClr val="accent1"/>
+          <a:lnRef idx="2">
+            <a:schemeClr val="accent6">
+              <a:shade val="50000"/>
+            </a:schemeClr>
           </a:lnRef>
-          <a:fillRef idx="0">
-            <a:schemeClr val="accent1"/>
+          <a:fillRef idx="1">
+            <a:schemeClr val="accent6"/>
           </a:fillRef>
           <a:effectRef idx="0">
-            <a:schemeClr val="accent1"/>
+            <a:schemeClr val="accent6"/>
           </a:effectRef>
           <a:fontRef idx="minor">
-            <a:schemeClr val="tx1"/>
+            <a:schemeClr val="lt1"/>
           </a:fontRef>
         </p:style>
-      </p:cxnSp>
+        <p:txBody>
+          <a:bodyPr rtlCol="0" anchor="b"/>
+          <a:lstStyle/>
+          <a:p>
+            <a:pPr algn="ctr"/>
+            <a:r>
+              <a:rPr lang="ru-RU" sz="4000" dirty="0" smtClean="0"/>
+              <a:t>Приложение </a:t>
+            </a:r>
+          </a:p>
+          <a:p>
+            <a:pPr algn="ctr"/>
+            <a:r>
+              <a:rPr lang="ru-RU" sz="4000" dirty="0"/>
+              <a:t>2</a:t>
+            </a:r>
+            <a:endParaRPr lang="ru-RU" sz="4000" dirty="0"/>
+          </a:p>
+        </p:txBody>
+      </p:sp>
     </p:spTree>
     <p:extLst>
       <p:ext uri="{BB962C8B-B14F-4D97-AF65-F5344CB8AC3E}">
-        <p14:creationId xmlns:p14="http://schemas.microsoft.com/office/powerpoint/2010/main" val="4029644176"/>
+        <p14:creationId xmlns:p14="http://schemas.microsoft.com/office/powerpoint/2010/main" val="1726718859"/>
       </p:ext>
     </p:extLst>
   </p:cSld>
@@ -7915,16 +8117,8 @@
           <a:lstStyle/>
           <a:p>
             <a:r>
-              <a:rPr lang="ru-RU" u="sng" dirty="0" err="1"/>
-              <a:t>Business</a:t>
-            </a:r>
-            <a:r>
-              <a:rPr lang="ru-RU" u="sng" dirty="0"/>
-              <a:t> </a:t>
-            </a:r>
-            <a:r>
-              <a:rPr lang="ru-RU" u="sng" dirty="0" err="1"/>
-              <a:t>Capabilities</a:t>
+              <a:rPr lang="ru-RU" dirty="0" err="1" smtClean="0"/>
+              <a:t>Микросервисы</a:t>
             </a:r>
             <a:endParaRPr lang="ru-RU" dirty="0"/>
           </a:p>
@@ -7932,99 +8126,965 @@
       </p:sp>
       <p:sp>
         <p:nvSpPr>
-          <p:cNvPr id="3" name="Объект 2"/>
-          <p:cNvSpPr>
-            <a:spLocks noGrp="1"/>
-          </p:cNvSpPr>
-          <p:nvPr>
-            <p:ph idx="1"/>
-          </p:nvPr>
-        </p:nvSpPr>
-        <p:spPr/>
-        <p:txBody>
-          <a:bodyPr/>
-          <a:lstStyle/>
-          <a:p>
-            <a:pPr marL="0" indent="0">
-              <a:buNone/>
-            </a:pPr>
-            <a:r>
-              <a:rPr lang="ru-RU" u="sng" dirty="0" smtClean="0"/>
-              <a:t>Организация </a:t>
-            </a:r>
-            <a:r>
-              <a:rPr lang="ru-RU" u="sng" dirty="0"/>
-              <a:t>вокруг </a:t>
-            </a:r>
-            <a:r>
-              <a:rPr lang="ru-RU" u="sng" dirty="0" smtClean="0"/>
-              <a:t>потребностей бизнеса</a:t>
-            </a:r>
-            <a:endParaRPr lang="en-US" u="sng" dirty="0" smtClean="0"/>
-          </a:p>
-          <a:p>
-            <a:pPr marL="0" indent="0">
-              <a:buNone/>
-            </a:pPr>
+          <p:cNvPr id="4" name="Прямоугольник 3"/>
+          <p:cNvSpPr/>
+          <p:nvPr/>
+        </p:nvSpPr>
+        <p:spPr>
+          <a:xfrm>
+            <a:off x="1211867" y="1986945"/>
+            <a:ext cx="1080120" cy="720080"/>
+          </a:xfrm>
+          <a:prstGeom prst="rect">
+            <a:avLst/>
+          </a:prstGeom>
+        </p:spPr>
+        <p:style>
+          <a:lnRef idx="2">
+            <a:schemeClr val="accent1">
+              <a:shade val="50000"/>
+            </a:schemeClr>
+          </a:lnRef>
+          <a:fillRef idx="1">
+            <a:schemeClr val="accent1"/>
+          </a:fillRef>
+          <a:effectRef idx="0">
+            <a:schemeClr val="accent1"/>
+          </a:effectRef>
+          <a:fontRef idx="minor">
+            <a:schemeClr val="lt1"/>
+          </a:fontRef>
+        </p:style>
+        <p:txBody>
+          <a:bodyPr rtlCol="0" anchor="ctr"/>
+          <a:lstStyle/>
+          <a:p>
+            <a:pPr algn="ctr"/>
+            <a:r>
+              <a:rPr lang="ru-RU" dirty="0" smtClean="0"/>
+              <a:t>Налоги</a:t>
+            </a:r>
+            <a:endParaRPr lang="ru-RU" dirty="0"/>
+          </a:p>
+        </p:txBody>
+      </p:sp>
+      <p:sp>
+        <p:nvSpPr>
+          <p:cNvPr id="5" name="Прямоугольник 4"/>
+          <p:cNvSpPr/>
+          <p:nvPr/>
+        </p:nvSpPr>
+        <p:spPr>
+          <a:xfrm>
+            <a:off x="6199419" y="2329550"/>
+            <a:ext cx="1152128" cy="664840"/>
+          </a:xfrm>
+          <a:prstGeom prst="rect">
+            <a:avLst/>
+          </a:prstGeom>
+        </p:spPr>
+        <p:style>
+          <a:lnRef idx="2">
+            <a:schemeClr val="accent1">
+              <a:shade val="50000"/>
+            </a:schemeClr>
+          </a:lnRef>
+          <a:fillRef idx="1">
+            <a:schemeClr val="accent1"/>
+          </a:fillRef>
+          <a:effectRef idx="0">
+            <a:schemeClr val="accent1"/>
+          </a:effectRef>
+          <a:fontRef idx="minor">
+            <a:schemeClr val="lt1"/>
+          </a:fontRef>
+        </p:style>
+        <p:txBody>
+          <a:bodyPr rtlCol="0" anchor="ctr"/>
+          <a:lstStyle/>
+          <a:p>
+            <a:pPr algn="ctr"/>
             <a:r>
               <a:rPr lang="en-US" dirty="0" smtClean="0"/>
-              <a:t>- Different components implement different business needs</a:t>
-            </a:r>
-          </a:p>
-          <a:p>
-            <a:pPr marL="0" indent="0">
-              <a:buNone/>
-            </a:pPr>
-            <a:r>
-              <a:rPr lang="en-US" dirty="0"/>
-              <a:t>	</a:t>
-            </a:r>
+              <a:t>Emailing</a:t>
+            </a:r>
+            <a:endParaRPr lang="ru-RU" dirty="0"/>
+          </a:p>
+        </p:txBody>
+      </p:sp>
+      <p:sp>
+        <p:nvSpPr>
+          <p:cNvPr id="7" name="Прямоугольник 6"/>
+          <p:cNvSpPr/>
+          <p:nvPr/>
+        </p:nvSpPr>
+        <p:spPr>
+          <a:xfrm>
+            <a:off x="6156176" y="3717032"/>
+            <a:ext cx="1008112" cy="648072"/>
+          </a:xfrm>
+          <a:prstGeom prst="rect">
+            <a:avLst/>
+          </a:prstGeom>
+        </p:spPr>
+        <p:style>
+          <a:lnRef idx="2">
+            <a:schemeClr val="accent1">
+              <a:shade val="50000"/>
+            </a:schemeClr>
+          </a:lnRef>
+          <a:fillRef idx="1">
+            <a:schemeClr val="accent1"/>
+          </a:fillRef>
+          <a:effectRef idx="0">
+            <a:schemeClr val="accent1"/>
+          </a:effectRef>
+          <a:fontRef idx="minor">
+            <a:schemeClr val="lt1"/>
+          </a:fontRef>
+        </p:style>
+        <p:txBody>
+          <a:bodyPr rtlCol="0" anchor="ctr"/>
+          <a:lstStyle/>
+          <a:p>
+            <a:pPr algn="ctr"/>
+            <a:r>
+              <a:rPr lang="ru-RU" dirty="0" smtClean="0"/>
+              <a:t>Отчеты</a:t>
+            </a:r>
+            <a:endParaRPr lang="ru-RU" dirty="0"/>
+          </a:p>
+        </p:txBody>
+      </p:sp>
+      <p:sp>
+        <p:nvSpPr>
+          <p:cNvPr id="8" name="Прямоугольник 7"/>
+          <p:cNvSpPr/>
+          <p:nvPr/>
+        </p:nvSpPr>
+        <p:spPr>
+          <a:xfrm>
+            <a:off x="3477485" y="3109587"/>
+            <a:ext cx="1080120" cy="720080"/>
+          </a:xfrm>
+          <a:prstGeom prst="rect">
+            <a:avLst/>
+          </a:prstGeom>
+        </p:spPr>
+        <p:style>
+          <a:lnRef idx="2">
+            <a:schemeClr val="accent6">
+              <a:shade val="50000"/>
+            </a:schemeClr>
+          </a:lnRef>
+          <a:fillRef idx="1">
+            <a:schemeClr val="accent6"/>
+          </a:fillRef>
+          <a:effectRef idx="0">
+            <a:schemeClr val="accent6"/>
+          </a:effectRef>
+          <a:fontRef idx="minor">
+            <a:schemeClr val="lt1"/>
+          </a:fontRef>
+        </p:style>
+        <p:txBody>
+          <a:bodyPr rtlCol="0" anchor="ctr"/>
+          <a:lstStyle/>
+          <a:p>
+            <a:pPr algn="ctr"/>
             <a:r>
               <a:rPr lang="en-US" dirty="0" smtClean="0"/>
-              <a:t>- reporting</a:t>
-            </a:r>
-          </a:p>
-          <a:p>
-            <a:pPr marL="0" indent="0">
-              <a:buNone/>
-            </a:pPr>
-            <a:r>
-              <a:rPr lang="en-US" dirty="0"/>
-              <a:t>	</a:t>
-            </a:r>
+              <a:t>ROA</a:t>
+            </a:r>
+            <a:endParaRPr lang="ru-RU" dirty="0"/>
+          </a:p>
+        </p:txBody>
+      </p:sp>
+      <p:sp>
+        <p:nvSpPr>
+          <p:cNvPr id="9" name="Прямоугольник 8"/>
+          <p:cNvSpPr/>
+          <p:nvPr/>
+        </p:nvSpPr>
+        <p:spPr>
+          <a:xfrm>
+            <a:off x="3423479" y="4715437"/>
+            <a:ext cx="1188132" cy="720080"/>
+          </a:xfrm>
+          <a:prstGeom prst="rect">
+            <a:avLst/>
+          </a:prstGeom>
+        </p:spPr>
+        <p:style>
+          <a:lnRef idx="2">
+            <a:schemeClr val="accent1">
+              <a:shade val="50000"/>
+            </a:schemeClr>
+          </a:lnRef>
+          <a:fillRef idx="1">
+            <a:schemeClr val="accent1"/>
+          </a:fillRef>
+          <a:effectRef idx="0">
+            <a:schemeClr val="accent1"/>
+          </a:effectRef>
+          <a:fontRef idx="minor">
+            <a:schemeClr val="lt1"/>
+          </a:fontRef>
+        </p:style>
+        <p:txBody>
+          <a:bodyPr rtlCol="0" anchor="ctr"/>
+          <a:lstStyle/>
+          <a:p>
+            <a:pPr algn="ctr"/>
+            <a:r>
+              <a:rPr lang="ru-RU" dirty="0" smtClean="0"/>
+              <a:t>Кредитки</a:t>
+            </a:r>
+            <a:endParaRPr lang="ru-RU" dirty="0"/>
+          </a:p>
+        </p:txBody>
+      </p:sp>
+      <p:sp>
+        <p:nvSpPr>
+          <p:cNvPr id="10" name="Прямоугольник 9"/>
+          <p:cNvSpPr/>
+          <p:nvPr/>
+        </p:nvSpPr>
+        <p:spPr>
+          <a:xfrm>
+            <a:off x="5508104" y="5057965"/>
+            <a:ext cx="1008112" cy="629580"/>
+          </a:xfrm>
+          <a:prstGeom prst="rect">
+            <a:avLst/>
+          </a:prstGeom>
+        </p:spPr>
+        <p:style>
+          <a:lnRef idx="2">
+            <a:schemeClr val="accent1">
+              <a:shade val="50000"/>
+            </a:schemeClr>
+          </a:lnRef>
+          <a:fillRef idx="1">
+            <a:schemeClr val="accent1"/>
+          </a:fillRef>
+          <a:effectRef idx="0">
+            <a:schemeClr val="accent1"/>
+          </a:effectRef>
+          <a:fontRef idx="minor">
+            <a:schemeClr val="lt1"/>
+          </a:fontRef>
+        </p:style>
+        <p:txBody>
+          <a:bodyPr rtlCol="0" anchor="ctr"/>
+          <a:lstStyle/>
+          <a:p>
+            <a:pPr algn="ctr"/>
+            <a:r>
+              <a:rPr lang="ru-RU" dirty="0" smtClean="0"/>
+              <a:t>Скидки</a:t>
+            </a:r>
+            <a:endParaRPr lang="ru-RU" dirty="0"/>
+          </a:p>
+        </p:txBody>
+      </p:sp>
+      <p:sp>
+        <p:nvSpPr>
+          <p:cNvPr id="11" name="Прямоугольник 10"/>
+          <p:cNvSpPr/>
+          <p:nvPr/>
+        </p:nvSpPr>
+        <p:spPr>
+          <a:xfrm>
+            <a:off x="3713899" y="1772816"/>
+            <a:ext cx="1503784" cy="720080"/>
+          </a:xfrm>
+          <a:prstGeom prst="rect">
+            <a:avLst/>
+          </a:prstGeom>
+        </p:spPr>
+        <p:style>
+          <a:lnRef idx="2">
+            <a:schemeClr val="accent1">
+              <a:shade val="50000"/>
+            </a:schemeClr>
+          </a:lnRef>
+          <a:fillRef idx="1">
+            <a:schemeClr val="accent1"/>
+          </a:fillRef>
+          <a:effectRef idx="0">
+            <a:schemeClr val="accent1"/>
+          </a:effectRef>
+          <a:fontRef idx="minor">
+            <a:schemeClr val="lt1"/>
+          </a:fontRef>
+        </p:style>
+        <p:txBody>
+          <a:bodyPr rtlCol="0" anchor="ctr"/>
+          <a:lstStyle/>
+          <a:p>
+            <a:pPr algn="ctr"/>
+            <a:r>
+              <a:rPr lang="ru-RU" dirty="0" smtClean="0"/>
+              <a:t>Справочники Издателей</a:t>
+            </a:r>
+            <a:endParaRPr lang="ru-RU" dirty="0"/>
+          </a:p>
+        </p:txBody>
+      </p:sp>
+      <p:cxnSp>
+        <p:nvCxnSpPr>
+          <p:cNvPr id="13" name="Прямая со стрелкой 12"/>
+          <p:cNvCxnSpPr>
+            <a:stCxn id="8" idx="0"/>
+            <a:endCxn id="11" idx="2"/>
+          </p:cNvCxnSpPr>
+          <p:nvPr/>
+        </p:nvCxnSpPr>
+        <p:spPr>
+          <a:xfrm flipV="1">
+            <a:off x="4017545" y="2492896"/>
+            <a:ext cx="448246" cy="616691"/>
+          </a:xfrm>
+          <a:prstGeom prst="straightConnector1">
+            <a:avLst/>
+          </a:prstGeom>
+          <a:ln>
+            <a:tailEnd type="arrow"/>
+          </a:ln>
+        </p:spPr>
+        <p:style>
+          <a:lnRef idx="1">
+            <a:schemeClr val="accent1"/>
+          </a:lnRef>
+          <a:fillRef idx="0">
+            <a:schemeClr val="accent1"/>
+          </a:fillRef>
+          <a:effectRef idx="0">
+            <a:schemeClr val="accent1"/>
+          </a:effectRef>
+          <a:fontRef idx="minor">
+            <a:schemeClr val="tx1"/>
+          </a:fontRef>
+        </p:style>
+      </p:cxnSp>
+      <p:cxnSp>
+        <p:nvCxnSpPr>
+          <p:cNvPr id="15" name="Прямая со стрелкой 14"/>
+          <p:cNvCxnSpPr>
+            <a:stCxn id="8" idx="3"/>
+            <a:endCxn id="7" idx="1"/>
+          </p:cNvCxnSpPr>
+          <p:nvPr/>
+        </p:nvCxnSpPr>
+        <p:spPr>
+          <a:xfrm>
+            <a:off x="4557605" y="3469627"/>
+            <a:ext cx="1598571" cy="571441"/>
+          </a:xfrm>
+          <a:prstGeom prst="straightConnector1">
+            <a:avLst/>
+          </a:prstGeom>
+          <a:ln>
+            <a:tailEnd type="arrow"/>
+          </a:ln>
+        </p:spPr>
+        <p:style>
+          <a:lnRef idx="1">
+            <a:schemeClr val="accent1"/>
+          </a:lnRef>
+          <a:fillRef idx="0">
+            <a:schemeClr val="accent1"/>
+          </a:fillRef>
+          <a:effectRef idx="0">
+            <a:schemeClr val="accent1"/>
+          </a:effectRef>
+          <a:fontRef idx="minor">
+            <a:schemeClr val="tx1"/>
+          </a:fontRef>
+        </p:style>
+      </p:cxnSp>
+      <p:cxnSp>
+        <p:nvCxnSpPr>
+          <p:cNvPr id="23" name="Прямая со стрелкой 22"/>
+          <p:cNvCxnSpPr>
+            <a:stCxn id="8" idx="2"/>
+            <a:endCxn id="9" idx="0"/>
+          </p:cNvCxnSpPr>
+          <p:nvPr/>
+        </p:nvCxnSpPr>
+        <p:spPr>
+          <a:xfrm>
+            <a:off x="4017545" y="3829667"/>
+            <a:ext cx="0" cy="885770"/>
+          </a:xfrm>
+          <a:prstGeom prst="straightConnector1">
+            <a:avLst/>
+          </a:prstGeom>
+          <a:ln>
+            <a:tailEnd type="arrow"/>
+          </a:ln>
+        </p:spPr>
+        <p:style>
+          <a:lnRef idx="1">
+            <a:schemeClr val="accent1"/>
+          </a:lnRef>
+          <a:fillRef idx="0">
+            <a:schemeClr val="accent1"/>
+          </a:fillRef>
+          <a:effectRef idx="0">
+            <a:schemeClr val="accent1"/>
+          </a:effectRef>
+          <a:fontRef idx="minor">
+            <a:schemeClr val="tx1"/>
+          </a:fontRef>
+        </p:style>
+      </p:cxnSp>
+      <p:cxnSp>
+        <p:nvCxnSpPr>
+          <p:cNvPr id="27" name="Прямая со стрелкой 26"/>
+          <p:cNvCxnSpPr>
+            <a:stCxn id="8" idx="0"/>
+            <a:endCxn id="5" idx="1"/>
+          </p:cNvCxnSpPr>
+          <p:nvPr/>
+        </p:nvCxnSpPr>
+        <p:spPr>
+          <a:xfrm flipV="1">
+            <a:off x="4017545" y="2661970"/>
+            <a:ext cx="2181874" cy="447617"/>
+          </a:xfrm>
+          <a:prstGeom prst="straightConnector1">
+            <a:avLst/>
+          </a:prstGeom>
+          <a:ln>
+            <a:tailEnd type="arrow"/>
+          </a:ln>
+        </p:spPr>
+        <p:style>
+          <a:lnRef idx="1">
+            <a:schemeClr val="accent1"/>
+          </a:lnRef>
+          <a:fillRef idx="0">
+            <a:schemeClr val="accent1"/>
+          </a:fillRef>
+          <a:effectRef idx="0">
+            <a:schemeClr val="accent1"/>
+          </a:effectRef>
+          <a:fontRef idx="minor">
+            <a:schemeClr val="tx1"/>
+          </a:fontRef>
+        </p:style>
+      </p:cxnSp>
+      <p:cxnSp>
+        <p:nvCxnSpPr>
+          <p:cNvPr id="29" name="Прямая со стрелкой 28"/>
+          <p:cNvCxnSpPr>
+            <a:stCxn id="8" idx="0"/>
+            <a:endCxn id="4" idx="3"/>
+          </p:cNvCxnSpPr>
+          <p:nvPr/>
+        </p:nvCxnSpPr>
+        <p:spPr>
+          <a:xfrm flipH="1" flipV="1">
+            <a:off x="2291987" y="2346985"/>
+            <a:ext cx="1725558" cy="762602"/>
+          </a:xfrm>
+          <a:prstGeom prst="straightConnector1">
+            <a:avLst/>
+          </a:prstGeom>
+          <a:ln>
+            <a:tailEnd type="arrow"/>
+          </a:ln>
+        </p:spPr>
+        <p:style>
+          <a:lnRef idx="1">
+            <a:schemeClr val="accent1"/>
+          </a:lnRef>
+          <a:fillRef idx="0">
+            <a:schemeClr val="accent1"/>
+          </a:fillRef>
+          <a:effectRef idx="0">
+            <a:schemeClr val="accent1"/>
+          </a:effectRef>
+          <a:fontRef idx="minor">
+            <a:schemeClr val="tx1"/>
+          </a:fontRef>
+        </p:style>
+      </p:cxnSp>
+      <p:cxnSp>
+        <p:nvCxnSpPr>
+          <p:cNvPr id="45" name="Прямая со стрелкой 44"/>
+          <p:cNvCxnSpPr>
+            <a:stCxn id="8" idx="2"/>
+            <a:endCxn id="10" idx="0"/>
+          </p:cNvCxnSpPr>
+          <p:nvPr/>
+        </p:nvCxnSpPr>
+        <p:spPr>
+          <a:xfrm>
+            <a:off x="4017545" y="3829667"/>
+            <a:ext cx="1994615" cy="1228298"/>
+          </a:xfrm>
+          <a:prstGeom prst="straightConnector1">
+            <a:avLst/>
+          </a:prstGeom>
+          <a:ln>
+            <a:tailEnd type="arrow"/>
+          </a:ln>
+        </p:spPr>
+        <p:style>
+          <a:lnRef idx="1">
+            <a:schemeClr val="accent1"/>
+          </a:lnRef>
+          <a:fillRef idx="0">
+            <a:schemeClr val="accent1"/>
+          </a:fillRef>
+          <a:effectRef idx="0">
+            <a:schemeClr val="accent1"/>
+          </a:effectRef>
+          <a:fontRef idx="minor">
+            <a:schemeClr val="tx1"/>
+          </a:fontRef>
+        </p:style>
+      </p:cxnSp>
+      <p:cxnSp>
+        <p:nvCxnSpPr>
+          <p:cNvPr id="49" name="Прямая со стрелкой 48"/>
+          <p:cNvCxnSpPr>
+            <a:stCxn id="7" idx="2"/>
+            <a:endCxn id="10" idx="0"/>
+          </p:cNvCxnSpPr>
+          <p:nvPr/>
+        </p:nvCxnSpPr>
+        <p:spPr>
+          <a:xfrm flipH="1">
+            <a:off x="6012160" y="4365104"/>
+            <a:ext cx="648072" cy="692861"/>
+          </a:xfrm>
+          <a:prstGeom prst="straightConnector1">
+            <a:avLst/>
+          </a:prstGeom>
+          <a:ln>
+            <a:tailEnd type="arrow"/>
+          </a:ln>
+        </p:spPr>
+        <p:style>
+          <a:lnRef idx="1">
+            <a:schemeClr val="accent1"/>
+          </a:lnRef>
+          <a:fillRef idx="0">
+            <a:schemeClr val="accent1"/>
+          </a:fillRef>
+          <a:effectRef idx="0">
+            <a:schemeClr val="accent1"/>
+          </a:effectRef>
+          <a:fontRef idx="minor">
+            <a:schemeClr val="tx1"/>
+          </a:fontRef>
+        </p:style>
+      </p:cxnSp>
+      <p:cxnSp>
+        <p:nvCxnSpPr>
+          <p:cNvPr id="51" name="Прямая со стрелкой 50"/>
+          <p:cNvCxnSpPr>
+            <a:stCxn id="4" idx="3"/>
+            <a:endCxn id="11" idx="1"/>
+          </p:cNvCxnSpPr>
+          <p:nvPr/>
+        </p:nvCxnSpPr>
+        <p:spPr>
+          <a:xfrm flipV="1">
+            <a:off x="2291987" y="2132856"/>
+            <a:ext cx="1421912" cy="214129"/>
+          </a:xfrm>
+          <a:prstGeom prst="straightConnector1">
+            <a:avLst/>
+          </a:prstGeom>
+          <a:ln>
+            <a:tailEnd type="arrow"/>
+          </a:ln>
+        </p:spPr>
+        <p:style>
+          <a:lnRef idx="1">
+            <a:schemeClr val="accent1"/>
+          </a:lnRef>
+          <a:fillRef idx="0">
+            <a:schemeClr val="accent1"/>
+          </a:fillRef>
+          <a:effectRef idx="0">
+            <a:schemeClr val="accent1"/>
+          </a:effectRef>
+          <a:fontRef idx="minor">
+            <a:schemeClr val="tx1"/>
+          </a:fontRef>
+        </p:style>
+      </p:cxnSp>
+      <p:sp>
+        <p:nvSpPr>
+          <p:cNvPr id="3" name="Блок-схема: магнитный диск 2"/>
+          <p:cNvSpPr/>
+          <p:nvPr/>
+        </p:nvSpPr>
+        <p:spPr>
+          <a:xfrm>
+            <a:off x="1211867" y="3080977"/>
+            <a:ext cx="914400" cy="960091"/>
+          </a:xfrm>
+          <a:prstGeom prst="flowChartMagneticDisk">
+            <a:avLst/>
+          </a:prstGeom>
+        </p:spPr>
+        <p:style>
+          <a:lnRef idx="2">
+            <a:schemeClr val="accent2">
+              <a:shade val="50000"/>
+            </a:schemeClr>
+          </a:lnRef>
+          <a:fillRef idx="1">
+            <a:schemeClr val="accent2"/>
+          </a:fillRef>
+          <a:effectRef idx="0">
+            <a:schemeClr val="accent2"/>
+          </a:effectRef>
+          <a:fontRef idx="minor">
+            <a:schemeClr val="lt1"/>
+          </a:fontRef>
+        </p:style>
+        <p:txBody>
+          <a:bodyPr rtlCol="0" anchor="ctr"/>
+          <a:lstStyle/>
+          <a:p>
+            <a:pPr algn="ctr"/>
+            <a:r>
+              <a:rPr lang="en-US" dirty="0" err="1" smtClean="0"/>
+              <a:t>PostgreSQL</a:t>
+            </a:r>
+            <a:endParaRPr lang="ru-RU" dirty="0"/>
+          </a:p>
+        </p:txBody>
+      </p:sp>
+      <p:sp>
+        <p:nvSpPr>
+          <p:cNvPr id="19" name="Блок-схема: магнитный диск 18"/>
+          <p:cNvSpPr/>
+          <p:nvPr/>
+        </p:nvSpPr>
+        <p:spPr>
+          <a:xfrm>
+            <a:off x="1211867" y="4231488"/>
+            <a:ext cx="914400" cy="960091"/>
+          </a:xfrm>
+          <a:prstGeom prst="flowChartMagneticDisk">
+            <a:avLst/>
+          </a:prstGeom>
+        </p:spPr>
+        <p:style>
+          <a:lnRef idx="2">
+            <a:schemeClr val="accent2">
+              <a:shade val="50000"/>
+            </a:schemeClr>
+          </a:lnRef>
+          <a:fillRef idx="1">
+            <a:schemeClr val="accent2"/>
+          </a:fillRef>
+          <a:effectRef idx="0">
+            <a:schemeClr val="accent2"/>
+          </a:effectRef>
+          <a:fontRef idx="minor">
+            <a:schemeClr val="lt1"/>
+          </a:fontRef>
+        </p:style>
+        <p:txBody>
+          <a:bodyPr rtlCol="0" anchor="ctr"/>
+          <a:lstStyle/>
+          <a:p>
+            <a:pPr algn="ctr"/>
             <a:r>
               <a:rPr lang="en-US" dirty="0" smtClean="0"/>
-              <a:t>- emailing</a:t>
-            </a:r>
-          </a:p>
-          <a:p>
-            <a:pPr marL="0" indent="0">
-              <a:buNone/>
-            </a:pPr>
-            <a:r>
-              <a:rPr lang="en-US" dirty="0"/>
-              <a:t>	</a:t>
-            </a:r>
+              <a:t>Mongo</a:t>
+            </a:r>
+            <a:endParaRPr lang="ru-RU" dirty="0"/>
+          </a:p>
+        </p:txBody>
+      </p:sp>
+      <p:cxnSp>
+        <p:nvCxnSpPr>
+          <p:cNvPr id="12" name="Прямая со стрелкой 11"/>
+          <p:cNvCxnSpPr>
+            <a:stCxn id="8" idx="1"/>
+            <a:endCxn id="3" idx="4"/>
+          </p:cNvCxnSpPr>
+          <p:nvPr/>
+        </p:nvCxnSpPr>
+        <p:spPr>
+          <a:xfrm flipH="1">
+            <a:off x="2126267" y="3469627"/>
+            <a:ext cx="1351218" cy="91396"/>
+          </a:xfrm>
+          <a:prstGeom prst="straightConnector1">
+            <a:avLst/>
+          </a:prstGeom>
+          <a:ln>
+            <a:tailEnd type="arrow"/>
+          </a:ln>
+        </p:spPr>
+        <p:style>
+          <a:lnRef idx="1">
+            <a:schemeClr val="accent1"/>
+          </a:lnRef>
+          <a:fillRef idx="0">
+            <a:schemeClr val="accent1"/>
+          </a:fillRef>
+          <a:effectRef idx="0">
+            <a:schemeClr val="accent1"/>
+          </a:effectRef>
+          <a:fontRef idx="minor">
+            <a:schemeClr val="tx1"/>
+          </a:fontRef>
+        </p:style>
+      </p:cxnSp>
+      <p:cxnSp>
+        <p:nvCxnSpPr>
+          <p:cNvPr id="16" name="Прямая со стрелкой 15"/>
+          <p:cNvCxnSpPr>
+            <a:stCxn id="8" idx="1"/>
+            <a:endCxn id="19" idx="4"/>
+          </p:cNvCxnSpPr>
+          <p:nvPr/>
+        </p:nvCxnSpPr>
+        <p:spPr>
+          <a:xfrm flipH="1">
+            <a:off x="2126267" y="3469627"/>
+            <a:ext cx="1351218" cy="1241907"/>
+          </a:xfrm>
+          <a:prstGeom prst="straightConnector1">
+            <a:avLst/>
+          </a:prstGeom>
+          <a:ln>
+            <a:tailEnd type="arrow"/>
+          </a:ln>
+        </p:spPr>
+        <p:style>
+          <a:lnRef idx="1">
+            <a:schemeClr val="accent1"/>
+          </a:lnRef>
+          <a:fillRef idx="0">
+            <a:schemeClr val="accent1"/>
+          </a:fillRef>
+          <a:effectRef idx="0">
+            <a:schemeClr val="accent1"/>
+          </a:effectRef>
+          <a:fontRef idx="minor">
+            <a:schemeClr val="tx1"/>
+          </a:fontRef>
+        </p:style>
+      </p:cxnSp>
+      <p:sp>
+        <p:nvSpPr>
+          <p:cNvPr id="6" name="TextBox 5"/>
+          <p:cNvSpPr txBox="1"/>
+          <p:nvPr/>
+        </p:nvSpPr>
+        <p:spPr>
+          <a:xfrm rot="21176517">
+            <a:off x="2684906" y="1924508"/>
+            <a:ext cx="636072" cy="369332"/>
+          </a:xfrm>
+          <a:prstGeom prst="rect">
+            <a:avLst/>
+          </a:prstGeom>
+          <a:noFill/>
+        </p:spPr>
+        <p:txBody>
+          <a:bodyPr wrap="none" rtlCol="0">
+            <a:spAutoFit/>
+          </a:bodyPr>
+          <a:lstStyle/>
+          <a:p>
             <a:r>
               <a:rPr lang="en-US" dirty="0" smtClean="0"/>
-              <a:t>- taxes</a:t>
-            </a:r>
-          </a:p>
-          <a:p>
-            <a:pPr marL="0" indent="0">
-              <a:buNone/>
-            </a:pPr>
-            <a:r>
-              <a:rPr lang="en-US" dirty="0"/>
-              <a:t>	</a:t>
-            </a:r>
+              <a:t>REST</a:t>
+            </a:r>
+            <a:endParaRPr lang="ru-RU" dirty="0"/>
+          </a:p>
+        </p:txBody>
+      </p:sp>
+      <p:sp>
+        <p:nvSpPr>
+          <p:cNvPr id="24" name="TextBox 23"/>
+          <p:cNvSpPr txBox="1"/>
+          <p:nvPr/>
+        </p:nvSpPr>
+        <p:spPr>
+          <a:xfrm rot="21176517">
+            <a:off x="4827289" y="2477303"/>
+            <a:ext cx="636072" cy="369332"/>
+          </a:xfrm>
+          <a:prstGeom prst="rect">
+            <a:avLst/>
+          </a:prstGeom>
+          <a:noFill/>
+        </p:spPr>
+        <p:txBody>
+          <a:bodyPr wrap="none" rtlCol="0">
+            <a:spAutoFit/>
+          </a:bodyPr>
+          <a:lstStyle/>
+          <a:p>
             <a:r>
               <a:rPr lang="en-US" dirty="0" smtClean="0"/>
-              <a:t>- credit card </a:t>
-            </a:r>
-            <a:r>
-              <a:rPr lang="en-US" dirty="0" err="1" smtClean="0"/>
-              <a:t>mgmt</a:t>
+              <a:t>REST</a:t>
+            </a:r>
+            <a:endParaRPr lang="ru-RU" dirty="0"/>
+          </a:p>
+        </p:txBody>
+      </p:sp>
+      <p:sp>
+        <p:nvSpPr>
+          <p:cNvPr id="25" name="TextBox 24"/>
+          <p:cNvSpPr txBox="1"/>
+          <p:nvPr/>
+        </p:nvSpPr>
+        <p:spPr>
+          <a:xfrm rot="1570002">
+            <a:off x="3023224" y="2477303"/>
+            <a:ext cx="636072" cy="369332"/>
+          </a:xfrm>
+          <a:prstGeom prst="rect">
+            <a:avLst/>
+          </a:prstGeom>
+          <a:noFill/>
+        </p:spPr>
+        <p:txBody>
+          <a:bodyPr wrap="none" rtlCol="0">
+            <a:spAutoFit/>
+          </a:bodyPr>
+          <a:lstStyle/>
+          <a:p>
+            <a:r>
+              <a:rPr lang="en-US" dirty="0" smtClean="0"/>
+              <a:t>REST</a:t>
+            </a:r>
+            <a:endParaRPr lang="ru-RU" dirty="0"/>
+          </a:p>
+        </p:txBody>
+      </p:sp>
+      <p:sp>
+        <p:nvSpPr>
+          <p:cNvPr id="26" name="TextBox 25"/>
+          <p:cNvSpPr txBox="1"/>
+          <p:nvPr/>
+        </p:nvSpPr>
+        <p:spPr>
+          <a:xfrm rot="1256069">
+            <a:off x="5038854" y="3390271"/>
+            <a:ext cx="636072" cy="369332"/>
+          </a:xfrm>
+          <a:prstGeom prst="rect">
+            <a:avLst/>
+          </a:prstGeom>
+          <a:noFill/>
+        </p:spPr>
+        <p:txBody>
+          <a:bodyPr wrap="none" rtlCol="0">
+            <a:spAutoFit/>
+          </a:bodyPr>
+          <a:lstStyle/>
+          <a:p>
+            <a:r>
+              <a:rPr lang="en-US" dirty="0" smtClean="0"/>
+              <a:t>REST</a:t>
+            </a:r>
+            <a:endParaRPr lang="ru-RU" dirty="0"/>
+          </a:p>
+        </p:txBody>
+      </p:sp>
+      <p:sp>
+        <p:nvSpPr>
+          <p:cNvPr id="28" name="TextBox 27"/>
+          <p:cNvSpPr txBox="1"/>
+          <p:nvPr/>
+        </p:nvSpPr>
+        <p:spPr>
+          <a:xfrm rot="1915235">
+            <a:off x="5014146" y="4287585"/>
+            <a:ext cx="636072" cy="369332"/>
+          </a:xfrm>
+          <a:prstGeom prst="rect">
+            <a:avLst/>
+          </a:prstGeom>
+          <a:noFill/>
+        </p:spPr>
+        <p:txBody>
+          <a:bodyPr wrap="none" rtlCol="0">
+            <a:spAutoFit/>
+          </a:bodyPr>
+          <a:lstStyle/>
+          <a:p>
+            <a:r>
+              <a:rPr lang="en-US" dirty="0" smtClean="0"/>
+              <a:t>REST</a:t>
+            </a:r>
+            <a:endParaRPr lang="ru-RU" dirty="0"/>
+          </a:p>
+        </p:txBody>
+      </p:sp>
+      <p:sp>
+        <p:nvSpPr>
+          <p:cNvPr id="30" name="TextBox 29"/>
+          <p:cNvSpPr txBox="1"/>
+          <p:nvPr/>
+        </p:nvSpPr>
+        <p:spPr>
+          <a:xfrm>
+            <a:off x="3361193" y="4087885"/>
+            <a:ext cx="636072" cy="369332"/>
+          </a:xfrm>
+          <a:prstGeom prst="rect">
+            <a:avLst/>
+          </a:prstGeom>
+          <a:noFill/>
+        </p:spPr>
+        <p:txBody>
+          <a:bodyPr wrap="none" rtlCol="0">
+            <a:spAutoFit/>
+          </a:bodyPr>
+          <a:lstStyle/>
+          <a:p>
+            <a:r>
+              <a:rPr lang="en-US" dirty="0" smtClean="0"/>
+              <a:t>REST</a:t>
+            </a:r>
+            <a:endParaRPr lang="ru-RU" dirty="0"/>
+          </a:p>
+        </p:txBody>
+      </p:sp>
+      <p:sp>
+        <p:nvSpPr>
+          <p:cNvPr id="31" name="TextBox 30"/>
+          <p:cNvSpPr txBox="1"/>
+          <p:nvPr/>
+        </p:nvSpPr>
+        <p:spPr>
+          <a:xfrm rot="18861470">
+            <a:off x="6356477" y="4530770"/>
+            <a:ext cx="636072" cy="369332"/>
+          </a:xfrm>
+          <a:prstGeom prst="rect">
+            <a:avLst/>
+          </a:prstGeom>
+          <a:noFill/>
+        </p:spPr>
+        <p:txBody>
+          <a:bodyPr wrap="none" rtlCol="0">
+            <a:spAutoFit/>
+          </a:bodyPr>
+          <a:lstStyle/>
+          <a:p>
+            <a:r>
+              <a:rPr lang="en-US" dirty="0" smtClean="0"/>
+              <a:t>REST</a:t>
             </a:r>
             <a:endParaRPr lang="ru-RU" dirty="0"/>
           </a:p>
@@ -8033,7 +9093,7 @@
     </p:spTree>
     <p:extLst>
       <p:ext uri="{BB962C8B-B14F-4D97-AF65-F5344CB8AC3E}">
-        <p14:creationId xmlns:p14="http://schemas.microsoft.com/office/powerpoint/2010/main" val="2238289338"/>
+        <p14:creationId xmlns:p14="http://schemas.microsoft.com/office/powerpoint/2010/main" val="4029644176"/>
       </p:ext>
     </p:extLst>
   </p:cSld>
@@ -8083,96 +9143,135 @@
           <a:lstStyle/>
           <a:p>
             <a:r>
+              <a:rPr lang="ru-RU" u="sng" dirty="0" err="1"/>
+              <a:t>Business</a:t>
+            </a:r>
+            <a:r>
+              <a:rPr lang="ru-RU" u="sng" dirty="0"/>
+              <a:t> </a:t>
+            </a:r>
+            <a:r>
+              <a:rPr lang="ru-RU" u="sng" dirty="0" err="1"/>
+              <a:t>Capabilities</a:t>
+            </a:r>
+            <a:endParaRPr lang="ru-RU" dirty="0"/>
+          </a:p>
+        </p:txBody>
+      </p:sp>
+      <p:sp>
+        <p:nvSpPr>
+          <p:cNvPr id="3" name="Объект 2"/>
+          <p:cNvSpPr>
+            <a:spLocks noGrp="1"/>
+          </p:cNvSpPr>
+          <p:nvPr>
+            <p:ph idx="1"/>
+          </p:nvPr>
+        </p:nvSpPr>
+        <p:spPr/>
+        <p:txBody>
+          <a:bodyPr/>
+          <a:lstStyle/>
+          <a:p>
+            <a:pPr marL="0" indent="0">
+              <a:buNone/>
+            </a:pPr>
+            <a:r>
+              <a:rPr lang="ru-RU" u="sng" dirty="0" smtClean="0"/>
+              <a:t>Организация </a:t>
+            </a:r>
+            <a:r>
+              <a:rPr lang="ru-RU" u="sng" dirty="0"/>
+              <a:t>вокруг </a:t>
+            </a:r>
+            <a:r>
+              <a:rPr lang="ru-RU" u="sng" dirty="0" smtClean="0"/>
+              <a:t>потребностей бизнеса</a:t>
+            </a:r>
+            <a:endParaRPr lang="en-US" u="sng" dirty="0" smtClean="0"/>
+          </a:p>
+          <a:p>
+            <a:pPr marL="0" indent="0">
+              <a:buNone/>
+            </a:pPr>
+            <a:r>
               <a:rPr lang="en-US" dirty="0" smtClean="0"/>
-              <a:t>Infrastructure</a:t>
-            </a:r>
-            <a:endParaRPr lang="ru-RU" dirty="0"/>
-          </a:p>
-        </p:txBody>
-      </p:sp>
-      <p:sp>
-        <p:nvSpPr>
-          <p:cNvPr id="3" name="Объект 2"/>
-          <p:cNvSpPr>
-            <a:spLocks noGrp="1"/>
-          </p:cNvSpPr>
-          <p:nvPr>
-            <p:ph idx="1"/>
-          </p:nvPr>
-        </p:nvSpPr>
-        <p:spPr/>
-        <p:txBody>
-          <a:bodyPr>
-            <a:normAutofit/>
-          </a:bodyPr>
-          <a:lstStyle/>
-          <a:p>
+              <a:t>- </a:t>
+            </a:r>
             <a:r>
               <a:rPr lang="ru-RU" dirty="0" smtClean="0"/>
-              <a:t>Абстрагироваться от инфраструктуры</a:t>
+              <a:t>Разные компоненты под разные нужды</a:t>
+            </a:r>
+            <a:endParaRPr lang="en-US" dirty="0" smtClean="0"/>
+          </a:p>
+          <a:p>
+            <a:pPr marL="0" indent="0">
+              <a:buNone/>
+            </a:pPr>
+            <a:r>
+              <a:rPr lang="en-US" dirty="0"/>
+              <a:t>	</a:t>
+            </a:r>
+            <a:r>
+              <a:rPr lang="en-US" dirty="0" smtClean="0"/>
+              <a:t>- </a:t>
+            </a:r>
+            <a:r>
+              <a:rPr lang="ru-RU" dirty="0" smtClean="0"/>
+              <a:t>отчеты</a:t>
+            </a:r>
+            <a:endParaRPr lang="en-US" dirty="0" smtClean="0"/>
+          </a:p>
+          <a:p>
+            <a:pPr marL="0" indent="0">
+              <a:buNone/>
+            </a:pPr>
+            <a:r>
+              <a:rPr lang="en-US" dirty="0"/>
+              <a:t>	</a:t>
+            </a:r>
+            <a:r>
+              <a:rPr lang="en-US" dirty="0" smtClean="0"/>
+              <a:t>- </a:t>
+            </a:r>
+            <a:r>
+              <a:rPr lang="ru-RU" dirty="0" smtClean="0"/>
+              <a:t>кредитки</a:t>
+            </a:r>
+          </a:p>
+          <a:p>
+            <a:pPr>
+              <a:buFontTx/>
+              <a:buChar char="-"/>
+            </a:pPr>
+            <a:r>
+              <a:rPr lang="ru-RU" dirty="0" smtClean="0"/>
+              <a:t>Отдельные команды</a:t>
+            </a:r>
+          </a:p>
+          <a:p>
+            <a:pPr lvl="1">
+              <a:buFontTx/>
+              <a:buChar char="-"/>
+            </a:pPr>
+            <a:r>
+              <a:rPr lang="ru-RU" dirty="0" smtClean="0"/>
+              <a:t>Поддержка на </a:t>
+            </a:r>
+            <a:r>
+              <a:rPr lang="ru-RU" dirty="0" err="1" smtClean="0"/>
+              <a:t>продакшене</a:t>
             </a:r>
             <a:endParaRPr lang="ru-RU" dirty="0" smtClean="0"/>
           </a:p>
           <a:p>
+            <a:pPr lvl="2">
+              <a:buFontTx/>
+              <a:buChar char="-"/>
+            </a:pPr>
             <a:r>
               <a:rPr lang="ru-RU" dirty="0" smtClean="0"/>
-              <a:t>Выровнять инфраструктуру окружений</a:t>
-            </a:r>
-            <a:endParaRPr lang="en-US" dirty="0"/>
-          </a:p>
-          <a:p>
-            <a:pPr lvl="1"/>
-            <a:r>
-              <a:rPr lang="ru-RU" dirty="0" smtClean="0"/>
-              <a:t>Отдельные окружения </a:t>
-            </a:r>
-            <a:r>
-              <a:rPr lang="ru-RU" dirty="0" smtClean="0"/>
-              <a:t>(</a:t>
-            </a:r>
-            <a:r>
-              <a:rPr lang="en-US" dirty="0" smtClean="0"/>
-              <a:t>DEV/QA/PS/PROD)</a:t>
-            </a:r>
-            <a:endParaRPr lang="ru-RU" dirty="0" smtClean="0"/>
-          </a:p>
-          <a:p>
-            <a:r>
-              <a:rPr lang="ru-RU" dirty="0" smtClean="0"/>
-              <a:t>Автоматизация</a:t>
-            </a:r>
-            <a:endParaRPr lang="en-US" dirty="0" smtClean="0"/>
-          </a:p>
-          <a:p>
-            <a:pPr lvl="1"/>
-            <a:r>
-              <a:rPr lang="en-US" dirty="0" smtClean="0"/>
-              <a:t>Continuous Integration</a:t>
-            </a:r>
-          </a:p>
-          <a:p>
-            <a:pPr lvl="1"/>
-            <a:r>
-              <a:rPr lang="en-US" dirty="0" smtClean="0"/>
-              <a:t>One-button </a:t>
-            </a:r>
-            <a:r>
-              <a:rPr lang="en-US" dirty="0" smtClean="0"/>
-              <a:t>Deployment</a:t>
-            </a:r>
-          </a:p>
-          <a:p>
-            <a:pPr lvl="1"/>
-            <a:r>
-              <a:rPr lang="en-US" dirty="0" smtClean="0"/>
-              <a:t>Database Evolution</a:t>
-            </a:r>
-          </a:p>
-          <a:p>
-            <a:pPr lvl="1"/>
-            <a:r>
-              <a:rPr lang="en-US" dirty="0" smtClean="0"/>
-              <a:t>Chef</a:t>
+              <a:t>Создание вспомогательных утилит</a:t>
             </a:r>
             <a:endParaRPr lang="en-US" dirty="0" smtClean="0"/>
           </a:p>
@@ -8181,7 +9280,7 @@
     </p:spTree>
     <p:extLst>
       <p:ext uri="{BB962C8B-B14F-4D97-AF65-F5344CB8AC3E}">
-        <p14:creationId xmlns:p14="http://schemas.microsoft.com/office/powerpoint/2010/main" val="1221449566"/>
+        <p14:creationId xmlns:p14="http://schemas.microsoft.com/office/powerpoint/2010/main" val="2238289338"/>
       </p:ext>
     </p:extLst>
   </p:cSld>
@@ -8231,8 +9330,8 @@
           <a:lstStyle/>
           <a:p>
             <a:r>
-              <a:rPr lang="en-US" u="sng" dirty="0"/>
-              <a:t>Infrastructure Automation</a:t>
+              <a:rPr lang="en-US" dirty="0" smtClean="0"/>
+              <a:t>Infrastructure</a:t>
             </a:r>
             <a:endParaRPr lang="ru-RU" dirty="0"/>
           </a:p>
@@ -8251,22 +9350,40 @@
         <p:spPr/>
         <p:txBody>
           <a:bodyPr>
-            <a:normAutofit fontScale="92500" lnSpcReduction="10000"/>
+            <a:normAutofit/>
           </a:bodyPr>
           <a:lstStyle/>
           <a:p>
-            <a:pPr marL="0" indent="0">
-              <a:buNone/>
-            </a:pPr>
-            <a:r>
-              <a:rPr lang="ru-RU" u="sng" dirty="0" smtClean="0"/>
-              <a:t>Автоматизация </a:t>
-            </a:r>
-            <a:r>
-              <a:rPr lang="ru-RU" u="sng" dirty="0"/>
-              <a:t>инфраструктуры</a:t>
-            </a:r>
-            <a:endParaRPr lang="en-US" u="sng" dirty="0" smtClean="0"/>
+            <a:r>
+              <a:rPr lang="ru-RU" dirty="0" smtClean="0"/>
+              <a:t>Абстрагироваться от инфраструктуры</a:t>
+            </a:r>
+          </a:p>
+          <a:p>
+            <a:r>
+              <a:rPr lang="ru-RU" dirty="0" smtClean="0"/>
+              <a:t>Выровнять инфраструктуру окружений</a:t>
+            </a:r>
+            <a:endParaRPr lang="en-US" dirty="0"/>
+          </a:p>
+          <a:p>
+            <a:pPr lvl="1"/>
+            <a:r>
+              <a:rPr lang="ru-RU" dirty="0" smtClean="0"/>
+              <a:t>Отдельные окружения (</a:t>
+            </a:r>
+            <a:r>
+              <a:rPr lang="en-US" dirty="0" smtClean="0"/>
+              <a:t>DEV/QA/PS/PROD)</a:t>
+            </a:r>
+            <a:endParaRPr lang="ru-RU" dirty="0" smtClean="0"/>
+          </a:p>
+          <a:p>
+            <a:r>
+              <a:rPr lang="ru-RU" dirty="0" smtClean="0"/>
+              <a:t>Автоматизация</a:t>
+            </a:r>
+            <a:endParaRPr lang="en-US" dirty="0" smtClean="0"/>
           </a:p>
           <a:p>
             <a:pPr lvl="1"/>
@@ -8276,69 +9393,17 @@
             </a:r>
           </a:p>
           <a:p>
-            <a:pPr lvl="2"/>
-            <a:r>
-              <a:rPr lang="en-US" dirty="0" smtClean="0"/>
-              <a:t>Jenkins</a:t>
-            </a:r>
-          </a:p>
-          <a:p>
-            <a:pPr lvl="2"/>
-            <a:r>
-              <a:rPr lang="ru-RU" dirty="0" smtClean="0"/>
-              <a:t>Выделенное окружение разработчика</a:t>
-            </a:r>
-            <a:endParaRPr lang="en-US" dirty="0" smtClean="0"/>
-          </a:p>
-          <a:p>
-            <a:pPr lvl="1"/>
-            <a:r>
-              <a:rPr lang="en-US" dirty="0" smtClean="0"/>
-              <a:t>Continuous Delivery (on the road to…)</a:t>
-            </a:r>
-          </a:p>
-          <a:p>
             <a:pPr lvl="1"/>
             <a:r>
               <a:rPr lang="en-US" dirty="0" smtClean="0"/>
               <a:t>One-button Deployment</a:t>
             </a:r>
-            <a:r>
-              <a:rPr lang="ru-RU" dirty="0" smtClean="0"/>
-              <a:t> (</a:t>
-            </a:r>
+          </a:p>
+          <a:p>
+            <a:pPr lvl="1"/>
             <a:r>
               <a:rPr lang="en-US" dirty="0" smtClean="0"/>
-              <a:t>TODO: unfold)</a:t>
-            </a:r>
-          </a:p>
-          <a:p>
-            <a:pPr lvl="1"/>
-            <a:r>
-              <a:rPr lang="en-US" dirty="0" smtClean="0"/>
-              <a:t>Database Evolution (TODO: unfold)</a:t>
-            </a:r>
-          </a:p>
-          <a:p>
-            <a:pPr lvl="2"/>
-            <a:r>
-              <a:rPr lang="en-US" dirty="0" err="1" smtClean="0"/>
-              <a:t>Liquibase</a:t>
-            </a:r>
-            <a:endParaRPr lang="en-US" dirty="0" smtClean="0"/>
-          </a:p>
-          <a:p>
-            <a:pPr lvl="3"/>
-            <a:r>
-              <a:rPr lang="en-US" dirty="0" smtClean="0"/>
-              <a:t>Automated run</a:t>
-            </a:r>
-          </a:p>
-          <a:p>
-            <a:pPr lvl="2"/>
-            <a:r>
-              <a:rPr lang="en-US" dirty="0" smtClean="0"/>
-              <a:t>Data migration</a:t>
+              <a:t>Database Evolution</a:t>
             </a:r>
           </a:p>
           <a:p>
@@ -8353,7 +9418,7 @@
     </p:spTree>
     <p:extLst>
       <p:ext uri="{BB962C8B-B14F-4D97-AF65-F5344CB8AC3E}">
-        <p14:creationId xmlns:p14="http://schemas.microsoft.com/office/powerpoint/2010/main" val="4087347277"/>
+        <p14:creationId xmlns:p14="http://schemas.microsoft.com/office/powerpoint/2010/main" val="1221449566"/>
       </p:ext>
     </p:extLst>
   </p:cSld>

--- a/Microservices.pptx
+++ b/Microservices.pptx
@@ -5,7 +5,7 @@
     <p:sldMasterId id="2147483648" r:id="rId1"/>
   </p:sldMasterIdLst>
   <p:notesMasterIdLst>
-    <p:notesMasterId r:id="rId23"/>
+    <p:notesMasterId r:id="rId27"/>
   </p:notesMasterIdLst>
   <p:sldIdLst>
     <p:sldId id="256" r:id="rId2"/>
@@ -20,15 +20,19 @@
     <p:sldId id="276" r:id="rId11"/>
     <p:sldId id="258" r:id="rId12"/>
     <p:sldId id="270" r:id="rId13"/>
-    <p:sldId id="266" r:id="rId14"/>
-    <p:sldId id="278" r:id="rId15"/>
-    <p:sldId id="272" r:id="rId16"/>
-    <p:sldId id="262" r:id="rId17"/>
-    <p:sldId id="263" r:id="rId18"/>
-    <p:sldId id="264" r:id="rId19"/>
-    <p:sldId id="259" r:id="rId20"/>
-    <p:sldId id="265" r:id="rId21"/>
-    <p:sldId id="280" r:id="rId22"/>
+    <p:sldId id="281" r:id="rId14"/>
+    <p:sldId id="266" r:id="rId15"/>
+    <p:sldId id="282" r:id="rId16"/>
+    <p:sldId id="278" r:id="rId17"/>
+    <p:sldId id="283" r:id="rId18"/>
+    <p:sldId id="272" r:id="rId19"/>
+    <p:sldId id="284" r:id="rId20"/>
+    <p:sldId id="262" r:id="rId21"/>
+    <p:sldId id="263" r:id="rId22"/>
+    <p:sldId id="264" r:id="rId23"/>
+    <p:sldId id="259" r:id="rId24"/>
+    <p:sldId id="265" r:id="rId25"/>
+    <p:sldId id="285" r:id="rId26"/>
   </p:sldIdLst>
   <p:sldSz cx="9144000" cy="6858000" type="screen4x3"/>
   <p:notesSz cx="6858000" cy="9144000"/>
@@ -129,7 +133,7 @@
   </p:defaultTextStyle>
   <p:extLst>
     <p:ext uri="{EFAFB233-063F-42B5-8137-9DF3F51BA10A}">
-      <p15:sldGuideLst xmlns="" xmlns:p15="http://schemas.microsoft.com/office/powerpoint/2012/main">
+      <p15:sldGuideLst xmlns:p15="http://schemas.microsoft.com/office/powerpoint/2012/main" xmlns="">
         <p15:guide id="1" orient="horz" pos="2160">
           <p15:clr>
             <a:srgbClr val="A4A3A4"/>
@@ -243,7 +247,7 @@
           <a:p>
             <a:fld id="{C756A4D3-FAF9-48FE-A65C-CE6AA122FD4A}" type="datetimeFigureOut">
               <a:rPr lang="ru-RU" smtClean="0"/>
-              <a:t>16.10.2015</a:t>
+              <a:t>18.10.2015</a:t>
             </a:fld>
             <a:endParaRPr lang="ru-RU"/>
           </a:p>
@@ -557,9 +561,23 @@
           <a:p>
             <a:r>
               <a:rPr lang="ru-RU" dirty="0" smtClean="0"/>
-              <a:t>Больше точек отказа, т.к. сложнее протокол взаимодействия</a:t>
-            </a:r>
-            <a:endParaRPr lang="ru-RU" dirty="0"/>
+              <a:t>Монолитное приложение</a:t>
+            </a:r>
+            <a:r>
+              <a:rPr lang="ru-RU" baseline="0" dirty="0" smtClean="0"/>
+              <a:t> – вся логика и код доступа к хранилищам данных внутри одного приложения</a:t>
+            </a:r>
+          </a:p>
+          <a:p>
+            <a:r>
+              <a:rPr lang="ru-RU" baseline="0" dirty="0" err="1" smtClean="0"/>
+              <a:t>Микросервисное</a:t>
+            </a:r>
+            <a:r>
+              <a:rPr lang="ru-RU" baseline="0" dirty="0" smtClean="0"/>
+              <a:t> приложение – вся логика разбита на отдельные сервисы, которые взаимодействуют друг с другом по сети</a:t>
+            </a:r>
+            <a:endParaRPr lang="ru-RU" dirty="0" smtClean="0"/>
           </a:p>
         </p:txBody>
       </p:sp>
@@ -580,7 +598,7 @@
           <a:p>
             <a:fld id="{178952C0-3E1F-49A2-A869-ED810EA2C686}" type="slidenum">
               <a:rPr lang="ru-RU" smtClean="0"/>
-              <a:t>4</a:t>
+              <a:t>3</a:t>
             </a:fld>
             <a:endParaRPr lang="ru-RU"/>
           </a:p>
@@ -589,7 +607,7 @@
     </p:spTree>
     <p:extLst>
       <p:ext uri="{BB962C8B-B14F-4D97-AF65-F5344CB8AC3E}">
-        <p14:creationId xmlns:p14="http://schemas.microsoft.com/office/powerpoint/2010/main" val="841943391"/>
+        <p14:creationId xmlns:p14="http://schemas.microsoft.com/office/powerpoint/2010/main" val="1696816625"/>
       </p:ext>
     </p:extLst>
   </p:cSld>
@@ -643,6 +661,573 @@
           <a:bodyPr/>
           <a:lstStyle/>
           <a:p>
+            <a:r>
+              <a:rPr lang="ru-RU" dirty="0" smtClean="0"/>
+              <a:t>За:</a:t>
+            </a:r>
+          </a:p>
+          <a:p>
+            <a:pPr marL="171450" indent="-171450">
+              <a:buFontTx/>
+              <a:buChar char="-"/>
+            </a:pPr>
+            <a:r>
+              <a:rPr lang="ru-RU" dirty="0" smtClean="0"/>
+              <a:t>Четко</a:t>
+            </a:r>
+            <a:r>
+              <a:rPr lang="ru-RU" baseline="0" dirty="0" smtClean="0"/>
+              <a:t> установленный и оговоренный (а также задокументированный что не менее важно) протокол взаимодействия</a:t>
+            </a:r>
+          </a:p>
+          <a:p>
+            <a:pPr marL="171450" indent="-171450">
+              <a:buFontTx/>
+              <a:buChar char="-"/>
+            </a:pPr>
+            <a:r>
+              <a:rPr lang="ru-RU" baseline="0" dirty="0" smtClean="0"/>
+              <a:t>Если каждый сервис реализует только одну доменную логику, то в целом он будет гораздо проще</a:t>
+            </a:r>
+          </a:p>
+          <a:p>
+            <a:pPr marL="171450" indent="-171450">
+              <a:buFontTx/>
+              <a:buChar char="-"/>
+            </a:pPr>
+            <a:r>
+              <a:rPr lang="ru-RU" baseline="0" dirty="0" smtClean="0"/>
+              <a:t>Скорость разработки за счет простоты сервиса будет выше</a:t>
+            </a:r>
+          </a:p>
+          <a:p>
+            <a:pPr marL="628650" marR="0" lvl="2" indent="-171450" algn="l" defTabSz="914400" rtl="0" eaLnBrk="1" fontAlgn="auto" latinLnBrk="0" hangingPunct="1">
+              <a:lnSpc>
+                <a:spcPct val="100000"/>
+              </a:lnSpc>
+              <a:spcBef>
+                <a:spcPts val="0"/>
+              </a:spcBef>
+              <a:spcAft>
+                <a:spcPts val="0"/>
+              </a:spcAft>
+              <a:buClrTx/>
+              <a:buSzTx/>
+              <a:buFontTx/>
+              <a:buChar char="-"/>
+              <a:tabLst/>
+              <a:defRPr/>
+            </a:pPr>
+            <a:r>
+              <a:rPr lang="ru-RU" baseline="0" dirty="0" smtClean="0"/>
+              <a:t>Сколько? 2 недели?</a:t>
+            </a:r>
+          </a:p>
+          <a:p>
+            <a:pPr marL="171450" indent="-171450">
+              <a:buFontTx/>
+              <a:buChar char="-"/>
+            </a:pPr>
+            <a:r>
+              <a:rPr lang="ru-RU" baseline="0" dirty="0" smtClean="0"/>
+              <a:t>Из-за того, что протокол взаимодействия четко очерчен, сервис достаточно слабо зависит от других команд</a:t>
+            </a:r>
+          </a:p>
+          <a:p>
+            <a:pPr marL="171450" indent="-171450">
+              <a:buFontTx/>
+              <a:buChar char="-"/>
+            </a:pPr>
+            <a:r>
+              <a:rPr lang="ru-RU" dirty="0" smtClean="0"/>
+              <a:t>А</a:t>
+            </a:r>
+            <a:r>
+              <a:rPr lang="ru-RU" baseline="0" dirty="0" smtClean="0"/>
+              <a:t> из-за того, что протокол как правило легко реализуется на разных платформах, для данного конкретного сервиса можно выбрать практически любой стек технологий</a:t>
+            </a:r>
+          </a:p>
+          <a:p>
+            <a:pPr marL="0" indent="0">
+              <a:buFontTx/>
+              <a:buNone/>
+            </a:pPr>
+            <a:r>
+              <a:rPr lang="ru-RU" baseline="0" dirty="0" smtClean="0"/>
+              <a:t>Против</a:t>
+            </a:r>
+          </a:p>
+          <a:p>
+            <a:pPr marL="171450" indent="-171450">
+              <a:buFontTx/>
+              <a:buChar char="-"/>
+            </a:pPr>
+            <a:r>
+              <a:rPr lang="ru-RU" baseline="0" dirty="0" smtClean="0"/>
+              <a:t>За счет взаимодействия по сети более подвержено ошибкам</a:t>
+            </a:r>
+          </a:p>
+          <a:p>
+            <a:pPr marL="171450" indent="-171450">
+              <a:buFontTx/>
+              <a:buChar char="-"/>
+            </a:pPr>
+            <a:r>
+              <a:rPr lang="ru-RU" baseline="0" dirty="0" smtClean="0"/>
+              <a:t>Развертывание всей сети сервисов без скриптов автоматизации достаточно сложно и ???небезопасно???</a:t>
+            </a:r>
+          </a:p>
+          <a:p>
+            <a:pPr marL="171450" indent="-171450">
+              <a:buFontTx/>
+              <a:buChar char="-"/>
+            </a:pPr>
+            <a:r>
+              <a:rPr lang="ru-RU" baseline="0" dirty="0" smtClean="0"/>
+              <a:t>Сложность разработки возрастает за счет необходимости продумывания сценариев отказа, планирования производительности вашего сервиса на раннем этапе. Как результат, возрастает сложность системы в целом</a:t>
+            </a:r>
+          </a:p>
+          <a:p>
+            <a:pPr marL="171450" indent="-171450">
+              <a:buFontTx/>
+              <a:buChar char="-"/>
+            </a:pPr>
+            <a:endParaRPr lang="ru-RU" dirty="0"/>
+          </a:p>
+        </p:txBody>
+      </p:sp>
+      <p:sp>
+        <p:nvSpPr>
+          <p:cNvPr id="4" name="Номер слайда 3"/>
+          <p:cNvSpPr>
+            <a:spLocks noGrp="1"/>
+          </p:cNvSpPr>
+          <p:nvPr>
+            <p:ph type="sldNum" sz="quarter" idx="10"/>
+          </p:nvPr>
+        </p:nvSpPr>
+        <p:spPr/>
+        <p:txBody>
+          <a:bodyPr/>
+          <a:lstStyle/>
+          <a:p>
+            <a:fld id="{178952C0-3E1F-49A2-A869-ED810EA2C686}" type="slidenum">
+              <a:rPr lang="ru-RU" smtClean="0"/>
+              <a:t>4</a:t>
+            </a:fld>
+            <a:endParaRPr lang="ru-RU"/>
+          </a:p>
+        </p:txBody>
+      </p:sp>
+    </p:spTree>
+    <p:extLst>
+      <p:ext uri="{BB962C8B-B14F-4D97-AF65-F5344CB8AC3E}">
+        <p14:creationId xmlns:p14="http://schemas.microsoft.com/office/powerpoint/2010/main" val="841943391"/>
+      </p:ext>
+    </p:extLst>
+  </p:cSld>
+  <p:clrMapOvr>
+    <a:masterClrMapping/>
+  </p:clrMapOvr>
+</p:notes>
+</file>
+
+<file path=ppt/notesSlides/notesSlide3.xml><?xml version="1.0" encoding="utf-8"?>
+<p:notes xmlns:a="http://schemas.openxmlformats.org/drawingml/2006/main" xmlns:r="http://schemas.openxmlformats.org/officeDocument/2006/relationships" xmlns:p="http://schemas.openxmlformats.org/presentationml/2006/main">
+  <p:cSld>
+    <p:spTree>
+      <p:nvGrpSpPr>
+        <p:cNvPr id="1" name=""/>
+        <p:cNvGrpSpPr/>
+        <p:nvPr/>
+      </p:nvGrpSpPr>
+      <p:grpSpPr>
+        <a:xfrm>
+          <a:off x="0" y="0"/>
+          <a:ext cx="0" cy="0"/>
+          <a:chOff x="0" y="0"/>
+          <a:chExt cx="0" cy="0"/>
+        </a:xfrm>
+      </p:grpSpPr>
+      <p:sp>
+        <p:nvSpPr>
+          <p:cNvPr id="2" name="Образ слайда 1"/>
+          <p:cNvSpPr>
+            <a:spLocks noGrp="1" noRot="1" noChangeAspect="1"/>
+          </p:cNvSpPr>
+          <p:nvPr>
+            <p:ph type="sldImg"/>
+          </p:nvPr>
+        </p:nvSpPr>
+        <p:spPr/>
+      </p:sp>
+      <p:sp>
+        <p:nvSpPr>
+          <p:cNvPr id="3" name="Заметки 2"/>
+          <p:cNvSpPr>
+            <a:spLocks noGrp="1"/>
+          </p:cNvSpPr>
+          <p:nvPr>
+            <p:ph type="body" idx="1"/>
+          </p:nvPr>
+        </p:nvSpPr>
+        <p:spPr/>
+        <p:txBody>
+          <a:bodyPr/>
+          <a:lstStyle/>
+          <a:p>
+            <a:endParaRPr lang="ru-RU" dirty="0"/>
+          </a:p>
+        </p:txBody>
+      </p:sp>
+      <p:sp>
+        <p:nvSpPr>
+          <p:cNvPr id="4" name="Номер слайда 3"/>
+          <p:cNvSpPr>
+            <a:spLocks noGrp="1"/>
+          </p:cNvSpPr>
+          <p:nvPr>
+            <p:ph type="sldNum" sz="quarter" idx="10"/>
+          </p:nvPr>
+        </p:nvSpPr>
+        <p:spPr/>
+        <p:txBody>
+          <a:bodyPr/>
+          <a:lstStyle/>
+          <a:p>
+            <a:fld id="{178952C0-3E1F-49A2-A869-ED810EA2C686}" type="slidenum">
+              <a:rPr lang="ru-RU" smtClean="0"/>
+              <a:t>5</a:t>
+            </a:fld>
+            <a:endParaRPr lang="ru-RU"/>
+          </a:p>
+        </p:txBody>
+      </p:sp>
+    </p:spTree>
+    <p:extLst>
+      <p:ext uri="{BB962C8B-B14F-4D97-AF65-F5344CB8AC3E}">
+        <p14:creationId xmlns:p14="http://schemas.microsoft.com/office/powerpoint/2010/main" val="4138078589"/>
+      </p:ext>
+    </p:extLst>
+  </p:cSld>
+  <p:clrMapOvr>
+    <a:masterClrMapping/>
+  </p:clrMapOvr>
+</p:notes>
+</file>
+
+<file path=ppt/notesSlides/notesSlide4.xml><?xml version="1.0" encoding="utf-8"?>
+<p:notes xmlns:a="http://schemas.openxmlformats.org/drawingml/2006/main" xmlns:r="http://schemas.openxmlformats.org/officeDocument/2006/relationships" xmlns:p="http://schemas.openxmlformats.org/presentationml/2006/main">
+  <p:cSld>
+    <p:spTree>
+      <p:nvGrpSpPr>
+        <p:cNvPr id="1" name=""/>
+        <p:cNvGrpSpPr/>
+        <p:nvPr/>
+      </p:nvGrpSpPr>
+      <p:grpSpPr>
+        <a:xfrm>
+          <a:off x="0" y="0"/>
+          <a:ext cx="0" cy="0"/>
+          <a:chOff x="0" y="0"/>
+          <a:chExt cx="0" cy="0"/>
+        </a:xfrm>
+      </p:grpSpPr>
+      <p:sp>
+        <p:nvSpPr>
+          <p:cNvPr id="2" name="Образ слайда 1"/>
+          <p:cNvSpPr>
+            <a:spLocks noGrp="1" noRot="1" noChangeAspect="1"/>
+          </p:cNvSpPr>
+          <p:nvPr>
+            <p:ph type="sldImg"/>
+          </p:nvPr>
+        </p:nvSpPr>
+        <p:spPr/>
+      </p:sp>
+      <p:sp>
+        <p:nvSpPr>
+          <p:cNvPr id="3" name="Заметки 2"/>
+          <p:cNvSpPr>
+            <a:spLocks noGrp="1"/>
+          </p:cNvSpPr>
+          <p:nvPr>
+            <p:ph type="body" idx="1"/>
+          </p:nvPr>
+        </p:nvSpPr>
+        <p:spPr/>
+        <p:txBody>
+          <a:bodyPr/>
+          <a:lstStyle/>
+          <a:p>
+            <a:endParaRPr lang="ru-RU" dirty="0"/>
+          </a:p>
+        </p:txBody>
+      </p:sp>
+      <p:sp>
+        <p:nvSpPr>
+          <p:cNvPr id="4" name="Номер слайда 3"/>
+          <p:cNvSpPr>
+            <a:spLocks noGrp="1"/>
+          </p:cNvSpPr>
+          <p:nvPr>
+            <p:ph type="sldNum" sz="quarter" idx="10"/>
+          </p:nvPr>
+        </p:nvSpPr>
+        <p:spPr/>
+        <p:txBody>
+          <a:bodyPr/>
+          <a:lstStyle/>
+          <a:p>
+            <a:fld id="{178952C0-3E1F-49A2-A869-ED810EA2C686}" type="slidenum">
+              <a:rPr lang="ru-RU" smtClean="0"/>
+              <a:t>9</a:t>
+            </a:fld>
+            <a:endParaRPr lang="ru-RU"/>
+          </a:p>
+        </p:txBody>
+      </p:sp>
+    </p:spTree>
+    <p:extLst>
+      <p:ext uri="{BB962C8B-B14F-4D97-AF65-F5344CB8AC3E}">
+        <p14:creationId xmlns:p14="http://schemas.microsoft.com/office/powerpoint/2010/main" val="552116595"/>
+      </p:ext>
+    </p:extLst>
+  </p:cSld>
+  <p:clrMapOvr>
+    <a:masterClrMapping/>
+  </p:clrMapOvr>
+</p:notes>
+</file>
+
+<file path=ppt/notesSlides/notesSlide5.xml><?xml version="1.0" encoding="utf-8"?>
+<p:notes xmlns:a="http://schemas.openxmlformats.org/drawingml/2006/main" xmlns:r="http://schemas.openxmlformats.org/officeDocument/2006/relationships" xmlns:p="http://schemas.openxmlformats.org/presentationml/2006/main">
+  <p:cSld>
+    <p:spTree>
+      <p:nvGrpSpPr>
+        <p:cNvPr id="1" name=""/>
+        <p:cNvGrpSpPr/>
+        <p:nvPr/>
+      </p:nvGrpSpPr>
+      <p:grpSpPr>
+        <a:xfrm>
+          <a:off x="0" y="0"/>
+          <a:ext cx="0" cy="0"/>
+          <a:chOff x="0" y="0"/>
+          <a:chExt cx="0" cy="0"/>
+        </a:xfrm>
+      </p:grpSpPr>
+      <p:sp>
+        <p:nvSpPr>
+          <p:cNvPr id="2" name="Образ слайда 1"/>
+          <p:cNvSpPr>
+            <a:spLocks noGrp="1" noRot="1" noChangeAspect="1"/>
+          </p:cNvSpPr>
+          <p:nvPr>
+            <p:ph type="sldImg"/>
+          </p:nvPr>
+        </p:nvSpPr>
+        <p:spPr/>
+      </p:sp>
+      <p:sp>
+        <p:nvSpPr>
+          <p:cNvPr id="3" name="Заметки 2"/>
+          <p:cNvSpPr>
+            <a:spLocks noGrp="1"/>
+          </p:cNvSpPr>
+          <p:nvPr>
+            <p:ph type="body" idx="1"/>
+          </p:nvPr>
+        </p:nvSpPr>
+        <p:spPr/>
+        <p:txBody>
+          <a:bodyPr/>
+          <a:lstStyle/>
+          <a:p>
+            <a:r>
+              <a:rPr lang="ru-RU" dirty="0" smtClean="0"/>
+              <a:t>Под исправлением здесь</a:t>
+            </a:r>
+            <a:r>
+              <a:rPr lang="ru-RU" baseline="0" dirty="0" smtClean="0"/>
+              <a:t> подразумеваем разрешение проблемы для конечного пользователя. Если это проблема в приложении, то естественно заводится баг</a:t>
+            </a:r>
+            <a:endParaRPr lang="ru-RU" dirty="0"/>
+          </a:p>
+        </p:txBody>
+      </p:sp>
+      <p:sp>
+        <p:nvSpPr>
+          <p:cNvPr id="4" name="Номер слайда 3"/>
+          <p:cNvSpPr>
+            <a:spLocks noGrp="1"/>
+          </p:cNvSpPr>
+          <p:nvPr>
+            <p:ph type="sldNum" sz="quarter" idx="10"/>
+          </p:nvPr>
+        </p:nvSpPr>
+        <p:spPr/>
+        <p:txBody>
+          <a:bodyPr/>
+          <a:lstStyle/>
+          <a:p>
+            <a:fld id="{178952C0-3E1F-49A2-A869-ED810EA2C686}" type="slidenum">
+              <a:rPr lang="ru-RU" smtClean="0"/>
+              <a:t>18</a:t>
+            </a:fld>
+            <a:endParaRPr lang="ru-RU"/>
+          </a:p>
+        </p:txBody>
+      </p:sp>
+    </p:spTree>
+    <p:extLst>
+      <p:ext uri="{BB962C8B-B14F-4D97-AF65-F5344CB8AC3E}">
+        <p14:creationId xmlns:p14="http://schemas.microsoft.com/office/powerpoint/2010/main" val="3895178734"/>
+      </p:ext>
+    </p:extLst>
+  </p:cSld>
+  <p:clrMapOvr>
+    <a:masterClrMapping/>
+  </p:clrMapOvr>
+</p:notes>
+</file>
+
+<file path=ppt/notesSlides/notesSlide6.xml><?xml version="1.0" encoding="utf-8"?>
+<p:notes xmlns:a="http://schemas.openxmlformats.org/drawingml/2006/main" xmlns:r="http://schemas.openxmlformats.org/officeDocument/2006/relationships" xmlns:p="http://schemas.openxmlformats.org/presentationml/2006/main">
+  <p:cSld>
+    <p:spTree>
+      <p:nvGrpSpPr>
+        <p:cNvPr id="1" name=""/>
+        <p:cNvGrpSpPr/>
+        <p:nvPr/>
+      </p:nvGrpSpPr>
+      <p:grpSpPr>
+        <a:xfrm>
+          <a:off x="0" y="0"/>
+          <a:ext cx="0" cy="0"/>
+          <a:chOff x="0" y="0"/>
+          <a:chExt cx="0" cy="0"/>
+        </a:xfrm>
+      </p:grpSpPr>
+      <p:sp>
+        <p:nvSpPr>
+          <p:cNvPr id="2" name="Образ слайда 1"/>
+          <p:cNvSpPr>
+            <a:spLocks noGrp="1" noRot="1" noChangeAspect="1"/>
+          </p:cNvSpPr>
+          <p:nvPr>
+            <p:ph type="sldImg"/>
+          </p:nvPr>
+        </p:nvSpPr>
+        <p:spPr/>
+      </p:sp>
+      <p:sp>
+        <p:nvSpPr>
+          <p:cNvPr id="3" name="Заметки 2"/>
+          <p:cNvSpPr>
+            <a:spLocks noGrp="1"/>
+          </p:cNvSpPr>
+          <p:nvPr>
+            <p:ph type="body" idx="1"/>
+          </p:nvPr>
+        </p:nvSpPr>
+        <p:spPr/>
+        <p:txBody>
+          <a:bodyPr/>
+          <a:lstStyle/>
+          <a:p>
+            <a:r>
+              <a:rPr lang="ru-RU" dirty="0" smtClean="0"/>
+              <a:t>Документ – например сканирование документа. Пользователь извещается о готовности по </a:t>
+            </a:r>
+            <a:r>
+              <a:rPr lang="ru-RU" dirty="0" err="1" smtClean="0"/>
+              <a:t>емейл</a:t>
+            </a:r>
+            <a:endParaRPr lang="ru-RU" dirty="0"/>
+          </a:p>
+        </p:txBody>
+      </p:sp>
+      <p:sp>
+        <p:nvSpPr>
+          <p:cNvPr id="4" name="Номер слайда 3"/>
+          <p:cNvSpPr>
+            <a:spLocks noGrp="1"/>
+          </p:cNvSpPr>
+          <p:nvPr>
+            <p:ph type="sldNum" sz="quarter" idx="10"/>
+          </p:nvPr>
+        </p:nvSpPr>
+        <p:spPr/>
+        <p:txBody>
+          <a:bodyPr/>
+          <a:lstStyle/>
+          <a:p>
+            <a:fld id="{178952C0-3E1F-49A2-A869-ED810EA2C686}" type="slidenum">
+              <a:rPr lang="ru-RU" smtClean="0"/>
+              <a:t>20</a:t>
+            </a:fld>
+            <a:endParaRPr lang="ru-RU"/>
+          </a:p>
+        </p:txBody>
+      </p:sp>
+    </p:spTree>
+    <p:extLst>
+      <p:ext uri="{BB962C8B-B14F-4D97-AF65-F5344CB8AC3E}">
+        <p14:creationId xmlns:p14="http://schemas.microsoft.com/office/powerpoint/2010/main" val="1531012896"/>
+      </p:ext>
+    </p:extLst>
+  </p:cSld>
+  <p:clrMapOvr>
+    <a:masterClrMapping/>
+  </p:clrMapOvr>
+</p:notes>
+</file>
+
+<file path=ppt/notesSlides/notesSlide7.xml><?xml version="1.0" encoding="utf-8"?>
+<p:notes xmlns:a="http://schemas.openxmlformats.org/drawingml/2006/main" xmlns:r="http://schemas.openxmlformats.org/officeDocument/2006/relationships" xmlns:p="http://schemas.openxmlformats.org/presentationml/2006/main">
+  <p:cSld>
+    <p:spTree>
+      <p:nvGrpSpPr>
+        <p:cNvPr id="1" name=""/>
+        <p:cNvGrpSpPr/>
+        <p:nvPr/>
+      </p:nvGrpSpPr>
+      <p:grpSpPr>
+        <a:xfrm>
+          <a:off x="0" y="0"/>
+          <a:ext cx="0" cy="0"/>
+          <a:chOff x="0" y="0"/>
+          <a:chExt cx="0" cy="0"/>
+        </a:xfrm>
+      </p:grpSpPr>
+      <p:sp>
+        <p:nvSpPr>
+          <p:cNvPr id="2" name="Образ слайда 1"/>
+          <p:cNvSpPr>
+            <a:spLocks noGrp="1" noRot="1" noChangeAspect="1"/>
+          </p:cNvSpPr>
+          <p:nvPr>
+            <p:ph type="sldImg"/>
+          </p:nvPr>
+        </p:nvSpPr>
+        <p:spPr/>
+      </p:sp>
+      <p:sp>
+        <p:nvSpPr>
+          <p:cNvPr id="3" name="Заметки 2"/>
+          <p:cNvSpPr>
+            <a:spLocks noGrp="1"/>
+          </p:cNvSpPr>
+          <p:nvPr>
+            <p:ph type="body" idx="1"/>
+          </p:nvPr>
+        </p:nvSpPr>
+        <p:spPr/>
+        <p:txBody>
+          <a:bodyPr/>
+          <a:lstStyle/>
+          <a:p>
             <a:pPr marL="0" marR="0" indent="0" algn="l" defTabSz="914400" rtl="0" eaLnBrk="1" fontAlgn="auto" latinLnBrk="0" hangingPunct="1">
               <a:lnSpc>
                 <a:spcPct val="100000"/>
@@ -704,7 +1289,7 @@
           <a:p>
             <a:fld id="{178952C0-3E1F-49A2-A869-ED810EA2C686}" type="slidenum">
               <a:rPr lang="ru-RU" smtClean="0"/>
-              <a:t>19</a:t>
+              <a:t>23</a:t>
             </a:fld>
             <a:endParaRPr lang="ru-RU"/>
           </a:p>
@@ -904,7 +1489,7 @@
           <a:p>
             <a:fld id="{57E389D1-C2F8-40B4-B845-801280EA792C}" type="datetimeFigureOut">
               <a:rPr lang="ru-RU" smtClean="0"/>
-              <a:t>16.10.2015</a:t>
+              <a:t>18.10.2015</a:t>
             </a:fld>
             <a:endParaRPr lang="ru-RU"/>
           </a:p>
@@ -1074,7 +1659,7 @@
           <a:p>
             <a:fld id="{57E389D1-C2F8-40B4-B845-801280EA792C}" type="datetimeFigureOut">
               <a:rPr lang="ru-RU" smtClean="0"/>
-              <a:t>16.10.2015</a:t>
+              <a:t>18.10.2015</a:t>
             </a:fld>
             <a:endParaRPr lang="ru-RU"/>
           </a:p>
@@ -1254,7 +1839,7 @@
           <a:p>
             <a:fld id="{57E389D1-C2F8-40B4-B845-801280EA792C}" type="datetimeFigureOut">
               <a:rPr lang="ru-RU" smtClean="0"/>
-              <a:t>16.10.2015</a:t>
+              <a:t>18.10.2015</a:t>
             </a:fld>
             <a:endParaRPr lang="ru-RU"/>
           </a:p>
@@ -1424,7 +2009,7 @@
           <a:p>
             <a:fld id="{57E389D1-C2F8-40B4-B845-801280EA792C}" type="datetimeFigureOut">
               <a:rPr lang="ru-RU" smtClean="0"/>
-              <a:t>16.10.2015</a:t>
+              <a:t>18.10.2015</a:t>
             </a:fld>
             <a:endParaRPr lang="ru-RU"/>
           </a:p>
@@ -1670,7 +2255,7 @@
           <a:p>
             <a:fld id="{57E389D1-C2F8-40B4-B845-801280EA792C}" type="datetimeFigureOut">
               <a:rPr lang="ru-RU" smtClean="0"/>
-              <a:t>16.10.2015</a:t>
+              <a:t>18.10.2015</a:t>
             </a:fld>
             <a:endParaRPr lang="ru-RU"/>
           </a:p>
@@ -1958,7 +2543,7 @@
           <a:p>
             <a:fld id="{57E389D1-C2F8-40B4-B845-801280EA792C}" type="datetimeFigureOut">
               <a:rPr lang="ru-RU" smtClean="0"/>
-              <a:t>16.10.2015</a:t>
+              <a:t>18.10.2015</a:t>
             </a:fld>
             <a:endParaRPr lang="ru-RU"/>
           </a:p>
@@ -2380,7 +2965,7 @@
           <a:p>
             <a:fld id="{57E389D1-C2F8-40B4-B845-801280EA792C}" type="datetimeFigureOut">
               <a:rPr lang="ru-RU" smtClean="0"/>
-              <a:t>16.10.2015</a:t>
+              <a:t>18.10.2015</a:t>
             </a:fld>
             <a:endParaRPr lang="ru-RU"/>
           </a:p>
@@ -2498,7 +3083,7 @@
           <a:p>
             <a:fld id="{57E389D1-C2F8-40B4-B845-801280EA792C}" type="datetimeFigureOut">
               <a:rPr lang="ru-RU" smtClean="0"/>
-              <a:t>16.10.2015</a:t>
+              <a:t>18.10.2015</a:t>
             </a:fld>
             <a:endParaRPr lang="ru-RU"/>
           </a:p>
@@ -2593,7 +3178,7 @@
           <a:p>
             <a:fld id="{57E389D1-C2F8-40B4-B845-801280EA792C}" type="datetimeFigureOut">
               <a:rPr lang="ru-RU" smtClean="0"/>
-              <a:t>16.10.2015</a:t>
+              <a:t>18.10.2015</a:t>
             </a:fld>
             <a:endParaRPr lang="ru-RU"/>
           </a:p>
@@ -2870,7 +3455,7 @@
           <a:p>
             <a:fld id="{57E389D1-C2F8-40B4-B845-801280EA792C}" type="datetimeFigureOut">
               <a:rPr lang="ru-RU" smtClean="0"/>
-              <a:t>16.10.2015</a:t>
+              <a:t>18.10.2015</a:t>
             </a:fld>
             <a:endParaRPr lang="ru-RU"/>
           </a:p>
@@ -3123,7 +3708,7 @@
           <a:p>
             <a:fld id="{57E389D1-C2F8-40B4-B845-801280EA792C}" type="datetimeFigureOut">
               <a:rPr lang="ru-RU" smtClean="0"/>
-              <a:t>16.10.2015</a:t>
+              <a:t>18.10.2015</a:t>
             </a:fld>
             <a:endParaRPr lang="ru-RU"/>
           </a:p>
@@ -3336,7 +3921,7 @@
           <a:p>
             <a:fld id="{57E389D1-C2F8-40B4-B845-801280EA792C}" type="datetimeFigureOut">
               <a:rPr lang="ru-RU" smtClean="0"/>
-              <a:t>16.10.2015</a:t>
+              <a:t>18.10.2015</a:t>
             </a:fld>
             <a:endParaRPr lang="ru-RU"/>
           </a:p>
@@ -3867,41 +4452,37 @@
               <a:rPr lang="en-US" dirty="0" smtClean="0"/>
               <a:t>One-button Deployment</a:t>
             </a:r>
+          </a:p>
+          <a:p>
+            <a:pPr lvl="1"/>
+            <a:r>
+              <a:rPr lang="en-US" dirty="0" smtClean="0"/>
+              <a:t>Database Evolution</a:t>
+            </a:r>
+            <a:endParaRPr lang="ru-RU" dirty="0" smtClean="0"/>
+          </a:p>
+          <a:p>
+            <a:pPr lvl="2"/>
+            <a:r>
+              <a:rPr lang="ru-RU" dirty="0" smtClean="0"/>
+              <a:t>Создание структур БД</a:t>
+            </a:r>
             <a:endParaRPr lang="en-US" dirty="0" smtClean="0"/>
           </a:p>
           <a:p>
-            <a:pPr lvl="1"/>
-            <a:r>
-              <a:rPr lang="en-US" dirty="0" smtClean="0"/>
-              <a:t>Database </a:t>
-            </a:r>
-            <a:r>
-              <a:rPr lang="en-US" dirty="0" smtClean="0"/>
-              <a:t>Evolution</a:t>
-            </a:r>
-            <a:endParaRPr lang="ru-RU" dirty="0" smtClean="0"/>
-          </a:p>
-          <a:p>
             <a:pPr lvl="2"/>
             <a:r>
-              <a:rPr lang="en-US" dirty="0" err="1" smtClean="0"/>
-              <a:t>Liquibase</a:t>
+              <a:rPr lang="ru-RU" dirty="0" smtClean="0"/>
+              <a:t>Миграция данных</a:t>
+            </a:r>
+          </a:p>
+          <a:p>
+            <a:pPr lvl="2"/>
+            <a:r>
+              <a:rPr lang="ru-RU" dirty="0" smtClean="0"/>
+              <a:t>Автоматическое выполнение</a:t>
             </a:r>
             <a:endParaRPr lang="en-US" dirty="0" smtClean="0"/>
-          </a:p>
-          <a:p>
-            <a:pPr lvl="3"/>
-            <a:r>
-              <a:rPr lang="en-US" dirty="0" smtClean="0"/>
-              <a:t>Automated run</a:t>
-            </a:r>
-          </a:p>
-          <a:p>
-            <a:pPr lvl="2"/>
-            <a:r>
-              <a:rPr lang="en-US" dirty="0" smtClean="0"/>
-              <a:t>Data migration</a:t>
-            </a:r>
           </a:p>
           <a:p>
             <a:pPr lvl="1"/>
@@ -3965,12 +4546,12 @@
           <a:lstStyle/>
           <a:p>
             <a:r>
-              <a:rPr lang="en-US" dirty="0" err="1" smtClean="0"/>
-              <a:t>Microservices</a:t>
-            </a:r>
-            <a:r>
-              <a:rPr lang="en-US" dirty="0" smtClean="0"/>
-              <a:t> Design</a:t>
+              <a:rPr lang="ru-RU" dirty="0" smtClean="0"/>
+              <a:t>Дизайн </a:t>
+            </a:r>
+            <a:r>
+              <a:rPr lang="ru-RU" dirty="0" err="1" smtClean="0"/>
+              <a:t>микросервисов</a:t>
             </a:r>
             <a:endParaRPr lang="ru-RU" dirty="0"/>
           </a:p>
@@ -3989,7 +4570,7 @@
         <p:spPr/>
         <p:txBody>
           <a:bodyPr>
-            <a:normAutofit fontScale="92500" lnSpcReduction="10000"/>
+            <a:normAutofit/>
           </a:bodyPr>
           <a:lstStyle/>
           <a:p>
@@ -3999,10 +4580,10 @@
               </a:lnSpc>
             </a:pPr>
             <a:r>
-              <a:rPr lang="ru-RU" dirty="0"/>
+              <a:rPr lang="ru-RU" b="1" u="sng" dirty="0"/>
               <a:t>Децентрализованное управление </a:t>
             </a:r>
-            <a:endParaRPr lang="en-US" dirty="0"/>
+            <a:endParaRPr lang="en-US" b="1" u="sng" dirty="0"/>
           </a:p>
           <a:p>
             <a:pPr>
@@ -4012,11 +4593,7 @@
             </a:pPr>
             <a:r>
               <a:rPr lang="ru-RU" dirty="0" smtClean="0"/>
-              <a:t>Децентрализованные </a:t>
-            </a:r>
-            <a:r>
-              <a:rPr lang="ru-RU" dirty="0" smtClean="0"/>
-              <a:t>данные</a:t>
+              <a:t>Децентрализованные данные</a:t>
             </a:r>
             <a:endParaRPr lang="ru-RU" dirty="0"/>
           </a:p>
@@ -4028,11 +4605,7 @@
             </a:pPr>
             <a:r>
               <a:rPr lang="ru-RU" dirty="0" smtClean="0"/>
-              <a:t>Протокол </a:t>
-            </a:r>
-            <a:r>
-              <a:rPr lang="ru-RU" dirty="0" smtClean="0"/>
-              <a:t>взаимодействия</a:t>
+              <a:t>Взаимодействие сервисов</a:t>
             </a:r>
             <a:endParaRPr lang="en-US" dirty="0" smtClean="0"/>
           </a:p>
@@ -4043,10 +4616,9 @@
               </a:lnSpc>
             </a:pPr>
             <a:r>
-              <a:rPr lang="ru-RU" dirty="0" smtClean="0"/>
-              <a:t>Совместимость</a:t>
-            </a:r>
-            <a:endParaRPr lang="en-US" dirty="0" smtClean="0"/>
+              <a:rPr lang="ru-RU" dirty="0"/>
+              <a:t>Проектирование под отказ</a:t>
+            </a:r>
           </a:p>
           <a:p>
             <a:pPr>
@@ -4055,22 +4627,14 @@
               </a:lnSpc>
             </a:pPr>
             <a:r>
-              <a:rPr lang="ru-RU" dirty="0" smtClean="0"/>
-              <a:t>Документация</a:t>
-            </a:r>
-            <a:endParaRPr lang="en-US" dirty="0" smtClean="0"/>
-          </a:p>
-          <a:p>
-            <a:pPr>
-              <a:lnSpc>
-                <a:spcPct val="150000"/>
-              </a:lnSpc>
-            </a:pPr>
-            <a:r>
-              <a:rPr lang="ru-RU" dirty="0" smtClean="0"/>
-              <a:t>Проектирование под отказ</a:t>
-            </a:r>
-            <a:endParaRPr lang="en-US" dirty="0" smtClean="0"/>
+              <a:rPr lang="ru-RU" dirty="0"/>
+              <a:t>Типы </a:t>
+            </a:r>
+            <a:r>
+              <a:rPr lang="ru-RU" dirty="0" smtClean="0"/>
+              <a:t>взаимодействия</a:t>
+            </a:r>
+            <a:endParaRPr lang="ru-RU" dirty="0"/>
           </a:p>
         </p:txBody>
       </p:sp>
@@ -4152,7 +4716,9 @@
         </p:nvSpPr>
         <p:spPr/>
         <p:txBody>
-          <a:bodyPr/>
+          <a:bodyPr>
+            <a:normAutofit lnSpcReduction="10000"/>
+          </a:bodyPr>
           <a:lstStyle/>
           <a:p>
             <a:pPr marL="0" indent="0">
@@ -4188,7 +4754,18 @@
           <a:p>
             <a:r>
               <a:rPr lang="ru-RU" dirty="0" smtClean="0"/>
-              <a:t>Но единая платформа</a:t>
+              <a:t>Архитектурные решения</a:t>
+            </a:r>
+            <a:endParaRPr lang="ru-RU" dirty="0" smtClean="0"/>
+          </a:p>
+          <a:p>
+            <a:r>
+              <a:rPr lang="ru-RU" dirty="0" smtClean="0"/>
+              <a:t>Но </a:t>
+            </a:r>
+            <a:r>
+              <a:rPr lang="ru-RU" dirty="0" smtClean="0"/>
+              <a:t>единая платформа</a:t>
             </a:r>
           </a:p>
           <a:p>
@@ -4204,6 +4781,36 @@
               <a:rPr lang="ru-RU" dirty="0" smtClean="0"/>
               <a:t>сборки</a:t>
             </a:r>
+          </a:p>
+          <a:p>
+            <a:pPr lvl="1">
+              <a:buFontTx/>
+              <a:buChar char="-"/>
+            </a:pPr>
+            <a:r>
+              <a:rPr lang="ru-RU" dirty="0" smtClean="0"/>
+              <a:t>Общие библиотеки (</a:t>
+            </a:r>
+            <a:r>
+              <a:rPr lang="en-US" dirty="0" smtClean="0"/>
+              <a:t>Guava)</a:t>
+            </a:r>
+          </a:p>
+          <a:p>
+            <a:pPr lvl="1">
+              <a:buFontTx/>
+              <a:buChar char="-"/>
+            </a:pPr>
+            <a:r>
+              <a:rPr lang="ru-RU" dirty="0" smtClean="0"/>
+              <a:t>Стандарты кода</a:t>
+            </a:r>
+          </a:p>
+          <a:p>
+            <a:pPr lvl="1">
+              <a:buFontTx/>
+              <a:buChar char="-"/>
+            </a:pPr>
             <a:endParaRPr lang="ru-RU" dirty="0"/>
           </a:p>
         </p:txBody>
@@ -4257,104 +4864,97 @@
         </p:nvSpPr>
         <p:spPr/>
         <p:txBody>
+          <a:bodyPr/>
+          <a:lstStyle/>
+          <a:p>
+            <a:r>
+              <a:rPr lang="ru-RU" dirty="0"/>
+              <a:t>Дизайн </a:t>
+            </a:r>
+            <a:r>
+              <a:rPr lang="ru-RU" dirty="0" err="1"/>
+              <a:t>микросервисов</a:t>
+            </a:r>
+            <a:endParaRPr lang="ru-RU" dirty="0"/>
+          </a:p>
+        </p:txBody>
+      </p:sp>
+      <p:sp>
+        <p:nvSpPr>
+          <p:cNvPr id="3" name="Объект 2"/>
+          <p:cNvSpPr>
+            <a:spLocks noGrp="1"/>
+          </p:cNvSpPr>
+          <p:nvPr>
+            <p:ph idx="1"/>
+          </p:nvPr>
+        </p:nvSpPr>
+        <p:spPr/>
+        <p:txBody>
           <a:bodyPr>
             <a:normAutofit/>
           </a:bodyPr>
           <a:lstStyle/>
           <a:p>
-            <a:r>
-              <a:rPr lang="en-US" u="sng" dirty="0"/>
-              <a:t>Decentralized </a:t>
-            </a:r>
-            <a:r>
-              <a:rPr lang="en-US" u="sng" dirty="0" smtClean="0"/>
-              <a:t>Data</a:t>
-            </a:r>
-            <a:endParaRPr lang="ru-RU" dirty="0"/>
-          </a:p>
-        </p:txBody>
-      </p:sp>
-      <p:sp>
-        <p:nvSpPr>
-          <p:cNvPr id="3" name="Объект 2"/>
-          <p:cNvSpPr>
-            <a:spLocks noGrp="1"/>
-          </p:cNvSpPr>
-          <p:nvPr>
-            <p:ph idx="1"/>
-          </p:nvPr>
-        </p:nvSpPr>
-        <p:spPr/>
-        <p:txBody>
-          <a:bodyPr/>
-          <a:lstStyle/>
-          <a:p>
-            <a:pPr marL="0" indent="0">
-              <a:buNone/>
+            <a:pPr>
+              <a:lnSpc>
+                <a:spcPct val="150000"/>
+              </a:lnSpc>
             </a:pPr>
             <a:r>
-              <a:rPr lang="ru-RU" u="sng" dirty="0"/>
-              <a:t>Децентрализованные данные </a:t>
-            </a:r>
-            <a:endParaRPr lang="ru-RU" u="sng" dirty="0" smtClean="0"/>
-          </a:p>
-          <a:p>
-            <a:r>
-              <a:rPr lang="ru-RU" dirty="0" smtClean="0"/>
-              <a:t>Разные </a:t>
-            </a:r>
-            <a:r>
               <a:rPr lang="ru-RU" dirty="0"/>
-              <a:t>хранилища данных</a:t>
+              <a:t>Децентрализованное управление </a:t>
             </a:r>
             <a:endParaRPr lang="en-US" dirty="0"/>
           </a:p>
           <a:p>
-            <a:pPr marL="0" indent="0">
-              <a:buNone/>
+            <a:pPr>
+              <a:lnSpc>
+                <a:spcPct val="150000"/>
+              </a:lnSpc>
             </a:pPr>
             <a:r>
-              <a:rPr lang="en-US" dirty="0"/>
-              <a:t>		- polyglot persistence</a:t>
-            </a:r>
-          </a:p>
-          <a:p>
-            <a:pPr marL="0" indent="0">
-              <a:buNone/>
+              <a:rPr lang="ru-RU" b="1" u="sng" dirty="0" smtClean="0"/>
+              <a:t>Децентрализованные данные</a:t>
+            </a:r>
+            <a:endParaRPr lang="ru-RU" b="1" u="sng" dirty="0"/>
+          </a:p>
+          <a:p>
+            <a:pPr>
+              <a:lnSpc>
+                <a:spcPct val="150000"/>
+              </a:lnSpc>
             </a:pPr>
             <a:r>
-              <a:rPr lang="en-US" dirty="0"/>
-              <a:t>		- Mongo/</a:t>
-            </a:r>
-            <a:r>
-              <a:rPr lang="en-US" dirty="0" err="1"/>
-              <a:t>Postgres</a:t>
-            </a:r>
-            <a:r>
-              <a:rPr lang="en-US" dirty="0"/>
-              <a:t>/</a:t>
-            </a:r>
-            <a:r>
-              <a:rPr lang="en-US" dirty="0" err="1"/>
-              <a:t>Lucene</a:t>
-            </a:r>
-            <a:endParaRPr lang="en-US" dirty="0"/>
-          </a:p>
-          <a:p>
-            <a:r>
-              <a:rPr lang="ru-RU" dirty="0" smtClean="0"/>
-              <a:t>Нет доступа к хранилищам других сервисов</a:t>
-            </a:r>
-          </a:p>
-          <a:p>
-            <a:pPr lvl="1"/>
-            <a:endParaRPr lang="ru-RU" dirty="0"/>
-          </a:p>
-          <a:p>
-            <a:pPr lvl="3"/>
-            <a:r>
-              <a:rPr lang="ru-RU" dirty="0" smtClean="0"/>
-              <a:t>Изображение здесь</a:t>
+              <a:rPr lang="ru-RU" dirty="0" smtClean="0"/>
+              <a:t>Взаимодействие сервисов</a:t>
+            </a:r>
+            <a:endParaRPr lang="en-US" dirty="0" smtClean="0"/>
+          </a:p>
+          <a:p>
+            <a:pPr>
+              <a:lnSpc>
+                <a:spcPct val="150000"/>
+              </a:lnSpc>
+            </a:pPr>
+            <a:r>
+              <a:rPr lang="ru-RU" dirty="0"/>
+              <a:t>Проектирование под отказ</a:t>
+            </a:r>
+          </a:p>
+          <a:p>
+            <a:pPr>
+              <a:lnSpc>
+                <a:spcPct val="150000"/>
+              </a:lnSpc>
+            </a:pPr>
+            <a:r>
+              <a:rPr lang="ru-RU" dirty="0"/>
+              <a:t>Типы </a:t>
+            </a:r>
+            <a:r>
+              <a:rPr lang="ru-RU" dirty="0" smtClean="0"/>
+              <a:t>взаимодействия</a:t>
             </a:r>
             <a:endParaRPr lang="ru-RU" dirty="0"/>
           </a:p>
@@ -4363,7 +4963,7 @@
     </p:spTree>
     <p:extLst>
       <p:ext uri="{BB962C8B-B14F-4D97-AF65-F5344CB8AC3E}">
-        <p14:creationId xmlns:p14="http://schemas.microsoft.com/office/powerpoint/2010/main" val="1361634447"/>
+        <p14:creationId xmlns:p14="http://schemas.microsoft.com/office/powerpoint/2010/main" val="2030410628"/>
       </p:ext>
     </p:extLst>
   </p:cSld>
@@ -4409,84 +5009,456 @@
         </p:nvSpPr>
         <p:spPr/>
         <p:txBody>
-          <a:bodyPr/>
-          <a:lstStyle/>
-          <a:p>
-            <a:r>
-              <a:rPr lang="en-US" dirty="0" err="1" smtClean="0"/>
-              <a:t>Microservices</a:t>
-            </a:r>
-            <a:r>
-              <a:rPr lang="en-US" dirty="0" smtClean="0"/>
-              <a:t> Design</a:t>
-            </a:r>
-            <a:endParaRPr lang="ru-RU" dirty="0"/>
-          </a:p>
-        </p:txBody>
-      </p:sp>
-      <p:sp>
-        <p:nvSpPr>
-          <p:cNvPr id="3" name="Объект 2"/>
-          <p:cNvSpPr>
-            <a:spLocks noGrp="1"/>
-          </p:cNvSpPr>
-          <p:nvPr>
-            <p:ph idx="1"/>
-          </p:nvPr>
-        </p:nvSpPr>
-        <p:spPr/>
-        <p:txBody>
           <a:bodyPr>
             <a:normAutofit/>
           </a:bodyPr>
           <a:lstStyle/>
           <a:p>
             <a:r>
+              <a:rPr lang="en-US" u="sng" dirty="0"/>
+              <a:t>Decentralized </a:t>
+            </a:r>
+            <a:r>
+              <a:rPr lang="en-US" u="sng" dirty="0" smtClean="0"/>
+              <a:t>Data</a:t>
+            </a:r>
+            <a:endParaRPr lang="ru-RU" dirty="0"/>
+          </a:p>
+        </p:txBody>
+      </p:sp>
+      <p:sp>
+        <p:nvSpPr>
+          <p:cNvPr id="3" name="Объект 2"/>
+          <p:cNvSpPr>
+            <a:spLocks noGrp="1"/>
+          </p:cNvSpPr>
+          <p:nvPr>
+            <p:ph idx="1"/>
+          </p:nvPr>
+        </p:nvSpPr>
+        <p:spPr/>
+        <p:txBody>
+          <a:bodyPr/>
+          <a:lstStyle/>
+          <a:p>
+            <a:pPr marL="0" indent="0">
+              <a:buNone/>
+            </a:pPr>
+            <a:r>
+              <a:rPr lang="ru-RU" u="sng" dirty="0"/>
+              <a:t>Децентрализованные данные </a:t>
+            </a:r>
+            <a:endParaRPr lang="ru-RU" u="sng" dirty="0" smtClean="0"/>
+          </a:p>
+          <a:p>
+            <a:r>
+              <a:rPr lang="ru-RU" dirty="0" smtClean="0"/>
+              <a:t>Разные </a:t>
+            </a:r>
+            <a:r>
               <a:rPr lang="ru-RU" dirty="0"/>
-              <a:t>Протокол взаимодействия</a:t>
+              <a:t>хранилища данных</a:t>
             </a:r>
             <a:endParaRPr lang="en-US" dirty="0"/>
           </a:p>
           <a:p>
-            <a:pPr lvl="1"/>
+            <a:pPr marL="0" indent="0">
+              <a:buNone/>
+            </a:pPr>
             <a:r>
               <a:rPr lang="en-US" dirty="0"/>
+              <a:t>		- polyglot persistence</a:t>
+            </a:r>
+          </a:p>
+          <a:p>
+            <a:pPr marL="0" indent="0">
+              <a:buNone/>
+            </a:pPr>
+            <a:r>
+              <a:rPr lang="en-US" dirty="0"/>
+              <a:t>		- Mongo/</a:t>
+            </a:r>
+            <a:r>
+              <a:rPr lang="en-US" dirty="0" err="1"/>
+              <a:t>Postgres</a:t>
+            </a:r>
+            <a:r>
+              <a:rPr lang="en-US" dirty="0"/>
+              <a:t>/</a:t>
+            </a:r>
+            <a:r>
+              <a:rPr lang="en-US" dirty="0" err="1"/>
+              <a:t>Lucene</a:t>
+            </a:r>
+            <a:endParaRPr lang="en-US" dirty="0"/>
+          </a:p>
+          <a:p>
+            <a:r>
+              <a:rPr lang="ru-RU" dirty="0" smtClean="0"/>
+              <a:t>Нет доступа к хранилищам других сервисов</a:t>
+            </a:r>
+          </a:p>
+          <a:p>
+            <a:pPr marL="457200" lvl="1" indent="0">
+              <a:buNone/>
+            </a:pPr>
+            <a:endParaRPr lang="ru-RU" dirty="0"/>
+          </a:p>
+        </p:txBody>
+      </p:sp>
+      <p:sp>
+        <p:nvSpPr>
+          <p:cNvPr id="4" name="Блок-схема: магнитный диск 3"/>
+          <p:cNvSpPr/>
+          <p:nvPr/>
+        </p:nvSpPr>
+        <p:spPr>
+          <a:xfrm>
+            <a:off x="2220888" y="5631990"/>
+            <a:ext cx="1296144" cy="576064"/>
+          </a:xfrm>
+          <a:prstGeom prst="flowChartMagneticDisk">
+            <a:avLst/>
+          </a:prstGeom>
+        </p:spPr>
+        <p:style>
+          <a:lnRef idx="2">
+            <a:schemeClr val="accent1">
+              <a:shade val="50000"/>
+            </a:schemeClr>
+          </a:lnRef>
+          <a:fillRef idx="1">
+            <a:schemeClr val="accent1"/>
+          </a:fillRef>
+          <a:effectRef idx="0">
+            <a:schemeClr val="accent1"/>
+          </a:effectRef>
+          <a:fontRef idx="minor">
+            <a:schemeClr val="lt1"/>
+          </a:fontRef>
+        </p:style>
+        <p:txBody>
+          <a:bodyPr rtlCol="0" anchor="ctr"/>
+          <a:lstStyle/>
+          <a:p>
+            <a:pPr algn="ctr"/>
+            <a:r>
+              <a:rPr lang="en-US" dirty="0" err="1" smtClean="0"/>
+              <a:t>PostgreSQL</a:t>
+            </a:r>
+            <a:endParaRPr lang="ru-RU" dirty="0"/>
+          </a:p>
+        </p:txBody>
+      </p:sp>
+      <p:sp>
+        <p:nvSpPr>
+          <p:cNvPr id="5" name="Блок-схема: магнитный диск 4"/>
+          <p:cNvSpPr/>
+          <p:nvPr/>
+        </p:nvSpPr>
+        <p:spPr>
+          <a:xfrm>
+            <a:off x="5148064" y="5661248"/>
+            <a:ext cx="1296144" cy="576064"/>
+          </a:xfrm>
+          <a:prstGeom prst="flowChartMagneticDisk">
+            <a:avLst/>
+          </a:prstGeom>
+        </p:spPr>
+        <p:style>
+          <a:lnRef idx="2">
+            <a:schemeClr val="accent1">
+              <a:shade val="50000"/>
+            </a:schemeClr>
+          </a:lnRef>
+          <a:fillRef idx="1">
+            <a:schemeClr val="accent1"/>
+          </a:fillRef>
+          <a:effectRef idx="0">
+            <a:schemeClr val="accent1"/>
+          </a:effectRef>
+          <a:fontRef idx="minor">
+            <a:schemeClr val="lt1"/>
+          </a:fontRef>
+        </p:style>
+        <p:txBody>
+          <a:bodyPr rtlCol="0" anchor="ctr"/>
+          <a:lstStyle/>
+          <a:p>
+            <a:pPr algn="ctr"/>
+            <a:r>
+              <a:rPr lang="en-US" dirty="0" err="1" smtClean="0"/>
+              <a:t>MongoDB</a:t>
+            </a:r>
+            <a:endParaRPr lang="ru-RU" dirty="0"/>
+          </a:p>
+        </p:txBody>
+      </p:sp>
+      <p:sp>
+        <p:nvSpPr>
+          <p:cNvPr id="6" name="Прямоугольник 5"/>
+          <p:cNvSpPr/>
+          <p:nvPr/>
+        </p:nvSpPr>
+        <p:spPr>
+          <a:xfrm>
+            <a:off x="2411760" y="4797152"/>
+            <a:ext cx="914400" cy="576064"/>
+          </a:xfrm>
+          <a:prstGeom prst="rect">
+            <a:avLst/>
+          </a:prstGeom>
+        </p:spPr>
+        <p:style>
+          <a:lnRef idx="2">
+            <a:schemeClr val="accent1">
+              <a:shade val="50000"/>
+            </a:schemeClr>
+          </a:lnRef>
+          <a:fillRef idx="1">
+            <a:schemeClr val="accent1"/>
+          </a:fillRef>
+          <a:effectRef idx="0">
+            <a:schemeClr val="accent1"/>
+          </a:effectRef>
+          <a:fontRef idx="minor">
+            <a:schemeClr val="lt1"/>
+          </a:fontRef>
+        </p:style>
+        <p:txBody>
+          <a:bodyPr rtlCol="0" anchor="ctr"/>
+          <a:lstStyle/>
+          <a:p>
+            <a:pPr algn="ctr"/>
+            <a:r>
+              <a:rPr lang="en-US" dirty="0" smtClean="0"/>
+              <a:t>ROA</a:t>
+            </a:r>
+            <a:endParaRPr lang="ru-RU" dirty="0"/>
+          </a:p>
+        </p:txBody>
+      </p:sp>
+      <p:sp>
+        <p:nvSpPr>
+          <p:cNvPr id="7" name="Прямоугольник 6"/>
+          <p:cNvSpPr/>
+          <p:nvPr/>
+        </p:nvSpPr>
+        <p:spPr>
+          <a:xfrm>
+            <a:off x="5338936" y="4797152"/>
+            <a:ext cx="914400" cy="576064"/>
+          </a:xfrm>
+          <a:prstGeom prst="rect">
+            <a:avLst/>
+          </a:prstGeom>
+        </p:spPr>
+        <p:style>
+          <a:lnRef idx="2">
+            <a:schemeClr val="accent1">
+              <a:shade val="50000"/>
+            </a:schemeClr>
+          </a:lnRef>
+          <a:fillRef idx="1">
+            <a:schemeClr val="accent1"/>
+          </a:fillRef>
+          <a:effectRef idx="0">
+            <a:schemeClr val="accent1"/>
+          </a:effectRef>
+          <a:fontRef idx="minor">
+            <a:schemeClr val="lt1"/>
+          </a:fontRef>
+        </p:style>
+        <p:txBody>
+          <a:bodyPr rtlCol="0" anchor="ctr"/>
+          <a:lstStyle/>
+          <a:p>
+            <a:pPr algn="ctr"/>
+            <a:r>
+              <a:rPr lang="ru-RU" dirty="0" smtClean="0"/>
+              <a:t>Скидки</a:t>
+            </a:r>
+            <a:endParaRPr lang="ru-RU" dirty="0"/>
+          </a:p>
+        </p:txBody>
+      </p:sp>
+      <p:cxnSp>
+        <p:nvCxnSpPr>
+          <p:cNvPr id="9" name="Прямая со стрелкой 8"/>
+          <p:cNvCxnSpPr>
+            <a:endCxn id="6" idx="1"/>
+          </p:cNvCxnSpPr>
+          <p:nvPr/>
+        </p:nvCxnSpPr>
+        <p:spPr>
+          <a:xfrm>
+            <a:off x="1619672" y="5085184"/>
+            <a:ext cx="792088" cy="0"/>
+          </a:xfrm>
+          <a:prstGeom prst="straightConnector1">
+            <a:avLst/>
+          </a:prstGeom>
+          <a:ln>
+            <a:tailEnd type="arrow"/>
+          </a:ln>
+        </p:spPr>
+        <p:style>
+          <a:lnRef idx="1">
+            <a:schemeClr val="accent1"/>
+          </a:lnRef>
+          <a:fillRef idx="0">
+            <a:schemeClr val="accent1"/>
+          </a:fillRef>
+          <a:effectRef idx="0">
+            <a:schemeClr val="accent1"/>
+          </a:effectRef>
+          <a:fontRef idx="minor">
+            <a:schemeClr val="tx1"/>
+          </a:fontRef>
+        </p:style>
+      </p:cxnSp>
+      <p:cxnSp>
+        <p:nvCxnSpPr>
+          <p:cNvPr id="10" name="Прямая со стрелкой 9"/>
+          <p:cNvCxnSpPr>
+            <a:stCxn id="6" idx="3"/>
+            <a:endCxn id="7" idx="1"/>
+          </p:cNvCxnSpPr>
+          <p:nvPr/>
+        </p:nvCxnSpPr>
+        <p:spPr>
+          <a:xfrm>
+            <a:off x="3326160" y="5085184"/>
+            <a:ext cx="2012776" cy="0"/>
+          </a:xfrm>
+          <a:prstGeom prst="straightConnector1">
+            <a:avLst/>
+          </a:prstGeom>
+          <a:ln>
+            <a:tailEnd type="arrow"/>
+          </a:ln>
+        </p:spPr>
+        <p:style>
+          <a:lnRef idx="1">
+            <a:schemeClr val="accent1"/>
+          </a:lnRef>
+          <a:fillRef idx="0">
+            <a:schemeClr val="accent1"/>
+          </a:fillRef>
+          <a:effectRef idx="0">
+            <a:schemeClr val="accent1"/>
+          </a:effectRef>
+          <a:fontRef idx="minor">
+            <a:schemeClr val="tx1"/>
+          </a:fontRef>
+        </p:style>
+      </p:cxnSp>
+      <p:sp>
+        <p:nvSpPr>
+          <p:cNvPr id="13" name="TextBox 12"/>
+          <p:cNvSpPr txBox="1"/>
+          <p:nvPr/>
+        </p:nvSpPr>
+        <p:spPr>
+          <a:xfrm>
+            <a:off x="3995936" y="5085184"/>
+            <a:ext cx="636072" cy="369332"/>
+          </a:xfrm>
+          <a:prstGeom prst="rect">
+            <a:avLst/>
+          </a:prstGeom>
+          <a:noFill/>
+        </p:spPr>
+        <p:txBody>
+          <a:bodyPr wrap="none" rtlCol="0">
+            <a:spAutoFit/>
+          </a:bodyPr>
+          <a:lstStyle/>
+          <a:p>
+            <a:r>
+              <a:rPr lang="en-US" dirty="0" smtClean="0"/>
               <a:t>REST</a:t>
             </a:r>
-          </a:p>
-          <a:p>
-            <a:pPr lvl="1"/>
-            <a:r>
-              <a:rPr lang="en-US" dirty="0"/>
-              <a:t>Messaging </a:t>
-            </a:r>
-          </a:p>
-          <a:p>
-            <a:pPr lvl="2"/>
-            <a:r>
-              <a:rPr lang="en-US" dirty="0"/>
-              <a:t>JMS</a:t>
-            </a:r>
-          </a:p>
-          <a:p>
-            <a:r>
-              <a:rPr lang="ru-RU" dirty="0" smtClean="0"/>
-              <a:t>Проектирование под отказ</a:t>
-            </a:r>
-          </a:p>
-          <a:p>
-            <a:r>
-              <a:rPr lang="ru-RU" dirty="0" smtClean="0"/>
-              <a:t>Типы взаимодействия</a:t>
-            </a:r>
             <a:endParaRPr lang="ru-RU" dirty="0"/>
           </a:p>
         </p:txBody>
       </p:sp>
+      <p:cxnSp>
+        <p:nvCxnSpPr>
+          <p:cNvPr id="15" name="Прямая со стрелкой 14"/>
+          <p:cNvCxnSpPr>
+            <a:stCxn id="6" idx="2"/>
+            <a:endCxn id="4" idx="1"/>
+          </p:cNvCxnSpPr>
+          <p:nvPr/>
+        </p:nvCxnSpPr>
+        <p:spPr>
+          <a:xfrm>
+            <a:off x="2868960" y="5373216"/>
+            <a:ext cx="0" cy="258774"/>
+          </a:xfrm>
+          <a:prstGeom prst="straightConnector1">
+            <a:avLst/>
+          </a:prstGeom>
+          <a:ln>
+            <a:tailEnd type="arrow"/>
+          </a:ln>
+        </p:spPr>
+        <p:style>
+          <a:lnRef idx="1">
+            <a:schemeClr val="accent1"/>
+          </a:lnRef>
+          <a:fillRef idx="0">
+            <a:schemeClr val="accent1"/>
+          </a:fillRef>
+          <a:effectRef idx="0">
+            <a:schemeClr val="accent1"/>
+          </a:effectRef>
+          <a:fontRef idx="minor">
+            <a:schemeClr val="tx1"/>
+          </a:fontRef>
+        </p:style>
+      </p:cxnSp>
+      <p:cxnSp>
+        <p:nvCxnSpPr>
+          <p:cNvPr id="17" name="Прямая со стрелкой 16"/>
+          <p:cNvCxnSpPr>
+            <a:stCxn id="7" idx="2"/>
+            <a:endCxn id="5" idx="1"/>
+          </p:cNvCxnSpPr>
+          <p:nvPr/>
+        </p:nvCxnSpPr>
+        <p:spPr>
+          <a:xfrm>
+            <a:off x="5796136" y="5373216"/>
+            <a:ext cx="0" cy="288032"/>
+          </a:xfrm>
+          <a:prstGeom prst="straightConnector1">
+            <a:avLst/>
+          </a:prstGeom>
+          <a:ln>
+            <a:tailEnd type="arrow"/>
+          </a:ln>
+        </p:spPr>
+        <p:style>
+          <a:lnRef idx="1">
+            <a:schemeClr val="accent1"/>
+          </a:lnRef>
+          <a:fillRef idx="0">
+            <a:schemeClr val="accent1"/>
+          </a:fillRef>
+          <a:effectRef idx="0">
+            <a:schemeClr val="accent1"/>
+          </a:effectRef>
+          <a:fontRef idx="minor">
+            <a:schemeClr val="tx1"/>
+          </a:fontRef>
+        </p:style>
+      </p:cxnSp>
     </p:spTree>
     <p:extLst>
       <p:ext uri="{BB962C8B-B14F-4D97-AF65-F5344CB8AC3E}">
-        <p14:creationId xmlns:p14="http://schemas.microsoft.com/office/powerpoint/2010/main" val="596141011"/>
+        <p14:creationId xmlns:p14="http://schemas.microsoft.com/office/powerpoint/2010/main" val="1361634447"/>
       </p:ext>
     </p:extLst>
   </p:cSld>
@@ -4536,24 +5508,12 @@
           <a:lstStyle/>
           <a:p>
             <a:r>
-              <a:rPr lang="ru-RU" u="sng" dirty="0" err="1"/>
-              <a:t>Design</a:t>
-            </a:r>
-            <a:r>
-              <a:rPr lang="ru-RU" u="sng" dirty="0"/>
-              <a:t> </a:t>
-            </a:r>
-            <a:r>
-              <a:rPr lang="ru-RU" u="sng" dirty="0" err="1"/>
-              <a:t>for</a:t>
-            </a:r>
-            <a:r>
-              <a:rPr lang="ru-RU" u="sng" dirty="0"/>
-              <a:t> </a:t>
-            </a:r>
-            <a:r>
-              <a:rPr lang="ru-RU" u="sng" dirty="0" err="1"/>
-              <a:t>failure</a:t>
+              <a:rPr lang="ru-RU" dirty="0"/>
+              <a:t>Дизайн </a:t>
+            </a:r>
+            <a:r>
+              <a:rPr lang="ru-RU" dirty="0" err="1"/>
+              <a:t>микросервисов</a:t>
             </a:r>
             <a:endParaRPr lang="ru-RU" dirty="0"/>
           </a:p>
@@ -4572,141 +5532,78 @@
         <p:spPr/>
         <p:txBody>
           <a:bodyPr>
-            <a:normAutofit fontScale="77500" lnSpcReduction="20000"/>
+            <a:normAutofit/>
           </a:bodyPr>
           <a:lstStyle/>
           <a:p>
-            <a:pPr marL="0" indent="0">
-              <a:buNone/>
+            <a:pPr>
+              <a:lnSpc>
+                <a:spcPct val="150000"/>
+              </a:lnSpc>
             </a:pPr>
             <a:r>
-              <a:rPr lang="ru-RU" sz="4100" u="sng" dirty="0" smtClean="0"/>
-              <a:t>Проектирование </a:t>
-            </a:r>
-            <a:r>
-              <a:rPr lang="ru-RU" sz="4100" u="sng" dirty="0"/>
-              <a:t>под </a:t>
-            </a:r>
-            <a:r>
-              <a:rPr lang="ru-RU" sz="4100" u="sng" dirty="0" smtClean="0"/>
-              <a:t>отказ</a:t>
-            </a:r>
-            <a:endParaRPr lang="en-US" sz="4100" u="sng" dirty="0" smtClean="0"/>
-          </a:p>
-          <a:p>
-            <a:r>
-              <a:rPr lang="ru-RU" sz="3400" u="sng" dirty="0" smtClean="0"/>
-              <a:t>Найти отказ</a:t>
-            </a:r>
-            <a:endParaRPr lang="en-US" sz="3400" u="sng" dirty="0" smtClean="0"/>
-          </a:p>
-          <a:p>
-            <a:pPr lvl="1"/>
-            <a:r>
-              <a:rPr lang="ru-RU" sz="3000" dirty="0" smtClean="0"/>
-              <a:t>Мониторинг</a:t>
-            </a:r>
-            <a:endParaRPr lang="en-US" sz="3000" dirty="0" smtClean="0"/>
-          </a:p>
-          <a:p>
-            <a:pPr lvl="2"/>
-            <a:r>
-              <a:rPr lang="ru-RU" sz="2600" dirty="0" smtClean="0"/>
-              <a:t>В почти реальном времени</a:t>
-            </a:r>
-            <a:r>
-              <a:rPr lang="en-US" sz="2600" dirty="0" smtClean="0"/>
-              <a:t> (</a:t>
-            </a:r>
-            <a:r>
-              <a:rPr lang="en-US" sz="2600" dirty="0" err="1" smtClean="0"/>
-              <a:t>splunk</a:t>
-            </a:r>
-            <a:r>
-              <a:rPr lang="en-US" sz="2600" dirty="0" smtClean="0"/>
-              <a:t>)</a:t>
-            </a:r>
-          </a:p>
-          <a:p>
-            <a:pPr lvl="1"/>
-            <a:r>
-              <a:rPr lang="ru-RU" sz="3000" dirty="0" smtClean="0"/>
-              <a:t>Исчерпывающее </a:t>
-            </a:r>
-            <a:r>
-              <a:rPr lang="ru-RU" sz="3000" dirty="0" err="1" smtClean="0"/>
-              <a:t>логирование</a:t>
-            </a:r>
-            <a:endParaRPr lang="en-US" sz="3000" dirty="0" smtClean="0"/>
-          </a:p>
-          <a:p>
-            <a:pPr lvl="1"/>
-            <a:r>
-              <a:rPr lang="ru-RU" sz="3000" dirty="0" smtClean="0"/>
-              <a:t>Защитное программирование</a:t>
-            </a:r>
-            <a:endParaRPr lang="en-US" sz="3000" dirty="0" smtClean="0"/>
-          </a:p>
-          <a:p>
-            <a:r>
-              <a:rPr lang="ru-RU" sz="3400" u="sng" dirty="0" smtClean="0"/>
-              <a:t>Исправление</a:t>
-            </a:r>
-            <a:endParaRPr lang="en-US" sz="3400" u="sng" dirty="0" smtClean="0"/>
-          </a:p>
-          <a:p>
-            <a:pPr lvl="1"/>
-            <a:r>
-              <a:rPr lang="ru-RU" sz="3000" dirty="0" smtClean="0"/>
-              <a:t>Ручное</a:t>
-            </a:r>
-          </a:p>
-          <a:p>
-            <a:pPr lvl="2"/>
-            <a:r>
-              <a:rPr lang="ru-RU" sz="2600" dirty="0" smtClean="0"/>
-              <a:t>Проверка </a:t>
-            </a:r>
-            <a:r>
-              <a:rPr lang="en-US" sz="2600" dirty="0" smtClean="0"/>
-              <a:t>email</a:t>
-            </a:r>
-          </a:p>
-          <a:p>
-            <a:pPr lvl="1"/>
-            <a:r>
-              <a:rPr lang="ru-RU" sz="3000" dirty="0" smtClean="0"/>
-              <a:t>Автоматическое</a:t>
-            </a:r>
-            <a:endParaRPr lang="en-US" sz="3000" dirty="0" smtClean="0"/>
-          </a:p>
-          <a:p>
-            <a:pPr lvl="2"/>
-            <a:r>
-              <a:rPr lang="en-US" sz="2600" dirty="0" smtClean="0"/>
-              <a:t>High Availability (Load balancing)</a:t>
-            </a:r>
-          </a:p>
-          <a:p>
-            <a:pPr lvl="2"/>
-            <a:r>
-              <a:rPr lang="ru-RU" sz="2600" dirty="0" smtClean="0"/>
-              <a:t>Автоматическая повторная попытка (</a:t>
-            </a:r>
-            <a:r>
-              <a:rPr lang="en-US" sz="2600" dirty="0" smtClean="0"/>
-              <a:t>Redelivery)</a:t>
-            </a:r>
-          </a:p>
-          <a:p>
-            <a:endParaRPr lang="ru-RU" sz="3400" u="sng" dirty="0"/>
+              <a:rPr lang="ru-RU" dirty="0"/>
+              <a:t>Децентрализованное управление </a:t>
+            </a:r>
+            <a:endParaRPr lang="en-US" dirty="0"/>
+          </a:p>
+          <a:p>
+            <a:pPr>
+              <a:lnSpc>
+                <a:spcPct val="150000"/>
+              </a:lnSpc>
+            </a:pPr>
+            <a:r>
+              <a:rPr lang="ru-RU" dirty="0" smtClean="0"/>
+              <a:t>Децентрализованные данные</a:t>
+            </a:r>
+            <a:endParaRPr lang="ru-RU" dirty="0"/>
+          </a:p>
+          <a:p>
+            <a:pPr>
+              <a:lnSpc>
+                <a:spcPct val="150000"/>
+              </a:lnSpc>
+            </a:pPr>
+            <a:r>
+              <a:rPr lang="ru-RU" b="1" u="sng" dirty="0" smtClean="0"/>
+              <a:t>Взаимодействие сервисов</a:t>
+            </a:r>
+            <a:endParaRPr lang="en-US" b="1" u="sng" dirty="0" smtClean="0"/>
+          </a:p>
+          <a:p>
+            <a:pPr>
+              <a:lnSpc>
+                <a:spcPct val="150000"/>
+              </a:lnSpc>
+            </a:pPr>
+            <a:r>
+              <a:rPr lang="ru-RU" dirty="0"/>
+              <a:t>Проектирование под отказ</a:t>
+            </a:r>
+          </a:p>
+          <a:p>
+            <a:pPr>
+              <a:lnSpc>
+                <a:spcPct val="150000"/>
+              </a:lnSpc>
+            </a:pPr>
+            <a:r>
+              <a:rPr lang="ru-RU" dirty="0"/>
+              <a:t>Типы </a:t>
+            </a:r>
+            <a:r>
+              <a:rPr lang="ru-RU" dirty="0" smtClean="0"/>
+              <a:t>взаимодействия</a:t>
+            </a:r>
+            <a:endParaRPr lang="ru-RU" dirty="0"/>
           </a:p>
         </p:txBody>
       </p:sp>
     </p:spTree>
     <p:extLst>
       <p:ext uri="{BB962C8B-B14F-4D97-AF65-F5344CB8AC3E}">
-        <p14:creationId xmlns:p14="http://schemas.microsoft.com/office/powerpoint/2010/main" val="555567851"/>
+        <p14:creationId xmlns:p14="http://schemas.microsoft.com/office/powerpoint/2010/main" val="2030410628"/>
       </p:ext>
     </p:extLst>
   </p:cSld>
@@ -4757,7 +5654,7 @@
           <a:p>
             <a:r>
               <a:rPr lang="ru-RU" dirty="0" smtClean="0"/>
-              <a:t>Типы взаимодействия</a:t>
+              <a:t>Взаимодействие сервисов</a:t>
             </a:r>
             <a:endParaRPr lang="ru-RU" dirty="0"/>
           </a:p>
@@ -4776,437 +5673,67 @@
         <p:spPr/>
         <p:txBody>
           <a:bodyPr>
-            <a:normAutofit fontScale="92500" lnSpcReduction="10000"/>
+            <a:normAutofit/>
           </a:bodyPr>
           <a:lstStyle/>
           <a:p>
-            <a:pPr marL="0" indent="0">
-              <a:lnSpc>
-                <a:spcPct val="150000"/>
-              </a:lnSpc>
-              <a:buNone/>
-            </a:pPr>
-            <a:r>
-              <a:rPr lang="ru-RU" sz="3900" dirty="0" smtClean="0"/>
-              <a:t>Взаимодействие между сервисами</a:t>
-            </a:r>
-            <a:endParaRPr lang="en-US" sz="3900" dirty="0" smtClean="0"/>
-          </a:p>
-          <a:p>
-            <a:pPr lvl="1">
-              <a:lnSpc>
-                <a:spcPct val="150000"/>
-              </a:lnSpc>
-            </a:pPr>
-            <a:r>
-              <a:rPr lang="ru-RU" sz="4000" dirty="0" smtClean="0"/>
-              <a:t>Асинхронное</a:t>
-            </a:r>
-            <a:r>
-              <a:rPr lang="en-US" sz="4000" dirty="0" smtClean="0"/>
-              <a:t> </a:t>
-            </a:r>
-            <a:endParaRPr lang="ru-RU" sz="4000" dirty="0" smtClean="0"/>
-          </a:p>
-          <a:p>
-            <a:pPr lvl="2">
-              <a:lnSpc>
-                <a:spcPct val="150000"/>
-              </a:lnSpc>
-            </a:pPr>
-            <a:r>
-              <a:rPr lang="ru-RU" sz="3600" dirty="0" smtClean="0"/>
-              <a:t>обычно</a:t>
-            </a:r>
-            <a:r>
-              <a:rPr lang="en-US" sz="3600" dirty="0" smtClean="0"/>
-              <a:t> CUD </a:t>
-            </a:r>
-            <a:r>
-              <a:rPr lang="ru-RU" sz="3600" dirty="0" smtClean="0"/>
-              <a:t>в</a:t>
-            </a:r>
-            <a:r>
-              <a:rPr lang="en-US" sz="3600" dirty="0" smtClean="0"/>
-              <a:t> CRUD</a:t>
-            </a:r>
-          </a:p>
-          <a:p>
-            <a:pPr lvl="1">
-              <a:lnSpc>
-                <a:spcPct val="150000"/>
-              </a:lnSpc>
-            </a:pPr>
-            <a:r>
-              <a:rPr lang="ru-RU" sz="4000" dirty="0" smtClean="0"/>
-              <a:t>Синхронное</a:t>
-            </a:r>
-            <a:r>
-              <a:rPr lang="en-US" sz="4000" dirty="0" smtClean="0"/>
-              <a:t> </a:t>
-            </a:r>
-            <a:endParaRPr lang="ru-RU" sz="4000" dirty="0" smtClean="0"/>
-          </a:p>
-          <a:p>
-            <a:pPr lvl="2">
-              <a:lnSpc>
-                <a:spcPct val="150000"/>
-              </a:lnSpc>
-            </a:pPr>
-            <a:r>
-              <a:rPr lang="ru-RU" sz="3600" dirty="0" smtClean="0"/>
-              <a:t>обычно</a:t>
-            </a:r>
-            <a:r>
-              <a:rPr lang="en-US" sz="3600" dirty="0" smtClean="0"/>
-              <a:t> R </a:t>
-            </a:r>
-            <a:r>
-              <a:rPr lang="ru-RU" sz="3600" dirty="0" smtClean="0"/>
-              <a:t>в</a:t>
-            </a:r>
-            <a:r>
-              <a:rPr lang="en-US" sz="3600" dirty="0" smtClean="0"/>
-              <a:t> CRUD</a:t>
-            </a:r>
-          </a:p>
-          <a:p>
-            <a:endParaRPr lang="ru-RU" dirty="0"/>
-          </a:p>
-        </p:txBody>
-      </p:sp>
-      <p:sp>
-        <p:nvSpPr>
-          <p:cNvPr id="4" name="Скругленный прямоугольник 3"/>
-          <p:cNvSpPr/>
-          <p:nvPr/>
-        </p:nvSpPr>
-        <p:spPr>
-          <a:xfrm>
-            <a:off x="6876256" y="2790126"/>
-            <a:ext cx="1440160" cy="679477"/>
-          </a:xfrm>
-          <a:prstGeom prst="roundRect">
-            <a:avLst/>
-          </a:prstGeom>
-        </p:spPr>
-        <p:style>
-          <a:lnRef idx="2">
-            <a:schemeClr val="accent1">
-              <a:shade val="50000"/>
-            </a:schemeClr>
-          </a:lnRef>
-          <a:fillRef idx="1">
-            <a:schemeClr val="accent1"/>
-          </a:fillRef>
-          <a:effectRef idx="0">
-            <a:schemeClr val="accent1"/>
-          </a:effectRef>
-          <a:fontRef idx="minor">
-            <a:schemeClr val="lt1"/>
-          </a:fontRef>
-        </p:style>
-        <p:txBody>
-          <a:bodyPr rtlCol="0" anchor="ctr"/>
-          <a:lstStyle/>
-          <a:p>
-            <a:pPr algn="ctr"/>
-            <a:r>
-              <a:rPr lang="ru-RU" dirty="0" smtClean="0"/>
-              <a:t>????</a:t>
-            </a:r>
-            <a:endParaRPr lang="ru-RU" dirty="0"/>
-          </a:p>
-        </p:txBody>
-      </p:sp>
-      <p:cxnSp>
-        <p:nvCxnSpPr>
-          <p:cNvPr id="5" name="Прямая со стрелкой 4"/>
-          <p:cNvCxnSpPr/>
-          <p:nvPr/>
-        </p:nvCxnSpPr>
-        <p:spPr>
-          <a:xfrm>
-            <a:off x="5796136" y="3140968"/>
-            <a:ext cx="1080120" cy="0"/>
-          </a:xfrm>
-          <a:prstGeom prst="straightConnector1">
-            <a:avLst/>
-          </a:prstGeom>
-          <a:ln>
-            <a:prstDash val="dash"/>
-            <a:tailEnd type="arrow"/>
-          </a:ln>
-        </p:spPr>
-        <p:style>
-          <a:lnRef idx="1">
-            <a:schemeClr val="accent1"/>
-          </a:lnRef>
-          <a:fillRef idx="0">
-            <a:schemeClr val="accent1"/>
-          </a:fillRef>
-          <a:effectRef idx="0">
-            <a:schemeClr val="accent1"/>
-          </a:effectRef>
-          <a:fontRef idx="minor">
-            <a:schemeClr val="tx1"/>
-          </a:fontRef>
-        </p:style>
-      </p:cxnSp>
-      <p:sp>
-        <p:nvSpPr>
-          <p:cNvPr id="7" name="TextBox 6"/>
-          <p:cNvSpPr txBox="1"/>
-          <p:nvPr/>
-        </p:nvSpPr>
-        <p:spPr>
-          <a:xfrm>
-            <a:off x="6021045" y="2608443"/>
-            <a:ext cx="740908" cy="369332"/>
-          </a:xfrm>
-          <a:prstGeom prst="rect">
-            <a:avLst/>
-          </a:prstGeom>
-          <a:noFill/>
-        </p:spPr>
-        <p:txBody>
-          <a:bodyPr wrap="none" rtlCol="0">
-            <a:spAutoFit/>
-          </a:bodyPr>
-          <a:lstStyle/>
+            <a:r>
+              <a:rPr lang="ru-RU" dirty="0"/>
+              <a:t>Протокол взаимодействия</a:t>
+            </a:r>
+            <a:endParaRPr lang="en-US" dirty="0"/>
+          </a:p>
+          <a:p>
+            <a:pPr lvl="1"/>
+            <a:r>
+              <a:rPr lang="en-US" dirty="0"/>
+              <a:t>REST</a:t>
+            </a:r>
+          </a:p>
+          <a:p>
+            <a:pPr lvl="1"/>
+            <a:r>
+              <a:rPr lang="en-US" dirty="0"/>
+              <a:t>Messaging </a:t>
+            </a:r>
+          </a:p>
+          <a:p>
+            <a:pPr lvl="2"/>
+            <a:r>
+              <a:rPr lang="en-US" dirty="0"/>
+              <a:t>JMS</a:t>
+            </a:r>
+          </a:p>
           <a:p>
             <a:r>
               <a:rPr lang="ru-RU" dirty="0" err="1" smtClean="0"/>
-              <a:t>асинх</a:t>
-            </a:r>
-            <a:endParaRPr lang="ru-RU" dirty="0"/>
-          </a:p>
-        </p:txBody>
-      </p:sp>
-      <p:sp>
-        <p:nvSpPr>
-          <p:cNvPr id="8" name="Скругленный прямоугольник 7"/>
-          <p:cNvSpPr/>
-          <p:nvPr/>
-        </p:nvSpPr>
-        <p:spPr>
-          <a:xfrm>
-            <a:off x="4355976" y="2790125"/>
-            <a:ext cx="1440160" cy="679477"/>
-          </a:xfrm>
-          <a:prstGeom prst="roundRect">
-            <a:avLst/>
-          </a:prstGeom>
-        </p:spPr>
-        <p:style>
-          <a:lnRef idx="2">
-            <a:schemeClr val="accent1">
-              <a:shade val="50000"/>
-            </a:schemeClr>
-          </a:lnRef>
-          <a:fillRef idx="1">
-            <a:schemeClr val="accent1"/>
-          </a:fillRef>
-          <a:effectRef idx="0">
-            <a:schemeClr val="accent1"/>
-          </a:effectRef>
-          <a:fontRef idx="minor">
-            <a:schemeClr val="lt1"/>
-          </a:fontRef>
-        </p:style>
-        <p:txBody>
-          <a:bodyPr rtlCol="0" anchor="ctr"/>
-          <a:lstStyle/>
-          <a:p>
-            <a:pPr algn="ctr"/>
-            <a:r>
-              <a:rPr lang="ru-RU" dirty="0" smtClean="0"/>
-              <a:t>????</a:t>
-            </a:r>
-            <a:endParaRPr lang="ru-RU" dirty="0"/>
-          </a:p>
-        </p:txBody>
-      </p:sp>
-      <p:sp>
-        <p:nvSpPr>
-          <p:cNvPr id="9" name="Скругленный прямоугольник 8"/>
-          <p:cNvSpPr/>
-          <p:nvPr/>
-        </p:nvSpPr>
-        <p:spPr>
-          <a:xfrm>
-            <a:off x="6876256" y="4365104"/>
-            <a:ext cx="1440160" cy="679477"/>
-          </a:xfrm>
-          <a:prstGeom prst="roundRect">
-            <a:avLst/>
-          </a:prstGeom>
-        </p:spPr>
-        <p:style>
-          <a:lnRef idx="2">
-            <a:schemeClr val="accent1">
-              <a:shade val="50000"/>
-            </a:schemeClr>
-          </a:lnRef>
-          <a:fillRef idx="1">
-            <a:schemeClr val="accent1"/>
-          </a:fillRef>
-          <a:effectRef idx="0">
-            <a:schemeClr val="accent1"/>
-          </a:effectRef>
-          <a:fontRef idx="minor">
-            <a:schemeClr val="lt1"/>
-          </a:fontRef>
-        </p:style>
-        <p:txBody>
-          <a:bodyPr rtlCol="0" anchor="ctr"/>
-          <a:lstStyle/>
-          <a:p>
-            <a:pPr algn="ctr"/>
-            <a:r>
-              <a:rPr lang="ru-RU" dirty="0" smtClean="0"/>
-              <a:t>Чтение из БД</a:t>
-            </a:r>
-            <a:endParaRPr lang="ru-RU" dirty="0"/>
-          </a:p>
-        </p:txBody>
-      </p:sp>
-      <p:cxnSp>
-        <p:nvCxnSpPr>
-          <p:cNvPr id="10" name="Прямая со стрелкой 9"/>
-          <p:cNvCxnSpPr/>
-          <p:nvPr/>
-        </p:nvCxnSpPr>
-        <p:spPr>
-          <a:xfrm>
-            <a:off x="5796136" y="4543508"/>
-            <a:ext cx="1080120" cy="0"/>
-          </a:xfrm>
-          <a:prstGeom prst="straightConnector1">
-            <a:avLst/>
-          </a:prstGeom>
-          <a:ln>
-            <a:tailEnd type="triangle"/>
-          </a:ln>
-        </p:spPr>
-        <p:style>
-          <a:lnRef idx="1">
-            <a:schemeClr val="accent1"/>
-          </a:lnRef>
-          <a:fillRef idx="0">
-            <a:schemeClr val="accent1"/>
-          </a:fillRef>
-          <a:effectRef idx="0">
-            <a:schemeClr val="accent1"/>
-          </a:effectRef>
-          <a:fontRef idx="minor">
-            <a:schemeClr val="tx1"/>
-          </a:fontRef>
-        </p:style>
-      </p:cxnSp>
-      <p:cxnSp>
-        <p:nvCxnSpPr>
-          <p:cNvPr id="11" name="Прямая со стрелкой 10"/>
-          <p:cNvCxnSpPr/>
-          <p:nvPr/>
-        </p:nvCxnSpPr>
-        <p:spPr>
-          <a:xfrm>
-            <a:off x="5796136" y="4831540"/>
-            <a:ext cx="1080120" cy="0"/>
-          </a:xfrm>
-          <a:prstGeom prst="straightConnector1">
-            <a:avLst/>
-          </a:prstGeom>
-          <a:ln>
-            <a:headEnd type="triangle"/>
-            <a:tailEnd type="none"/>
-          </a:ln>
-        </p:spPr>
-        <p:style>
-          <a:lnRef idx="1">
-            <a:schemeClr val="accent1"/>
-          </a:lnRef>
-          <a:fillRef idx="0">
-            <a:schemeClr val="accent1"/>
-          </a:fillRef>
-          <a:effectRef idx="0">
-            <a:schemeClr val="accent1"/>
-          </a:effectRef>
-          <a:fontRef idx="minor">
-            <a:schemeClr val="tx1"/>
-          </a:fontRef>
-        </p:style>
-      </p:cxnSp>
-      <p:sp>
-        <p:nvSpPr>
-          <p:cNvPr id="12" name="TextBox 11"/>
-          <p:cNvSpPr txBox="1"/>
-          <p:nvPr/>
-        </p:nvSpPr>
-        <p:spPr>
-          <a:xfrm>
-            <a:off x="6021045" y="4183421"/>
-            <a:ext cx="630301" cy="369332"/>
-          </a:xfrm>
-          <a:prstGeom prst="rect">
-            <a:avLst/>
-          </a:prstGeom>
-          <a:noFill/>
-        </p:spPr>
-        <p:txBody>
-          <a:bodyPr wrap="none" rtlCol="0">
-            <a:spAutoFit/>
-          </a:bodyPr>
-          <a:lstStyle/>
-          <a:p>
-            <a:r>
-              <a:rPr lang="ru-RU" dirty="0" err="1" smtClean="0"/>
-              <a:t>синх</a:t>
-            </a:r>
-            <a:endParaRPr lang="ru-RU" dirty="0"/>
-          </a:p>
-        </p:txBody>
-      </p:sp>
-      <p:sp>
-        <p:nvSpPr>
-          <p:cNvPr id="13" name="Скругленный прямоугольник 12"/>
-          <p:cNvSpPr/>
-          <p:nvPr/>
-        </p:nvSpPr>
-        <p:spPr>
-          <a:xfrm>
-            <a:off x="4355976" y="4365103"/>
-            <a:ext cx="1440160" cy="679477"/>
-          </a:xfrm>
-          <a:prstGeom prst="roundRect">
-            <a:avLst/>
-          </a:prstGeom>
-        </p:spPr>
-        <p:style>
-          <a:lnRef idx="2">
-            <a:schemeClr val="accent1">
-              <a:shade val="50000"/>
-            </a:schemeClr>
-          </a:lnRef>
-          <a:fillRef idx="1">
-            <a:schemeClr val="accent1"/>
-          </a:fillRef>
-          <a:effectRef idx="0">
-            <a:schemeClr val="accent1"/>
-          </a:effectRef>
-          <a:fontRef idx="minor">
-            <a:schemeClr val="lt1"/>
-          </a:fontRef>
-        </p:style>
-        <p:txBody>
-          <a:bodyPr rtlCol="0" anchor="ctr"/>
-          <a:lstStyle/>
-          <a:p>
-            <a:pPr algn="ctr"/>
-            <a:r>
-              <a:rPr lang="ru-RU" dirty="0" smtClean="0"/>
-              <a:t>Просмотр заказа</a:t>
+              <a:t>Версионирование</a:t>
+            </a:r>
+            <a:r>
+              <a:rPr lang="ru-RU" dirty="0" smtClean="0"/>
+              <a:t> (</a:t>
+            </a:r>
+            <a:r>
+              <a:rPr lang="en-US" dirty="0" smtClean="0"/>
+              <a:t>X.Y.Z)</a:t>
+            </a:r>
+          </a:p>
+          <a:p>
+            <a:r>
+              <a:rPr lang="ru-RU" dirty="0" smtClean="0"/>
+              <a:t>Без состояния / </a:t>
+            </a:r>
+            <a:r>
+              <a:rPr lang="en-US" dirty="0" smtClean="0"/>
+              <a:t>Stateless</a:t>
+            </a:r>
+            <a:endParaRPr lang="ru-RU" dirty="0" smtClean="0"/>
+          </a:p>
+          <a:p>
+            <a:pPr lvl="1"/>
+            <a:r>
+              <a:rPr lang="ru-RU" dirty="0" smtClean="0"/>
+              <a:t>Позволяет масштабироваться</a:t>
             </a:r>
             <a:endParaRPr lang="ru-RU" dirty="0"/>
           </a:p>
@@ -5215,7 +5742,7 @@
     </p:spTree>
     <p:extLst>
       <p:ext uri="{BB962C8B-B14F-4D97-AF65-F5344CB8AC3E}">
-        <p14:creationId xmlns:p14="http://schemas.microsoft.com/office/powerpoint/2010/main" val="365429632"/>
+        <p14:creationId xmlns:p14="http://schemas.microsoft.com/office/powerpoint/2010/main" val="596141011"/>
       </p:ext>
     </p:extLst>
   </p:cSld>
@@ -5266,7 +5793,11 @@
           <a:p>
             <a:r>
               <a:rPr lang="ru-RU" dirty="0" smtClean="0"/>
-              <a:t>Синхронное</a:t>
+              <a:t>Дизайн </a:t>
+            </a:r>
+            <a:r>
+              <a:rPr lang="ru-RU" dirty="0" err="1" smtClean="0"/>
+              <a:t>микросервисов</a:t>
             </a:r>
             <a:endParaRPr lang="ru-RU" dirty="0"/>
           </a:p>
@@ -5289,462 +5820,65 @@
           </a:bodyPr>
           <a:lstStyle/>
           <a:p>
-            <a:r>
-              <a:rPr lang="ru-RU" dirty="0" smtClean="0"/>
-              <a:t>Максимально быстро</a:t>
+            <a:pPr>
+              <a:lnSpc>
+                <a:spcPct val="150000"/>
+              </a:lnSpc>
+            </a:pPr>
+            <a:r>
+              <a:rPr lang="ru-RU" dirty="0"/>
+              <a:t>Децентрализованное управление </a:t>
+            </a:r>
+            <a:endParaRPr lang="en-US" dirty="0"/>
+          </a:p>
+          <a:p>
+            <a:pPr>
+              <a:lnSpc>
+                <a:spcPct val="150000"/>
+              </a:lnSpc>
+            </a:pPr>
+            <a:r>
+              <a:rPr lang="ru-RU" dirty="0" smtClean="0"/>
+              <a:t>Децентрализованные данные</a:t>
+            </a:r>
+            <a:endParaRPr lang="ru-RU" dirty="0"/>
+          </a:p>
+          <a:p>
+            <a:pPr>
+              <a:lnSpc>
+                <a:spcPct val="150000"/>
+              </a:lnSpc>
+            </a:pPr>
+            <a:r>
+              <a:rPr lang="ru-RU" dirty="0" smtClean="0"/>
+              <a:t>Взаимодействие сервисов</a:t>
             </a:r>
             <a:endParaRPr lang="en-US" dirty="0" smtClean="0"/>
           </a:p>
           <a:p>
-            <a:pPr lvl="1"/>
-            <a:r>
-              <a:rPr lang="ru-RU" dirty="0" smtClean="0"/>
-              <a:t>Все что требует внимания пользователя</a:t>
-            </a:r>
-          </a:p>
-          <a:p>
-            <a:pPr lvl="2"/>
-            <a:r>
-              <a:rPr lang="ru-RU" dirty="0" smtClean="0"/>
-              <a:t>Иначе асинхронное</a:t>
-            </a:r>
-            <a:endParaRPr lang="en-US" dirty="0" smtClean="0"/>
-          </a:p>
-          <a:p>
-            <a:endParaRPr lang="ru-RU" dirty="0" smtClean="0"/>
-          </a:p>
-          <a:p>
-            <a:endParaRPr lang="ru-RU" dirty="0"/>
-          </a:p>
-          <a:p>
-            <a:r>
-              <a:rPr lang="ru-RU" dirty="0" smtClean="0"/>
-              <a:t>Использовать </a:t>
-            </a:r>
-            <a:r>
-              <a:rPr lang="ru-RU" dirty="0" smtClean="0"/>
-              <a:t>кэш</a:t>
-            </a:r>
-            <a:endParaRPr lang="en-US" dirty="0" smtClean="0"/>
-          </a:p>
-          <a:p>
-            <a:pPr lvl="1"/>
-            <a:r>
-              <a:rPr lang="ru-RU" dirty="0" err="1" smtClean="0"/>
-              <a:t>Внутрипроцессный</a:t>
-            </a:r>
-            <a:r>
-              <a:rPr lang="ru-RU" dirty="0" smtClean="0"/>
-              <a:t> кэш </a:t>
-            </a:r>
-            <a:r>
-              <a:rPr lang="en-US" dirty="0" smtClean="0"/>
-              <a:t>Guava</a:t>
-            </a:r>
-          </a:p>
-          <a:p>
-            <a:pPr lvl="2"/>
-            <a:r>
-              <a:rPr lang="ru-RU" dirty="0" smtClean="0"/>
-              <a:t>Для небольших данных</a:t>
-            </a:r>
-            <a:endParaRPr lang="ru-RU" dirty="0"/>
-          </a:p>
-          <a:p>
-            <a:pPr lvl="2"/>
-            <a:endParaRPr lang="ru-RU" dirty="0"/>
-          </a:p>
-        </p:txBody>
-      </p:sp>
-      <p:sp>
-        <p:nvSpPr>
-          <p:cNvPr id="4" name="Скругленный прямоугольник 3"/>
-          <p:cNvSpPr/>
-          <p:nvPr/>
-        </p:nvSpPr>
-        <p:spPr>
-          <a:xfrm>
-            <a:off x="1475656" y="3469603"/>
-            <a:ext cx="1440160" cy="679477"/>
-          </a:xfrm>
-          <a:prstGeom prst="roundRect">
-            <a:avLst/>
-          </a:prstGeom>
-        </p:spPr>
-        <p:style>
-          <a:lnRef idx="2">
-            <a:schemeClr val="accent1">
-              <a:shade val="50000"/>
-            </a:schemeClr>
-          </a:lnRef>
-          <a:fillRef idx="1">
-            <a:schemeClr val="accent1"/>
-          </a:fillRef>
-          <a:effectRef idx="0">
-            <a:schemeClr val="accent1"/>
-          </a:effectRef>
-          <a:fontRef idx="minor">
-            <a:schemeClr val="lt1"/>
-          </a:fontRef>
-        </p:style>
-        <p:txBody>
-          <a:bodyPr rtlCol="0" anchor="ctr"/>
-          <a:lstStyle/>
-          <a:p>
-            <a:pPr algn="ctr"/>
-            <a:r>
-              <a:rPr lang="ru-RU" dirty="0" smtClean="0"/>
-              <a:t>Сохранение заказа</a:t>
-            </a:r>
-            <a:endParaRPr lang="ru-RU" dirty="0"/>
-          </a:p>
-        </p:txBody>
-      </p:sp>
-      <p:sp>
-        <p:nvSpPr>
-          <p:cNvPr id="5" name="Скругленный прямоугольник 4"/>
-          <p:cNvSpPr/>
-          <p:nvPr/>
-        </p:nvSpPr>
-        <p:spPr>
-          <a:xfrm>
-            <a:off x="3995936" y="3469603"/>
-            <a:ext cx="1584176" cy="679477"/>
-          </a:xfrm>
-          <a:prstGeom prst="roundRect">
-            <a:avLst/>
-          </a:prstGeom>
-        </p:spPr>
-        <p:style>
-          <a:lnRef idx="2">
-            <a:schemeClr val="accent1">
-              <a:shade val="50000"/>
-            </a:schemeClr>
-          </a:lnRef>
-          <a:fillRef idx="1">
-            <a:schemeClr val="accent1"/>
-          </a:fillRef>
-          <a:effectRef idx="0">
-            <a:schemeClr val="accent1"/>
-          </a:effectRef>
-          <a:fontRef idx="minor">
-            <a:schemeClr val="lt1"/>
-          </a:fontRef>
-        </p:style>
-        <p:txBody>
-          <a:bodyPr rtlCol="0" anchor="ctr"/>
-          <a:lstStyle/>
-          <a:p>
-            <a:pPr algn="ctr"/>
-            <a:r>
-              <a:rPr lang="ru-RU" dirty="0" smtClean="0"/>
-              <a:t>Снятие денег</a:t>
-            </a:r>
-            <a:endParaRPr lang="ru-RU" dirty="0"/>
-          </a:p>
-        </p:txBody>
-      </p:sp>
-      <p:sp>
-        <p:nvSpPr>
-          <p:cNvPr id="6" name="Скругленный прямоугольник 5"/>
-          <p:cNvSpPr/>
-          <p:nvPr/>
-        </p:nvSpPr>
-        <p:spPr>
-          <a:xfrm>
-            <a:off x="6660232" y="3452479"/>
-            <a:ext cx="1368152" cy="696601"/>
-          </a:xfrm>
-          <a:prstGeom prst="roundRect">
-            <a:avLst/>
-          </a:prstGeom>
-        </p:spPr>
-        <p:style>
-          <a:lnRef idx="2">
-            <a:schemeClr val="accent1">
-              <a:shade val="50000"/>
-            </a:schemeClr>
-          </a:lnRef>
-          <a:fillRef idx="1">
-            <a:schemeClr val="accent1"/>
-          </a:fillRef>
-          <a:effectRef idx="0">
-            <a:schemeClr val="accent1"/>
-          </a:effectRef>
-          <a:fontRef idx="minor">
-            <a:schemeClr val="lt1"/>
-          </a:fontRef>
-        </p:style>
-        <p:txBody>
-          <a:bodyPr rtlCol="0" anchor="ctr"/>
-          <a:lstStyle/>
-          <a:p>
-            <a:pPr algn="ctr"/>
-            <a:r>
-              <a:rPr lang="ru-RU" dirty="0" smtClean="0"/>
-              <a:t>Создание лицензии</a:t>
-            </a:r>
-            <a:endParaRPr lang="ru-RU" dirty="0"/>
-          </a:p>
-        </p:txBody>
-      </p:sp>
-      <p:cxnSp>
-        <p:nvCxnSpPr>
-          <p:cNvPr id="8" name="Прямая со стрелкой 7"/>
-          <p:cNvCxnSpPr/>
-          <p:nvPr/>
-        </p:nvCxnSpPr>
-        <p:spPr>
-          <a:xfrm>
-            <a:off x="2915816" y="3645024"/>
-            <a:ext cx="1080120" cy="0"/>
-          </a:xfrm>
-          <a:prstGeom prst="straightConnector1">
-            <a:avLst/>
-          </a:prstGeom>
-          <a:ln>
-            <a:tailEnd type="triangle"/>
-          </a:ln>
-        </p:spPr>
-        <p:style>
-          <a:lnRef idx="1">
-            <a:schemeClr val="accent1"/>
-          </a:lnRef>
-          <a:fillRef idx="0">
-            <a:schemeClr val="accent1"/>
-          </a:fillRef>
-          <a:effectRef idx="0">
-            <a:schemeClr val="accent1"/>
-          </a:effectRef>
-          <a:fontRef idx="minor">
-            <a:schemeClr val="tx1"/>
-          </a:fontRef>
-        </p:style>
-      </p:cxnSp>
-      <p:cxnSp>
-        <p:nvCxnSpPr>
-          <p:cNvPr id="10" name="Прямая со стрелкой 9"/>
-          <p:cNvCxnSpPr/>
-          <p:nvPr/>
-        </p:nvCxnSpPr>
-        <p:spPr>
-          <a:xfrm>
-            <a:off x="2915816" y="3933056"/>
-            <a:ext cx="1080120" cy="0"/>
-          </a:xfrm>
-          <a:prstGeom prst="straightConnector1">
-            <a:avLst/>
-          </a:prstGeom>
-          <a:ln>
-            <a:headEnd type="triangle"/>
-            <a:tailEnd type="none"/>
-          </a:ln>
-        </p:spPr>
-        <p:style>
-          <a:lnRef idx="1">
-            <a:schemeClr val="accent1"/>
-          </a:lnRef>
-          <a:fillRef idx="0">
-            <a:schemeClr val="accent1"/>
-          </a:fillRef>
-          <a:effectRef idx="0">
-            <a:schemeClr val="accent1"/>
-          </a:effectRef>
-          <a:fontRef idx="minor">
-            <a:schemeClr val="tx1"/>
-          </a:fontRef>
-        </p:style>
-      </p:cxnSp>
-      <p:sp>
-        <p:nvSpPr>
-          <p:cNvPr id="11" name="TextBox 10"/>
-          <p:cNvSpPr txBox="1"/>
-          <p:nvPr/>
-        </p:nvSpPr>
-        <p:spPr>
-          <a:xfrm>
-            <a:off x="3140725" y="3284937"/>
-            <a:ext cx="630301" cy="369332"/>
-          </a:xfrm>
-          <a:prstGeom prst="rect">
-            <a:avLst/>
-          </a:prstGeom>
-          <a:noFill/>
-        </p:spPr>
-        <p:txBody>
-          <a:bodyPr wrap="none" rtlCol="0">
-            <a:spAutoFit/>
-          </a:bodyPr>
-          <a:lstStyle/>
-          <a:p>
-            <a:r>
-              <a:rPr lang="ru-RU" dirty="0" err="1" smtClean="0"/>
-              <a:t>синх</a:t>
-            </a:r>
-            <a:endParaRPr lang="ru-RU" dirty="0"/>
-          </a:p>
-        </p:txBody>
-      </p:sp>
-      <p:cxnSp>
-        <p:nvCxnSpPr>
-          <p:cNvPr id="12" name="Прямая со стрелкой 11"/>
-          <p:cNvCxnSpPr/>
-          <p:nvPr/>
-        </p:nvCxnSpPr>
-        <p:spPr>
-          <a:xfrm>
-            <a:off x="395536" y="3648007"/>
-            <a:ext cx="1080120" cy="0"/>
-          </a:xfrm>
-          <a:prstGeom prst="straightConnector1">
-            <a:avLst/>
-          </a:prstGeom>
-          <a:ln>
-            <a:tailEnd type="triangle"/>
-          </a:ln>
-        </p:spPr>
-        <p:style>
-          <a:lnRef idx="1">
-            <a:schemeClr val="accent1"/>
-          </a:lnRef>
-          <a:fillRef idx="0">
-            <a:schemeClr val="accent1"/>
-          </a:fillRef>
-          <a:effectRef idx="0">
-            <a:schemeClr val="accent1"/>
-          </a:effectRef>
-          <a:fontRef idx="minor">
-            <a:schemeClr val="tx1"/>
-          </a:fontRef>
-        </p:style>
-      </p:cxnSp>
-      <p:cxnSp>
-        <p:nvCxnSpPr>
-          <p:cNvPr id="13" name="Прямая со стрелкой 12"/>
-          <p:cNvCxnSpPr/>
-          <p:nvPr/>
-        </p:nvCxnSpPr>
-        <p:spPr>
-          <a:xfrm>
-            <a:off x="395536" y="3936039"/>
-            <a:ext cx="1080120" cy="0"/>
-          </a:xfrm>
-          <a:prstGeom prst="straightConnector1">
-            <a:avLst/>
-          </a:prstGeom>
-          <a:ln>
-            <a:headEnd type="triangle"/>
-            <a:tailEnd type="none"/>
-          </a:ln>
-        </p:spPr>
-        <p:style>
-          <a:lnRef idx="1">
-            <a:schemeClr val="accent1"/>
-          </a:lnRef>
-          <a:fillRef idx="0">
-            <a:schemeClr val="accent1"/>
-          </a:fillRef>
-          <a:effectRef idx="0">
-            <a:schemeClr val="accent1"/>
-          </a:effectRef>
-          <a:fontRef idx="minor">
-            <a:schemeClr val="tx1"/>
-          </a:fontRef>
-        </p:style>
-      </p:cxnSp>
-      <p:sp>
-        <p:nvSpPr>
-          <p:cNvPr id="14" name="TextBox 13"/>
-          <p:cNvSpPr txBox="1"/>
-          <p:nvPr/>
-        </p:nvSpPr>
-        <p:spPr>
-          <a:xfrm>
-            <a:off x="620445" y="3287920"/>
-            <a:ext cx="630301" cy="369332"/>
-          </a:xfrm>
-          <a:prstGeom prst="rect">
-            <a:avLst/>
-          </a:prstGeom>
-          <a:noFill/>
-        </p:spPr>
-        <p:txBody>
-          <a:bodyPr wrap="none" rtlCol="0">
-            <a:spAutoFit/>
-          </a:bodyPr>
-          <a:lstStyle/>
-          <a:p>
-            <a:r>
-              <a:rPr lang="ru-RU" dirty="0" err="1" smtClean="0"/>
-              <a:t>синх</a:t>
-            </a:r>
-            <a:endParaRPr lang="ru-RU" dirty="0"/>
-          </a:p>
-        </p:txBody>
-      </p:sp>
-      <p:cxnSp>
-        <p:nvCxnSpPr>
-          <p:cNvPr id="15" name="Прямая со стрелкой 14"/>
-          <p:cNvCxnSpPr/>
-          <p:nvPr/>
-        </p:nvCxnSpPr>
-        <p:spPr>
-          <a:xfrm>
-            <a:off x="5580112" y="3789040"/>
-            <a:ext cx="1080120" cy="0"/>
-          </a:xfrm>
-          <a:prstGeom prst="straightConnector1">
-            <a:avLst/>
-          </a:prstGeom>
-          <a:ln>
-            <a:prstDash val="dash"/>
-            <a:tailEnd type="arrow"/>
-          </a:ln>
-        </p:spPr>
-        <p:style>
-          <a:lnRef idx="1">
-            <a:schemeClr val="accent1"/>
-          </a:lnRef>
-          <a:fillRef idx="0">
-            <a:schemeClr val="accent1"/>
-          </a:fillRef>
-          <a:effectRef idx="0">
-            <a:schemeClr val="accent1"/>
-          </a:effectRef>
-          <a:fontRef idx="minor">
-            <a:schemeClr val="tx1"/>
-          </a:fontRef>
-        </p:style>
-      </p:cxnSp>
-      <p:sp>
-        <p:nvSpPr>
-          <p:cNvPr id="17" name="TextBox 16"/>
-          <p:cNvSpPr txBox="1"/>
-          <p:nvPr/>
-        </p:nvSpPr>
-        <p:spPr>
-          <a:xfrm>
-            <a:off x="5805021" y="3266177"/>
-            <a:ext cx="740908" cy="369332"/>
-          </a:xfrm>
-          <a:prstGeom prst="rect">
-            <a:avLst/>
-          </a:prstGeom>
-          <a:noFill/>
-        </p:spPr>
-        <p:txBody>
-          <a:bodyPr wrap="none" rtlCol="0">
-            <a:spAutoFit/>
-          </a:bodyPr>
-          <a:lstStyle/>
-          <a:p>
-            <a:r>
-              <a:rPr lang="ru-RU" dirty="0" err="1"/>
-              <a:t>а</a:t>
-            </a:r>
-            <a:r>
-              <a:rPr lang="ru-RU" dirty="0" err="1" smtClean="0"/>
-              <a:t>синх</a:t>
+            <a:pPr>
+              <a:lnSpc>
+                <a:spcPct val="150000"/>
+              </a:lnSpc>
+            </a:pPr>
+            <a:r>
+              <a:rPr lang="ru-RU" b="1" u="sng" dirty="0"/>
+              <a:t>Проектирование под отказ</a:t>
+            </a:r>
+          </a:p>
+          <a:p>
+            <a:pPr>
+              <a:lnSpc>
+                <a:spcPct val="150000"/>
+              </a:lnSpc>
+            </a:pPr>
+            <a:r>
+              <a:rPr lang="ru-RU" dirty="0"/>
+              <a:t>Типы </a:t>
+            </a:r>
+            <a:r>
+              <a:rPr lang="ru-RU" dirty="0" smtClean="0"/>
+              <a:t>взаимодействия</a:t>
             </a:r>
             <a:endParaRPr lang="ru-RU" dirty="0"/>
           </a:p>
@@ -5753,7 +5887,7 @@
     </p:spTree>
     <p:extLst>
       <p:ext uri="{BB962C8B-B14F-4D97-AF65-F5344CB8AC3E}">
-        <p14:creationId xmlns:p14="http://schemas.microsoft.com/office/powerpoint/2010/main" val="3413120925"/>
+        <p14:creationId xmlns:p14="http://schemas.microsoft.com/office/powerpoint/2010/main" val="2030410628"/>
       </p:ext>
     </p:extLst>
   </p:cSld>
@@ -5787,6 +5921,70 @@
           <a:chExt cx="0" cy="0"/>
         </a:xfrm>
       </p:grpSpPr>
+      <p:pic>
+        <p:nvPicPr>
+          <p:cNvPr id="1033" name="Picture 9"/>
+          <p:cNvPicPr>
+            <a:picLocks noChangeAspect="1" noChangeArrowheads="1"/>
+          </p:cNvPicPr>
+          <p:nvPr/>
+        </p:nvPicPr>
+        <p:blipFill>
+          <a:blip r:embed="rId3">
+            <a:extLst>
+              <a:ext uri="{28A0092B-C50C-407E-A947-70E740481C1C}">
+                <a14:useLocalDpi xmlns:a14="http://schemas.microsoft.com/office/drawing/2010/main" val="0"/>
+              </a:ext>
+            </a:extLst>
+          </a:blip>
+          <a:srcRect/>
+          <a:stretch>
+            <a:fillRect/>
+          </a:stretch>
+        </p:blipFill>
+        <p:spPr bwMode="auto">
+          <a:xfrm>
+            <a:off x="7491550" y="5877272"/>
+            <a:ext cx="1652450" cy="980728"/>
+          </a:xfrm>
+          <a:prstGeom prst="rect">
+            <a:avLst/>
+          </a:prstGeom>
+          <a:noFill/>
+          <a:ln>
+            <a:noFill/>
+          </a:ln>
+          <a:effectLst/>
+          <a:extLst>
+            <a:ext uri="{909E8E84-426E-40DD-AFC4-6F175D3DCCD1}">
+              <a14:hiddenFill xmlns:a14="http://schemas.microsoft.com/office/drawing/2010/main">
+                <a:solidFill>
+                  <a:schemeClr val="accent1"/>
+                </a:solidFill>
+              </a14:hiddenFill>
+            </a:ext>
+            <a:ext uri="{91240B29-F687-4F45-9708-019B960494DF}">
+              <a14:hiddenLine xmlns:a14="http://schemas.microsoft.com/office/drawing/2010/main" w="9525">
+                <a:solidFill>
+                  <a:schemeClr val="tx1"/>
+                </a:solidFill>
+                <a:miter lim="800000"/>
+                <a:headEnd/>
+                <a:tailEnd/>
+              </a14:hiddenLine>
+            </a:ext>
+            <a:ext uri="{AF507438-7753-43E0-B8FC-AC1667EBCBE1}">
+              <a14:hiddenEffects xmlns:a14="http://schemas.microsoft.com/office/drawing/2010/main">
+                <a:effectLst>
+                  <a:outerShdw dist="35921" dir="2700000" algn="ctr" rotWithShape="0">
+                    <a:schemeClr val="bg2"/>
+                  </a:outerShdw>
+                </a:effectLst>
+              </a14:hiddenEffects>
+            </a:ext>
+          </a:extLst>
+        </p:spPr>
+      </p:pic>
       <p:sp>
         <p:nvSpPr>
           <p:cNvPr id="2" name="Заголовок 1"/>
@@ -5803,8 +6001,24 @@
           <a:lstStyle/>
           <a:p>
             <a:r>
-              <a:rPr lang="ru-RU" dirty="0" smtClean="0"/>
-              <a:t>Асинхронное</a:t>
+              <a:rPr lang="ru-RU" u="sng" dirty="0" err="1"/>
+              <a:t>Design</a:t>
+            </a:r>
+            <a:r>
+              <a:rPr lang="ru-RU" u="sng" dirty="0"/>
+              <a:t> </a:t>
+            </a:r>
+            <a:r>
+              <a:rPr lang="ru-RU" u="sng" dirty="0" err="1"/>
+              <a:t>for</a:t>
+            </a:r>
+            <a:r>
+              <a:rPr lang="ru-RU" u="sng" dirty="0"/>
+              <a:t> </a:t>
+            </a:r>
+            <a:r>
+              <a:rPr lang="ru-RU" u="sng" dirty="0" err="1"/>
+              <a:t>failure</a:t>
             </a:r>
             <a:endParaRPr lang="ru-RU" dirty="0"/>
           </a:p>
@@ -5820,95 +6034,367 @@
             <p:ph idx="1"/>
           </p:nvPr>
         </p:nvSpPr>
-        <p:spPr/>
+        <p:spPr>
+          <a:xfrm>
+            <a:off x="457200" y="1340768"/>
+            <a:ext cx="8229600" cy="5040560"/>
+          </a:xfrm>
+        </p:spPr>
         <p:txBody>
           <a:bodyPr>
-            <a:normAutofit/>
+            <a:normAutofit fontScale="92500" lnSpcReduction="10000"/>
           </a:bodyPr>
           <a:lstStyle/>
           <a:p>
-            <a:r>
-              <a:rPr lang="ru-RU" dirty="0" smtClean="0"/>
-              <a:t>Отложенная обработка</a:t>
-            </a:r>
-            <a:endParaRPr lang="en-US" dirty="0" smtClean="0"/>
+            <a:pPr marL="0" indent="0">
+              <a:buNone/>
+            </a:pPr>
+            <a:r>
+              <a:rPr lang="ru-RU" sz="4100" u="sng" dirty="0" smtClean="0"/>
+              <a:t>Проектирование </a:t>
+            </a:r>
+            <a:r>
+              <a:rPr lang="ru-RU" sz="4100" u="sng" dirty="0"/>
+              <a:t>под </a:t>
+            </a:r>
+            <a:r>
+              <a:rPr lang="ru-RU" sz="4100" u="sng" dirty="0" smtClean="0"/>
+              <a:t>отказ</a:t>
+            </a:r>
+            <a:endParaRPr lang="en-US" sz="4100" u="sng" dirty="0" smtClean="0"/>
+          </a:p>
+          <a:p>
+            <a:r>
+              <a:rPr lang="ru-RU" sz="3400" dirty="0" smtClean="0"/>
+              <a:t>Найти отказ</a:t>
+            </a:r>
+            <a:endParaRPr lang="en-US" sz="3400" dirty="0" smtClean="0"/>
           </a:p>
           <a:p>
             <a:pPr lvl="1"/>
             <a:r>
-              <a:rPr lang="ru-RU" dirty="0" smtClean="0"/>
-              <a:t>Возвращаем </a:t>
-            </a:r>
-            <a:r>
-              <a:rPr lang="en-US" dirty="0" smtClean="0"/>
-              <a:t>ID, </a:t>
-            </a:r>
-            <a:r>
-              <a:rPr lang="ru-RU" dirty="0" smtClean="0"/>
-              <a:t>работа в фоне</a:t>
-            </a:r>
-            <a:endParaRPr lang="en-US" dirty="0" smtClean="0"/>
+              <a:rPr lang="ru-RU" sz="3000" dirty="0" smtClean="0"/>
+              <a:t>Мониторинг</a:t>
+            </a:r>
+            <a:endParaRPr lang="en-US" sz="3000" dirty="0" smtClean="0"/>
+          </a:p>
+          <a:p>
+            <a:pPr lvl="1"/>
+            <a:r>
+              <a:rPr lang="ru-RU" sz="3000" dirty="0" smtClean="0"/>
+              <a:t>Исчерпывающее </a:t>
+            </a:r>
+            <a:r>
+              <a:rPr lang="ru-RU" sz="3000" dirty="0" err="1" smtClean="0"/>
+              <a:t>логирование</a:t>
+            </a:r>
+            <a:endParaRPr lang="en-US" sz="3000" dirty="0" smtClean="0"/>
+          </a:p>
+          <a:p>
+            <a:r>
+              <a:rPr lang="ru-RU" sz="3400" dirty="0" smtClean="0"/>
+              <a:t>Быстрое исправление</a:t>
+            </a:r>
+            <a:endParaRPr lang="en-US" sz="3400" dirty="0" smtClean="0"/>
+          </a:p>
+          <a:p>
+            <a:pPr lvl="1"/>
+            <a:r>
+              <a:rPr lang="ru-RU" sz="3000" dirty="0" smtClean="0"/>
+              <a:t>Ручное</a:t>
+            </a:r>
           </a:p>
           <a:p>
             <a:pPr lvl="2"/>
             <a:r>
-              <a:rPr lang="ru-RU" dirty="0" smtClean="0"/>
-              <a:t>Нужно хранилище</a:t>
-            </a:r>
-            <a:endParaRPr lang="en-US" dirty="0" smtClean="0"/>
+              <a:rPr lang="ru-RU" sz="2600" dirty="0" smtClean="0"/>
+              <a:t>Проверка </a:t>
+            </a:r>
+            <a:r>
+              <a:rPr lang="en-US" sz="2600" dirty="0" smtClean="0"/>
+              <a:t>email</a:t>
+            </a:r>
+          </a:p>
+          <a:p>
+            <a:pPr lvl="1"/>
+            <a:r>
+              <a:rPr lang="ru-RU" sz="3000" dirty="0" smtClean="0"/>
+              <a:t>Автоматическое</a:t>
+            </a:r>
+            <a:endParaRPr lang="en-US" sz="3000" dirty="0" smtClean="0"/>
           </a:p>
           <a:p>
             <a:pPr lvl="2"/>
             <a:r>
-              <a:rPr lang="ru-RU" dirty="0" smtClean="0"/>
-              <a:t>Хранение входных и выходных данных</a:t>
-            </a:r>
-          </a:p>
-          <a:p>
-            <a:pPr lvl="3"/>
-            <a:r>
-              <a:rPr lang="ru-RU" dirty="0" err="1" smtClean="0"/>
-              <a:t>Дупликаты</a:t>
-            </a:r>
-            <a:r>
-              <a:rPr lang="ru-RU" dirty="0" smtClean="0"/>
-              <a:t>, но необходимы для диагностики</a:t>
-            </a:r>
-            <a:endParaRPr lang="en-US" dirty="0" smtClean="0"/>
-          </a:p>
-          <a:p>
-            <a:pPr lvl="1"/>
-            <a:r>
-              <a:rPr lang="ru-RU" dirty="0" smtClean="0"/>
-              <a:t>Получение статуса</a:t>
-            </a:r>
-            <a:endParaRPr lang="en-US" dirty="0" smtClean="0"/>
+              <a:rPr lang="en-US" sz="2600" dirty="0" smtClean="0"/>
+              <a:t>High Availability (Load balancing)</a:t>
+            </a:r>
           </a:p>
           <a:p>
             <a:pPr lvl="2"/>
             <a:r>
-              <a:rPr lang="en-US" dirty="0" smtClean="0"/>
-              <a:t>Get Status REST</a:t>
-            </a:r>
-          </a:p>
-          <a:p>
-            <a:pPr lvl="2"/>
-            <a:r>
-              <a:rPr lang="ru-RU" dirty="0" smtClean="0"/>
-              <a:t>Асинхронное извещение по завершению обработки</a:t>
-            </a:r>
-            <a:endParaRPr lang="en-US" dirty="0" smtClean="0"/>
-          </a:p>
-          <a:p>
-            <a:pPr lvl="1"/>
-            <a:endParaRPr lang="ru-RU" dirty="0"/>
-          </a:p>
-        </p:txBody>
-      </p:sp>
+              <a:rPr lang="ru-RU" sz="2600" dirty="0" smtClean="0"/>
+              <a:t>Автоматическая повторная попытка (</a:t>
+            </a:r>
+            <a:r>
+              <a:rPr lang="en-US" sz="2600" dirty="0" smtClean="0"/>
+              <a:t>Redelivery)</a:t>
+            </a:r>
+          </a:p>
+          <a:p>
+            <a:endParaRPr lang="ru-RU" sz="3400" u="sng" dirty="0"/>
+          </a:p>
+        </p:txBody>
+      </p:sp>
+      <p:sp>
+        <p:nvSpPr>
+          <p:cNvPr id="4" name="AutoShape 2" descr="Картинки по запросу splunk"/>
+          <p:cNvSpPr>
+            <a:spLocks noChangeAspect="1" noChangeArrowheads="1"/>
+          </p:cNvSpPr>
+          <p:nvPr/>
+        </p:nvSpPr>
+        <p:spPr bwMode="auto">
+          <a:xfrm>
+            <a:off x="155575" y="-144463"/>
+            <a:ext cx="304800" cy="304801"/>
+          </a:xfrm>
+          <a:prstGeom prst="rect">
+            <a:avLst/>
+          </a:prstGeom>
+          <a:noFill/>
+          <a:extLst>
+            <a:ext uri="{909E8E84-426E-40DD-AFC4-6F175D3DCCD1}">
+              <a14:hiddenFill xmlns:a14="http://schemas.microsoft.com/office/drawing/2010/main">
+                <a:solidFill>
+                  <a:srgbClr val="FFFFFF"/>
+                </a:solidFill>
+              </a14:hiddenFill>
+            </a:ext>
+          </a:extLst>
+        </p:spPr>
+        <p:txBody>
+          <a:bodyPr vert="horz" wrap="square" lIns="91440" tIns="45720" rIns="91440" bIns="45720" numCol="1" anchor="t" anchorCtr="0" compatLnSpc="1">
+            <a:prstTxWarp prst="textNoShape">
+              <a:avLst/>
+            </a:prstTxWarp>
+          </a:bodyPr>
+          <a:lstStyle/>
+          <a:p>
+            <a:endParaRPr lang="ru-RU"/>
+          </a:p>
+        </p:txBody>
+      </p:sp>
+      <p:sp>
+        <p:nvSpPr>
+          <p:cNvPr id="5" name="AutoShape 4" descr="Картинки по запросу splunk"/>
+          <p:cNvSpPr>
+            <a:spLocks noChangeAspect="1" noChangeArrowheads="1"/>
+          </p:cNvSpPr>
+          <p:nvPr/>
+        </p:nvSpPr>
+        <p:spPr bwMode="auto">
+          <a:xfrm>
+            <a:off x="307975" y="7937"/>
+            <a:ext cx="304800" cy="304801"/>
+          </a:xfrm>
+          <a:prstGeom prst="rect">
+            <a:avLst/>
+          </a:prstGeom>
+          <a:noFill/>
+          <a:extLst>
+            <a:ext uri="{909E8E84-426E-40DD-AFC4-6F175D3DCCD1}">
+              <a14:hiddenFill xmlns:a14="http://schemas.microsoft.com/office/drawing/2010/main">
+                <a:solidFill>
+                  <a:srgbClr val="FFFFFF"/>
+                </a:solidFill>
+              </a14:hiddenFill>
+            </a:ext>
+          </a:extLst>
+        </p:spPr>
+        <p:txBody>
+          <a:bodyPr vert="horz" wrap="square" lIns="91440" tIns="45720" rIns="91440" bIns="45720" numCol="1" anchor="t" anchorCtr="0" compatLnSpc="1">
+            <a:prstTxWarp prst="textNoShape">
+              <a:avLst/>
+            </a:prstTxWarp>
+          </a:bodyPr>
+          <a:lstStyle/>
+          <a:p>
+            <a:endParaRPr lang="ru-RU"/>
+          </a:p>
+        </p:txBody>
+      </p:sp>
+      <p:sp>
+        <p:nvSpPr>
+          <p:cNvPr id="6" name="AutoShape 6" descr="data:image/jpeg;base64,/9j/4AAQSkZJRgABAQAAAQABAAD/2wCEAAkGBw8PDxUQDxIQFBQVEBcVFA8QFxQUFRQYFBUWFhQTGBgYHCggGB0lHBcYITMhJSkrLjExGx8zODMsNygtLisBCgoKDg0OGxAQGzUlHCQsLCw3KzQsLCw3LiwuLCw3LCw3MCwsNy4sLCwtLCwsLC83LCw3LCwsNiwrKywsLCssLP/AABEIAIYBeAMBIgACEQEDEQH/xAAcAAEBAAMBAQEBAAAAAAAAAAAACAUGBwEEAgP/xABLEAABAwICBQgECgcGBwEAAAABAAIDBBEFBgcSITFBEzVRYXF0gbMIIjKRMzRCUnJzobGytBQjU1RigtEVQ5KTwtIWFyWDweHwJP/EABkBAQEAAwEAAAAAAAAAAAAAAAABAgMEBf/EACARAQACAgMBAAMBAAAAAAAAAAABAgMRBBIhMSJBURP/2gAMAwEAAhEDEQA/AO3IiICIiAiIgIiICIiAiIgIiICIiAiIgIiICIiAiIgIiICIiAiIgIiICIiAiIgIiICIiAiIgIiICIiAiIgIiICIiAiIgIiICIiAiIgIiICkzHc44qyrna2vrg1tRIA0TygAB7rADW2BVmFGGYvjtR3mXzHIN90S5oxGoxqminrKuSNxk1o5JpHtdaJ5F2k2O0AqkVK+hfn2l7ZfJkVUIPUREBERAREQEREBERAREQF4vV4gmzStmnEafGqqKCtrI42uj1Y45pGsbeGMmzQ6w2knxWHynm/FJMQpGSV9a5rqyBrmOnlIcDK0FpGttBGyy90yc/Vf04/IjWEyZznR9+p/OYgsVerxeoCIiAiL4a7ERG4Ma3Wdsvvs3WJDb6oJubGwAO4qWtFY3KTOn3IvloK0TNuBYi1xe4s4Xa4HiCOPavqSJiY3CxIiIqCIiAiIgIiICIuEaUNLs4mfR4W/k2xuLJKoAF73AkObHceq0HZrbzw2bw7lPURx/CPY36bg3715BVRyfBvY76Dmu+4qLKiolnkL5HySPcdrnlz3OPadpX0zYXWU4Er4amIDa2RzJI+whxAQWgi4LoUzXjNXWimdKZqZjC6Z1QNd0bQCG6r/AGtYusLEniujaYauWHBKmSGR8bwYbSRuLHC88QNnNNxsJCDdEUb/APFWJ/v1b/nzf7l1HIOkgYfgs01ZLLU1Dq17YIZJHPe60UJ2udctYCdp69m0oO7L5jiEANuWhv0a7L/epQzJnTE8VeRNLI5pOymhu2MDo1G+12uuVrcsTmHVe1zT0OBB9xQW4DcXG7pC9Ud5czbiGHO1qSokYL3MROtG7pux2zx3qiNGekaHGGGJ4EVUxt3xA+q8DYZI78Olu8X470G+BRhmL47Ud5l8xys8KMMxfHajvMvmOQbNoX59pe2XyZFVClfQvz7S9svkyKic/SuZhVY9jnNc2kkLXtJa4ENNiCNoKK2CyKNf+JcQ/fKz/Ol/3LsPo74nUVD6zl5ppdVsOryr3v1bmW9tYm24IjtKLxEHqKXtKOO1sWM1bIqqpYwSizGSyNaPUadgBsFjcnZgrn4lSMfV1Tmuq4Q5rppSCDI24I1to6kFZL1fkqQK7NOJCV4FdWgCRwAE82yzj/EgsFFM+izOU0WI8riFbUGBlPK5wmlke0kM2ANJOs6+4L8530uV9c9zKV76Wn2gMjNpHjg57xtBt8lpsOvegpOesijNpJI2noe5rT9pX7hmY8XY5rh0tIcPsUSvcSSSSSTck7Setf3w/EJ6aQS08kkTxufG4tPvHDqQWuvFyTRFpQkrpBQ4gQZyDyNRYDlbAkscALB1hcHj27+toJV0yc/Vf04/IjWEyZznR9+p/OYs3pk5+q/px+RGsJkznOj79T+cxFWKvUK1jP8AnGDB6QzSetI67YYRve+3HoaN5PhvIRGzopChz1ijKuSsjqpWyyu1n2ILHdALDdtgNgFtgVDaKsy4jidIZ62CNjb2jnYS3lrXueTO4D517E3sEG7rF4jhxe/XaA4HU14ydW/JlxaQf5jfwWTWq5sxueknj5IjVMZLo3C4Prb+keC08i9aU7W+MbzERuWcwmidE27yC4tY3ZwbGCGi9hc7Sd3FfetfwjNlPPZr/wBU8/JcbtJ6nbvfZbArhvS1fwncFZiY8ERFtZCIiAiIgIiIMVmuqfDh9VLH7cdJM9p6HNjcQfeFGpKtuohbIx0bwC17S1zTuIcLEe4qRs+ZTnwmsfBI08mSXQS8JI77Df5w2AjgeqxIb16OcNK6sqHSBpnbC0w61rhuseVc3r9jbvse1UE4Aix2g7wdoKijD62WnlZNA90cjHazJGGxaQqH0caW4K/Vpq4shqdgbJ7MUx3CxPsPPzdx4dCDoOF4LS0hkNNDHEZX68nJiwc4C17bh4dJPErVdNvMFV2w/mIlvK0bTbzBVdsP5iJBLS2LIWVZMWrmUrSWstryyDbqRt9ojrNwB1la6u8+jdhwFPVVWy7pmwjqDG67vfrt9yDqeAYBSYfCIaSJkbQLXA9Z38Tnb3HtXuO4HS18LoKuJkjHC3rD1m9bXb2kdIWSRBIWfsrPwmvfSuJc22vE873xuJ1SevYQesFYrBMUlo6mOpgNpInhzT2b2nqIuD1Fdn9JKhbydJUfKD5IieogOH3FcLQWjgeJx1lNFUxexLG146tYXIPWDceCj7MXx2o7zL5jlRmgaqMmCxtP93PKwdhdr/61OeYvjtR3mXzHINm0L8+0vbL5MiobSJzPW9zl/CVPOhfn2l7ZfJkVDaROZ63ucv4SipDXa/Rp9uu+jB98q4ou2ejT7dd9GD75UR3JERBJ2lrnys+uHlsWNyRzpR98h8xqyWlrnys+uHlsWNyPzpR98h8xqCwioqxD4aT6134irVKirEPhpPrXfiKK9wyhkqZ46eIXklkbGwfxPNhfoG3eqdyhouw3D4268TKiew1552h3rcdRh2MF/HpJXF9B1O2THIS75DJXjtEZA+9VAiMBjWSsMrIzHPSQbRYPY0Me3ra5tiFL2ectPwuvlpHEua0h0ch2a8btrHdvA9YKsBTz6RsQGIwP4upAD/LI+34ig5hhla+nnjnjNnRyNe3htaQR9ytOKQPaHDc5ocOwi4URq0cDP/5IO7x/gagmLTJz9V/Tj8iNYTJnOdH36n85izemXn6r+lH5ES1nAa5tNVwVDgS2KojlLW2uRG9riBfjsQV3mnMNPhtK+qqXWa3Y1o9qRxvqxt6SbfeeClDN+ZqjFKt1VUHadjIx7MbASWxt7L7+JuVkdImd58ZqeUcCyFlxDBf2Rxc7peeJ8OC+zRVkb+2Ko8q4Ngh1XSgEa77n1WNG8XsfW4dqDIaJdHLsUk/SappbRsd1gzuHyG/wji7wG29qVhiaxoYwBrWgBrWiwAAsABwC/FHSxwxtiiY1jGNDWMaLBoGwABf2QFhMxZebWWdrlj2tsDvba97ELNosMmOuSvW0eJMRMalyrFMCqKbbIy7f2jPWb/68V+sJx+optjHXZ+yftb4cR4LqZF9h9y1/FspU813R/qn9LPZPa3+ll5l+Bek9sMue2GY9pJhObKeezX/qn9D/AGSep39bLYLrluK5fqaa5ezWZ+0ju5vjxb4phOP1FNYMdrM/Zv2t8OLfBXHz70nrmgrmmPLw6kixWX8bbWMcQ0tc2wc07Rt3WPHcsqvTpet69q/HRExMbgREWSiIiAsVmTL1LiMBp6uMPYdoO5zHWtrsd8lyyq8BvtHvQS3pD0Z1eEuMrLz0pJtO0HWj6Gygeyf4tx6ty0RW7NE17Sx7Q5rgQ5rgCCDsIIO8KUNKmARYdis0EGyMhsjGfMEg1tTsBvbqsg6JoZ0lySSMw2veXF3q09Q83dcDZE8nfu2Hw6Fumm3mCq7YfzESl+kqHxSMkjNnMe17T0OaQQfeFUGmw/8AQKr/ALH5iJBLSon0c3D+y5hxFc77YorKdl170d8fbDVTUMjgOXaHxX3F8d7tHWWkn+VBQIREQcd9JGYCkpWcTUPd4NZb/UuBLpunzMLKrEm08Tg5lKwscRu5VxvIPCzR2grmkUbnuDWglziA1o3kk2ACCldAEJbgwJ+VUykdg1W/e0qeMxfHajvMvmOVaZJwQYfh9PSbLxxDXI4vcdaQ/wCIlSXmL47Ud5l8xyDZtC/PtL2y+TIqG0icz1vc5fwlT1oX5+pe2XyZFRWe4S/Cqxo3mjl+xhKCPl2z0afbrvowffKuJrrXo6YoyKunpnWBngDmE8XQuJ1R2te4/wAqChERfyq6mOGN0srg1jGlz3u2BrWi5JQSnpa58rPrh+BixuR+dKPvkPmNX8M04r+m109Vawlmc9oO8NJ9QHr1bL++SOdKPvkPmNQWEVFWIfDSfWu/EVapUVYh8NJ9a78RRW96Bue4/qJvwKm1MmgbnuP6ib8CptEFPvpH/Hqbup8wqglPvpHfHqbup8woORq0MC+KQd3i8tqi9WhgXxSDu8XltQTHpl5+q/pR+REsDlKJr8RpGPaHNdWQNcxwuHAytBaQd4IWe0yc/Vf0o/IjWEyZznR9+p/OYgzulXJLsJrDyYJppiXQv36u31oSelv2i3WsFlDMs+F1bKqnO0bHxn2ZGEjWjd1G3gQCqrzjluDFKN9LOBt2xyWuY5ADqSDsvt6QSOKkrHsHmoamSlqG6skbi09B6HNPEEbQetBXmWsdgxGljqqd12PbtabazHfKjdbc4HYsopW0W56fhFVaQudSykCaMbdXgJWj5w49I2dCqSmqGSsbJG4OY9oc17TcODhcEFB/VEX4llawFzyGgb3OIAHiUH7X5lka0FziGgb3OIAHiVq+K50iZdtO3lHfPdcMH/l32LT8RxSeoN5Xl3Q3c0djRsXBm5+OnlfZab56x89bji2c4mXbAOUd887I/wCrv/tq0eqnMjy9waC47mNDR4ALL4Tlapns5w5Jh+U/eR1N3++y3PCcuU1NYtbrv/aSWJ8Bub4Ll/y5HKndvIaut8n34xmQqOWNkjpGOaHFurrC17A3Nt/FbUiL1MOKMdIpH6dNa9Y0IiLayEREGj6YMzyYbhrnQh/KzO5FkjQbRawOs8ncDbYOs9S4lkbSjX4U0RG1RAN0EpILPoP2lvZtHUqgqqdkrHRyta9jhZzHgOa4HgQd65fmLQdh9Q4vpJJKUn5AHKx36g4hw7NayDH1Gn6n5K8dFMZbey97BGD9IC5HgPBcWzFjc2IVUlVUEF8jrkDYGgCzWtHAAABdUdoAqL7K6G3SYng+7WWZwPQNSxuDqyqknAPwUTeRaeou1i4+FkHOdEmUJMSxCN5Yf0eB4kmkO71drIx0lxA2dFyu3abeYarth/MRLbcKwyCkibBTRsijbuYwWHWes9Z2rUdNvMFV2w/mIkEtLL0uE1bKUYnCHcnHU8mZWHbFI0MewnoB1xY9It0XxCob0eYWyYRUMe0Oa6teHMcLhwMMIIIO8IMBlvTxIxjWYhTGVwFjPA4Nc7rMZFr9YI7F+M1adJJonRYfA6EuFv0iVwc9t9+qwCwPWSexZ/MugyknkMlFO6mubmFzeVj/AJfWDm+8rBR6AJ7+tXRAdLYnOPuLh96DjT3lxLnEkk3JO0kneSeK7NoR0ePdIzFKxlmNs6mjdveTumI+aOF9528Bfdcp6IMMoXCWUOqpWm4dMAGNI4iMbP8AFddDQAowzF8dqO8y+Y5WeuU12g2hmlfK6qqgZJHPIAjsC5xcQPV60HLNC/PtL2y+TIqlnibIxzHi7XNLXDpDhYj3Fc9ypoio8NrI6yKoqXujLrMfyeqdZjmG9hf5S6KgjzOWXZcMrZKWUGzXXjef7yMk6j/EfaCsTR1ckEjZYnuY9jg5j2mxaRtBBVfZqypRYpFyVZHrWvqSNOrJGTxa4fcbjqXKq/QAdYmnrhq8GzRbR2ua6x9wQYXD9OuJRsDZoaaVwFuUIcwnrIabX7AFgsyZ+xbHHNpdzXvAbS0zSOUcTsDtpLuwm3Gy3Sj0AP1hy1c0NvtEURJPYXOFvcV0zJ2Q8PwkXpoyZSLOqJTrSHqB3NHU0BBK+O4TLQ1L6WfV5SMgPDTcAloda/G17L7Mkc6UffIfMau9Zl0O0dfVy1clRUtdK7WLGCPVFgBsuL8F8+E6EqKmqIqhlTVF0UrJA1wjsSxwcAfV3bEHUHKKsQ+Gk+td+Iq1iFyafQRQPc5xqqu7nEmwi4m/zUHPdA3Pcf1E34FTa5/k3RTS4VVtq4Z6h7msc3UkDNWzxY7hddBQeKffSO+PU3dT5hVBrSM96N6bGJmTTzTRmOPUDYtSxGsTc6wPSgldWhgXxSDu8XltXMv+QlB+9Vfui/2rqtHTiKJkQJIZG1gJ3kNaACfcglvTJz9V/Tj8iNYTJnOdH36n85i7/mnRBR4jWS1ktRUMfKWksYI9UarGsFri+5q+PCtCNFTVEVQ2pqi6KZkoa4R2JjcHAGzd2xB1MrmumfIn9o036VTtH6VA0mw3yxC5dH2jePEcV0pEEPrruhLSD+jPbhtW/wDUvd+okcfgnuPsE/Ncfce3ZuePaF6Osr31XLPiik9Z9NE0Al5JL3B5Nmg77au+62zL+RMLw+xpqWMOH97JeSTt1n3t4WCDY1o2kN55WIXNuTJtwvrb7Lel/F9JG54kcxpe0Wa87SBv2dC0cjFOXH0idMMle1dOeYTlWons5w5Jnznjaexu/wB9lueE5epqba1us/8AaP2nw4DwWWRYYeHjxe63P9SmKtRERdTYIiICIiAiIgIiIFkREBaLpt5hqu2H8xEt6K0XTbzDVdsP5iJBLSon0cua5+/u8mFTsqJ9HLmufv7vJhQdVXqIgIiICIiAiIgIiIFkREBLIiAlkRAREQERECyIiBZLIiAiIgIiICIiAiIgIiICIiAiIgIiICIiAiIgLXs/ZffieHTUcb2sdJydnvBIGpKx5vbb8my2FEHAP+QVZ++U3+GT+i6dovyfLg9JJTyyskL6gyh0YcAAWRttt4+p9q3FEBERAREQEREBERAREQEREBERAREQEREBERAREQEREBERAREQEREBERAREQEREBERAREQEREBERAREQEREBERAREQEREBERAREQEREBERAREQEREBERAREQEREBERAREQEREBERAREQEREBERB//Z"/>
+          <p:cNvSpPr>
+            <a:spLocks noChangeAspect="1" noChangeArrowheads="1"/>
+          </p:cNvSpPr>
+          <p:nvPr/>
+        </p:nvSpPr>
+        <p:spPr bwMode="auto">
+          <a:xfrm>
+            <a:off x="460375" y="160337"/>
+            <a:ext cx="304800" cy="304801"/>
+          </a:xfrm>
+          <a:prstGeom prst="rect">
+            <a:avLst/>
+          </a:prstGeom>
+          <a:noFill/>
+          <a:extLst>
+            <a:ext uri="{909E8E84-426E-40DD-AFC4-6F175D3DCCD1}">
+              <a14:hiddenFill xmlns:a14="http://schemas.microsoft.com/office/drawing/2010/main">
+                <a:solidFill>
+                  <a:srgbClr val="FFFFFF"/>
+                </a:solidFill>
+              </a14:hiddenFill>
+            </a:ext>
+          </a:extLst>
+        </p:spPr>
+        <p:txBody>
+          <a:bodyPr vert="horz" wrap="square" lIns="91440" tIns="45720" rIns="91440" bIns="45720" numCol="1" anchor="t" anchorCtr="0" compatLnSpc="1">
+            <a:prstTxWarp prst="textNoShape">
+              <a:avLst/>
+            </a:prstTxWarp>
+          </a:bodyPr>
+          <a:lstStyle/>
+          <a:p>
+            <a:endParaRPr lang="ru-RU"/>
+          </a:p>
+        </p:txBody>
+      </p:sp>
+      <p:pic>
+        <p:nvPicPr>
+          <p:cNvPr id="1031" name="Picture 7"/>
+          <p:cNvPicPr>
+            <a:picLocks noChangeAspect="1" noChangeArrowheads="1"/>
+          </p:cNvPicPr>
+          <p:nvPr/>
+        </p:nvPicPr>
+        <p:blipFill>
+          <a:blip r:embed="rId4">
+            <a:extLst>
+              <a:ext uri="{28A0092B-C50C-407E-A947-70E740481C1C}">
+                <a14:useLocalDpi xmlns:a14="http://schemas.microsoft.com/office/drawing/2010/main" val="0"/>
+              </a:ext>
+            </a:extLst>
+          </a:blip>
+          <a:srcRect/>
+          <a:stretch>
+            <a:fillRect/>
+          </a:stretch>
+        </p:blipFill>
+        <p:spPr bwMode="auto">
+          <a:xfrm>
+            <a:off x="3347864" y="2492896"/>
+            <a:ext cx="1512168" cy="468052"/>
+          </a:xfrm>
+          <a:prstGeom prst="rect">
+            <a:avLst/>
+          </a:prstGeom>
+          <a:noFill/>
+          <a:ln>
+            <a:noFill/>
+          </a:ln>
+          <a:effectLst/>
+          <a:extLst>
+            <a:ext uri="{909E8E84-426E-40DD-AFC4-6F175D3DCCD1}">
+              <a14:hiddenFill xmlns:a14="http://schemas.microsoft.com/office/drawing/2010/main">
+                <a:solidFill>
+                  <a:schemeClr val="accent1"/>
+                </a:solidFill>
+              </a14:hiddenFill>
+            </a:ext>
+            <a:ext uri="{91240B29-F687-4F45-9708-019B960494DF}">
+              <a14:hiddenLine xmlns:a14="http://schemas.microsoft.com/office/drawing/2010/main" w="9525">
+                <a:solidFill>
+                  <a:schemeClr val="tx1"/>
+                </a:solidFill>
+                <a:miter lim="800000"/>
+                <a:headEnd/>
+                <a:tailEnd/>
+              </a14:hiddenLine>
+            </a:ext>
+            <a:ext uri="{AF507438-7753-43E0-B8FC-AC1667EBCBE1}">
+              <a14:hiddenEffects xmlns:a14="http://schemas.microsoft.com/office/drawing/2010/main">
+                <a:effectLst>
+                  <a:outerShdw dist="35921" dir="2700000" algn="ctr" rotWithShape="0">
+                    <a:schemeClr val="bg2"/>
+                  </a:outerShdw>
+                </a:effectLst>
+              </a14:hiddenEffects>
+            </a:ext>
+          </a:extLst>
+        </p:spPr>
+      </p:pic>
+      <p:pic>
+        <p:nvPicPr>
+          <p:cNvPr id="1032" name="Picture 8"/>
+          <p:cNvPicPr>
+            <a:picLocks noChangeAspect="1" noChangeArrowheads="1"/>
+          </p:cNvPicPr>
+          <p:nvPr/>
+        </p:nvPicPr>
+        <p:blipFill>
+          <a:blip r:embed="rId5">
+            <a:extLst>
+              <a:ext uri="{28A0092B-C50C-407E-A947-70E740481C1C}">
+                <a14:useLocalDpi xmlns:a14="http://schemas.microsoft.com/office/drawing/2010/main" val="0"/>
+              </a:ext>
+            </a:extLst>
+          </a:blip>
+          <a:srcRect/>
+          <a:stretch>
+            <a:fillRect/>
+          </a:stretch>
+        </p:blipFill>
+        <p:spPr bwMode="auto">
+          <a:xfrm>
+            <a:off x="6012161" y="2726922"/>
+            <a:ext cx="1728192" cy="774086"/>
+          </a:xfrm>
+          <a:prstGeom prst="rect">
+            <a:avLst/>
+          </a:prstGeom>
+          <a:noFill/>
+          <a:ln>
+            <a:noFill/>
+          </a:ln>
+          <a:effectLst/>
+          <a:extLst>
+            <a:ext uri="{909E8E84-426E-40DD-AFC4-6F175D3DCCD1}">
+              <a14:hiddenFill xmlns:a14="http://schemas.microsoft.com/office/drawing/2010/main">
+                <a:solidFill>
+                  <a:schemeClr val="accent1"/>
+                </a:solidFill>
+              </a14:hiddenFill>
+            </a:ext>
+            <a:ext uri="{91240B29-F687-4F45-9708-019B960494DF}">
+              <a14:hiddenLine xmlns:a14="http://schemas.microsoft.com/office/drawing/2010/main" w="9525">
+                <a:solidFill>
+                  <a:schemeClr val="tx1"/>
+                </a:solidFill>
+                <a:miter lim="800000"/>
+                <a:headEnd/>
+                <a:tailEnd/>
+              </a14:hiddenLine>
+            </a:ext>
+            <a:ext uri="{AF507438-7753-43E0-B8FC-AC1667EBCBE1}">
+              <a14:hiddenEffects xmlns:a14="http://schemas.microsoft.com/office/drawing/2010/main">
+                <a:effectLst>
+                  <a:outerShdw dist="35921" dir="2700000" algn="ctr" rotWithShape="0">
+                    <a:schemeClr val="bg2"/>
+                  </a:outerShdw>
+                </a:effectLst>
+              </a14:hiddenEffects>
+            </a:ext>
+          </a:extLst>
+        </p:spPr>
+      </p:pic>
     </p:spTree>
     <p:extLst>
       <p:ext uri="{BB962C8B-B14F-4D97-AF65-F5344CB8AC3E}">
-        <p14:creationId xmlns:p14="http://schemas.microsoft.com/office/powerpoint/2010/main" val="4035124494"/>
+        <p14:creationId xmlns:p14="http://schemas.microsoft.com/office/powerpoint/2010/main" val="555567851"/>
       </p:ext>
     </p:extLst>
   </p:cSld>
@@ -5959,11 +6445,11 @@
           <a:p>
             <a:r>
               <a:rPr lang="ru-RU" dirty="0" smtClean="0"/>
-              <a:t>Отказы (</a:t>
-            </a:r>
-            <a:r>
-              <a:rPr lang="en-US" dirty="0" smtClean="0"/>
-              <a:t>Failures)</a:t>
+              <a:t>Дизайн </a:t>
+            </a:r>
+            <a:r>
+              <a:rPr lang="ru-RU" dirty="0" err="1" smtClean="0"/>
+              <a:t>микросервисов</a:t>
             </a:r>
             <a:endParaRPr lang="ru-RU" dirty="0"/>
           </a:p>
@@ -5982,118 +6468,78 @@
         <p:spPr/>
         <p:txBody>
           <a:bodyPr>
-            <a:normAutofit lnSpcReduction="10000"/>
+            <a:normAutofit/>
           </a:bodyPr>
           <a:lstStyle/>
           <a:p>
-            <a:r>
-              <a:rPr lang="ru-RU" dirty="0" smtClean="0"/>
-              <a:t>Быть готовым к отказу</a:t>
+            <a:pPr>
+              <a:lnSpc>
+                <a:spcPct val="150000"/>
+              </a:lnSpc>
+            </a:pPr>
+            <a:r>
+              <a:rPr lang="ru-RU" dirty="0"/>
+              <a:t>Децентрализованное управление </a:t>
+            </a:r>
+            <a:endParaRPr lang="en-US" dirty="0"/>
+          </a:p>
+          <a:p>
+            <a:pPr>
+              <a:lnSpc>
+                <a:spcPct val="150000"/>
+              </a:lnSpc>
+            </a:pPr>
+            <a:r>
+              <a:rPr lang="ru-RU" dirty="0" smtClean="0"/>
+              <a:t>Децентрализованные данные</a:t>
+            </a:r>
+            <a:endParaRPr lang="ru-RU" dirty="0"/>
+          </a:p>
+          <a:p>
+            <a:pPr>
+              <a:lnSpc>
+                <a:spcPct val="150000"/>
+              </a:lnSpc>
+            </a:pPr>
+            <a:r>
+              <a:rPr lang="ru-RU" dirty="0" smtClean="0"/>
+              <a:t>Взаимодействие сервисов</a:t>
             </a:r>
             <a:endParaRPr lang="en-US" dirty="0" smtClean="0"/>
           </a:p>
           <a:p>
-            <a:r>
-              <a:rPr lang="ru-RU" dirty="0" smtClean="0"/>
-              <a:t>Быть готовым к восстановлению данных</a:t>
-            </a:r>
-            <a:endParaRPr lang="en-US" dirty="0" smtClean="0"/>
-          </a:p>
-          <a:p>
-            <a:r>
-              <a:rPr lang="ru-RU" dirty="0" smtClean="0"/>
-              <a:t>Найти точки отказа</a:t>
-            </a:r>
-            <a:endParaRPr lang="en-US" dirty="0" smtClean="0"/>
-          </a:p>
-          <a:p>
-            <a:pPr lvl="1"/>
-            <a:r>
-              <a:rPr lang="en-US" u="sng" dirty="0" smtClean="0"/>
-              <a:t>Show on our application</a:t>
-            </a:r>
-          </a:p>
-          <a:p>
-            <a:r>
-              <a:rPr lang="ru-RU" dirty="0" smtClean="0"/>
-              <a:t>Определить как восстанавливать данные</a:t>
-            </a:r>
-            <a:endParaRPr lang="en-US" dirty="0" smtClean="0"/>
-          </a:p>
-          <a:p>
-            <a:pPr lvl="1"/>
-            <a:r>
-              <a:rPr lang="ru-RU" dirty="0" smtClean="0"/>
-              <a:t>Синхронное</a:t>
-            </a:r>
-            <a:r>
-              <a:rPr lang="en-US" dirty="0" smtClean="0"/>
-              <a:t>- </a:t>
-            </a:r>
-            <a:r>
-              <a:rPr lang="ru-RU" dirty="0" smtClean="0"/>
-              <a:t>на стороне клиента</a:t>
-            </a:r>
-            <a:endParaRPr lang="en-US" dirty="0" smtClean="0"/>
-          </a:p>
-          <a:p>
-            <a:pPr lvl="2"/>
-            <a:r>
-              <a:rPr lang="ru-RU" dirty="0" smtClean="0"/>
-              <a:t>ответственный</a:t>
-            </a:r>
-            <a:r>
-              <a:rPr lang="en-US" dirty="0" smtClean="0"/>
-              <a:t>: </a:t>
-            </a:r>
-            <a:r>
-              <a:rPr lang="ru-RU" dirty="0" smtClean="0"/>
-              <a:t>пользователь</a:t>
-            </a:r>
-            <a:endParaRPr lang="en-US" dirty="0" smtClean="0"/>
-          </a:p>
-          <a:p>
-            <a:pPr lvl="1"/>
-            <a:r>
-              <a:rPr lang="ru-RU" dirty="0" smtClean="0"/>
-              <a:t>Асинхронное</a:t>
-            </a:r>
-            <a:r>
-              <a:rPr lang="en-US" dirty="0" smtClean="0"/>
-              <a:t>- </a:t>
-            </a:r>
-            <a:r>
-              <a:rPr lang="ru-RU" dirty="0" smtClean="0"/>
-              <a:t>на стороне сервера</a:t>
-            </a:r>
-            <a:endParaRPr lang="en-US" dirty="0" smtClean="0"/>
-          </a:p>
-          <a:p>
-            <a:pPr lvl="2"/>
-            <a:r>
-              <a:rPr lang="ru-RU" dirty="0" smtClean="0"/>
-              <a:t>ответственный</a:t>
-            </a:r>
-            <a:r>
-              <a:rPr lang="en-US" dirty="0" smtClean="0"/>
-              <a:t>: </a:t>
-            </a:r>
-            <a:r>
-              <a:rPr lang="ru-RU" dirty="0" smtClean="0"/>
-              <a:t>разработчик</a:t>
-            </a:r>
-            <a:endParaRPr lang="en-US" dirty="0" smtClean="0"/>
-          </a:p>
-          <a:p>
-            <a:pPr lvl="2"/>
-            <a:endParaRPr lang="ru-RU" dirty="0"/>
+            <a:pPr>
+              <a:lnSpc>
+                <a:spcPct val="150000"/>
+              </a:lnSpc>
+            </a:pPr>
+            <a:r>
+              <a:rPr lang="ru-RU" dirty="0"/>
+              <a:t>Проектирование под отказ</a:t>
+            </a:r>
+          </a:p>
+          <a:p>
+            <a:pPr>
+              <a:lnSpc>
+                <a:spcPct val="150000"/>
+              </a:lnSpc>
+            </a:pPr>
+            <a:r>
+              <a:rPr lang="ru-RU" b="1" u="sng" dirty="0"/>
+              <a:t>Типы </a:t>
+            </a:r>
+            <a:r>
+              <a:rPr lang="ru-RU" b="1" u="sng" dirty="0" smtClean="0"/>
+              <a:t>взаимодействия</a:t>
+            </a:r>
+            <a:endParaRPr lang="ru-RU" b="1" u="sng" dirty="0"/>
           </a:p>
         </p:txBody>
       </p:sp>
     </p:spTree>
     <p:extLst>
       <p:ext uri="{BB962C8B-B14F-4D97-AF65-F5344CB8AC3E}">
-        <p14:creationId xmlns:p14="http://schemas.microsoft.com/office/powerpoint/2010/main" val="2944986697"/>
+        <p14:creationId xmlns:p14="http://schemas.microsoft.com/office/powerpoint/2010/main" val="3465685739"/>
       </p:ext>
     </p:extLst>
   </p:cSld>
@@ -6162,20 +6608,78 @@
         </p:nvSpPr>
         <p:spPr/>
         <p:txBody>
-          <a:bodyPr/>
-          <a:lstStyle/>
-          <a:p>
-            <a:r>
-              <a:rPr lang="ru-RU" dirty="0" err="1" smtClean="0"/>
-              <a:t>Микросервисы</a:t>
-            </a:r>
-            <a:r>
-              <a:rPr lang="ru-RU" dirty="0" smtClean="0"/>
-              <a:t>, основные принципы</a:t>
-            </a:r>
-          </a:p>
-          <a:p>
-            <a:endParaRPr lang="ru-RU" dirty="0"/>
+          <a:bodyPr>
+            <a:normAutofit/>
+          </a:bodyPr>
+          <a:lstStyle/>
+          <a:p>
+            <a:pPr>
+              <a:lnSpc>
+                <a:spcPct val="150000"/>
+              </a:lnSpc>
+            </a:pPr>
+            <a:r>
+              <a:rPr lang="ru-RU" sz="4000" dirty="0" smtClean="0"/>
+              <a:t>Что такое </a:t>
+            </a:r>
+            <a:r>
+              <a:rPr lang="ru-RU" sz="4000" dirty="0" err="1" smtClean="0"/>
+              <a:t>м</a:t>
+            </a:r>
+            <a:r>
+              <a:rPr lang="ru-RU" sz="4000" dirty="0" err="1" smtClean="0"/>
+              <a:t>икросервисы</a:t>
+            </a:r>
+            <a:r>
+              <a:rPr lang="ru-RU" sz="4000" dirty="0" smtClean="0"/>
+              <a:t>?</a:t>
+            </a:r>
+          </a:p>
+          <a:p>
+            <a:pPr>
+              <a:lnSpc>
+                <a:spcPct val="150000"/>
+              </a:lnSpc>
+            </a:pPr>
+            <a:r>
+              <a:rPr lang="ru-RU" sz="4000" dirty="0" smtClean="0"/>
+              <a:t>Ориентация на бизнес</a:t>
+            </a:r>
+          </a:p>
+          <a:p>
+            <a:pPr>
+              <a:lnSpc>
+                <a:spcPct val="150000"/>
+              </a:lnSpc>
+            </a:pPr>
+            <a:r>
+              <a:rPr lang="ru-RU" sz="4000" dirty="0" smtClean="0"/>
+              <a:t>Инфраструктура</a:t>
+            </a:r>
+          </a:p>
+          <a:p>
+            <a:pPr>
+              <a:lnSpc>
+                <a:spcPct val="150000"/>
+              </a:lnSpc>
+            </a:pPr>
+            <a:r>
+              <a:rPr lang="ru-RU" sz="4000" b="1" dirty="0" smtClean="0"/>
+              <a:t>Дизайн </a:t>
+            </a:r>
+            <a:r>
+              <a:rPr lang="ru-RU" sz="4000" b="1" dirty="0" err="1" smtClean="0"/>
+              <a:t>микросервисов</a:t>
+            </a:r>
+            <a:endParaRPr lang="en-US" sz="4000" b="1" dirty="0" smtClean="0"/>
+          </a:p>
+          <a:p>
+            <a:pPr>
+              <a:lnSpc>
+                <a:spcPct val="150000"/>
+              </a:lnSpc>
+            </a:pPr>
+            <a:endParaRPr lang="ru-RU" sz="4000" dirty="0"/>
           </a:p>
         </p:txBody>
       </p:sp>
@@ -6233,120 +6737,465 @@
           <a:p>
             <a:r>
               <a:rPr lang="ru-RU" dirty="0" smtClean="0"/>
-              <a:t>Отказы</a:t>
-            </a:r>
-            <a:r>
-              <a:rPr lang="en-US" dirty="0" smtClean="0"/>
-              <a:t>: </a:t>
-            </a:r>
-            <a:r>
-              <a:rPr lang="ru-RU" dirty="0" smtClean="0"/>
+              <a:t>Типы взаимодействия</a:t>
+            </a:r>
+            <a:endParaRPr lang="ru-RU" dirty="0"/>
+          </a:p>
+        </p:txBody>
+      </p:sp>
+      <p:sp>
+        <p:nvSpPr>
+          <p:cNvPr id="3" name="Объект 2"/>
+          <p:cNvSpPr>
+            <a:spLocks noGrp="1"/>
+          </p:cNvSpPr>
+          <p:nvPr>
+            <p:ph idx="1"/>
+          </p:nvPr>
+        </p:nvSpPr>
+        <p:spPr/>
+        <p:txBody>
+          <a:bodyPr>
+            <a:normAutofit fontScale="92500" lnSpcReduction="10000"/>
+          </a:bodyPr>
+          <a:lstStyle/>
+          <a:p>
+            <a:pPr marL="0" indent="0">
+              <a:lnSpc>
+                <a:spcPct val="150000"/>
+              </a:lnSpc>
+              <a:buNone/>
+            </a:pPr>
+            <a:r>
+              <a:rPr lang="ru-RU" sz="3900" dirty="0" smtClean="0"/>
+              <a:t>Взаимодействие между сервисами</a:t>
+            </a:r>
+            <a:endParaRPr lang="en-US" sz="3900" dirty="0" smtClean="0"/>
+          </a:p>
+          <a:p>
+            <a:pPr lvl="1">
+              <a:lnSpc>
+                <a:spcPct val="150000"/>
+              </a:lnSpc>
+            </a:pPr>
+            <a:r>
+              <a:rPr lang="ru-RU" sz="4000" dirty="0" smtClean="0"/>
               <a:t>Асинхронное</a:t>
             </a:r>
+            <a:r>
+              <a:rPr lang="en-US" sz="4000" dirty="0" smtClean="0"/>
+              <a:t> </a:t>
+            </a:r>
+            <a:endParaRPr lang="ru-RU" sz="4000" dirty="0" smtClean="0"/>
+          </a:p>
+          <a:p>
+            <a:pPr lvl="2">
+              <a:lnSpc>
+                <a:spcPct val="150000"/>
+              </a:lnSpc>
+            </a:pPr>
+            <a:r>
+              <a:rPr lang="ru-RU" sz="3600" dirty="0" smtClean="0"/>
+              <a:t>обычно</a:t>
+            </a:r>
+            <a:r>
+              <a:rPr lang="en-US" sz="3600" dirty="0" smtClean="0"/>
+              <a:t> CUD </a:t>
+            </a:r>
+            <a:r>
+              <a:rPr lang="ru-RU" sz="3600" dirty="0" smtClean="0"/>
+              <a:t>в</a:t>
+            </a:r>
+            <a:r>
+              <a:rPr lang="en-US" sz="3600" dirty="0" smtClean="0"/>
+              <a:t> CRUD</a:t>
+            </a:r>
+          </a:p>
+          <a:p>
+            <a:pPr lvl="1">
+              <a:lnSpc>
+                <a:spcPct val="150000"/>
+              </a:lnSpc>
+            </a:pPr>
+            <a:r>
+              <a:rPr lang="ru-RU" sz="4000" dirty="0" smtClean="0"/>
+              <a:t>Синхронное</a:t>
+            </a:r>
+            <a:r>
+              <a:rPr lang="en-US" sz="4000" dirty="0" smtClean="0"/>
+              <a:t> </a:t>
+            </a:r>
+            <a:endParaRPr lang="ru-RU" sz="4000" dirty="0" smtClean="0"/>
+          </a:p>
+          <a:p>
+            <a:pPr lvl="2">
+              <a:lnSpc>
+                <a:spcPct val="150000"/>
+              </a:lnSpc>
+            </a:pPr>
+            <a:r>
+              <a:rPr lang="ru-RU" sz="3600" dirty="0" smtClean="0"/>
+              <a:t>обычно</a:t>
+            </a:r>
+            <a:r>
+              <a:rPr lang="en-US" sz="3600" dirty="0" smtClean="0"/>
+              <a:t> R </a:t>
+            </a:r>
+            <a:r>
+              <a:rPr lang="ru-RU" sz="3600" dirty="0" smtClean="0"/>
+              <a:t>в</a:t>
+            </a:r>
+            <a:r>
+              <a:rPr lang="en-US" sz="3600" dirty="0" smtClean="0"/>
+              <a:t> CRUD</a:t>
+            </a:r>
+          </a:p>
+          <a:p>
             <a:endParaRPr lang="ru-RU" dirty="0"/>
           </a:p>
         </p:txBody>
       </p:sp>
       <p:sp>
         <p:nvSpPr>
-          <p:cNvPr id="3" name="Объект 2"/>
-          <p:cNvSpPr>
-            <a:spLocks noGrp="1"/>
-          </p:cNvSpPr>
-          <p:nvPr>
-            <p:ph idx="1"/>
-          </p:nvPr>
-        </p:nvSpPr>
-        <p:spPr/>
-        <p:txBody>
-          <a:bodyPr>
-            <a:normAutofit/>
+          <p:cNvPr id="4" name="Скругленный прямоугольник 3"/>
+          <p:cNvSpPr/>
+          <p:nvPr/>
+        </p:nvSpPr>
+        <p:spPr>
+          <a:xfrm>
+            <a:off x="6876256" y="2790126"/>
+            <a:ext cx="1656184" cy="679477"/>
+          </a:xfrm>
+          <a:prstGeom prst="roundRect">
+            <a:avLst/>
+          </a:prstGeom>
+        </p:spPr>
+        <p:style>
+          <a:lnRef idx="2">
+            <a:schemeClr val="accent1">
+              <a:shade val="50000"/>
+            </a:schemeClr>
+          </a:lnRef>
+          <a:fillRef idx="1">
+            <a:schemeClr val="accent1"/>
+          </a:fillRef>
+          <a:effectRef idx="0">
+            <a:schemeClr val="accent1"/>
+          </a:effectRef>
+          <a:fontRef idx="minor">
+            <a:schemeClr val="lt1"/>
+          </a:fontRef>
+        </p:style>
+        <p:txBody>
+          <a:bodyPr rtlCol="0" anchor="ctr"/>
+          <a:lstStyle/>
+          <a:p>
+            <a:pPr algn="ctr"/>
+            <a:r>
+              <a:rPr lang="ru-RU" dirty="0" smtClean="0"/>
+              <a:t>Сканирование документа</a:t>
+            </a:r>
+            <a:endParaRPr lang="ru-RU" dirty="0"/>
+          </a:p>
+        </p:txBody>
+      </p:sp>
+      <p:cxnSp>
+        <p:nvCxnSpPr>
+          <p:cNvPr id="5" name="Прямая со стрелкой 4"/>
+          <p:cNvCxnSpPr/>
+          <p:nvPr/>
+        </p:nvCxnSpPr>
+        <p:spPr>
+          <a:xfrm>
+            <a:off x="5796136" y="3140968"/>
+            <a:ext cx="1080120" cy="0"/>
+          </a:xfrm>
+          <a:prstGeom prst="straightConnector1">
+            <a:avLst/>
+          </a:prstGeom>
+          <a:ln>
+            <a:prstDash val="dash"/>
+            <a:tailEnd type="arrow"/>
+          </a:ln>
+        </p:spPr>
+        <p:style>
+          <a:lnRef idx="1">
+            <a:schemeClr val="accent1"/>
+          </a:lnRef>
+          <a:fillRef idx="0">
+            <a:schemeClr val="accent1"/>
+          </a:fillRef>
+          <a:effectRef idx="0">
+            <a:schemeClr val="accent1"/>
+          </a:effectRef>
+          <a:fontRef idx="minor">
+            <a:schemeClr val="tx1"/>
+          </a:fontRef>
+        </p:style>
+      </p:cxnSp>
+      <p:sp>
+        <p:nvSpPr>
+          <p:cNvPr id="7" name="TextBox 6"/>
+          <p:cNvSpPr txBox="1"/>
+          <p:nvPr/>
+        </p:nvSpPr>
+        <p:spPr>
+          <a:xfrm>
+            <a:off x="6021045" y="2608443"/>
+            <a:ext cx="740908" cy="369332"/>
+          </a:xfrm>
+          <a:prstGeom prst="rect">
+            <a:avLst/>
+          </a:prstGeom>
+          <a:noFill/>
+        </p:spPr>
+        <p:txBody>
+          <a:bodyPr wrap="none" rtlCol="0">
+            <a:spAutoFit/>
           </a:bodyPr>
           <a:lstStyle/>
           <a:p>
             <a:r>
-              <a:rPr lang="ru-RU" dirty="0" smtClean="0"/>
-              <a:t>Повторная доставка </a:t>
-            </a:r>
-            <a:r>
-              <a:rPr lang="en-US" dirty="0" smtClean="0"/>
-              <a:t>(redelivery</a:t>
-            </a:r>
-            <a:r>
-              <a:rPr lang="en-US" dirty="0" smtClean="0"/>
-              <a:t>)</a:t>
-            </a:r>
-            <a:endParaRPr lang="ru-RU" dirty="0" smtClean="0"/>
-          </a:p>
-          <a:p>
-            <a:pPr lvl="1"/>
-            <a:r>
-              <a:rPr lang="ru-RU" dirty="0" smtClean="0"/>
-              <a:t>Исправляет единовременные отказы</a:t>
-            </a:r>
-          </a:p>
-          <a:p>
-            <a:pPr lvl="2"/>
-            <a:r>
-              <a:rPr lang="ru-RU" dirty="0" smtClean="0"/>
-              <a:t>Сети</a:t>
-            </a:r>
-          </a:p>
-          <a:p>
-            <a:pPr lvl="2"/>
-            <a:r>
-              <a:rPr lang="ru-RU" dirty="0" smtClean="0"/>
-              <a:t>БД</a:t>
-            </a:r>
-          </a:p>
-          <a:p>
-            <a:pPr lvl="1"/>
-            <a:r>
-              <a:rPr lang="ru-RU" dirty="0" smtClean="0"/>
-              <a:t>Автоматическая</a:t>
-            </a:r>
-            <a:endParaRPr lang="en-US" dirty="0" smtClean="0"/>
-          </a:p>
-          <a:p>
-            <a:r>
-              <a:rPr lang="ru-RU" dirty="0" smtClean="0"/>
-              <a:t>Сохранение состояния</a:t>
-            </a:r>
-          </a:p>
-          <a:p>
-            <a:pPr lvl="1"/>
-            <a:r>
-              <a:rPr lang="en-US" dirty="0"/>
-              <a:t>DLQ</a:t>
-            </a:r>
-            <a:r>
-              <a:rPr lang="ru-RU" dirty="0"/>
-              <a:t> (</a:t>
-            </a:r>
-            <a:r>
-              <a:rPr lang="en-US" dirty="0"/>
-              <a:t>Dead Letter Queue</a:t>
-            </a:r>
-            <a:r>
-              <a:rPr lang="en-US" dirty="0" smtClean="0"/>
-              <a:t>)</a:t>
-            </a:r>
-            <a:endParaRPr lang="ru-RU" dirty="0" smtClean="0"/>
-          </a:p>
-          <a:p>
-            <a:pPr lvl="1"/>
-            <a:r>
-              <a:rPr lang="ru-RU" dirty="0" smtClean="0"/>
-              <a:t>Ручное исправление</a:t>
-            </a:r>
-            <a:endParaRPr lang="ru-RU" dirty="0" smtClean="0"/>
+              <a:rPr lang="ru-RU" dirty="0" err="1" smtClean="0"/>
+              <a:t>асинх</a:t>
+            </a:r>
+            <a:endParaRPr lang="ru-RU" dirty="0"/>
+          </a:p>
+        </p:txBody>
+      </p:sp>
+      <p:sp>
+        <p:nvSpPr>
+          <p:cNvPr id="8" name="Скругленный прямоугольник 7"/>
+          <p:cNvSpPr/>
+          <p:nvPr/>
+        </p:nvSpPr>
+        <p:spPr>
+          <a:xfrm>
+            <a:off x="4355976" y="2790125"/>
+            <a:ext cx="1440160" cy="679477"/>
+          </a:xfrm>
+          <a:prstGeom prst="roundRect">
+            <a:avLst/>
+          </a:prstGeom>
+        </p:spPr>
+        <p:style>
+          <a:lnRef idx="2">
+            <a:schemeClr val="accent1">
+              <a:shade val="50000"/>
+            </a:schemeClr>
+          </a:lnRef>
+          <a:fillRef idx="1">
+            <a:schemeClr val="accent1"/>
+          </a:fillRef>
+          <a:effectRef idx="0">
+            <a:schemeClr val="accent1"/>
+          </a:effectRef>
+          <a:fontRef idx="minor">
+            <a:schemeClr val="lt1"/>
+          </a:fontRef>
+        </p:style>
+        <p:txBody>
+          <a:bodyPr rtlCol="0" anchor="ctr"/>
+          <a:lstStyle/>
+          <a:p>
+            <a:pPr algn="ctr"/>
+            <a:r>
+              <a:rPr lang="ru-RU" dirty="0" smtClean="0"/>
+              <a:t>Заказ документа</a:t>
+            </a:r>
+            <a:endParaRPr lang="ru-RU" dirty="0"/>
+          </a:p>
+        </p:txBody>
+      </p:sp>
+      <p:sp>
+        <p:nvSpPr>
+          <p:cNvPr id="9" name="Скругленный прямоугольник 8"/>
+          <p:cNvSpPr/>
+          <p:nvPr/>
+        </p:nvSpPr>
+        <p:spPr>
+          <a:xfrm>
+            <a:off x="6876256" y="4365104"/>
+            <a:ext cx="1656184" cy="679477"/>
+          </a:xfrm>
+          <a:prstGeom prst="roundRect">
+            <a:avLst/>
+          </a:prstGeom>
+        </p:spPr>
+        <p:style>
+          <a:lnRef idx="2">
+            <a:schemeClr val="accent1">
+              <a:shade val="50000"/>
+            </a:schemeClr>
+          </a:lnRef>
+          <a:fillRef idx="1">
+            <a:schemeClr val="accent1"/>
+          </a:fillRef>
+          <a:effectRef idx="0">
+            <a:schemeClr val="accent1"/>
+          </a:effectRef>
+          <a:fontRef idx="minor">
+            <a:schemeClr val="lt1"/>
+          </a:fontRef>
+        </p:style>
+        <p:txBody>
+          <a:bodyPr rtlCol="0" anchor="ctr"/>
+          <a:lstStyle/>
+          <a:p>
+            <a:pPr algn="ctr"/>
+            <a:r>
+              <a:rPr lang="ru-RU" dirty="0" smtClean="0"/>
+              <a:t>Чтение из БД</a:t>
+            </a:r>
+            <a:endParaRPr lang="ru-RU" dirty="0"/>
+          </a:p>
+        </p:txBody>
+      </p:sp>
+      <p:cxnSp>
+        <p:nvCxnSpPr>
+          <p:cNvPr id="10" name="Прямая со стрелкой 9"/>
+          <p:cNvCxnSpPr/>
+          <p:nvPr/>
+        </p:nvCxnSpPr>
+        <p:spPr>
+          <a:xfrm>
+            <a:off x="5796136" y="4543508"/>
+            <a:ext cx="1080120" cy="0"/>
+          </a:xfrm>
+          <a:prstGeom prst="straightConnector1">
+            <a:avLst/>
+          </a:prstGeom>
+          <a:ln>
+            <a:tailEnd type="triangle"/>
+          </a:ln>
+        </p:spPr>
+        <p:style>
+          <a:lnRef idx="1">
+            <a:schemeClr val="accent1"/>
+          </a:lnRef>
+          <a:fillRef idx="0">
+            <a:schemeClr val="accent1"/>
+          </a:fillRef>
+          <a:effectRef idx="0">
+            <a:schemeClr val="accent1"/>
+          </a:effectRef>
+          <a:fontRef idx="minor">
+            <a:schemeClr val="tx1"/>
+          </a:fontRef>
+        </p:style>
+      </p:cxnSp>
+      <p:cxnSp>
+        <p:nvCxnSpPr>
+          <p:cNvPr id="11" name="Прямая со стрелкой 10"/>
+          <p:cNvCxnSpPr/>
+          <p:nvPr/>
+        </p:nvCxnSpPr>
+        <p:spPr>
+          <a:xfrm>
+            <a:off x="5796136" y="4831540"/>
+            <a:ext cx="1080120" cy="0"/>
+          </a:xfrm>
+          <a:prstGeom prst="straightConnector1">
+            <a:avLst/>
+          </a:prstGeom>
+          <a:ln>
+            <a:headEnd type="triangle"/>
+            <a:tailEnd type="none"/>
+          </a:ln>
+        </p:spPr>
+        <p:style>
+          <a:lnRef idx="1">
+            <a:schemeClr val="accent1"/>
+          </a:lnRef>
+          <a:fillRef idx="0">
+            <a:schemeClr val="accent1"/>
+          </a:fillRef>
+          <a:effectRef idx="0">
+            <a:schemeClr val="accent1"/>
+          </a:effectRef>
+          <a:fontRef idx="minor">
+            <a:schemeClr val="tx1"/>
+          </a:fontRef>
+        </p:style>
+      </p:cxnSp>
+      <p:sp>
+        <p:nvSpPr>
+          <p:cNvPr id="12" name="TextBox 11"/>
+          <p:cNvSpPr txBox="1"/>
+          <p:nvPr/>
+        </p:nvSpPr>
+        <p:spPr>
+          <a:xfrm>
+            <a:off x="6021045" y="4183421"/>
+            <a:ext cx="630301" cy="369332"/>
+          </a:xfrm>
+          <a:prstGeom prst="rect">
+            <a:avLst/>
+          </a:prstGeom>
+          <a:noFill/>
+        </p:spPr>
+        <p:txBody>
+          <a:bodyPr wrap="none" rtlCol="0">
+            <a:spAutoFit/>
+          </a:bodyPr>
+          <a:lstStyle/>
+          <a:p>
+            <a:r>
+              <a:rPr lang="ru-RU" dirty="0" err="1" smtClean="0"/>
+              <a:t>синх</a:t>
+            </a:r>
+            <a:endParaRPr lang="ru-RU" dirty="0"/>
+          </a:p>
+        </p:txBody>
+      </p:sp>
+      <p:sp>
+        <p:nvSpPr>
+          <p:cNvPr id="13" name="Скругленный прямоугольник 12"/>
+          <p:cNvSpPr/>
+          <p:nvPr/>
+        </p:nvSpPr>
+        <p:spPr>
+          <a:xfrm>
+            <a:off x="4355976" y="4365103"/>
+            <a:ext cx="1440160" cy="679477"/>
+          </a:xfrm>
+          <a:prstGeom prst="roundRect">
+            <a:avLst/>
+          </a:prstGeom>
+        </p:spPr>
+        <p:style>
+          <a:lnRef idx="2">
+            <a:schemeClr val="accent1">
+              <a:shade val="50000"/>
+            </a:schemeClr>
+          </a:lnRef>
+          <a:fillRef idx="1">
+            <a:schemeClr val="accent1"/>
+          </a:fillRef>
+          <a:effectRef idx="0">
+            <a:schemeClr val="accent1"/>
+          </a:effectRef>
+          <a:fontRef idx="minor">
+            <a:schemeClr val="lt1"/>
+          </a:fontRef>
+        </p:style>
+        <p:txBody>
+          <a:bodyPr rtlCol="0" anchor="ctr"/>
+          <a:lstStyle/>
+          <a:p>
+            <a:pPr algn="ctr"/>
+            <a:r>
+              <a:rPr lang="ru-RU" dirty="0" smtClean="0"/>
+              <a:t>Просмотр заказа</a:t>
+            </a:r>
+            <a:endParaRPr lang="ru-RU" dirty="0"/>
           </a:p>
         </p:txBody>
       </p:sp>
     </p:spTree>
     <p:extLst>
       <p:ext uri="{BB962C8B-B14F-4D97-AF65-F5344CB8AC3E}">
-        <p14:creationId xmlns:p14="http://schemas.microsoft.com/office/powerpoint/2010/main" val="3290812372"/>
+        <p14:creationId xmlns:p14="http://schemas.microsoft.com/office/powerpoint/2010/main" val="365429632"/>
       </p:ext>
     </p:extLst>
   </p:cSld>
@@ -6397,7 +7246,7 @@
           <a:p>
             <a:r>
               <a:rPr lang="ru-RU" dirty="0" smtClean="0"/>
-              <a:t>?????</a:t>
+              <a:t>Синхронное</a:t>
             </a:r>
             <a:endParaRPr lang="ru-RU" dirty="0"/>
           </a:p>
@@ -6415,86 +7264,464 @@
         </p:nvSpPr>
         <p:spPr/>
         <p:txBody>
-          <a:bodyPr/>
-          <a:lstStyle/>
-          <a:p>
-            <a:r>
-              <a:rPr lang="ru-RU" dirty="0"/>
-              <a:t>Совместимость (</a:t>
-            </a:r>
-            <a:r>
-              <a:rPr lang="en-US" dirty="0"/>
-              <a:t>Compatibility</a:t>
-            </a:r>
-            <a:r>
-              <a:rPr lang="ru-RU" dirty="0"/>
-              <a:t>)</a:t>
-            </a:r>
-            <a:endParaRPr lang="en-US" dirty="0"/>
+          <a:bodyPr>
+            <a:normAutofit/>
+          </a:bodyPr>
+          <a:lstStyle/>
+          <a:p>
+            <a:r>
+              <a:rPr lang="ru-RU" dirty="0" smtClean="0"/>
+              <a:t>Максимально быстро</a:t>
+            </a:r>
+            <a:endParaRPr lang="en-US" dirty="0" smtClean="0"/>
           </a:p>
           <a:p>
             <a:pPr lvl="1"/>
             <a:r>
-              <a:rPr lang="ru-RU" dirty="0"/>
-              <a:t>Максимально возможная поддержка</a:t>
-            </a:r>
-            <a:endParaRPr lang="en-US" dirty="0"/>
+              <a:rPr lang="ru-RU" dirty="0" smtClean="0"/>
+              <a:t>Все что требует внимания пользователя</a:t>
+            </a:r>
+          </a:p>
+          <a:p>
+            <a:pPr lvl="2"/>
+            <a:r>
+              <a:rPr lang="ru-RU" dirty="0" smtClean="0"/>
+              <a:t>Иначе асинхронное</a:t>
+            </a:r>
+            <a:endParaRPr lang="en-US" dirty="0" smtClean="0"/>
+          </a:p>
+          <a:p>
+            <a:endParaRPr lang="ru-RU" dirty="0" smtClean="0"/>
+          </a:p>
+          <a:p>
+            <a:endParaRPr lang="ru-RU" dirty="0"/>
+          </a:p>
+          <a:p>
+            <a:r>
+              <a:rPr lang="ru-RU" dirty="0" smtClean="0"/>
+              <a:t>Использовать кэш</a:t>
+            </a:r>
+            <a:endParaRPr lang="en-US" dirty="0" smtClean="0"/>
           </a:p>
           <a:p>
             <a:pPr lvl="1"/>
             <a:r>
-              <a:rPr lang="ru-RU" dirty="0"/>
-              <a:t>Система </a:t>
-            </a:r>
+              <a:rPr lang="ru-RU" dirty="0" err="1" smtClean="0"/>
+              <a:t>Внутрипроцессный</a:t>
+            </a:r>
+            <a:r>
+              <a:rPr lang="ru-RU" dirty="0" smtClean="0"/>
+              <a:t> кэш </a:t>
+            </a:r>
+            <a:r>
+              <a:rPr lang="en-US" dirty="0" smtClean="0"/>
+              <a:t>Guava</a:t>
+            </a:r>
+          </a:p>
+          <a:p>
+            <a:pPr lvl="2"/>
+            <a:r>
+              <a:rPr lang="ru-RU" dirty="0" smtClean="0"/>
+              <a:t>Для небольших данных</a:t>
+            </a:r>
+            <a:endParaRPr lang="ru-RU" dirty="0"/>
+          </a:p>
+          <a:p>
+            <a:pPr lvl="2"/>
+            <a:endParaRPr lang="ru-RU" dirty="0"/>
+          </a:p>
+        </p:txBody>
+      </p:sp>
+      <p:sp>
+        <p:nvSpPr>
+          <p:cNvPr id="4" name="Скругленный прямоугольник 3"/>
+          <p:cNvSpPr/>
+          <p:nvPr/>
+        </p:nvSpPr>
+        <p:spPr>
+          <a:xfrm>
+            <a:off x="1475656" y="3469603"/>
+            <a:ext cx="1440160" cy="679477"/>
+          </a:xfrm>
+          <a:prstGeom prst="roundRect">
+            <a:avLst/>
+          </a:prstGeom>
+        </p:spPr>
+        <p:style>
+          <a:lnRef idx="2">
+            <a:schemeClr val="accent1">
+              <a:shade val="50000"/>
+            </a:schemeClr>
+          </a:lnRef>
+          <a:fillRef idx="1">
+            <a:schemeClr val="accent1"/>
+          </a:fillRef>
+          <a:effectRef idx="0">
+            <a:schemeClr val="accent1"/>
+          </a:effectRef>
+          <a:fontRef idx="minor">
+            <a:schemeClr val="lt1"/>
+          </a:fontRef>
+        </p:style>
+        <p:txBody>
+          <a:bodyPr rtlCol="0" anchor="ctr"/>
+          <a:lstStyle/>
+          <a:p>
+            <a:pPr algn="ctr"/>
+            <a:r>
+              <a:rPr lang="ru-RU" dirty="0" smtClean="0"/>
+              <a:t>Сохранение заказа</a:t>
+            </a:r>
+            <a:endParaRPr lang="ru-RU" dirty="0"/>
+          </a:p>
+        </p:txBody>
+      </p:sp>
+      <p:sp>
+        <p:nvSpPr>
+          <p:cNvPr id="5" name="Скругленный прямоугольник 4"/>
+          <p:cNvSpPr/>
+          <p:nvPr/>
+        </p:nvSpPr>
+        <p:spPr>
+          <a:xfrm>
+            <a:off x="3995936" y="3469603"/>
+            <a:ext cx="1584176" cy="679477"/>
+          </a:xfrm>
+          <a:prstGeom prst="roundRect">
+            <a:avLst/>
+          </a:prstGeom>
+        </p:spPr>
+        <p:style>
+          <a:lnRef idx="2">
+            <a:schemeClr val="accent1">
+              <a:shade val="50000"/>
+            </a:schemeClr>
+          </a:lnRef>
+          <a:fillRef idx="1">
+            <a:schemeClr val="accent1"/>
+          </a:fillRef>
+          <a:effectRef idx="0">
+            <a:schemeClr val="accent1"/>
+          </a:effectRef>
+          <a:fontRef idx="minor">
+            <a:schemeClr val="lt1"/>
+          </a:fontRef>
+        </p:style>
+        <p:txBody>
+          <a:bodyPr rtlCol="0" anchor="ctr"/>
+          <a:lstStyle/>
+          <a:p>
+            <a:pPr algn="ctr"/>
+            <a:r>
+              <a:rPr lang="ru-RU" dirty="0" smtClean="0"/>
+              <a:t>Снятие денег</a:t>
+            </a:r>
+            <a:endParaRPr lang="ru-RU" dirty="0"/>
+          </a:p>
+        </p:txBody>
+      </p:sp>
+      <p:sp>
+        <p:nvSpPr>
+          <p:cNvPr id="6" name="Скругленный прямоугольник 5"/>
+          <p:cNvSpPr/>
+          <p:nvPr/>
+        </p:nvSpPr>
+        <p:spPr>
+          <a:xfrm>
+            <a:off x="6660232" y="3452479"/>
+            <a:ext cx="1368152" cy="696601"/>
+          </a:xfrm>
+          <a:prstGeom prst="roundRect">
+            <a:avLst/>
+          </a:prstGeom>
+        </p:spPr>
+        <p:style>
+          <a:lnRef idx="2">
+            <a:schemeClr val="accent1">
+              <a:shade val="50000"/>
+            </a:schemeClr>
+          </a:lnRef>
+          <a:fillRef idx="1">
+            <a:schemeClr val="accent1"/>
+          </a:fillRef>
+          <a:effectRef idx="0">
+            <a:schemeClr val="accent1"/>
+          </a:effectRef>
+          <a:fontRef idx="minor">
+            <a:schemeClr val="lt1"/>
+          </a:fontRef>
+        </p:style>
+        <p:txBody>
+          <a:bodyPr rtlCol="0" anchor="ctr"/>
+          <a:lstStyle/>
+          <a:p>
+            <a:pPr algn="ctr"/>
+            <a:r>
+              <a:rPr lang="ru-RU" dirty="0" smtClean="0"/>
+              <a:t>Создание лицензии</a:t>
+            </a:r>
+            <a:endParaRPr lang="ru-RU" dirty="0"/>
+          </a:p>
+        </p:txBody>
+      </p:sp>
+      <p:cxnSp>
+        <p:nvCxnSpPr>
+          <p:cNvPr id="8" name="Прямая со стрелкой 7"/>
+          <p:cNvCxnSpPr/>
+          <p:nvPr/>
+        </p:nvCxnSpPr>
+        <p:spPr>
+          <a:xfrm>
+            <a:off x="2915816" y="3645024"/>
+            <a:ext cx="1080120" cy="0"/>
+          </a:xfrm>
+          <a:prstGeom prst="straightConnector1">
+            <a:avLst/>
+          </a:prstGeom>
+          <a:ln>
+            <a:tailEnd type="triangle"/>
+          </a:ln>
+        </p:spPr>
+        <p:style>
+          <a:lnRef idx="1">
+            <a:schemeClr val="accent1"/>
+          </a:lnRef>
+          <a:fillRef idx="0">
+            <a:schemeClr val="accent1"/>
+          </a:fillRef>
+          <a:effectRef idx="0">
+            <a:schemeClr val="accent1"/>
+          </a:effectRef>
+          <a:fontRef idx="minor">
+            <a:schemeClr val="tx1"/>
+          </a:fontRef>
+        </p:style>
+      </p:cxnSp>
+      <p:cxnSp>
+        <p:nvCxnSpPr>
+          <p:cNvPr id="10" name="Прямая со стрелкой 9"/>
+          <p:cNvCxnSpPr/>
+          <p:nvPr/>
+        </p:nvCxnSpPr>
+        <p:spPr>
+          <a:xfrm>
+            <a:off x="2915816" y="3933056"/>
+            <a:ext cx="1080120" cy="0"/>
+          </a:xfrm>
+          <a:prstGeom prst="straightConnector1">
+            <a:avLst/>
+          </a:prstGeom>
+          <a:ln>
+            <a:headEnd type="triangle"/>
+            <a:tailEnd type="none"/>
+          </a:ln>
+        </p:spPr>
+        <p:style>
+          <a:lnRef idx="1">
+            <a:schemeClr val="accent1"/>
+          </a:lnRef>
+          <a:fillRef idx="0">
+            <a:schemeClr val="accent1"/>
+          </a:fillRef>
+          <a:effectRef idx="0">
+            <a:schemeClr val="accent1"/>
+          </a:effectRef>
+          <a:fontRef idx="minor">
+            <a:schemeClr val="tx1"/>
+          </a:fontRef>
+        </p:style>
+      </p:cxnSp>
+      <p:sp>
+        <p:nvSpPr>
+          <p:cNvPr id="11" name="TextBox 10"/>
+          <p:cNvSpPr txBox="1"/>
+          <p:nvPr/>
+        </p:nvSpPr>
+        <p:spPr>
+          <a:xfrm>
+            <a:off x="3140725" y="3284937"/>
+            <a:ext cx="630301" cy="369332"/>
+          </a:xfrm>
+          <a:prstGeom prst="rect">
+            <a:avLst/>
+          </a:prstGeom>
+          <a:noFill/>
+        </p:spPr>
+        <p:txBody>
+          <a:bodyPr wrap="none" rtlCol="0">
+            <a:spAutoFit/>
+          </a:bodyPr>
+          <a:lstStyle/>
+          <a:p>
+            <a:r>
+              <a:rPr lang="ru-RU" dirty="0" err="1" smtClean="0"/>
+              <a:t>синх</a:t>
+            </a:r>
+            <a:endParaRPr lang="ru-RU" dirty="0"/>
+          </a:p>
+        </p:txBody>
+      </p:sp>
+      <p:cxnSp>
+        <p:nvCxnSpPr>
+          <p:cNvPr id="12" name="Прямая со стрелкой 11"/>
+          <p:cNvCxnSpPr/>
+          <p:nvPr/>
+        </p:nvCxnSpPr>
+        <p:spPr>
+          <a:xfrm>
+            <a:off x="395536" y="3648007"/>
+            <a:ext cx="1080120" cy="0"/>
+          </a:xfrm>
+          <a:prstGeom prst="straightConnector1">
+            <a:avLst/>
+          </a:prstGeom>
+          <a:ln>
+            <a:tailEnd type="triangle"/>
+          </a:ln>
+        </p:spPr>
+        <p:style>
+          <a:lnRef idx="1">
+            <a:schemeClr val="accent1"/>
+          </a:lnRef>
+          <a:fillRef idx="0">
+            <a:schemeClr val="accent1"/>
+          </a:fillRef>
+          <a:effectRef idx="0">
+            <a:schemeClr val="accent1"/>
+          </a:effectRef>
+          <a:fontRef idx="minor">
+            <a:schemeClr val="tx1"/>
+          </a:fontRef>
+        </p:style>
+      </p:cxnSp>
+      <p:cxnSp>
+        <p:nvCxnSpPr>
+          <p:cNvPr id="13" name="Прямая со стрелкой 12"/>
+          <p:cNvCxnSpPr/>
+          <p:nvPr/>
+        </p:nvCxnSpPr>
+        <p:spPr>
+          <a:xfrm>
+            <a:off x="395536" y="3936039"/>
+            <a:ext cx="1080120" cy="0"/>
+          </a:xfrm>
+          <a:prstGeom prst="straightConnector1">
+            <a:avLst/>
+          </a:prstGeom>
+          <a:ln>
+            <a:headEnd type="triangle"/>
+            <a:tailEnd type="none"/>
+          </a:ln>
+        </p:spPr>
+        <p:style>
+          <a:lnRef idx="1">
+            <a:schemeClr val="accent1"/>
+          </a:lnRef>
+          <a:fillRef idx="0">
+            <a:schemeClr val="accent1"/>
+          </a:fillRef>
+          <a:effectRef idx="0">
+            <a:schemeClr val="accent1"/>
+          </a:effectRef>
+          <a:fontRef idx="minor">
+            <a:schemeClr val="tx1"/>
+          </a:fontRef>
+        </p:style>
+      </p:cxnSp>
+      <p:sp>
+        <p:nvSpPr>
+          <p:cNvPr id="14" name="TextBox 13"/>
+          <p:cNvSpPr txBox="1"/>
+          <p:nvPr/>
+        </p:nvSpPr>
+        <p:spPr>
+          <a:xfrm>
+            <a:off x="620445" y="3287920"/>
+            <a:ext cx="630301" cy="369332"/>
+          </a:xfrm>
+          <a:prstGeom prst="rect">
+            <a:avLst/>
+          </a:prstGeom>
+          <a:noFill/>
+        </p:spPr>
+        <p:txBody>
+          <a:bodyPr wrap="none" rtlCol="0">
+            <a:spAutoFit/>
+          </a:bodyPr>
+          <a:lstStyle/>
+          <a:p>
+            <a:r>
+              <a:rPr lang="ru-RU" dirty="0" err="1" smtClean="0"/>
+              <a:t>синх</a:t>
+            </a:r>
+            <a:endParaRPr lang="ru-RU" dirty="0"/>
+          </a:p>
+        </p:txBody>
+      </p:sp>
+      <p:cxnSp>
+        <p:nvCxnSpPr>
+          <p:cNvPr id="15" name="Прямая со стрелкой 14"/>
+          <p:cNvCxnSpPr/>
+          <p:nvPr/>
+        </p:nvCxnSpPr>
+        <p:spPr>
+          <a:xfrm>
+            <a:off x="5580112" y="3789040"/>
+            <a:ext cx="1080120" cy="0"/>
+          </a:xfrm>
+          <a:prstGeom prst="straightConnector1">
+            <a:avLst/>
+          </a:prstGeom>
+          <a:ln>
+            <a:prstDash val="dash"/>
+            <a:tailEnd type="arrow"/>
+          </a:ln>
+        </p:spPr>
+        <p:style>
+          <a:lnRef idx="1">
+            <a:schemeClr val="accent1"/>
+          </a:lnRef>
+          <a:fillRef idx="0">
+            <a:schemeClr val="accent1"/>
+          </a:fillRef>
+          <a:effectRef idx="0">
+            <a:schemeClr val="accent1"/>
+          </a:effectRef>
+          <a:fontRef idx="minor">
+            <a:schemeClr val="tx1"/>
+          </a:fontRef>
+        </p:style>
+      </p:cxnSp>
+      <p:sp>
+        <p:nvSpPr>
+          <p:cNvPr id="17" name="TextBox 16"/>
+          <p:cNvSpPr txBox="1"/>
+          <p:nvPr/>
+        </p:nvSpPr>
+        <p:spPr>
+          <a:xfrm>
+            <a:off x="5805021" y="3266177"/>
+            <a:ext cx="740908" cy="369332"/>
+          </a:xfrm>
+          <a:prstGeom prst="rect">
+            <a:avLst/>
+          </a:prstGeom>
+          <a:noFill/>
+        </p:spPr>
+        <p:txBody>
+          <a:bodyPr wrap="none" rtlCol="0">
+            <a:spAutoFit/>
+          </a:bodyPr>
+          <a:lstStyle/>
+          <a:p>
             <a:r>
               <a:rPr lang="ru-RU" dirty="0" err="1"/>
-              <a:t>версионирования</a:t>
-            </a:r>
-            <a:r>
-              <a:rPr lang="ru-RU" dirty="0"/>
-              <a:t> (</a:t>
-            </a:r>
-            <a:r>
-              <a:rPr lang="en-US" dirty="0"/>
-              <a:t>X.Y.Z</a:t>
-            </a:r>
-            <a:r>
-              <a:rPr lang="en-US" dirty="0" smtClean="0"/>
-              <a:t>)</a:t>
-            </a:r>
-            <a:endParaRPr lang="ru-RU" dirty="0" smtClean="0"/>
-          </a:p>
-          <a:p>
-            <a:r>
-              <a:rPr lang="ru-RU" dirty="0" smtClean="0"/>
-              <a:t>Документация</a:t>
-            </a:r>
-            <a:endParaRPr lang="en-US" dirty="0"/>
-          </a:p>
-          <a:p>
-            <a:pPr lvl="1"/>
-            <a:r>
-              <a:rPr lang="ru-RU" dirty="0"/>
-              <a:t>Должна быть исчерпывающей</a:t>
-            </a:r>
-            <a:endParaRPr lang="en-US" dirty="0"/>
-          </a:p>
-          <a:p>
-            <a:r>
-              <a:rPr lang="ru-RU" dirty="0"/>
-              <a:t>Без состояния (</a:t>
-            </a:r>
-            <a:r>
-              <a:rPr lang="en-US" dirty="0"/>
-              <a:t>Stateless</a:t>
-            </a:r>
-            <a:r>
-              <a:rPr lang="ru-RU" dirty="0"/>
-              <a:t>)</a:t>
-            </a:r>
-            <a:endParaRPr lang="en-US" dirty="0"/>
-          </a:p>
-          <a:p>
+              <a:t>а</a:t>
+            </a:r>
+            <a:r>
+              <a:rPr lang="ru-RU" dirty="0" err="1" smtClean="0"/>
+              <a:t>синх</a:t>
+            </a:r>
             <a:endParaRPr lang="ru-RU" dirty="0"/>
           </a:p>
         </p:txBody>
@@ -6502,7 +7729,7 @@
     </p:spTree>
     <p:extLst>
       <p:ext uri="{BB962C8B-B14F-4D97-AF65-F5344CB8AC3E}">
-        <p14:creationId xmlns:p14="http://schemas.microsoft.com/office/powerpoint/2010/main" val="1340478396"/>
+        <p14:creationId xmlns:p14="http://schemas.microsoft.com/office/powerpoint/2010/main" val="3413120925"/>
       </p:ext>
     </p:extLst>
   </p:cSld>
@@ -6519,7 +7746,7 @@
 </p:sld>
 </file>
 
-<file path=ppt/slides/slide3.xml><?xml version="1.0" encoding="utf-8"?>
+<file path=ppt/slides/slide22.xml><?xml version="1.0" encoding="utf-8"?>
 <p:sld xmlns:a="http://schemas.openxmlformats.org/drawingml/2006/main" xmlns:r="http://schemas.openxmlformats.org/officeDocument/2006/relationships" xmlns:p="http://schemas.openxmlformats.org/presentationml/2006/main">
   <p:cSld>
     <p:spTree>
@@ -6553,15 +7780,332 @@
           <a:p>
             <a:r>
               <a:rPr lang="ru-RU" dirty="0" smtClean="0"/>
-              <a:t>Тип Архитектуры</a:t>
+              <a:t>Асинхронное</a:t>
             </a:r>
             <a:endParaRPr lang="ru-RU" dirty="0"/>
           </a:p>
         </p:txBody>
       </p:sp>
+      <p:sp>
+        <p:nvSpPr>
+          <p:cNvPr id="3" name="Объект 2"/>
+          <p:cNvSpPr>
+            <a:spLocks noGrp="1"/>
+          </p:cNvSpPr>
+          <p:nvPr>
+            <p:ph idx="1"/>
+          </p:nvPr>
+        </p:nvSpPr>
+        <p:spPr/>
+        <p:txBody>
+          <a:bodyPr>
+            <a:normAutofit/>
+          </a:bodyPr>
+          <a:lstStyle/>
+          <a:p>
+            <a:r>
+              <a:rPr lang="ru-RU" dirty="0" smtClean="0"/>
+              <a:t>Отложенная обработка</a:t>
+            </a:r>
+            <a:endParaRPr lang="en-US" dirty="0" smtClean="0"/>
+          </a:p>
+          <a:p>
+            <a:pPr lvl="1"/>
+            <a:r>
+              <a:rPr lang="ru-RU" dirty="0" smtClean="0"/>
+              <a:t>Возвращаем </a:t>
+            </a:r>
+            <a:r>
+              <a:rPr lang="en-US" dirty="0" smtClean="0"/>
+              <a:t>ID, </a:t>
+            </a:r>
+            <a:r>
+              <a:rPr lang="ru-RU" dirty="0" smtClean="0"/>
+              <a:t>работа в фоне</a:t>
+            </a:r>
+            <a:endParaRPr lang="en-US" dirty="0" smtClean="0"/>
+          </a:p>
+          <a:p>
+            <a:pPr lvl="2"/>
+            <a:r>
+              <a:rPr lang="ru-RU" dirty="0" smtClean="0"/>
+              <a:t>Нужно хранилище</a:t>
+            </a:r>
+            <a:endParaRPr lang="en-US" dirty="0" smtClean="0"/>
+          </a:p>
+          <a:p>
+            <a:pPr lvl="2"/>
+            <a:r>
+              <a:rPr lang="ru-RU" dirty="0" smtClean="0"/>
+              <a:t>Хранение входных и выходных данных</a:t>
+            </a:r>
+          </a:p>
+          <a:p>
+            <a:pPr lvl="3"/>
+            <a:r>
+              <a:rPr lang="ru-RU" dirty="0" err="1" smtClean="0"/>
+              <a:t>Дупликаты</a:t>
+            </a:r>
+            <a:r>
+              <a:rPr lang="ru-RU" dirty="0" smtClean="0"/>
+              <a:t>, но необходимы для диагностики</a:t>
+            </a:r>
+            <a:endParaRPr lang="en-US" dirty="0" smtClean="0"/>
+          </a:p>
+          <a:p>
+            <a:pPr lvl="1"/>
+            <a:r>
+              <a:rPr lang="ru-RU" dirty="0" smtClean="0"/>
+              <a:t>Получение статуса</a:t>
+            </a:r>
+            <a:endParaRPr lang="en-US" dirty="0" smtClean="0"/>
+          </a:p>
+          <a:p>
+            <a:pPr lvl="2"/>
+            <a:r>
+              <a:rPr lang="en-US" dirty="0" smtClean="0"/>
+              <a:t>Get Status REST</a:t>
+            </a:r>
+          </a:p>
+          <a:p>
+            <a:pPr lvl="2"/>
+            <a:r>
+              <a:rPr lang="ru-RU" dirty="0" smtClean="0"/>
+              <a:t>Асинхронное извещение по завершению обработки</a:t>
+            </a:r>
+            <a:endParaRPr lang="en-US" dirty="0" smtClean="0"/>
+          </a:p>
+          <a:p>
+            <a:pPr lvl="1"/>
+            <a:endParaRPr lang="ru-RU" dirty="0"/>
+          </a:p>
+        </p:txBody>
+      </p:sp>
+    </p:spTree>
+    <p:extLst>
+      <p:ext uri="{BB962C8B-B14F-4D97-AF65-F5344CB8AC3E}">
+        <p14:creationId xmlns:p14="http://schemas.microsoft.com/office/powerpoint/2010/main" val="4035124494"/>
+      </p:ext>
+    </p:extLst>
+  </p:cSld>
+  <p:clrMapOvr>
+    <a:masterClrMapping/>
+  </p:clrMapOvr>
+  <p:timing>
+    <p:tnLst>
+      <p:par>
+        <p:cTn id="1" dur="indefinite" restart="never" nodeType="tmRoot"/>
+      </p:par>
+    </p:tnLst>
+  </p:timing>
+</p:sld>
+</file>
+
+<file path=ppt/slides/slide23.xml><?xml version="1.0" encoding="utf-8"?>
+<p:sld xmlns:a="http://schemas.openxmlformats.org/drawingml/2006/main" xmlns:r="http://schemas.openxmlformats.org/officeDocument/2006/relationships" xmlns:p="http://schemas.openxmlformats.org/presentationml/2006/main">
+  <p:cSld>
+    <p:spTree>
+      <p:nvGrpSpPr>
+        <p:cNvPr id="1" name=""/>
+        <p:cNvGrpSpPr/>
+        <p:nvPr/>
+      </p:nvGrpSpPr>
+      <p:grpSpPr>
+        <a:xfrm>
+          <a:off x="0" y="0"/>
+          <a:ext cx="0" cy="0"/>
+          <a:chOff x="0" y="0"/>
+          <a:chExt cx="0" cy="0"/>
+        </a:xfrm>
+      </p:grpSpPr>
+      <p:sp>
+        <p:nvSpPr>
+          <p:cNvPr id="2" name="Заголовок 1"/>
+          <p:cNvSpPr>
+            <a:spLocks noGrp="1"/>
+          </p:cNvSpPr>
+          <p:nvPr>
+            <p:ph type="title"/>
+          </p:nvPr>
+        </p:nvSpPr>
+        <p:spPr/>
+        <p:txBody>
+          <a:bodyPr/>
+          <a:lstStyle/>
+          <a:p>
+            <a:r>
+              <a:rPr lang="ru-RU" dirty="0" smtClean="0"/>
+              <a:t>Отказы (</a:t>
+            </a:r>
+            <a:r>
+              <a:rPr lang="en-US" dirty="0" smtClean="0"/>
+              <a:t>Failures)</a:t>
+            </a:r>
+            <a:endParaRPr lang="ru-RU" dirty="0"/>
+          </a:p>
+        </p:txBody>
+      </p:sp>
+      <p:sp>
+        <p:nvSpPr>
+          <p:cNvPr id="3" name="Объект 2"/>
+          <p:cNvSpPr>
+            <a:spLocks noGrp="1"/>
+          </p:cNvSpPr>
+          <p:nvPr>
+            <p:ph idx="1"/>
+          </p:nvPr>
+        </p:nvSpPr>
+        <p:spPr/>
+        <p:txBody>
+          <a:bodyPr>
+            <a:normAutofit lnSpcReduction="10000"/>
+          </a:bodyPr>
+          <a:lstStyle/>
+          <a:p>
+            <a:r>
+              <a:rPr lang="ru-RU" dirty="0" smtClean="0"/>
+              <a:t>Быть готовым к отказу</a:t>
+            </a:r>
+            <a:endParaRPr lang="en-US" dirty="0" smtClean="0"/>
+          </a:p>
+          <a:p>
+            <a:r>
+              <a:rPr lang="ru-RU" dirty="0" smtClean="0"/>
+              <a:t>Быть готовым к восстановлению данных</a:t>
+            </a:r>
+            <a:endParaRPr lang="en-US" dirty="0" smtClean="0"/>
+          </a:p>
+          <a:p>
+            <a:r>
+              <a:rPr lang="ru-RU" dirty="0" smtClean="0"/>
+              <a:t>Найти точки отказа</a:t>
+            </a:r>
+            <a:endParaRPr lang="en-US" dirty="0" smtClean="0"/>
+          </a:p>
+          <a:p>
+            <a:pPr lvl="1"/>
+            <a:r>
+              <a:rPr lang="en-US" u="sng" dirty="0" smtClean="0"/>
+              <a:t>Show on our application</a:t>
+            </a:r>
+          </a:p>
+          <a:p>
+            <a:r>
+              <a:rPr lang="ru-RU" dirty="0" smtClean="0"/>
+              <a:t>Определить как восстанавливать данные</a:t>
+            </a:r>
+            <a:endParaRPr lang="en-US" dirty="0" smtClean="0"/>
+          </a:p>
+          <a:p>
+            <a:pPr lvl="1"/>
+            <a:r>
+              <a:rPr lang="ru-RU" dirty="0" smtClean="0"/>
+              <a:t>Синхронное</a:t>
+            </a:r>
+            <a:r>
+              <a:rPr lang="en-US" dirty="0" smtClean="0"/>
+              <a:t>- </a:t>
+            </a:r>
+            <a:r>
+              <a:rPr lang="ru-RU" dirty="0" smtClean="0"/>
+              <a:t>на стороне клиента</a:t>
+            </a:r>
+            <a:endParaRPr lang="en-US" dirty="0" smtClean="0"/>
+          </a:p>
+          <a:p>
+            <a:pPr lvl="2"/>
+            <a:r>
+              <a:rPr lang="ru-RU" dirty="0" smtClean="0"/>
+              <a:t>ответственный</a:t>
+            </a:r>
+            <a:r>
+              <a:rPr lang="en-US" dirty="0" smtClean="0"/>
+              <a:t>: </a:t>
+            </a:r>
+            <a:r>
+              <a:rPr lang="ru-RU" dirty="0" smtClean="0"/>
+              <a:t>пользователь</a:t>
+            </a:r>
+            <a:endParaRPr lang="en-US" dirty="0" smtClean="0"/>
+          </a:p>
+          <a:p>
+            <a:pPr lvl="1"/>
+            <a:r>
+              <a:rPr lang="ru-RU" dirty="0" smtClean="0"/>
+              <a:t>Асинхронное</a:t>
+            </a:r>
+            <a:r>
+              <a:rPr lang="en-US" dirty="0" smtClean="0"/>
+              <a:t>- </a:t>
+            </a:r>
+            <a:r>
+              <a:rPr lang="ru-RU" dirty="0" smtClean="0"/>
+              <a:t>на стороне сервера</a:t>
+            </a:r>
+            <a:endParaRPr lang="en-US" dirty="0" smtClean="0"/>
+          </a:p>
+          <a:p>
+            <a:pPr lvl="2"/>
+            <a:r>
+              <a:rPr lang="ru-RU" dirty="0" smtClean="0"/>
+              <a:t>ответственный</a:t>
+            </a:r>
+            <a:r>
+              <a:rPr lang="en-US" dirty="0" smtClean="0"/>
+              <a:t>: </a:t>
+            </a:r>
+            <a:r>
+              <a:rPr lang="ru-RU" dirty="0" smtClean="0"/>
+              <a:t>разработчик</a:t>
+            </a:r>
+            <a:endParaRPr lang="en-US" dirty="0" smtClean="0"/>
+          </a:p>
+          <a:p>
+            <a:pPr lvl="2"/>
+            <a:endParaRPr lang="ru-RU" dirty="0"/>
+          </a:p>
+        </p:txBody>
+      </p:sp>
+    </p:spTree>
+    <p:extLst>
+      <p:ext uri="{BB962C8B-B14F-4D97-AF65-F5344CB8AC3E}">
+        <p14:creationId xmlns:p14="http://schemas.microsoft.com/office/powerpoint/2010/main" val="2944986697"/>
+      </p:ext>
+    </p:extLst>
+  </p:cSld>
+  <p:clrMapOvr>
+    <a:masterClrMapping/>
+  </p:clrMapOvr>
+  <p:timing>
+    <p:tnLst>
+      <p:par>
+        <p:cTn id="1" dur="indefinite" restart="never" nodeType="tmRoot"/>
+      </p:par>
+    </p:tnLst>
+  </p:timing>
+</p:sld>
+</file>
+
+<file path=ppt/slides/slide24.xml><?xml version="1.0" encoding="utf-8"?>
+<p:sld xmlns:a="http://schemas.openxmlformats.org/drawingml/2006/main" xmlns:r="http://schemas.openxmlformats.org/officeDocument/2006/relationships" xmlns:p="http://schemas.openxmlformats.org/presentationml/2006/main">
+  <p:cSld>
+    <p:spTree>
+      <p:nvGrpSpPr>
+        <p:cNvPr id="1" name=""/>
+        <p:cNvGrpSpPr/>
+        <p:nvPr/>
+      </p:nvGrpSpPr>
+      <p:grpSpPr>
+        <a:xfrm>
+          <a:off x="0" y="0"/>
+          <a:ext cx="0" cy="0"/>
+          <a:chOff x="0" y="0"/>
+          <a:chExt cx="0" cy="0"/>
+        </a:xfrm>
+      </p:grpSpPr>
       <p:pic>
         <p:nvPicPr>
-          <p:cNvPr id="1027" name="Picture 3"/>
+          <p:cNvPr id="4" name="Picture 9"/>
           <p:cNvPicPr>
             <a:picLocks noChangeAspect="1" noChangeArrowheads="1"/>
           </p:cNvPicPr>
@@ -6582,8 +8126,8 @@
         </p:blipFill>
         <p:spPr bwMode="auto">
           <a:xfrm>
-            <a:off x="1889696" y="2848863"/>
-            <a:ext cx="1440160" cy="1472164"/>
+            <a:off x="6639236" y="1484784"/>
+            <a:ext cx="1652450" cy="980728"/>
           </a:xfrm>
           <a:prstGeom prst="rect">
             <a:avLst/>
@@ -6623,9 +8167,1057 @@
           </a:extLst>
         </p:spPr>
       </p:pic>
+      <p:sp>
+        <p:nvSpPr>
+          <p:cNvPr id="2" name="Заголовок 1"/>
+          <p:cNvSpPr>
+            <a:spLocks noGrp="1"/>
+          </p:cNvSpPr>
+          <p:nvPr>
+            <p:ph type="title"/>
+          </p:nvPr>
+        </p:nvSpPr>
+        <p:spPr/>
+        <p:txBody>
+          <a:bodyPr/>
+          <a:lstStyle/>
+          <a:p>
+            <a:r>
+              <a:rPr lang="ru-RU" dirty="0" smtClean="0"/>
+              <a:t>Отказы</a:t>
+            </a:r>
+            <a:r>
+              <a:rPr lang="en-US" dirty="0" smtClean="0"/>
+              <a:t>: </a:t>
+            </a:r>
+            <a:r>
+              <a:rPr lang="ru-RU" dirty="0" smtClean="0"/>
+              <a:t>Асинхронное</a:t>
+            </a:r>
+            <a:endParaRPr lang="ru-RU" dirty="0"/>
+          </a:p>
+        </p:txBody>
+      </p:sp>
+      <p:sp>
+        <p:nvSpPr>
+          <p:cNvPr id="3" name="Объект 2"/>
+          <p:cNvSpPr>
+            <a:spLocks noGrp="1"/>
+          </p:cNvSpPr>
+          <p:nvPr>
+            <p:ph idx="1"/>
+          </p:nvPr>
+        </p:nvSpPr>
+        <p:spPr/>
+        <p:txBody>
+          <a:bodyPr>
+            <a:normAutofit/>
+          </a:bodyPr>
+          <a:lstStyle/>
+          <a:p>
+            <a:r>
+              <a:rPr lang="ru-RU" dirty="0" smtClean="0"/>
+              <a:t>Повторная доставка </a:t>
+            </a:r>
+            <a:r>
+              <a:rPr lang="en-US" dirty="0" smtClean="0"/>
+              <a:t>(redelivery)</a:t>
+            </a:r>
+            <a:endParaRPr lang="ru-RU" dirty="0" smtClean="0"/>
+          </a:p>
+          <a:p>
+            <a:pPr lvl="1"/>
+            <a:r>
+              <a:rPr lang="ru-RU" dirty="0"/>
+              <a:t>Автоматическая</a:t>
+            </a:r>
+            <a:endParaRPr lang="en-US" dirty="0"/>
+          </a:p>
+          <a:p>
+            <a:pPr lvl="1"/>
+            <a:r>
+              <a:rPr lang="ru-RU" dirty="0" smtClean="0"/>
+              <a:t>Исправляет </a:t>
+            </a:r>
+            <a:r>
+              <a:rPr lang="ru-RU" dirty="0" smtClean="0"/>
+              <a:t>единовременные отказы</a:t>
+            </a:r>
+          </a:p>
+          <a:p>
+            <a:pPr lvl="2"/>
+            <a:r>
+              <a:rPr lang="ru-RU" dirty="0" smtClean="0"/>
+              <a:t>Сети</a:t>
+            </a:r>
+          </a:p>
+          <a:p>
+            <a:pPr lvl="2"/>
+            <a:r>
+              <a:rPr lang="ru-RU" dirty="0" smtClean="0"/>
+              <a:t>БД</a:t>
+            </a:r>
+          </a:p>
+          <a:p>
+            <a:r>
+              <a:rPr lang="ru-RU" dirty="0" smtClean="0"/>
+              <a:t>Сохранение </a:t>
+            </a:r>
+            <a:r>
+              <a:rPr lang="ru-RU" dirty="0" smtClean="0"/>
+              <a:t>состояния</a:t>
+            </a:r>
+          </a:p>
+          <a:p>
+            <a:pPr lvl="1"/>
+            <a:r>
+              <a:rPr lang="en-US" dirty="0"/>
+              <a:t>DLQ</a:t>
+            </a:r>
+            <a:r>
+              <a:rPr lang="ru-RU" dirty="0"/>
+              <a:t> (</a:t>
+            </a:r>
+            <a:r>
+              <a:rPr lang="en-US" dirty="0"/>
+              <a:t>Dead Letter Queue</a:t>
+            </a:r>
+            <a:r>
+              <a:rPr lang="en-US" dirty="0" smtClean="0"/>
+              <a:t>)</a:t>
+            </a:r>
+            <a:endParaRPr lang="ru-RU" dirty="0" smtClean="0"/>
+          </a:p>
+          <a:p>
+            <a:pPr lvl="1"/>
+            <a:r>
+              <a:rPr lang="ru-RU" dirty="0" smtClean="0"/>
+              <a:t>Ручное исправление</a:t>
+            </a:r>
+          </a:p>
+        </p:txBody>
+      </p:sp>
+    </p:spTree>
+    <p:extLst>
+      <p:ext uri="{BB962C8B-B14F-4D97-AF65-F5344CB8AC3E}">
+        <p14:creationId xmlns:p14="http://schemas.microsoft.com/office/powerpoint/2010/main" val="3290812372"/>
+      </p:ext>
+    </p:extLst>
+  </p:cSld>
+  <p:clrMapOvr>
+    <a:masterClrMapping/>
+  </p:clrMapOvr>
+  <p:timing>
+    <p:tnLst>
+      <p:par>
+        <p:cTn id="1" dur="indefinite" restart="never" nodeType="tmRoot"/>
+      </p:par>
+    </p:tnLst>
+  </p:timing>
+</p:sld>
+</file>
+
+<file path=ppt/slides/slide25.xml><?xml version="1.0" encoding="utf-8"?>
+<p:sld xmlns:a="http://schemas.openxmlformats.org/drawingml/2006/main" xmlns:r="http://schemas.openxmlformats.org/officeDocument/2006/relationships" xmlns:p="http://schemas.openxmlformats.org/presentationml/2006/main">
+  <p:cSld>
+    <p:spTree>
+      <p:nvGrpSpPr>
+        <p:cNvPr id="1" name=""/>
+        <p:cNvGrpSpPr/>
+        <p:nvPr/>
+      </p:nvGrpSpPr>
+      <p:grpSpPr>
+        <a:xfrm>
+          <a:off x="0" y="0"/>
+          <a:ext cx="0" cy="0"/>
+          <a:chOff x="0" y="0"/>
+          <a:chExt cx="0" cy="0"/>
+        </a:xfrm>
+      </p:grpSpPr>
+      <p:sp>
+        <p:nvSpPr>
+          <p:cNvPr id="17" name="Прямоугольник 16"/>
+          <p:cNvSpPr/>
+          <p:nvPr/>
+        </p:nvSpPr>
+        <p:spPr>
+          <a:xfrm>
+            <a:off x="611560" y="1484784"/>
+            <a:ext cx="2340260" cy="3600400"/>
+          </a:xfrm>
+          <a:prstGeom prst="rect">
+            <a:avLst/>
+          </a:prstGeom>
+          <a:solidFill>
+            <a:schemeClr val="accent1">
+              <a:alpha val="49000"/>
+            </a:schemeClr>
+          </a:solidFill>
+        </p:spPr>
+        <p:style>
+          <a:lnRef idx="2">
+            <a:schemeClr val="accent1">
+              <a:shade val="50000"/>
+            </a:schemeClr>
+          </a:lnRef>
+          <a:fillRef idx="1">
+            <a:schemeClr val="accent1"/>
+          </a:fillRef>
+          <a:effectRef idx="0">
+            <a:schemeClr val="accent1"/>
+          </a:effectRef>
+          <a:fontRef idx="minor">
+            <a:schemeClr val="lt1"/>
+          </a:fontRef>
+        </p:style>
+        <p:txBody>
+          <a:bodyPr rtlCol="0" anchor="ctr"/>
+          <a:lstStyle/>
+          <a:p>
+            <a:pPr algn="ctr"/>
+            <a:endParaRPr lang="ru-RU" dirty="0"/>
+          </a:p>
+        </p:txBody>
+      </p:sp>
+      <p:sp>
+        <p:nvSpPr>
+          <p:cNvPr id="2" name="Заголовок 1"/>
+          <p:cNvSpPr>
+            <a:spLocks noGrp="1"/>
+          </p:cNvSpPr>
+          <p:nvPr>
+            <p:ph type="title"/>
+          </p:nvPr>
+        </p:nvSpPr>
+        <p:spPr/>
+        <p:txBody>
+          <a:bodyPr/>
+          <a:lstStyle/>
+          <a:p>
+            <a:r>
+              <a:rPr lang="en-US" dirty="0" smtClean="0"/>
+              <a:t>Redelivery &amp; DLQ</a:t>
+            </a:r>
+            <a:endParaRPr lang="ru-RU" dirty="0"/>
+          </a:p>
+        </p:txBody>
+      </p:sp>
+      <p:sp>
+        <p:nvSpPr>
+          <p:cNvPr id="4" name="Блок-схема: магнитный диск 3"/>
+          <p:cNvSpPr/>
+          <p:nvPr/>
+        </p:nvSpPr>
+        <p:spPr>
+          <a:xfrm>
+            <a:off x="1115616" y="2276872"/>
+            <a:ext cx="1080120" cy="792088"/>
+          </a:xfrm>
+          <a:prstGeom prst="flowChartMagneticDisk">
+            <a:avLst/>
+          </a:prstGeom>
+        </p:spPr>
+        <p:style>
+          <a:lnRef idx="2">
+            <a:schemeClr val="accent1">
+              <a:shade val="50000"/>
+            </a:schemeClr>
+          </a:lnRef>
+          <a:fillRef idx="1">
+            <a:schemeClr val="accent1"/>
+          </a:fillRef>
+          <a:effectRef idx="0">
+            <a:schemeClr val="accent1"/>
+          </a:effectRef>
+          <a:fontRef idx="minor">
+            <a:schemeClr val="lt1"/>
+          </a:fontRef>
+        </p:style>
+        <p:txBody>
+          <a:bodyPr rtlCol="0" anchor="ctr"/>
+          <a:lstStyle/>
+          <a:p>
+            <a:pPr algn="ctr"/>
+            <a:r>
+              <a:rPr lang="en-US" dirty="0" smtClean="0"/>
+              <a:t>Queue 1</a:t>
+            </a:r>
+            <a:endParaRPr lang="ru-RU" dirty="0"/>
+          </a:p>
+        </p:txBody>
+      </p:sp>
+      <p:sp>
+        <p:nvSpPr>
+          <p:cNvPr id="5" name="Прямоугольник 4"/>
+          <p:cNvSpPr/>
+          <p:nvPr/>
+        </p:nvSpPr>
+        <p:spPr>
+          <a:xfrm>
+            <a:off x="4572000" y="2402596"/>
+            <a:ext cx="1512168" cy="540640"/>
+          </a:xfrm>
+          <a:prstGeom prst="rect">
+            <a:avLst/>
+          </a:prstGeom>
+        </p:spPr>
+        <p:style>
+          <a:lnRef idx="2">
+            <a:schemeClr val="accent1">
+              <a:shade val="50000"/>
+            </a:schemeClr>
+          </a:lnRef>
+          <a:fillRef idx="1">
+            <a:schemeClr val="accent1"/>
+          </a:fillRef>
+          <a:effectRef idx="0">
+            <a:schemeClr val="accent1"/>
+          </a:effectRef>
+          <a:fontRef idx="minor">
+            <a:schemeClr val="lt1"/>
+          </a:fontRef>
+        </p:style>
+        <p:txBody>
+          <a:bodyPr rtlCol="0" anchor="ctr"/>
+          <a:lstStyle/>
+          <a:p>
+            <a:pPr algn="ctr"/>
+            <a:r>
+              <a:rPr lang="en-US" dirty="0" smtClean="0"/>
+              <a:t>Consumer</a:t>
+            </a:r>
+            <a:endParaRPr lang="ru-RU" dirty="0"/>
+          </a:p>
+        </p:txBody>
+      </p:sp>
+      <p:cxnSp>
+        <p:nvCxnSpPr>
+          <p:cNvPr id="7" name="Прямая со стрелкой 6"/>
+          <p:cNvCxnSpPr>
+            <a:stCxn id="4" idx="4"/>
+            <a:endCxn id="5" idx="1"/>
+          </p:cNvCxnSpPr>
+          <p:nvPr/>
+        </p:nvCxnSpPr>
+        <p:spPr>
+          <a:xfrm>
+            <a:off x="2195736" y="2672916"/>
+            <a:ext cx="2376264" cy="0"/>
+          </a:xfrm>
+          <a:prstGeom prst="straightConnector1">
+            <a:avLst/>
+          </a:prstGeom>
+          <a:ln>
+            <a:tailEnd type="arrow"/>
+          </a:ln>
+        </p:spPr>
+        <p:style>
+          <a:lnRef idx="1">
+            <a:schemeClr val="accent1"/>
+          </a:lnRef>
+          <a:fillRef idx="0">
+            <a:schemeClr val="accent1"/>
+          </a:fillRef>
+          <a:effectRef idx="0">
+            <a:schemeClr val="accent1"/>
+          </a:effectRef>
+          <a:fontRef idx="minor">
+            <a:schemeClr val="tx1"/>
+          </a:fontRef>
+        </p:style>
+      </p:cxnSp>
+      <p:cxnSp>
+        <p:nvCxnSpPr>
+          <p:cNvPr id="10" name="Скругленная соединительная линия 9"/>
+          <p:cNvCxnSpPr>
+            <a:stCxn id="5" idx="3"/>
+            <a:endCxn id="5" idx="2"/>
+          </p:cNvCxnSpPr>
+          <p:nvPr/>
+        </p:nvCxnSpPr>
+        <p:spPr>
+          <a:xfrm flipH="1">
+            <a:off x="5328084" y="2672916"/>
+            <a:ext cx="756084" cy="270320"/>
+          </a:xfrm>
+          <a:prstGeom prst="curvedConnector4">
+            <a:avLst>
+              <a:gd name="adj1" fmla="val -97242"/>
+              <a:gd name="adj2" fmla="val 390268"/>
+            </a:avLst>
+          </a:prstGeom>
+          <a:ln>
+            <a:tailEnd type="arrow"/>
+          </a:ln>
+        </p:spPr>
+        <p:style>
+          <a:lnRef idx="1">
+            <a:schemeClr val="accent1"/>
+          </a:lnRef>
+          <a:fillRef idx="0">
+            <a:schemeClr val="accent1"/>
+          </a:fillRef>
+          <a:effectRef idx="0">
+            <a:schemeClr val="accent1"/>
+          </a:effectRef>
+          <a:fontRef idx="minor">
+            <a:schemeClr val="tx1"/>
+          </a:fontRef>
+        </p:style>
+      </p:cxnSp>
+      <p:sp>
+        <p:nvSpPr>
+          <p:cNvPr id="13" name="TextBox 12"/>
+          <p:cNvSpPr txBox="1"/>
+          <p:nvPr/>
+        </p:nvSpPr>
+        <p:spPr>
+          <a:xfrm>
+            <a:off x="6732241" y="2808076"/>
+            <a:ext cx="1512167" cy="923330"/>
+          </a:xfrm>
+          <a:prstGeom prst="rect">
+            <a:avLst/>
+          </a:prstGeom>
+          <a:noFill/>
+        </p:spPr>
+        <p:txBody>
+          <a:bodyPr wrap="square" rtlCol="0">
+            <a:spAutoFit/>
+          </a:bodyPr>
+          <a:lstStyle/>
+          <a:p>
+            <a:r>
+              <a:rPr lang="ru-RU" dirty="0" smtClean="0"/>
+              <a:t>Повторная доставка </a:t>
+            </a:r>
+          </a:p>
+          <a:p>
+            <a:r>
+              <a:rPr lang="ru-RU" dirty="0" smtClean="0"/>
+              <a:t>(</a:t>
+            </a:r>
+            <a:r>
+              <a:rPr lang="en-US" dirty="0" smtClean="0"/>
+              <a:t>X </a:t>
+            </a:r>
+            <a:r>
+              <a:rPr lang="ru-RU" dirty="0" smtClean="0"/>
+              <a:t>попыток)</a:t>
+            </a:r>
+            <a:endParaRPr lang="ru-RU" dirty="0"/>
+          </a:p>
+        </p:txBody>
+      </p:sp>
+      <p:sp>
+        <p:nvSpPr>
+          <p:cNvPr id="14" name="TextBox 13"/>
+          <p:cNvSpPr txBox="1"/>
+          <p:nvPr/>
+        </p:nvSpPr>
+        <p:spPr>
+          <a:xfrm>
+            <a:off x="3347864" y="2276872"/>
+            <a:ext cx="860685" cy="369332"/>
+          </a:xfrm>
+          <a:prstGeom prst="rect">
+            <a:avLst/>
+          </a:prstGeom>
+          <a:noFill/>
+        </p:spPr>
+        <p:txBody>
+          <a:bodyPr wrap="none" rtlCol="0">
+            <a:spAutoFit/>
+          </a:bodyPr>
+          <a:lstStyle/>
+          <a:p>
+            <a:r>
+              <a:rPr lang="ru-RU" dirty="0"/>
+              <a:t>ч</a:t>
+            </a:r>
+            <a:r>
+              <a:rPr lang="ru-RU" dirty="0" smtClean="0"/>
+              <a:t>тение</a:t>
+            </a:r>
+            <a:endParaRPr lang="ru-RU" dirty="0"/>
+          </a:p>
+        </p:txBody>
+      </p:sp>
+      <p:sp>
+        <p:nvSpPr>
+          <p:cNvPr id="15" name="Прямоугольник 14"/>
+          <p:cNvSpPr/>
+          <p:nvPr/>
+        </p:nvSpPr>
+        <p:spPr>
+          <a:xfrm>
+            <a:off x="611560" y="1484784"/>
+            <a:ext cx="2340260" cy="648072"/>
+          </a:xfrm>
+          <a:prstGeom prst="rect">
+            <a:avLst/>
+          </a:prstGeom>
+          <a:solidFill>
+            <a:schemeClr val="accent1">
+              <a:alpha val="49000"/>
+            </a:schemeClr>
+          </a:solidFill>
+        </p:spPr>
+        <p:style>
+          <a:lnRef idx="2">
+            <a:schemeClr val="accent1">
+              <a:shade val="50000"/>
+            </a:schemeClr>
+          </a:lnRef>
+          <a:fillRef idx="1">
+            <a:schemeClr val="accent1"/>
+          </a:fillRef>
+          <a:effectRef idx="0">
+            <a:schemeClr val="accent1"/>
+          </a:effectRef>
+          <a:fontRef idx="minor">
+            <a:schemeClr val="lt1"/>
+          </a:fontRef>
+        </p:style>
+        <p:txBody>
+          <a:bodyPr rtlCol="0" anchor="ctr"/>
+          <a:lstStyle/>
+          <a:p>
+            <a:pPr algn="ctr"/>
+            <a:r>
+              <a:rPr lang="ru-RU" dirty="0" smtClean="0"/>
+              <a:t>Брокер</a:t>
+            </a:r>
+          </a:p>
+          <a:p>
+            <a:pPr algn="ctr"/>
+            <a:r>
+              <a:rPr lang="en-US" dirty="0" err="1" smtClean="0"/>
+              <a:t>ActiveMQ</a:t>
+            </a:r>
+            <a:endParaRPr lang="ru-RU" dirty="0"/>
+          </a:p>
+        </p:txBody>
+      </p:sp>
+      <p:sp>
+        <p:nvSpPr>
+          <p:cNvPr id="18" name="Блок-схема: магнитный диск 17"/>
+          <p:cNvSpPr/>
+          <p:nvPr/>
+        </p:nvSpPr>
+        <p:spPr>
+          <a:xfrm>
+            <a:off x="1148541" y="3731406"/>
+            <a:ext cx="1080120" cy="792088"/>
+          </a:xfrm>
+          <a:prstGeom prst="flowChartMagneticDisk">
+            <a:avLst/>
+          </a:prstGeom>
+        </p:spPr>
+        <p:style>
+          <a:lnRef idx="2">
+            <a:schemeClr val="accent1">
+              <a:shade val="50000"/>
+            </a:schemeClr>
+          </a:lnRef>
+          <a:fillRef idx="1">
+            <a:schemeClr val="accent1"/>
+          </a:fillRef>
+          <a:effectRef idx="0">
+            <a:schemeClr val="accent1"/>
+          </a:effectRef>
+          <a:fontRef idx="minor">
+            <a:schemeClr val="lt1"/>
+          </a:fontRef>
+        </p:style>
+        <p:txBody>
+          <a:bodyPr rtlCol="0" anchor="ctr"/>
+          <a:lstStyle/>
+          <a:p>
+            <a:pPr algn="ctr"/>
+            <a:r>
+              <a:rPr lang="en-US" dirty="0" smtClean="0"/>
+              <a:t>DLQ</a:t>
+            </a:r>
+            <a:endParaRPr lang="ru-RU" dirty="0"/>
+          </a:p>
+        </p:txBody>
+      </p:sp>
+      <p:cxnSp>
+        <p:nvCxnSpPr>
+          <p:cNvPr id="20" name="Прямая со стрелкой 19"/>
+          <p:cNvCxnSpPr>
+            <a:endCxn id="18" idx="4"/>
+          </p:cNvCxnSpPr>
+          <p:nvPr/>
+        </p:nvCxnSpPr>
+        <p:spPr>
+          <a:xfrm flipH="1">
+            <a:off x="2228661" y="3284984"/>
+            <a:ext cx="3207435" cy="842466"/>
+          </a:xfrm>
+          <a:prstGeom prst="straightConnector1">
+            <a:avLst/>
+          </a:prstGeom>
+          <a:ln>
+            <a:tailEnd type="arrow"/>
+          </a:ln>
+        </p:spPr>
+        <p:style>
+          <a:lnRef idx="1">
+            <a:schemeClr val="accent1"/>
+          </a:lnRef>
+          <a:fillRef idx="0">
+            <a:schemeClr val="accent1"/>
+          </a:fillRef>
+          <a:effectRef idx="0">
+            <a:schemeClr val="accent1"/>
+          </a:effectRef>
+          <a:fontRef idx="minor">
+            <a:schemeClr val="tx1"/>
+          </a:fontRef>
+        </p:style>
+      </p:cxnSp>
+      <p:sp>
+        <p:nvSpPr>
+          <p:cNvPr id="21" name="TextBox 20"/>
+          <p:cNvSpPr txBox="1"/>
+          <p:nvPr/>
+        </p:nvSpPr>
+        <p:spPr>
+          <a:xfrm>
+            <a:off x="3451851" y="3573016"/>
+            <a:ext cx="1577420" cy="369332"/>
+          </a:xfrm>
+          <a:prstGeom prst="rect">
+            <a:avLst/>
+          </a:prstGeom>
+          <a:noFill/>
+        </p:spPr>
+        <p:txBody>
+          <a:bodyPr wrap="none" rtlCol="0">
+            <a:spAutoFit/>
+          </a:bodyPr>
+          <a:lstStyle/>
+          <a:p>
+            <a:r>
+              <a:rPr lang="ru-RU" dirty="0" smtClean="0"/>
+              <a:t>перемещение</a:t>
+            </a:r>
+            <a:endParaRPr lang="ru-RU" dirty="0"/>
+          </a:p>
+        </p:txBody>
+      </p:sp>
+      <p:grpSp>
+        <p:nvGrpSpPr>
+          <p:cNvPr id="32" name="Группа 31"/>
+          <p:cNvGrpSpPr/>
+          <p:nvPr/>
+        </p:nvGrpSpPr>
+        <p:grpSpPr>
+          <a:xfrm>
+            <a:off x="4612614" y="4725144"/>
+            <a:ext cx="558062" cy="1142836"/>
+            <a:chOff x="4427984" y="3942348"/>
+            <a:chExt cx="792088" cy="1718900"/>
+          </a:xfrm>
+        </p:grpSpPr>
+        <p:cxnSp>
+          <p:nvCxnSpPr>
+            <p:cNvPr id="24" name="Прямая соединительная линия 23"/>
+            <p:cNvCxnSpPr/>
+            <p:nvPr/>
+          </p:nvCxnSpPr>
+          <p:spPr>
+            <a:xfrm>
+              <a:off x="4427984" y="4653136"/>
+              <a:ext cx="792088" cy="0"/>
+            </a:xfrm>
+            <a:prstGeom prst="line">
+              <a:avLst/>
+            </a:prstGeom>
+          </p:spPr>
+          <p:style>
+            <a:lnRef idx="1">
+              <a:schemeClr val="accent1"/>
+            </a:lnRef>
+            <a:fillRef idx="0">
+              <a:schemeClr val="accent1"/>
+            </a:fillRef>
+            <a:effectRef idx="0">
+              <a:schemeClr val="accent1"/>
+            </a:effectRef>
+            <a:fontRef idx="minor">
+              <a:schemeClr val="tx1"/>
+            </a:fontRef>
+          </p:style>
+        </p:cxnSp>
+        <p:cxnSp>
+          <p:nvCxnSpPr>
+            <p:cNvPr id="26" name="Прямая соединительная линия 25"/>
+            <p:cNvCxnSpPr/>
+            <p:nvPr/>
+          </p:nvCxnSpPr>
+          <p:spPr>
+            <a:xfrm>
+              <a:off x="4824028" y="4365104"/>
+              <a:ext cx="0" cy="936104"/>
+            </a:xfrm>
+            <a:prstGeom prst="line">
+              <a:avLst/>
+            </a:prstGeom>
+          </p:spPr>
+          <p:style>
+            <a:lnRef idx="1">
+              <a:schemeClr val="accent1"/>
+            </a:lnRef>
+            <a:fillRef idx="0">
+              <a:schemeClr val="accent1"/>
+            </a:fillRef>
+            <a:effectRef idx="0">
+              <a:schemeClr val="accent1"/>
+            </a:effectRef>
+            <a:fontRef idx="minor">
+              <a:schemeClr val="tx1"/>
+            </a:fontRef>
+          </p:style>
+        </p:cxnSp>
+        <p:cxnSp>
+          <p:nvCxnSpPr>
+            <p:cNvPr id="28" name="Прямая соединительная линия 27"/>
+            <p:cNvCxnSpPr/>
+            <p:nvPr/>
+          </p:nvCxnSpPr>
+          <p:spPr>
+            <a:xfrm flipH="1">
+              <a:off x="4499992" y="5301208"/>
+              <a:ext cx="324036" cy="360040"/>
+            </a:xfrm>
+            <a:prstGeom prst="line">
+              <a:avLst/>
+            </a:prstGeom>
+          </p:spPr>
+          <p:style>
+            <a:lnRef idx="1">
+              <a:schemeClr val="accent1"/>
+            </a:lnRef>
+            <a:fillRef idx="0">
+              <a:schemeClr val="accent1"/>
+            </a:fillRef>
+            <a:effectRef idx="0">
+              <a:schemeClr val="accent1"/>
+            </a:effectRef>
+            <a:fontRef idx="minor">
+              <a:schemeClr val="tx1"/>
+            </a:fontRef>
+          </p:style>
+        </p:cxnSp>
+        <p:cxnSp>
+          <p:nvCxnSpPr>
+            <p:cNvPr id="30" name="Прямая соединительная линия 29"/>
+            <p:cNvCxnSpPr/>
+            <p:nvPr/>
+          </p:nvCxnSpPr>
+          <p:spPr>
+            <a:xfrm>
+              <a:off x="4824028" y="5301208"/>
+              <a:ext cx="396044" cy="360040"/>
+            </a:xfrm>
+            <a:prstGeom prst="line">
+              <a:avLst/>
+            </a:prstGeom>
+          </p:spPr>
+          <p:style>
+            <a:lnRef idx="1">
+              <a:schemeClr val="accent1"/>
+            </a:lnRef>
+            <a:fillRef idx="0">
+              <a:schemeClr val="accent1"/>
+            </a:fillRef>
+            <a:effectRef idx="0">
+              <a:schemeClr val="accent1"/>
+            </a:effectRef>
+            <a:fontRef idx="minor">
+              <a:schemeClr val="tx1"/>
+            </a:fontRef>
+          </p:style>
+        </p:cxnSp>
+        <p:sp>
+          <p:nvSpPr>
+            <p:cNvPr id="31" name="Овал 30"/>
+            <p:cNvSpPr/>
+            <p:nvPr/>
+          </p:nvSpPr>
+          <p:spPr>
+            <a:xfrm>
+              <a:off x="4614760" y="3942348"/>
+              <a:ext cx="407290" cy="422756"/>
+            </a:xfrm>
+            <a:prstGeom prst="ellipse">
+              <a:avLst/>
+            </a:prstGeom>
+            <a:noFill/>
+            <a:ln w="12700">
+              <a:solidFill>
+                <a:schemeClr val="accent1">
+                  <a:shade val="50000"/>
+                </a:schemeClr>
+              </a:solidFill>
+            </a:ln>
+          </p:spPr>
+          <p:style>
+            <a:lnRef idx="2">
+              <a:schemeClr val="accent1">
+                <a:shade val="50000"/>
+              </a:schemeClr>
+            </a:lnRef>
+            <a:fillRef idx="1">
+              <a:schemeClr val="accent1"/>
+            </a:fillRef>
+            <a:effectRef idx="0">
+              <a:schemeClr val="accent1"/>
+            </a:effectRef>
+            <a:fontRef idx="minor">
+              <a:schemeClr val="lt1"/>
+            </a:fontRef>
+          </p:style>
+          <p:txBody>
+            <a:bodyPr rtlCol="0" anchor="ctr"/>
+            <a:lstStyle/>
+            <a:p>
+              <a:pPr algn="ctr"/>
+              <a:endParaRPr lang="ru-RU"/>
+            </a:p>
+          </p:txBody>
+        </p:sp>
+      </p:grpSp>
+      <p:sp>
+        <p:nvSpPr>
+          <p:cNvPr id="33" name="TextBox 32"/>
+          <p:cNvSpPr txBox="1"/>
+          <p:nvPr/>
+        </p:nvSpPr>
+        <p:spPr>
+          <a:xfrm>
+            <a:off x="4283968" y="5877272"/>
+            <a:ext cx="1307153" cy="646331"/>
+          </a:xfrm>
+          <a:prstGeom prst="rect">
+            <a:avLst/>
+          </a:prstGeom>
+          <a:noFill/>
+        </p:spPr>
+        <p:txBody>
+          <a:bodyPr wrap="none" rtlCol="0">
+            <a:spAutoFit/>
+          </a:bodyPr>
+          <a:lstStyle/>
+          <a:p>
+            <a:pPr algn="ctr"/>
+            <a:r>
+              <a:rPr lang="ru-RU" dirty="0" smtClean="0"/>
+              <a:t>Служба</a:t>
+            </a:r>
+          </a:p>
+          <a:p>
+            <a:pPr algn="ctr"/>
+            <a:r>
+              <a:rPr lang="ru-RU" dirty="0" smtClean="0"/>
+              <a:t>поддержки</a:t>
+            </a:r>
+            <a:endParaRPr lang="ru-RU" dirty="0"/>
+          </a:p>
+        </p:txBody>
+      </p:sp>
+      <p:cxnSp>
+        <p:nvCxnSpPr>
+          <p:cNvPr id="39" name="Скругленная соединительная линия 38"/>
+          <p:cNvCxnSpPr>
+            <a:stCxn id="18" idx="3"/>
+          </p:cNvCxnSpPr>
+          <p:nvPr/>
+        </p:nvCxnSpPr>
+        <p:spPr>
+          <a:xfrm rot="16200000" flipH="1">
+            <a:off x="2669435" y="3542659"/>
+            <a:ext cx="921730" cy="2883399"/>
+          </a:xfrm>
+          <a:prstGeom prst="curvedConnector2">
+            <a:avLst/>
+          </a:prstGeom>
+          <a:ln>
+            <a:tailEnd type="arrow"/>
+          </a:ln>
+        </p:spPr>
+        <p:style>
+          <a:lnRef idx="1">
+            <a:schemeClr val="accent1"/>
+          </a:lnRef>
+          <a:fillRef idx="0">
+            <a:schemeClr val="accent1"/>
+          </a:fillRef>
+          <a:effectRef idx="0">
+            <a:schemeClr val="accent1"/>
+          </a:effectRef>
+          <a:fontRef idx="minor">
+            <a:schemeClr val="tx1"/>
+          </a:fontRef>
+        </p:style>
+      </p:cxnSp>
+      <p:sp>
+        <p:nvSpPr>
+          <p:cNvPr id="40" name="TextBox 39"/>
+          <p:cNvSpPr txBox="1"/>
+          <p:nvPr/>
+        </p:nvSpPr>
+        <p:spPr>
+          <a:xfrm>
+            <a:off x="2771800" y="5278376"/>
+            <a:ext cx="1133580" cy="369332"/>
+          </a:xfrm>
+          <a:prstGeom prst="rect">
+            <a:avLst/>
+          </a:prstGeom>
+          <a:noFill/>
+        </p:spPr>
+        <p:txBody>
+          <a:bodyPr wrap="none" rtlCol="0">
+            <a:spAutoFit/>
+          </a:bodyPr>
+          <a:lstStyle/>
+          <a:p>
+            <a:r>
+              <a:rPr lang="ru-RU" dirty="0" smtClean="0"/>
+              <a:t>просмотр</a:t>
+            </a:r>
+            <a:endParaRPr lang="ru-RU" dirty="0"/>
+          </a:p>
+        </p:txBody>
+      </p:sp>
+      <p:cxnSp>
+        <p:nvCxnSpPr>
+          <p:cNvPr id="42" name="Скругленная соединительная линия 41"/>
+          <p:cNvCxnSpPr>
+            <a:endCxn id="4" idx="2"/>
+          </p:cNvCxnSpPr>
+          <p:nvPr/>
+        </p:nvCxnSpPr>
+        <p:spPr>
+          <a:xfrm rot="16200000" flipV="1">
+            <a:off x="881591" y="2906941"/>
+            <a:ext cx="3420380" cy="2952330"/>
+          </a:xfrm>
+          <a:prstGeom prst="curvedConnector4">
+            <a:avLst>
+              <a:gd name="adj1" fmla="val 1092"/>
+              <a:gd name="adj2" fmla="val 107743"/>
+            </a:avLst>
+          </a:prstGeom>
+          <a:ln>
+            <a:tailEnd type="arrow"/>
+          </a:ln>
+        </p:spPr>
+        <p:style>
+          <a:lnRef idx="1">
+            <a:schemeClr val="accent1"/>
+          </a:lnRef>
+          <a:fillRef idx="0">
+            <a:schemeClr val="accent1"/>
+          </a:fillRef>
+          <a:effectRef idx="0">
+            <a:schemeClr val="accent1"/>
+          </a:effectRef>
+          <a:fontRef idx="minor">
+            <a:schemeClr val="tx1"/>
+          </a:fontRef>
+        </p:style>
+      </p:cxnSp>
+      <p:sp>
+        <p:nvSpPr>
+          <p:cNvPr id="45" name="TextBox 44"/>
+          <p:cNvSpPr txBox="1"/>
+          <p:nvPr/>
+        </p:nvSpPr>
+        <p:spPr>
+          <a:xfrm>
+            <a:off x="2771800" y="6109243"/>
+            <a:ext cx="1465016" cy="369332"/>
+          </a:xfrm>
+          <a:prstGeom prst="rect">
+            <a:avLst/>
+          </a:prstGeom>
+          <a:noFill/>
+        </p:spPr>
+        <p:txBody>
+          <a:bodyPr wrap="none" rtlCol="0">
+            <a:spAutoFit/>
+          </a:bodyPr>
+          <a:lstStyle/>
+          <a:p>
+            <a:r>
+              <a:rPr lang="ru-RU" dirty="0" smtClean="0"/>
+              <a:t>исправление</a:t>
+            </a:r>
+            <a:endParaRPr lang="ru-RU" dirty="0"/>
+          </a:p>
+        </p:txBody>
+      </p:sp>
+    </p:spTree>
+    <p:extLst>
+      <p:ext uri="{BB962C8B-B14F-4D97-AF65-F5344CB8AC3E}">
+        <p14:creationId xmlns:p14="http://schemas.microsoft.com/office/powerpoint/2010/main" val="2067660295"/>
+      </p:ext>
+    </p:extLst>
+  </p:cSld>
+  <p:clrMapOvr>
+    <a:masterClrMapping/>
+  </p:clrMapOvr>
+</p:sld>
+</file>
+
+<file path=ppt/slides/slide3.xml><?xml version="1.0" encoding="utf-8"?>
+<p:sld xmlns:a="http://schemas.openxmlformats.org/drawingml/2006/main" xmlns:r="http://schemas.openxmlformats.org/officeDocument/2006/relationships" xmlns:p="http://schemas.openxmlformats.org/presentationml/2006/main">
+  <p:cSld>
+    <p:spTree>
+      <p:nvGrpSpPr>
+        <p:cNvPr id="1" name=""/>
+        <p:cNvGrpSpPr/>
+        <p:nvPr/>
+      </p:nvGrpSpPr>
+      <p:grpSpPr>
+        <a:xfrm>
+          <a:off x="0" y="0"/>
+          <a:ext cx="0" cy="0"/>
+          <a:chOff x="0" y="0"/>
+          <a:chExt cx="0" cy="0"/>
+        </a:xfrm>
+      </p:grpSpPr>
+      <p:sp>
+        <p:nvSpPr>
+          <p:cNvPr id="2" name="Заголовок 1"/>
+          <p:cNvSpPr>
+            <a:spLocks noGrp="1"/>
+          </p:cNvSpPr>
+          <p:nvPr>
+            <p:ph type="title"/>
+          </p:nvPr>
+        </p:nvSpPr>
+        <p:spPr/>
+        <p:txBody>
+          <a:bodyPr/>
+          <a:lstStyle/>
+          <a:p>
+            <a:r>
+              <a:rPr lang="ru-RU" dirty="0" smtClean="0"/>
+              <a:t>Тип Архитектуры</a:t>
+            </a:r>
+            <a:endParaRPr lang="ru-RU" dirty="0"/>
+          </a:p>
+        </p:txBody>
+      </p:sp>
       <p:pic>
         <p:nvPicPr>
-          <p:cNvPr id="1028" name="Picture 4"/>
+          <p:cNvPr id="1027" name="Picture 3"/>
           <p:cNvPicPr>
             <a:picLocks noChangeAspect="1" noChangeArrowheads="1"/>
           </p:cNvPicPr>
@@ -6646,8 +9238,8 @@
         </p:blipFill>
         <p:spPr bwMode="auto">
           <a:xfrm>
-            <a:off x="5070296" y="2787295"/>
-            <a:ext cx="720080" cy="720080"/>
+            <a:off x="1889696" y="2848863"/>
+            <a:ext cx="1440160" cy="1472164"/>
           </a:xfrm>
           <a:prstGeom prst="rect">
             <a:avLst/>
@@ -6689,7 +9281,7 @@
       </p:pic>
       <p:pic>
         <p:nvPicPr>
-          <p:cNvPr id="1029" name="Picture 5"/>
+          <p:cNvPr id="1028" name="Picture 4"/>
           <p:cNvPicPr>
             <a:picLocks noChangeAspect="1" noChangeArrowheads="1"/>
           </p:cNvPicPr>
@@ -6710,8 +9302,8 @@
         </p:blipFill>
         <p:spPr bwMode="auto">
           <a:xfrm>
-            <a:off x="6021620" y="2998388"/>
-            <a:ext cx="650556" cy="650556"/>
+            <a:off x="5070296" y="2787295"/>
+            <a:ext cx="720080" cy="720080"/>
           </a:xfrm>
           <a:prstGeom prst="rect">
             <a:avLst/>
@@ -6753,6 +9345,70 @@
       </p:pic>
       <p:pic>
         <p:nvPicPr>
+          <p:cNvPr id="1029" name="Picture 5"/>
+          <p:cNvPicPr>
+            <a:picLocks noChangeAspect="1" noChangeArrowheads="1"/>
+          </p:cNvPicPr>
+          <p:nvPr/>
+        </p:nvPicPr>
+        <p:blipFill>
+          <a:blip r:embed="rId5">
+            <a:extLst>
+              <a:ext uri="{28A0092B-C50C-407E-A947-70E740481C1C}">
+                <a14:useLocalDpi xmlns:a14="http://schemas.microsoft.com/office/drawing/2010/main" val="0"/>
+              </a:ext>
+            </a:extLst>
+          </a:blip>
+          <a:srcRect/>
+          <a:stretch>
+            <a:fillRect/>
+          </a:stretch>
+        </p:blipFill>
+        <p:spPr bwMode="auto">
+          <a:xfrm>
+            <a:off x="6021620" y="2998388"/>
+            <a:ext cx="650556" cy="650556"/>
+          </a:xfrm>
+          <a:prstGeom prst="rect">
+            <a:avLst/>
+          </a:prstGeom>
+          <a:noFill/>
+          <a:ln>
+            <a:noFill/>
+          </a:ln>
+          <a:effectLst/>
+          <a:extLst>
+            <a:ext uri="{909E8E84-426E-40DD-AFC4-6F175D3DCCD1}">
+              <a14:hiddenFill xmlns:a14="http://schemas.microsoft.com/office/drawing/2010/main">
+                <a:solidFill>
+                  <a:schemeClr val="accent1"/>
+                </a:solidFill>
+              </a14:hiddenFill>
+            </a:ext>
+            <a:ext uri="{91240B29-F687-4F45-9708-019B960494DF}">
+              <a14:hiddenLine xmlns:a14="http://schemas.microsoft.com/office/drawing/2010/main" w="9525">
+                <a:solidFill>
+                  <a:schemeClr val="tx1"/>
+                </a:solidFill>
+                <a:miter lim="800000"/>
+                <a:headEnd/>
+                <a:tailEnd/>
+              </a14:hiddenLine>
+            </a:ext>
+            <a:ext uri="{AF507438-7753-43E0-B8FC-AC1667EBCBE1}">
+              <a14:hiddenEffects xmlns:a14="http://schemas.microsoft.com/office/drawing/2010/main">
+                <a:effectLst>
+                  <a:outerShdw dist="35921" dir="2700000" algn="ctr" rotWithShape="0">
+                    <a:schemeClr val="bg2"/>
+                  </a:outerShdw>
+                </a:effectLst>
+              </a14:hiddenEffects>
+            </a:ext>
+          </a:extLst>
+        </p:spPr>
+      </p:pic>
+      <p:pic>
+        <p:nvPicPr>
           <p:cNvPr id="1030" name="Picture 6"/>
           <p:cNvPicPr>
             <a:picLocks noChangeAspect="1" noChangeArrowheads="1"/>
@@ -6760,7 +9416,7 @@
           <p:nvPr/>
         </p:nvPicPr>
         <p:blipFill>
-          <a:blip r:embed="rId5">
+          <a:blip r:embed="rId6">
             <a:extLst>
               <a:ext uri="{28A0092B-C50C-407E-A947-70E740481C1C}">
                 <a14:useLocalDpi xmlns:a14="http://schemas.microsoft.com/office/drawing/2010/main" val="0"/>
@@ -6942,11 +9598,7 @@
           <a:p>
             <a:r>
               <a:rPr lang="ru-RU" dirty="0" smtClean="0"/>
-              <a:t>За </a:t>
-            </a:r>
-            <a:r>
-              <a:rPr lang="ru-RU" dirty="0" smtClean="0"/>
-              <a:t>и Против</a:t>
+              <a:t>За и Против</a:t>
             </a:r>
             <a:endParaRPr lang="ru-RU" dirty="0"/>
           </a:p>
@@ -8060,7 +10712,6 @@
               <a:rPr lang="ru-RU" sz="4000" dirty="0"/>
               <a:t>2</a:t>
             </a:r>
-            <a:endParaRPr lang="ru-RU" sz="4000" dirty="0"/>
           </a:p>
         </p:txBody>
       </p:sp>

--- a/Microservices.pptx
+++ b/Microservices.pptx
@@ -155,7 +155,7 @@
   </p:defaultTextStyle>
   <p:extLst>
     <p:ext uri="{EFAFB233-063F-42B5-8137-9DF3F51BA10A}">
-      <p15:sldGuideLst xmlns:p15="http://schemas.microsoft.com/office/powerpoint/2012/main" xmlns="">
+      <p15:sldGuideLst xmlns="" xmlns:p15="http://schemas.microsoft.com/office/powerpoint/2012/main">
         <p15:guide id="1" orient="horz" pos="373">
           <p15:clr>
             <a:srgbClr val="A4A3A4"/>
@@ -337,7 +337,7 @@
           <a:p>
             <a:fld id="{7F5E9BF7-95E4-A242-BA1D-05FDCF603BE6}" type="datetime1">
               <a:rPr lang="en-US" smtClean="0"/>
-              <a:t>10/29/2015</a:t>
+              <a:t>10/30/2015</a:t>
             </a:fld>
             <a:endParaRPr lang="en-US"/>
           </a:p>
@@ -503,7 +503,7 @@
           <a:p>
             <a:fld id="{165DBCB1-0306-AD41-9452-11E7C08D5C04}" type="datetime1">
               <a:rPr lang="en-US" smtClean="0"/>
-              <a:t>10/29/2015</a:t>
+              <a:t>10/30/2015</a:t>
             </a:fld>
             <a:endParaRPr lang="en-US"/>
           </a:p>
@@ -12931,7 +12931,7 @@
           <a:p>
             <a:fld id="{BA1EE60E-2D75-4960-8A8D-4E97DBD789C3}" type="datetimeFigureOut">
               <a:rPr lang="ru-RU" smtClean="0"/>
-              <a:t>29.10.2015</a:t>
+              <a:t>30.10.2015</a:t>
             </a:fld>
             <a:endParaRPr lang="ru-RU"/>
           </a:p>
@@ -13799,7 +13799,7 @@
           <a:p>
             <a:fld id="{BA1EE60E-2D75-4960-8A8D-4E97DBD789C3}" type="datetimeFigureOut">
               <a:rPr lang="ru-RU" smtClean="0"/>
-              <a:t>29.10.2015</a:t>
+              <a:t>30.10.2015</a:t>
             </a:fld>
             <a:endParaRPr lang="ru-RU"/>
           </a:p>
@@ -14045,7 +14045,7 @@
           <a:p>
             <a:fld id="{BA1EE60E-2D75-4960-8A8D-4E97DBD789C3}" type="datetimeFigureOut">
               <a:rPr lang="ru-RU" smtClean="0"/>
-              <a:t>29.10.2015</a:t>
+              <a:t>30.10.2015</a:t>
             </a:fld>
             <a:endParaRPr lang="ru-RU"/>
           </a:p>
@@ -14333,7 +14333,7 @@
           <a:p>
             <a:fld id="{BA1EE60E-2D75-4960-8A8D-4E97DBD789C3}" type="datetimeFigureOut">
               <a:rPr lang="ru-RU" smtClean="0"/>
-              <a:t>29.10.2015</a:t>
+              <a:t>30.10.2015</a:t>
             </a:fld>
             <a:endParaRPr lang="ru-RU"/>
           </a:p>
@@ -14755,7 +14755,7 @@
           <a:p>
             <a:fld id="{BA1EE60E-2D75-4960-8A8D-4E97DBD789C3}" type="datetimeFigureOut">
               <a:rPr lang="ru-RU" smtClean="0"/>
-              <a:t>29.10.2015</a:t>
+              <a:t>30.10.2015</a:t>
             </a:fld>
             <a:endParaRPr lang="ru-RU"/>
           </a:p>
@@ -14873,7 +14873,7 @@
           <a:p>
             <a:fld id="{BA1EE60E-2D75-4960-8A8D-4E97DBD789C3}" type="datetimeFigureOut">
               <a:rPr lang="ru-RU" smtClean="0"/>
-              <a:t>29.10.2015</a:t>
+              <a:t>30.10.2015</a:t>
             </a:fld>
             <a:endParaRPr lang="ru-RU"/>
           </a:p>
@@ -14968,7 +14968,7 @@
           <a:p>
             <a:fld id="{BA1EE60E-2D75-4960-8A8D-4E97DBD789C3}" type="datetimeFigureOut">
               <a:rPr lang="ru-RU" smtClean="0"/>
-              <a:t>29.10.2015</a:t>
+              <a:t>30.10.2015</a:t>
             </a:fld>
             <a:endParaRPr lang="ru-RU"/>
           </a:p>
@@ -15245,7 +15245,7 @@
           <a:p>
             <a:fld id="{BA1EE60E-2D75-4960-8A8D-4E97DBD789C3}" type="datetimeFigureOut">
               <a:rPr lang="ru-RU" smtClean="0"/>
-              <a:t>29.10.2015</a:t>
+              <a:t>30.10.2015</a:t>
             </a:fld>
             <a:endParaRPr lang="ru-RU"/>
           </a:p>
@@ -15498,7 +15498,7 @@
           <a:p>
             <a:fld id="{BA1EE60E-2D75-4960-8A8D-4E97DBD789C3}" type="datetimeFigureOut">
               <a:rPr lang="ru-RU" smtClean="0"/>
-              <a:t>29.10.2015</a:t>
+              <a:t>30.10.2015</a:t>
             </a:fld>
             <a:endParaRPr lang="ru-RU"/>
           </a:p>
@@ -15668,7 +15668,7 @@
           <a:p>
             <a:fld id="{BA1EE60E-2D75-4960-8A8D-4E97DBD789C3}" type="datetimeFigureOut">
               <a:rPr lang="ru-RU" smtClean="0"/>
-              <a:t>29.10.2015</a:t>
+              <a:t>30.10.2015</a:t>
             </a:fld>
             <a:endParaRPr lang="ru-RU"/>
           </a:p>
@@ -15848,7 +15848,7 @@
           <a:p>
             <a:fld id="{BA1EE60E-2D75-4960-8A8D-4E97DBD789C3}" type="datetimeFigureOut">
               <a:rPr lang="ru-RU" smtClean="0"/>
-              <a:t>29.10.2015</a:t>
+              <a:t>30.10.2015</a:t>
             </a:fld>
             <a:endParaRPr lang="ru-RU"/>
           </a:p>
@@ -21372,7 +21372,7 @@
           <a:p>
             <a:fld id="{BA1EE60E-2D75-4960-8A8D-4E97DBD789C3}" type="datetimeFigureOut">
               <a:rPr lang="ru-RU" smtClean="0"/>
-              <a:t>29.10.2015</a:t>
+              <a:t>30.10.2015</a:t>
             </a:fld>
             <a:endParaRPr lang="ru-RU"/>
           </a:p>
@@ -37918,7 +37918,19 @@
               <a:rPr lang="ru-RU" sz="2800" dirty="0">
                 <a:latin typeface="Trebuchet MS" pitchFamily="34" charset="0"/>
               </a:rPr>
-              <a:t>на стороне сервера</a:t>
+              <a:t>на </a:t>
+            </a:r>
+            <a:r>
+              <a:rPr lang="ru-RU" sz="2800">
+                <a:latin typeface="Trebuchet MS" pitchFamily="34" charset="0"/>
+              </a:rPr>
+              <a:t>стороне </a:t>
+            </a:r>
+            <a:r>
+              <a:rPr lang="ru-RU" sz="2800" smtClean="0">
+                <a:latin typeface="Trebuchet MS" pitchFamily="34" charset="0"/>
+              </a:rPr>
+              <a:t>сервиса</a:t>
             </a:r>
             <a:endParaRPr lang="en-US" sz="2800" dirty="0">
               <a:latin typeface="Trebuchet MS" pitchFamily="34" charset="0"/>
@@ -49660,7 +49672,7 @@
         <p:spPr>
           <a:xfrm>
             <a:off x="346075" y="1272084"/>
-            <a:ext cx="5038725" cy="4062651"/>
+            <a:ext cx="8488832" cy="4062651"/>
           </a:xfrm>
           <a:prstGeom prst="rect">
             <a:avLst/>
@@ -49757,7 +49769,19 @@
             </a:r>
             <a:r>
               <a:rPr lang="ru-RU" sz="2800" dirty="0" smtClean="0"/>
-              <a:t> Нужно автоматизировать</a:t>
+              <a:t> Нужно </a:t>
+            </a:r>
+            <a:r>
+              <a:rPr lang="ru-RU" sz="2800" dirty="0" smtClean="0"/>
+              <a:t>автоматизировать</a:t>
+            </a:r>
+            <a:r>
+              <a:rPr lang="en-US" sz="2800" dirty="0" smtClean="0"/>
+              <a:t> </a:t>
+            </a:r>
+            <a:r>
+              <a:rPr lang="ru-RU" sz="2800" dirty="0" smtClean="0"/>
+              <a:t>развертывание</a:t>
             </a:r>
             <a:endParaRPr lang="en-US" sz="2800" dirty="0"/>
           </a:p>
@@ -51559,21 +51583,21 @@
 </file>
 
 <file path=customXml/item1.xml><?xml version="1.0" encoding="utf-8"?>
+<?mso-contentType ?>
+<FormTemplates xmlns="http://schemas.microsoft.com/sharepoint/v3/contenttype/forms">
+  <Display>DocumentLibraryForm</Display>
+  <Edit>DocumentLibraryForm</Edit>
+  <New>DocumentLibraryForm</New>
+</FormTemplates>
+</file>
+
+<file path=customXml/item2.xml><?xml version="1.0" encoding="utf-8"?>
 <p:properties xmlns:p="http://schemas.microsoft.com/office/2006/metadata/properties" xmlns:xsi="http://www.w3.org/2001/XMLSchema-instance" xmlns:pc="http://schemas.microsoft.com/office/infopath/2007/PartnerControls">
   <documentManagement>
     <PublishingExpirationDate xmlns="http://schemas.microsoft.com/sharepoint/v3" xsi:nil="true"/>
     <PublishingStartDate xmlns="http://schemas.microsoft.com/sharepoint/v3" xsi:nil="true"/>
   </documentManagement>
 </p:properties>
-</file>
-
-<file path=customXml/item2.xml><?xml version="1.0" encoding="utf-8"?>
-<?mso-contentType ?>
-<FormTemplates xmlns="http://schemas.microsoft.com/sharepoint/v3/contenttype/forms">
-  <Display>DocumentLibraryForm</Display>
-  <Edit>DocumentLibraryForm</Edit>
-  <New>DocumentLibraryForm</New>
-</FormTemplates>
 </file>
 
 <file path=customXml/item3.xml><?xml version="1.0" encoding="utf-8"?>
@@ -51709,6 +51733,14 @@
 </file>
 
 <file path=customXml/itemProps1.xml><?xml version="1.0" encoding="utf-8"?>
+<ds:datastoreItem xmlns:ds="http://schemas.openxmlformats.org/officeDocument/2006/customXml" ds:itemID="{14883F0F-DE57-4ECA-B9BB-F22E8C5B5D82}">
+  <ds:schemaRefs>
+    <ds:schemaRef ds:uri="http://schemas.microsoft.com/sharepoint/v3/contenttype/forms"/>
+  </ds:schemaRefs>
+</ds:datastoreItem>
+</file>
+
+<file path=customXml/itemProps2.xml><?xml version="1.0" encoding="utf-8"?>
 <ds:datastoreItem xmlns:ds="http://schemas.openxmlformats.org/officeDocument/2006/customXml" ds:itemID="{D5E3C081-4081-47AD-A9A6-9F18F525DA1D}">
   <ds:schemaRefs>
     <ds:schemaRef ds:uri="http://schemas.microsoft.com/sharepoint/v3"/>
@@ -51720,14 +51752,6 @@
     <ds:schemaRef ds:uri="http://schemas.microsoft.com/office/2006/documentManagement/types"/>
     <ds:schemaRef ds:uri="http://schemas.microsoft.com/office/infopath/2007/PartnerControls"/>
     <ds:schemaRef ds:uri="http://www.w3.org/XML/1998/namespace"/>
-  </ds:schemaRefs>
-</ds:datastoreItem>
-</file>
-
-<file path=customXml/itemProps2.xml><?xml version="1.0" encoding="utf-8"?>
-<ds:datastoreItem xmlns:ds="http://schemas.openxmlformats.org/officeDocument/2006/customXml" ds:itemID="{14883F0F-DE57-4ECA-B9BB-F22E8C5B5D82}">
-  <ds:schemaRefs>
-    <ds:schemaRef ds:uri="http://schemas.microsoft.com/sharepoint/v3/contenttype/forms"/>
   </ds:schemaRefs>
 </ds:datastoreItem>
 </file>

--- a/Microservices.pptx
+++ b/Microservices.pptx
@@ -155,7 +155,7 @@
   </p:defaultTextStyle>
   <p:extLst>
     <p:ext uri="{EFAFB233-063F-42B5-8137-9DF3F51BA10A}">
-      <p15:sldGuideLst xmlns:p15="http://schemas.microsoft.com/office/powerpoint/2012/main" xmlns="">
+      <p15:sldGuideLst xmlns:p15="http://schemas.microsoft.com/office/powerpoint/2012/main">
         <p15:guide id="1" orient="horz" pos="373">
           <p15:clr>
             <a:srgbClr val="A4A3A4"/>
@@ -241,7 +241,41 @@
             <a:srgbClr val="A4A3A4"/>
           </p15:clr>
         </p15:guide>
+        <p15:guide id="18" orient="horz" pos="1167">
+          <p15:clr>
+            <a:srgbClr val="A4A3A4"/>
+          </p15:clr>
+        </p15:guide>
+        <p15:guide id="19" pos="2962">
+          <p15:clr>
+            <a:srgbClr val="A4A3A4"/>
+          </p15:clr>
+        </p15:guide>
+        <p15:guide id="20" pos="258">
+          <p15:clr>
+            <a:srgbClr val="A4A3A4"/>
+          </p15:clr>
+        </p15:guide>
+        <p15:guide id="21" pos="5446">
+          <p15:clr>
+            <a:srgbClr val="A4A3A4"/>
+          </p15:clr>
+        </p15:guide>
       </p15:sldGuideLst>
+    </p:ext>
+    <p:ext uri="{2D200454-40CA-4A62-9FC3-DE9A4176ACB9}">
+      <p15:notesGuideLst xmlns:p15="http://schemas.microsoft.com/office/powerpoint/2012/main">
+        <p15:guide id="1" orient="horz" pos="2880">
+          <p15:clr>
+            <a:srgbClr val="A4A3A4"/>
+          </p15:clr>
+        </p15:guide>
+        <p15:guide id="2" pos="2160">
+          <p15:clr>
+            <a:srgbClr val="A4A3A4"/>
+          </p15:clr>
+        </p15:guide>
+      </p15:notesGuideLst>
     </p:ext>
   </p:extLst>
 </p:presentation>
@@ -337,7 +371,7 @@
           <a:p>
             <a:fld id="{7F5E9BF7-95E4-A242-BA1D-05FDCF603BE6}" type="datetime1">
               <a:rPr lang="en-US" smtClean="0"/>
-              <a:t>10/29/2015</a:t>
+              <a:t>11/12/2015</a:t>
             </a:fld>
             <a:endParaRPr lang="en-US"/>
           </a:p>
@@ -503,7 +537,7 @@
           <a:p>
             <a:fld id="{165DBCB1-0306-AD41-9452-11E7C08D5C04}" type="datetime1">
               <a:rPr lang="en-US" smtClean="0"/>
-              <a:t>10/29/2015</a:t>
+              <a:t>11/12/2015</a:t>
             </a:fld>
             <a:endParaRPr lang="en-US"/>
           </a:p>
@@ -823,8 +857,20 @@
           </a:p>
           <a:p>
             <a:r>
+              <a:rPr lang="en-US" dirty="0" smtClean="0"/>
+              <a:t>C</a:t>
+            </a:r>
+            <a:r>
+              <a:rPr lang="ru-RU" dirty="0" err="1" smtClean="0"/>
+              <a:t>егодня</a:t>
+            </a:r>
+            <a:r>
               <a:rPr lang="ru-RU" dirty="0" smtClean="0"/>
-              <a:t>Меня зовут Виталий. И сегодня мы поговорим о таком</a:t>
+              <a:t> </a:t>
+            </a:r>
+            <a:r>
+              <a:rPr lang="ru-RU" dirty="0" smtClean="0"/>
+              <a:t>мы поговорим о таком</a:t>
             </a:r>
             <a:r>
               <a:rPr lang="ru-RU" baseline="0" dirty="0" smtClean="0"/>
@@ -5308,28 +5354,36 @@
               <a:t>Для заказчика </a:t>
             </a:r>
             <a:r>
-              <a:rPr lang="en-US" dirty="0" smtClean="0"/>
-              <a:t>Copyright</a:t>
+              <a:rPr lang="ru-RU" baseline="0" dirty="0" smtClean="0"/>
+              <a:t>наша </a:t>
+            </a:r>
+            <a:r>
+              <a:rPr lang="ru-RU" baseline="0" dirty="0" smtClean="0"/>
+              <a:t>команда разработала </a:t>
+            </a:r>
+            <a:r>
+              <a:rPr lang="ru-RU" baseline="0" dirty="0" smtClean="0"/>
+              <a:t>приложение</a:t>
             </a:r>
             <a:r>
               <a:rPr lang="en-US" baseline="0" dirty="0" smtClean="0"/>
-              <a:t> Clearance Center </a:t>
+              <a:t>, </a:t>
             </a:r>
             <a:r>
               <a:rPr lang="ru-RU" baseline="0" dirty="0" smtClean="0"/>
-              <a:t>наша команда разработала приложение которое называется </a:t>
-            </a:r>
-            <a:r>
-              <a:rPr lang="en-US" baseline="0" dirty="0" err="1" smtClean="0"/>
-              <a:t>Rightslink</a:t>
+              <a:t>назовем его </a:t>
             </a:r>
             <a:r>
               <a:rPr lang="en-US" baseline="0" dirty="0" smtClean="0"/>
-              <a:t> for Open Access (ROA</a:t>
+              <a:t>APP</a:t>
             </a:r>
             <a:r>
               <a:rPr lang="ru-RU" baseline="0" dirty="0" smtClean="0"/>
-              <a:t> сокращенно). Оно позволяет оплачивать публикацию авторами статей в журналах под открытыми лицензиями. И для корректной работы оно должно представлять достаточно широкий спектр функциональности:</a:t>
+              <a:t>. Для </a:t>
+            </a:r>
+            <a:r>
+              <a:rPr lang="ru-RU" baseline="0" dirty="0" smtClean="0"/>
+              <a:t>корректной работы оно должно представлять достаточно широкий спектр функциональности:</a:t>
             </a:r>
           </a:p>
           <a:p>
@@ -5379,7 +5433,15 @@
             </a:pPr>
             <a:r>
               <a:rPr lang="ru-RU" baseline="0" dirty="0" smtClean="0"/>
-              <a:t>И если бы РОА создавалось по монолитной архитектуре, то вся эта функциональность включалась бы в приложение в качестве кода или библиотек</a:t>
+              <a:t>И если бы </a:t>
+            </a:r>
+            <a:r>
+              <a:rPr lang="ru-RU" baseline="0" dirty="0" smtClean="0"/>
+              <a:t>оно создавалось </a:t>
+            </a:r>
+            <a:r>
+              <a:rPr lang="ru-RU" baseline="0" dirty="0" smtClean="0"/>
+              <a:t>по монолитной архитектуре, то вся эта функциональность включалась бы в приложение в качестве кода или библиотек</a:t>
             </a:r>
           </a:p>
           <a:p>
@@ -5745,8 +5807,12 @@
               <a:t> спектр услуг </a:t>
             </a:r>
             <a:r>
+              <a:rPr lang="ru-RU" baseline="0" dirty="0" smtClean="0"/>
+              <a:t>заказчика</a:t>
+            </a:r>
+            <a:r>
               <a:rPr lang="en-US" baseline="0" dirty="0" smtClean="0"/>
-              <a:t>Copyright Clearance Center </a:t>
+              <a:t> </a:t>
             </a:r>
             <a:r>
               <a:rPr lang="ru-RU" baseline="0" dirty="0" smtClean="0"/>
@@ -5842,7 +5908,19 @@
           <a:p>
             <a:r>
               <a:rPr lang="ru-RU" dirty="0" smtClean="0"/>
-              <a:t>Но вместо этого РОА как и другие приложения</a:t>
+              <a:t>Но вместо этого </a:t>
+            </a:r>
+            <a:r>
+              <a:rPr lang="en-US" dirty="0" smtClean="0"/>
+              <a:t>APP </a:t>
+            </a:r>
+            <a:r>
+              <a:rPr lang="ru-RU" dirty="0" smtClean="0"/>
+              <a:t>как </a:t>
+            </a:r>
+            <a:r>
+              <a:rPr lang="ru-RU" dirty="0" smtClean="0"/>
+              <a:t>и другие приложения</a:t>
             </a:r>
             <a:r>
               <a:rPr lang="ru-RU" baseline="0" dirty="0" smtClean="0"/>
@@ -12931,7 +13009,7 @@
           <a:p>
             <a:fld id="{BA1EE60E-2D75-4960-8A8D-4E97DBD789C3}" type="datetimeFigureOut">
               <a:rPr lang="ru-RU" smtClean="0"/>
-              <a:t>29.10.2015</a:t>
+              <a:t>12.11.2015</a:t>
             </a:fld>
             <a:endParaRPr lang="ru-RU"/>
           </a:p>
@@ -13799,7 +13877,7 @@
           <a:p>
             <a:fld id="{BA1EE60E-2D75-4960-8A8D-4E97DBD789C3}" type="datetimeFigureOut">
               <a:rPr lang="ru-RU" smtClean="0"/>
-              <a:t>29.10.2015</a:t>
+              <a:t>12.11.2015</a:t>
             </a:fld>
             <a:endParaRPr lang="ru-RU"/>
           </a:p>
@@ -14045,7 +14123,7 @@
           <a:p>
             <a:fld id="{BA1EE60E-2D75-4960-8A8D-4E97DBD789C3}" type="datetimeFigureOut">
               <a:rPr lang="ru-RU" smtClean="0"/>
-              <a:t>29.10.2015</a:t>
+              <a:t>12.11.2015</a:t>
             </a:fld>
             <a:endParaRPr lang="ru-RU"/>
           </a:p>
@@ -14333,7 +14411,7 @@
           <a:p>
             <a:fld id="{BA1EE60E-2D75-4960-8A8D-4E97DBD789C3}" type="datetimeFigureOut">
               <a:rPr lang="ru-RU" smtClean="0"/>
-              <a:t>29.10.2015</a:t>
+              <a:t>12.11.2015</a:t>
             </a:fld>
             <a:endParaRPr lang="ru-RU"/>
           </a:p>
@@ -14755,7 +14833,7 @@
           <a:p>
             <a:fld id="{BA1EE60E-2D75-4960-8A8D-4E97DBD789C3}" type="datetimeFigureOut">
               <a:rPr lang="ru-RU" smtClean="0"/>
-              <a:t>29.10.2015</a:t>
+              <a:t>12.11.2015</a:t>
             </a:fld>
             <a:endParaRPr lang="ru-RU"/>
           </a:p>
@@ -14873,7 +14951,7 @@
           <a:p>
             <a:fld id="{BA1EE60E-2D75-4960-8A8D-4E97DBD789C3}" type="datetimeFigureOut">
               <a:rPr lang="ru-RU" smtClean="0"/>
-              <a:t>29.10.2015</a:t>
+              <a:t>12.11.2015</a:t>
             </a:fld>
             <a:endParaRPr lang="ru-RU"/>
           </a:p>
@@ -14968,7 +15046,7 @@
           <a:p>
             <a:fld id="{BA1EE60E-2D75-4960-8A8D-4E97DBD789C3}" type="datetimeFigureOut">
               <a:rPr lang="ru-RU" smtClean="0"/>
-              <a:t>29.10.2015</a:t>
+              <a:t>12.11.2015</a:t>
             </a:fld>
             <a:endParaRPr lang="ru-RU"/>
           </a:p>
@@ -15245,7 +15323,7 @@
           <a:p>
             <a:fld id="{BA1EE60E-2D75-4960-8A8D-4E97DBD789C3}" type="datetimeFigureOut">
               <a:rPr lang="ru-RU" smtClean="0"/>
-              <a:t>29.10.2015</a:t>
+              <a:t>12.11.2015</a:t>
             </a:fld>
             <a:endParaRPr lang="ru-RU"/>
           </a:p>
@@ -15498,7 +15576,7 @@
           <a:p>
             <a:fld id="{BA1EE60E-2D75-4960-8A8D-4E97DBD789C3}" type="datetimeFigureOut">
               <a:rPr lang="ru-RU" smtClean="0"/>
-              <a:t>29.10.2015</a:t>
+              <a:t>12.11.2015</a:t>
             </a:fld>
             <a:endParaRPr lang="ru-RU"/>
           </a:p>
@@ -15668,7 +15746,7 @@
           <a:p>
             <a:fld id="{BA1EE60E-2D75-4960-8A8D-4E97DBD789C3}" type="datetimeFigureOut">
               <a:rPr lang="ru-RU" smtClean="0"/>
-              <a:t>29.10.2015</a:t>
+              <a:t>12.11.2015</a:t>
             </a:fld>
             <a:endParaRPr lang="ru-RU"/>
           </a:p>
@@ -15848,7 +15926,7 @@
           <a:p>
             <a:fld id="{BA1EE60E-2D75-4960-8A8D-4E97DBD789C3}" type="datetimeFigureOut">
               <a:rPr lang="ru-RU" smtClean="0"/>
-              <a:t>29.10.2015</a:t>
+              <a:t>12.11.2015</a:t>
             </a:fld>
             <a:endParaRPr lang="ru-RU"/>
           </a:p>
@@ -21372,7 +21450,7 @@
           <a:p>
             <a:fld id="{BA1EE60E-2D75-4960-8A8D-4E97DBD789C3}" type="datetimeFigureOut">
               <a:rPr lang="ru-RU" smtClean="0"/>
-              <a:t>29.10.2015</a:t>
+              <a:t>12.11.2015</a:t>
             </a:fld>
             <a:endParaRPr lang="ru-RU"/>
           </a:p>
@@ -47065,7 +47143,7 @@
             <a:pPr algn="ctr"/>
             <a:r>
               <a:rPr lang="en-US" sz="4000" dirty="0" smtClean="0"/>
-              <a:t>ROA</a:t>
+              <a:t>APP</a:t>
             </a:r>
             <a:endParaRPr lang="ru-RU" sz="4000" dirty="0"/>
           </a:p>
@@ -47347,63 +47425,9 @@
             <a:pPr algn="ctr"/>
             <a:r>
               <a:rPr lang="ru-RU" dirty="0" smtClean="0"/>
-              <a:t>Справочник Издателей</a:t>
+              <a:t>Справочник</a:t>
             </a:r>
             <a:endParaRPr lang="ru-RU" dirty="0"/>
-          </a:p>
-        </p:txBody>
-      </p:sp>
-      <p:sp>
-        <p:nvSpPr>
-          <p:cNvPr id="12" name="TextBox 11"/>
-          <p:cNvSpPr txBox="1"/>
-          <p:nvPr/>
-        </p:nvSpPr>
-        <p:spPr>
-          <a:xfrm>
-            <a:off x="2206773" y="5847950"/>
-            <a:ext cx="4669483" cy="584775"/>
-          </a:xfrm>
-          <a:prstGeom prst="rect">
-            <a:avLst/>
-          </a:prstGeom>
-          <a:noFill/>
-        </p:spPr>
-        <p:txBody>
-          <a:bodyPr wrap="none" rtlCol="0">
-            <a:spAutoFit/>
-          </a:bodyPr>
-          <a:lstStyle/>
-          <a:p>
-            <a:r>
-              <a:rPr lang="en-US" sz="3200" b="1" i="1" u="sng" dirty="0" err="1" smtClean="0"/>
-              <a:t>R</a:t>
-            </a:r>
-            <a:r>
-              <a:rPr lang="en-US" sz="3200" b="1" dirty="0" err="1" smtClean="0"/>
-              <a:t>ightslink</a:t>
-            </a:r>
-            <a:r>
-              <a:rPr lang="en-US" sz="3200" b="1" dirty="0" smtClean="0"/>
-              <a:t> for </a:t>
-            </a:r>
-            <a:r>
-              <a:rPr lang="en-US" sz="3200" b="1" i="1" u="sng" dirty="0" smtClean="0"/>
-              <a:t>O</a:t>
-            </a:r>
-            <a:r>
-              <a:rPr lang="en-US" sz="3200" b="1" dirty="0" smtClean="0"/>
-              <a:t>pen </a:t>
-            </a:r>
-            <a:r>
-              <a:rPr lang="en-US" sz="3200" b="1" i="1" u="sng" dirty="0" smtClean="0"/>
-              <a:t>A</a:t>
-            </a:r>
-            <a:r>
-              <a:rPr lang="en-US" sz="3200" b="1" dirty="0" smtClean="0"/>
-              <a:t>ccess</a:t>
-            </a:r>
-            <a:endParaRPr lang="ru-RU" sz="3200" b="1" dirty="0"/>
           </a:p>
         </p:txBody>
       </p:sp>
@@ -47842,7 +47866,11 @@
             <a:pPr algn="ctr"/>
             <a:r>
               <a:rPr lang="en-US" sz="4000" dirty="0" smtClean="0"/>
-              <a:t>copyright.com</a:t>
+              <a:t>company</a:t>
+            </a:r>
+            <a:r>
+              <a:rPr lang="en-US" sz="4000" dirty="0" smtClean="0"/>
+              <a:t>.com</a:t>
             </a:r>
             <a:endParaRPr lang="ru-RU" sz="4000" dirty="0"/>
           </a:p>
@@ -47936,7 +47964,7 @@
             <a:pPr algn="ctr"/>
             <a:r>
               <a:rPr lang="en-US" sz="4000" dirty="0" smtClean="0"/>
-              <a:t>ROA</a:t>
+              <a:t>APP</a:t>
             </a:r>
             <a:endParaRPr lang="ru-RU" sz="4000" dirty="0"/>
           </a:p>
@@ -48520,7 +48548,7 @@
             <a:pPr algn="ctr"/>
             <a:r>
               <a:rPr lang="en-US" dirty="0" smtClean="0"/>
-              <a:t>ROA</a:t>
+              <a:t>APP</a:t>
             </a:r>
             <a:endParaRPr lang="ru-RU" dirty="0"/>
           </a:p>
@@ -51559,15 +51587,6 @@
 </file>
 
 <file path=customXml/item1.xml><?xml version="1.0" encoding="utf-8"?>
-<p:properties xmlns:p="http://schemas.microsoft.com/office/2006/metadata/properties" xmlns:xsi="http://www.w3.org/2001/XMLSchema-instance" xmlns:pc="http://schemas.microsoft.com/office/infopath/2007/PartnerControls">
-  <documentManagement>
-    <PublishingExpirationDate xmlns="http://schemas.microsoft.com/sharepoint/v3" xsi:nil="true"/>
-    <PublishingStartDate xmlns="http://schemas.microsoft.com/sharepoint/v3" xsi:nil="true"/>
-  </documentManagement>
-</p:properties>
-</file>
-
-<file path=customXml/item2.xml><?xml version="1.0" encoding="utf-8"?>
 <?mso-contentType ?>
 <FormTemplates xmlns="http://schemas.microsoft.com/sharepoint/v3/contenttype/forms">
   <Display>DocumentLibraryForm</Display>
@@ -51576,7 +51595,7 @@
 </FormTemplates>
 </file>
 
-<file path=customXml/item3.xml><?xml version="1.0" encoding="utf-8"?>
+<file path=customXml/item2.xml><?xml version="1.0" encoding="utf-8"?>
 <ct:contentTypeSchema xmlns:ct="http://schemas.microsoft.com/office/2006/metadata/contentType" xmlns:ma="http://schemas.microsoft.com/office/2006/metadata/properties/metaAttributes" ct:_="" ma:_="" ma:contentTypeName="Document" ma:contentTypeID="0x010100B0E9A4A7D20EA84CAA39F80EA2A19865" ma:contentTypeVersion="1" ma:contentTypeDescription="Create a new document." ma:contentTypeScope="" ma:versionID="4ed0c655cf5595f31b06ef1418ca28bf">
   <xsd:schema xmlns:xsd="http://www.w3.org/2001/XMLSchema" xmlns:xs="http://www.w3.org/2001/XMLSchema" xmlns:p="http://schemas.microsoft.com/office/2006/metadata/properties" xmlns:ns1="http://schemas.microsoft.com/sharepoint/v3" targetNamespace="http://schemas.microsoft.com/office/2006/metadata/properties" ma:root="true" ma:fieldsID="4dcce58c87e9fcebab8021569449a8d0" ns1:_="">
     <xsd:import namespace="http://schemas.microsoft.com/sharepoint/v3"/>
@@ -51708,23 +51727,16 @@
 </ct:contentTypeSchema>
 </file>
 
-<file path=customXml/itemProps1.xml><?xml version="1.0" encoding="utf-8"?>
-<ds:datastoreItem xmlns:ds="http://schemas.openxmlformats.org/officeDocument/2006/customXml" ds:itemID="{D5E3C081-4081-47AD-A9A6-9F18F525DA1D}">
-  <ds:schemaRefs>
-    <ds:schemaRef ds:uri="http://schemas.microsoft.com/sharepoint/v3"/>
-    <ds:schemaRef ds:uri="http://purl.org/dc/dcmitype/"/>
-    <ds:schemaRef ds:uri="http://schemas.microsoft.com/office/2006/metadata/properties"/>
-    <ds:schemaRef ds:uri="http://purl.org/dc/terms/"/>
-    <ds:schemaRef ds:uri="http://purl.org/dc/elements/1.1/"/>
-    <ds:schemaRef ds:uri="http://schemas.openxmlformats.org/package/2006/metadata/core-properties"/>
-    <ds:schemaRef ds:uri="http://schemas.microsoft.com/office/2006/documentManagement/types"/>
-    <ds:schemaRef ds:uri="http://schemas.microsoft.com/office/infopath/2007/PartnerControls"/>
-    <ds:schemaRef ds:uri="http://www.w3.org/XML/1998/namespace"/>
-  </ds:schemaRefs>
-</ds:datastoreItem>
+<file path=customXml/item3.xml><?xml version="1.0" encoding="utf-8"?>
+<p:properties xmlns:p="http://schemas.microsoft.com/office/2006/metadata/properties" xmlns:xsi="http://www.w3.org/2001/XMLSchema-instance" xmlns:pc="http://schemas.microsoft.com/office/infopath/2007/PartnerControls">
+  <documentManagement>
+    <PublishingExpirationDate xmlns="http://schemas.microsoft.com/sharepoint/v3" xsi:nil="true"/>
+    <PublishingStartDate xmlns="http://schemas.microsoft.com/sharepoint/v3" xsi:nil="true"/>
+  </documentManagement>
+</p:properties>
 </file>
 
-<file path=customXml/itemProps2.xml><?xml version="1.0" encoding="utf-8"?>
+<file path=customXml/itemProps1.xml><?xml version="1.0" encoding="utf-8"?>
 <ds:datastoreItem xmlns:ds="http://schemas.openxmlformats.org/officeDocument/2006/customXml" ds:itemID="{14883F0F-DE57-4ECA-B9BB-F22E8C5B5D82}">
   <ds:schemaRefs>
     <ds:schemaRef ds:uri="http://schemas.microsoft.com/sharepoint/v3/contenttype/forms"/>
@@ -51732,7 +51744,7 @@
 </ds:datastoreItem>
 </file>
 
-<file path=customXml/itemProps3.xml><?xml version="1.0" encoding="utf-8"?>
+<file path=customXml/itemProps2.xml><?xml version="1.0" encoding="utf-8"?>
 <ds:datastoreItem xmlns:ds="http://schemas.openxmlformats.org/officeDocument/2006/customXml" ds:itemID="{C3A1A37E-F8E3-427A-BCE9-B1DDB8B96CDF}">
   <ds:schemaRefs>
     <ds:schemaRef ds:uri="http://schemas.microsoft.com/office/2006/metadata/contentType"/>
@@ -51748,4 +51760,20 @@
     <ds:schemaRef ds:uri="http://schemas.microsoft.com/internal/obd"/>
   </ds:schemaRefs>
 </ds:datastoreItem>
+</file>
+
+<file path=customXml/itemProps3.xml><?xml version="1.0" encoding="utf-8"?>
+<ds:datastoreItem xmlns:ds="http://schemas.openxmlformats.org/officeDocument/2006/customXml" ds:itemID="{D5E3C081-4081-47AD-A9A6-9F18F525DA1D}">
+  <ds:schemaRefs>
+    <ds:schemaRef ds:uri="http://schemas.microsoft.com/sharepoint/v3"/>
+    <ds:schemaRef ds:uri="http://purl.org/dc/dcmitype/"/>
+    <ds:schemaRef ds:uri="http://schemas.microsoft.com/office/2006/metadata/properties"/>
+    <ds:schemaRef ds:uri="http://purl.org/dc/terms/"/>
+    <ds:schemaRef ds:uri="http://purl.org/dc/elements/1.1/"/>
+    <ds:schemaRef ds:uri="http://schemas.openxmlformats.org/package/2006/metadata/core-properties"/>
+    <ds:schemaRef ds:uri="http://schemas.microsoft.com/office/2006/documentManagement/types"/>
+    <ds:schemaRef ds:uri="http://schemas.microsoft.com/office/infopath/2007/PartnerControls"/>
+    <ds:schemaRef ds:uri="http://www.w3.org/XML/1998/namespace"/>
+  </ds:schemaRefs>
+</ds:datastoreItem>
 </file>